--- a/images/axis.pptx
+++ b/images/axis.pptx
@@ -11627,8 +11627,8 @@
                   </p:sp>
                 </mc:Fallback>
               </mc:AlternateContent>
-              <mc:AlternateContent xmlns:mc="http://schemas.openxmlformats.org/markup-compatibility/2006">
-                <mc:Choice xmlns:a14="http://schemas.microsoft.com/office/drawing/2010/main" Requires="a14">
+              <mc:AlternateContent xmlns:mc="http://schemas.openxmlformats.org/markup-compatibility/2006" xmlns:a14="http://schemas.microsoft.com/office/drawing/2010/main">
+                <mc:Choice Requires="a14">
                   <p:sp>
                     <p:nvSpPr>
                       <p:cNvPr id="60" name="TextBox 59">
@@ -11730,7 +11730,7 @@
                     </p:txBody>
                   </p:sp>
                 </mc:Choice>
-                <mc:Fallback>
+                <mc:Fallback xmlns="">
                   <p:sp>
                     <p:nvSpPr>
                       <p:cNvPr id="60" name="TextBox 59">
@@ -13987,8 +13987,8 @@
               <a:chExt cx="1569927" cy="942701"/>
             </a:xfrm>
           </p:grpSpPr>
-          <mc:AlternateContent xmlns:mc="http://schemas.openxmlformats.org/markup-compatibility/2006">
-            <mc:Choice xmlns:a14="http://schemas.microsoft.com/office/drawing/2010/main" Requires="a14">
+          <mc:AlternateContent xmlns:mc="http://schemas.openxmlformats.org/markup-compatibility/2006" xmlns:a14="http://schemas.microsoft.com/office/drawing/2010/main">
+            <mc:Choice Requires="a14">
               <p:sp>
                 <p:nvSpPr>
                   <p:cNvPr id="83" name="TextBox 82">
@@ -14080,7 +14080,7 @@
                 </p:txBody>
               </p:sp>
             </mc:Choice>
-            <mc:Fallback>
+            <mc:Fallback xmlns="">
               <p:sp>
                 <p:nvSpPr>
                   <p:cNvPr id="83" name="TextBox 82">
@@ -14397,8 +14397,8 @@
               </p:txBody>
             </p:sp>
           </p:grpSp>
-          <mc:AlternateContent xmlns:mc="http://schemas.openxmlformats.org/markup-compatibility/2006">
-            <mc:Choice xmlns:a14="http://schemas.microsoft.com/office/drawing/2010/main" Requires="a14">
+          <mc:AlternateContent xmlns:mc="http://schemas.openxmlformats.org/markup-compatibility/2006" xmlns:a14="http://schemas.microsoft.com/office/drawing/2010/main">
+            <mc:Choice Requires="a14">
               <p:sp>
                 <p:nvSpPr>
                   <p:cNvPr id="8" name="TextBox 7">
@@ -14453,25 +14453,7 @@
                                   </a:solidFill>
                                   <a:latin typeface="Cambria Math" panose="02040503050406030204" pitchFamily="18" charset="0"/>
                                 </a:rPr>
-                                <m:t>−1</m:t>
-                              </m:r>
-                              <m:r>
-                                <a:rPr lang="en-US" sz="1100" b="0" i="1" dirty="0" smtClean="0">
-                                  <a:solidFill>
-                                    <a:srgbClr val="C00000"/>
-                                  </a:solidFill>
-                                  <a:latin typeface="Cambria Math" panose="02040503050406030204" pitchFamily="18" charset="0"/>
-                                </a:rPr>
-                                <m:t>,</m:t>
-                              </m:r>
-                              <m:r>
-                                <a:rPr lang="en-US" sz="1100" b="0" i="1" dirty="0" smtClean="0">
-                                  <a:solidFill>
-                                    <a:srgbClr val="C00000"/>
-                                  </a:solidFill>
-                                  <a:latin typeface="Cambria Math" panose="02040503050406030204" pitchFamily="18" charset="0"/>
-                                </a:rPr>
-                                <m:t>0</m:t>
+                                <m:t>−1,0</m:t>
                               </m:r>
                             </m:e>
                           </m:d>
@@ -14487,7 +14469,7 @@
                 </p:txBody>
               </p:sp>
             </mc:Choice>
-            <mc:Fallback>
+            <mc:Fallback xmlns="">
               <p:sp>
                 <p:nvSpPr>
                   <p:cNvPr id="8" name="TextBox 7">
@@ -14532,8 +14514,8 @@
               </p:sp>
             </mc:Fallback>
           </mc:AlternateContent>
-          <mc:AlternateContent xmlns:mc="http://schemas.openxmlformats.org/markup-compatibility/2006">
-            <mc:Choice xmlns:a14="http://schemas.microsoft.com/office/drawing/2010/main" Requires="a14">
+          <mc:AlternateContent xmlns:mc="http://schemas.openxmlformats.org/markup-compatibility/2006" xmlns:a14="http://schemas.microsoft.com/office/drawing/2010/main">
+            <mc:Choice Requires="a14">
               <p:sp>
                 <p:nvSpPr>
                   <p:cNvPr id="14" name="TextBox 13">
@@ -14588,25 +14570,7 @@
                                   </a:solidFill>
                                   <a:latin typeface="Cambria Math" panose="02040503050406030204" pitchFamily="18" charset="0"/>
                                 </a:rPr>
-                                <m:t>0</m:t>
-                              </m:r>
-                              <m:r>
-                                <a:rPr lang="en-US" sz="1100" b="0" i="1" dirty="0" smtClean="0">
-                                  <a:solidFill>
-                                    <a:srgbClr val="C00000"/>
-                                  </a:solidFill>
-                                  <a:latin typeface="Cambria Math" panose="02040503050406030204" pitchFamily="18" charset="0"/>
-                                </a:rPr>
-                                <m:t>,</m:t>
-                              </m:r>
-                              <m:r>
-                                <a:rPr lang="en-US" sz="1100" b="0" i="1" dirty="0" smtClean="0">
-                                  <a:solidFill>
-                                    <a:srgbClr val="C00000"/>
-                                  </a:solidFill>
-                                  <a:latin typeface="Cambria Math" panose="02040503050406030204" pitchFamily="18" charset="0"/>
-                                </a:rPr>
-                                <m:t>1</m:t>
+                                <m:t>0,1</m:t>
                               </m:r>
                             </m:e>
                           </m:d>
@@ -14622,7 +14586,7 @@
                 </p:txBody>
               </p:sp>
             </mc:Choice>
-            <mc:Fallback>
+            <mc:Fallback xmlns="">
               <p:sp>
                 <p:nvSpPr>
                   <p:cNvPr id="14" name="TextBox 13">
@@ -14958,8 +14922,8 @@
               </p:txBody>
             </p:sp>
           </p:grpSp>
-          <mc:AlternateContent xmlns:mc="http://schemas.openxmlformats.org/markup-compatibility/2006">
-            <mc:Choice xmlns:a14="http://schemas.microsoft.com/office/drawing/2010/main" Requires="a14">
+          <mc:AlternateContent xmlns:mc="http://schemas.openxmlformats.org/markup-compatibility/2006" xmlns:a14="http://schemas.microsoft.com/office/drawing/2010/main">
+            <mc:Choice Requires="a14">
               <p:sp>
                 <p:nvSpPr>
                   <p:cNvPr id="82" name="TextBox 81">
@@ -15051,7 +15015,7 @@
                 </p:txBody>
               </p:sp>
             </mc:Choice>
-            <mc:Fallback>
+            <mc:Fallback xmlns="">
               <p:sp>
                 <p:nvSpPr>
                   <p:cNvPr id="82" name="TextBox 81">
@@ -15096,8 +15060,8 @@
               </p:sp>
             </mc:Fallback>
           </mc:AlternateContent>
-          <mc:AlternateContent xmlns:mc="http://schemas.openxmlformats.org/markup-compatibility/2006">
-            <mc:Choice xmlns:a14="http://schemas.microsoft.com/office/drawing/2010/main" Requires="a14">
+          <mc:AlternateContent xmlns:mc="http://schemas.openxmlformats.org/markup-compatibility/2006" xmlns:a14="http://schemas.microsoft.com/office/drawing/2010/main">
+            <mc:Choice Requires="a14">
               <p:sp>
                 <p:nvSpPr>
                   <p:cNvPr id="20" name="TextBox 19">
@@ -15152,25 +15116,7 @@
                                   </a:solidFill>
                                   <a:latin typeface="Cambria Math" panose="02040503050406030204" pitchFamily="18" charset="0"/>
                                 </a:rPr>
-                                <m:t>−1</m:t>
-                              </m:r>
-                              <m:r>
-                                <a:rPr lang="en-US" sz="1100" b="0" i="1" dirty="0" smtClean="0">
-                                  <a:solidFill>
-                                    <a:srgbClr val="C00000"/>
-                                  </a:solidFill>
-                                  <a:latin typeface="Cambria Math" panose="02040503050406030204" pitchFamily="18" charset="0"/>
-                                </a:rPr>
-                                <m:t>,</m:t>
-                              </m:r>
-                              <m:r>
-                                <a:rPr lang="en-US" sz="1100" b="0" i="1" dirty="0" smtClean="0">
-                                  <a:solidFill>
-                                    <a:srgbClr val="C00000"/>
-                                  </a:solidFill>
-                                  <a:latin typeface="Cambria Math" panose="02040503050406030204" pitchFamily="18" charset="0"/>
-                                </a:rPr>
-                                <m:t>0</m:t>
+                                <m:t>−1,0</m:t>
                               </m:r>
                             </m:e>
                           </m:d>
@@ -15186,7 +15132,7 @@
                 </p:txBody>
               </p:sp>
             </mc:Choice>
-            <mc:Fallback>
+            <mc:Fallback xmlns="">
               <p:sp>
                 <p:nvSpPr>
                   <p:cNvPr id="20" name="TextBox 19">
@@ -15231,8 +15177,8 @@
               </p:sp>
             </mc:Fallback>
           </mc:AlternateContent>
-          <mc:AlternateContent xmlns:mc="http://schemas.openxmlformats.org/markup-compatibility/2006">
-            <mc:Choice xmlns:a14="http://schemas.microsoft.com/office/drawing/2010/main" Requires="a14">
+          <mc:AlternateContent xmlns:mc="http://schemas.openxmlformats.org/markup-compatibility/2006" xmlns:a14="http://schemas.microsoft.com/office/drawing/2010/main">
+            <mc:Choice Requires="a14">
               <p:sp>
                 <p:nvSpPr>
                   <p:cNvPr id="33" name="TextBox 32">
@@ -15287,25 +15233,7 @@
                                   </a:solidFill>
                                   <a:latin typeface="Cambria Math" panose="02040503050406030204" pitchFamily="18" charset="0"/>
                                 </a:rPr>
-                                <m:t>0</m:t>
-                              </m:r>
-                              <m:r>
-                                <a:rPr lang="en-US" sz="1100" b="0" i="1" dirty="0" smtClean="0">
-                                  <a:solidFill>
-                                    <a:srgbClr val="C00000"/>
-                                  </a:solidFill>
-                                  <a:latin typeface="Cambria Math" panose="02040503050406030204" pitchFamily="18" charset="0"/>
-                                </a:rPr>
-                                <m:t>,</m:t>
-                              </m:r>
-                              <m:r>
-                                <a:rPr lang="en-US" sz="1100" b="0" i="1" dirty="0" smtClean="0">
-                                  <a:solidFill>
-                                    <a:srgbClr val="C00000"/>
-                                  </a:solidFill>
-                                  <a:latin typeface="Cambria Math" panose="02040503050406030204" pitchFamily="18" charset="0"/>
-                                </a:rPr>
-                                <m:t>−1</m:t>
+                                <m:t>0,−1</m:t>
                               </m:r>
                             </m:e>
                           </m:d>
@@ -15321,7 +15249,7 @@
                 </p:txBody>
               </p:sp>
             </mc:Choice>
-            <mc:Fallback>
+            <mc:Fallback xmlns="">
               <p:sp>
                 <p:nvSpPr>
                   <p:cNvPr id="33" name="TextBox 32">
@@ -15657,8 +15585,8 @@
               </p:txBody>
             </p:sp>
           </p:grpSp>
-          <mc:AlternateContent xmlns:mc="http://schemas.openxmlformats.org/markup-compatibility/2006">
-            <mc:Choice xmlns:a14="http://schemas.microsoft.com/office/drawing/2010/main" Requires="a14">
+          <mc:AlternateContent xmlns:mc="http://schemas.openxmlformats.org/markup-compatibility/2006" xmlns:a14="http://schemas.microsoft.com/office/drawing/2010/main">
+            <mc:Choice Requires="a14">
               <p:sp>
                 <p:nvSpPr>
                   <p:cNvPr id="81" name="TextBox 80">
@@ -15750,7 +15678,7 @@
                 </p:txBody>
               </p:sp>
             </mc:Choice>
-            <mc:Fallback>
+            <mc:Fallback xmlns="">
               <p:sp>
                 <p:nvSpPr>
                   <p:cNvPr id="81" name="TextBox 80">
@@ -15795,8 +15723,8 @@
               </p:sp>
             </mc:Fallback>
           </mc:AlternateContent>
-          <mc:AlternateContent xmlns:mc="http://schemas.openxmlformats.org/markup-compatibility/2006">
-            <mc:Choice xmlns:a14="http://schemas.microsoft.com/office/drawing/2010/main" Requires="a14">
+          <mc:AlternateContent xmlns:mc="http://schemas.openxmlformats.org/markup-compatibility/2006" xmlns:a14="http://schemas.microsoft.com/office/drawing/2010/main">
+            <mc:Choice Requires="a14">
               <p:sp>
                 <p:nvSpPr>
                   <p:cNvPr id="54" name="TextBox 53">
@@ -15851,25 +15779,7 @@
                                   </a:solidFill>
                                   <a:latin typeface="Cambria Math" panose="02040503050406030204" pitchFamily="18" charset="0"/>
                                 </a:rPr>
-                                <m:t>0</m:t>
-                              </m:r>
-                              <m:r>
-                                <a:rPr lang="en-US" sz="1100" b="0" i="1" dirty="0" smtClean="0">
-                                  <a:solidFill>
-                                    <a:srgbClr val="C00000"/>
-                                  </a:solidFill>
-                                  <a:latin typeface="Cambria Math" panose="02040503050406030204" pitchFamily="18" charset="0"/>
-                                </a:rPr>
-                                <m:t>,</m:t>
-                              </m:r>
-                              <m:r>
-                                <a:rPr lang="en-US" sz="1100" b="0" i="1" dirty="0" smtClean="0">
-                                  <a:solidFill>
-                                    <a:srgbClr val="C00000"/>
-                                  </a:solidFill>
-                                  <a:latin typeface="Cambria Math" panose="02040503050406030204" pitchFamily="18" charset="0"/>
-                                </a:rPr>
-                                <m:t>−1</m:t>
+                                <m:t>0,−1</m:t>
                               </m:r>
                             </m:e>
                           </m:d>
@@ -15885,7 +15795,7 @@
                 </p:txBody>
               </p:sp>
             </mc:Choice>
-            <mc:Fallback>
+            <mc:Fallback xmlns="">
               <p:sp>
                 <p:nvSpPr>
                   <p:cNvPr id="54" name="TextBox 53">
@@ -15930,8 +15840,8 @@
               </p:sp>
             </mc:Fallback>
           </mc:AlternateContent>
-          <mc:AlternateContent xmlns:mc="http://schemas.openxmlformats.org/markup-compatibility/2006">
-            <mc:Choice xmlns:a14="http://schemas.microsoft.com/office/drawing/2010/main" Requires="a14">
+          <mc:AlternateContent xmlns:mc="http://schemas.openxmlformats.org/markup-compatibility/2006" xmlns:a14="http://schemas.microsoft.com/office/drawing/2010/main">
+            <mc:Choice Requires="a14">
               <p:sp>
                 <p:nvSpPr>
                   <p:cNvPr id="55" name="TextBox 54">
@@ -15986,25 +15896,7 @@
                                   </a:solidFill>
                                   <a:latin typeface="Cambria Math" panose="02040503050406030204" pitchFamily="18" charset="0"/>
                                 </a:rPr>
-                                <m:t>1</m:t>
-                              </m:r>
-                              <m:r>
-                                <a:rPr lang="en-US" sz="1100" b="0" i="1" dirty="0" smtClean="0">
-                                  <a:solidFill>
-                                    <a:srgbClr val="C00000"/>
-                                  </a:solidFill>
-                                  <a:latin typeface="Cambria Math" panose="02040503050406030204" pitchFamily="18" charset="0"/>
-                                </a:rPr>
-                                <m:t>,</m:t>
-                              </m:r>
-                              <m:r>
-                                <a:rPr lang="en-US" sz="1100" b="0" i="1" dirty="0" smtClean="0">
-                                  <a:solidFill>
-                                    <a:srgbClr val="C00000"/>
-                                  </a:solidFill>
-                                  <a:latin typeface="Cambria Math" panose="02040503050406030204" pitchFamily="18" charset="0"/>
-                                </a:rPr>
-                                <m:t>0</m:t>
+                                <m:t>1,0</m:t>
                               </m:r>
                             </m:e>
                           </m:d>
@@ -16020,7 +15912,7 @@
                 </p:txBody>
               </p:sp>
             </mc:Choice>
-            <mc:Fallback>
+            <mc:Fallback xmlns="">
               <p:sp>
                 <p:nvSpPr>
                   <p:cNvPr id="55" name="TextBox 54">
@@ -16464,8 +16356,8 @@
                   </p:style>
                 </p:cxnSp>
               </p:grpSp>
-              <mc:AlternateContent xmlns:mc="http://schemas.openxmlformats.org/markup-compatibility/2006">
-                <mc:Choice xmlns:a14="http://schemas.microsoft.com/office/drawing/2010/main" Requires="a14">
+              <mc:AlternateContent xmlns:mc="http://schemas.openxmlformats.org/markup-compatibility/2006" xmlns:a14="http://schemas.microsoft.com/office/drawing/2010/main">
+                <mc:Choice Requires="a14">
                   <p:sp>
                     <p:nvSpPr>
                       <p:cNvPr id="59" name="TextBox 58">
@@ -16602,19 +16494,7 @@
                                   <a:latin typeface="Cambria Math" panose="02040503050406030204" pitchFamily="18" charset="0"/>
                                   <a:ea typeface="Cambria Math" panose="02040503050406030204" pitchFamily="18" charset="0"/>
                                 </a:rPr>
-                                <m:t>≤</m:t>
-                              </m:r>
-                              <m:r>
-                                <a:rPr lang="en-US" sz="1400" b="0" i="1" smtClean="0">
-                                  <a:solidFill>
-                                    <a:schemeClr val="accent5">
-                                      <a:lumMod val="75000"/>
-                                    </a:schemeClr>
-                                  </a:solidFill>
-                                  <a:latin typeface="Cambria Math" panose="02040503050406030204" pitchFamily="18" charset="0"/>
-                                  <a:ea typeface="Cambria Math" panose="02040503050406030204" pitchFamily="18" charset="0"/>
-                                </a:rPr>
-                                <m:t>1</m:t>
+                                <m:t>≤1</m:t>
                               </m:r>
                             </m:oMath>
                           </m:oMathPara>
@@ -16630,7 +16510,7 @@
                     </p:txBody>
                   </p:sp>
                 </mc:Choice>
-                <mc:Fallback>
+                <mc:Fallback xmlns="">
                   <p:sp>
                     <p:nvSpPr>
                       <p:cNvPr id="59" name="TextBox 58">
@@ -16675,8 +16555,8 @@
                   </p:sp>
                 </mc:Fallback>
               </mc:AlternateContent>
-              <mc:AlternateContent xmlns:mc="http://schemas.openxmlformats.org/markup-compatibility/2006">
-                <mc:Choice xmlns:a14="http://schemas.microsoft.com/office/drawing/2010/main" Requires="a14">
+              <mc:AlternateContent xmlns:mc="http://schemas.openxmlformats.org/markup-compatibility/2006" xmlns:a14="http://schemas.microsoft.com/office/drawing/2010/main">
+                <mc:Choice Requires="a14">
                   <p:sp>
                     <p:nvSpPr>
                       <p:cNvPr id="60" name="TextBox 59">
@@ -16778,7 +16658,7 @@
                     </p:txBody>
                   </p:sp>
                 </mc:Choice>
-                <mc:Fallback>
+                <mc:Fallback xmlns="">
                   <p:sp>
                     <p:nvSpPr>
                       <p:cNvPr id="60" name="TextBox 59">
@@ -16823,8 +16703,8 @@
                   </p:sp>
                 </mc:Fallback>
               </mc:AlternateContent>
-              <mc:AlternateContent xmlns:mc="http://schemas.openxmlformats.org/markup-compatibility/2006">
-                <mc:Choice xmlns:a14="http://schemas.microsoft.com/office/drawing/2010/main" Requires="a14">
+              <mc:AlternateContent xmlns:mc="http://schemas.openxmlformats.org/markup-compatibility/2006" xmlns:a14="http://schemas.microsoft.com/office/drawing/2010/main">
+                <mc:Choice Requires="a14">
                   <p:sp>
                     <p:nvSpPr>
                       <p:cNvPr id="61" name="TextBox 60">
@@ -16926,7 +16806,7 @@
                     </p:txBody>
                   </p:sp>
                 </mc:Choice>
-                <mc:Fallback>
+                <mc:Fallback xmlns="">
                   <p:sp>
                     <p:nvSpPr>
                       <p:cNvPr id="61" name="TextBox 60">
@@ -17093,8 +16973,8 @@
                   </a:fontRef>
                 </p:style>
               </p:cxnSp>
-              <mc:AlternateContent xmlns:mc="http://schemas.openxmlformats.org/markup-compatibility/2006">
-                <mc:Choice xmlns:a14="http://schemas.microsoft.com/office/drawing/2010/main" Requires="a14">
+              <mc:AlternateContent xmlns:mc="http://schemas.openxmlformats.org/markup-compatibility/2006" xmlns:a14="http://schemas.microsoft.com/office/drawing/2010/main">
+                <mc:Choice Requires="a14">
                   <p:sp>
                     <p:nvSpPr>
                       <p:cNvPr id="9" name="TextBox 8">
@@ -17144,7 +17024,7 @@
                     </p:txBody>
                   </p:sp>
                 </mc:Choice>
-                <mc:Fallback>
+                <mc:Fallback xmlns="">
                   <p:sp>
                     <p:nvSpPr>
                       <p:cNvPr id="9" name="TextBox 8">
@@ -17189,8 +17069,8 @@
                   </p:sp>
                 </mc:Fallback>
               </mc:AlternateContent>
-              <mc:AlternateContent xmlns:mc="http://schemas.openxmlformats.org/markup-compatibility/2006">
-                <mc:Choice xmlns:a14="http://schemas.microsoft.com/office/drawing/2010/main" Requires="a14">
+              <mc:AlternateContent xmlns:mc="http://schemas.openxmlformats.org/markup-compatibility/2006" xmlns:a14="http://schemas.microsoft.com/office/drawing/2010/main">
+                <mc:Choice Requires="a14">
                   <p:sp>
                     <p:nvSpPr>
                       <p:cNvPr id="10" name="TextBox 9">
@@ -17240,7 +17120,7 @@
                     </p:txBody>
                   </p:sp>
                 </mc:Choice>
-                <mc:Fallback>
+                <mc:Fallback xmlns="">
                   <p:sp>
                     <p:nvSpPr>
                       <p:cNvPr id="10" name="TextBox 9">
@@ -17285,8 +17165,8 @@
                   </p:sp>
                 </mc:Fallback>
               </mc:AlternateContent>
-              <mc:AlternateContent xmlns:mc="http://schemas.openxmlformats.org/markup-compatibility/2006">
-                <mc:Choice xmlns:a14="http://schemas.microsoft.com/office/drawing/2010/main" Requires="a14">
+              <mc:AlternateContent xmlns:mc="http://schemas.openxmlformats.org/markup-compatibility/2006" xmlns:a14="http://schemas.microsoft.com/office/drawing/2010/main">
+                <mc:Choice Requires="a14">
                   <p:sp>
                     <p:nvSpPr>
                       <p:cNvPr id="11" name="TextBox 10">
@@ -17336,7 +17216,7 @@
                     </p:txBody>
                   </p:sp>
                 </mc:Choice>
-                <mc:Fallback>
+                <mc:Fallback xmlns="">
                   <p:sp>
                     <p:nvSpPr>
                       <p:cNvPr id="11" name="TextBox 10">
@@ -17683,8 +17563,8 @@
                 </p:style>
               </p:cxnSp>
             </p:grpSp>
-            <mc:AlternateContent xmlns:mc="http://schemas.openxmlformats.org/markup-compatibility/2006">
-              <mc:Choice xmlns:a14="http://schemas.microsoft.com/office/drawing/2010/main" Requires="a14">
+            <mc:AlternateContent xmlns:mc="http://schemas.openxmlformats.org/markup-compatibility/2006" xmlns:a14="http://schemas.microsoft.com/office/drawing/2010/main">
+              <mc:Choice Requires="a14">
                 <p:sp>
                   <p:nvSpPr>
                     <p:cNvPr id="66" name="TextBox 65">
@@ -17753,7 +17633,7 @@
                   </p:txBody>
                 </p:sp>
               </mc:Choice>
-              <mc:Fallback>
+              <mc:Fallback xmlns="">
                 <p:sp>
                   <p:nvSpPr>
                     <p:cNvPr id="66" name="TextBox 65">
@@ -17831,8 +17711,8 @@
               </a:p>
             </p:txBody>
           </p:sp>
-          <mc:AlternateContent xmlns:mc="http://schemas.openxmlformats.org/markup-compatibility/2006">
-            <mc:Choice xmlns:a14="http://schemas.microsoft.com/office/drawing/2010/main" Requires="a14">
+          <mc:AlternateContent xmlns:mc="http://schemas.openxmlformats.org/markup-compatibility/2006" xmlns:a14="http://schemas.microsoft.com/office/drawing/2010/main">
+            <mc:Choice Requires="a14">
               <p:sp>
                 <p:nvSpPr>
                   <p:cNvPr id="67" name="TextBox 66">
@@ -17901,7 +17781,7 @@
                 </p:txBody>
               </p:sp>
             </mc:Choice>
-            <mc:Fallback>
+            <mc:Fallback xmlns="">
               <p:sp>
                 <p:nvSpPr>
                   <p:cNvPr id="67" name="TextBox 66">
@@ -18420,8 +18300,8 @@
               </p:txBody>
             </p:sp>
           </p:grpSp>
-          <mc:AlternateContent xmlns:mc="http://schemas.openxmlformats.org/markup-compatibility/2006">
-            <mc:Choice xmlns:a14="http://schemas.microsoft.com/office/drawing/2010/main" Requires="a14">
+          <mc:AlternateContent xmlns:mc="http://schemas.openxmlformats.org/markup-compatibility/2006" xmlns:a14="http://schemas.microsoft.com/office/drawing/2010/main">
+            <mc:Choice Requires="a14">
               <p:sp>
                 <p:nvSpPr>
                   <p:cNvPr id="82" name="TextBox 81">
@@ -18513,7 +18393,7 @@
                 </p:txBody>
               </p:sp>
             </mc:Choice>
-            <mc:Fallback>
+            <mc:Fallback xmlns="">
               <p:sp>
                 <p:nvSpPr>
                   <p:cNvPr id="82" name="TextBox 81">
@@ -18558,8 +18438,8 @@
               </p:sp>
             </mc:Fallback>
           </mc:AlternateContent>
-          <mc:AlternateContent xmlns:mc="http://schemas.openxmlformats.org/markup-compatibility/2006">
-            <mc:Choice xmlns:a14="http://schemas.microsoft.com/office/drawing/2010/main" Requires="a14">
+          <mc:AlternateContent xmlns:mc="http://schemas.openxmlformats.org/markup-compatibility/2006" xmlns:a14="http://schemas.microsoft.com/office/drawing/2010/main">
+            <mc:Choice Requires="a14">
               <p:sp>
                 <p:nvSpPr>
                   <p:cNvPr id="20" name="TextBox 19">
@@ -18630,7 +18510,7 @@
                 </p:txBody>
               </p:sp>
             </mc:Choice>
-            <mc:Fallback>
+            <mc:Fallback xmlns="">
               <p:sp>
                 <p:nvSpPr>
                   <p:cNvPr id="20" name="TextBox 19">
@@ -18675,8 +18555,8 @@
               </p:sp>
             </mc:Fallback>
           </mc:AlternateContent>
-          <mc:AlternateContent xmlns:mc="http://schemas.openxmlformats.org/markup-compatibility/2006">
-            <mc:Choice xmlns:a14="http://schemas.microsoft.com/office/drawing/2010/main" Requires="a14">
+          <mc:AlternateContent xmlns:mc="http://schemas.openxmlformats.org/markup-compatibility/2006" xmlns:a14="http://schemas.microsoft.com/office/drawing/2010/main">
+            <mc:Choice Requires="a14">
               <p:sp>
                 <p:nvSpPr>
                   <p:cNvPr id="33" name="TextBox 32">
@@ -18747,7 +18627,7 @@
                 </p:txBody>
               </p:sp>
             </mc:Choice>
-            <mc:Fallback>
+            <mc:Fallback xmlns="">
               <p:sp>
                 <p:nvSpPr>
                   <p:cNvPr id="33" name="TextBox 32">
@@ -18813,8 +18693,8 @@
               <a:chExt cx="1893837" cy="901048"/>
             </a:xfrm>
           </p:grpSpPr>
-          <mc:AlternateContent xmlns:mc="http://schemas.openxmlformats.org/markup-compatibility/2006">
-            <mc:Choice xmlns:a14="http://schemas.microsoft.com/office/drawing/2010/main" Requires="a14">
+          <mc:AlternateContent xmlns:mc="http://schemas.openxmlformats.org/markup-compatibility/2006" xmlns:a14="http://schemas.microsoft.com/office/drawing/2010/main">
+            <mc:Choice Requires="a14">
               <p:sp>
                 <p:nvSpPr>
                   <p:cNvPr id="83" name="TextBox 82">
@@ -18906,7 +18786,7 @@
                 </p:txBody>
               </p:sp>
             </mc:Choice>
-            <mc:Fallback>
+            <mc:Fallback xmlns="">
               <p:sp>
                 <p:nvSpPr>
                   <p:cNvPr id="83" name="TextBox 82">
@@ -18951,8 +18831,8 @@
               </p:sp>
             </mc:Fallback>
           </mc:AlternateContent>
-          <mc:AlternateContent xmlns:mc="http://schemas.openxmlformats.org/markup-compatibility/2006">
-            <mc:Choice xmlns:a14="http://schemas.microsoft.com/office/drawing/2010/main" Requires="a14">
+          <mc:AlternateContent xmlns:mc="http://schemas.openxmlformats.org/markup-compatibility/2006" xmlns:a14="http://schemas.microsoft.com/office/drawing/2010/main">
+            <mc:Choice Requires="a14">
               <p:sp>
                 <p:nvSpPr>
                   <p:cNvPr id="8" name="TextBox 7">
@@ -19023,7 +18903,7 @@
                 </p:txBody>
               </p:sp>
             </mc:Choice>
-            <mc:Fallback>
+            <mc:Fallback xmlns="">
               <p:sp>
                 <p:nvSpPr>
                   <p:cNvPr id="8" name="TextBox 7">
@@ -19068,8 +18948,8 @@
               </p:sp>
             </mc:Fallback>
           </mc:AlternateContent>
-          <mc:AlternateContent xmlns:mc="http://schemas.openxmlformats.org/markup-compatibility/2006">
-            <mc:Choice xmlns:a14="http://schemas.microsoft.com/office/drawing/2010/main" Requires="a14">
+          <mc:AlternateContent xmlns:mc="http://schemas.openxmlformats.org/markup-compatibility/2006" xmlns:a14="http://schemas.microsoft.com/office/drawing/2010/main">
+            <mc:Choice Requires="a14">
               <p:sp>
                 <p:nvSpPr>
                   <p:cNvPr id="14" name="TextBox 13">
@@ -19124,16 +19004,7 @@
                                   </a:solidFill>
                                   <a:latin typeface="Cambria Math" panose="02040503050406030204" pitchFamily="18" charset="0"/>
                                 </a:rPr>
-                                <m:t>1</m:t>
-                              </m:r>
-                              <m:r>
-                                <a:rPr lang="en-US" sz="1100" b="0" i="1" dirty="0" smtClean="0">
-                                  <a:solidFill>
-                                    <a:srgbClr val="C00000"/>
-                                  </a:solidFill>
-                                  <a:latin typeface="Cambria Math" panose="02040503050406030204" pitchFamily="18" charset="0"/>
-                                </a:rPr>
-                                <m:t>,1</m:t>
+                                <m:t>1,1</m:t>
                               </m:r>
                             </m:e>
                           </m:d>
@@ -19149,7 +19020,7 @@
                 </p:txBody>
               </p:sp>
             </mc:Choice>
-            <mc:Fallback>
+            <mc:Fallback xmlns="">
               <p:sp>
                 <p:nvSpPr>
                   <p:cNvPr id="14" name="TextBox 13">
@@ -19532,8 +19403,8 @@
               <a:chExt cx="1867360" cy="1271227"/>
             </a:xfrm>
           </p:grpSpPr>
-          <mc:AlternateContent xmlns:mc="http://schemas.openxmlformats.org/markup-compatibility/2006">
-            <mc:Choice xmlns:a14="http://schemas.microsoft.com/office/drawing/2010/main" Requires="a14">
+          <mc:AlternateContent xmlns:mc="http://schemas.openxmlformats.org/markup-compatibility/2006" xmlns:a14="http://schemas.microsoft.com/office/drawing/2010/main">
+            <mc:Choice Requires="a14">
               <p:sp>
                 <p:nvSpPr>
                   <p:cNvPr id="81" name="TextBox 80">
@@ -19625,7 +19496,7 @@
                 </p:txBody>
               </p:sp>
             </mc:Choice>
-            <mc:Fallback>
+            <mc:Fallback xmlns="">
               <p:sp>
                 <p:nvSpPr>
                   <p:cNvPr id="81" name="TextBox 80">
@@ -19670,8 +19541,8 @@
               </p:sp>
             </mc:Fallback>
           </mc:AlternateContent>
-          <mc:AlternateContent xmlns:mc="http://schemas.openxmlformats.org/markup-compatibility/2006">
-            <mc:Choice xmlns:a14="http://schemas.microsoft.com/office/drawing/2010/main" Requires="a14">
+          <mc:AlternateContent xmlns:mc="http://schemas.openxmlformats.org/markup-compatibility/2006" xmlns:a14="http://schemas.microsoft.com/office/drawing/2010/main">
+            <mc:Choice Requires="a14">
               <p:sp>
                 <p:nvSpPr>
                   <p:cNvPr id="54" name="TextBox 53">
@@ -19742,7 +19613,7 @@
                 </p:txBody>
               </p:sp>
             </mc:Choice>
-            <mc:Fallback>
+            <mc:Fallback xmlns="">
               <p:sp>
                 <p:nvSpPr>
                   <p:cNvPr id="54" name="TextBox 53">
@@ -19787,8 +19658,8 @@
               </p:sp>
             </mc:Fallback>
           </mc:AlternateContent>
-          <mc:AlternateContent xmlns:mc="http://schemas.openxmlformats.org/markup-compatibility/2006">
-            <mc:Choice xmlns:a14="http://schemas.microsoft.com/office/drawing/2010/main" Requires="a14">
+          <mc:AlternateContent xmlns:mc="http://schemas.openxmlformats.org/markup-compatibility/2006" xmlns:a14="http://schemas.microsoft.com/office/drawing/2010/main">
+            <mc:Choice Requires="a14">
               <p:sp>
                 <p:nvSpPr>
                   <p:cNvPr id="55" name="TextBox 54">
@@ -19843,16 +19714,7 @@
                                   </a:solidFill>
                                   <a:latin typeface="Cambria Math" panose="02040503050406030204" pitchFamily="18" charset="0"/>
                                 </a:rPr>
-                                <m:t>1,</m:t>
-                              </m:r>
-                              <m:r>
-                                <a:rPr lang="en-US" sz="1100" b="0" i="1" dirty="0" smtClean="0">
-                                  <a:solidFill>
-                                    <a:srgbClr val="C00000"/>
-                                  </a:solidFill>
-                                  <a:latin typeface="Cambria Math" panose="02040503050406030204" pitchFamily="18" charset="0"/>
-                                </a:rPr>
-                                <m:t>1</m:t>
+                                <m:t>1,1</m:t>
                               </m:r>
                             </m:e>
                           </m:d>
@@ -19868,7 +19730,7 @@
                 </p:txBody>
               </p:sp>
             </mc:Choice>
-            <mc:Fallback>
+            <mc:Fallback xmlns="">
               <p:sp>
                 <p:nvSpPr>
                   <p:cNvPr id="55" name="TextBox 54">
@@ -20909,8 +20771,8 @@
                     </p:sp>
                   </mc:Fallback>
                 </mc:AlternateContent>
-                <mc:AlternateContent xmlns:mc="http://schemas.openxmlformats.org/markup-compatibility/2006">
-                  <mc:Choice xmlns:a14="http://schemas.microsoft.com/office/drawing/2010/main" Requires="a14">
+                <mc:AlternateContent xmlns:mc="http://schemas.openxmlformats.org/markup-compatibility/2006" xmlns:a14="http://schemas.microsoft.com/office/drawing/2010/main">
+                  <mc:Choice Requires="a14">
                     <p:sp>
                       <p:nvSpPr>
                         <p:cNvPr id="78" name="TextBox 77">
@@ -21012,7 +20874,7 @@
                       </p:txBody>
                     </p:sp>
                   </mc:Choice>
-                  <mc:Fallback>
+                  <mc:Fallback xmlns="">
                     <p:sp>
                       <p:nvSpPr>
                         <p:cNvPr id="78" name="TextBox 77">
@@ -22437,7 +22299,7 @@
                 </p:nvSpPr>
                 <p:spPr>
                   <a:xfrm rot="20331111">
-                    <a:off x="5912894" y="2109044"/>
+                    <a:off x="5923054" y="2109044"/>
                     <a:ext cx="88261" cy="96302"/>
                   </a:xfrm>
                   <a:prstGeom prst="arc">
@@ -23269,8 +23131,8 @@
                 <a:chExt cx="1569927" cy="942701"/>
               </a:xfrm>
             </p:grpSpPr>
-            <mc:AlternateContent xmlns:mc="http://schemas.openxmlformats.org/markup-compatibility/2006">
-              <mc:Choice xmlns:a14="http://schemas.microsoft.com/office/drawing/2010/main" Requires="a14">
+            <mc:AlternateContent xmlns:mc="http://schemas.openxmlformats.org/markup-compatibility/2006" xmlns:a14="http://schemas.microsoft.com/office/drawing/2010/main">
+              <mc:Choice Requires="a14">
                 <p:sp>
                   <p:nvSpPr>
                     <p:cNvPr id="30" name="TextBox 29">
@@ -23362,7 +23224,7 @@
                   </p:txBody>
                 </p:sp>
               </mc:Choice>
-              <mc:Fallback>
+              <mc:Fallback xmlns="">
                 <p:sp>
                   <p:nvSpPr>
                     <p:cNvPr id="30" name="TextBox 29">
@@ -23679,8 +23541,8 @@
                 </p:txBody>
               </p:sp>
             </p:grpSp>
-            <mc:AlternateContent xmlns:mc="http://schemas.openxmlformats.org/markup-compatibility/2006">
-              <mc:Choice xmlns:a14="http://schemas.microsoft.com/office/drawing/2010/main" Requires="a14">
+            <mc:AlternateContent xmlns:mc="http://schemas.openxmlformats.org/markup-compatibility/2006" xmlns:a14="http://schemas.microsoft.com/office/drawing/2010/main">
+              <mc:Choice Requires="a14">
                 <p:sp>
                   <p:nvSpPr>
                     <p:cNvPr id="32" name="TextBox 31">
@@ -23735,25 +23597,7 @@
                                     </a:solidFill>
                                     <a:latin typeface="Cambria Math" panose="02040503050406030204" pitchFamily="18" charset="0"/>
                                   </a:rPr>
-                                  <m:t>−1</m:t>
-                                </m:r>
-                                <m:r>
-                                  <a:rPr lang="en-US" sz="1100" b="0" i="1" dirty="0" smtClean="0">
-                                    <a:solidFill>
-                                      <a:srgbClr val="C00000"/>
-                                    </a:solidFill>
-                                    <a:latin typeface="Cambria Math" panose="02040503050406030204" pitchFamily="18" charset="0"/>
-                                  </a:rPr>
-                                  <m:t>,</m:t>
-                                </m:r>
-                                <m:r>
-                                  <a:rPr lang="en-US" sz="1100" b="0" i="1" dirty="0" smtClean="0">
-                                    <a:solidFill>
-                                      <a:srgbClr val="C00000"/>
-                                    </a:solidFill>
-                                    <a:latin typeface="Cambria Math" panose="02040503050406030204" pitchFamily="18" charset="0"/>
-                                  </a:rPr>
-                                  <m:t>0</m:t>
+                                  <m:t>−1,0</m:t>
                                 </m:r>
                               </m:e>
                             </m:d>
@@ -23769,7 +23613,7 @@
                   </p:txBody>
                 </p:sp>
               </mc:Choice>
-              <mc:Fallback>
+              <mc:Fallback xmlns="">
                 <p:sp>
                   <p:nvSpPr>
                     <p:cNvPr id="32" name="TextBox 31">
@@ -23814,8 +23658,8 @@
                 </p:sp>
               </mc:Fallback>
             </mc:AlternateContent>
-            <mc:AlternateContent xmlns:mc="http://schemas.openxmlformats.org/markup-compatibility/2006">
-              <mc:Choice xmlns:a14="http://schemas.microsoft.com/office/drawing/2010/main" Requires="a14">
+            <mc:AlternateContent xmlns:mc="http://schemas.openxmlformats.org/markup-compatibility/2006" xmlns:a14="http://schemas.microsoft.com/office/drawing/2010/main">
+              <mc:Choice Requires="a14">
                 <p:sp>
                   <p:nvSpPr>
                     <p:cNvPr id="33" name="TextBox 32">
@@ -23870,25 +23714,7 @@
                                     </a:solidFill>
                                     <a:latin typeface="Cambria Math" panose="02040503050406030204" pitchFamily="18" charset="0"/>
                                   </a:rPr>
-                                  <m:t>0</m:t>
-                                </m:r>
-                                <m:r>
-                                  <a:rPr lang="en-US" sz="1100" b="0" i="1" dirty="0" smtClean="0">
-                                    <a:solidFill>
-                                      <a:srgbClr val="C00000"/>
-                                    </a:solidFill>
-                                    <a:latin typeface="Cambria Math" panose="02040503050406030204" pitchFamily="18" charset="0"/>
-                                  </a:rPr>
-                                  <m:t>,</m:t>
-                                </m:r>
-                                <m:r>
-                                  <a:rPr lang="en-US" sz="1100" b="0" i="1" dirty="0" smtClean="0">
-                                    <a:solidFill>
-                                      <a:srgbClr val="C00000"/>
-                                    </a:solidFill>
-                                    <a:latin typeface="Cambria Math" panose="02040503050406030204" pitchFamily="18" charset="0"/>
-                                  </a:rPr>
-                                  <m:t>1</m:t>
+                                  <m:t>0,1</m:t>
                                 </m:r>
                               </m:e>
                             </m:d>
@@ -23904,7 +23730,7 @@
                   </p:txBody>
                 </p:sp>
               </mc:Choice>
-              <mc:Fallback>
+              <mc:Fallback xmlns="">
                 <p:sp>
                   <p:nvSpPr>
                     <p:cNvPr id="33" name="TextBox 32">
@@ -24240,8 +24066,8 @@
                 </p:txBody>
               </p:sp>
             </p:grpSp>
-            <mc:AlternateContent xmlns:mc="http://schemas.openxmlformats.org/markup-compatibility/2006">
-              <mc:Choice xmlns:a14="http://schemas.microsoft.com/office/drawing/2010/main" Requires="a14">
+            <mc:AlternateContent xmlns:mc="http://schemas.openxmlformats.org/markup-compatibility/2006" xmlns:a14="http://schemas.microsoft.com/office/drawing/2010/main">
+              <mc:Choice Requires="a14">
                 <p:sp>
                   <p:nvSpPr>
                     <p:cNvPr id="22" name="TextBox 21">
@@ -24333,7 +24159,7 @@
                   </p:txBody>
                 </p:sp>
               </mc:Choice>
-              <mc:Fallback>
+              <mc:Fallback xmlns="">
                 <p:sp>
                   <p:nvSpPr>
                     <p:cNvPr id="22" name="TextBox 21">
@@ -24378,8 +24204,8 @@
                 </p:sp>
               </mc:Fallback>
             </mc:AlternateContent>
-            <mc:AlternateContent xmlns:mc="http://schemas.openxmlformats.org/markup-compatibility/2006">
-              <mc:Choice xmlns:a14="http://schemas.microsoft.com/office/drawing/2010/main" Requires="a14">
+            <mc:AlternateContent xmlns:mc="http://schemas.openxmlformats.org/markup-compatibility/2006" xmlns:a14="http://schemas.microsoft.com/office/drawing/2010/main">
+              <mc:Choice Requires="a14">
                 <p:sp>
                   <p:nvSpPr>
                     <p:cNvPr id="23" name="TextBox 22">
@@ -24434,25 +24260,7 @@
                                     </a:solidFill>
                                     <a:latin typeface="Cambria Math" panose="02040503050406030204" pitchFamily="18" charset="0"/>
                                   </a:rPr>
-                                  <m:t>−1</m:t>
-                                </m:r>
-                                <m:r>
-                                  <a:rPr lang="en-US" sz="1100" b="0" i="1" dirty="0" smtClean="0">
-                                    <a:solidFill>
-                                      <a:srgbClr val="C00000"/>
-                                    </a:solidFill>
-                                    <a:latin typeface="Cambria Math" panose="02040503050406030204" pitchFamily="18" charset="0"/>
-                                  </a:rPr>
-                                  <m:t>,</m:t>
-                                </m:r>
-                                <m:r>
-                                  <a:rPr lang="en-US" sz="1100" b="0" i="1" dirty="0" smtClean="0">
-                                    <a:solidFill>
-                                      <a:srgbClr val="C00000"/>
-                                    </a:solidFill>
-                                    <a:latin typeface="Cambria Math" panose="02040503050406030204" pitchFamily="18" charset="0"/>
-                                  </a:rPr>
-                                  <m:t>0</m:t>
+                                  <m:t>−1,0</m:t>
                                 </m:r>
                               </m:e>
                             </m:d>
@@ -24468,7 +24276,7 @@
                   </p:txBody>
                 </p:sp>
               </mc:Choice>
-              <mc:Fallback>
+              <mc:Fallback xmlns="">
                 <p:sp>
                   <p:nvSpPr>
                     <p:cNvPr id="23" name="TextBox 22">
@@ -24513,8 +24321,8 @@
                 </p:sp>
               </mc:Fallback>
             </mc:AlternateContent>
-            <mc:AlternateContent xmlns:mc="http://schemas.openxmlformats.org/markup-compatibility/2006">
-              <mc:Choice xmlns:a14="http://schemas.microsoft.com/office/drawing/2010/main" Requires="a14">
+            <mc:AlternateContent xmlns:mc="http://schemas.openxmlformats.org/markup-compatibility/2006" xmlns:a14="http://schemas.microsoft.com/office/drawing/2010/main">
+              <mc:Choice Requires="a14">
                 <p:sp>
                   <p:nvSpPr>
                     <p:cNvPr id="24" name="TextBox 23">
@@ -24569,25 +24377,7 @@
                                     </a:solidFill>
                                     <a:latin typeface="Cambria Math" panose="02040503050406030204" pitchFamily="18" charset="0"/>
                                   </a:rPr>
-                                  <m:t>0</m:t>
-                                </m:r>
-                                <m:r>
-                                  <a:rPr lang="en-US" sz="1100" b="0" i="1" dirty="0" smtClean="0">
-                                    <a:solidFill>
-                                      <a:srgbClr val="C00000"/>
-                                    </a:solidFill>
-                                    <a:latin typeface="Cambria Math" panose="02040503050406030204" pitchFamily="18" charset="0"/>
-                                  </a:rPr>
-                                  <m:t>,</m:t>
-                                </m:r>
-                                <m:r>
-                                  <a:rPr lang="en-US" sz="1100" b="0" i="1" dirty="0" smtClean="0">
-                                    <a:solidFill>
-                                      <a:srgbClr val="C00000"/>
-                                    </a:solidFill>
-                                    <a:latin typeface="Cambria Math" panose="02040503050406030204" pitchFamily="18" charset="0"/>
-                                  </a:rPr>
-                                  <m:t>−1</m:t>
+                                  <m:t>0,−1</m:t>
                                 </m:r>
                               </m:e>
                             </m:d>
@@ -24603,7 +24393,7 @@
                   </p:txBody>
                 </p:sp>
               </mc:Choice>
-              <mc:Fallback>
+              <mc:Fallback xmlns="">
                 <p:sp>
                   <p:nvSpPr>
                     <p:cNvPr id="24" name="TextBox 23">
@@ -24939,8 +24729,8 @@
                 </p:txBody>
               </p:sp>
             </p:grpSp>
-            <mc:AlternateContent xmlns:mc="http://schemas.openxmlformats.org/markup-compatibility/2006">
-              <mc:Choice xmlns:a14="http://schemas.microsoft.com/office/drawing/2010/main" Requires="a14">
+            <mc:AlternateContent xmlns:mc="http://schemas.openxmlformats.org/markup-compatibility/2006" xmlns:a14="http://schemas.microsoft.com/office/drawing/2010/main">
+              <mc:Choice Requires="a14">
                 <p:sp>
                   <p:nvSpPr>
                     <p:cNvPr id="13" name="TextBox 12">
@@ -25032,7 +24822,7 @@
                   </p:txBody>
                 </p:sp>
               </mc:Choice>
-              <mc:Fallback>
+              <mc:Fallback xmlns="">
                 <p:sp>
                   <p:nvSpPr>
                     <p:cNvPr id="13" name="TextBox 12">
@@ -25077,8 +24867,8 @@
                 </p:sp>
               </mc:Fallback>
             </mc:AlternateContent>
-            <mc:AlternateContent xmlns:mc="http://schemas.openxmlformats.org/markup-compatibility/2006">
-              <mc:Choice xmlns:a14="http://schemas.microsoft.com/office/drawing/2010/main" Requires="a14">
+            <mc:AlternateContent xmlns:mc="http://schemas.openxmlformats.org/markup-compatibility/2006" xmlns:a14="http://schemas.microsoft.com/office/drawing/2010/main">
+              <mc:Choice Requires="a14">
                 <p:sp>
                   <p:nvSpPr>
                     <p:cNvPr id="14" name="TextBox 13">
@@ -25133,25 +24923,7 @@
                                     </a:solidFill>
                                     <a:latin typeface="Cambria Math" panose="02040503050406030204" pitchFamily="18" charset="0"/>
                                   </a:rPr>
-                                  <m:t>0</m:t>
-                                </m:r>
-                                <m:r>
-                                  <a:rPr lang="en-US" sz="1100" b="0" i="1" dirty="0" smtClean="0">
-                                    <a:solidFill>
-                                      <a:srgbClr val="C00000"/>
-                                    </a:solidFill>
-                                    <a:latin typeface="Cambria Math" panose="02040503050406030204" pitchFamily="18" charset="0"/>
-                                  </a:rPr>
-                                  <m:t>,</m:t>
-                                </m:r>
-                                <m:r>
-                                  <a:rPr lang="en-US" sz="1100" b="0" i="1" dirty="0" smtClean="0">
-                                    <a:solidFill>
-                                      <a:srgbClr val="C00000"/>
-                                    </a:solidFill>
-                                    <a:latin typeface="Cambria Math" panose="02040503050406030204" pitchFamily="18" charset="0"/>
-                                  </a:rPr>
-                                  <m:t>−1</m:t>
+                                  <m:t>0,−1</m:t>
                                 </m:r>
                               </m:e>
                             </m:d>
@@ -25167,7 +24939,7 @@
                   </p:txBody>
                 </p:sp>
               </mc:Choice>
-              <mc:Fallback>
+              <mc:Fallback xmlns="">
                 <p:sp>
                   <p:nvSpPr>
                     <p:cNvPr id="14" name="TextBox 13">
@@ -25212,8 +24984,8 @@
                 </p:sp>
               </mc:Fallback>
             </mc:AlternateContent>
-            <mc:AlternateContent xmlns:mc="http://schemas.openxmlformats.org/markup-compatibility/2006">
-              <mc:Choice xmlns:a14="http://schemas.microsoft.com/office/drawing/2010/main" Requires="a14">
+            <mc:AlternateContent xmlns:mc="http://schemas.openxmlformats.org/markup-compatibility/2006" xmlns:a14="http://schemas.microsoft.com/office/drawing/2010/main">
+              <mc:Choice Requires="a14">
                 <p:sp>
                   <p:nvSpPr>
                     <p:cNvPr id="15" name="TextBox 14">
@@ -25268,25 +25040,7 @@
                                     </a:solidFill>
                                     <a:latin typeface="Cambria Math" panose="02040503050406030204" pitchFamily="18" charset="0"/>
                                   </a:rPr>
-                                  <m:t>1</m:t>
-                                </m:r>
-                                <m:r>
-                                  <a:rPr lang="en-US" sz="1100" b="0" i="1" dirty="0" smtClean="0">
-                                    <a:solidFill>
-                                      <a:srgbClr val="C00000"/>
-                                    </a:solidFill>
-                                    <a:latin typeface="Cambria Math" panose="02040503050406030204" pitchFamily="18" charset="0"/>
-                                  </a:rPr>
-                                  <m:t>,</m:t>
-                                </m:r>
-                                <m:r>
-                                  <a:rPr lang="en-US" sz="1100" b="0" i="1" dirty="0" smtClean="0">
-                                    <a:solidFill>
-                                      <a:srgbClr val="C00000"/>
-                                    </a:solidFill>
-                                    <a:latin typeface="Cambria Math" panose="02040503050406030204" pitchFamily="18" charset="0"/>
-                                  </a:rPr>
-                                  <m:t>0</m:t>
+                                  <m:t>1,0</m:t>
                                 </m:r>
                               </m:e>
                             </m:d>
@@ -25302,7 +25056,7 @@
                   </p:txBody>
                 </p:sp>
               </mc:Choice>
-              <mc:Fallback>
+              <mc:Fallback xmlns="">
                 <p:sp>
                   <p:nvSpPr>
                     <p:cNvPr id="15" name="TextBox 14">
@@ -25716,8 +25470,8 @@
                     </p:style>
                   </p:cxnSp>
                 </p:grpSp>
-                <mc:AlternateContent xmlns:mc="http://schemas.openxmlformats.org/markup-compatibility/2006">
-                  <mc:Choice xmlns:a14="http://schemas.microsoft.com/office/drawing/2010/main" Requires="a14">
+                <mc:AlternateContent xmlns:mc="http://schemas.openxmlformats.org/markup-compatibility/2006" xmlns:a14="http://schemas.microsoft.com/office/drawing/2010/main">
+                  <mc:Choice Requires="a14">
                     <p:sp>
                       <p:nvSpPr>
                         <p:cNvPr id="176" name="TextBox 175">
@@ -25854,19 +25608,7 @@
                                     <a:latin typeface="Cambria Math" panose="02040503050406030204" pitchFamily="18" charset="0"/>
                                     <a:ea typeface="Cambria Math" panose="02040503050406030204" pitchFamily="18" charset="0"/>
                                   </a:rPr>
-                                  <m:t>≤</m:t>
-                                </m:r>
-                                <m:r>
-                                  <a:rPr lang="en-US" sz="1400" b="0" i="1" smtClean="0">
-                                    <a:solidFill>
-                                      <a:schemeClr val="accent5">
-                                        <a:lumMod val="75000"/>
-                                      </a:schemeClr>
-                                    </a:solidFill>
-                                    <a:latin typeface="Cambria Math" panose="02040503050406030204" pitchFamily="18" charset="0"/>
-                                    <a:ea typeface="Cambria Math" panose="02040503050406030204" pitchFamily="18" charset="0"/>
-                                  </a:rPr>
-                                  <m:t>1</m:t>
+                                  <m:t>≤1</m:t>
                                 </m:r>
                               </m:oMath>
                             </m:oMathPara>
@@ -25882,7 +25624,7 @@
                       </p:txBody>
                     </p:sp>
                   </mc:Choice>
-                  <mc:Fallback>
+                  <mc:Fallback xmlns="">
                     <p:sp>
                       <p:nvSpPr>
                         <p:cNvPr id="176" name="TextBox 175">
@@ -25927,8 +25669,8 @@
                     </p:sp>
                   </mc:Fallback>
                 </mc:AlternateContent>
-                <mc:AlternateContent xmlns:mc="http://schemas.openxmlformats.org/markup-compatibility/2006">
-                  <mc:Choice xmlns:a14="http://schemas.microsoft.com/office/drawing/2010/main" Requires="a14">
+                <mc:AlternateContent xmlns:mc="http://schemas.openxmlformats.org/markup-compatibility/2006" xmlns:a14="http://schemas.microsoft.com/office/drawing/2010/main">
+                  <mc:Choice Requires="a14">
                     <p:sp>
                       <p:nvSpPr>
                         <p:cNvPr id="177" name="TextBox 176">
@@ -26030,7 +25772,7 @@
                       </p:txBody>
                     </p:sp>
                   </mc:Choice>
-                  <mc:Fallback>
+                  <mc:Fallback xmlns="">
                     <p:sp>
                       <p:nvSpPr>
                         <p:cNvPr id="177" name="TextBox 176">
@@ -26075,8 +25817,8 @@
                     </p:sp>
                   </mc:Fallback>
                 </mc:AlternateContent>
-                <mc:AlternateContent xmlns:mc="http://schemas.openxmlformats.org/markup-compatibility/2006">
-                  <mc:Choice xmlns:a14="http://schemas.microsoft.com/office/drawing/2010/main" Requires="a14">
+                <mc:AlternateContent xmlns:mc="http://schemas.openxmlformats.org/markup-compatibility/2006" xmlns:a14="http://schemas.microsoft.com/office/drawing/2010/main">
+                  <mc:Choice Requires="a14">
                     <p:sp>
                       <p:nvSpPr>
                         <p:cNvPr id="178" name="TextBox 177">
@@ -26178,7 +25920,7 @@
                       </p:txBody>
                     </p:sp>
                   </mc:Choice>
-                  <mc:Fallback>
+                  <mc:Fallback xmlns="">
                     <p:sp>
                       <p:nvSpPr>
                         <p:cNvPr id="178" name="TextBox 177">
@@ -26345,8 +26087,8 @@
                     </a:fontRef>
                   </p:style>
                 </p:cxnSp>
-                <mc:AlternateContent xmlns:mc="http://schemas.openxmlformats.org/markup-compatibility/2006">
-                  <mc:Choice xmlns:a14="http://schemas.microsoft.com/office/drawing/2010/main" Requires="a14">
+                <mc:AlternateContent xmlns:mc="http://schemas.openxmlformats.org/markup-compatibility/2006" xmlns:a14="http://schemas.microsoft.com/office/drawing/2010/main">
+                  <mc:Choice Requires="a14">
                     <p:sp>
                       <p:nvSpPr>
                         <p:cNvPr id="163" name="TextBox 162">
@@ -26396,7 +26138,7 @@
                       </p:txBody>
                     </p:sp>
                   </mc:Choice>
-                  <mc:Fallback>
+                  <mc:Fallback xmlns="">
                     <p:sp>
                       <p:nvSpPr>
                         <p:cNvPr id="163" name="TextBox 162">
@@ -26441,8 +26183,8 @@
                     </p:sp>
                   </mc:Fallback>
                 </mc:AlternateContent>
-                <mc:AlternateContent xmlns:mc="http://schemas.openxmlformats.org/markup-compatibility/2006">
-                  <mc:Choice xmlns:a14="http://schemas.microsoft.com/office/drawing/2010/main" Requires="a14">
+                <mc:AlternateContent xmlns:mc="http://schemas.openxmlformats.org/markup-compatibility/2006" xmlns:a14="http://schemas.microsoft.com/office/drawing/2010/main">
+                  <mc:Choice Requires="a14">
                     <p:sp>
                       <p:nvSpPr>
                         <p:cNvPr id="164" name="TextBox 163">
@@ -26492,7 +26234,7 @@
                       </p:txBody>
                     </p:sp>
                   </mc:Choice>
-                  <mc:Fallback>
+                  <mc:Fallback xmlns="">
                     <p:sp>
                       <p:nvSpPr>
                         <p:cNvPr id="164" name="TextBox 163">
@@ -26537,8 +26279,8 @@
                     </p:sp>
                   </mc:Fallback>
                 </mc:AlternateContent>
-                <mc:AlternateContent xmlns:mc="http://schemas.openxmlformats.org/markup-compatibility/2006">
-                  <mc:Choice xmlns:a14="http://schemas.microsoft.com/office/drawing/2010/main" Requires="a14">
+                <mc:AlternateContent xmlns:mc="http://schemas.openxmlformats.org/markup-compatibility/2006" xmlns:a14="http://schemas.microsoft.com/office/drawing/2010/main">
+                  <mc:Choice Requires="a14">
                     <p:sp>
                       <p:nvSpPr>
                         <p:cNvPr id="165" name="TextBox 164">
@@ -26588,7 +26330,7 @@
                       </p:txBody>
                     </p:sp>
                   </mc:Choice>
-                  <mc:Fallback>
+                  <mc:Fallback xmlns="">
                     <p:sp>
                       <p:nvSpPr>
                         <p:cNvPr id="165" name="TextBox 164">
@@ -26935,8 +26677,8 @@
                   </p:style>
                 </p:cxnSp>
               </p:grpSp>
-              <mc:AlternateContent xmlns:mc="http://schemas.openxmlformats.org/markup-compatibility/2006">
-                <mc:Choice xmlns:a14="http://schemas.microsoft.com/office/drawing/2010/main" Requires="a14">
+              <mc:AlternateContent xmlns:mc="http://schemas.openxmlformats.org/markup-compatibility/2006" xmlns:a14="http://schemas.microsoft.com/office/drawing/2010/main">
+                <mc:Choice Requires="a14">
                   <p:sp>
                     <p:nvSpPr>
                       <p:cNvPr id="160" name="TextBox 159">
@@ -27005,7 +26747,7 @@
                     </p:txBody>
                   </p:sp>
                 </mc:Choice>
-                <mc:Fallback>
+                <mc:Fallback xmlns="">
                   <p:sp>
                     <p:nvSpPr>
                       <p:cNvPr id="160" name="TextBox 159">
@@ -27083,8 +26825,8 @@
                 </a:p>
               </p:txBody>
             </p:sp>
-            <mc:AlternateContent xmlns:mc="http://schemas.openxmlformats.org/markup-compatibility/2006">
-              <mc:Choice xmlns:a14="http://schemas.microsoft.com/office/drawing/2010/main" Requires="a14">
+            <mc:AlternateContent xmlns:mc="http://schemas.openxmlformats.org/markup-compatibility/2006" xmlns:a14="http://schemas.microsoft.com/office/drawing/2010/main">
+              <mc:Choice Requires="a14">
                 <p:sp>
                   <p:nvSpPr>
                     <p:cNvPr id="158" name="TextBox 157">
@@ -27153,7 +26895,7 @@
                   </p:txBody>
                 </p:sp>
               </mc:Choice>
-              <mc:Fallback>
+              <mc:Fallback xmlns="">
                 <p:sp>
                   <p:nvSpPr>
                     <p:cNvPr id="158" name="TextBox 157">
@@ -27672,8 +27414,8 @@
                 </p:txBody>
               </p:sp>
             </p:grpSp>
-            <mc:AlternateContent xmlns:mc="http://schemas.openxmlformats.org/markup-compatibility/2006">
-              <mc:Choice xmlns:a14="http://schemas.microsoft.com/office/drawing/2010/main" Requires="a14">
+            <mc:AlternateContent xmlns:mc="http://schemas.openxmlformats.org/markup-compatibility/2006" xmlns:a14="http://schemas.microsoft.com/office/drawing/2010/main">
+              <mc:Choice Requires="a14">
                 <p:sp>
                   <p:nvSpPr>
                     <p:cNvPr id="144" name="TextBox 143">
@@ -27765,7 +27507,7 @@
                   </p:txBody>
                 </p:sp>
               </mc:Choice>
-              <mc:Fallback>
+              <mc:Fallback xmlns="">
                 <p:sp>
                   <p:nvSpPr>
                     <p:cNvPr id="144" name="TextBox 143">
@@ -27810,8 +27552,8 @@
                 </p:sp>
               </mc:Fallback>
             </mc:AlternateContent>
-            <mc:AlternateContent xmlns:mc="http://schemas.openxmlformats.org/markup-compatibility/2006">
-              <mc:Choice xmlns:a14="http://schemas.microsoft.com/office/drawing/2010/main" Requires="a14">
+            <mc:AlternateContent xmlns:mc="http://schemas.openxmlformats.org/markup-compatibility/2006" xmlns:a14="http://schemas.microsoft.com/office/drawing/2010/main">
+              <mc:Choice Requires="a14">
                 <p:sp>
                   <p:nvSpPr>
                     <p:cNvPr id="145" name="TextBox 144">
@@ -27882,7 +27624,7 @@
                   </p:txBody>
                 </p:sp>
               </mc:Choice>
-              <mc:Fallback>
+              <mc:Fallback xmlns="">
                 <p:sp>
                   <p:nvSpPr>
                     <p:cNvPr id="145" name="TextBox 144">
@@ -27927,8 +27669,8 @@
                 </p:sp>
               </mc:Fallback>
             </mc:AlternateContent>
-            <mc:AlternateContent xmlns:mc="http://schemas.openxmlformats.org/markup-compatibility/2006">
-              <mc:Choice xmlns:a14="http://schemas.microsoft.com/office/drawing/2010/main" Requires="a14">
+            <mc:AlternateContent xmlns:mc="http://schemas.openxmlformats.org/markup-compatibility/2006" xmlns:a14="http://schemas.microsoft.com/office/drawing/2010/main">
+              <mc:Choice Requires="a14">
                 <p:sp>
                   <p:nvSpPr>
                     <p:cNvPr id="146" name="TextBox 145">
@@ -27999,7 +27741,7 @@
                   </p:txBody>
                 </p:sp>
               </mc:Choice>
-              <mc:Fallback>
+              <mc:Fallback xmlns="">
                 <p:sp>
                   <p:nvSpPr>
                     <p:cNvPr id="146" name="TextBox 145">
@@ -28065,8 +27807,8 @@
                 <a:chExt cx="1893837" cy="901048"/>
               </a:xfrm>
             </p:grpSpPr>
-            <mc:AlternateContent xmlns:mc="http://schemas.openxmlformats.org/markup-compatibility/2006">
-              <mc:Choice xmlns:a14="http://schemas.microsoft.com/office/drawing/2010/main" Requires="a14">
+            <mc:AlternateContent xmlns:mc="http://schemas.openxmlformats.org/markup-compatibility/2006" xmlns:a14="http://schemas.microsoft.com/office/drawing/2010/main">
+              <mc:Choice Requires="a14">
                 <p:sp>
                   <p:nvSpPr>
                     <p:cNvPr id="132" name="TextBox 131">
@@ -28158,7 +27900,7 @@
                   </p:txBody>
                 </p:sp>
               </mc:Choice>
-              <mc:Fallback>
+              <mc:Fallback xmlns="">
                 <p:sp>
                   <p:nvSpPr>
                     <p:cNvPr id="132" name="TextBox 131">
@@ -28203,8 +27945,8 @@
                 </p:sp>
               </mc:Fallback>
             </mc:AlternateContent>
-            <mc:AlternateContent xmlns:mc="http://schemas.openxmlformats.org/markup-compatibility/2006">
-              <mc:Choice xmlns:a14="http://schemas.microsoft.com/office/drawing/2010/main" Requires="a14">
+            <mc:AlternateContent xmlns:mc="http://schemas.openxmlformats.org/markup-compatibility/2006" xmlns:a14="http://schemas.microsoft.com/office/drawing/2010/main">
+              <mc:Choice Requires="a14">
                 <p:sp>
                   <p:nvSpPr>
                     <p:cNvPr id="133" name="TextBox 132">
@@ -28275,7 +28017,7 @@
                   </p:txBody>
                 </p:sp>
               </mc:Choice>
-              <mc:Fallback>
+              <mc:Fallback xmlns="">
                 <p:sp>
                   <p:nvSpPr>
                     <p:cNvPr id="133" name="TextBox 132">
@@ -28320,8 +28062,8 @@
                 </p:sp>
               </mc:Fallback>
             </mc:AlternateContent>
-            <mc:AlternateContent xmlns:mc="http://schemas.openxmlformats.org/markup-compatibility/2006">
-              <mc:Choice xmlns:a14="http://schemas.microsoft.com/office/drawing/2010/main" Requires="a14">
+            <mc:AlternateContent xmlns:mc="http://schemas.openxmlformats.org/markup-compatibility/2006" xmlns:a14="http://schemas.microsoft.com/office/drawing/2010/main">
+              <mc:Choice Requires="a14">
                 <p:sp>
                   <p:nvSpPr>
                     <p:cNvPr id="134" name="TextBox 133">
@@ -28376,16 +28118,7 @@
                                     </a:solidFill>
                                     <a:latin typeface="Cambria Math" panose="02040503050406030204" pitchFamily="18" charset="0"/>
                                   </a:rPr>
-                                  <m:t>1</m:t>
-                                </m:r>
-                                <m:r>
-                                  <a:rPr lang="en-US" sz="1100" b="0" i="1" dirty="0" smtClean="0">
-                                    <a:solidFill>
-                                      <a:srgbClr val="C00000"/>
-                                    </a:solidFill>
-                                    <a:latin typeface="Cambria Math" panose="02040503050406030204" pitchFamily="18" charset="0"/>
-                                  </a:rPr>
-                                  <m:t>,1</m:t>
+                                  <m:t>1,1</m:t>
                                 </m:r>
                               </m:e>
                             </m:d>
@@ -28401,7 +28134,7 @@
                   </p:txBody>
                 </p:sp>
               </mc:Choice>
-              <mc:Fallback>
+              <mc:Fallback xmlns="">
                 <p:sp>
                   <p:nvSpPr>
                     <p:cNvPr id="134" name="TextBox 133">
@@ -28784,8 +28517,8 @@
                 <a:chExt cx="1867360" cy="1271227"/>
               </a:xfrm>
             </p:grpSpPr>
-            <mc:AlternateContent xmlns:mc="http://schemas.openxmlformats.org/markup-compatibility/2006">
-              <mc:Choice xmlns:a14="http://schemas.microsoft.com/office/drawing/2010/main" Requires="a14">
+            <mc:AlternateContent xmlns:mc="http://schemas.openxmlformats.org/markup-compatibility/2006" xmlns:a14="http://schemas.microsoft.com/office/drawing/2010/main">
+              <mc:Choice Requires="a14">
                 <p:sp>
                   <p:nvSpPr>
                     <p:cNvPr id="121" name="TextBox 120">
@@ -28877,7 +28610,7 @@
                   </p:txBody>
                 </p:sp>
               </mc:Choice>
-              <mc:Fallback>
+              <mc:Fallback xmlns="">
                 <p:sp>
                   <p:nvSpPr>
                     <p:cNvPr id="121" name="TextBox 120">
@@ -28922,8 +28655,8 @@
                 </p:sp>
               </mc:Fallback>
             </mc:AlternateContent>
-            <mc:AlternateContent xmlns:mc="http://schemas.openxmlformats.org/markup-compatibility/2006">
-              <mc:Choice xmlns:a14="http://schemas.microsoft.com/office/drawing/2010/main" Requires="a14">
+            <mc:AlternateContent xmlns:mc="http://schemas.openxmlformats.org/markup-compatibility/2006" xmlns:a14="http://schemas.microsoft.com/office/drawing/2010/main">
+              <mc:Choice Requires="a14">
                 <p:sp>
                   <p:nvSpPr>
                     <p:cNvPr id="122" name="TextBox 121">
@@ -28994,7 +28727,7 @@
                   </p:txBody>
                 </p:sp>
               </mc:Choice>
-              <mc:Fallback>
+              <mc:Fallback xmlns="">
                 <p:sp>
                   <p:nvSpPr>
                     <p:cNvPr id="122" name="TextBox 121">
@@ -29039,8 +28772,8 @@
                 </p:sp>
               </mc:Fallback>
             </mc:AlternateContent>
-            <mc:AlternateContent xmlns:mc="http://schemas.openxmlformats.org/markup-compatibility/2006">
-              <mc:Choice xmlns:a14="http://schemas.microsoft.com/office/drawing/2010/main" Requires="a14">
+            <mc:AlternateContent xmlns:mc="http://schemas.openxmlformats.org/markup-compatibility/2006" xmlns:a14="http://schemas.microsoft.com/office/drawing/2010/main">
+              <mc:Choice Requires="a14">
                 <p:sp>
                   <p:nvSpPr>
                     <p:cNvPr id="123" name="TextBox 122">
@@ -29095,16 +28828,7 @@
                                     </a:solidFill>
                                     <a:latin typeface="Cambria Math" panose="02040503050406030204" pitchFamily="18" charset="0"/>
                                   </a:rPr>
-                                  <m:t>1,</m:t>
-                                </m:r>
-                                <m:r>
-                                  <a:rPr lang="en-US" sz="1100" b="0" i="1" dirty="0" smtClean="0">
-                                    <a:solidFill>
-                                      <a:srgbClr val="C00000"/>
-                                    </a:solidFill>
-                                    <a:latin typeface="Cambria Math" panose="02040503050406030204" pitchFamily="18" charset="0"/>
-                                  </a:rPr>
-                                  <m:t>1</m:t>
+                                  <m:t>1,1</m:t>
                                 </m:r>
                               </m:e>
                             </m:d>
@@ -29120,7 +28844,7 @@
                   </p:txBody>
                 </p:sp>
               </mc:Choice>
-              <mc:Fallback>
+              <mc:Fallback xmlns="">
                 <p:sp>
                   <p:nvSpPr>
                     <p:cNvPr id="123" name="TextBox 122">

--- a/images/axis.pptx
+++ b/images/axis.pptx
@@ -9,7 +9,8 @@
     <p:sldId id="258" r:id="rId3"/>
     <p:sldId id="257" r:id="rId4"/>
     <p:sldId id="259" r:id="rId5"/>
-    <p:sldId id="260" r:id="rId6"/>
+    <p:sldId id="261" r:id="rId6"/>
+    <p:sldId id="260" r:id="rId7"/>
   </p:sldIdLst>
   <p:sldSz cx="12192000" cy="6858000"/>
   <p:notesSz cx="6858000" cy="9144000"/>
@@ -3525,7 +3526,7 @@
           <a:p>
             <a:fld id="{B1B9AF34-9AC4-45FB-A759-451273123E49}" type="datetimeFigureOut">
               <a:rPr lang="en-US" smtClean="0"/>
-              <a:t>6/8/2023</a:t>
+              <a:t>6/9/2023</a:t>
             </a:fld>
             <a:endParaRPr lang="en-US"/>
           </a:p>
@@ -3723,7 +3724,7 @@
           <a:p>
             <a:fld id="{B1B9AF34-9AC4-45FB-A759-451273123E49}" type="datetimeFigureOut">
               <a:rPr lang="en-US" smtClean="0"/>
-              <a:t>6/8/2023</a:t>
+              <a:t>6/9/2023</a:t>
             </a:fld>
             <a:endParaRPr lang="en-US"/>
           </a:p>
@@ -3931,7 +3932,7 @@
           <a:p>
             <a:fld id="{B1B9AF34-9AC4-45FB-A759-451273123E49}" type="datetimeFigureOut">
               <a:rPr lang="en-US" smtClean="0"/>
-              <a:t>6/8/2023</a:t>
+              <a:t>6/9/2023</a:t>
             </a:fld>
             <a:endParaRPr lang="en-US"/>
           </a:p>
@@ -4129,7 +4130,7 @@
           <a:p>
             <a:fld id="{B1B9AF34-9AC4-45FB-A759-451273123E49}" type="datetimeFigureOut">
               <a:rPr lang="en-US" smtClean="0"/>
-              <a:t>6/8/2023</a:t>
+              <a:t>6/9/2023</a:t>
             </a:fld>
             <a:endParaRPr lang="en-US"/>
           </a:p>
@@ -4404,7 +4405,7 @@
           <a:p>
             <a:fld id="{B1B9AF34-9AC4-45FB-A759-451273123E49}" type="datetimeFigureOut">
               <a:rPr lang="en-US" smtClean="0"/>
-              <a:t>6/8/2023</a:t>
+              <a:t>6/9/2023</a:t>
             </a:fld>
             <a:endParaRPr lang="en-US"/>
           </a:p>
@@ -4669,7 +4670,7 @@
           <a:p>
             <a:fld id="{B1B9AF34-9AC4-45FB-A759-451273123E49}" type="datetimeFigureOut">
               <a:rPr lang="en-US" smtClean="0"/>
-              <a:t>6/8/2023</a:t>
+              <a:t>6/9/2023</a:t>
             </a:fld>
             <a:endParaRPr lang="en-US"/>
           </a:p>
@@ -5081,7 +5082,7 @@
           <a:p>
             <a:fld id="{B1B9AF34-9AC4-45FB-A759-451273123E49}" type="datetimeFigureOut">
               <a:rPr lang="en-US" smtClean="0"/>
-              <a:t>6/8/2023</a:t>
+              <a:t>6/9/2023</a:t>
             </a:fld>
             <a:endParaRPr lang="en-US"/>
           </a:p>
@@ -5222,7 +5223,7 @@
           <a:p>
             <a:fld id="{B1B9AF34-9AC4-45FB-A759-451273123E49}" type="datetimeFigureOut">
               <a:rPr lang="en-US" smtClean="0"/>
-              <a:t>6/8/2023</a:t>
+              <a:t>6/9/2023</a:t>
             </a:fld>
             <a:endParaRPr lang="en-US"/>
           </a:p>
@@ -5335,7 +5336,7 @@
           <a:p>
             <a:fld id="{B1B9AF34-9AC4-45FB-A759-451273123E49}" type="datetimeFigureOut">
               <a:rPr lang="en-US" smtClean="0"/>
-              <a:t>6/8/2023</a:t>
+              <a:t>6/9/2023</a:t>
             </a:fld>
             <a:endParaRPr lang="en-US"/>
           </a:p>
@@ -5646,7 +5647,7 @@
           <a:p>
             <a:fld id="{B1B9AF34-9AC4-45FB-A759-451273123E49}" type="datetimeFigureOut">
               <a:rPr lang="en-US" smtClean="0"/>
-              <a:t>6/8/2023</a:t>
+              <a:t>6/9/2023</a:t>
             </a:fld>
             <a:endParaRPr lang="en-US"/>
           </a:p>
@@ -5934,7 +5935,7 @@
           <a:p>
             <a:fld id="{B1B9AF34-9AC4-45FB-A759-451273123E49}" type="datetimeFigureOut">
               <a:rPr lang="en-US" smtClean="0"/>
-              <a:t>6/8/2023</a:t>
+              <a:t>6/9/2023</a:t>
             </a:fld>
             <a:endParaRPr lang="en-US"/>
           </a:p>
@@ -6175,7 +6176,7 @@
           <a:p>
             <a:fld id="{B1B9AF34-9AC4-45FB-A759-451273123E49}" type="datetimeFigureOut">
               <a:rPr lang="en-US" smtClean="0"/>
-              <a:t>6/8/2023</a:t>
+              <a:t>6/9/2023</a:t>
             </a:fld>
             <a:endParaRPr lang="en-US"/>
           </a:p>
@@ -20124,10 +20125,10 @@
       </p:grpSpPr>
       <p:grpSp>
         <p:nvGrpSpPr>
-          <p:cNvPr id="185" name="Group 184">
+          <p:cNvPr id="41" name="Group 40">
             <a:extLst>
               <a:ext uri="{FF2B5EF4-FFF2-40B4-BE49-F238E27FC236}">
-                <a16:creationId xmlns:a16="http://schemas.microsoft.com/office/drawing/2014/main" id="{4139B9D4-5282-A8B9-D491-7B86FF7EA6B8}"/>
+                <a16:creationId xmlns:a16="http://schemas.microsoft.com/office/drawing/2014/main" id="{FC18A34B-755E-087E-4966-AA21E8FAAE1D}"/>
               </a:ext>
             </a:extLst>
           </p:cNvPr>
@@ -20136,10 +20137,3417 @@
         </p:nvGrpSpPr>
         <p:grpSpPr>
           <a:xfrm>
-            <a:off x="141546" y="107830"/>
-            <a:ext cx="11835416" cy="6546969"/>
-            <a:chOff x="141546" y="107830"/>
-            <a:chExt cx="11835416" cy="6546969"/>
+            <a:off x="3210124" y="456044"/>
+            <a:ext cx="5771752" cy="6119319"/>
+            <a:chOff x="3210124" y="456044"/>
+            <a:chExt cx="5771752" cy="6119319"/>
+          </a:xfrm>
+        </p:grpSpPr>
+        <p:grpSp>
+          <p:nvGrpSpPr>
+            <p:cNvPr id="69" name="Group 68">
+              <a:extLst>
+                <a:ext uri="{FF2B5EF4-FFF2-40B4-BE49-F238E27FC236}">
+                  <a16:creationId xmlns:a16="http://schemas.microsoft.com/office/drawing/2014/main" id="{0CE88D3B-4BBE-EF70-7786-BBAD678ED25D}"/>
+                </a:ext>
+              </a:extLst>
+            </p:cNvPr>
+            <p:cNvGrpSpPr/>
+            <p:nvPr/>
+          </p:nvGrpSpPr>
+          <p:grpSpPr>
+            <a:xfrm>
+              <a:off x="3210124" y="456044"/>
+              <a:ext cx="5771752" cy="6119319"/>
+              <a:chOff x="2390082" y="-21496"/>
+              <a:chExt cx="5771752" cy="6119319"/>
+            </a:xfrm>
+          </p:grpSpPr>
+          <p:grpSp>
+            <p:nvGrpSpPr>
+              <p:cNvPr id="63" name="Group 62">
+                <a:extLst>
+                  <a:ext uri="{FF2B5EF4-FFF2-40B4-BE49-F238E27FC236}">
+                    <a16:creationId xmlns:a16="http://schemas.microsoft.com/office/drawing/2014/main" id="{8A0CC048-EFDC-F676-CFDE-079D6014713A}"/>
+                  </a:ext>
+                </a:extLst>
+              </p:cNvPr>
+              <p:cNvGrpSpPr/>
+              <p:nvPr/>
+            </p:nvGrpSpPr>
+            <p:grpSpPr>
+              <a:xfrm>
+                <a:off x="2602017" y="10290"/>
+                <a:ext cx="5175504" cy="6087533"/>
+                <a:chOff x="2602017" y="10290"/>
+                <a:chExt cx="5175504" cy="6087533"/>
+              </a:xfrm>
+            </p:grpSpPr>
+            <p:sp>
+              <p:nvSpPr>
+                <p:cNvPr id="37" name="Rectangle 36">
+                  <a:extLst>
+                    <a:ext uri="{FF2B5EF4-FFF2-40B4-BE49-F238E27FC236}">
+                      <a16:creationId xmlns:a16="http://schemas.microsoft.com/office/drawing/2014/main" id="{908630BE-924D-7BD3-26F7-A58BCA2057CF}"/>
+                    </a:ext>
+                  </a:extLst>
+                </p:cNvPr>
+                <p:cNvSpPr/>
+                <p:nvPr/>
+              </p:nvSpPr>
+              <p:spPr>
+                <a:xfrm rot="18900000">
+                  <a:off x="5062850" y="1466743"/>
+                  <a:ext cx="82422" cy="3120029"/>
+                </a:xfrm>
+                <a:prstGeom prst="rect">
+                  <a:avLst/>
+                </a:prstGeom>
+                <a:solidFill>
+                  <a:schemeClr val="accent5">
+                    <a:lumMod val="40000"/>
+                    <a:lumOff val="60000"/>
+                    <a:alpha val="50000"/>
+                  </a:schemeClr>
+                </a:solidFill>
+                <a:ln>
+                  <a:noFill/>
+                </a:ln>
+              </p:spPr>
+              <p:style>
+                <a:lnRef idx="2">
+                  <a:schemeClr val="accent1">
+                    <a:shade val="50000"/>
+                  </a:schemeClr>
+                </a:lnRef>
+                <a:fillRef idx="1">
+                  <a:schemeClr val="accent1"/>
+                </a:fillRef>
+                <a:effectRef idx="0">
+                  <a:schemeClr val="accent1"/>
+                </a:effectRef>
+                <a:fontRef idx="minor">
+                  <a:schemeClr val="lt1"/>
+                </a:fontRef>
+              </p:style>
+              <p:txBody>
+                <a:bodyPr rtlCol="0" anchor="ctr"/>
+                <a:lstStyle/>
+                <a:p>
+                  <a:pPr algn="ctr"/>
+                  <a:endParaRPr lang="en-US" dirty="0"/>
+                </a:p>
+              </p:txBody>
+            </p:sp>
+            <p:grpSp>
+              <p:nvGrpSpPr>
+                <p:cNvPr id="62" name="Group 61">
+                  <a:extLst>
+                    <a:ext uri="{FF2B5EF4-FFF2-40B4-BE49-F238E27FC236}">
+                      <a16:creationId xmlns:a16="http://schemas.microsoft.com/office/drawing/2014/main" id="{4505692A-84BE-9DB4-0E0D-322D8A1C1102}"/>
+                    </a:ext>
+                  </a:extLst>
+                </p:cNvPr>
+                <p:cNvGrpSpPr/>
+                <p:nvPr/>
+              </p:nvGrpSpPr>
+              <p:grpSpPr>
+                <a:xfrm>
+                  <a:off x="2602017" y="10290"/>
+                  <a:ext cx="5175504" cy="6087533"/>
+                  <a:chOff x="2602017" y="10290"/>
+                  <a:chExt cx="5175504" cy="6087533"/>
+                </a:xfrm>
+              </p:grpSpPr>
+              <p:grpSp>
+                <p:nvGrpSpPr>
+                  <p:cNvPr id="42" name="Group 41">
+                    <a:extLst>
+                      <a:ext uri="{FF2B5EF4-FFF2-40B4-BE49-F238E27FC236}">
+                        <a16:creationId xmlns:a16="http://schemas.microsoft.com/office/drawing/2014/main" id="{6FA2BE27-7D22-D90A-9C90-DAAB99A716EA}"/>
+                      </a:ext>
+                    </a:extLst>
+                  </p:cNvPr>
+                  <p:cNvGrpSpPr/>
+                  <p:nvPr/>
+                </p:nvGrpSpPr>
+                <p:grpSpPr>
+                  <a:xfrm>
+                    <a:off x="2602017" y="10290"/>
+                    <a:ext cx="5175504" cy="6087533"/>
+                    <a:chOff x="2602017" y="10290"/>
+                    <a:chExt cx="5175504" cy="6087533"/>
+                  </a:xfrm>
+                </p:grpSpPr>
+                <p:cxnSp>
+                  <p:nvCxnSpPr>
+                    <p:cNvPr id="32" name="Straight Connector 31">
+                      <a:extLst>
+                        <a:ext uri="{FF2B5EF4-FFF2-40B4-BE49-F238E27FC236}">
+                          <a16:creationId xmlns:a16="http://schemas.microsoft.com/office/drawing/2014/main" id="{2EDB4F53-A707-C128-A7D1-73728B7F703D}"/>
+                        </a:ext>
+                      </a:extLst>
+                    </p:cNvPr>
+                    <p:cNvCxnSpPr>
+                      <a:cxnSpLocks/>
+                    </p:cNvCxnSpPr>
+                    <p:nvPr/>
+                  </p:nvCxnSpPr>
+                  <p:spPr>
+                    <a:xfrm rot="2700000">
+                      <a:off x="2083955" y="3054057"/>
+                      <a:ext cx="6087533" cy="0"/>
+                    </a:xfrm>
+                    <a:prstGeom prst="line">
+                      <a:avLst/>
+                    </a:prstGeom>
+                    <a:ln w="12700">
+                      <a:solidFill>
+                        <a:schemeClr val="accent5">
+                          <a:lumMod val="75000"/>
+                        </a:schemeClr>
+                      </a:solidFill>
+                    </a:ln>
+                  </p:spPr>
+                  <p:style>
+                    <a:lnRef idx="1">
+                      <a:schemeClr val="accent1"/>
+                    </a:lnRef>
+                    <a:fillRef idx="0">
+                      <a:schemeClr val="accent1"/>
+                    </a:fillRef>
+                    <a:effectRef idx="0">
+                      <a:schemeClr val="accent1"/>
+                    </a:effectRef>
+                    <a:fontRef idx="minor">
+                      <a:schemeClr val="tx1"/>
+                    </a:fontRef>
+                  </p:style>
+                </p:cxnSp>
+                <p:cxnSp>
+                  <p:nvCxnSpPr>
+                    <p:cNvPr id="40" name="Straight Connector 39">
+                      <a:extLst>
+                        <a:ext uri="{FF2B5EF4-FFF2-40B4-BE49-F238E27FC236}">
+                          <a16:creationId xmlns:a16="http://schemas.microsoft.com/office/drawing/2014/main" id="{C0EE93CC-1731-9631-2933-F1E5D3CED370}"/>
+                        </a:ext>
+                      </a:extLst>
+                    </p:cNvPr>
+                    <p:cNvCxnSpPr>
+                      <a:cxnSpLocks/>
+                    </p:cNvCxnSpPr>
+                    <p:nvPr/>
+                  </p:nvCxnSpPr>
+                  <p:spPr>
+                    <a:xfrm>
+                      <a:off x="2602017" y="1925159"/>
+                      <a:ext cx="5175504" cy="0"/>
+                    </a:xfrm>
+                    <a:prstGeom prst="line">
+                      <a:avLst/>
+                    </a:prstGeom>
+                    <a:ln w="12700">
+                      <a:solidFill>
+                        <a:schemeClr val="accent5">
+                          <a:lumMod val="75000"/>
+                        </a:schemeClr>
+                      </a:solidFill>
+                    </a:ln>
+                  </p:spPr>
+                  <p:style>
+                    <a:lnRef idx="1">
+                      <a:schemeClr val="accent1"/>
+                    </a:lnRef>
+                    <a:fillRef idx="0">
+                      <a:schemeClr val="accent1"/>
+                    </a:fillRef>
+                    <a:effectRef idx="0">
+                      <a:schemeClr val="accent1"/>
+                    </a:effectRef>
+                    <a:fontRef idx="minor">
+                      <a:schemeClr val="tx1"/>
+                    </a:fontRef>
+                  </p:style>
+                </p:cxnSp>
+                <p:cxnSp>
+                  <p:nvCxnSpPr>
+                    <p:cNvPr id="39" name="Straight Connector 38">
+                      <a:extLst>
+                        <a:ext uri="{FF2B5EF4-FFF2-40B4-BE49-F238E27FC236}">
+                          <a16:creationId xmlns:a16="http://schemas.microsoft.com/office/drawing/2014/main" id="{4CCCADA3-1149-108A-9E88-1A47D8A534A0}"/>
+                        </a:ext>
+                      </a:extLst>
+                    </p:cNvPr>
+                    <p:cNvCxnSpPr>
+                      <a:cxnSpLocks/>
+                    </p:cNvCxnSpPr>
+                    <p:nvPr/>
+                  </p:nvCxnSpPr>
+                  <p:spPr>
+                    <a:xfrm rot="5400000">
+                      <a:off x="3610337" y="3078224"/>
+                      <a:ext cx="5175504" cy="0"/>
+                    </a:xfrm>
+                    <a:prstGeom prst="line">
+                      <a:avLst/>
+                    </a:prstGeom>
+                    <a:ln w="12700">
+                      <a:solidFill>
+                        <a:schemeClr val="accent5">
+                          <a:lumMod val="75000"/>
+                        </a:schemeClr>
+                      </a:solidFill>
+                    </a:ln>
+                  </p:spPr>
+                  <p:style>
+                    <a:lnRef idx="1">
+                      <a:schemeClr val="accent1"/>
+                    </a:lnRef>
+                    <a:fillRef idx="0">
+                      <a:schemeClr val="accent1"/>
+                    </a:fillRef>
+                    <a:effectRef idx="0">
+                      <a:schemeClr val="accent1"/>
+                    </a:effectRef>
+                    <a:fontRef idx="minor">
+                      <a:schemeClr val="tx1"/>
+                    </a:fontRef>
+                  </p:style>
+                </p:cxnSp>
+              </p:grpSp>
+              <mc:AlternateContent xmlns:mc="http://schemas.openxmlformats.org/markup-compatibility/2006">
+                <mc:Choice xmlns:a14="http://schemas.microsoft.com/office/drawing/2010/main" Requires="a14">
+                  <p:sp>
+                    <p:nvSpPr>
+                      <p:cNvPr id="59" name="TextBox 58">
+                        <a:extLst>
+                          <a:ext uri="{FF2B5EF4-FFF2-40B4-BE49-F238E27FC236}">
+                            <a16:creationId xmlns:a16="http://schemas.microsoft.com/office/drawing/2014/main" id="{3FF3D2F3-4110-AC61-7252-79D8B10473B7}"/>
+                          </a:ext>
+                        </a:extLst>
+                      </p:cNvPr>
+                      <p:cNvSpPr txBox="1"/>
+                      <p:nvPr/>
+                    </p:nvSpPr>
+                    <p:spPr>
+                      <a:xfrm>
+                        <a:off x="5098795" y="2654256"/>
+                        <a:ext cx="938590" cy="215444"/>
+                      </a:xfrm>
+                      <a:prstGeom prst="rect">
+                        <a:avLst/>
+                      </a:prstGeom>
+                      <a:noFill/>
+                    </p:spPr>
+                    <p:txBody>
+                      <a:bodyPr wrap="none" lIns="0" tIns="0" rIns="0" bIns="0" rtlCol="0">
+                        <a:spAutoFit/>
+                      </a:bodyPr>
+                      <a:lstStyle/>
+                      <a:p>
+                        <a:pPr/>
+                        <a14:m>
+                          <m:oMathPara xmlns:m="http://schemas.openxmlformats.org/officeDocument/2006/math">
+                            <m:oMathParaPr>
+                              <m:jc m:val="centerGroup"/>
+                            </m:oMathParaPr>
+                            <m:oMath xmlns:m="http://schemas.openxmlformats.org/officeDocument/2006/math">
+                              <m:sSub>
+                                <m:sSubPr>
+                                  <m:ctrlPr>
+                                    <a:rPr lang="en-US" sz="1400" b="0" i="1" smtClean="0">
+                                      <a:solidFill>
+                                        <a:schemeClr val="accent5">
+                                          <a:lumMod val="75000"/>
+                                        </a:schemeClr>
+                                      </a:solidFill>
+                                      <a:latin typeface="Cambria Math" panose="02040503050406030204" pitchFamily="18" charset="0"/>
+                                    </a:rPr>
+                                  </m:ctrlPr>
+                                </m:sSubPr>
+                                <m:e>
+                                  <m:r>
+                                    <a:rPr lang="en-US" sz="1400" b="0" i="1" smtClean="0">
+                                      <a:solidFill>
+                                        <a:schemeClr val="accent5">
+                                          <a:lumMod val="75000"/>
+                                        </a:schemeClr>
+                                      </a:solidFill>
+                                      <a:latin typeface="Cambria Math" panose="02040503050406030204" pitchFamily="18" charset="0"/>
+                                    </a:rPr>
+                                    <m:t>𝑥</m:t>
+                                  </m:r>
+                                </m:e>
+                                <m:sub>
+                                  <m:r>
+                                    <a:rPr lang="en-US" sz="1400" b="0" i="1" smtClean="0">
+                                      <a:solidFill>
+                                        <a:schemeClr val="accent5">
+                                          <a:lumMod val="75000"/>
+                                        </a:schemeClr>
+                                      </a:solidFill>
+                                      <a:latin typeface="Cambria Math" panose="02040503050406030204" pitchFamily="18" charset="0"/>
+                                    </a:rPr>
+                                    <m:t>1</m:t>
+                                  </m:r>
+                                </m:sub>
+                              </m:sSub>
+                              <m:r>
+                                <a:rPr lang="en-US" sz="1400" b="0" i="1" smtClean="0">
+                                  <a:solidFill>
+                                    <a:schemeClr val="accent5">
+                                      <a:lumMod val="75000"/>
+                                    </a:schemeClr>
+                                  </a:solidFill>
+                                  <a:latin typeface="Cambria Math" panose="02040503050406030204" pitchFamily="18" charset="0"/>
+                                </a:rPr>
+                                <m:t>+</m:t>
+                              </m:r>
+                              <m:sSub>
+                                <m:sSubPr>
+                                  <m:ctrlPr>
+                                    <a:rPr lang="en-US" sz="1400" b="0" i="1" smtClean="0">
+                                      <a:solidFill>
+                                        <a:schemeClr val="accent5">
+                                          <a:lumMod val="75000"/>
+                                        </a:schemeClr>
+                                      </a:solidFill>
+                                      <a:latin typeface="Cambria Math" panose="02040503050406030204" pitchFamily="18" charset="0"/>
+                                    </a:rPr>
+                                  </m:ctrlPr>
+                                </m:sSubPr>
+                                <m:e>
+                                  <m:r>
+                                    <a:rPr lang="en-US" sz="1400" b="0" i="1" smtClean="0">
+                                      <a:solidFill>
+                                        <a:schemeClr val="accent5">
+                                          <a:lumMod val="75000"/>
+                                        </a:schemeClr>
+                                      </a:solidFill>
+                                      <a:latin typeface="Cambria Math" panose="02040503050406030204" pitchFamily="18" charset="0"/>
+                                    </a:rPr>
+                                    <m:t>𝑥</m:t>
+                                  </m:r>
+                                </m:e>
+                                <m:sub>
+                                  <m:r>
+                                    <a:rPr lang="en-US" sz="1400" b="0" i="1" smtClean="0">
+                                      <a:solidFill>
+                                        <a:schemeClr val="accent5">
+                                          <a:lumMod val="75000"/>
+                                        </a:schemeClr>
+                                      </a:solidFill>
+                                      <a:latin typeface="Cambria Math" panose="02040503050406030204" pitchFamily="18" charset="0"/>
+                                    </a:rPr>
+                                    <m:t>2</m:t>
+                                  </m:r>
+                                </m:sub>
+                              </m:sSub>
+                              <m:r>
+                                <a:rPr lang="en-US" sz="1400" b="0" i="1" smtClean="0">
+                                  <a:solidFill>
+                                    <a:schemeClr val="accent5">
+                                      <a:lumMod val="75000"/>
+                                    </a:schemeClr>
+                                  </a:solidFill>
+                                  <a:latin typeface="Cambria Math" panose="02040503050406030204" pitchFamily="18" charset="0"/>
+                                  <a:ea typeface="Cambria Math" panose="02040503050406030204" pitchFamily="18" charset="0"/>
+                                </a:rPr>
+                                <m:t>=</m:t>
+                              </m:r>
+                              <m:r>
+                                <a:rPr lang="en-US" sz="1400" b="0" i="1" smtClean="0">
+                                  <a:solidFill>
+                                    <a:schemeClr val="accent5">
+                                      <a:lumMod val="75000"/>
+                                    </a:schemeClr>
+                                  </a:solidFill>
+                                  <a:latin typeface="Cambria Math" panose="02040503050406030204" pitchFamily="18" charset="0"/>
+                                  <a:ea typeface="Cambria Math" panose="02040503050406030204" pitchFamily="18" charset="0"/>
+                                </a:rPr>
+                                <m:t>1</m:t>
+                              </m:r>
+                            </m:oMath>
+                          </m:oMathPara>
+                        </a14:m>
+                        <a:endParaRPr lang="en-US" sz="1400" dirty="0">
+                          <a:solidFill>
+                            <a:schemeClr val="accent5">
+                              <a:lumMod val="75000"/>
+                            </a:schemeClr>
+                          </a:solidFill>
+                        </a:endParaRPr>
+                      </a:p>
+                    </p:txBody>
+                  </p:sp>
+                </mc:Choice>
+                <mc:Fallback>
+                  <p:sp>
+                    <p:nvSpPr>
+                      <p:cNvPr id="59" name="TextBox 58">
+                        <a:extLst>
+                          <a:ext uri="{FF2B5EF4-FFF2-40B4-BE49-F238E27FC236}">
+                            <a16:creationId xmlns:a16="http://schemas.microsoft.com/office/drawing/2014/main" id="{3FF3D2F3-4110-AC61-7252-79D8B10473B7}"/>
+                          </a:ext>
+                        </a:extLst>
+                      </p:cNvPr>
+                      <p:cNvSpPr txBox="1">
+                        <a:spLocks noRot="1" noChangeAspect="1" noMove="1" noResize="1" noEditPoints="1" noAdjustHandles="1" noChangeArrowheads="1" noChangeShapeType="1" noTextEdit="1"/>
+                      </p:cNvSpPr>
+                      <p:nvPr/>
+                    </p:nvSpPr>
+                    <p:spPr>
+                      <a:xfrm>
+                        <a:off x="5098795" y="2654256"/>
+                        <a:ext cx="938590" cy="215444"/>
+                      </a:xfrm>
+                      <a:prstGeom prst="rect">
+                        <a:avLst/>
+                      </a:prstGeom>
+                      <a:blipFill>
+                        <a:blip r:embed="rId2"/>
+                        <a:stretch>
+                          <a:fillRect l="-2597" r="-3896" b="-14286"/>
+                        </a:stretch>
+                      </a:blipFill>
+                    </p:spPr>
+                    <p:txBody>
+                      <a:bodyPr/>
+                      <a:lstStyle/>
+                      <a:p>
+                        <a:r>
+                          <a:rPr lang="en-US">
+                            <a:noFill/>
+                          </a:rPr>
+                          <a:t> </a:t>
+                        </a:r>
+                      </a:p>
+                    </p:txBody>
+                  </p:sp>
+                </mc:Fallback>
+              </mc:AlternateContent>
+              <mc:AlternateContent xmlns:mc="http://schemas.openxmlformats.org/markup-compatibility/2006" xmlns:a14="http://schemas.microsoft.com/office/drawing/2010/main">
+                <mc:Choice Requires="a14">
+                  <p:sp>
+                    <p:nvSpPr>
+                      <p:cNvPr id="60" name="TextBox 59">
+                        <a:extLst>
+                          <a:ext uri="{FF2B5EF4-FFF2-40B4-BE49-F238E27FC236}">
+                            <a16:creationId xmlns:a16="http://schemas.microsoft.com/office/drawing/2014/main" id="{29CE0C42-9AB3-FEE8-6FF5-3C9B70BDBCF8}"/>
+                          </a:ext>
+                        </a:extLst>
+                      </p:cNvPr>
+                      <p:cNvSpPr txBox="1"/>
+                      <p:nvPr/>
+                    </p:nvSpPr>
+                    <p:spPr>
+                      <a:xfrm>
+                        <a:off x="6245896" y="1073857"/>
+                        <a:ext cx="546945" cy="215444"/>
+                      </a:xfrm>
+                      <a:prstGeom prst="rect">
+                        <a:avLst/>
+                      </a:prstGeom>
+                      <a:noFill/>
+                    </p:spPr>
+                    <p:txBody>
+                      <a:bodyPr wrap="none" lIns="0" tIns="0" rIns="0" bIns="0" rtlCol="0">
+                        <a:spAutoFit/>
+                      </a:bodyPr>
+                      <a:lstStyle/>
+                      <a:p>
+                        <a:pPr/>
+                        <a14:m>
+                          <m:oMathPara xmlns:m="http://schemas.openxmlformats.org/officeDocument/2006/math">
+                            <m:oMathParaPr>
+                              <m:jc m:val="centerGroup"/>
+                            </m:oMathParaPr>
+                            <m:oMath xmlns:m="http://schemas.openxmlformats.org/officeDocument/2006/math">
+                              <m:sSub>
+                                <m:sSubPr>
+                                  <m:ctrlPr>
+                                    <a:rPr lang="en-US" sz="1400" b="0" i="1" smtClean="0">
+                                      <a:solidFill>
+                                        <a:schemeClr val="accent5">
+                                          <a:lumMod val="75000"/>
+                                        </a:schemeClr>
+                                      </a:solidFill>
+                                      <a:latin typeface="Cambria Math" panose="02040503050406030204" pitchFamily="18" charset="0"/>
+                                    </a:rPr>
+                                  </m:ctrlPr>
+                                </m:sSubPr>
+                                <m:e>
+                                  <m:r>
+                                    <a:rPr lang="en-US" sz="1400" b="0" i="1" smtClean="0">
+                                      <a:solidFill>
+                                        <a:schemeClr val="accent5">
+                                          <a:lumMod val="75000"/>
+                                        </a:schemeClr>
+                                      </a:solidFill>
+                                      <a:latin typeface="Cambria Math" panose="02040503050406030204" pitchFamily="18" charset="0"/>
+                                    </a:rPr>
+                                    <m:t>𝑥</m:t>
+                                  </m:r>
+                                </m:e>
+                                <m:sub>
+                                  <m:r>
+                                    <a:rPr lang="en-US" sz="1400" b="0" i="1" smtClean="0">
+                                      <a:solidFill>
+                                        <a:schemeClr val="accent5">
+                                          <a:lumMod val="75000"/>
+                                        </a:schemeClr>
+                                      </a:solidFill>
+                                      <a:latin typeface="Cambria Math" panose="02040503050406030204" pitchFamily="18" charset="0"/>
+                                    </a:rPr>
+                                    <m:t>1</m:t>
+                                  </m:r>
+                                </m:sub>
+                              </m:sSub>
+                              <m:r>
+                                <a:rPr lang="en-US" sz="1400" b="0" i="1" smtClean="0">
+                                  <a:solidFill>
+                                    <a:schemeClr val="accent5">
+                                      <a:lumMod val="75000"/>
+                                    </a:schemeClr>
+                                  </a:solidFill>
+                                  <a:latin typeface="Cambria Math" panose="02040503050406030204" pitchFamily="18" charset="0"/>
+                                  <a:ea typeface="Cambria Math" panose="02040503050406030204" pitchFamily="18" charset="0"/>
+                                </a:rPr>
+                                <m:t>≤1</m:t>
+                              </m:r>
+                            </m:oMath>
+                          </m:oMathPara>
+                        </a14:m>
+                        <a:endParaRPr lang="en-US" sz="1400" dirty="0">
+                          <a:solidFill>
+                            <a:schemeClr val="accent5">
+                              <a:lumMod val="75000"/>
+                            </a:schemeClr>
+                          </a:solidFill>
+                        </a:endParaRPr>
+                      </a:p>
+                    </p:txBody>
+                  </p:sp>
+                </mc:Choice>
+                <mc:Fallback xmlns="">
+                  <p:sp>
+                    <p:nvSpPr>
+                      <p:cNvPr id="60" name="TextBox 59">
+                        <a:extLst>
+                          <a:ext uri="{FF2B5EF4-FFF2-40B4-BE49-F238E27FC236}">
+                            <a16:creationId xmlns:a16="http://schemas.microsoft.com/office/drawing/2014/main" id="{29CE0C42-9AB3-FEE8-6FF5-3C9B70BDBCF8}"/>
+                          </a:ext>
+                        </a:extLst>
+                      </p:cNvPr>
+                      <p:cNvSpPr txBox="1">
+                        <a:spLocks noRot="1" noChangeAspect="1" noMove="1" noResize="1" noEditPoints="1" noAdjustHandles="1" noChangeArrowheads="1" noChangeShapeType="1" noTextEdit="1"/>
+                      </p:cNvSpPr>
+                      <p:nvPr/>
+                    </p:nvSpPr>
+                    <p:spPr>
+                      <a:xfrm>
+                        <a:off x="6245896" y="1073857"/>
+                        <a:ext cx="546945" cy="215444"/>
+                      </a:xfrm>
+                      <a:prstGeom prst="rect">
+                        <a:avLst/>
+                      </a:prstGeom>
+                      <a:blipFill>
+                        <a:blip r:embed="rId3"/>
+                        <a:stretch>
+                          <a:fillRect l="-3333" r="-6667" b="-11111"/>
+                        </a:stretch>
+                      </a:blipFill>
+                    </p:spPr>
+                    <p:txBody>
+                      <a:bodyPr/>
+                      <a:lstStyle/>
+                      <a:p>
+                        <a:r>
+                          <a:rPr lang="en-US">
+                            <a:noFill/>
+                          </a:rPr>
+                          <a:t> </a:t>
+                        </a:r>
+                      </a:p>
+                    </p:txBody>
+                  </p:sp>
+                </mc:Fallback>
+              </mc:AlternateContent>
+              <mc:AlternateContent xmlns:mc="http://schemas.openxmlformats.org/markup-compatibility/2006" xmlns:a14="http://schemas.microsoft.com/office/drawing/2010/main">
+                <mc:Choice Requires="a14">
+                  <p:sp>
+                    <p:nvSpPr>
+                      <p:cNvPr id="61" name="TextBox 60">
+                        <a:extLst>
+                          <a:ext uri="{FF2B5EF4-FFF2-40B4-BE49-F238E27FC236}">
+                            <a16:creationId xmlns:a16="http://schemas.microsoft.com/office/drawing/2014/main" id="{5C053D47-388C-D349-45B2-4A825E9C945E}"/>
+                          </a:ext>
+                        </a:extLst>
+                      </p:cNvPr>
+                      <p:cNvSpPr txBox="1"/>
+                      <p:nvPr/>
+                    </p:nvSpPr>
+                    <p:spPr>
+                      <a:xfrm>
+                        <a:off x="6712249" y="1665930"/>
+                        <a:ext cx="551112" cy="215444"/>
+                      </a:xfrm>
+                      <a:prstGeom prst="rect">
+                        <a:avLst/>
+                      </a:prstGeom>
+                      <a:noFill/>
+                    </p:spPr>
+                    <p:txBody>
+                      <a:bodyPr wrap="none" lIns="0" tIns="0" rIns="0" bIns="0" rtlCol="0">
+                        <a:spAutoFit/>
+                      </a:bodyPr>
+                      <a:lstStyle/>
+                      <a:p>
+                        <a:pPr/>
+                        <a14:m>
+                          <m:oMathPara xmlns:m="http://schemas.openxmlformats.org/officeDocument/2006/math">
+                            <m:oMathParaPr>
+                              <m:jc m:val="centerGroup"/>
+                            </m:oMathParaPr>
+                            <m:oMath xmlns:m="http://schemas.openxmlformats.org/officeDocument/2006/math">
+                              <m:sSub>
+                                <m:sSubPr>
+                                  <m:ctrlPr>
+                                    <a:rPr lang="en-US" sz="1400" b="0" i="1" smtClean="0">
+                                      <a:solidFill>
+                                        <a:schemeClr val="accent5">
+                                          <a:lumMod val="75000"/>
+                                        </a:schemeClr>
+                                      </a:solidFill>
+                                      <a:latin typeface="Cambria Math" panose="02040503050406030204" pitchFamily="18" charset="0"/>
+                                    </a:rPr>
+                                  </m:ctrlPr>
+                                </m:sSubPr>
+                                <m:e>
+                                  <m:r>
+                                    <a:rPr lang="en-US" sz="1400" b="0" i="1" smtClean="0">
+                                      <a:solidFill>
+                                        <a:schemeClr val="accent5">
+                                          <a:lumMod val="75000"/>
+                                        </a:schemeClr>
+                                      </a:solidFill>
+                                      <a:latin typeface="Cambria Math" panose="02040503050406030204" pitchFamily="18" charset="0"/>
+                                    </a:rPr>
+                                    <m:t>𝑥</m:t>
+                                  </m:r>
+                                </m:e>
+                                <m:sub>
+                                  <m:r>
+                                    <a:rPr lang="en-US" sz="1400" b="0" i="1" smtClean="0">
+                                      <a:solidFill>
+                                        <a:schemeClr val="accent5">
+                                          <a:lumMod val="75000"/>
+                                        </a:schemeClr>
+                                      </a:solidFill>
+                                      <a:latin typeface="Cambria Math" panose="02040503050406030204" pitchFamily="18" charset="0"/>
+                                    </a:rPr>
+                                    <m:t>2</m:t>
+                                  </m:r>
+                                </m:sub>
+                              </m:sSub>
+                              <m:r>
+                                <a:rPr lang="en-US" sz="1400" b="0" i="1" smtClean="0">
+                                  <a:solidFill>
+                                    <a:schemeClr val="accent5">
+                                      <a:lumMod val="75000"/>
+                                    </a:schemeClr>
+                                  </a:solidFill>
+                                  <a:latin typeface="Cambria Math" panose="02040503050406030204" pitchFamily="18" charset="0"/>
+                                  <a:ea typeface="Cambria Math" panose="02040503050406030204" pitchFamily="18" charset="0"/>
+                                </a:rPr>
+                                <m:t>≤1</m:t>
+                              </m:r>
+                            </m:oMath>
+                          </m:oMathPara>
+                        </a14:m>
+                        <a:endParaRPr lang="en-US" sz="1400" dirty="0">
+                          <a:solidFill>
+                            <a:schemeClr val="accent5">
+                              <a:lumMod val="75000"/>
+                            </a:schemeClr>
+                          </a:solidFill>
+                        </a:endParaRPr>
+                      </a:p>
+                    </p:txBody>
+                  </p:sp>
+                </mc:Choice>
+                <mc:Fallback xmlns="">
+                  <p:sp>
+                    <p:nvSpPr>
+                      <p:cNvPr id="61" name="TextBox 60">
+                        <a:extLst>
+                          <a:ext uri="{FF2B5EF4-FFF2-40B4-BE49-F238E27FC236}">
+                            <a16:creationId xmlns:a16="http://schemas.microsoft.com/office/drawing/2014/main" id="{5C053D47-388C-D349-45B2-4A825E9C945E}"/>
+                          </a:ext>
+                        </a:extLst>
+                      </p:cNvPr>
+                      <p:cNvSpPr txBox="1">
+                        <a:spLocks noRot="1" noChangeAspect="1" noMove="1" noResize="1" noEditPoints="1" noAdjustHandles="1" noChangeArrowheads="1" noChangeShapeType="1" noTextEdit="1"/>
+                      </p:cNvSpPr>
+                      <p:nvPr/>
+                    </p:nvSpPr>
+                    <p:spPr>
+                      <a:xfrm>
+                        <a:off x="6712249" y="1665930"/>
+                        <a:ext cx="551112" cy="215444"/>
+                      </a:xfrm>
+                      <a:prstGeom prst="rect">
+                        <a:avLst/>
+                      </a:prstGeom>
+                      <a:blipFill>
+                        <a:blip r:embed="rId4"/>
+                        <a:stretch>
+                          <a:fillRect l="-4444" r="-7778" b="-14286"/>
+                        </a:stretch>
+                      </a:blipFill>
+                    </p:spPr>
+                    <p:txBody>
+                      <a:bodyPr/>
+                      <a:lstStyle/>
+                      <a:p>
+                        <a:r>
+                          <a:rPr lang="en-US">
+                            <a:noFill/>
+                          </a:rPr>
+                          <a:t> </a:t>
+                        </a:r>
+                      </a:p>
+                    </p:txBody>
+                  </p:sp>
+                </mc:Fallback>
+              </mc:AlternateContent>
+            </p:grpSp>
+          </p:grpSp>
+          <p:grpSp>
+            <p:nvGrpSpPr>
+              <p:cNvPr id="68" name="Group 67">
+                <a:extLst>
+                  <a:ext uri="{FF2B5EF4-FFF2-40B4-BE49-F238E27FC236}">
+                    <a16:creationId xmlns:a16="http://schemas.microsoft.com/office/drawing/2014/main" id="{99CEB8CA-66CE-F994-028F-7D47B0630B69}"/>
+                  </a:ext>
+                </a:extLst>
+              </p:cNvPr>
+              <p:cNvGrpSpPr/>
+              <p:nvPr/>
+            </p:nvGrpSpPr>
+            <p:grpSpPr>
+              <a:xfrm>
+                <a:off x="2390082" y="311684"/>
+                <a:ext cx="5771752" cy="5387439"/>
+                <a:chOff x="2390082" y="311684"/>
+                <a:chExt cx="5771752" cy="5387439"/>
+              </a:xfrm>
+            </p:grpSpPr>
+            <p:grpSp>
+              <p:nvGrpSpPr>
+                <p:cNvPr id="38" name="Group 37">
+                  <a:extLst>
+                    <a:ext uri="{FF2B5EF4-FFF2-40B4-BE49-F238E27FC236}">
+                      <a16:creationId xmlns:a16="http://schemas.microsoft.com/office/drawing/2014/main" id="{E51D12E1-3D20-965A-4216-15719C570488}"/>
+                    </a:ext>
+                  </a:extLst>
+                </p:cNvPr>
+                <p:cNvGrpSpPr/>
+                <p:nvPr/>
+              </p:nvGrpSpPr>
+              <p:grpSpPr>
+                <a:xfrm>
+                  <a:off x="2390082" y="311684"/>
+                  <a:ext cx="5387439" cy="5387439"/>
+                  <a:chOff x="2390082" y="311684"/>
+                  <a:chExt cx="5387439" cy="5387439"/>
+                </a:xfrm>
+              </p:grpSpPr>
+              <p:cxnSp>
+                <p:nvCxnSpPr>
+                  <p:cNvPr id="5" name="Straight Arrow Connector 4">
+                    <a:extLst>
+                      <a:ext uri="{FF2B5EF4-FFF2-40B4-BE49-F238E27FC236}">
+                        <a16:creationId xmlns:a16="http://schemas.microsoft.com/office/drawing/2014/main" id="{D2E5564A-5F4D-68CA-2A8A-A60D761575D7}"/>
+                      </a:ext>
+                    </a:extLst>
+                  </p:cNvPr>
+                  <p:cNvCxnSpPr/>
+                  <p:nvPr/>
+                </p:nvCxnSpPr>
+                <p:spPr>
+                  <a:xfrm>
+                    <a:off x="2390082" y="4128843"/>
+                    <a:ext cx="5387439" cy="0"/>
+                  </a:xfrm>
+                  <a:prstGeom prst="straightConnector1">
+                    <a:avLst/>
+                  </a:prstGeom>
+                  <a:ln w="19050">
+                    <a:tailEnd type="triangle"/>
+                  </a:ln>
+                </p:spPr>
+                <p:style>
+                  <a:lnRef idx="1">
+                    <a:schemeClr val="dk1"/>
+                  </a:lnRef>
+                  <a:fillRef idx="0">
+                    <a:schemeClr val="dk1"/>
+                  </a:fillRef>
+                  <a:effectRef idx="0">
+                    <a:schemeClr val="dk1"/>
+                  </a:effectRef>
+                  <a:fontRef idx="minor">
+                    <a:schemeClr val="tx1"/>
+                  </a:fontRef>
+                </p:style>
+              </p:cxnSp>
+              <p:cxnSp>
+                <p:nvCxnSpPr>
+                  <p:cNvPr id="6" name="Straight Arrow Connector 5">
+                    <a:extLst>
+                      <a:ext uri="{FF2B5EF4-FFF2-40B4-BE49-F238E27FC236}">
+                        <a16:creationId xmlns:a16="http://schemas.microsoft.com/office/drawing/2014/main" id="{F8C17D19-297C-FB6D-08F0-DF9C27112138}"/>
+                      </a:ext>
+                    </a:extLst>
+                  </p:cNvPr>
+                  <p:cNvCxnSpPr>
+                    <a:cxnSpLocks/>
+                  </p:cNvCxnSpPr>
+                  <p:nvPr/>
+                </p:nvCxnSpPr>
+                <p:spPr>
+                  <a:xfrm rot="16200000">
+                    <a:off x="1300957" y="3005404"/>
+                    <a:ext cx="5387439" cy="0"/>
+                  </a:xfrm>
+                  <a:prstGeom prst="straightConnector1">
+                    <a:avLst/>
+                  </a:prstGeom>
+                  <a:ln w="19050">
+                    <a:tailEnd type="triangle"/>
+                  </a:ln>
+                </p:spPr>
+                <p:style>
+                  <a:lnRef idx="1">
+                    <a:schemeClr val="dk1"/>
+                  </a:lnRef>
+                  <a:fillRef idx="0">
+                    <a:schemeClr val="dk1"/>
+                  </a:fillRef>
+                  <a:effectRef idx="0">
+                    <a:schemeClr val="dk1"/>
+                  </a:effectRef>
+                  <a:fontRef idx="minor">
+                    <a:schemeClr val="tx1"/>
+                  </a:fontRef>
+                </p:style>
+              </p:cxnSp>
+              <mc:AlternateContent xmlns:mc="http://schemas.openxmlformats.org/markup-compatibility/2006" xmlns:a14="http://schemas.microsoft.com/office/drawing/2010/main">
+                <mc:Choice Requires="a14">
+                  <p:sp>
+                    <p:nvSpPr>
+                      <p:cNvPr id="9" name="TextBox 8">
+                        <a:extLst>
+                          <a:ext uri="{FF2B5EF4-FFF2-40B4-BE49-F238E27FC236}">
+                            <a16:creationId xmlns:a16="http://schemas.microsoft.com/office/drawing/2014/main" id="{CC888CD9-45BA-E04C-806F-9BCC1B3B0DCD}"/>
+                          </a:ext>
+                        </a:extLst>
+                      </p:cNvPr>
+                      <p:cNvSpPr txBox="1"/>
+                      <p:nvPr/>
+                    </p:nvSpPr>
+                    <p:spPr>
+                      <a:xfrm>
+                        <a:off x="3705401" y="4084027"/>
+                        <a:ext cx="365806" cy="369332"/>
+                      </a:xfrm>
+                      <a:prstGeom prst="rect">
+                        <a:avLst/>
+                      </a:prstGeom>
+                      <a:noFill/>
+                    </p:spPr>
+                    <p:txBody>
+                      <a:bodyPr wrap="none" rtlCol="0">
+                        <a:spAutoFit/>
+                      </a:bodyPr>
+                      <a:lstStyle/>
+                      <a:p>
+                        <a:pPr/>
+                        <a14:m>
+                          <m:oMathPara xmlns:m="http://schemas.openxmlformats.org/officeDocument/2006/math">
+                            <m:oMathParaPr>
+                              <m:jc m:val="centerGroup"/>
+                            </m:oMathParaPr>
+                            <m:oMath xmlns:m="http://schemas.openxmlformats.org/officeDocument/2006/math">
+                              <m:r>
+                                <a:rPr lang="en-US" i="1" dirty="0" smtClean="0">
+                                  <a:latin typeface="Cambria Math" panose="02040503050406030204" pitchFamily="18" charset="0"/>
+                                </a:rPr>
+                                <m:t>0</m:t>
+                              </m:r>
+                            </m:oMath>
+                          </m:oMathPara>
+                        </a14:m>
+                        <a:endParaRPr lang="en-US" dirty="0"/>
+                      </a:p>
+                    </p:txBody>
+                  </p:sp>
+                </mc:Choice>
+                <mc:Fallback xmlns="">
+                  <p:sp>
+                    <p:nvSpPr>
+                      <p:cNvPr id="9" name="TextBox 8">
+                        <a:extLst>
+                          <a:ext uri="{FF2B5EF4-FFF2-40B4-BE49-F238E27FC236}">
+                            <a16:creationId xmlns:a16="http://schemas.microsoft.com/office/drawing/2014/main" id="{CC888CD9-45BA-E04C-806F-9BCC1B3B0DCD}"/>
+                          </a:ext>
+                        </a:extLst>
+                      </p:cNvPr>
+                      <p:cNvSpPr txBox="1">
+                        <a:spLocks noRot="1" noChangeAspect="1" noMove="1" noResize="1" noEditPoints="1" noAdjustHandles="1" noChangeArrowheads="1" noChangeShapeType="1" noTextEdit="1"/>
+                      </p:cNvSpPr>
+                      <p:nvPr/>
+                    </p:nvSpPr>
+                    <p:spPr>
+                      <a:xfrm>
+                        <a:off x="3705401" y="4084027"/>
+                        <a:ext cx="365806" cy="369332"/>
+                      </a:xfrm>
+                      <a:prstGeom prst="rect">
+                        <a:avLst/>
+                      </a:prstGeom>
+                      <a:blipFill>
+                        <a:blip r:embed="rId5"/>
+                        <a:stretch>
+                          <a:fillRect/>
+                        </a:stretch>
+                      </a:blipFill>
+                    </p:spPr>
+                    <p:txBody>
+                      <a:bodyPr/>
+                      <a:lstStyle/>
+                      <a:p>
+                        <a:r>
+                          <a:rPr lang="en-US">
+                            <a:noFill/>
+                          </a:rPr>
+                          <a:t> </a:t>
+                        </a:r>
+                      </a:p>
+                    </p:txBody>
+                  </p:sp>
+                </mc:Fallback>
+              </mc:AlternateContent>
+              <mc:AlternateContent xmlns:mc="http://schemas.openxmlformats.org/markup-compatibility/2006" xmlns:a14="http://schemas.microsoft.com/office/drawing/2010/main">
+                <mc:Choice Requires="a14">
+                  <p:sp>
+                    <p:nvSpPr>
+                      <p:cNvPr id="10" name="TextBox 9">
+                        <a:extLst>
+                          <a:ext uri="{FF2B5EF4-FFF2-40B4-BE49-F238E27FC236}">
+                            <a16:creationId xmlns:a16="http://schemas.microsoft.com/office/drawing/2014/main" id="{9D796FDC-B261-ECEF-6C77-1B5B2BC572A6}"/>
+                          </a:ext>
+                        </a:extLst>
+                      </p:cNvPr>
+                      <p:cNvSpPr txBox="1"/>
+                      <p:nvPr/>
+                    </p:nvSpPr>
+                    <p:spPr>
+                      <a:xfrm>
+                        <a:off x="6013382" y="4084027"/>
+                        <a:ext cx="365806" cy="369332"/>
+                      </a:xfrm>
+                      <a:prstGeom prst="rect">
+                        <a:avLst/>
+                      </a:prstGeom>
+                      <a:noFill/>
+                    </p:spPr>
+                    <p:txBody>
+                      <a:bodyPr wrap="none" rtlCol="0">
+                        <a:spAutoFit/>
+                      </a:bodyPr>
+                      <a:lstStyle/>
+                      <a:p>
+                        <a:pPr/>
+                        <a14:m>
+                          <m:oMathPara xmlns:m="http://schemas.openxmlformats.org/officeDocument/2006/math">
+                            <m:oMathParaPr>
+                              <m:jc m:val="centerGroup"/>
+                            </m:oMathParaPr>
+                            <m:oMath xmlns:m="http://schemas.openxmlformats.org/officeDocument/2006/math">
+                              <m:r>
+                                <a:rPr lang="en-US" i="1" dirty="0" smtClean="0">
+                                  <a:latin typeface="Cambria Math" panose="02040503050406030204" pitchFamily="18" charset="0"/>
+                                </a:rPr>
+                                <m:t>1</m:t>
+                              </m:r>
+                            </m:oMath>
+                          </m:oMathPara>
+                        </a14:m>
+                        <a:endParaRPr lang="en-US" dirty="0"/>
+                      </a:p>
+                    </p:txBody>
+                  </p:sp>
+                </mc:Choice>
+                <mc:Fallback xmlns="">
+                  <p:sp>
+                    <p:nvSpPr>
+                      <p:cNvPr id="10" name="TextBox 9">
+                        <a:extLst>
+                          <a:ext uri="{FF2B5EF4-FFF2-40B4-BE49-F238E27FC236}">
+                            <a16:creationId xmlns:a16="http://schemas.microsoft.com/office/drawing/2014/main" id="{9D796FDC-B261-ECEF-6C77-1B5B2BC572A6}"/>
+                          </a:ext>
+                        </a:extLst>
+                      </p:cNvPr>
+                      <p:cNvSpPr txBox="1">
+                        <a:spLocks noRot="1" noChangeAspect="1" noMove="1" noResize="1" noEditPoints="1" noAdjustHandles="1" noChangeArrowheads="1" noChangeShapeType="1" noTextEdit="1"/>
+                      </p:cNvSpPr>
+                      <p:nvPr/>
+                    </p:nvSpPr>
+                    <p:spPr>
+                      <a:xfrm>
+                        <a:off x="6013382" y="4084027"/>
+                        <a:ext cx="365806" cy="369332"/>
+                      </a:xfrm>
+                      <a:prstGeom prst="rect">
+                        <a:avLst/>
+                      </a:prstGeom>
+                      <a:blipFill>
+                        <a:blip r:embed="rId6"/>
+                        <a:stretch>
+                          <a:fillRect/>
+                        </a:stretch>
+                      </a:blipFill>
+                    </p:spPr>
+                    <p:txBody>
+                      <a:bodyPr/>
+                      <a:lstStyle/>
+                      <a:p>
+                        <a:r>
+                          <a:rPr lang="en-US">
+                            <a:noFill/>
+                          </a:rPr>
+                          <a:t> </a:t>
+                        </a:r>
+                      </a:p>
+                    </p:txBody>
+                  </p:sp>
+                </mc:Fallback>
+              </mc:AlternateContent>
+              <mc:AlternateContent xmlns:mc="http://schemas.openxmlformats.org/markup-compatibility/2006" xmlns:a14="http://schemas.microsoft.com/office/drawing/2010/main">
+                <mc:Choice Requires="a14">
+                  <p:sp>
+                    <p:nvSpPr>
+                      <p:cNvPr id="11" name="TextBox 10">
+                        <a:extLst>
+                          <a:ext uri="{FF2B5EF4-FFF2-40B4-BE49-F238E27FC236}">
+                            <a16:creationId xmlns:a16="http://schemas.microsoft.com/office/drawing/2014/main" id="{82A3A2E9-5963-D9E4-EDEB-AEF66DD738CB}"/>
+                          </a:ext>
+                        </a:extLst>
+                      </p:cNvPr>
+                      <p:cNvSpPr txBox="1"/>
+                      <p:nvPr/>
+                    </p:nvSpPr>
+                    <p:spPr>
+                      <a:xfrm>
+                        <a:off x="3663648" y="1741042"/>
+                        <a:ext cx="365806" cy="369332"/>
+                      </a:xfrm>
+                      <a:prstGeom prst="rect">
+                        <a:avLst/>
+                      </a:prstGeom>
+                      <a:noFill/>
+                    </p:spPr>
+                    <p:txBody>
+                      <a:bodyPr wrap="none" rtlCol="0">
+                        <a:spAutoFit/>
+                      </a:bodyPr>
+                      <a:lstStyle/>
+                      <a:p>
+                        <a:pPr/>
+                        <a14:m>
+                          <m:oMathPara xmlns:m="http://schemas.openxmlformats.org/officeDocument/2006/math">
+                            <m:oMathParaPr>
+                              <m:jc m:val="centerGroup"/>
+                            </m:oMathParaPr>
+                            <m:oMath xmlns:m="http://schemas.openxmlformats.org/officeDocument/2006/math">
+                              <m:r>
+                                <a:rPr lang="en-US" i="1" dirty="0" smtClean="0">
+                                  <a:latin typeface="Cambria Math" panose="02040503050406030204" pitchFamily="18" charset="0"/>
+                                </a:rPr>
+                                <m:t>1</m:t>
+                              </m:r>
+                            </m:oMath>
+                          </m:oMathPara>
+                        </a14:m>
+                        <a:endParaRPr lang="en-US" dirty="0"/>
+                      </a:p>
+                    </p:txBody>
+                  </p:sp>
+                </mc:Choice>
+                <mc:Fallback xmlns="">
+                  <p:sp>
+                    <p:nvSpPr>
+                      <p:cNvPr id="11" name="TextBox 10">
+                        <a:extLst>
+                          <a:ext uri="{FF2B5EF4-FFF2-40B4-BE49-F238E27FC236}">
+                            <a16:creationId xmlns:a16="http://schemas.microsoft.com/office/drawing/2014/main" id="{82A3A2E9-5963-D9E4-EDEB-AEF66DD738CB}"/>
+                          </a:ext>
+                        </a:extLst>
+                      </p:cNvPr>
+                      <p:cNvSpPr txBox="1">
+                        <a:spLocks noRot="1" noChangeAspect="1" noMove="1" noResize="1" noEditPoints="1" noAdjustHandles="1" noChangeArrowheads="1" noChangeShapeType="1" noTextEdit="1"/>
+                      </p:cNvSpPr>
+                      <p:nvPr/>
+                    </p:nvSpPr>
+                    <p:spPr>
+                      <a:xfrm>
+                        <a:off x="3663648" y="1741042"/>
+                        <a:ext cx="365806" cy="369332"/>
+                      </a:xfrm>
+                      <a:prstGeom prst="rect">
+                        <a:avLst/>
+                      </a:prstGeom>
+                      <a:blipFill>
+                        <a:blip r:embed="rId7"/>
+                        <a:stretch>
+                          <a:fillRect/>
+                        </a:stretch>
+                      </a:blipFill>
+                    </p:spPr>
+                    <p:txBody>
+                      <a:bodyPr/>
+                      <a:lstStyle/>
+                      <a:p>
+                        <a:r>
+                          <a:rPr lang="en-US">
+                            <a:noFill/>
+                          </a:rPr>
+                          <a:t> </a:t>
+                        </a:r>
+                      </a:p>
+                    </p:txBody>
+                  </p:sp>
+                </mc:Fallback>
+              </mc:AlternateContent>
+              <p:cxnSp>
+                <p:nvCxnSpPr>
+                  <p:cNvPr id="13" name="Straight Connector 12">
+                    <a:extLst>
+                      <a:ext uri="{FF2B5EF4-FFF2-40B4-BE49-F238E27FC236}">
+                        <a16:creationId xmlns:a16="http://schemas.microsoft.com/office/drawing/2014/main" id="{F095E34D-F785-2275-34B1-302DF279041B}"/>
+                      </a:ext>
+                    </a:extLst>
+                  </p:cNvPr>
+                  <p:cNvCxnSpPr>
+                    <a:cxnSpLocks/>
+                  </p:cNvCxnSpPr>
+                  <p:nvPr/>
+                </p:nvCxnSpPr>
+                <p:spPr>
+                  <a:xfrm>
+                    <a:off x="3986208" y="1925708"/>
+                    <a:ext cx="106936" cy="0"/>
+                  </a:xfrm>
+                  <a:prstGeom prst="line">
+                    <a:avLst/>
+                  </a:prstGeom>
+                  <a:ln w="12700">
+                    <a:solidFill>
+                      <a:schemeClr val="tx1"/>
+                    </a:solidFill>
+                  </a:ln>
+                </p:spPr>
+                <p:style>
+                  <a:lnRef idx="1">
+                    <a:schemeClr val="accent1"/>
+                  </a:lnRef>
+                  <a:fillRef idx="0">
+                    <a:schemeClr val="accent1"/>
+                  </a:fillRef>
+                  <a:effectRef idx="0">
+                    <a:schemeClr val="accent1"/>
+                  </a:effectRef>
+                  <a:fontRef idx="minor">
+                    <a:schemeClr val="tx1"/>
+                  </a:fontRef>
+                </p:style>
+              </p:cxnSp>
+              <p:cxnSp>
+                <p:nvCxnSpPr>
+                  <p:cNvPr id="15" name="Straight Connector 14">
+                    <a:extLst>
+                      <a:ext uri="{FF2B5EF4-FFF2-40B4-BE49-F238E27FC236}">
+                        <a16:creationId xmlns:a16="http://schemas.microsoft.com/office/drawing/2014/main" id="{8DFEA0E4-22C5-3B54-15ED-980CDE496A3E}"/>
+                      </a:ext>
+                    </a:extLst>
+                  </p:cNvPr>
+                  <p:cNvCxnSpPr>
+                    <a:cxnSpLocks/>
+                  </p:cNvCxnSpPr>
+                  <p:nvPr/>
+                </p:nvCxnSpPr>
+                <p:spPr>
+                  <a:xfrm rot="5400000">
+                    <a:off x="6144621" y="4081727"/>
+                    <a:ext cx="106936" cy="0"/>
+                  </a:xfrm>
+                  <a:prstGeom prst="line">
+                    <a:avLst/>
+                  </a:prstGeom>
+                  <a:ln w="12700">
+                    <a:solidFill>
+                      <a:schemeClr val="tx1"/>
+                    </a:solidFill>
+                  </a:ln>
+                </p:spPr>
+                <p:style>
+                  <a:lnRef idx="1">
+                    <a:schemeClr val="accent1"/>
+                  </a:lnRef>
+                  <a:fillRef idx="0">
+                    <a:schemeClr val="accent1"/>
+                  </a:fillRef>
+                  <a:effectRef idx="0">
+                    <a:schemeClr val="accent1"/>
+                  </a:effectRef>
+                  <a:fontRef idx="minor">
+                    <a:schemeClr val="tx1"/>
+                  </a:fontRef>
+                </p:style>
+              </p:cxnSp>
+              <p:cxnSp>
+                <p:nvCxnSpPr>
+                  <p:cNvPr id="19" name="Straight Connector 18">
+                    <a:extLst>
+                      <a:ext uri="{FF2B5EF4-FFF2-40B4-BE49-F238E27FC236}">
+                        <a16:creationId xmlns:a16="http://schemas.microsoft.com/office/drawing/2014/main" id="{82705FA2-2FA0-7BD8-5213-8C17BCC67F04}"/>
+                      </a:ext>
+                    </a:extLst>
+                  </p:cNvPr>
+                  <p:cNvCxnSpPr>
+                    <a:cxnSpLocks/>
+                  </p:cNvCxnSpPr>
+                  <p:nvPr/>
+                </p:nvCxnSpPr>
+                <p:spPr>
+                  <a:xfrm rot="5400000">
+                    <a:off x="5072113" y="4106695"/>
+                    <a:ext cx="54864" cy="0"/>
+                  </a:xfrm>
+                  <a:prstGeom prst="line">
+                    <a:avLst/>
+                  </a:prstGeom>
+                  <a:ln w="12700">
+                    <a:solidFill>
+                      <a:schemeClr val="tx1"/>
+                    </a:solidFill>
+                  </a:ln>
+                </p:spPr>
+                <p:style>
+                  <a:lnRef idx="1">
+                    <a:schemeClr val="accent1"/>
+                  </a:lnRef>
+                  <a:fillRef idx="0">
+                    <a:schemeClr val="accent1"/>
+                  </a:fillRef>
+                  <a:effectRef idx="0">
+                    <a:schemeClr val="accent1"/>
+                  </a:effectRef>
+                  <a:fontRef idx="minor">
+                    <a:schemeClr val="tx1"/>
+                  </a:fontRef>
+                </p:style>
+              </p:cxnSp>
+              <p:cxnSp>
+                <p:nvCxnSpPr>
+                  <p:cNvPr id="23" name="Straight Connector 22">
+                    <a:extLst>
+                      <a:ext uri="{FF2B5EF4-FFF2-40B4-BE49-F238E27FC236}">
+                        <a16:creationId xmlns:a16="http://schemas.microsoft.com/office/drawing/2014/main" id="{1DB9FC0B-8B0B-BB9D-D5E2-6699DC736D89}"/>
+                      </a:ext>
+                    </a:extLst>
+                  </p:cNvPr>
+                  <p:cNvCxnSpPr>
+                    <a:cxnSpLocks/>
+                  </p:cNvCxnSpPr>
+                  <p:nvPr/>
+                </p:nvCxnSpPr>
+                <p:spPr>
+                  <a:xfrm rot="5400000">
+                    <a:off x="7254900" y="4109344"/>
+                    <a:ext cx="54864" cy="0"/>
+                  </a:xfrm>
+                  <a:prstGeom prst="line">
+                    <a:avLst/>
+                  </a:prstGeom>
+                  <a:ln w="12700">
+                    <a:solidFill>
+                      <a:schemeClr val="tx1"/>
+                    </a:solidFill>
+                  </a:ln>
+                </p:spPr>
+                <p:style>
+                  <a:lnRef idx="1">
+                    <a:schemeClr val="accent1"/>
+                  </a:lnRef>
+                  <a:fillRef idx="0">
+                    <a:schemeClr val="accent1"/>
+                  </a:fillRef>
+                  <a:effectRef idx="0">
+                    <a:schemeClr val="accent1"/>
+                  </a:effectRef>
+                  <a:fontRef idx="minor">
+                    <a:schemeClr val="tx1"/>
+                  </a:fontRef>
+                </p:style>
+              </p:cxnSp>
+              <p:cxnSp>
+                <p:nvCxnSpPr>
+                  <p:cNvPr id="24" name="Straight Connector 23">
+                    <a:extLst>
+                      <a:ext uri="{FF2B5EF4-FFF2-40B4-BE49-F238E27FC236}">
+                        <a16:creationId xmlns:a16="http://schemas.microsoft.com/office/drawing/2014/main" id="{9E2C2649-F733-3F3C-A278-C521EA30DA48}"/>
+                      </a:ext>
+                    </a:extLst>
+                  </p:cNvPr>
+                  <p:cNvCxnSpPr>
+                    <a:cxnSpLocks/>
+                  </p:cNvCxnSpPr>
+                  <p:nvPr/>
+                </p:nvCxnSpPr>
+                <p:spPr>
+                  <a:xfrm>
+                    <a:off x="3986929" y="3022520"/>
+                    <a:ext cx="54864" cy="0"/>
+                  </a:xfrm>
+                  <a:prstGeom prst="line">
+                    <a:avLst/>
+                  </a:prstGeom>
+                  <a:ln w="12700">
+                    <a:solidFill>
+                      <a:schemeClr val="tx1"/>
+                    </a:solidFill>
+                  </a:ln>
+                </p:spPr>
+                <p:style>
+                  <a:lnRef idx="1">
+                    <a:schemeClr val="accent1"/>
+                  </a:lnRef>
+                  <a:fillRef idx="0">
+                    <a:schemeClr val="accent1"/>
+                  </a:fillRef>
+                  <a:effectRef idx="0">
+                    <a:schemeClr val="accent1"/>
+                  </a:effectRef>
+                  <a:fontRef idx="minor">
+                    <a:schemeClr val="tx1"/>
+                  </a:fontRef>
+                </p:style>
+              </p:cxnSp>
+              <p:cxnSp>
+                <p:nvCxnSpPr>
+                  <p:cNvPr id="25" name="Straight Connector 24">
+                    <a:extLst>
+                      <a:ext uri="{FF2B5EF4-FFF2-40B4-BE49-F238E27FC236}">
+                        <a16:creationId xmlns:a16="http://schemas.microsoft.com/office/drawing/2014/main" id="{962009D0-9CCB-B3AC-7C03-808306857E27}"/>
+                      </a:ext>
+                    </a:extLst>
+                  </p:cNvPr>
+                  <p:cNvCxnSpPr>
+                    <a:cxnSpLocks/>
+                  </p:cNvCxnSpPr>
+                  <p:nvPr/>
+                </p:nvCxnSpPr>
+                <p:spPr>
+                  <a:xfrm>
+                    <a:off x="3986929" y="827898"/>
+                    <a:ext cx="54864" cy="0"/>
+                  </a:xfrm>
+                  <a:prstGeom prst="line">
+                    <a:avLst/>
+                  </a:prstGeom>
+                  <a:ln w="12700">
+                    <a:solidFill>
+                      <a:schemeClr val="tx1"/>
+                    </a:solidFill>
+                  </a:ln>
+                </p:spPr>
+                <p:style>
+                  <a:lnRef idx="1">
+                    <a:schemeClr val="accent1"/>
+                  </a:lnRef>
+                  <a:fillRef idx="0">
+                    <a:schemeClr val="accent1"/>
+                  </a:fillRef>
+                  <a:effectRef idx="0">
+                    <a:schemeClr val="accent1"/>
+                  </a:effectRef>
+                  <a:fontRef idx="minor">
+                    <a:schemeClr val="tx1"/>
+                  </a:fontRef>
+                </p:style>
+              </p:cxnSp>
+              <p:cxnSp>
+                <p:nvCxnSpPr>
+                  <p:cNvPr id="36" name="Straight Connector 35">
+                    <a:extLst>
+                      <a:ext uri="{FF2B5EF4-FFF2-40B4-BE49-F238E27FC236}">
+                        <a16:creationId xmlns:a16="http://schemas.microsoft.com/office/drawing/2014/main" id="{D262D405-CDC9-9797-AB61-F09DB90B856B}"/>
+                      </a:ext>
+                    </a:extLst>
+                  </p:cNvPr>
+                  <p:cNvCxnSpPr>
+                    <a:cxnSpLocks/>
+                  </p:cNvCxnSpPr>
+                  <p:nvPr/>
+                </p:nvCxnSpPr>
+                <p:spPr>
+                  <a:xfrm>
+                    <a:off x="3986208" y="1926765"/>
+                    <a:ext cx="106936" cy="0"/>
+                  </a:xfrm>
+                  <a:prstGeom prst="line">
+                    <a:avLst/>
+                  </a:prstGeom>
+                  <a:ln w="12700">
+                    <a:solidFill>
+                      <a:schemeClr val="tx1"/>
+                    </a:solidFill>
+                  </a:ln>
+                </p:spPr>
+                <p:style>
+                  <a:lnRef idx="1">
+                    <a:schemeClr val="accent1"/>
+                  </a:lnRef>
+                  <a:fillRef idx="0">
+                    <a:schemeClr val="accent1"/>
+                  </a:fillRef>
+                  <a:effectRef idx="0">
+                    <a:schemeClr val="accent1"/>
+                  </a:effectRef>
+                  <a:fontRef idx="minor">
+                    <a:schemeClr val="tx1"/>
+                  </a:fontRef>
+                </p:style>
+              </p:cxnSp>
+            </p:grpSp>
+            <mc:AlternateContent xmlns:mc="http://schemas.openxmlformats.org/markup-compatibility/2006" xmlns:a14="http://schemas.microsoft.com/office/drawing/2010/main">
+              <mc:Choice Requires="a14">
+                <p:sp>
+                  <p:nvSpPr>
+                    <p:cNvPr id="66" name="TextBox 65">
+                      <a:extLst>
+                        <a:ext uri="{FF2B5EF4-FFF2-40B4-BE49-F238E27FC236}">
+                          <a16:creationId xmlns:a16="http://schemas.microsoft.com/office/drawing/2014/main" id="{D43F7778-7A72-6FD1-9CFD-E7C16DA34238}"/>
+                        </a:ext>
+                      </a:extLst>
+                    </p:cNvPr>
+                    <p:cNvSpPr txBox="1"/>
+                    <p:nvPr/>
+                  </p:nvSpPr>
+                  <p:spPr>
+                    <a:xfrm>
+                      <a:off x="7701067" y="3933465"/>
+                      <a:ext cx="460767" cy="369332"/>
+                    </a:xfrm>
+                    <a:prstGeom prst="rect">
+                      <a:avLst/>
+                    </a:prstGeom>
+                    <a:noFill/>
+                  </p:spPr>
+                  <p:txBody>
+                    <a:bodyPr wrap="none" rtlCol="0">
+                      <a:spAutoFit/>
+                    </a:bodyPr>
+                    <a:lstStyle/>
+                    <a:p>
+                      <a:pPr/>
+                      <a14:m>
+                        <m:oMathPara xmlns:m="http://schemas.openxmlformats.org/officeDocument/2006/math">
+                          <m:oMathParaPr>
+                            <m:jc m:val="centerGroup"/>
+                          </m:oMathParaPr>
+                          <m:oMath xmlns:m="http://schemas.openxmlformats.org/officeDocument/2006/math">
+                            <m:sSub>
+                              <m:sSubPr>
+                                <m:ctrlPr>
+                                  <a:rPr lang="en-US" i="1" dirty="0" smtClean="0">
+                                    <a:latin typeface="Cambria Math" panose="02040503050406030204" pitchFamily="18" charset="0"/>
+                                  </a:rPr>
+                                </m:ctrlPr>
+                              </m:sSubPr>
+                              <m:e>
+                                <m:r>
+                                  <a:rPr lang="en-US" b="0" i="1" dirty="0" smtClean="0">
+                                    <a:latin typeface="Cambria Math" panose="02040503050406030204" pitchFamily="18" charset="0"/>
+                                  </a:rPr>
+                                  <m:t>𝑥</m:t>
+                                </m:r>
+                              </m:e>
+                              <m:sub>
+                                <m:r>
+                                  <a:rPr lang="en-US" b="0" i="1" dirty="0" smtClean="0">
+                                    <a:latin typeface="Cambria Math" panose="02040503050406030204" pitchFamily="18" charset="0"/>
+                                  </a:rPr>
+                                  <m:t>1</m:t>
+                                </m:r>
+                              </m:sub>
+                            </m:sSub>
+                          </m:oMath>
+                        </m:oMathPara>
+                      </a14:m>
+                      <a:endParaRPr lang="en-US" dirty="0"/>
+                    </a:p>
+                  </p:txBody>
+                </p:sp>
+              </mc:Choice>
+              <mc:Fallback xmlns="">
+                <p:sp>
+                  <p:nvSpPr>
+                    <p:cNvPr id="66" name="TextBox 65">
+                      <a:extLst>
+                        <a:ext uri="{FF2B5EF4-FFF2-40B4-BE49-F238E27FC236}">
+                          <a16:creationId xmlns:a16="http://schemas.microsoft.com/office/drawing/2014/main" id="{D43F7778-7A72-6FD1-9CFD-E7C16DA34238}"/>
+                        </a:ext>
+                      </a:extLst>
+                    </p:cNvPr>
+                    <p:cNvSpPr txBox="1">
+                      <a:spLocks noRot="1" noChangeAspect="1" noMove="1" noResize="1" noEditPoints="1" noAdjustHandles="1" noChangeArrowheads="1" noChangeShapeType="1" noTextEdit="1"/>
+                    </p:cNvSpPr>
+                    <p:nvPr/>
+                  </p:nvSpPr>
+                  <p:spPr>
+                    <a:xfrm>
+                      <a:off x="7701067" y="3933465"/>
+                      <a:ext cx="460767" cy="369332"/>
+                    </a:xfrm>
+                    <a:prstGeom prst="rect">
+                      <a:avLst/>
+                    </a:prstGeom>
+                    <a:blipFill>
+                      <a:blip r:embed="rId8"/>
+                      <a:stretch>
+                        <a:fillRect/>
+                      </a:stretch>
+                    </a:blipFill>
+                  </p:spPr>
+                  <p:txBody>
+                    <a:bodyPr/>
+                    <a:lstStyle/>
+                    <a:p>
+                      <a:r>
+                        <a:rPr lang="en-US">
+                          <a:noFill/>
+                        </a:rPr>
+                        <a:t> </a:t>
+                      </a:r>
+                    </a:p>
+                  </p:txBody>
+                </p:sp>
+              </mc:Fallback>
+            </mc:AlternateContent>
+          </p:grpSp>
+          <p:sp>
+            <p:nvSpPr>
+              <p:cNvPr id="58" name="TextBox 57">
+                <a:extLst>
+                  <a:ext uri="{FF2B5EF4-FFF2-40B4-BE49-F238E27FC236}">
+                    <a16:creationId xmlns:a16="http://schemas.microsoft.com/office/drawing/2014/main" id="{DDCD95E6-1284-0DB8-56CA-E586557C9634}"/>
+                  </a:ext>
+                </a:extLst>
+              </p:cNvPr>
+              <p:cNvSpPr txBox="1"/>
+              <p:nvPr/>
+            </p:nvSpPr>
+            <p:spPr>
+              <a:xfrm>
+                <a:off x="7679267" y="1054100"/>
+                <a:ext cx="184731" cy="369332"/>
+              </a:xfrm>
+              <a:prstGeom prst="rect">
+                <a:avLst/>
+              </a:prstGeom>
+              <a:noFill/>
+            </p:spPr>
+            <p:txBody>
+              <a:bodyPr wrap="none" rtlCol="0">
+                <a:spAutoFit/>
+              </a:bodyPr>
+              <a:lstStyle/>
+              <a:p>
+                <a:endParaRPr lang="en-US" dirty="0"/>
+              </a:p>
+            </p:txBody>
+          </p:sp>
+          <mc:AlternateContent xmlns:mc="http://schemas.openxmlformats.org/markup-compatibility/2006" xmlns:a14="http://schemas.microsoft.com/office/drawing/2010/main">
+            <mc:Choice Requires="a14">
+              <p:sp>
+                <p:nvSpPr>
+                  <p:cNvPr id="67" name="TextBox 66">
+                    <a:extLst>
+                      <a:ext uri="{FF2B5EF4-FFF2-40B4-BE49-F238E27FC236}">
+                        <a16:creationId xmlns:a16="http://schemas.microsoft.com/office/drawing/2014/main" id="{BDFC1252-C91C-B26A-CA38-0B7EA4F4715D}"/>
+                      </a:ext>
+                    </a:extLst>
+                  </p:cNvPr>
+                  <p:cNvSpPr txBox="1"/>
+                  <p:nvPr/>
+                </p:nvSpPr>
+                <p:spPr>
+                  <a:xfrm>
+                    <a:off x="3753163" y="-21496"/>
+                    <a:ext cx="466090" cy="369332"/>
+                  </a:xfrm>
+                  <a:prstGeom prst="rect">
+                    <a:avLst/>
+                  </a:prstGeom>
+                  <a:noFill/>
+                </p:spPr>
+                <p:txBody>
+                  <a:bodyPr wrap="none" rtlCol="0">
+                    <a:spAutoFit/>
+                  </a:bodyPr>
+                  <a:lstStyle/>
+                  <a:p>
+                    <a:pPr/>
+                    <a14:m>
+                      <m:oMathPara xmlns:m="http://schemas.openxmlformats.org/officeDocument/2006/math">
+                        <m:oMathParaPr>
+                          <m:jc m:val="centerGroup"/>
+                        </m:oMathParaPr>
+                        <m:oMath xmlns:m="http://schemas.openxmlformats.org/officeDocument/2006/math">
+                          <m:sSub>
+                            <m:sSubPr>
+                              <m:ctrlPr>
+                                <a:rPr lang="en-US" i="1" dirty="0" smtClean="0">
+                                  <a:latin typeface="Cambria Math" panose="02040503050406030204" pitchFamily="18" charset="0"/>
+                                </a:rPr>
+                              </m:ctrlPr>
+                            </m:sSubPr>
+                            <m:e>
+                              <m:r>
+                                <a:rPr lang="en-US" b="0" i="1" dirty="0" smtClean="0">
+                                  <a:latin typeface="Cambria Math" panose="02040503050406030204" pitchFamily="18" charset="0"/>
+                                </a:rPr>
+                                <m:t>𝑥</m:t>
+                              </m:r>
+                            </m:e>
+                            <m:sub>
+                              <m:r>
+                                <a:rPr lang="en-US" b="0" i="1" dirty="0" smtClean="0">
+                                  <a:latin typeface="Cambria Math" panose="02040503050406030204" pitchFamily="18" charset="0"/>
+                                </a:rPr>
+                                <m:t>2</m:t>
+                              </m:r>
+                            </m:sub>
+                          </m:sSub>
+                        </m:oMath>
+                      </m:oMathPara>
+                    </a14:m>
+                    <a:endParaRPr lang="en-US" dirty="0"/>
+                  </a:p>
+                </p:txBody>
+              </p:sp>
+            </mc:Choice>
+            <mc:Fallback xmlns="">
+              <p:sp>
+                <p:nvSpPr>
+                  <p:cNvPr id="67" name="TextBox 66">
+                    <a:extLst>
+                      <a:ext uri="{FF2B5EF4-FFF2-40B4-BE49-F238E27FC236}">
+                        <a16:creationId xmlns:a16="http://schemas.microsoft.com/office/drawing/2014/main" id="{BDFC1252-C91C-B26A-CA38-0B7EA4F4715D}"/>
+                      </a:ext>
+                    </a:extLst>
+                  </p:cNvPr>
+                  <p:cNvSpPr txBox="1">
+                    <a:spLocks noRot="1" noChangeAspect="1" noMove="1" noResize="1" noEditPoints="1" noAdjustHandles="1" noChangeArrowheads="1" noChangeShapeType="1" noTextEdit="1"/>
+                  </p:cNvSpPr>
+                  <p:nvPr/>
+                </p:nvSpPr>
+                <p:spPr>
+                  <a:xfrm>
+                    <a:off x="3753163" y="-21496"/>
+                    <a:ext cx="466090" cy="369332"/>
+                  </a:xfrm>
+                  <a:prstGeom prst="rect">
+                    <a:avLst/>
+                  </a:prstGeom>
+                  <a:blipFill>
+                    <a:blip r:embed="rId9"/>
+                    <a:stretch>
+                      <a:fillRect/>
+                    </a:stretch>
+                  </a:blipFill>
+                </p:spPr>
+                <p:txBody>
+                  <a:bodyPr/>
+                  <a:lstStyle/>
+                  <a:p>
+                    <a:r>
+                      <a:rPr lang="en-US">
+                        <a:noFill/>
+                      </a:rPr>
+                      <a:t> </a:t>
+                    </a:r>
+                  </a:p>
+                </p:txBody>
+              </p:sp>
+            </mc:Fallback>
+          </mc:AlternateContent>
+        </p:grpSp>
+        <p:grpSp>
+          <p:nvGrpSpPr>
+            <p:cNvPr id="92" name="Group 91">
+              <a:extLst>
+                <a:ext uri="{FF2B5EF4-FFF2-40B4-BE49-F238E27FC236}">
+                  <a16:creationId xmlns:a16="http://schemas.microsoft.com/office/drawing/2014/main" id="{0FA52616-FD3D-33D0-AD87-1298E4A7A4DE}"/>
+                </a:ext>
+              </a:extLst>
+            </p:cNvPr>
+            <p:cNvGrpSpPr/>
+            <p:nvPr/>
+          </p:nvGrpSpPr>
+          <p:grpSpPr>
+            <a:xfrm>
+              <a:off x="4767202" y="2354184"/>
+              <a:ext cx="2302970" cy="2307194"/>
+              <a:chOff x="3947160" y="1876644"/>
+              <a:chExt cx="2302970" cy="2307194"/>
+            </a:xfrm>
+          </p:grpSpPr>
+          <p:sp>
+            <p:nvSpPr>
+              <p:cNvPr id="93" name="Oval 92">
+                <a:extLst>
+                  <a:ext uri="{FF2B5EF4-FFF2-40B4-BE49-F238E27FC236}">
+                    <a16:creationId xmlns:a16="http://schemas.microsoft.com/office/drawing/2014/main" id="{15395B2F-EFC9-54C5-9BCB-F9FBB9FCC23A}"/>
+                  </a:ext>
+                </a:extLst>
+              </p:cNvPr>
+              <p:cNvSpPr/>
+              <p:nvPr/>
+            </p:nvSpPr>
+            <p:spPr>
+              <a:xfrm>
+                <a:off x="3947160" y="4082318"/>
+                <a:ext cx="101520" cy="101520"/>
+              </a:xfrm>
+              <a:prstGeom prst="ellipse">
+                <a:avLst/>
+              </a:prstGeom>
+              <a:solidFill>
+                <a:srgbClr val="00B050">
+                  <a:alpha val="70000"/>
+                </a:srgbClr>
+              </a:solidFill>
+              <a:ln>
+                <a:noFill/>
+              </a:ln>
+            </p:spPr>
+            <p:style>
+              <a:lnRef idx="2">
+                <a:schemeClr val="accent1">
+                  <a:shade val="50000"/>
+                </a:schemeClr>
+              </a:lnRef>
+              <a:fillRef idx="1">
+                <a:schemeClr val="accent1"/>
+              </a:fillRef>
+              <a:effectRef idx="0">
+                <a:schemeClr val="accent1"/>
+              </a:effectRef>
+              <a:fontRef idx="minor">
+                <a:schemeClr val="lt1"/>
+              </a:fontRef>
+            </p:style>
+            <p:txBody>
+              <a:bodyPr rtlCol="0" anchor="ctr"/>
+              <a:lstStyle/>
+              <a:p>
+                <a:pPr algn="ctr"/>
+                <a:endParaRPr lang="en-US"/>
+              </a:p>
+            </p:txBody>
+          </p:sp>
+          <p:sp>
+            <p:nvSpPr>
+              <p:cNvPr id="94" name="Oval 93">
+                <a:extLst>
+                  <a:ext uri="{FF2B5EF4-FFF2-40B4-BE49-F238E27FC236}">
+                    <a16:creationId xmlns:a16="http://schemas.microsoft.com/office/drawing/2014/main" id="{0B649374-CB0A-86B4-2711-2A24A597B076}"/>
+                  </a:ext>
+                </a:extLst>
+              </p:cNvPr>
+              <p:cNvSpPr/>
+              <p:nvPr/>
+            </p:nvSpPr>
+            <p:spPr>
+              <a:xfrm>
+                <a:off x="6148610" y="4077146"/>
+                <a:ext cx="101520" cy="101520"/>
+              </a:xfrm>
+              <a:prstGeom prst="ellipse">
+                <a:avLst/>
+              </a:prstGeom>
+              <a:solidFill>
+                <a:srgbClr val="00B050">
+                  <a:alpha val="70000"/>
+                </a:srgbClr>
+              </a:solidFill>
+              <a:ln>
+                <a:noFill/>
+              </a:ln>
+            </p:spPr>
+            <p:style>
+              <a:lnRef idx="2">
+                <a:schemeClr val="accent1">
+                  <a:shade val="50000"/>
+                </a:schemeClr>
+              </a:lnRef>
+              <a:fillRef idx="1">
+                <a:schemeClr val="accent1"/>
+              </a:fillRef>
+              <a:effectRef idx="0">
+                <a:schemeClr val="accent1"/>
+              </a:effectRef>
+              <a:fontRef idx="minor">
+                <a:schemeClr val="lt1"/>
+              </a:fontRef>
+            </p:style>
+            <p:txBody>
+              <a:bodyPr rtlCol="0" anchor="ctr"/>
+              <a:lstStyle/>
+              <a:p>
+                <a:pPr algn="ctr"/>
+                <a:endParaRPr lang="en-US"/>
+              </a:p>
+            </p:txBody>
+          </p:sp>
+          <p:sp>
+            <p:nvSpPr>
+              <p:cNvPr id="95" name="Oval 94">
+                <a:extLst>
+                  <a:ext uri="{FF2B5EF4-FFF2-40B4-BE49-F238E27FC236}">
+                    <a16:creationId xmlns:a16="http://schemas.microsoft.com/office/drawing/2014/main" id="{B7ECD2E1-47D8-07AA-55BD-4B4A7DA07532}"/>
+                  </a:ext>
+                </a:extLst>
+              </p:cNvPr>
+              <p:cNvSpPr/>
+              <p:nvPr/>
+            </p:nvSpPr>
+            <p:spPr>
+              <a:xfrm>
+                <a:off x="3947160" y="1876644"/>
+                <a:ext cx="101520" cy="101520"/>
+              </a:xfrm>
+              <a:prstGeom prst="ellipse">
+                <a:avLst/>
+              </a:prstGeom>
+              <a:solidFill>
+                <a:srgbClr val="00B050">
+                  <a:alpha val="70000"/>
+                </a:srgbClr>
+              </a:solidFill>
+              <a:ln>
+                <a:noFill/>
+              </a:ln>
+            </p:spPr>
+            <p:style>
+              <a:lnRef idx="2">
+                <a:schemeClr val="accent1">
+                  <a:shade val="50000"/>
+                </a:schemeClr>
+              </a:lnRef>
+              <a:fillRef idx="1">
+                <a:schemeClr val="accent1"/>
+              </a:fillRef>
+              <a:effectRef idx="0">
+                <a:schemeClr val="accent1"/>
+              </a:effectRef>
+              <a:fontRef idx="minor">
+                <a:schemeClr val="lt1"/>
+              </a:fontRef>
+            </p:style>
+            <p:txBody>
+              <a:bodyPr rtlCol="0" anchor="ctr"/>
+              <a:lstStyle/>
+              <a:p>
+                <a:pPr algn="ctr"/>
+                <a:endParaRPr lang="en-US"/>
+              </a:p>
+            </p:txBody>
+          </p:sp>
+        </p:grpSp>
+        <p:grpSp>
+          <p:nvGrpSpPr>
+            <p:cNvPr id="26" name="Group 25">
+              <a:extLst>
+                <a:ext uri="{FF2B5EF4-FFF2-40B4-BE49-F238E27FC236}">
+                  <a16:creationId xmlns:a16="http://schemas.microsoft.com/office/drawing/2014/main" id="{B73DFA2D-232F-386D-25D1-0AE1B1817B52}"/>
+                </a:ext>
+              </a:extLst>
+            </p:cNvPr>
+            <p:cNvGrpSpPr/>
+            <p:nvPr/>
+          </p:nvGrpSpPr>
+          <p:grpSpPr>
+            <a:xfrm>
+              <a:off x="3608388" y="1770167"/>
+              <a:ext cx="1893837" cy="1256545"/>
+              <a:chOff x="3608388" y="1770167"/>
+              <a:chExt cx="1893837" cy="1256545"/>
+            </a:xfrm>
+          </p:grpSpPr>
+          <mc:AlternateContent xmlns:mc="http://schemas.openxmlformats.org/markup-compatibility/2006" xmlns:a14="http://schemas.microsoft.com/office/drawing/2010/main">
+            <mc:Choice Requires="a14">
+              <p:sp>
+                <p:nvSpPr>
+                  <p:cNvPr id="83" name="TextBox 82">
+                    <a:extLst>
+                      <a:ext uri="{FF2B5EF4-FFF2-40B4-BE49-F238E27FC236}">
+                        <a16:creationId xmlns:a16="http://schemas.microsoft.com/office/drawing/2014/main" id="{4F510DBD-F583-BF22-6139-BCA2356627A1}"/>
+                      </a:ext>
+                    </a:extLst>
+                  </p:cNvPr>
+                  <p:cNvSpPr txBox="1"/>
+                  <p:nvPr/>
+                </p:nvSpPr>
+                <p:spPr>
+                  <a:xfrm>
+                    <a:off x="3608388" y="2082421"/>
+                    <a:ext cx="1083502" cy="261610"/>
+                  </a:xfrm>
+                  <a:prstGeom prst="rect">
+                    <a:avLst/>
+                  </a:prstGeom>
+                  <a:noFill/>
+                </p:spPr>
+                <p:txBody>
+                  <a:bodyPr wrap="none" rtlCol="0">
+                    <a:spAutoFit/>
+                  </a:bodyPr>
+                  <a:lstStyle/>
+                  <a:p>
+                    <a:pPr/>
+                    <a14:m>
+                      <m:oMathPara xmlns:m="http://schemas.openxmlformats.org/officeDocument/2006/math">
+                        <m:oMathParaPr>
+                          <m:jc m:val="centerGroup"/>
+                        </m:oMathParaPr>
+                        <m:oMath xmlns:m="http://schemas.openxmlformats.org/officeDocument/2006/math">
+                          <m:r>
+                            <m:rPr>
+                              <m:sty m:val="p"/>
+                            </m:rPr>
+                            <a:rPr lang="en-US" sz="1100" i="0" dirty="0" smtClean="0">
+                              <a:solidFill>
+                                <a:srgbClr val="00B050"/>
+                              </a:solidFill>
+                              <a:latin typeface="Cambria Math" panose="02040503050406030204" pitchFamily="18" charset="0"/>
+                            </a:rPr>
+                            <m:t>Solution</m:t>
+                          </m:r>
+                          <m:r>
+                            <a:rPr lang="en-US" sz="1100" b="0" i="0" dirty="0" smtClean="0">
+                              <a:solidFill>
+                                <a:srgbClr val="00B050"/>
+                              </a:solidFill>
+                              <a:latin typeface="Cambria Math" panose="02040503050406030204" pitchFamily="18" charset="0"/>
+                            </a:rPr>
+                            <m:t>:</m:t>
+                          </m:r>
+                          <m:d>
+                            <m:dPr>
+                              <m:ctrlPr>
+                                <a:rPr lang="en-US" sz="1100" b="0" i="1" dirty="0" smtClean="0">
+                                  <a:solidFill>
+                                    <a:srgbClr val="00B050"/>
+                                  </a:solidFill>
+                                  <a:latin typeface="Cambria Math" panose="02040503050406030204" pitchFamily="18" charset="0"/>
+                                </a:rPr>
+                              </m:ctrlPr>
+                            </m:dPr>
+                            <m:e>
+                              <m:r>
+                                <a:rPr lang="en-US" sz="1100" b="0" i="1" dirty="0" smtClean="0">
+                                  <a:solidFill>
+                                    <a:srgbClr val="00B050"/>
+                                  </a:solidFill>
+                                  <a:latin typeface="Cambria Math" panose="02040503050406030204" pitchFamily="18" charset="0"/>
+                                </a:rPr>
+                                <m:t>0,1</m:t>
+                              </m:r>
+                            </m:e>
+                          </m:d>
+                        </m:oMath>
+                      </m:oMathPara>
+                    </a14:m>
+                    <a:endParaRPr lang="en-US" sz="1100" dirty="0">
+                      <a:solidFill>
+                        <a:srgbClr val="00B050"/>
+                      </a:solidFill>
+                    </a:endParaRPr>
+                  </a:p>
+                </p:txBody>
+              </p:sp>
+            </mc:Choice>
+            <mc:Fallback xmlns="">
+              <p:sp>
+                <p:nvSpPr>
+                  <p:cNvPr id="83" name="TextBox 82">
+                    <a:extLst>
+                      <a:ext uri="{FF2B5EF4-FFF2-40B4-BE49-F238E27FC236}">
+                        <a16:creationId xmlns:a16="http://schemas.microsoft.com/office/drawing/2014/main" id="{4F510DBD-F583-BF22-6139-BCA2356627A1}"/>
+                      </a:ext>
+                    </a:extLst>
+                  </p:cNvPr>
+                  <p:cNvSpPr txBox="1">
+                    <a:spLocks noRot="1" noChangeAspect="1" noMove="1" noResize="1" noEditPoints="1" noAdjustHandles="1" noChangeArrowheads="1" noChangeShapeType="1" noTextEdit="1"/>
+                  </p:cNvSpPr>
+                  <p:nvPr/>
+                </p:nvSpPr>
+                <p:spPr>
+                  <a:xfrm>
+                    <a:off x="3608388" y="2082421"/>
+                    <a:ext cx="1083502" cy="261610"/>
+                  </a:xfrm>
+                  <a:prstGeom prst="rect">
+                    <a:avLst/>
+                  </a:prstGeom>
+                  <a:blipFill>
+                    <a:blip r:embed="rId10"/>
+                    <a:stretch>
+                      <a:fillRect/>
+                    </a:stretch>
+                  </a:blipFill>
+                </p:spPr>
+                <p:txBody>
+                  <a:bodyPr/>
+                  <a:lstStyle/>
+                  <a:p>
+                    <a:r>
+                      <a:rPr lang="en-US">
+                        <a:noFill/>
+                      </a:rPr>
+                      <a:t> </a:t>
+                    </a:r>
+                  </a:p>
+                </p:txBody>
+              </p:sp>
+            </mc:Fallback>
+          </mc:AlternateContent>
+          <mc:AlternateContent xmlns:mc="http://schemas.openxmlformats.org/markup-compatibility/2006" xmlns:a14="http://schemas.microsoft.com/office/drawing/2010/main">
+            <mc:Choice Requires="a14">
+              <p:sp>
+                <p:nvSpPr>
+                  <p:cNvPr id="8" name="TextBox 7">
+                    <a:extLst>
+                      <a:ext uri="{FF2B5EF4-FFF2-40B4-BE49-F238E27FC236}">
+                        <a16:creationId xmlns:a16="http://schemas.microsoft.com/office/drawing/2014/main" id="{B6C27AB2-6212-E0CC-B4B7-C5FD096145C4}"/>
+                      </a:ext>
+                    </a:extLst>
+                  </p:cNvPr>
+                  <p:cNvSpPr txBox="1"/>
+                  <p:nvPr/>
+                </p:nvSpPr>
+                <p:spPr>
+                  <a:xfrm>
+                    <a:off x="3972382" y="2765102"/>
+                    <a:ext cx="754887" cy="261610"/>
+                  </a:xfrm>
+                  <a:prstGeom prst="rect">
+                    <a:avLst/>
+                  </a:prstGeom>
+                  <a:noFill/>
+                </p:spPr>
+                <p:txBody>
+                  <a:bodyPr wrap="none" rtlCol="0">
+                    <a:spAutoFit/>
+                  </a:bodyPr>
+                  <a:lstStyle/>
+                  <a:p>
+                    <a:pPr/>
+                    <a14:m>
+                      <m:oMathPara xmlns:m="http://schemas.openxmlformats.org/officeDocument/2006/math">
+                        <m:oMathParaPr>
+                          <m:jc m:val="centerGroup"/>
+                        </m:oMathParaPr>
+                        <m:oMath xmlns:m="http://schemas.openxmlformats.org/officeDocument/2006/math">
+                          <m:d>
+                            <m:dPr>
+                              <m:ctrlPr>
+                                <a:rPr lang="en-US" sz="1100" b="0" i="1" dirty="0" smtClean="0">
+                                  <a:solidFill>
+                                    <a:srgbClr val="C00000"/>
+                                  </a:solidFill>
+                                  <a:latin typeface="Cambria Math" panose="02040503050406030204" pitchFamily="18" charset="0"/>
+                                </a:rPr>
+                              </m:ctrlPr>
+                            </m:dPr>
+                            <m:e>
+                              <m:r>
+                                <a:rPr lang="en-US" sz="1100" b="0" i="1" dirty="0" smtClean="0">
+                                  <a:solidFill>
+                                    <a:srgbClr val="C00000"/>
+                                  </a:solidFill>
+                                  <a:latin typeface="Cambria Math" panose="02040503050406030204" pitchFamily="18" charset="0"/>
+                                </a:rPr>
+                                <m:t>−1,−1</m:t>
+                              </m:r>
+                            </m:e>
+                          </m:d>
+                        </m:oMath>
+                      </m:oMathPara>
+                    </a14:m>
+                    <a:endParaRPr lang="en-US" sz="1100" dirty="0">
+                      <a:solidFill>
+                        <a:srgbClr val="C00000"/>
+                      </a:solidFill>
+                    </a:endParaRPr>
+                  </a:p>
+                </p:txBody>
+              </p:sp>
+            </mc:Choice>
+            <mc:Fallback xmlns="">
+              <p:sp>
+                <p:nvSpPr>
+                  <p:cNvPr id="8" name="TextBox 7">
+                    <a:extLst>
+                      <a:ext uri="{FF2B5EF4-FFF2-40B4-BE49-F238E27FC236}">
+                        <a16:creationId xmlns:a16="http://schemas.microsoft.com/office/drawing/2014/main" id="{B6C27AB2-6212-E0CC-B4B7-C5FD096145C4}"/>
+                      </a:ext>
+                    </a:extLst>
+                  </p:cNvPr>
+                  <p:cNvSpPr txBox="1">
+                    <a:spLocks noRot="1" noChangeAspect="1" noMove="1" noResize="1" noEditPoints="1" noAdjustHandles="1" noChangeArrowheads="1" noChangeShapeType="1" noTextEdit="1"/>
+                  </p:cNvSpPr>
+                  <p:nvPr/>
+                </p:nvSpPr>
+                <p:spPr>
+                  <a:xfrm>
+                    <a:off x="3972382" y="2765102"/>
+                    <a:ext cx="754887" cy="261610"/>
+                  </a:xfrm>
+                  <a:prstGeom prst="rect">
+                    <a:avLst/>
+                  </a:prstGeom>
+                  <a:blipFill>
+                    <a:blip r:embed="rId11"/>
+                    <a:stretch>
+                      <a:fillRect/>
+                    </a:stretch>
+                  </a:blipFill>
+                </p:spPr>
+                <p:txBody>
+                  <a:bodyPr/>
+                  <a:lstStyle/>
+                  <a:p>
+                    <a:r>
+                      <a:rPr lang="en-US">
+                        <a:noFill/>
+                      </a:rPr>
+                      <a:t> </a:t>
+                    </a:r>
+                  </a:p>
+                </p:txBody>
+              </p:sp>
+            </mc:Fallback>
+          </mc:AlternateContent>
+          <mc:AlternateContent xmlns:mc="http://schemas.openxmlformats.org/markup-compatibility/2006" xmlns:a14="http://schemas.microsoft.com/office/drawing/2010/main">
+            <mc:Choice Requires="a14">
+              <p:sp>
+                <p:nvSpPr>
+                  <p:cNvPr id="14" name="TextBox 13">
+                    <a:extLst>
+                      <a:ext uri="{FF2B5EF4-FFF2-40B4-BE49-F238E27FC236}">
+                        <a16:creationId xmlns:a16="http://schemas.microsoft.com/office/drawing/2014/main" id="{39930F59-904A-0751-89E7-74FE9EBCA372}"/>
+                      </a:ext>
+                    </a:extLst>
+                  </p:cNvPr>
+                  <p:cNvSpPr txBox="1"/>
+                  <p:nvPr/>
+                </p:nvSpPr>
+                <p:spPr>
+                  <a:xfrm>
+                    <a:off x="4982467" y="1770167"/>
+                    <a:ext cx="519758" cy="261610"/>
+                  </a:xfrm>
+                  <a:prstGeom prst="rect">
+                    <a:avLst/>
+                  </a:prstGeom>
+                  <a:noFill/>
+                </p:spPr>
+                <p:txBody>
+                  <a:bodyPr wrap="none" rtlCol="0">
+                    <a:spAutoFit/>
+                  </a:bodyPr>
+                  <a:lstStyle/>
+                  <a:p>
+                    <a:pPr/>
+                    <a14:m>
+                      <m:oMathPara xmlns:m="http://schemas.openxmlformats.org/officeDocument/2006/math">
+                        <m:oMathParaPr>
+                          <m:jc m:val="centerGroup"/>
+                        </m:oMathParaPr>
+                        <m:oMath xmlns:m="http://schemas.openxmlformats.org/officeDocument/2006/math">
+                          <m:d>
+                            <m:dPr>
+                              <m:ctrlPr>
+                                <a:rPr lang="en-US" sz="1100" b="0" i="1" dirty="0" smtClean="0">
+                                  <a:solidFill>
+                                    <a:srgbClr val="C00000"/>
+                                  </a:solidFill>
+                                  <a:latin typeface="Cambria Math" panose="02040503050406030204" pitchFamily="18" charset="0"/>
+                                </a:rPr>
+                              </m:ctrlPr>
+                            </m:dPr>
+                            <m:e>
+                              <m:r>
+                                <a:rPr lang="en-US" sz="1100" b="0" i="1" dirty="0" smtClean="0">
+                                  <a:solidFill>
+                                    <a:srgbClr val="C00000"/>
+                                  </a:solidFill>
+                                  <a:latin typeface="Cambria Math" panose="02040503050406030204" pitchFamily="18" charset="0"/>
+                                </a:rPr>
+                                <m:t>1,1</m:t>
+                              </m:r>
+                            </m:e>
+                          </m:d>
+                        </m:oMath>
+                      </m:oMathPara>
+                    </a14:m>
+                    <a:endParaRPr lang="en-US" sz="1100" dirty="0">
+                      <a:solidFill>
+                        <a:srgbClr val="C00000"/>
+                      </a:solidFill>
+                    </a:endParaRPr>
+                  </a:p>
+                </p:txBody>
+              </p:sp>
+            </mc:Choice>
+            <mc:Fallback xmlns="">
+              <p:sp>
+                <p:nvSpPr>
+                  <p:cNvPr id="14" name="TextBox 13">
+                    <a:extLst>
+                      <a:ext uri="{FF2B5EF4-FFF2-40B4-BE49-F238E27FC236}">
+                        <a16:creationId xmlns:a16="http://schemas.microsoft.com/office/drawing/2014/main" id="{39930F59-904A-0751-89E7-74FE9EBCA372}"/>
+                      </a:ext>
+                    </a:extLst>
+                  </p:cNvPr>
+                  <p:cNvSpPr txBox="1">
+                    <a:spLocks noRot="1" noChangeAspect="1" noMove="1" noResize="1" noEditPoints="1" noAdjustHandles="1" noChangeArrowheads="1" noChangeShapeType="1" noTextEdit="1"/>
+                  </p:cNvSpPr>
+                  <p:nvPr/>
+                </p:nvSpPr>
+                <p:spPr>
+                  <a:xfrm>
+                    <a:off x="4982467" y="1770167"/>
+                    <a:ext cx="519758" cy="261610"/>
+                  </a:xfrm>
+                  <a:prstGeom prst="rect">
+                    <a:avLst/>
+                  </a:prstGeom>
+                  <a:blipFill>
+                    <a:blip r:embed="rId12"/>
+                    <a:stretch>
+                      <a:fillRect/>
+                    </a:stretch>
+                  </a:blipFill>
+                </p:spPr>
+                <p:txBody>
+                  <a:bodyPr/>
+                  <a:lstStyle/>
+                  <a:p>
+                    <a:r>
+                      <a:rPr lang="en-US">
+                        <a:noFill/>
+                      </a:rPr>
+                      <a:t> </a:t>
+                    </a:r>
+                  </a:p>
+                </p:txBody>
+              </p:sp>
+            </mc:Fallback>
+          </mc:AlternateContent>
+          <p:grpSp>
+            <p:nvGrpSpPr>
+              <p:cNvPr id="21" name="Group 20">
+                <a:extLst>
+                  <a:ext uri="{FF2B5EF4-FFF2-40B4-BE49-F238E27FC236}">
+                    <a16:creationId xmlns:a16="http://schemas.microsoft.com/office/drawing/2014/main" id="{37113A3A-0D7B-B3CD-DEA2-A132D9C1566F}"/>
+                  </a:ext>
+                </a:extLst>
+              </p:cNvPr>
+              <p:cNvGrpSpPr/>
+              <p:nvPr/>
+            </p:nvGrpSpPr>
+            <p:grpSpPr>
+              <a:xfrm>
+                <a:off x="4288545" y="2193639"/>
+                <a:ext cx="1041586" cy="439162"/>
+                <a:chOff x="4288545" y="2193639"/>
+                <a:chExt cx="1041586" cy="439162"/>
+              </a:xfrm>
+            </p:grpSpPr>
+            <p:grpSp>
+              <p:nvGrpSpPr>
+                <p:cNvPr id="73" name="Group 72">
+                  <a:extLst>
+                    <a:ext uri="{FF2B5EF4-FFF2-40B4-BE49-F238E27FC236}">
+                      <a16:creationId xmlns:a16="http://schemas.microsoft.com/office/drawing/2014/main" id="{673AA2EF-D42E-7C35-4B99-BC62B8A09B84}"/>
+                    </a:ext>
+                  </a:extLst>
+                </p:cNvPr>
+                <p:cNvGrpSpPr/>
+                <p:nvPr/>
+              </p:nvGrpSpPr>
+              <p:grpSpPr>
+                <a:xfrm rot="18900000">
+                  <a:off x="4288545" y="2501991"/>
+                  <a:ext cx="699757" cy="130810"/>
+                  <a:chOff x="4217257" y="2212303"/>
+                  <a:chExt cx="699757" cy="130810"/>
+                </a:xfrm>
+              </p:grpSpPr>
+              <p:cxnSp>
+                <p:nvCxnSpPr>
+                  <p:cNvPr id="22" name="Straight Arrow Connector 21">
+                    <a:extLst>
+                      <a:ext uri="{FF2B5EF4-FFF2-40B4-BE49-F238E27FC236}">
+                        <a16:creationId xmlns:a16="http://schemas.microsoft.com/office/drawing/2014/main" id="{0E0FB33B-718F-0A4F-0728-1E289C530571}"/>
+                      </a:ext>
+                    </a:extLst>
+                  </p:cNvPr>
+                  <p:cNvCxnSpPr>
+                    <a:cxnSpLocks/>
+                  </p:cNvCxnSpPr>
+                  <p:nvPr/>
+                </p:nvCxnSpPr>
+                <p:spPr>
+                  <a:xfrm rot="5400000">
+                    <a:off x="4516977" y="1995149"/>
+                    <a:ext cx="0" cy="599440"/>
+                  </a:xfrm>
+                  <a:prstGeom prst="straightConnector1">
+                    <a:avLst/>
+                  </a:prstGeom>
+                  <a:ln w="19050">
+                    <a:solidFill>
+                      <a:srgbClr val="C00000"/>
+                    </a:solidFill>
+                    <a:tailEnd type="triangle"/>
+                  </a:ln>
+                </p:spPr>
+                <p:style>
+                  <a:lnRef idx="1">
+                    <a:schemeClr val="accent1"/>
+                  </a:lnRef>
+                  <a:fillRef idx="0">
+                    <a:schemeClr val="accent1"/>
+                  </a:fillRef>
+                  <a:effectRef idx="0">
+                    <a:schemeClr val="accent1"/>
+                  </a:effectRef>
+                  <a:fontRef idx="minor">
+                    <a:schemeClr val="tx1"/>
+                  </a:fontRef>
+                </p:style>
+              </p:cxnSp>
+              <p:sp>
+                <p:nvSpPr>
+                  <p:cNvPr id="27" name="L-Shape 26">
+                    <a:extLst>
+                      <a:ext uri="{FF2B5EF4-FFF2-40B4-BE49-F238E27FC236}">
+                        <a16:creationId xmlns:a16="http://schemas.microsoft.com/office/drawing/2014/main" id="{C569BA4D-197E-0451-3F17-C2AB15C53625}"/>
+                      </a:ext>
+                    </a:extLst>
+                  </p:cNvPr>
+                  <p:cNvSpPr/>
+                  <p:nvPr/>
+                </p:nvSpPr>
+                <p:spPr>
+                  <a:xfrm>
+                    <a:off x="4767119" y="2295851"/>
+                    <a:ext cx="45719" cy="47262"/>
+                  </a:xfrm>
+                  <a:prstGeom prst="corner">
+                    <a:avLst>
+                      <a:gd name="adj1" fmla="val 0"/>
+                      <a:gd name="adj2" fmla="val 0"/>
+                    </a:avLst>
+                  </a:prstGeom>
+                  <a:solidFill>
+                    <a:srgbClr val="C00000"/>
+                  </a:solidFill>
+                  <a:ln w="9525">
+                    <a:solidFill>
+                      <a:srgbClr val="C00000"/>
+                    </a:solidFill>
+                  </a:ln>
+                </p:spPr>
+                <p:style>
+                  <a:lnRef idx="2">
+                    <a:schemeClr val="accent1">
+                      <a:shade val="50000"/>
+                    </a:schemeClr>
+                  </a:lnRef>
+                  <a:fillRef idx="1">
+                    <a:schemeClr val="accent1"/>
+                  </a:fillRef>
+                  <a:effectRef idx="0">
+                    <a:schemeClr val="accent1"/>
+                  </a:effectRef>
+                  <a:fontRef idx="minor">
+                    <a:schemeClr val="lt1"/>
+                  </a:fontRef>
+                </p:style>
+                <p:txBody>
+                  <a:bodyPr rtlCol="0" anchor="ctr"/>
+                  <a:lstStyle/>
+                  <a:p>
+                    <a:pPr algn="ctr"/>
+                    <a:endParaRPr lang="en-US"/>
+                  </a:p>
+                </p:txBody>
+              </p:sp>
+              <p:sp>
+                <p:nvSpPr>
+                  <p:cNvPr id="53" name="Arc 52">
+                    <a:extLst>
+                      <a:ext uri="{FF2B5EF4-FFF2-40B4-BE49-F238E27FC236}">
+                        <a16:creationId xmlns:a16="http://schemas.microsoft.com/office/drawing/2014/main" id="{DA0AD749-B024-AF0B-7516-9C5876ED1528}"/>
+                      </a:ext>
+                    </a:extLst>
+                  </p:cNvPr>
+                  <p:cNvSpPr/>
+                  <p:nvPr/>
+                </p:nvSpPr>
+                <p:spPr>
+                  <a:xfrm rot="18900000">
+                    <a:off x="4712175" y="2212303"/>
+                    <a:ext cx="204839" cy="117142"/>
+                  </a:xfrm>
+                  <a:prstGeom prst="arc">
+                    <a:avLst>
+                      <a:gd name="adj1" fmla="val 16200000"/>
+                      <a:gd name="adj2" fmla="val 1945207"/>
+                    </a:avLst>
+                  </a:prstGeom>
+                  <a:ln w="9525">
+                    <a:solidFill>
+                      <a:srgbClr val="C00000"/>
+                    </a:solidFill>
+                  </a:ln>
+                </p:spPr>
+                <p:style>
+                  <a:lnRef idx="1">
+                    <a:schemeClr val="accent1"/>
+                  </a:lnRef>
+                  <a:fillRef idx="0">
+                    <a:schemeClr val="accent1"/>
+                  </a:fillRef>
+                  <a:effectRef idx="0">
+                    <a:schemeClr val="accent1"/>
+                  </a:effectRef>
+                  <a:fontRef idx="minor">
+                    <a:schemeClr val="tx1"/>
+                  </a:fontRef>
+                </p:style>
+                <p:txBody>
+                  <a:bodyPr rtlCol="0" anchor="ctr"/>
+                  <a:lstStyle/>
+                  <a:p>
+                    <a:pPr algn="ctr"/>
+                    <a:endParaRPr lang="en-US"/>
+                  </a:p>
+                </p:txBody>
+              </p:sp>
+            </p:grpSp>
+            <p:grpSp>
+              <p:nvGrpSpPr>
+                <p:cNvPr id="74" name="Group 73">
+                  <a:extLst>
+                    <a:ext uri="{FF2B5EF4-FFF2-40B4-BE49-F238E27FC236}">
+                      <a16:creationId xmlns:a16="http://schemas.microsoft.com/office/drawing/2014/main" id="{1D492E2A-9DC3-F59A-07D7-478ED5E68E66}"/>
+                    </a:ext>
+                  </a:extLst>
+                </p:cNvPr>
+                <p:cNvGrpSpPr/>
+                <p:nvPr/>
+              </p:nvGrpSpPr>
+              <p:grpSpPr>
+                <a:xfrm>
+                  <a:off x="4730691" y="2193639"/>
+                  <a:ext cx="599440" cy="236247"/>
+                  <a:chOff x="5815532" y="2082141"/>
+                  <a:chExt cx="599440" cy="236247"/>
+                </a:xfrm>
+              </p:grpSpPr>
+              <p:cxnSp>
+                <p:nvCxnSpPr>
+                  <p:cNvPr id="29" name="Straight Arrow Connector 28">
+                    <a:extLst>
+                      <a:ext uri="{FF2B5EF4-FFF2-40B4-BE49-F238E27FC236}">
+                        <a16:creationId xmlns:a16="http://schemas.microsoft.com/office/drawing/2014/main" id="{21F31D10-4F51-F5D9-8876-0D86BDD14FD3}"/>
+                      </a:ext>
+                    </a:extLst>
+                  </p:cNvPr>
+                  <p:cNvCxnSpPr>
+                    <a:cxnSpLocks/>
+                  </p:cNvCxnSpPr>
+                  <p:nvPr/>
+                </p:nvCxnSpPr>
+                <p:spPr>
+                  <a:xfrm rot="13500000">
+                    <a:off x="6115252" y="1782421"/>
+                    <a:ext cx="0" cy="599440"/>
+                  </a:xfrm>
+                  <a:prstGeom prst="straightConnector1">
+                    <a:avLst/>
+                  </a:prstGeom>
+                  <a:ln w="19050">
+                    <a:solidFill>
+                      <a:srgbClr val="C00000"/>
+                    </a:solidFill>
+                    <a:tailEnd type="triangle"/>
+                  </a:ln>
+                </p:spPr>
+                <p:style>
+                  <a:lnRef idx="1">
+                    <a:schemeClr val="accent1"/>
+                  </a:lnRef>
+                  <a:fillRef idx="0">
+                    <a:schemeClr val="accent1"/>
+                  </a:fillRef>
+                  <a:effectRef idx="0">
+                    <a:schemeClr val="accent1"/>
+                  </a:effectRef>
+                  <a:fontRef idx="minor">
+                    <a:schemeClr val="tx1"/>
+                  </a:fontRef>
+                </p:style>
+              </p:cxnSp>
+              <p:sp>
+                <p:nvSpPr>
+                  <p:cNvPr id="30" name="L-Shape 29">
+                    <a:extLst>
+                      <a:ext uri="{FF2B5EF4-FFF2-40B4-BE49-F238E27FC236}">
+                        <a16:creationId xmlns:a16="http://schemas.microsoft.com/office/drawing/2014/main" id="{539833F9-A672-475B-F0F7-9481D82DFFBA}"/>
+                      </a:ext>
+                    </a:extLst>
+                  </p:cNvPr>
+                  <p:cNvSpPr/>
+                  <p:nvPr/>
+                </p:nvSpPr>
+                <p:spPr>
+                  <a:xfrm rot="13500000">
+                    <a:off x="5921398" y="2271898"/>
+                    <a:ext cx="45719" cy="47262"/>
+                  </a:xfrm>
+                  <a:prstGeom prst="corner">
+                    <a:avLst>
+                      <a:gd name="adj1" fmla="val 0"/>
+                      <a:gd name="adj2" fmla="val 0"/>
+                    </a:avLst>
+                  </a:prstGeom>
+                  <a:solidFill>
+                    <a:srgbClr val="C00000"/>
+                  </a:solidFill>
+                  <a:ln w="9525">
+                    <a:solidFill>
+                      <a:srgbClr val="C00000"/>
+                    </a:solidFill>
+                  </a:ln>
+                </p:spPr>
+                <p:style>
+                  <a:lnRef idx="2">
+                    <a:schemeClr val="accent1">
+                      <a:shade val="50000"/>
+                    </a:schemeClr>
+                  </a:lnRef>
+                  <a:fillRef idx="1">
+                    <a:schemeClr val="accent1"/>
+                  </a:fillRef>
+                  <a:effectRef idx="0">
+                    <a:schemeClr val="accent1"/>
+                  </a:effectRef>
+                  <a:fontRef idx="minor">
+                    <a:schemeClr val="lt1"/>
+                  </a:fontRef>
+                </p:style>
+                <p:txBody>
+                  <a:bodyPr rtlCol="0" anchor="ctr"/>
+                  <a:lstStyle/>
+                  <a:p>
+                    <a:pPr algn="ctr"/>
+                    <a:endParaRPr lang="en-US" dirty="0"/>
+                  </a:p>
+                </p:txBody>
+              </p:sp>
+            </p:grpSp>
+          </p:grpSp>
+        </p:grpSp>
+        <p:grpSp>
+          <p:nvGrpSpPr>
+            <p:cNvPr id="31" name="Group 30">
+              <a:extLst>
+                <a:ext uri="{FF2B5EF4-FFF2-40B4-BE49-F238E27FC236}">
+                  <a16:creationId xmlns:a16="http://schemas.microsoft.com/office/drawing/2014/main" id="{3B06E8DA-9E8F-9D43-ACFF-F8357FC72D64}"/>
+                </a:ext>
+              </a:extLst>
+            </p:cNvPr>
+            <p:cNvGrpSpPr/>
+            <p:nvPr/>
+          </p:nvGrpSpPr>
+          <p:grpSpPr>
+            <a:xfrm>
+              <a:off x="6429136" y="4020258"/>
+              <a:ext cx="1867360" cy="1271227"/>
+              <a:chOff x="6429136" y="4020258"/>
+              <a:chExt cx="1867360" cy="1271227"/>
+            </a:xfrm>
+          </p:grpSpPr>
+          <mc:AlternateContent xmlns:mc="http://schemas.openxmlformats.org/markup-compatibility/2006" xmlns:a14="http://schemas.microsoft.com/office/drawing/2010/main">
+            <mc:Choice Requires="a14">
+              <p:sp>
+                <p:nvSpPr>
+                  <p:cNvPr id="81" name="TextBox 80">
+                    <a:extLst>
+                      <a:ext uri="{FF2B5EF4-FFF2-40B4-BE49-F238E27FC236}">
+                        <a16:creationId xmlns:a16="http://schemas.microsoft.com/office/drawing/2014/main" id="{CCCBDE62-6D59-398B-E41C-BFD9B03A444D}"/>
+                      </a:ext>
+                    </a:extLst>
+                  </p:cNvPr>
+                  <p:cNvSpPr txBox="1"/>
+                  <p:nvPr/>
+                </p:nvSpPr>
+                <p:spPr>
+                  <a:xfrm>
+                    <a:off x="7212994" y="4714610"/>
+                    <a:ext cx="1083502" cy="261610"/>
+                  </a:xfrm>
+                  <a:prstGeom prst="rect">
+                    <a:avLst/>
+                  </a:prstGeom>
+                  <a:noFill/>
+                </p:spPr>
+                <p:txBody>
+                  <a:bodyPr wrap="none" rtlCol="0">
+                    <a:spAutoFit/>
+                  </a:bodyPr>
+                  <a:lstStyle/>
+                  <a:p>
+                    <a:pPr/>
+                    <a14:m>
+                      <m:oMathPara xmlns:m="http://schemas.openxmlformats.org/officeDocument/2006/math">
+                        <m:oMathParaPr>
+                          <m:jc m:val="centerGroup"/>
+                        </m:oMathParaPr>
+                        <m:oMath xmlns:m="http://schemas.openxmlformats.org/officeDocument/2006/math">
+                          <m:r>
+                            <m:rPr>
+                              <m:sty m:val="p"/>
+                            </m:rPr>
+                            <a:rPr lang="en-US" sz="1100" i="0" dirty="0" smtClean="0">
+                              <a:solidFill>
+                                <a:srgbClr val="00B050"/>
+                              </a:solidFill>
+                              <a:latin typeface="Cambria Math" panose="02040503050406030204" pitchFamily="18" charset="0"/>
+                            </a:rPr>
+                            <m:t>Solution</m:t>
+                          </m:r>
+                          <m:r>
+                            <a:rPr lang="en-US" sz="1100" b="0" i="0" dirty="0" smtClean="0">
+                              <a:solidFill>
+                                <a:srgbClr val="00B050"/>
+                              </a:solidFill>
+                              <a:latin typeface="Cambria Math" panose="02040503050406030204" pitchFamily="18" charset="0"/>
+                            </a:rPr>
+                            <m:t>:</m:t>
+                          </m:r>
+                          <m:d>
+                            <m:dPr>
+                              <m:ctrlPr>
+                                <a:rPr lang="en-US" sz="1100" b="0" i="1" dirty="0" smtClean="0">
+                                  <a:solidFill>
+                                    <a:srgbClr val="00B050"/>
+                                  </a:solidFill>
+                                  <a:latin typeface="Cambria Math" panose="02040503050406030204" pitchFamily="18" charset="0"/>
+                                </a:rPr>
+                              </m:ctrlPr>
+                            </m:dPr>
+                            <m:e>
+                              <m:r>
+                                <a:rPr lang="en-US" sz="1100" b="0" i="1" dirty="0" smtClean="0">
+                                  <a:solidFill>
+                                    <a:srgbClr val="00B050"/>
+                                  </a:solidFill>
+                                  <a:latin typeface="Cambria Math" panose="02040503050406030204" pitchFamily="18" charset="0"/>
+                                </a:rPr>
+                                <m:t>1,0</m:t>
+                              </m:r>
+                            </m:e>
+                          </m:d>
+                        </m:oMath>
+                      </m:oMathPara>
+                    </a14:m>
+                    <a:endParaRPr lang="en-US" sz="1100" dirty="0">
+                      <a:solidFill>
+                        <a:srgbClr val="00B050"/>
+                      </a:solidFill>
+                    </a:endParaRPr>
+                  </a:p>
+                </p:txBody>
+              </p:sp>
+            </mc:Choice>
+            <mc:Fallback xmlns="">
+              <p:sp>
+                <p:nvSpPr>
+                  <p:cNvPr id="81" name="TextBox 80">
+                    <a:extLst>
+                      <a:ext uri="{FF2B5EF4-FFF2-40B4-BE49-F238E27FC236}">
+                        <a16:creationId xmlns:a16="http://schemas.microsoft.com/office/drawing/2014/main" id="{CCCBDE62-6D59-398B-E41C-BFD9B03A444D}"/>
+                      </a:ext>
+                    </a:extLst>
+                  </p:cNvPr>
+                  <p:cNvSpPr txBox="1">
+                    <a:spLocks noRot="1" noChangeAspect="1" noMove="1" noResize="1" noEditPoints="1" noAdjustHandles="1" noChangeArrowheads="1" noChangeShapeType="1" noTextEdit="1"/>
+                  </p:cNvSpPr>
+                  <p:nvPr/>
+                </p:nvSpPr>
+                <p:spPr>
+                  <a:xfrm>
+                    <a:off x="7212994" y="4714610"/>
+                    <a:ext cx="1083502" cy="261610"/>
+                  </a:xfrm>
+                  <a:prstGeom prst="rect">
+                    <a:avLst/>
+                  </a:prstGeom>
+                  <a:blipFill>
+                    <a:blip r:embed="rId13"/>
+                    <a:stretch>
+                      <a:fillRect/>
+                    </a:stretch>
+                  </a:blipFill>
+                </p:spPr>
+                <p:txBody>
+                  <a:bodyPr/>
+                  <a:lstStyle/>
+                  <a:p>
+                    <a:r>
+                      <a:rPr lang="en-US">
+                        <a:noFill/>
+                      </a:rPr>
+                      <a:t> </a:t>
+                    </a:r>
+                  </a:p>
+                </p:txBody>
+              </p:sp>
+            </mc:Fallback>
+          </mc:AlternateContent>
+          <mc:AlternateContent xmlns:mc="http://schemas.openxmlformats.org/markup-compatibility/2006" xmlns:a14="http://schemas.microsoft.com/office/drawing/2010/main">
+            <mc:Choice Requires="a14">
+              <p:sp>
+                <p:nvSpPr>
+                  <p:cNvPr id="54" name="TextBox 53">
+                    <a:extLst>
+                      <a:ext uri="{FF2B5EF4-FFF2-40B4-BE49-F238E27FC236}">
+                        <a16:creationId xmlns:a16="http://schemas.microsoft.com/office/drawing/2014/main" id="{3DD84A98-2575-C606-ACC6-CE3F095BF29E}"/>
+                      </a:ext>
+                    </a:extLst>
+                  </p:cNvPr>
+                  <p:cNvSpPr txBox="1"/>
+                  <p:nvPr/>
+                </p:nvSpPr>
+                <p:spPr>
+                  <a:xfrm>
+                    <a:off x="6429136" y="5029875"/>
+                    <a:ext cx="649088" cy="261610"/>
+                  </a:xfrm>
+                  <a:prstGeom prst="rect">
+                    <a:avLst/>
+                  </a:prstGeom>
+                  <a:noFill/>
+                </p:spPr>
+                <p:txBody>
+                  <a:bodyPr wrap="none" rtlCol="0">
+                    <a:spAutoFit/>
+                  </a:bodyPr>
+                  <a:lstStyle/>
+                  <a:p>
+                    <a:pPr/>
+                    <a14:m>
+                      <m:oMathPara xmlns:m="http://schemas.openxmlformats.org/officeDocument/2006/math">
+                        <m:oMathParaPr>
+                          <m:jc m:val="centerGroup"/>
+                        </m:oMathParaPr>
+                        <m:oMath xmlns:m="http://schemas.openxmlformats.org/officeDocument/2006/math">
+                          <m:d>
+                            <m:dPr>
+                              <m:ctrlPr>
+                                <a:rPr lang="en-US" sz="1100" b="0" i="1" dirty="0" smtClean="0">
+                                  <a:solidFill>
+                                    <a:srgbClr val="C00000"/>
+                                  </a:solidFill>
+                                  <a:latin typeface="Cambria Math" panose="02040503050406030204" pitchFamily="18" charset="0"/>
+                                </a:rPr>
+                              </m:ctrlPr>
+                            </m:dPr>
+                            <m:e>
+                              <m:r>
+                                <a:rPr lang="en-US" sz="1100" b="0" i="1" dirty="0" smtClean="0">
+                                  <a:solidFill>
+                                    <a:srgbClr val="C00000"/>
+                                  </a:solidFill>
+                                  <a:latin typeface="Cambria Math" panose="02040503050406030204" pitchFamily="18" charset="0"/>
+                                </a:rPr>
+                                <m:t>0,−1</m:t>
+                              </m:r>
+                            </m:e>
+                          </m:d>
+                        </m:oMath>
+                      </m:oMathPara>
+                    </a14:m>
+                    <a:endParaRPr lang="en-US" sz="1100" dirty="0">
+                      <a:solidFill>
+                        <a:srgbClr val="C00000"/>
+                      </a:solidFill>
+                    </a:endParaRPr>
+                  </a:p>
+                </p:txBody>
+              </p:sp>
+            </mc:Choice>
+            <mc:Fallback xmlns="">
+              <p:sp>
+                <p:nvSpPr>
+                  <p:cNvPr id="54" name="TextBox 53">
+                    <a:extLst>
+                      <a:ext uri="{FF2B5EF4-FFF2-40B4-BE49-F238E27FC236}">
+                        <a16:creationId xmlns:a16="http://schemas.microsoft.com/office/drawing/2014/main" id="{3DD84A98-2575-C606-ACC6-CE3F095BF29E}"/>
+                      </a:ext>
+                    </a:extLst>
+                  </p:cNvPr>
+                  <p:cNvSpPr txBox="1">
+                    <a:spLocks noRot="1" noChangeAspect="1" noMove="1" noResize="1" noEditPoints="1" noAdjustHandles="1" noChangeArrowheads="1" noChangeShapeType="1" noTextEdit="1"/>
+                  </p:cNvSpPr>
+                  <p:nvPr/>
+                </p:nvSpPr>
+                <p:spPr>
+                  <a:xfrm>
+                    <a:off x="6429136" y="5029875"/>
+                    <a:ext cx="649088" cy="261610"/>
+                  </a:xfrm>
+                  <a:prstGeom prst="rect">
+                    <a:avLst/>
+                  </a:prstGeom>
+                  <a:blipFill>
+                    <a:blip r:embed="rId14"/>
+                    <a:stretch>
+                      <a:fillRect/>
+                    </a:stretch>
+                  </a:blipFill>
+                </p:spPr>
+                <p:txBody>
+                  <a:bodyPr/>
+                  <a:lstStyle/>
+                  <a:p>
+                    <a:r>
+                      <a:rPr lang="en-US">
+                        <a:noFill/>
+                      </a:rPr>
+                      <a:t> </a:t>
+                    </a:r>
+                  </a:p>
+                </p:txBody>
+              </p:sp>
+            </mc:Fallback>
+          </mc:AlternateContent>
+          <mc:AlternateContent xmlns:mc="http://schemas.openxmlformats.org/markup-compatibility/2006" xmlns:a14="http://schemas.microsoft.com/office/drawing/2010/main">
+            <mc:Choice Requires="a14">
+              <p:sp>
+                <p:nvSpPr>
+                  <p:cNvPr id="55" name="TextBox 54">
+                    <a:extLst>
+                      <a:ext uri="{FF2B5EF4-FFF2-40B4-BE49-F238E27FC236}">
+                        <a16:creationId xmlns:a16="http://schemas.microsoft.com/office/drawing/2014/main" id="{3F708137-18CC-F82F-C271-AB70EB23EB98}"/>
+                      </a:ext>
+                    </a:extLst>
+                  </p:cNvPr>
+                  <p:cNvSpPr txBox="1"/>
+                  <p:nvPr/>
+                </p:nvSpPr>
+                <p:spPr>
+                  <a:xfrm>
+                    <a:off x="7349442" y="4020258"/>
+                    <a:ext cx="519758" cy="261610"/>
+                  </a:xfrm>
+                  <a:prstGeom prst="rect">
+                    <a:avLst/>
+                  </a:prstGeom>
+                  <a:noFill/>
+                </p:spPr>
+                <p:txBody>
+                  <a:bodyPr wrap="none" rtlCol="0">
+                    <a:spAutoFit/>
+                  </a:bodyPr>
+                  <a:lstStyle/>
+                  <a:p>
+                    <a:pPr/>
+                    <a14:m>
+                      <m:oMathPara xmlns:m="http://schemas.openxmlformats.org/officeDocument/2006/math">
+                        <m:oMathParaPr>
+                          <m:jc m:val="centerGroup"/>
+                        </m:oMathParaPr>
+                        <m:oMath xmlns:m="http://schemas.openxmlformats.org/officeDocument/2006/math">
+                          <m:d>
+                            <m:dPr>
+                              <m:ctrlPr>
+                                <a:rPr lang="en-US" sz="1100" b="0" i="1" dirty="0" smtClean="0">
+                                  <a:solidFill>
+                                    <a:srgbClr val="C00000"/>
+                                  </a:solidFill>
+                                  <a:latin typeface="Cambria Math" panose="02040503050406030204" pitchFamily="18" charset="0"/>
+                                </a:rPr>
+                              </m:ctrlPr>
+                            </m:dPr>
+                            <m:e>
+                              <m:r>
+                                <a:rPr lang="en-US" sz="1100" b="0" i="1" dirty="0" smtClean="0">
+                                  <a:solidFill>
+                                    <a:srgbClr val="C00000"/>
+                                  </a:solidFill>
+                                  <a:latin typeface="Cambria Math" panose="02040503050406030204" pitchFamily="18" charset="0"/>
+                                </a:rPr>
+                                <m:t>1,1</m:t>
+                              </m:r>
+                            </m:e>
+                          </m:d>
+                        </m:oMath>
+                      </m:oMathPara>
+                    </a14:m>
+                    <a:endParaRPr lang="en-US" sz="1100" dirty="0">
+                      <a:solidFill>
+                        <a:srgbClr val="C00000"/>
+                      </a:solidFill>
+                    </a:endParaRPr>
+                  </a:p>
+                </p:txBody>
+              </p:sp>
+            </mc:Choice>
+            <mc:Fallback xmlns="">
+              <p:sp>
+                <p:nvSpPr>
+                  <p:cNvPr id="55" name="TextBox 54">
+                    <a:extLst>
+                      <a:ext uri="{FF2B5EF4-FFF2-40B4-BE49-F238E27FC236}">
+                        <a16:creationId xmlns:a16="http://schemas.microsoft.com/office/drawing/2014/main" id="{3F708137-18CC-F82F-C271-AB70EB23EB98}"/>
+                      </a:ext>
+                    </a:extLst>
+                  </p:cNvPr>
+                  <p:cNvSpPr txBox="1">
+                    <a:spLocks noRot="1" noChangeAspect="1" noMove="1" noResize="1" noEditPoints="1" noAdjustHandles="1" noChangeArrowheads="1" noChangeShapeType="1" noTextEdit="1"/>
+                  </p:cNvSpPr>
+                  <p:nvPr/>
+                </p:nvSpPr>
+                <p:spPr>
+                  <a:xfrm>
+                    <a:off x="7349442" y="4020258"/>
+                    <a:ext cx="519758" cy="261610"/>
+                  </a:xfrm>
+                  <a:prstGeom prst="rect">
+                    <a:avLst/>
+                  </a:prstGeom>
+                  <a:blipFill>
+                    <a:blip r:embed="rId15"/>
+                    <a:stretch>
+                      <a:fillRect/>
+                    </a:stretch>
+                  </a:blipFill>
+                </p:spPr>
+                <p:txBody>
+                  <a:bodyPr/>
+                  <a:lstStyle/>
+                  <a:p>
+                    <a:r>
+                      <a:rPr lang="en-US">
+                        <a:noFill/>
+                      </a:rPr>
+                      <a:t> </a:t>
+                    </a:r>
+                  </a:p>
+                </p:txBody>
+              </p:sp>
+            </mc:Fallback>
+          </mc:AlternateContent>
+          <p:grpSp>
+            <p:nvGrpSpPr>
+              <p:cNvPr id="28" name="Group 27">
+                <a:extLst>
+                  <a:ext uri="{FF2B5EF4-FFF2-40B4-BE49-F238E27FC236}">
+                    <a16:creationId xmlns:a16="http://schemas.microsoft.com/office/drawing/2014/main" id="{234F00C7-CA70-72AB-C1F8-BBB24C085C5C}"/>
+                  </a:ext>
+                </a:extLst>
+              </p:cNvPr>
+              <p:cNvGrpSpPr/>
+              <p:nvPr/>
+            </p:nvGrpSpPr>
+            <p:grpSpPr>
+              <a:xfrm>
+                <a:off x="6510247" y="4396862"/>
+                <a:ext cx="1016208" cy="482753"/>
+                <a:chOff x="6510247" y="4396862"/>
+                <a:chExt cx="1016208" cy="482753"/>
+              </a:xfrm>
+            </p:grpSpPr>
+            <p:grpSp>
+              <p:nvGrpSpPr>
+                <p:cNvPr id="77" name="Group 76">
+                  <a:extLst>
+                    <a:ext uri="{FF2B5EF4-FFF2-40B4-BE49-F238E27FC236}">
+                      <a16:creationId xmlns:a16="http://schemas.microsoft.com/office/drawing/2014/main" id="{1C477DAE-B3CA-AFCE-34E6-A5FA6E4781FF}"/>
+                    </a:ext>
+                  </a:extLst>
+                </p:cNvPr>
+                <p:cNvGrpSpPr/>
+                <p:nvPr/>
+              </p:nvGrpSpPr>
+              <p:grpSpPr>
+                <a:xfrm rot="2700000">
+                  <a:off x="6788109" y="4436229"/>
+                  <a:ext cx="165524" cy="721248"/>
+                  <a:chOff x="6964892" y="4376744"/>
+                  <a:chExt cx="165524" cy="721248"/>
+                </a:xfrm>
+              </p:grpSpPr>
+              <p:cxnSp>
+                <p:nvCxnSpPr>
+                  <p:cNvPr id="47" name="Straight Arrow Connector 46">
+                    <a:extLst>
+                      <a:ext uri="{FF2B5EF4-FFF2-40B4-BE49-F238E27FC236}">
+                        <a16:creationId xmlns:a16="http://schemas.microsoft.com/office/drawing/2014/main" id="{FCC9BE40-98E3-CF3A-53D7-E0D03B9130E3}"/>
+                      </a:ext>
+                    </a:extLst>
+                  </p:cNvPr>
+                  <p:cNvCxnSpPr/>
+                  <p:nvPr/>
+                </p:nvCxnSpPr>
+                <p:spPr>
+                  <a:xfrm>
+                    <a:off x="7018036" y="4498552"/>
+                    <a:ext cx="0" cy="599440"/>
+                  </a:xfrm>
+                  <a:prstGeom prst="straightConnector1">
+                    <a:avLst/>
+                  </a:prstGeom>
+                  <a:ln w="19050">
+                    <a:solidFill>
+                      <a:srgbClr val="C00000"/>
+                    </a:solidFill>
+                    <a:tailEnd type="triangle"/>
+                  </a:ln>
+                </p:spPr>
+                <p:style>
+                  <a:lnRef idx="1">
+                    <a:schemeClr val="accent1"/>
+                  </a:lnRef>
+                  <a:fillRef idx="0">
+                    <a:schemeClr val="accent1"/>
+                  </a:fillRef>
+                  <a:effectRef idx="0">
+                    <a:schemeClr val="accent1"/>
+                  </a:effectRef>
+                  <a:fontRef idx="minor">
+                    <a:schemeClr val="tx1"/>
+                  </a:fontRef>
+                </p:style>
+              </p:cxnSp>
+              <p:sp>
+                <p:nvSpPr>
+                  <p:cNvPr id="48" name="L-Shape 47">
+                    <a:extLst>
+                      <a:ext uri="{FF2B5EF4-FFF2-40B4-BE49-F238E27FC236}">
+                        <a16:creationId xmlns:a16="http://schemas.microsoft.com/office/drawing/2014/main" id="{DD028092-1820-155D-BB12-671A7150F8B9}"/>
+                      </a:ext>
+                    </a:extLst>
+                  </p:cNvPr>
+                  <p:cNvSpPr/>
+                  <p:nvPr/>
+                </p:nvSpPr>
+                <p:spPr>
+                  <a:xfrm>
+                    <a:off x="6965494" y="4507658"/>
+                    <a:ext cx="45719" cy="47262"/>
+                  </a:xfrm>
+                  <a:prstGeom prst="corner">
+                    <a:avLst>
+                      <a:gd name="adj1" fmla="val 0"/>
+                      <a:gd name="adj2" fmla="val 0"/>
+                    </a:avLst>
+                  </a:prstGeom>
+                  <a:solidFill>
+                    <a:srgbClr val="C00000"/>
+                  </a:solidFill>
+                  <a:ln w="9525">
+                    <a:solidFill>
+                      <a:srgbClr val="C00000"/>
+                    </a:solidFill>
+                  </a:ln>
+                </p:spPr>
+                <p:style>
+                  <a:lnRef idx="2">
+                    <a:schemeClr val="accent1">
+                      <a:shade val="50000"/>
+                    </a:schemeClr>
+                  </a:lnRef>
+                  <a:fillRef idx="1">
+                    <a:schemeClr val="accent1"/>
+                  </a:fillRef>
+                  <a:effectRef idx="0">
+                    <a:schemeClr val="accent1"/>
+                  </a:effectRef>
+                  <a:fontRef idx="minor">
+                    <a:schemeClr val="lt1"/>
+                  </a:fontRef>
+                </p:style>
+                <p:txBody>
+                  <a:bodyPr rtlCol="0" anchor="ctr"/>
+                  <a:lstStyle/>
+                  <a:p>
+                    <a:pPr algn="ctr"/>
+                    <a:endParaRPr lang="en-US" dirty="0"/>
+                  </a:p>
+                </p:txBody>
+              </p:sp>
+              <p:sp>
+                <p:nvSpPr>
+                  <p:cNvPr id="72" name="Arc 71">
+                    <a:extLst>
+                      <a:ext uri="{FF2B5EF4-FFF2-40B4-BE49-F238E27FC236}">
+                        <a16:creationId xmlns:a16="http://schemas.microsoft.com/office/drawing/2014/main" id="{F11C81FC-FB77-BE28-DF22-D9130D5BAEC1}"/>
+                      </a:ext>
+                    </a:extLst>
+                  </p:cNvPr>
+                  <p:cNvSpPr/>
+                  <p:nvPr/>
+                </p:nvSpPr>
+                <p:spPr>
+                  <a:xfrm rot="1800000">
+                    <a:off x="6964892" y="4376744"/>
+                    <a:ext cx="165524" cy="219943"/>
+                  </a:xfrm>
+                  <a:prstGeom prst="arc">
+                    <a:avLst>
+                      <a:gd name="adj1" fmla="val 15156909"/>
+                      <a:gd name="adj2" fmla="val 1087397"/>
+                    </a:avLst>
+                  </a:prstGeom>
+                  <a:ln w="9525">
+                    <a:solidFill>
+                      <a:srgbClr val="C00000"/>
+                    </a:solidFill>
+                  </a:ln>
+                </p:spPr>
+                <p:style>
+                  <a:lnRef idx="1">
+                    <a:schemeClr val="accent1"/>
+                  </a:lnRef>
+                  <a:fillRef idx="0">
+                    <a:schemeClr val="accent1"/>
+                  </a:fillRef>
+                  <a:effectRef idx="0">
+                    <a:schemeClr val="accent1"/>
+                  </a:effectRef>
+                  <a:fontRef idx="minor">
+                    <a:schemeClr val="tx1"/>
+                  </a:fontRef>
+                </p:style>
+                <p:txBody>
+                  <a:bodyPr rtlCol="0" anchor="ctr"/>
+                  <a:lstStyle/>
+                  <a:p>
+                    <a:pPr algn="ctr"/>
+                    <a:endParaRPr lang="en-US"/>
+                  </a:p>
+                </p:txBody>
+              </p:sp>
+            </p:grpSp>
+            <p:grpSp>
+              <p:nvGrpSpPr>
+                <p:cNvPr id="76" name="Group 75">
+                  <a:extLst>
+                    <a:ext uri="{FF2B5EF4-FFF2-40B4-BE49-F238E27FC236}">
+                      <a16:creationId xmlns:a16="http://schemas.microsoft.com/office/drawing/2014/main" id="{10B6D584-61A9-8D7B-F130-51704EA4AE5E}"/>
+                    </a:ext>
+                  </a:extLst>
+                </p:cNvPr>
+                <p:cNvGrpSpPr/>
+                <p:nvPr/>
+              </p:nvGrpSpPr>
+              <p:grpSpPr>
+                <a:xfrm>
+                  <a:off x="6927015" y="4396862"/>
+                  <a:ext cx="599440" cy="197753"/>
+                  <a:chOff x="6929583" y="3192890"/>
+                  <a:chExt cx="599440" cy="197753"/>
+                </a:xfrm>
+              </p:grpSpPr>
+              <p:cxnSp>
+                <p:nvCxnSpPr>
+                  <p:cNvPr id="34" name="Straight Arrow Connector 33">
+                    <a:extLst>
+                      <a:ext uri="{FF2B5EF4-FFF2-40B4-BE49-F238E27FC236}">
+                        <a16:creationId xmlns:a16="http://schemas.microsoft.com/office/drawing/2014/main" id="{410D1CC4-8238-1E02-0991-524FAF02BBE6}"/>
+                      </a:ext>
+                    </a:extLst>
+                  </p:cNvPr>
+                  <p:cNvCxnSpPr>
+                    <a:cxnSpLocks/>
+                  </p:cNvCxnSpPr>
+                  <p:nvPr/>
+                </p:nvCxnSpPr>
+                <p:spPr>
+                  <a:xfrm rot="13500000">
+                    <a:off x="7229303" y="2893170"/>
+                    <a:ext cx="0" cy="599440"/>
+                  </a:xfrm>
+                  <a:prstGeom prst="straightConnector1">
+                    <a:avLst/>
+                  </a:prstGeom>
+                  <a:ln w="19050">
+                    <a:solidFill>
+                      <a:srgbClr val="C00000"/>
+                    </a:solidFill>
+                    <a:tailEnd type="triangle"/>
+                  </a:ln>
+                </p:spPr>
+                <p:style>
+                  <a:lnRef idx="1">
+                    <a:schemeClr val="accent1"/>
+                  </a:lnRef>
+                  <a:fillRef idx="0">
+                    <a:schemeClr val="accent1"/>
+                  </a:fillRef>
+                  <a:effectRef idx="0">
+                    <a:schemeClr val="accent1"/>
+                  </a:effectRef>
+                  <a:fontRef idx="minor">
+                    <a:schemeClr val="tx1"/>
+                  </a:fontRef>
+                </p:style>
+              </p:cxnSp>
+              <p:sp>
+                <p:nvSpPr>
+                  <p:cNvPr id="35" name="L-Shape 34">
+                    <a:extLst>
+                      <a:ext uri="{FF2B5EF4-FFF2-40B4-BE49-F238E27FC236}">
+                        <a16:creationId xmlns:a16="http://schemas.microsoft.com/office/drawing/2014/main" id="{17E7934E-4005-D50D-9F05-E416D59AF6E6}"/>
+                      </a:ext>
+                    </a:extLst>
+                  </p:cNvPr>
+                  <p:cNvSpPr/>
+                  <p:nvPr/>
+                </p:nvSpPr>
+                <p:spPr>
+                  <a:xfrm rot="8100000">
+                    <a:off x="6994943" y="3343381"/>
+                    <a:ext cx="45719" cy="47262"/>
+                  </a:xfrm>
+                  <a:prstGeom prst="corner">
+                    <a:avLst>
+                      <a:gd name="adj1" fmla="val 0"/>
+                      <a:gd name="adj2" fmla="val 0"/>
+                    </a:avLst>
+                  </a:prstGeom>
+                  <a:solidFill>
+                    <a:srgbClr val="C00000"/>
+                  </a:solidFill>
+                  <a:ln w="9525">
+                    <a:solidFill>
+                      <a:srgbClr val="C00000"/>
+                    </a:solidFill>
+                  </a:ln>
+                </p:spPr>
+                <p:style>
+                  <a:lnRef idx="2">
+                    <a:schemeClr val="accent1">
+                      <a:shade val="50000"/>
+                    </a:schemeClr>
+                  </a:lnRef>
+                  <a:fillRef idx="1">
+                    <a:schemeClr val="accent1"/>
+                  </a:fillRef>
+                  <a:effectRef idx="0">
+                    <a:schemeClr val="accent1"/>
+                  </a:effectRef>
+                  <a:fontRef idx="minor">
+                    <a:schemeClr val="lt1"/>
+                  </a:fontRef>
+                </p:style>
+                <p:txBody>
+                  <a:bodyPr rtlCol="0" anchor="ctr"/>
+                  <a:lstStyle/>
+                  <a:p>
+                    <a:pPr algn="ctr"/>
+                    <a:endParaRPr lang="en-US" dirty="0"/>
+                  </a:p>
+                </p:txBody>
+              </p:sp>
+            </p:grpSp>
+          </p:grpSp>
+        </p:grpSp>
+      </p:grpSp>
+    </p:spTree>
+    <p:extLst>
+      <p:ext uri="{BB962C8B-B14F-4D97-AF65-F5344CB8AC3E}">
+        <p14:creationId xmlns:p14="http://schemas.microsoft.com/office/powerpoint/2010/main" val="1203335550"/>
+      </p:ext>
+    </p:extLst>
+  </p:cSld>
+  <p:clrMapOvr>
+    <a:masterClrMapping/>
+  </p:clrMapOvr>
+</p:sld>
+</file>
+
+<file path=ppt/slides/slide6.xml><?xml version="1.0" encoding="utf-8"?>
+<p:sld xmlns:a="http://schemas.openxmlformats.org/drawingml/2006/main" xmlns:r="http://schemas.openxmlformats.org/officeDocument/2006/relationships" xmlns:p="http://schemas.openxmlformats.org/presentationml/2006/main">
+  <p:cSld>
+    <p:spTree>
+      <p:nvGrpSpPr>
+        <p:cNvPr id="1" name=""/>
+        <p:cNvGrpSpPr/>
+        <p:nvPr/>
+      </p:nvGrpSpPr>
+      <p:grpSpPr>
+        <a:xfrm>
+          <a:off x="0" y="0"/>
+          <a:ext cx="0" cy="0"/>
+          <a:chOff x="0" y="0"/>
+          <a:chExt cx="0" cy="0"/>
+        </a:xfrm>
+      </p:grpSpPr>
+      <p:grpSp>
+        <p:nvGrpSpPr>
+          <p:cNvPr id="211" name="Group 210">
+            <a:extLst>
+              <a:ext uri="{FF2B5EF4-FFF2-40B4-BE49-F238E27FC236}">
+                <a16:creationId xmlns:a16="http://schemas.microsoft.com/office/drawing/2014/main" id="{CC7841CE-2E0E-0D07-1789-1E9D0C04606C}"/>
+              </a:ext>
+            </a:extLst>
+          </p:cNvPr>
+          <p:cNvGrpSpPr/>
+          <p:nvPr/>
+        </p:nvGrpSpPr>
+        <p:grpSpPr>
+          <a:xfrm>
+            <a:off x="-2711497" y="155515"/>
+            <a:ext cx="17614994" cy="6546969"/>
+            <a:chOff x="-8633118" y="107830"/>
+            <a:chExt cx="17614994" cy="6546969"/>
           </a:xfrm>
         </p:grpSpPr>
         <p:sp>
@@ -20156,8 +23564,8 @@
           </p:nvSpPr>
           <p:spPr>
             <a:xfrm>
-              <a:off x="141546" y="131732"/>
-              <a:ext cx="11835415" cy="6523067"/>
+              <a:off x="-8633118" y="131732"/>
+              <a:ext cx="17614994" cy="6523067"/>
             </a:xfrm>
             <a:prstGeom prst="rect">
               <a:avLst/>
@@ -20208,7 +23616,7 @@
           </p:nvGrpSpPr>
           <p:grpSpPr>
             <a:xfrm>
-              <a:off x="314524" y="107830"/>
+              <a:off x="-8460140" y="107830"/>
               <a:ext cx="5771752" cy="6087533"/>
               <a:chOff x="3210124" y="385233"/>
               <a:chExt cx="5771752" cy="6087533"/>
@@ -25117,7 +28525,7 @@
           </p:nvGrpSpPr>
           <p:grpSpPr>
             <a:xfrm>
-              <a:off x="6205210" y="456044"/>
+              <a:off x="-2569454" y="456044"/>
               <a:ext cx="5771752" cy="6119319"/>
               <a:chOff x="3210124" y="456044"/>
               <a:chExt cx="5771752" cy="6119319"/>
@@ -27159,9 +30567,9 @@
               <p:grpSpPr>
                 <a:xfrm>
                   <a:off x="4218454" y="4835638"/>
-                  <a:ext cx="649978" cy="651639"/>
+                  <a:ext cx="664527" cy="651639"/>
                   <a:chOff x="4218454" y="4450405"/>
-                  <a:chExt cx="649978" cy="651639"/>
+                  <a:chExt cx="664527" cy="651639"/>
                 </a:xfrm>
               </p:grpSpPr>
               <p:cxnSp>
@@ -27378,11 +30786,14 @@
                 </p:nvSpPr>
                 <p:spPr>
                   <a:xfrm rot="11404748">
-                    <a:off x="4731196" y="4473969"/>
+                    <a:off x="4746436" y="4458729"/>
                     <a:ext cx="136545" cy="146893"/>
                   </a:xfrm>
                   <a:prstGeom prst="arc">
-                    <a:avLst/>
+                    <a:avLst>
+                      <a:gd name="adj1" fmla="val 16723904"/>
+                      <a:gd name="adj2" fmla="val 0"/>
+                    </a:avLst>
                   </a:prstGeom>
                   <a:ln w="9525">
                     <a:solidFill>
@@ -29206,6 +32617,3383 @@
             </p:grpSp>
           </p:grpSp>
         </p:grpSp>
+        <p:grpSp>
+          <p:nvGrpSpPr>
+            <p:cNvPr id="2" name="Group 1">
+              <a:extLst>
+                <a:ext uri="{FF2B5EF4-FFF2-40B4-BE49-F238E27FC236}">
+                  <a16:creationId xmlns:a16="http://schemas.microsoft.com/office/drawing/2014/main" id="{5221D28E-7E52-D35A-6E01-6278ADFE0D65}"/>
+                </a:ext>
+              </a:extLst>
+            </p:cNvPr>
+            <p:cNvGrpSpPr/>
+            <p:nvPr/>
+          </p:nvGrpSpPr>
+          <p:grpSpPr>
+            <a:xfrm>
+              <a:off x="3210124" y="456044"/>
+              <a:ext cx="5771752" cy="6119319"/>
+              <a:chOff x="3210124" y="456044"/>
+              <a:chExt cx="5771752" cy="6119319"/>
+            </a:xfrm>
+          </p:grpSpPr>
+          <p:grpSp>
+            <p:nvGrpSpPr>
+              <p:cNvPr id="3" name="Group 2">
+                <a:extLst>
+                  <a:ext uri="{FF2B5EF4-FFF2-40B4-BE49-F238E27FC236}">
+                    <a16:creationId xmlns:a16="http://schemas.microsoft.com/office/drawing/2014/main" id="{681AF89F-E614-2997-BF04-13D2BD68F4FD}"/>
+                  </a:ext>
+                </a:extLst>
+              </p:cNvPr>
+              <p:cNvGrpSpPr/>
+              <p:nvPr/>
+            </p:nvGrpSpPr>
+            <p:grpSpPr>
+              <a:xfrm>
+                <a:off x="3210124" y="456044"/>
+                <a:ext cx="5771752" cy="6119319"/>
+                <a:chOff x="2390082" y="-21496"/>
+                <a:chExt cx="5771752" cy="6119319"/>
+              </a:xfrm>
+            </p:grpSpPr>
+            <p:grpSp>
+              <p:nvGrpSpPr>
+                <p:cNvPr id="113" name="Group 112">
+                  <a:extLst>
+                    <a:ext uri="{FF2B5EF4-FFF2-40B4-BE49-F238E27FC236}">
+                      <a16:creationId xmlns:a16="http://schemas.microsoft.com/office/drawing/2014/main" id="{56A81EE0-D54E-8736-716A-8DD411B3D3E1}"/>
+                    </a:ext>
+                  </a:extLst>
+                </p:cNvPr>
+                <p:cNvGrpSpPr/>
+                <p:nvPr/>
+              </p:nvGrpSpPr>
+              <p:grpSpPr>
+                <a:xfrm>
+                  <a:off x="2602017" y="10290"/>
+                  <a:ext cx="5175504" cy="6087533"/>
+                  <a:chOff x="2602017" y="10290"/>
+                  <a:chExt cx="5175504" cy="6087533"/>
+                </a:xfrm>
+              </p:grpSpPr>
+              <p:sp>
+                <p:nvSpPr>
+                  <p:cNvPr id="202" name="Rectangle 201">
+                    <a:extLst>
+                      <a:ext uri="{FF2B5EF4-FFF2-40B4-BE49-F238E27FC236}">
+                        <a16:creationId xmlns:a16="http://schemas.microsoft.com/office/drawing/2014/main" id="{16D0698C-01F7-156C-F53E-703F94BB8EEF}"/>
+                      </a:ext>
+                    </a:extLst>
+                  </p:cNvPr>
+                  <p:cNvSpPr/>
+                  <p:nvPr/>
+                </p:nvSpPr>
+                <p:spPr>
+                  <a:xfrm rot="18900000">
+                    <a:off x="5062850" y="1466743"/>
+                    <a:ext cx="82422" cy="3120029"/>
+                  </a:xfrm>
+                  <a:prstGeom prst="rect">
+                    <a:avLst/>
+                  </a:prstGeom>
+                  <a:solidFill>
+                    <a:schemeClr val="accent5">
+                      <a:lumMod val="40000"/>
+                      <a:lumOff val="60000"/>
+                      <a:alpha val="50000"/>
+                    </a:schemeClr>
+                  </a:solidFill>
+                  <a:ln>
+                    <a:noFill/>
+                  </a:ln>
+                </p:spPr>
+                <p:style>
+                  <a:lnRef idx="2">
+                    <a:schemeClr val="accent1">
+                      <a:shade val="50000"/>
+                    </a:schemeClr>
+                  </a:lnRef>
+                  <a:fillRef idx="1">
+                    <a:schemeClr val="accent1"/>
+                  </a:fillRef>
+                  <a:effectRef idx="0">
+                    <a:schemeClr val="accent1"/>
+                  </a:effectRef>
+                  <a:fontRef idx="minor">
+                    <a:schemeClr val="lt1"/>
+                  </a:fontRef>
+                </p:style>
+                <p:txBody>
+                  <a:bodyPr rtlCol="0" anchor="ctr"/>
+                  <a:lstStyle/>
+                  <a:p>
+                    <a:pPr algn="ctr"/>
+                    <a:endParaRPr lang="en-US" dirty="0"/>
+                  </a:p>
+                </p:txBody>
+              </p:sp>
+              <p:grpSp>
+                <p:nvGrpSpPr>
+                  <p:cNvPr id="203" name="Group 202">
+                    <a:extLst>
+                      <a:ext uri="{FF2B5EF4-FFF2-40B4-BE49-F238E27FC236}">
+                        <a16:creationId xmlns:a16="http://schemas.microsoft.com/office/drawing/2014/main" id="{6DBCB70F-5141-1FBB-8C99-B235EBF18F97}"/>
+                      </a:ext>
+                    </a:extLst>
+                  </p:cNvPr>
+                  <p:cNvGrpSpPr/>
+                  <p:nvPr/>
+                </p:nvGrpSpPr>
+                <p:grpSpPr>
+                  <a:xfrm>
+                    <a:off x="2602017" y="10290"/>
+                    <a:ext cx="5175504" cy="6087533"/>
+                    <a:chOff x="2602017" y="10290"/>
+                    <a:chExt cx="5175504" cy="6087533"/>
+                  </a:xfrm>
+                </p:grpSpPr>
+                <p:grpSp>
+                  <p:nvGrpSpPr>
+                    <p:cNvPr id="204" name="Group 203">
+                      <a:extLst>
+                        <a:ext uri="{FF2B5EF4-FFF2-40B4-BE49-F238E27FC236}">
+                          <a16:creationId xmlns:a16="http://schemas.microsoft.com/office/drawing/2014/main" id="{26A01F83-7D8F-5E0C-B405-49004E21921E}"/>
+                        </a:ext>
+                      </a:extLst>
+                    </p:cNvPr>
+                    <p:cNvGrpSpPr/>
+                    <p:nvPr/>
+                  </p:nvGrpSpPr>
+                  <p:grpSpPr>
+                    <a:xfrm>
+                      <a:off x="2602017" y="10290"/>
+                      <a:ext cx="5175504" cy="6087533"/>
+                      <a:chOff x="2602017" y="10290"/>
+                      <a:chExt cx="5175504" cy="6087533"/>
+                    </a:xfrm>
+                  </p:grpSpPr>
+                  <p:cxnSp>
+                    <p:nvCxnSpPr>
+                      <p:cNvPr id="208" name="Straight Connector 207">
+                        <a:extLst>
+                          <a:ext uri="{FF2B5EF4-FFF2-40B4-BE49-F238E27FC236}">
+                            <a16:creationId xmlns:a16="http://schemas.microsoft.com/office/drawing/2014/main" id="{110AB156-F39B-40D2-E516-8D0CD2CEEBD2}"/>
+                          </a:ext>
+                        </a:extLst>
+                      </p:cNvPr>
+                      <p:cNvCxnSpPr>
+                        <a:cxnSpLocks/>
+                      </p:cNvCxnSpPr>
+                      <p:nvPr/>
+                    </p:nvCxnSpPr>
+                    <p:spPr>
+                      <a:xfrm rot="2700000">
+                        <a:off x="2083955" y="3054057"/>
+                        <a:ext cx="6087533" cy="0"/>
+                      </a:xfrm>
+                      <a:prstGeom prst="line">
+                        <a:avLst/>
+                      </a:prstGeom>
+                      <a:ln w="12700">
+                        <a:solidFill>
+                          <a:schemeClr val="accent5">
+                            <a:lumMod val="75000"/>
+                          </a:schemeClr>
+                        </a:solidFill>
+                      </a:ln>
+                    </p:spPr>
+                    <p:style>
+                      <a:lnRef idx="1">
+                        <a:schemeClr val="accent1"/>
+                      </a:lnRef>
+                      <a:fillRef idx="0">
+                        <a:schemeClr val="accent1"/>
+                      </a:fillRef>
+                      <a:effectRef idx="0">
+                        <a:schemeClr val="accent1"/>
+                      </a:effectRef>
+                      <a:fontRef idx="minor">
+                        <a:schemeClr val="tx1"/>
+                      </a:fontRef>
+                    </p:style>
+                  </p:cxnSp>
+                  <p:cxnSp>
+                    <p:nvCxnSpPr>
+                      <p:cNvPr id="209" name="Straight Connector 208">
+                        <a:extLst>
+                          <a:ext uri="{FF2B5EF4-FFF2-40B4-BE49-F238E27FC236}">
+                            <a16:creationId xmlns:a16="http://schemas.microsoft.com/office/drawing/2014/main" id="{233F654D-DD36-471B-E072-36395AB9BEA3}"/>
+                          </a:ext>
+                        </a:extLst>
+                      </p:cNvPr>
+                      <p:cNvCxnSpPr>
+                        <a:cxnSpLocks/>
+                      </p:cNvCxnSpPr>
+                      <p:nvPr/>
+                    </p:nvCxnSpPr>
+                    <p:spPr>
+                      <a:xfrm>
+                        <a:off x="2602017" y="1925159"/>
+                        <a:ext cx="5175504" cy="0"/>
+                      </a:xfrm>
+                      <a:prstGeom prst="line">
+                        <a:avLst/>
+                      </a:prstGeom>
+                      <a:ln w="12700">
+                        <a:solidFill>
+                          <a:schemeClr val="accent5">
+                            <a:lumMod val="75000"/>
+                          </a:schemeClr>
+                        </a:solidFill>
+                      </a:ln>
+                    </p:spPr>
+                    <p:style>
+                      <a:lnRef idx="1">
+                        <a:schemeClr val="accent1"/>
+                      </a:lnRef>
+                      <a:fillRef idx="0">
+                        <a:schemeClr val="accent1"/>
+                      </a:fillRef>
+                      <a:effectRef idx="0">
+                        <a:schemeClr val="accent1"/>
+                      </a:effectRef>
+                      <a:fontRef idx="minor">
+                        <a:schemeClr val="tx1"/>
+                      </a:fontRef>
+                    </p:style>
+                  </p:cxnSp>
+                  <p:cxnSp>
+                    <p:nvCxnSpPr>
+                      <p:cNvPr id="210" name="Straight Connector 209">
+                        <a:extLst>
+                          <a:ext uri="{FF2B5EF4-FFF2-40B4-BE49-F238E27FC236}">
+                            <a16:creationId xmlns:a16="http://schemas.microsoft.com/office/drawing/2014/main" id="{A00A0B7F-0C3C-7BD2-5CF0-89B3AEE0E26A}"/>
+                          </a:ext>
+                        </a:extLst>
+                      </p:cNvPr>
+                      <p:cNvCxnSpPr>
+                        <a:cxnSpLocks/>
+                      </p:cNvCxnSpPr>
+                      <p:nvPr/>
+                    </p:nvCxnSpPr>
+                    <p:spPr>
+                      <a:xfrm rot="5400000">
+                        <a:off x="3610337" y="3078224"/>
+                        <a:ext cx="5175504" cy="0"/>
+                      </a:xfrm>
+                      <a:prstGeom prst="line">
+                        <a:avLst/>
+                      </a:prstGeom>
+                      <a:ln w="12700">
+                        <a:solidFill>
+                          <a:schemeClr val="accent5">
+                            <a:lumMod val="75000"/>
+                          </a:schemeClr>
+                        </a:solidFill>
+                      </a:ln>
+                    </p:spPr>
+                    <p:style>
+                      <a:lnRef idx="1">
+                        <a:schemeClr val="accent1"/>
+                      </a:lnRef>
+                      <a:fillRef idx="0">
+                        <a:schemeClr val="accent1"/>
+                      </a:fillRef>
+                      <a:effectRef idx="0">
+                        <a:schemeClr val="accent1"/>
+                      </a:effectRef>
+                      <a:fontRef idx="minor">
+                        <a:schemeClr val="tx1"/>
+                      </a:fontRef>
+                    </p:style>
+                  </p:cxnSp>
+                </p:grpSp>
+                <mc:AlternateContent xmlns:mc="http://schemas.openxmlformats.org/markup-compatibility/2006">
+                  <mc:Choice xmlns:a14="http://schemas.microsoft.com/office/drawing/2010/main" Requires="a14">
+                    <p:sp>
+                      <p:nvSpPr>
+                        <p:cNvPr id="205" name="TextBox 204">
+                          <a:extLst>
+                            <a:ext uri="{FF2B5EF4-FFF2-40B4-BE49-F238E27FC236}">
+                              <a16:creationId xmlns:a16="http://schemas.microsoft.com/office/drawing/2014/main" id="{5E7FEBCF-84AF-396D-BD4C-1F696D2C7748}"/>
+                            </a:ext>
+                          </a:extLst>
+                        </p:cNvPr>
+                        <p:cNvSpPr txBox="1"/>
+                        <p:nvPr/>
+                      </p:nvSpPr>
+                      <p:spPr>
+                        <a:xfrm>
+                          <a:off x="5098795" y="2654256"/>
+                          <a:ext cx="938590" cy="215444"/>
+                        </a:xfrm>
+                        <a:prstGeom prst="rect">
+                          <a:avLst/>
+                        </a:prstGeom>
+                        <a:noFill/>
+                      </p:spPr>
+                      <p:txBody>
+                        <a:bodyPr wrap="none" lIns="0" tIns="0" rIns="0" bIns="0" rtlCol="0">
+                          <a:spAutoFit/>
+                        </a:bodyPr>
+                        <a:lstStyle/>
+                        <a:p>
+                          <a:pPr/>
+                          <a14:m>
+                            <m:oMathPara xmlns:m="http://schemas.openxmlformats.org/officeDocument/2006/math">
+                              <m:oMathParaPr>
+                                <m:jc m:val="centerGroup"/>
+                              </m:oMathParaPr>
+                              <m:oMath xmlns:m="http://schemas.openxmlformats.org/officeDocument/2006/math">
+                                <m:sSub>
+                                  <m:sSubPr>
+                                    <m:ctrlPr>
+                                      <a:rPr lang="en-US" sz="1400" b="0" i="1" smtClean="0">
+                                        <a:solidFill>
+                                          <a:schemeClr val="accent5">
+                                            <a:lumMod val="75000"/>
+                                          </a:schemeClr>
+                                        </a:solidFill>
+                                        <a:latin typeface="Cambria Math" panose="02040503050406030204" pitchFamily="18" charset="0"/>
+                                      </a:rPr>
+                                    </m:ctrlPr>
+                                  </m:sSubPr>
+                                  <m:e>
+                                    <m:r>
+                                      <a:rPr lang="en-US" sz="1400" b="0" i="1" smtClean="0">
+                                        <a:solidFill>
+                                          <a:schemeClr val="accent5">
+                                            <a:lumMod val="75000"/>
+                                          </a:schemeClr>
+                                        </a:solidFill>
+                                        <a:latin typeface="Cambria Math" panose="02040503050406030204" pitchFamily="18" charset="0"/>
+                                      </a:rPr>
+                                      <m:t>𝑥</m:t>
+                                    </m:r>
+                                  </m:e>
+                                  <m:sub>
+                                    <m:r>
+                                      <a:rPr lang="en-US" sz="1400" b="0" i="1" smtClean="0">
+                                        <a:solidFill>
+                                          <a:schemeClr val="accent5">
+                                            <a:lumMod val="75000"/>
+                                          </a:schemeClr>
+                                        </a:solidFill>
+                                        <a:latin typeface="Cambria Math" panose="02040503050406030204" pitchFamily="18" charset="0"/>
+                                      </a:rPr>
+                                      <m:t>1</m:t>
+                                    </m:r>
+                                  </m:sub>
+                                </m:sSub>
+                                <m:r>
+                                  <a:rPr lang="en-US" sz="1400" b="0" i="1" smtClean="0">
+                                    <a:solidFill>
+                                      <a:schemeClr val="accent5">
+                                        <a:lumMod val="75000"/>
+                                      </a:schemeClr>
+                                    </a:solidFill>
+                                    <a:latin typeface="Cambria Math" panose="02040503050406030204" pitchFamily="18" charset="0"/>
+                                  </a:rPr>
+                                  <m:t>+</m:t>
+                                </m:r>
+                                <m:sSub>
+                                  <m:sSubPr>
+                                    <m:ctrlPr>
+                                      <a:rPr lang="en-US" sz="1400" b="0" i="1" smtClean="0">
+                                        <a:solidFill>
+                                          <a:schemeClr val="accent5">
+                                            <a:lumMod val="75000"/>
+                                          </a:schemeClr>
+                                        </a:solidFill>
+                                        <a:latin typeface="Cambria Math" panose="02040503050406030204" pitchFamily="18" charset="0"/>
+                                      </a:rPr>
+                                    </m:ctrlPr>
+                                  </m:sSubPr>
+                                  <m:e>
+                                    <m:r>
+                                      <a:rPr lang="en-US" sz="1400" b="0" i="1" smtClean="0">
+                                        <a:solidFill>
+                                          <a:schemeClr val="accent5">
+                                            <a:lumMod val="75000"/>
+                                          </a:schemeClr>
+                                        </a:solidFill>
+                                        <a:latin typeface="Cambria Math" panose="02040503050406030204" pitchFamily="18" charset="0"/>
+                                      </a:rPr>
+                                      <m:t>𝑥</m:t>
+                                    </m:r>
+                                  </m:e>
+                                  <m:sub>
+                                    <m:r>
+                                      <a:rPr lang="en-US" sz="1400" b="0" i="1" smtClean="0">
+                                        <a:solidFill>
+                                          <a:schemeClr val="accent5">
+                                            <a:lumMod val="75000"/>
+                                          </a:schemeClr>
+                                        </a:solidFill>
+                                        <a:latin typeface="Cambria Math" panose="02040503050406030204" pitchFamily="18" charset="0"/>
+                                      </a:rPr>
+                                      <m:t>2</m:t>
+                                    </m:r>
+                                  </m:sub>
+                                </m:sSub>
+                                <m:r>
+                                  <a:rPr lang="en-US" sz="1400" b="0" i="1" smtClean="0">
+                                    <a:solidFill>
+                                      <a:schemeClr val="accent5">
+                                        <a:lumMod val="75000"/>
+                                      </a:schemeClr>
+                                    </a:solidFill>
+                                    <a:latin typeface="Cambria Math" panose="02040503050406030204" pitchFamily="18" charset="0"/>
+                                    <a:ea typeface="Cambria Math" panose="02040503050406030204" pitchFamily="18" charset="0"/>
+                                  </a:rPr>
+                                  <m:t>=</m:t>
+                                </m:r>
+                                <m:r>
+                                  <a:rPr lang="en-US" sz="1400" b="0" i="1" smtClean="0">
+                                    <a:solidFill>
+                                      <a:schemeClr val="accent5">
+                                        <a:lumMod val="75000"/>
+                                      </a:schemeClr>
+                                    </a:solidFill>
+                                    <a:latin typeface="Cambria Math" panose="02040503050406030204" pitchFamily="18" charset="0"/>
+                                    <a:ea typeface="Cambria Math" panose="02040503050406030204" pitchFamily="18" charset="0"/>
+                                  </a:rPr>
+                                  <m:t>1</m:t>
+                                </m:r>
+                              </m:oMath>
+                            </m:oMathPara>
+                          </a14:m>
+                          <a:endParaRPr lang="en-US" sz="1400" dirty="0">
+                            <a:solidFill>
+                              <a:schemeClr val="accent5">
+                                <a:lumMod val="75000"/>
+                              </a:schemeClr>
+                            </a:solidFill>
+                          </a:endParaRPr>
+                        </a:p>
+                      </p:txBody>
+                    </p:sp>
+                  </mc:Choice>
+                  <mc:Fallback>
+                    <p:sp>
+                      <p:nvSpPr>
+                        <p:cNvPr id="205" name="TextBox 204">
+                          <a:extLst>
+                            <a:ext uri="{FF2B5EF4-FFF2-40B4-BE49-F238E27FC236}">
+                              <a16:creationId xmlns:a16="http://schemas.microsoft.com/office/drawing/2014/main" id="{5E7FEBCF-84AF-396D-BD4C-1F696D2C7748}"/>
+                            </a:ext>
+                          </a:extLst>
+                        </p:cNvPr>
+                        <p:cNvSpPr txBox="1">
+                          <a:spLocks noRot="1" noChangeAspect="1" noMove="1" noResize="1" noEditPoints="1" noAdjustHandles="1" noChangeArrowheads="1" noChangeShapeType="1" noTextEdit="1"/>
+                        </p:cNvSpPr>
+                        <p:nvPr/>
+                      </p:nvSpPr>
+                      <p:spPr>
+                        <a:xfrm>
+                          <a:off x="5098795" y="2654256"/>
+                          <a:ext cx="938590" cy="215444"/>
+                        </a:xfrm>
+                        <a:prstGeom prst="rect">
+                          <a:avLst/>
+                        </a:prstGeom>
+                        <a:blipFill>
+                          <a:blip r:embed="rId36"/>
+                          <a:stretch>
+                            <a:fillRect l="-1948" r="-3896" b="-14286"/>
+                          </a:stretch>
+                        </a:blipFill>
+                      </p:spPr>
+                      <p:txBody>
+                        <a:bodyPr/>
+                        <a:lstStyle/>
+                        <a:p>
+                          <a:r>
+                            <a:rPr lang="en-US">
+                              <a:noFill/>
+                            </a:rPr>
+                            <a:t> </a:t>
+                          </a:r>
+                        </a:p>
+                      </p:txBody>
+                    </p:sp>
+                  </mc:Fallback>
+                </mc:AlternateContent>
+                <mc:AlternateContent xmlns:mc="http://schemas.openxmlformats.org/markup-compatibility/2006" xmlns:a14="http://schemas.microsoft.com/office/drawing/2010/main">
+                  <mc:Choice Requires="a14">
+                    <p:sp>
+                      <p:nvSpPr>
+                        <p:cNvPr id="206" name="TextBox 205">
+                          <a:extLst>
+                            <a:ext uri="{FF2B5EF4-FFF2-40B4-BE49-F238E27FC236}">
+                              <a16:creationId xmlns:a16="http://schemas.microsoft.com/office/drawing/2014/main" id="{A685703F-9D3E-0F24-E612-DFAB14699A9B}"/>
+                            </a:ext>
+                          </a:extLst>
+                        </p:cNvPr>
+                        <p:cNvSpPr txBox="1"/>
+                        <p:nvPr/>
+                      </p:nvSpPr>
+                      <p:spPr>
+                        <a:xfrm>
+                          <a:off x="6245896" y="1073857"/>
+                          <a:ext cx="546945" cy="215444"/>
+                        </a:xfrm>
+                        <a:prstGeom prst="rect">
+                          <a:avLst/>
+                        </a:prstGeom>
+                        <a:noFill/>
+                      </p:spPr>
+                      <p:txBody>
+                        <a:bodyPr wrap="none" lIns="0" tIns="0" rIns="0" bIns="0" rtlCol="0">
+                          <a:spAutoFit/>
+                        </a:bodyPr>
+                        <a:lstStyle/>
+                        <a:p>
+                          <a:pPr/>
+                          <a14:m>
+                            <m:oMathPara xmlns:m="http://schemas.openxmlformats.org/officeDocument/2006/math">
+                              <m:oMathParaPr>
+                                <m:jc m:val="centerGroup"/>
+                              </m:oMathParaPr>
+                              <m:oMath xmlns:m="http://schemas.openxmlformats.org/officeDocument/2006/math">
+                                <m:sSub>
+                                  <m:sSubPr>
+                                    <m:ctrlPr>
+                                      <a:rPr lang="en-US" sz="1400" b="0" i="1" smtClean="0">
+                                        <a:solidFill>
+                                          <a:schemeClr val="accent5">
+                                            <a:lumMod val="75000"/>
+                                          </a:schemeClr>
+                                        </a:solidFill>
+                                        <a:latin typeface="Cambria Math" panose="02040503050406030204" pitchFamily="18" charset="0"/>
+                                      </a:rPr>
+                                    </m:ctrlPr>
+                                  </m:sSubPr>
+                                  <m:e>
+                                    <m:r>
+                                      <a:rPr lang="en-US" sz="1400" b="0" i="1" smtClean="0">
+                                        <a:solidFill>
+                                          <a:schemeClr val="accent5">
+                                            <a:lumMod val="75000"/>
+                                          </a:schemeClr>
+                                        </a:solidFill>
+                                        <a:latin typeface="Cambria Math" panose="02040503050406030204" pitchFamily="18" charset="0"/>
+                                      </a:rPr>
+                                      <m:t>𝑥</m:t>
+                                    </m:r>
+                                  </m:e>
+                                  <m:sub>
+                                    <m:r>
+                                      <a:rPr lang="en-US" sz="1400" b="0" i="1" smtClean="0">
+                                        <a:solidFill>
+                                          <a:schemeClr val="accent5">
+                                            <a:lumMod val="75000"/>
+                                          </a:schemeClr>
+                                        </a:solidFill>
+                                        <a:latin typeface="Cambria Math" panose="02040503050406030204" pitchFamily="18" charset="0"/>
+                                      </a:rPr>
+                                      <m:t>1</m:t>
+                                    </m:r>
+                                  </m:sub>
+                                </m:sSub>
+                                <m:r>
+                                  <a:rPr lang="en-US" sz="1400" b="0" i="1" smtClean="0">
+                                    <a:solidFill>
+                                      <a:schemeClr val="accent5">
+                                        <a:lumMod val="75000"/>
+                                      </a:schemeClr>
+                                    </a:solidFill>
+                                    <a:latin typeface="Cambria Math" panose="02040503050406030204" pitchFamily="18" charset="0"/>
+                                    <a:ea typeface="Cambria Math" panose="02040503050406030204" pitchFamily="18" charset="0"/>
+                                  </a:rPr>
+                                  <m:t>≤1</m:t>
+                                </m:r>
+                              </m:oMath>
+                            </m:oMathPara>
+                          </a14:m>
+                          <a:endParaRPr lang="en-US" sz="1400" dirty="0">
+                            <a:solidFill>
+                              <a:schemeClr val="accent5">
+                                <a:lumMod val="75000"/>
+                              </a:schemeClr>
+                            </a:solidFill>
+                          </a:endParaRPr>
+                        </a:p>
+                      </p:txBody>
+                    </p:sp>
+                  </mc:Choice>
+                  <mc:Fallback xmlns="">
+                    <p:sp>
+                      <p:nvSpPr>
+                        <p:cNvPr id="206" name="TextBox 205">
+                          <a:extLst>
+                            <a:ext uri="{FF2B5EF4-FFF2-40B4-BE49-F238E27FC236}">
+                              <a16:creationId xmlns:a16="http://schemas.microsoft.com/office/drawing/2014/main" id="{A685703F-9D3E-0F24-E612-DFAB14699A9B}"/>
+                            </a:ext>
+                          </a:extLst>
+                        </p:cNvPr>
+                        <p:cNvSpPr txBox="1">
+                          <a:spLocks noRot="1" noChangeAspect="1" noMove="1" noResize="1" noEditPoints="1" noAdjustHandles="1" noChangeArrowheads="1" noChangeShapeType="1" noTextEdit="1"/>
+                        </p:cNvSpPr>
+                        <p:nvPr/>
+                      </p:nvSpPr>
+                      <p:spPr>
+                        <a:xfrm>
+                          <a:off x="6245896" y="1073857"/>
+                          <a:ext cx="546945" cy="215444"/>
+                        </a:xfrm>
+                        <a:prstGeom prst="rect">
+                          <a:avLst/>
+                        </a:prstGeom>
+                        <a:blipFill>
+                          <a:blip r:embed="rId37"/>
+                          <a:stretch>
+                            <a:fillRect l="-4494" r="-7865" b="-11111"/>
+                          </a:stretch>
+                        </a:blipFill>
+                      </p:spPr>
+                      <p:txBody>
+                        <a:bodyPr/>
+                        <a:lstStyle/>
+                        <a:p>
+                          <a:r>
+                            <a:rPr lang="en-US">
+                              <a:noFill/>
+                            </a:rPr>
+                            <a:t> </a:t>
+                          </a:r>
+                        </a:p>
+                      </p:txBody>
+                    </p:sp>
+                  </mc:Fallback>
+                </mc:AlternateContent>
+                <mc:AlternateContent xmlns:mc="http://schemas.openxmlformats.org/markup-compatibility/2006" xmlns:a14="http://schemas.microsoft.com/office/drawing/2010/main">
+                  <mc:Choice Requires="a14">
+                    <p:sp>
+                      <p:nvSpPr>
+                        <p:cNvPr id="207" name="TextBox 206">
+                          <a:extLst>
+                            <a:ext uri="{FF2B5EF4-FFF2-40B4-BE49-F238E27FC236}">
+                              <a16:creationId xmlns:a16="http://schemas.microsoft.com/office/drawing/2014/main" id="{0DC4B6D0-8F3B-6167-0AB5-0938BCDFEF27}"/>
+                            </a:ext>
+                          </a:extLst>
+                        </p:cNvPr>
+                        <p:cNvSpPr txBox="1"/>
+                        <p:nvPr/>
+                      </p:nvSpPr>
+                      <p:spPr>
+                        <a:xfrm>
+                          <a:off x="6712249" y="1665930"/>
+                          <a:ext cx="551112" cy="215444"/>
+                        </a:xfrm>
+                        <a:prstGeom prst="rect">
+                          <a:avLst/>
+                        </a:prstGeom>
+                        <a:noFill/>
+                      </p:spPr>
+                      <p:txBody>
+                        <a:bodyPr wrap="none" lIns="0" tIns="0" rIns="0" bIns="0" rtlCol="0">
+                          <a:spAutoFit/>
+                        </a:bodyPr>
+                        <a:lstStyle/>
+                        <a:p>
+                          <a:pPr/>
+                          <a14:m>
+                            <m:oMathPara xmlns:m="http://schemas.openxmlformats.org/officeDocument/2006/math">
+                              <m:oMathParaPr>
+                                <m:jc m:val="centerGroup"/>
+                              </m:oMathParaPr>
+                              <m:oMath xmlns:m="http://schemas.openxmlformats.org/officeDocument/2006/math">
+                                <m:sSub>
+                                  <m:sSubPr>
+                                    <m:ctrlPr>
+                                      <a:rPr lang="en-US" sz="1400" b="0" i="1" smtClean="0">
+                                        <a:solidFill>
+                                          <a:schemeClr val="accent5">
+                                            <a:lumMod val="75000"/>
+                                          </a:schemeClr>
+                                        </a:solidFill>
+                                        <a:latin typeface="Cambria Math" panose="02040503050406030204" pitchFamily="18" charset="0"/>
+                                      </a:rPr>
+                                    </m:ctrlPr>
+                                  </m:sSubPr>
+                                  <m:e>
+                                    <m:r>
+                                      <a:rPr lang="en-US" sz="1400" b="0" i="1" smtClean="0">
+                                        <a:solidFill>
+                                          <a:schemeClr val="accent5">
+                                            <a:lumMod val="75000"/>
+                                          </a:schemeClr>
+                                        </a:solidFill>
+                                        <a:latin typeface="Cambria Math" panose="02040503050406030204" pitchFamily="18" charset="0"/>
+                                      </a:rPr>
+                                      <m:t>𝑥</m:t>
+                                    </m:r>
+                                  </m:e>
+                                  <m:sub>
+                                    <m:r>
+                                      <a:rPr lang="en-US" sz="1400" b="0" i="1" smtClean="0">
+                                        <a:solidFill>
+                                          <a:schemeClr val="accent5">
+                                            <a:lumMod val="75000"/>
+                                          </a:schemeClr>
+                                        </a:solidFill>
+                                        <a:latin typeface="Cambria Math" panose="02040503050406030204" pitchFamily="18" charset="0"/>
+                                      </a:rPr>
+                                      <m:t>2</m:t>
+                                    </m:r>
+                                  </m:sub>
+                                </m:sSub>
+                                <m:r>
+                                  <a:rPr lang="en-US" sz="1400" b="0" i="1" smtClean="0">
+                                    <a:solidFill>
+                                      <a:schemeClr val="accent5">
+                                        <a:lumMod val="75000"/>
+                                      </a:schemeClr>
+                                    </a:solidFill>
+                                    <a:latin typeface="Cambria Math" panose="02040503050406030204" pitchFamily="18" charset="0"/>
+                                    <a:ea typeface="Cambria Math" panose="02040503050406030204" pitchFamily="18" charset="0"/>
+                                  </a:rPr>
+                                  <m:t>≤1</m:t>
+                                </m:r>
+                              </m:oMath>
+                            </m:oMathPara>
+                          </a14:m>
+                          <a:endParaRPr lang="en-US" sz="1400" dirty="0">
+                            <a:solidFill>
+                              <a:schemeClr val="accent5">
+                                <a:lumMod val="75000"/>
+                              </a:schemeClr>
+                            </a:solidFill>
+                          </a:endParaRPr>
+                        </a:p>
+                      </p:txBody>
+                    </p:sp>
+                  </mc:Choice>
+                  <mc:Fallback xmlns="">
+                    <p:sp>
+                      <p:nvSpPr>
+                        <p:cNvPr id="207" name="TextBox 206">
+                          <a:extLst>
+                            <a:ext uri="{FF2B5EF4-FFF2-40B4-BE49-F238E27FC236}">
+                              <a16:creationId xmlns:a16="http://schemas.microsoft.com/office/drawing/2014/main" id="{0DC4B6D0-8F3B-6167-0AB5-0938BCDFEF27}"/>
+                            </a:ext>
+                          </a:extLst>
+                        </p:cNvPr>
+                        <p:cNvSpPr txBox="1">
+                          <a:spLocks noRot="1" noChangeAspect="1" noMove="1" noResize="1" noEditPoints="1" noAdjustHandles="1" noChangeArrowheads="1" noChangeShapeType="1" noTextEdit="1"/>
+                        </p:cNvSpPr>
+                        <p:nvPr/>
+                      </p:nvSpPr>
+                      <p:spPr>
+                        <a:xfrm>
+                          <a:off x="6712249" y="1665930"/>
+                          <a:ext cx="551112" cy="215444"/>
+                        </a:xfrm>
+                        <a:prstGeom prst="rect">
+                          <a:avLst/>
+                        </a:prstGeom>
+                        <a:blipFill>
+                          <a:blip r:embed="rId38"/>
+                          <a:stretch>
+                            <a:fillRect l="-3333" r="-7778" b="-11111"/>
+                          </a:stretch>
+                        </a:blipFill>
+                      </p:spPr>
+                      <p:txBody>
+                        <a:bodyPr/>
+                        <a:lstStyle/>
+                        <a:p>
+                          <a:r>
+                            <a:rPr lang="en-US">
+                              <a:noFill/>
+                            </a:rPr>
+                            <a:t> </a:t>
+                          </a:r>
+                        </a:p>
+                      </p:txBody>
+                    </p:sp>
+                  </mc:Fallback>
+                </mc:AlternateContent>
+              </p:grpSp>
+            </p:grpSp>
+            <p:grpSp>
+              <p:nvGrpSpPr>
+                <p:cNvPr id="114" name="Group 113">
+                  <a:extLst>
+                    <a:ext uri="{FF2B5EF4-FFF2-40B4-BE49-F238E27FC236}">
+                      <a16:creationId xmlns:a16="http://schemas.microsoft.com/office/drawing/2014/main" id="{1E3D47F6-066B-8A05-7C15-CA3EE1B8ECF3}"/>
+                    </a:ext>
+                  </a:extLst>
+                </p:cNvPr>
+                <p:cNvGrpSpPr/>
+                <p:nvPr/>
+              </p:nvGrpSpPr>
+              <p:grpSpPr>
+                <a:xfrm>
+                  <a:off x="2390082" y="311684"/>
+                  <a:ext cx="5771752" cy="5387439"/>
+                  <a:chOff x="2390082" y="311684"/>
+                  <a:chExt cx="5771752" cy="5387439"/>
+                </a:xfrm>
+              </p:grpSpPr>
+              <p:grpSp>
+                <p:nvGrpSpPr>
+                  <p:cNvPr id="188" name="Group 187">
+                    <a:extLst>
+                      <a:ext uri="{FF2B5EF4-FFF2-40B4-BE49-F238E27FC236}">
+                        <a16:creationId xmlns:a16="http://schemas.microsoft.com/office/drawing/2014/main" id="{C3F48F5A-FD5D-CA21-11B5-146EE44D7F58}"/>
+                      </a:ext>
+                    </a:extLst>
+                  </p:cNvPr>
+                  <p:cNvGrpSpPr/>
+                  <p:nvPr/>
+                </p:nvGrpSpPr>
+                <p:grpSpPr>
+                  <a:xfrm>
+                    <a:off x="2390082" y="311684"/>
+                    <a:ext cx="5387439" cy="5387439"/>
+                    <a:chOff x="2390082" y="311684"/>
+                    <a:chExt cx="5387439" cy="5387439"/>
+                  </a:xfrm>
+                </p:grpSpPr>
+                <p:cxnSp>
+                  <p:nvCxnSpPr>
+                    <p:cNvPr id="190" name="Straight Arrow Connector 189">
+                      <a:extLst>
+                        <a:ext uri="{FF2B5EF4-FFF2-40B4-BE49-F238E27FC236}">
+                          <a16:creationId xmlns:a16="http://schemas.microsoft.com/office/drawing/2014/main" id="{DB8BE62E-BBAA-3D21-5145-A95DDF5A2A0B}"/>
+                        </a:ext>
+                      </a:extLst>
+                    </p:cNvPr>
+                    <p:cNvCxnSpPr/>
+                    <p:nvPr/>
+                  </p:nvCxnSpPr>
+                  <p:spPr>
+                    <a:xfrm>
+                      <a:off x="2390082" y="4128843"/>
+                      <a:ext cx="5387439" cy="0"/>
+                    </a:xfrm>
+                    <a:prstGeom prst="straightConnector1">
+                      <a:avLst/>
+                    </a:prstGeom>
+                    <a:ln w="19050">
+                      <a:tailEnd type="triangle"/>
+                    </a:ln>
+                  </p:spPr>
+                  <p:style>
+                    <a:lnRef idx="1">
+                      <a:schemeClr val="dk1"/>
+                    </a:lnRef>
+                    <a:fillRef idx="0">
+                      <a:schemeClr val="dk1"/>
+                    </a:fillRef>
+                    <a:effectRef idx="0">
+                      <a:schemeClr val="dk1"/>
+                    </a:effectRef>
+                    <a:fontRef idx="minor">
+                      <a:schemeClr val="tx1"/>
+                    </a:fontRef>
+                  </p:style>
+                </p:cxnSp>
+                <p:cxnSp>
+                  <p:nvCxnSpPr>
+                    <p:cNvPr id="191" name="Straight Arrow Connector 190">
+                      <a:extLst>
+                        <a:ext uri="{FF2B5EF4-FFF2-40B4-BE49-F238E27FC236}">
+                          <a16:creationId xmlns:a16="http://schemas.microsoft.com/office/drawing/2014/main" id="{17F685A7-6596-AE53-6FE1-D7D0F6D8B798}"/>
+                        </a:ext>
+                      </a:extLst>
+                    </p:cNvPr>
+                    <p:cNvCxnSpPr>
+                      <a:cxnSpLocks/>
+                    </p:cNvCxnSpPr>
+                    <p:nvPr/>
+                  </p:nvCxnSpPr>
+                  <p:spPr>
+                    <a:xfrm rot="16200000">
+                      <a:off x="1300957" y="3005404"/>
+                      <a:ext cx="5387439" cy="0"/>
+                    </a:xfrm>
+                    <a:prstGeom prst="straightConnector1">
+                      <a:avLst/>
+                    </a:prstGeom>
+                    <a:ln w="19050">
+                      <a:tailEnd type="triangle"/>
+                    </a:ln>
+                  </p:spPr>
+                  <p:style>
+                    <a:lnRef idx="1">
+                      <a:schemeClr val="dk1"/>
+                    </a:lnRef>
+                    <a:fillRef idx="0">
+                      <a:schemeClr val="dk1"/>
+                    </a:fillRef>
+                    <a:effectRef idx="0">
+                      <a:schemeClr val="dk1"/>
+                    </a:effectRef>
+                    <a:fontRef idx="minor">
+                      <a:schemeClr val="tx1"/>
+                    </a:fontRef>
+                  </p:style>
+                </p:cxnSp>
+                <mc:AlternateContent xmlns:mc="http://schemas.openxmlformats.org/markup-compatibility/2006" xmlns:a14="http://schemas.microsoft.com/office/drawing/2010/main">
+                  <mc:Choice Requires="a14">
+                    <p:sp>
+                      <p:nvSpPr>
+                        <p:cNvPr id="192" name="TextBox 191">
+                          <a:extLst>
+                            <a:ext uri="{FF2B5EF4-FFF2-40B4-BE49-F238E27FC236}">
+                              <a16:creationId xmlns:a16="http://schemas.microsoft.com/office/drawing/2014/main" id="{74056439-538E-3604-E14A-FCEB4398674E}"/>
+                            </a:ext>
+                          </a:extLst>
+                        </p:cNvPr>
+                        <p:cNvSpPr txBox="1"/>
+                        <p:nvPr/>
+                      </p:nvSpPr>
+                      <p:spPr>
+                        <a:xfrm>
+                          <a:off x="3705401" y="4084027"/>
+                          <a:ext cx="365806" cy="369332"/>
+                        </a:xfrm>
+                        <a:prstGeom prst="rect">
+                          <a:avLst/>
+                        </a:prstGeom>
+                        <a:noFill/>
+                      </p:spPr>
+                      <p:txBody>
+                        <a:bodyPr wrap="none" rtlCol="0">
+                          <a:spAutoFit/>
+                        </a:bodyPr>
+                        <a:lstStyle/>
+                        <a:p>
+                          <a:pPr/>
+                          <a14:m>
+                            <m:oMathPara xmlns:m="http://schemas.openxmlformats.org/officeDocument/2006/math">
+                              <m:oMathParaPr>
+                                <m:jc m:val="centerGroup"/>
+                              </m:oMathParaPr>
+                              <m:oMath xmlns:m="http://schemas.openxmlformats.org/officeDocument/2006/math">
+                                <m:r>
+                                  <a:rPr lang="en-US" i="1" dirty="0" smtClean="0">
+                                    <a:latin typeface="Cambria Math" panose="02040503050406030204" pitchFamily="18" charset="0"/>
+                                  </a:rPr>
+                                  <m:t>0</m:t>
+                                </m:r>
+                              </m:oMath>
+                            </m:oMathPara>
+                          </a14:m>
+                          <a:endParaRPr lang="en-US" dirty="0"/>
+                        </a:p>
+                      </p:txBody>
+                    </p:sp>
+                  </mc:Choice>
+                  <mc:Fallback xmlns="">
+                    <p:sp>
+                      <p:nvSpPr>
+                        <p:cNvPr id="192" name="TextBox 191">
+                          <a:extLst>
+                            <a:ext uri="{FF2B5EF4-FFF2-40B4-BE49-F238E27FC236}">
+                              <a16:creationId xmlns:a16="http://schemas.microsoft.com/office/drawing/2014/main" id="{74056439-538E-3604-E14A-FCEB4398674E}"/>
+                            </a:ext>
+                          </a:extLst>
+                        </p:cNvPr>
+                        <p:cNvSpPr txBox="1">
+                          <a:spLocks noRot="1" noChangeAspect="1" noMove="1" noResize="1" noEditPoints="1" noAdjustHandles="1" noChangeArrowheads="1" noChangeShapeType="1" noTextEdit="1"/>
+                        </p:cNvSpPr>
+                        <p:nvPr/>
+                      </p:nvSpPr>
+                      <p:spPr>
+                        <a:xfrm>
+                          <a:off x="3705401" y="4084027"/>
+                          <a:ext cx="365806" cy="369332"/>
+                        </a:xfrm>
+                        <a:prstGeom prst="rect">
+                          <a:avLst/>
+                        </a:prstGeom>
+                        <a:blipFill>
+                          <a:blip r:embed="rId39"/>
+                          <a:stretch>
+                            <a:fillRect/>
+                          </a:stretch>
+                        </a:blipFill>
+                      </p:spPr>
+                      <p:txBody>
+                        <a:bodyPr/>
+                        <a:lstStyle/>
+                        <a:p>
+                          <a:r>
+                            <a:rPr lang="en-US">
+                              <a:noFill/>
+                            </a:rPr>
+                            <a:t> </a:t>
+                          </a:r>
+                        </a:p>
+                      </p:txBody>
+                    </p:sp>
+                  </mc:Fallback>
+                </mc:AlternateContent>
+                <mc:AlternateContent xmlns:mc="http://schemas.openxmlformats.org/markup-compatibility/2006" xmlns:a14="http://schemas.microsoft.com/office/drawing/2010/main">
+                  <mc:Choice Requires="a14">
+                    <p:sp>
+                      <p:nvSpPr>
+                        <p:cNvPr id="193" name="TextBox 192">
+                          <a:extLst>
+                            <a:ext uri="{FF2B5EF4-FFF2-40B4-BE49-F238E27FC236}">
+                              <a16:creationId xmlns:a16="http://schemas.microsoft.com/office/drawing/2014/main" id="{2F45B296-C86C-F556-831F-BC6DF510CAFB}"/>
+                            </a:ext>
+                          </a:extLst>
+                        </p:cNvPr>
+                        <p:cNvSpPr txBox="1"/>
+                        <p:nvPr/>
+                      </p:nvSpPr>
+                      <p:spPr>
+                        <a:xfrm>
+                          <a:off x="6013382" y="4084027"/>
+                          <a:ext cx="365806" cy="369332"/>
+                        </a:xfrm>
+                        <a:prstGeom prst="rect">
+                          <a:avLst/>
+                        </a:prstGeom>
+                        <a:noFill/>
+                      </p:spPr>
+                      <p:txBody>
+                        <a:bodyPr wrap="none" rtlCol="0">
+                          <a:spAutoFit/>
+                        </a:bodyPr>
+                        <a:lstStyle/>
+                        <a:p>
+                          <a:pPr/>
+                          <a14:m>
+                            <m:oMathPara xmlns:m="http://schemas.openxmlformats.org/officeDocument/2006/math">
+                              <m:oMathParaPr>
+                                <m:jc m:val="centerGroup"/>
+                              </m:oMathParaPr>
+                              <m:oMath xmlns:m="http://schemas.openxmlformats.org/officeDocument/2006/math">
+                                <m:r>
+                                  <a:rPr lang="en-US" i="1" dirty="0" smtClean="0">
+                                    <a:latin typeface="Cambria Math" panose="02040503050406030204" pitchFamily="18" charset="0"/>
+                                  </a:rPr>
+                                  <m:t>1</m:t>
+                                </m:r>
+                              </m:oMath>
+                            </m:oMathPara>
+                          </a14:m>
+                          <a:endParaRPr lang="en-US" dirty="0"/>
+                        </a:p>
+                      </p:txBody>
+                    </p:sp>
+                  </mc:Choice>
+                  <mc:Fallback xmlns="">
+                    <p:sp>
+                      <p:nvSpPr>
+                        <p:cNvPr id="193" name="TextBox 192">
+                          <a:extLst>
+                            <a:ext uri="{FF2B5EF4-FFF2-40B4-BE49-F238E27FC236}">
+                              <a16:creationId xmlns:a16="http://schemas.microsoft.com/office/drawing/2014/main" id="{2F45B296-C86C-F556-831F-BC6DF510CAFB}"/>
+                            </a:ext>
+                          </a:extLst>
+                        </p:cNvPr>
+                        <p:cNvSpPr txBox="1">
+                          <a:spLocks noRot="1" noChangeAspect="1" noMove="1" noResize="1" noEditPoints="1" noAdjustHandles="1" noChangeArrowheads="1" noChangeShapeType="1" noTextEdit="1"/>
+                        </p:cNvSpPr>
+                        <p:nvPr/>
+                      </p:nvSpPr>
+                      <p:spPr>
+                        <a:xfrm>
+                          <a:off x="6013382" y="4084027"/>
+                          <a:ext cx="365806" cy="369332"/>
+                        </a:xfrm>
+                        <a:prstGeom prst="rect">
+                          <a:avLst/>
+                        </a:prstGeom>
+                        <a:blipFill>
+                          <a:blip r:embed="rId40"/>
+                          <a:stretch>
+                            <a:fillRect/>
+                          </a:stretch>
+                        </a:blipFill>
+                      </p:spPr>
+                      <p:txBody>
+                        <a:bodyPr/>
+                        <a:lstStyle/>
+                        <a:p>
+                          <a:r>
+                            <a:rPr lang="en-US">
+                              <a:noFill/>
+                            </a:rPr>
+                            <a:t> </a:t>
+                          </a:r>
+                        </a:p>
+                      </p:txBody>
+                    </p:sp>
+                  </mc:Fallback>
+                </mc:AlternateContent>
+                <mc:AlternateContent xmlns:mc="http://schemas.openxmlformats.org/markup-compatibility/2006" xmlns:a14="http://schemas.microsoft.com/office/drawing/2010/main">
+                  <mc:Choice Requires="a14">
+                    <p:sp>
+                      <p:nvSpPr>
+                        <p:cNvPr id="194" name="TextBox 193">
+                          <a:extLst>
+                            <a:ext uri="{FF2B5EF4-FFF2-40B4-BE49-F238E27FC236}">
+                              <a16:creationId xmlns:a16="http://schemas.microsoft.com/office/drawing/2014/main" id="{6A2F7795-7B14-94C8-361C-25CA0086953C}"/>
+                            </a:ext>
+                          </a:extLst>
+                        </p:cNvPr>
+                        <p:cNvSpPr txBox="1"/>
+                        <p:nvPr/>
+                      </p:nvSpPr>
+                      <p:spPr>
+                        <a:xfrm>
+                          <a:off x="3663648" y="1741042"/>
+                          <a:ext cx="365806" cy="369332"/>
+                        </a:xfrm>
+                        <a:prstGeom prst="rect">
+                          <a:avLst/>
+                        </a:prstGeom>
+                        <a:noFill/>
+                      </p:spPr>
+                      <p:txBody>
+                        <a:bodyPr wrap="none" rtlCol="0">
+                          <a:spAutoFit/>
+                        </a:bodyPr>
+                        <a:lstStyle/>
+                        <a:p>
+                          <a:pPr/>
+                          <a14:m>
+                            <m:oMathPara xmlns:m="http://schemas.openxmlformats.org/officeDocument/2006/math">
+                              <m:oMathParaPr>
+                                <m:jc m:val="centerGroup"/>
+                              </m:oMathParaPr>
+                              <m:oMath xmlns:m="http://schemas.openxmlformats.org/officeDocument/2006/math">
+                                <m:r>
+                                  <a:rPr lang="en-US" i="1" dirty="0" smtClean="0">
+                                    <a:latin typeface="Cambria Math" panose="02040503050406030204" pitchFamily="18" charset="0"/>
+                                  </a:rPr>
+                                  <m:t>1</m:t>
+                                </m:r>
+                              </m:oMath>
+                            </m:oMathPara>
+                          </a14:m>
+                          <a:endParaRPr lang="en-US" dirty="0"/>
+                        </a:p>
+                      </p:txBody>
+                    </p:sp>
+                  </mc:Choice>
+                  <mc:Fallback xmlns="">
+                    <p:sp>
+                      <p:nvSpPr>
+                        <p:cNvPr id="194" name="TextBox 193">
+                          <a:extLst>
+                            <a:ext uri="{FF2B5EF4-FFF2-40B4-BE49-F238E27FC236}">
+                              <a16:creationId xmlns:a16="http://schemas.microsoft.com/office/drawing/2014/main" id="{6A2F7795-7B14-94C8-361C-25CA0086953C}"/>
+                            </a:ext>
+                          </a:extLst>
+                        </p:cNvPr>
+                        <p:cNvSpPr txBox="1">
+                          <a:spLocks noRot="1" noChangeAspect="1" noMove="1" noResize="1" noEditPoints="1" noAdjustHandles="1" noChangeArrowheads="1" noChangeShapeType="1" noTextEdit="1"/>
+                        </p:cNvSpPr>
+                        <p:nvPr/>
+                      </p:nvSpPr>
+                      <p:spPr>
+                        <a:xfrm>
+                          <a:off x="3663648" y="1741042"/>
+                          <a:ext cx="365806" cy="369332"/>
+                        </a:xfrm>
+                        <a:prstGeom prst="rect">
+                          <a:avLst/>
+                        </a:prstGeom>
+                        <a:blipFill>
+                          <a:blip r:embed="rId41"/>
+                          <a:stretch>
+                            <a:fillRect/>
+                          </a:stretch>
+                        </a:blipFill>
+                      </p:spPr>
+                      <p:txBody>
+                        <a:bodyPr/>
+                        <a:lstStyle/>
+                        <a:p>
+                          <a:r>
+                            <a:rPr lang="en-US">
+                              <a:noFill/>
+                            </a:rPr>
+                            <a:t> </a:t>
+                          </a:r>
+                        </a:p>
+                      </p:txBody>
+                    </p:sp>
+                  </mc:Fallback>
+                </mc:AlternateContent>
+                <p:cxnSp>
+                  <p:nvCxnSpPr>
+                    <p:cNvPr id="195" name="Straight Connector 194">
+                      <a:extLst>
+                        <a:ext uri="{FF2B5EF4-FFF2-40B4-BE49-F238E27FC236}">
+                          <a16:creationId xmlns:a16="http://schemas.microsoft.com/office/drawing/2014/main" id="{5BF70E41-47BA-E47F-9FD8-6810563B0F15}"/>
+                        </a:ext>
+                      </a:extLst>
+                    </p:cNvPr>
+                    <p:cNvCxnSpPr>
+                      <a:cxnSpLocks/>
+                    </p:cNvCxnSpPr>
+                    <p:nvPr/>
+                  </p:nvCxnSpPr>
+                  <p:spPr>
+                    <a:xfrm>
+                      <a:off x="3986208" y="1925708"/>
+                      <a:ext cx="106936" cy="0"/>
+                    </a:xfrm>
+                    <a:prstGeom prst="line">
+                      <a:avLst/>
+                    </a:prstGeom>
+                    <a:ln w="12700">
+                      <a:solidFill>
+                        <a:schemeClr val="tx1"/>
+                      </a:solidFill>
+                    </a:ln>
+                  </p:spPr>
+                  <p:style>
+                    <a:lnRef idx="1">
+                      <a:schemeClr val="accent1"/>
+                    </a:lnRef>
+                    <a:fillRef idx="0">
+                      <a:schemeClr val="accent1"/>
+                    </a:fillRef>
+                    <a:effectRef idx="0">
+                      <a:schemeClr val="accent1"/>
+                    </a:effectRef>
+                    <a:fontRef idx="minor">
+                      <a:schemeClr val="tx1"/>
+                    </a:fontRef>
+                  </p:style>
+                </p:cxnSp>
+                <p:cxnSp>
+                  <p:nvCxnSpPr>
+                    <p:cNvPr id="196" name="Straight Connector 195">
+                      <a:extLst>
+                        <a:ext uri="{FF2B5EF4-FFF2-40B4-BE49-F238E27FC236}">
+                          <a16:creationId xmlns:a16="http://schemas.microsoft.com/office/drawing/2014/main" id="{48E8B61D-C63B-A3D5-769A-7C16360CDC27}"/>
+                        </a:ext>
+                      </a:extLst>
+                    </p:cNvPr>
+                    <p:cNvCxnSpPr>
+                      <a:cxnSpLocks/>
+                    </p:cNvCxnSpPr>
+                    <p:nvPr/>
+                  </p:nvCxnSpPr>
+                  <p:spPr>
+                    <a:xfrm rot="5400000">
+                      <a:off x="6144621" y="4081727"/>
+                      <a:ext cx="106936" cy="0"/>
+                    </a:xfrm>
+                    <a:prstGeom prst="line">
+                      <a:avLst/>
+                    </a:prstGeom>
+                    <a:ln w="12700">
+                      <a:solidFill>
+                        <a:schemeClr val="tx1"/>
+                      </a:solidFill>
+                    </a:ln>
+                  </p:spPr>
+                  <p:style>
+                    <a:lnRef idx="1">
+                      <a:schemeClr val="accent1"/>
+                    </a:lnRef>
+                    <a:fillRef idx="0">
+                      <a:schemeClr val="accent1"/>
+                    </a:fillRef>
+                    <a:effectRef idx="0">
+                      <a:schemeClr val="accent1"/>
+                    </a:effectRef>
+                    <a:fontRef idx="minor">
+                      <a:schemeClr val="tx1"/>
+                    </a:fontRef>
+                  </p:style>
+                </p:cxnSp>
+                <p:cxnSp>
+                  <p:nvCxnSpPr>
+                    <p:cNvPr id="197" name="Straight Connector 196">
+                      <a:extLst>
+                        <a:ext uri="{FF2B5EF4-FFF2-40B4-BE49-F238E27FC236}">
+                          <a16:creationId xmlns:a16="http://schemas.microsoft.com/office/drawing/2014/main" id="{0D25AF2C-6FB1-5AD0-8252-B8B6727A6B92}"/>
+                        </a:ext>
+                      </a:extLst>
+                    </p:cNvPr>
+                    <p:cNvCxnSpPr>
+                      <a:cxnSpLocks/>
+                    </p:cNvCxnSpPr>
+                    <p:nvPr/>
+                  </p:nvCxnSpPr>
+                  <p:spPr>
+                    <a:xfrm rot="5400000">
+                      <a:off x="5072113" y="4106695"/>
+                      <a:ext cx="54864" cy="0"/>
+                    </a:xfrm>
+                    <a:prstGeom prst="line">
+                      <a:avLst/>
+                    </a:prstGeom>
+                    <a:ln w="12700">
+                      <a:solidFill>
+                        <a:schemeClr val="tx1"/>
+                      </a:solidFill>
+                    </a:ln>
+                  </p:spPr>
+                  <p:style>
+                    <a:lnRef idx="1">
+                      <a:schemeClr val="accent1"/>
+                    </a:lnRef>
+                    <a:fillRef idx="0">
+                      <a:schemeClr val="accent1"/>
+                    </a:fillRef>
+                    <a:effectRef idx="0">
+                      <a:schemeClr val="accent1"/>
+                    </a:effectRef>
+                    <a:fontRef idx="minor">
+                      <a:schemeClr val="tx1"/>
+                    </a:fontRef>
+                  </p:style>
+                </p:cxnSp>
+                <p:cxnSp>
+                  <p:nvCxnSpPr>
+                    <p:cNvPr id="198" name="Straight Connector 197">
+                      <a:extLst>
+                        <a:ext uri="{FF2B5EF4-FFF2-40B4-BE49-F238E27FC236}">
+                          <a16:creationId xmlns:a16="http://schemas.microsoft.com/office/drawing/2014/main" id="{72B208C6-2155-652D-756D-ACB2AC91B810}"/>
+                        </a:ext>
+                      </a:extLst>
+                    </p:cNvPr>
+                    <p:cNvCxnSpPr>
+                      <a:cxnSpLocks/>
+                    </p:cNvCxnSpPr>
+                    <p:nvPr/>
+                  </p:nvCxnSpPr>
+                  <p:spPr>
+                    <a:xfrm rot="5400000">
+                      <a:off x="7254900" y="4109344"/>
+                      <a:ext cx="54864" cy="0"/>
+                    </a:xfrm>
+                    <a:prstGeom prst="line">
+                      <a:avLst/>
+                    </a:prstGeom>
+                    <a:ln w="12700">
+                      <a:solidFill>
+                        <a:schemeClr val="tx1"/>
+                      </a:solidFill>
+                    </a:ln>
+                  </p:spPr>
+                  <p:style>
+                    <a:lnRef idx="1">
+                      <a:schemeClr val="accent1"/>
+                    </a:lnRef>
+                    <a:fillRef idx="0">
+                      <a:schemeClr val="accent1"/>
+                    </a:fillRef>
+                    <a:effectRef idx="0">
+                      <a:schemeClr val="accent1"/>
+                    </a:effectRef>
+                    <a:fontRef idx="minor">
+                      <a:schemeClr val="tx1"/>
+                    </a:fontRef>
+                  </p:style>
+                </p:cxnSp>
+                <p:cxnSp>
+                  <p:nvCxnSpPr>
+                    <p:cNvPr id="199" name="Straight Connector 198">
+                      <a:extLst>
+                        <a:ext uri="{FF2B5EF4-FFF2-40B4-BE49-F238E27FC236}">
+                          <a16:creationId xmlns:a16="http://schemas.microsoft.com/office/drawing/2014/main" id="{FD11B4BE-D621-2FD9-2893-60B8BC6B8E03}"/>
+                        </a:ext>
+                      </a:extLst>
+                    </p:cNvPr>
+                    <p:cNvCxnSpPr>
+                      <a:cxnSpLocks/>
+                    </p:cNvCxnSpPr>
+                    <p:nvPr/>
+                  </p:nvCxnSpPr>
+                  <p:spPr>
+                    <a:xfrm>
+                      <a:off x="3986929" y="3022520"/>
+                      <a:ext cx="54864" cy="0"/>
+                    </a:xfrm>
+                    <a:prstGeom prst="line">
+                      <a:avLst/>
+                    </a:prstGeom>
+                    <a:ln w="12700">
+                      <a:solidFill>
+                        <a:schemeClr val="tx1"/>
+                      </a:solidFill>
+                    </a:ln>
+                  </p:spPr>
+                  <p:style>
+                    <a:lnRef idx="1">
+                      <a:schemeClr val="accent1"/>
+                    </a:lnRef>
+                    <a:fillRef idx="0">
+                      <a:schemeClr val="accent1"/>
+                    </a:fillRef>
+                    <a:effectRef idx="0">
+                      <a:schemeClr val="accent1"/>
+                    </a:effectRef>
+                    <a:fontRef idx="minor">
+                      <a:schemeClr val="tx1"/>
+                    </a:fontRef>
+                  </p:style>
+                </p:cxnSp>
+                <p:cxnSp>
+                  <p:nvCxnSpPr>
+                    <p:cNvPr id="200" name="Straight Connector 199">
+                      <a:extLst>
+                        <a:ext uri="{FF2B5EF4-FFF2-40B4-BE49-F238E27FC236}">
+                          <a16:creationId xmlns:a16="http://schemas.microsoft.com/office/drawing/2014/main" id="{CDAA52E4-ED77-0E86-BA54-535162D5EEDD}"/>
+                        </a:ext>
+                      </a:extLst>
+                    </p:cNvPr>
+                    <p:cNvCxnSpPr>
+                      <a:cxnSpLocks/>
+                    </p:cNvCxnSpPr>
+                    <p:nvPr/>
+                  </p:nvCxnSpPr>
+                  <p:spPr>
+                    <a:xfrm>
+                      <a:off x="3986929" y="827898"/>
+                      <a:ext cx="54864" cy="0"/>
+                    </a:xfrm>
+                    <a:prstGeom prst="line">
+                      <a:avLst/>
+                    </a:prstGeom>
+                    <a:ln w="12700">
+                      <a:solidFill>
+                        <a:schemeClr val="tx1"/>
+                      </a:solidFill>
+                    </a:ln>
+                  </p:spPr>
+                  <p:style>
+                    <a:lnRef idx="1">
+                      <a:schemeClr val="accent1"/>
+                    </a:lnRef>
+                    <a:fillRef idx="0">
+                      <a:schemeClr val="accent1"/>
+                    </a:fillRef>
+                    <a:effectRef idx="0">
+                      <a:schemeClr val="accent1"/>
+                    </a:effectRef>
+                    <a:fontRef idx="minor">
+                      <a:schemeClr val="tx1"/>
+                    </a:fontRef>
+                  </p:style>
+                </p:cxnSp>
+                <p:cxnSp>
+                  <p:nvCxnSpPr>
+                    <p:cNvPr id="201" name="Straight Connector 200">
+                      <a:extLst>
+                        <a:ext uri="{FF2B5EF4-FFF2-40B4-BE49-F238E27FC236}">
+                          <a16:creationId xmlns:a16="http://schemas.microsoft.com/office/drawing/2014/main" id="{D797A680-54ED-303F-2224-F1ACD75A032C}"/>
+                        </a:ext>
+                      </a:extLst>
+                    </p:cNvPr>
+                    <p:cNvCxnSpPr>
+                      <a:cxnSpLocks/>
+                    </p:cNvCxnSpPr>
+                    <p:nvPr/>
+                  </p:nvCxnSpPr>
+                  <p:spPr>
+                    <a:xfrm>
+                      <a:off x="3986208" y="1926765"/>
+                      <a:ext cx="106936" cy="0"/>
+                    </a:xfrm>
+                    <a:prstGeom prst="line">
+                      <a:avLst/>
+                    </a:prstGeom>
+                    <a:ln w="12700">
+                      <a:solidFill>
+                        <a:schemeClr val="tx1"/>
+                      </a:solidFill>
+                    </a:ln>
+                  </p:spPr>
+                  <p:style>
+                    <a:lnRef idx="1">
+                      <a:schemeClr val="accent1"/>
+                    </a:lnRef>
+                    <a:fillRef idx="0">
+                      <a:schemeClr val="accent1"/>
+                    </a:fillRef>
+                    <a:effectRef idx="0">
+                      <a:schemeClr val="accent1"/>
+                    </a:effectRef>
+                    <a:fontRef idx="minor">
+                      <a:schemeClr val="tx1"/>
+                    </a:fontRef>
+                  </p:style>
+                </p:cxnSp>
+              </p:grpSp>
+              <mc:AlternateContent xmlns:mc="http://schemas.openxmlformats.org/markup-compatibility/2006" xmlns:a14="http://schemas.microsoft.com/office/drawing/2010/main">
+                <mc:Choice Requires="a14">
+                  <p:sp>
+                    <p:nvSpPr>
+                      <p:cNvPr id="189" name="TextBox 188">
+                        <a:extLst>
+                          <a:ext uri="{FF2B5EF4-FFF2-40B4-BE49-F238E27FC236}">
+                            <a16:creationId xmlns:a16="http://schemas.microsoft.com/office/drawing/2014/main" id="{B9E2FFED-B4C1-19A9-98F2-4B7B05928FD0}"/>
+                          </a:ext>
+                        </a:extLst>
+                      </p:cNvPr>
+                      <p:cNvSpPr txBox="1"/>
+                      <p:nvPr/>
+                    </p:nvSpPr>
+                    <p:spPr>
+                      <a:xfrm>
+                        <a:off x="7701067" y="3933465"/>
+                        <a:ext cx="460767" cy="369332"/>
+                      </a:xfrm>
+                      <a:prstGeom prst="rect">
+                        <a:avLst/>
+                      </a:prstGeom>
+                      <a:noFill/>
+                    </p:spPr>
+                    <p:txBody>
+                      <a:bodyPr wrap="none" rtlCol="0">
+                        <a:spAutoFit/>
+                      </a:bodyPr>
+                      <a:lstStyle/>
+                      <a:p>
+                        <a:pPr/>
+                        <a14:m>
+                          <m:oMathPara xmlns:m="http://schemas.openxmlformats.org/officeDocument/2006/math">
+                            <m:oMathParaPr>
+                              <m:jc m:val="centerGroup"/>
+                            </m:oMathParaPr>
+                            <m:oMath xmlns:m="http://schemas.openxmlformats.org/officeDocument/2006/math">
+                              <m:sSub>
+                                <m:sSubPr>
+                                  <m:ctrlPr>
+                                    <a:rPr lang="en-US" i="1" dirty="0" smtClean="0">
+                                      <a:latin typeface="Cambria Math" panose="02040503050406030204" pitchFamily="18" charset="0"/>
+                                    </a:rPr>
+                                  </m:ctrlPr>
+                                </m:sSubPr>
+                                <m:e>
+                                  <m:r>
+                                    <a:rPr lang="en-US" b="0" i="1" dirty="0" smtClean="0">
+                                      <a:latin typeface="Cambria Math" panose="02040503050406030204" pitchFamily="18" charset="0"/>
+                                    </a:rPr>
+                                    <m:t>𝑥</m:t>
+                                  </m:r>
+                                </m:e>
+                                <m:sub>
+                                  <m:r>
+                                    <a:rPr lang="en-US" b="0" i="1" dirty="0" smtClean="0">
+                                      <a:latin typeface="Cambria Math" panose="02040503050406030204" pitchFamily="18" charset="0"/>
+                                    </a:rPr>
+                                    <m:t>1</m:t>
+                                  </m:r>
+                                </m:sub>
+                              </m:sSub>
+                            </m:oMath>
+                          </m:oMathPara>
+                        </a14:m>
+                        <a:endParaRPr lang="en-US" dirty="0"/>
+                      </a:p>
+                    </p:txBody>
+                  </p:sp>
+                </mc:Choice>
+                <mc:Fallback xmlns="">
+                  <p:sp>
+                    <p:nvSpPr>
+                      <p:cNvPr id="189" name="TextBox 188">
+                        <a:extLst>
+                          <a:ext uri="{FF2B5EF4-FFF2-40B4-BE49-F238E27FC236}">
+                            <a16:creationId xmlns:a16="http://schemas.microsoft.com/office/drawing/2014/main" id="{B9E2FFED-B4C1-19A9-98F2-4B7B05928FD0}"/>
+                          </a:ext>
+                        </a:extLst>
+                      </p:cNvPr>
+                      <p:cNvSpPr txBox="1">
+                        <a:spLocks noRot="1" noChangeAspect="1" noMove="1" noResize="1" noEditPoints="1" noAdjustHandles="1" noChangeArrowheads="1" noChangeShapeType="1" noTextEdit="1"/>
+                      </p:cNvSpPr>
+                      <p:nvPr/>
+                    </p:nvSpPr>
+                    <p:spPr>
+                      <a:xfrm>
+                        <a:off x="7701067" y="3933465"/>
+                        <a:ext cx="460767" cy="369332"/>
+                      </a:xfrm>
+                      <a:prstGeom prst="rect">
+                        <a:avLst/>
+                      </a:prstGeom>
+                      <a:blipFill>
+                        <a:blip r:embed="rId42"/>
+                        <a:stretch>
+                          <a:fillRect/>
+                        </a:stretch>
+                      </a:blipFill>
+                    </p:spPr>
+                    <p:txBody>
+                      <a:bodyPr/>
+                      <a:lstStyle/>
+                      <a:p>
+                        <a:r>
+                          <a:rPr lang="en-US">
+                            <a:noFill/>
+                          </a:rPr>
+                          <a:t> </a:t>
+                        </a:r>
+                      </a:p>
+                    </p:txBody>
+                  </p:sp>
+                </mc:Fallback>
+              </mc:AlternateContent>
+            </p:grpSp>
+            <p:sp>
+              <p:nvSpPr>
+                <p:cNvPr id="186" name="TextBox 185">
+                  <a:extLst>
+                    <a:ext uri="{FF2B5EF4-FFF2-40B4-BE49-F238E27FC236}">
+                      <a16:creationId xmlns:a16="http://schemas.microsoft.com/office/drawing/2014/main" id="{24B614B1-1BD5-DAEB-7A08-F047F94EA084}"/>
+                    </a:ext>
+                  </a:extLst>
+                </p:cNvPr>
+                <p:cNvSpPr txBox="1"/>
+                <p:nvPr/>
+              </p:nvSpPr>
+              <p:spPr>
+                <a:xfrm>
+                  <a:off x="7679267" y="1054100"/>
+                  <a:ext cx="184731" cy="369332"/>
+                </a:xfrm>
+                <a:prstGeom prst="rect">
+                  <a:avLst/>
+                </a:prstGeom>
+                <a:noFill/>
+              </p:spPr>
+              <p:txBody>
+                <a:bodyPr wrap="none" rtlCol="0">
+                  <a:spAutoFit/>
+                </a:bodyPr>
+                <a:lstStyle/>
+                <a:p>
+                  <a:endParaRPr lang="en-US" dirty="0"/>
+                </a:p>
+              </p:txBody>
+            </p:sp>
+            <mc:AlternateContent xmlns:mc="http://schemas.openxmlformats.org/markup-compatibility/2006" xmlns:a14="http://schemas.microsoft.com/office/drawing/2010/main">
+              <mc:Choice Requires="a14">
+                <p:sp>
+                  <p:nvSpPr>
+                    <p:cNvPr id="187" name="TextBox 186">
+                      <a:extLst>
+                        <a:ext uri="{FF2B5EF4-FFF2-40B4-BE49-F238E27FC236}">
+                          <a16:creationId xmlns:a16="http://schemas.microsoft.com/office/drawing/2014/main" id="{4DD4278D-2DAD-2A62-8A1F-F68617E4BED4}"/>
+                        </a:ext>
+                      </a:extLst>
+                    </p:cNvPr>
+                    <p:cNvSpPr txBox="1"/>
+                    <p:nvPr/>
+                  </p:nvSpPr>
+                  <p:spPr>
+                    <a:xfrm>
+                      <a:off x="3753163" y="-21496"/>
+                      <a:ext cx="466090" cy="369332"/>
+                    </a:xfrm>
+                    <a:prstGeom prst="rect">
+                      <a:avLst/>
+                    </a:prstGeom>
+                    <a:noFill/>
+                  </p:spPr>
+                  <p:txBody>
+                    <a:bodyPr wrap="none" rtlCol="0">
+                      <a:spAutoFit/>
+                    </a:bodyPr>
+                    <a:lstStyle/>
+                    <a:p>
+                      <a:pPr/>
+                      <a14:m>
+                        <m:oMathPara xmlns:m="http://schemas.openxmlformats.org/officeDocument/2006/math">
+                          <m:oMathParaPr>
+                            <m:jc m:val="centerGroup"/>
+                          </m:oMathParaPr>
+                          <m:oMath xmlns:m="http://schemas.openxmlformats.org/officeDocument/2006/math">
+                            <m:sSub>
+                              <m:sSubPr>
+                                <m:ctrlPr>
+                                  <a:rPr lang="en-US" i="1" dirty="0" smtClean="0">
+                                    <a:latin typeface="Cambria Math" panose="02040503050406030204" pitchFamily="18" charset="0"/>
+                                  </a:rPr>
+                                </m:ctrlPr>
+                              </m:sSubPr>
+                              <m:e>
+                                <m:r>
+                                  <a:rPr lang="en-US" b="0" i="1" dirty="0" smtClean="0">
+                                    <a:latin typeface="Cambria Math" panose="02040503050406030204" pitchFamily="18" charset="0"/>
+                                  </a:rPr>
+                                  <m:t>𝑥</m:t>
+                                </m:r>
+                              </m:e>
+                              <m:sub>
+                                <m:r>
+                                  <a:rPr lang="en-US" b="0" i="1" dirty="0" smtClean="0">
+                                    <a:latin typeface="Cambria Math" panose="02040503050406030204" pitchFamily="18" charset="0"/>
+                                  </a:rPr>
+                                  <m:t>2</m:t>
+                                </m:r>
+                              </m:sub>
+                            </m:sSub>
+                          </m:oMath>
+                        </m:oMathPara>
+                      </a14:m>
+                      <a:endParaRPr lang="en-US" dirty="0"/>
+                    </a:p>
+                  </p:txBody>
+                </p:sp>
+              </mc:Choice>
+              <mc:Fallback xmlns="">
+                <p:sp>
+                  <p:nvSpPr>
+                    <p:cNvPr id="187" name="TextBox 186">
+                      <a:extLst>
+                        <a:ext uri="{FF2B5EF4-FFF2-40B4-BE49-F238E27FC236}">
+                          <a16:creationId xmlns:a16="http://schemas.microsoft.com/office/drawing/2014/main" id="{4DD4278D-2DAD-2A62-8A1F-F68617E4BED4}"/>
+                        </a:ext>
+                      </a:extLst>
+                    </p:cNvPr>
+                    <p:cNvSpPr txBox="1">
+                      <a:spLocks noRot="1" noChangeAspect="1" noMove="1" noResize="1" noEditPoints="1" noAdjustHandles="1" noChangeArrowheads="1" noChangeShapeType="1" noTextEdit="1"/>
+                    </p:cNvSpPr>
+                    <p:nvPr/>
+                  </p:nvSpPr>
+                  <p:spPr>
+                    <a:xfrm>
+                      <a:off x="3753163" y="-21496"/>
+                      <a:ext cx="466090" cy="369332"/>
+                    </a:xfrm>
+                    <a:prstGeom prst="rect">
+                      <a:avLst/>
+                    </a:prstGeom>
+                    <a:blipFill>
+                      <a:blip r:embed="rId43"/>
+                      <a:stretch>
+                        <a:fillRect/>
+                      </a:stretch>
+                    </a:blipFill>
+                  </p:spPr>
+                  <p:txBody>
+                    <a:bodyPr/>
+                    <a:lstStyle/>
+                    <a:p>
+                      <a:r>
+                        <a:rPr lang="en-US">
+                          <a:noFill/>
+                        </a:rPr>
+                        <a:t> </a:t>
+                      </a:r>
+                    </a:p>
+                  </p:txBody>
+                </p:sp>
+              </mc:Fallback>
+            </mc:AlternateContent>
+          </p:grpSp>
+          <p:grpSp>
+            <p:nvGrpSpPr>
+              <p:cNvPr id="85" name="Group 84">
+                <a:extLst>
+                  <a:ext uri="{FF2B5EF4-FFF2-40B4-BE49-F238E27FC236}">
+                    <a16:creationId xmlns:a16="http://schemas.microsoft.com/office/drawing/2014/main" id="{E52E6075-80C1-5D15-2A58-058F8BA241AF}"/>
+                  </a:ext>
+                </a:extLst>
+              </p:cNvPr>
+              <p:cNvGrpSpPr/>
+              <p:nvPr/>
+            </p:nvGrpSpPr>
+            <p:grpSpPr>
+              <a:xfrm>
+                <a:off x="4767202" y="2354184"/>
+                <a:ext cx="2302970" cy="2307194"/>
+                <a:chOff x="3947160" y="1876644"/>
+                <a:chExt cx="2302970" cy="2307194"/>
+              </a:xfrm>
+            </p:grpSpPr>
+            <p:sp>
+              <p:nvSpPr>
+                <p:cNvPr id="110" name="Oval 109">
+                  <a:extLst>
+                    <a:ext uri="{FF2B5EF4-FFF2-40B4-BE49-F238E27FC236}">
+                      <a16:creationId xmlns:a16="http://schemas.microsoft.com/office/drawing/2014/main" id="{78C53443-D653-5C09-1B1A-D3F2A7C68FDD}"/>
+                    </a:ext>
+                  </a:extLst>
+                </p:cNvPr>
+                <p:cNvSpPr/>
+                <p:nvPr/>
+              </p:nvSpPr>
+              <p:spPr>
+                <a:xfrm>
+                  <a:off x="3947160" y="4082318"/>
+                  <a:ext cx="101520" cy="101520"/>
+                </a:xfrm>
+                <a:prstGeom prst="ellipse">
+                  <a:avLst/>
+                </a:prstGeom>
+                <a:solidFill>
+                  <a:srgbClr val="00B050">
+                    <a:alpha val="70000"/>
+                  </a:srgbClr>
+                </a:solidFill>
+                <a:ln>
+                  <a:noFill/>
+                </a:ln>
+              </p:spPr>
+              <p:style>
+                <a:lnRef idx="2">
+                  <a:schemeClr val="accent1">
+                    <a:shade val="50000"/>
+                  </a:schemeClr>
+                </a:lnRef>
+                <a:fillRef idx="1">
+                  <a:schemeClr val="accent1"/>
+                </a:fillRef>
+                <a:effectRef idx="0">
+                  <a:schemeClr val="accent1"/>
+                </a:effectRef>
+                <a:fontRef idx="minor">
+                  <a:schemeClr val="lt1"/>
+                </a:fontRef>
+              </p:style>
+              <p:txBody>
+                <a:bodyPr rtlCol="0" anchor="ctr"/>
+                <a:lstStyle/>
+                <a:p>
+                  <a:pPr algn="ctr"/>
+                  <a:endParaRPr lang="en-US"/>
+                </a:p>
+              </p:txBody>
+            </p:sp>
+            <p:sp>
+              <p:nvSpPr>
+                <p:cNvPr id="111" name="Oval 110">
+                  <a:extLst>
+                    <a:ext uri="{FF2B5EF4-FFF2-40B4-BE49-F238E27FC236}">
+                      <a16:creationId xmlns:a16="http://schemas.microsoft.com/office/drawing/2014/main" id="{788B49D3-6F02-6C5E-371D-B2A51E72768A}"/>
+                    </a:ext>
+                  </a:extLst>
+                </p:cNvPr>
+                <p:cNvSpPr/>
+                <p:nvPr/>
+              </p:nvSpPr>
+              <p:spPr>
+                <a:xfrm>
+                  <a:off x="6148610" y="4077146"/>
+                  <a:ext cx="101520" cy="101520"/>
+                </a:xfrm>
+                <a:prstGeom prst="ellipse">
+                  <a:avLst/>
+                </a:prstGeom>
+                <a:solidFill>
+                  <a:srgbClr val="00B050">
+                    <a:alpha val="70000"/>
+                  </a:srgbClr>
+                </a:solidFill>
+                <a:ln>
+                  <a:noFill/>
+                </a:ln>
+              </p:spPr>
+              <p:style>
+                <a:lnRef idx="2">
+                  <a:schemeClr val="accent1">
+                    <a:shade val="50000"/>
+                  </a:schemeClr>
+                </a:lnRef>
+                <a:fillRef idx="1">
+                  <a:schemeClr val="accent1"/>
+                </a:fillRef>
+                <a:effectRef idx="0">
+                  <a:schemeClr val="accent1"/>
+                </a:effectRef>
+                <a:fontRef idx="minor">
+                  <a:schemeClr val="lt1"/>
+                </a:fontRef>
+              </p:style>
+              <p:txBody>
+                <a:bodyPr rtlCol="0" anchor="ctr"/>
+                <a:lstStyle/>
+                <a:p>
+                  <a:pPr algn="ctr"/>
+                  <a:endParaRPr lang="en-US"/>
+                </a:p>
+              </p:txBody>
+            </p:sp>
+            <p:sp>
+              <p:nvSpPr>
+                <p:cNvPr id="112" name="Oval 111">
+                  <a:extLst>
+                    <a:ext uri="{FF2B5EF4-FFF2-40B4-BE49-F238E27FC236}">
+                      <a16:creationId xmlns:a16="http://schemas.microsoft.com/office/drawing/2014/main" id="{3CCFC9D5-2E3C-1CE3-7A54-F39EFA80F5B0}"/>
+                    </a:ext>
+                  </a:extLst>
+                </p:cNvPr>
+                <p:cNvSpPr/>
+                <p:nvPr/>
+              </p:nvSpPr>
+              <p:spPr>
+                <a:xfrm>
+                  <a:off x="3947160" y="1876644"/>
+                  <a:ext cx="101520" cy="101520"/>
+                </a:xfrm>
+                <a:prstGeom prst="ellipse">
+                  <a:avLst/>
+                </a:prstGeom>
+                <a:solidFill>
+                  <a:srgbClr val="00B050">
+                    <a:alpha val="70000"/>
+                  </a:srgbClr>
+                </a:solidFill>
+                <a:ln>
+                  <a:noFill/>
+                </a:ln>
+              </p:spPr>
+              <p:style>
+                <a:lnRef idx="2">
+                  <a:schemeClr val="accent1">
+                    <a:shade val="50000"/>
+                  </a:schemeClr>
+                </a:lnRef>
+                <a:fillRef idx="1">
+                  <a:schemeClr val="accent1"/>
+                </a:fillRef>
+                <a:effectRef idx="0">
+                  <a:schemeClr val="accent1"/>
+                </a:effectRef>
+                <a:fontRef idx="minor">
+                  <a:schemeClr val="lt1"/>
+                </a:fontRef>
+              </p:style>
+              <p:txBody>
+                <a:bodyPr rtlCol="0" anchor="ctr"/>
+                <a:lstStyle/>
+                <a:p>
+                  <a:pPr algn="ctr"/>
+                  <a:endParaRPr lang="en-US"/>
+                </a:p>
+              </p:txBody>
+            </p:sp>
+          </p:grpSp>
+          <p:grpSp>
+            <p:nvGrpSpPr>
+              <p:cNvPr id="86" name="Group 85">
+                <a:extLst>
+                  <a:ext uri="{FF2B5EF4-FFF2-40B4-BE49-F238E27FC236}">
+                    <a16:creationId xmlns:a16="http://schemas.microsoft.com/office/drawing/2014/main" id="{9047C4B8-26EC-A6A0-89A4-F808D52C0649}"/>
+                  </a:ext>
+                </a:extLst>
+              </p:cNvPr>
+              <p:cNvGrpSpPr/>
+              <p:nvPr/>
+            </p:nvGrpSpPr>
+            <p:grpSpPr>
+              <a:xfrm>
+                <a:off x="3608388" y="1770167"/>
+                <a:ext cx="1893837" cy="1256545"/>
+                <a:chOff x="3608388" y="1770167"/>
+                <a:chExt cx="1893837" cy="1256545"/>
+              </a:xfrm>
+            </p:grpSpPr>
+            <mc:AlternateContent xmlns:mc="http://schemas.openxmlformats.org/markup-compatibility/2006" xmlns:a14="http://schemas.microsoft.com/office/drawing/2010/main">
+              <mc:Choice Requires="a14">
+                <p:sp>
+                  <p:nvSpPr>
+                    <p:cNvPr id="99" name="TextBox 98">
+                      <a:extLst>
+                        <a:ext uri="{FF2B5EF4-FFF2-40B4-BE49-F238E27FC236}">
+                          <a16:creationId xmlns:a16="http://schemas.microsoft.com/office/drawing/2014/main" id="{F95796F9-EF8A-4C1E-F1DA-5CC35955FC2F}"/>
+                        </a:ext>
+                      </a:extLst>
+                    </p:cNvPr>
+                    <p:cNvSpPr txBox="1"/>
+                    <p:nvPr/>
+                  </p:nvSpPr>
+                  <p:spPr>
+                    <a:xfrm>
+                      <a:off x="3608388" y="2082421"/>
+                      <a:ext cx="1083502" cy="261610"/>
+                    </a:xfrm>
+                    <a:prstGeom prst="rect">
+                      <a:avLst/>
+                    </a:prstGeom>
+                    <a:noFill/>
+                  </p:spPr>
+                  <p:txBody>
+                    <a:bodyPr wrap="none" rtlCol="0">
+                      <a:spAutoFit/>
+                    </a:bodyPr>
+                    <a:lstStyle/>
+                    <a:p>
+                      <a:pPr/>
+                      <a14:m>
+                        <m:oMathPara xmlns:m="http://schemas.openxmlformats.org/officeDocument/2006/math">
+                          <m:oMathParaPr>
+                            <m:jc m:val="centerGroup"/>
+                          </m:oMathParaPr>
+                          <m:oMath xmlns:m="http://schemas.openxmlformats.org/officeDocument/2006/math">
+                            <m:r>
+                              <m:rPr>
+                                <m:sty m:val="p"/>
+                              </m:rPr>
+                              <a:rPr lang="en-US" sz="1100" i="0" dirty="0" smtClean="0">
+                                <a:solidFill>
+                                  <a:srgbClr val="00B050"/>
+                                </a:solidFill>
+                                <a:latin typeface="Cambria Math" panose="02040503050406030204" pitchFamily="18" charset="0"/>
+                              </a:rPr>
+                              <m:t>Solution</m:t>
+                            </m:r>
+                            <m:r>
+                              <a:rPr lang="en-US" sz="1100" b="0" i="0" dirty="0" smtClean="0">
+                                <a:solidFill>
+                                  <a:srgbClr val="00B050"/>
+                                </a:solidFill>
+                                <a:latin typeface="Cambria Math" panose="02040503050406030204" pitchFamily="18" charset="0"/>
+                              </a:rPr>
+                              <m:t>:</m:t>
+                            </m:r>
+                            <m:d>
+                              <m:dPr>
+                                <m:ctrlPr>
+                                  <a:rPr lang="en-US" sz="1100" b="0" i="1" dirty="0" smtClean="0">
+                                    <a:solidFill>
+                                      <a:srgbClr val="00B050"/>
+                                    </a:solidFill>
+                                    <a:latin typeface="Cambria Math" panose="02040503050406030204" pitchFamily="18" charset="0"/>
+                                  </a:rPr>
+                                </m:ctrlPr>
+                              </m:dPr>
+                              <m:e>
+                                <m:r>
+                                  <a:rPr lang="en-US" sz="1100" b="0" i="1" dirty="0" smtClean="0">
+                                    <a:solidFill>
+                                      <a:srgbClr val="00B050"/>
+                                    </a:solidFill>
+                                    <a:latin typeface="Cambria Math" panose="02040503050406030204" pitchFamily="18" charset="0"/>
+                                  </a:rPr>
+                                  <m:t>0,1</m:t>
+                                </m:r>
+                              </m:e>
+                            </m:d>
+                          </m:oMath>
+                        </m:oMathPara>
+                      </a14:m>
+                      <a:endParaRPr lang="en-US" sz="1100" dirty="0">
+                        <a:solidFill>
+                          <a:srgbClr val="00B050"/>
+                        </a:solidFill>
+                      </a:endParaRPr>
+                    </a:p>
+                  </p:txBody>
+                </p:sp>
+              </mc:Choice>
+              <mc:Fallback xmlns="">
+                <p:sp>
+                  <p:nvSpPr>
+                    <p:cNvPr id="99" name="TextBox 98">
+                      <a:extLst>
+                        <a:ext uri="{FF2B5EF4-FFF2-40B4-BE49-F238E27FC236}">
+                          <a16:creationId xmlns:a16="http://schemas.microsoft.com/office/drawing/2014/main" id="{F95796F9-EF8A-4C1E-F1DA-5CC35955FC2F}"/>
+                        </a:ext>
+                      </a:extLst>
+                    </p:cNvPr>
+                    <p:cNvSpPr txBox="1">
+                      <a:spLocks noRot="1" noChangeAspect="1" noMove="1" noResize="1" noEditPoints="1" noAdjustHandles="1" noChangeArrowheads="1" noChangeShapeType="1" noTextEdit="1"/>
+                    </p:cNvSpPr>
+                    <p:nvPr/>
+                  </p:nvSpPr>
+                  <p:spPr>
+                    <a:xfrm>
+                      <a:off x="3608388" y="2082421"/>
+                      <a:ext cx="1083502" cy="261610"/>
+                    </a:xfrm>
+                    <a:prstGeom prst="rect">
+                      <a:avLst/>
+                    </a:prstGeom>
+                    <a:blipFill>
+                      <a:blip r:embed="rId44"/>
+                      <a:stretch>
+                        <a:fillRect/>
+                      </a:stretch>
+                    </a:blipFill>
+                  </p:spPr>
+                  <p:txBody>
+                    <a:bodyPr/>
+                    <a:lstStyle/>
+                    <a:p>
+                      <a:r>
+                        <a:rPr lang="en-US">
+                          <a:noFill/>
+                        </a:rPr>
+                        <a:t> </a:t>
+                      </a:r>
+                    </a:p>
+                  </p:txBody>
+                </p:sp>
+              </mc:Fallback>
+            </mc:AlternateContent>
+            <mc:AlternateContent xmlns:mc="http://schemas.openxmlformats.org/markup-compatibility/2006" xmlns:a14="http://schemas.microsoft.com/office/drawing/2010/main">
+              <mc:Choice Requires="a14">
+                <p:sp>
+                  <p:nvSpPr>
+                    <p:cNvPr id="100" name="TextBox 99">
+                      <a:extLst>
+                        <a:ext uri="{FF2B5EF4-FFF2-40B4-BE49-F238E27FC236}">
+                          <a16:creationId xmlns:a16="http://schemas.microsoft.com/office/drawing/2014/main" id="{AD5F2F86-6CC5-C2DD-BAB1-595E6ED7A0A8}"/>
+                        </a:ext>
+                      </a:extLst>
+                    </p:cNvPr>
+                    <p:cNvSpPr txBox="1"/>
+                    <p:nvPr/>
+                  </p:nvSpPr>
+                  <p:spPr>
+                    <a:xfrm>
+                      <a:off x="3972382" y="2765102"/>
+                      <a:ext cx="754887" cy="261610"/>
+                    </a:xfrm>
+                    <a:prstGeom prst="rect">
+                      <a:avLst/>
+                    </a:prstGeom>
+                    <a:noFill/>
+                  </p:spPr>
+                  <p:txBody>
+                    <a:bodyPr wrap="none" rtlCol="0">
+                      <a:spAutoFit/>
+                    </a:bodyPr>
+                    <a:lstStyle/>
+                    <a:p>
+                      <a:pPr/>
+                      <a14:m>
+                        <m:oMathPara xmlns:m="http://schemas.openxmlformats.org/officeDocument/2006/math">
+                          <m:oMathParaPr>
+                            <m:jc m:val="centerGroup"/>
+                          </m:oMathParaPr>
+                          <m:oMath xmlns:m="http://schemas.openxmlformats.org/officeDocument/2006/math">
+                            <m:d>
+                              <m:dPr>
+                                <m:ctrlPr>
+                                  <a:rPr lang="en-US" sz="1100" b="0" i="1" dirty="0" smtClean="0">
+                                    <a:solidFill>
+                                      <a:srgbClr val="C00000"/>
+                                    </a:solidFill>
+                                    <a:latin typeface="Cambria Math" panose="02040503050406030204" pitchFamily="18" charset="0"/>
+                                  </a:rPr>
+                                </m:ctrlPr>
+                              </m:dPr>
+                              <m:e>
+                                <m:r>
+                                  <a:rPr lang="en-US" sz="1100" b="0" i="1" dirty="0" smtClean="0">
+                                    <a:solidFill>
+                                      <a:srgbClr val="C00000"/>
+                                    </a:solidFill>
+                                    <a:latin typeface="Cambria Math" panose="02040503050406030204" pitchFamily="18" charset="0"/>
+                                  </a:rPr>
+                                  <m:t>−1,−1</m:t>
+                                </m:r>
+                              </m:e>
+                            </m:d>
+                          </m:oMath>
+                        </m:oMathPara>
+                      </a14:m>
+                      <a:endParaRPr lang="en-US" sz="1100" dirty="0">
+                        <a:solidFill>
+                          <a:srgbClr val="C00000"/>
+                        </a:solidFill>
+                      </a:endParaRPr>
+                    </a:p>
+                  </p:txBody>
+                </p:sp>
+              </mc:Choice>
+              <mc:Fallback xmlns="">
+                <p:sp>
+                  <p:nvSpPr>
+                    <p:cNvPr id="100" name="TextBox 99">
+                      <a:extLst>
+                        <a:ext uri="{FF2B5EF4-FFF2-40B4-BE49-F238E27FC236}">
+                          <a16:creationId xmlns:a16="http://schemas.microsoft.com/office/drawing/2014/main" id="{AD5F2F86-6CC5-C2DD-BAB1-595E6ED7A0A8}"/>
+                        </a:ext>
+                      </a:extLst>
+                    </p:cNvPr>
+                    <p:cNvSpPr txBox="1">
+                      <a:spLocks noRot="1" noChangeAspect="1" noMove="1" noResize="1" noEditPoints="1" noAdjustHandles="1" noChangeArrowheads="1" noChangeShapeType="1" noTextEdit="1"/>
+                    </p:cNvSpPr>
+                    <p:nvPr/>
+                  </p:nvSpPr>
+                  <p:spPr>
+                    <a:xfrm>
+                      <a:off x="3972382" y="2765102"/>
+                      <a:ext cx="754887" cy="261610"/>
+                    </a:xfrm>
+                    <a:prstGeom prst="rect">
+                      <a:avLst/>
+                    </a:prstGeom>
+                    <a:blipFill>
+                      <a:blip r:embed="rId45"/>
+                      <a:stretch>
+                        <a:fillRect/>
+                      </a:stretch>
+                    </a:blipFill>
+                  </p:spPr>
+                  <p:txBody>
+                    <a:bodyPr/>
+                    <a:lstStyle/>
+                    <a:p>
+                      <a:r>
+                        <a:rPr lang="en-US">
+                          <a:noFill/>
+                        </a:rPr>
+                        <a:t> </a:t>
+                      </a:r>
+                    </a:p>
+                  </p:txBody>
+                </p:sp>
+              </mc:Fallback>
+            </mc:AlternateContent>
+            <mc:AlternateContent xmlns:mc="http://schemas.openxmlformats.org/markup-compatibility/2006" xmlns:a14="http://schemas.microsoft.com/office/drawing/2010/main">
+              <mc:Choice Requires="a14">
+                <p:sp>
+                  <p:nvSpPr>
+                    <p:cNvPr id="101" name="TextBox 100">
+                      <a:extLst>
+                        <a:ext uri="{FF2B5EF4-FFF2-40B4-BE49-F238E27FC236}">
+                          <a16:creationId xmlns:a16="http://schemas.microsoft.com/office/drawing/2014/main" id="{901D8A5B-1E64-08D6-25A1-7C79E74C76F0}"/>
+                        </a:ext>
+                      </a:extLst>
+                    </p:cNvPr>
+                    <p:cNvSpPr txBox="1"/>
+                    <p:nvPr/>
+                  </p:nvSpPr>
+                  <p:spPr>
+                    <a:xfrm>
+                      <a:off x="4982467" y="1770167"/>
+                      <a:ext cx="519758" cy="261610"/>
+                    </a:xfrm>
+                    <a:prstGeom prst="rect">
+                      <a:avLst/>
+                    </a:prstGeom>
+                    <a:noFill/>
+                  </p:spPr>
+                  <p:txBody>
+                    <a:bodyPr wrap="none" rtlCol="0">
+                      <a:spAutoFit/>
+                    </a:bodyPr>
+                    <a:lstStyle/>
+                    <a:p>
+                      <a:pPr/>
+                      <a14:m>
+                        <m:oMathPara xmlns:m="http://schemas.openxmlformats.org/officeDocument/2006/math">
+                          <m:oMathParaPr>
+                            <m:jc m:val="centerGroup"/>
+                          </m:oMathParaPr>
+                          <m:oMath xmlns:m="http://schemas.openxmlformats.org/officeDocument/2006/math">
+                            <m:d>
+                              <m:dPr>
+                                <m:ctrlPr>
+                                  <a:rPr lang="en-US" sz="1100" b="0" i="1" dirty="0" smtClean="0">
+                                    <a:solidFill>
+                                      <a:srgbClr val="C00000"/>
+                                    </a:solidFill>
+                                    <a:latin typeface="Cambria Math" panose="02040503050406030204" pitchFamily="18" charset="0"/>
+                                  </a:rPr>
+                                </m:ctrlPr>
+                              </m:dPr>
+                              <m:e>
+                                <m:r>
+                                  <a:rPr lang="en-US" sz="1100" b="0" i="1" dirty="0" smtClean="0">
+                                    <a:solidFill>
+                                      <a:srgbClr val="C00000"/>
+                                    </a:solidFill>
+                                    <a:latin typeface="Cambria Math" panose="02040503050406030204" pitchFamily="18" charset="0"/>
+                                  </a:rPr>
+                                  <m:t>1,1</m:t>
+                                </m:r>
+                              </m:e>
+                            </m:d>
+                          </m:oMath>
+                        </m:oMathPara>
+                      </a14:m>
+                      <a:endParaRPr lang="en-US" sz="1100" dirty="0">
+                        <a:solidFill>
+                          <a:srgbClr val="C00000"/>
+                        </a:solidFill>
+                      </a:endParaRPr>
+                    </a:p>
+                  </p:txBody>
+                </p:sp>
+              </mc:Choice>
+              <mc:Fallback xmlns="">
+                <p:sp>
+                  <p:nvSpPr>
+                    <p:cNvPr id="101" name="TextBox 100">
+                      <a:extLst>
+                        <a:ext uri="{FF2B5EF4-FFF2-40B4-BE49-F238E27FC236}">
+                          <a16:creationId xmlns:a16="http://schemas.microsoft.com/office/drawing/2014/main" id="{901D8A5B-1E64-08D6-25A1-7C79E74C76F0}"/>
+                        </a:ext>
+                      </a:extLst>
+                    </p:cNvPr>
+                    <p:cNvSpPr txBox="1">
+                      <a:spLocks noRot="1" noChangeAspect="1" noMove="1" noResize="1" noEditPoints="1" noAdjustHandles="1" noChangeArrowheads="1" noChangeShapeType="1" noTextEdit="1"/>
+                    </p:cNvSpPr>
+                    <p:nvPr/>
+                  </p:nvSpPr>
+                  <p:spPr>
+                    <a:xfrm>
+                      <a:off x="4982467" y="1770167"/>
+                      <a:ext cx="519758" cy="261610"/>
+                    </a:xfrm>
+                    <a:prstGeom prst="rect">
+                      <a:avLst/>
+                    </a:prstGeom>
+                    <a:blipFill>
+                      <a:blip r:embed="rId46"/>
+                      <a:stretch>
+                        <a:fillRect/>
+                      </a:stretch>
+                    </a:blipFill>
+                  </p:spPr>
+                  <p:txBody>
+                    <a:bodyPr/>
+                    <a:lstStyle/>
+                    <a:p>
+                      <a:r>
+                        <a:rPr lang="en-US">
+                          <a:noFill/>
+                        </a:rPr>
+                        <a:t> </a:t>
+                      </a:r>
+                    </a:p>
+                  </p:txBody>
+                </p:sp>
+              </mc:Fallback>
+            </mc:AlternateContent>
+            <p:grpSp>
+              <p:nvGrpSpPr>
+                <p:cNvPr id="102" name="Group 101">
+                  <a:extLst>
+                    <a:ext uri="{FF2B5EF4-FFF2-40B4-BE49-F238E27FC236}">
+                      <a16:creationId xmlns:a16="http://schemas.microsoft.com/office/drawing/2014/main" id="{7F7C010E-0FD9-D0E5-22A6-274A1D1CFC90}"/>
+                    </a:ext>
+                  </a:extLst>
+                </p:cNvPr>
+                <p:cNvGrpSpPr/>
+                <p:nvPr/>
+              </p:nvGrpSpPr>
+              <p:grpSpPr>
+                <a:xfrm>
+                  <a:off x="4288545" y="2193639"/>
+                  <a:ext cx="1041586" cy="439162"/>
+                  <a:chOff x="4288545" y="2193639"/>
+                  <a:chExt cx="1041586" cy="439162"/>
+                </a:xfrm>
+              </p:grpSpPr>
+              <p:grpSp>
+                <p:nvGrpSpPr>
+                  <p:cNvPr id="103" name="Group 102">
+                    <a:extLst>
+                      <a:ext uri="{FF2B5EF4-FFF2-40B4-BE49-F238E27FC236}">
+                        <a16:creationId xmlns:a16="http://schemas.microsoft.com/office/drawing/2014/main" id="{6AC8E54E-AAA6-984C-07A2-9A857C306D2F}"/>
+                      </a:ext>
+                    </a:extLst>
+                  </p:cNvPr>
+                  <p:cNvGrpSpPr/>
+                  <p:nvPr/>
+                </p:nvGrpSpPr>
+                <p:grpSpPr>
+                  <a:xfrm rot="18900000">
+                    <a:off x="4288545" y="2501991"/>
+                    <a:ext cx="699757" cy="130810"/>
+                    <a:chOff x="4217257" y="2212303"/>
+                    <a:chExt cx="699757" cy="130810"/>
+                  </a:xfrm>
+                </p:grpSpPr>
+                <p:cxnSp>
+                  <p:nvCxnSpPr>
+                    <p:cNvPr id="107" name="Straight Arrow Connector 106">
+                      <a:extLst>
+                        <a:ext uri="{FF2B5EF4-FFF2-40B4-BE49-F238E27FC236}">
+                          <a16:creationId xmlns:a16="http://schemas.microsoft.com/office/drawing/2014/main" id="{4DE879F3-6BB0-CE07-42F4-B6B9494FA45A}"/>
+                        </a:ext>
+                      </a:extLst>
+                    </p:cNvPr>
+                    <p:cNvCxnSpPr>
+                      <a:cxnSpLocks/>
+                    </p:cNvCxnSpPr>
+                    <p:nvPr/>
+                  </p:nvCxnSpPr>
+                  <p:spPr>
+                    <a:xfrm rot="5400000">
+                      <a:off x="4516977" y="1995149"/>
+                      <a:ext cx="0" cy="599440"/>
+                    </a:xfrm>
+                    <a:prstGeom prst="straightConnector1">
+                      <a:avLst/>
+                    </a:prstGeom>
+                    <a:ln w="19050">
+                      <a:solidFill>
+                        <a:srgbClr val="C00000"/>
+                      </a:solidFill>
+                      <a:tailEnd type="triangle"/>
+                    </a:ln>
+                  </p:spPr>
+                  <p:style>
+                    <a:lnRef idx="1">
+                      <a:schemeClr val="accent1"/>
+                    </a:lnRef>
+                    <a:fillRef idx="0">
+                      <a:schemeClr val="accent1"/>
+                    </a:fillRef>
+                    <a:effectRef idx="0">
+                      <a:schemeClr val="accent1"/>
+                    </a:effectRef>
+                    <a:fontRef idx="minor">
+                      <a:schemeClr val="tx1"/>
+                    </a:fontRef>
+                  </p:style>
+                </p:cxnSp>
+                <p:sp>
+                  <p:nvSpPr>
+                    <p:cNvPr id="108" name="L-Shape 107">
+                      <a:extLst>
+                        <a:ext uri="{FF2B5EF4-FFF2-40B4-BE49-F238E27FC236}">
+                          <a16:creationId xmlns:a16="http://schemas.microsoft.com/office/drawing/2014/main" id="{C0963204-5C4D-5889-FFFA-B08AB437C56E}"/>
+                        </a:ext>
+                      </a:extLst>
+                    </p:cNvPr>
+                    <p:cNvSpPr/>
+                    <p:nvPr/>
+                  </p:nvSpPr>
+                  <p:spPr>
+                    <a:xfrm>
+                      <a:off x="4767119" y="2295851"/>
+                      <a:ext cx="45719" cy="47262"/>
+                    </a:xfrm>
+                    <a:prstGeom prst="corner">
+                      <a:avLst>
+                        <a:gd name="adj1" fmla="val 0"/>
+                        <a:gd name="adj2" fmla="val 0"/>
+                      </a:avLst>
+                    </a:prstGeom>
+                    <a:solidFill>
+                      <a:srgbClr val="C00000"/>
+                    </a:solidFill>
+                    <a:ln w="9525">
+                      <a:solidFill>
+                        <a:srgbClr val="C00000"/>
+                      </a:solidFill>
+                    </a:ln>
+                  </p:spPr>
+                  <p:style>
+                    <a:lnRef idx="2">
+                      <a:schemeClr val="accent1">
+                        <a:shade val="50000"/>
+                      </a:schemeClr>
+                    </a:lnRef>
+                    <a:fillRef idx="1">
+                      <a:schemeClr val="accent1"/>
+                    </a:fillRef>
+                    <a:effectRef idx="0">
+                      <a:schemeClr val="accent1"/>
+                    </a:effectRef>
+                    <a:fontRef idx="minor">
+                      <a:schemeClr val="lt1"/>
+                    </a:fontRef>
+                  </p:style>
+                  <p:txBody>
+                    <a:bodyPr rtlCol="0" anchor="ctr"/>
+                    <a:lstStyle/>
+                    <a:p>
+                      <a:pPr algn="ctr"/>
+                      <a:endParaRPr lang="en-US"/>
+                    </a:p>
+                  </p:txBody>
+                </p:sp>
+                <p:sp>
+                  <p:nvSpPr>
+                    <p:cNvPr id="109" name="Arc 108">
+                      <a:extLst>
+                        <a:ext uri="{FF2B5EF4-FFF2-40B4-BE49-F238E27FC236}">
+                          <a16:creationId xmlns:a16="http://schemas.microsoft.com/office/drawing/2014/main" id="{13606DDC-EB42-C085-B7C9-DB76912D8BA9}"/>
+                        </a:ext>
+                      </a:extLst>
+                    </p:cNvPr>
+                    <p:cNvSpPr/>
+                    <p:nvPr/>
+                  </p:nvSpPr>
+                  <p:spPr>
+                    <a:xfrm rot="18900000">
+                      <a:off x="4712175" y="2212303"/>
+                      <a:ext cx="204839" cy="117142"/>
+                    </a:xfrm>
+                    <a:prstGeom prst="arc">
+                      <a:avLst>
+                        <a:gd name="adj1" fmla="val 16200000"/>
+                        <a:gd name="adj2" fmla="val 1945207"/>
+                      </a:avLst>
+                    </a:prstGeom>
+                    <a:ln w="9525">
+                      <a:solidFill>
+                        <a:srgbClr val="C00000"/>
+                      </a:solidFill>
+                    </a:ln>
+                  </p:spPr>
+                  <p:style>
+                    <a:lnRef idx="1">
+                      <a:schemeClr val="accent1"/>
+                    </a:lnRef>
+                    <a:fillRef idx="0">
+                      <a:schemeClr val="accent1"/>
+                    </a:fillRef>
+                    <a:effectRef idx="0">
+                      <a:schemeClr val="accent1"/>
+                    </a:effectRef>
+                    <a:fontRef idx="minor">
+                      <a:schemeClr val="tx1"/>
+                    </a:fontRef>
+                  </p:style>
+                  <p:txBody>
+                    <a:bodyPr rtlCol="0" anchor="ctr"/>
+                    <a:lstStyle/>
+                    <a:p>
+                      <a:pPr algn="ctr"/>
+                      <a:endParaRPr lang="en-US"/>
+                    </a:p>
+                  </p:txBody>
+                </p:sp>
+              </p:grpSp>
+              <p:grpSp>
+                <p:nvGrpSpPr>
+                  <p:cNvPr id="104" name="Group 103">
+                    <a:extLst>
+                      <a:ext uri="{FF2B5EF4-FFF2-40B4-BE49-F238E27FC236}">
+                        <a16:creationId xmlns:a16="http://schemas.microsoft.com/office/drawing/2014/main" id="{B2A189D1-5B3C-921D-4F4C-3DDC75003362}"/>
+                      </a:ext>
+                    </a:extLst>
+                  </p:cNvPr>
+                  <p:cNvGrpSpPr/>
+                  <p:nvPr/>
+                </p:nvGrpSpPr>
+                <p:grpSpPr>
+                  <a:xfrm>
+                    <a:off x="4730691" y="2193639"/>
+                    <a:ext cx="599440" cy="236247"/>
+                    <a:chOff x="5815532" y="2082141"/>
+                    <a:chExt cx="599440" cy="236247"/>
+                  </a:xfrm>
+                </p:grpSpPr>
+                <p:cxnSp>
+                  <p:nvCxnSpPr>
+                    <p:cNvPr id="105" name="Straight Arrow Connector 104">
+                      <a:extLst>
+                        <a:ext uri="{FF2B5EF4-FFF2-40B4-BE49-F238E27FC236}">
+                          <a16:creationId xmlns:a16="http://schemas.microsoft.com/office/drawing/2014/main" id="{839804FB-8E3D-0781-2B00-F285436EC196}"/>
+                        </a:ext>
+                      </a:extLst>
+                    </p:cNvPr>
+                    <p:cNvCxnSpPr>
+                      <a:cxnSpLocks/>
+                    </p:cNvCxnSpPr>
+                    <p:nvPr/>
+                  </p:nvCxnSpPr>
+                  <p:spPr>
+                    <a:xfrm rot="13500000">
+                      <a:off x="6115252" y="1782421"/>
+                      <a:ext cx="0" cy="599440"/>
+                    </a:xfrm>
+                    <a:prstGeom prst="straightConnector1">
+                      <a:avLst/>
+                    </a:prstGeom>
+                    <a:ln w="19050">
+                      <a:solidFill>
+                        <a:srgbClr val="C00000"/>
+                      </a:solidFill>
+                      <a:tailEnd type="triangle"/>
+                    </a:ln>
+                  </p:spPr>
+                  <p:style>
+                    <a:lnRef idx="1">
+                      <a:schemeClr val="accent1"/>
+                    </a:lnRef>
+                    <a:fillRef idx="0">
+                      <a:schemeClr val="accent1"/>
+                    </a:fillRef>
+                    <a:effectRef idx="0">
+                      <a:schemeClr val="accent1"/>
+                    </a:effectRef>
+                    <a:fontRef idx="minor">
+                      <a:schemeClr val="tx1"/>
+                    </a:fontRef>
+                  </p:style>
+                </p:cxnSp>
+                <p:sp>
+                  <p:nvSpPr>
+                    <p:cNvPr id="106" name="L-Shape 105">
+                      <a:extLst>
+                        <a:ext uri="{FF2B5EF4-FFF2-40B4-BE49-F238E27FC236}">
+                          <a16:creationId xmlns:a16="http://schemas.microsoft.com/office/drawing/2014/main" id="{D177FB16-2756-2642-76AD-C02780A9D751}"/>
+                        </a:ext>
+                      </a:extLst>
+                    </p:cNvPr>
+                    <p:cNvSpPr/>
+                    <p:nvPr/>
+                  </p:nvSpPr>
+                  <p:spPr>
+                    <a:xfrm rot="13500000">
+                      <a:off x="5921398" y="2271898"/>
+                      <a:ext cx="45719" cy="47262"/>
+                    </a:xfrm>
+                    <a:prstGeom prst="corner">
+                      <a:avLst>
+                        <a:gd name="adj1" fmla="val 0"/>
+                        <a:gd name="adj2" fmla="val 0"/>
+                      </a:avLst>
+                    </a:prstGeom>
+                    <a:solidFill>
+                      <a:srgbClr val="C00000"/>
+                    </a:solidFill>
+                    <a:ln w="9525">
+                      <a:solidFill>
+                        <a:srgbClr val="C00000"/>
+                      </a:solidFill>
+                    </a:ln>
+                  </p:spPr>
+                  <p:style>
+                    <a:lnRef idx="2">
+                      <a:schemeClr val="accent1">
+                        <a:shade val="50000"/>
+                      </a:schemeClr>
+                    </a:lnRef>
+                    <a:fillRef idx="1">
+                      <a:schemeClr val="accent1"/>
+                    </a:fillRef>
+                    <a:effectRef idx="0">
+                      <a:schemeClr val="accent1"/>
+                    </a:effectRef>
+                    <a:fontRef idx="minor">
+                      <a:schemeClr val="lt1"/>
+                    </a:fontRef>
+                  </p:style>
+                  <p:txBody>
+                    <a:bodyPr rtlCol="0" anchor="ctr"/>
+                    <a:lstStyle/>
+                    <a:p>
+                      <a:pPr algn="ctr"/>
+                      <a:endParaRPr lang="en-US" dirty="0"/>
+                    </a:p>
+                  </p:txBody>
+                </p:sp>
+              </p:grpSp>
+            </p:grpSp>
+          </p:grpSp>
+          <p:grpSp>
+            <p:nvGrpSpPr>
+              <p:cNvPr id="87" name="Group 86">
+                <a:extLst>
+                  <a:ext uri="{FF2B5EF4-FFF2-40B4-BE49-F238E27FC236}">
+                    <a16:creationId xmlns:a16="http://schemas.microsoft.com/office/drawing/2014/main" id="{6C90DA1D-19B9-A0D7-C393-EC94E865DBB5}"/>
+                  </a:ext>
+                </a:extLst>
+              </p:cNvPr>
+              <p:cNvGrpSpPr/>
+              <p:nvPr/>
+            </p:nvGrpSpPr>
+            <p:grpSpPr>
+              <a:xfrm>
+                <a:off x="6429136" y="4020258"/>
+                <a:ext cx="1867360" cy="1271227"/>
+                <a:chOff x="6429136" y="4020258"/>
+                <a:chExt cx="1867360" cy="1271227"/>
+              </a:xfrm>
+            </p:grpSpPr>
+            <mc:AlternateContent xmlns:mc="http://schemas.openxmlformats.org/markup-compatibility/2006" xmlns:a14="http://schemas.microsoft.com/office/drawing/2010/main">
+              <mc:Choice Requires="a14">
+                <p:sp>
+                  <p:nvSpPr>
+                    <p:cNvPr id="88" name="TextBox 87">
+                      <a:extLst>
+                        <a:ext uri="{FF2B5EF4-FFF2-40B4-BE49-F238E27FC236}">
+                          <a16:creationId xmlns:a16="http://schemas.microsoft.com/office/drawing/2014/main" id="{B89DAAAE-355F-E5C8-26C5-E858C161027C}"/>
+                        </a:ext>
+                      </a:extLst>
+                    </p:cNvPr>
+                    <p:cNvSpPr txBox="1"/>
+                    <p:nvPr/>
+                  </p:nvSpPr>
+                  <p:spPr>
+                    <a:xfrm>
+                      <a:off x="7212994" y="4714610"/>
+                      <a:ext cx="1083502" cy="261610"/>
+                    </a:xfrm>
+                    <a:prstGeom prst="rect">
+                      <a:avLst/>
+                    </a:prstGeom>
+                    <a:noFill/>
+                  </p:spPr>
+                  <p:txBody>
+                    <a:bodyPr wrap="none" rtlCol="0">
+                      <a:spAutoFit/>
+                    </a:bodyPr>
+                    <a:lstStyle/>
+                    <a:p>
+                      <a:pPr/>
+                      <a14:m>
+                        <m:oMathPara xmlns:m="http://schemas.openxmlformats.org/officeDocument/2006/math">
+                          <m:oMathParaPr>
+                            <m:jc m:val="centerGroup"/>
+                          </m:oMathParaPr>
+                          <m:oMath xmlns:m="http://schemas.openxmlformats.org/officeDocument/2006/math">
+                            <m:r>
+                              <m:rPr>
+                                <m:sty m:val="p"/>
+                              </m:rPr>
+                              <a:rPr lang="en-US" sz="1100" i="0" dirty="0" smtClean="0">
+                                <a:solidFill>
+                                  <a:srgbClr val="00B050"/>
+                                </a:solidFill>
+                                <a:latin typeface="Cambria Math" panose="02040503050406030204" pitchFamily="18" charset="0"/>
+                              </a:rPr>
+                              <m:t>Solution</m:t>
+                            </m:r>
+                            <m:r>
+                              <a:rPr lang="en-US" sz="1100" b="0" i="0" dirty="0" smtClean="0">
+                                <a:solidFill>
+                                  <a:srgbClr val="00B050"/>
+                                </a:solidFill>
+                                <a:latin typeface="Cambria Math" panose="02040503050406030204" pitchFamily="18" charset="0"/>
+                              </a:rPr>
+                              <m:t>:</m:t>
+                            </m:r>
+                            <m:d>
+                              <m:dPr>
+                                <m:ctrlPr>
+                                  <a:rPr lang="en-US" sz="1100" b="0" i="1" dirty="0" smtClean="0">
+                                    <a:solidFill>
+                                      <a:srgbClr val="00B050"/>
+                                    </a:solidFill>
+                                    <a:latin typeface="Cambria Math" panose="02040503050406030204" pitchFamily="18" charset="0"/>
+                                  </a:rPr>
+                                </m:ctrlPr>
+                              </m:dPr>
+                              <m:e>
+                                <m:r>
+                                  <a:rPr lang="en-US" sz="1100" b="0" i="1" dirty="0" smtClean="0">
+                                    <a:solidFill>
+                                      <a:srgbClr val="00B050"/>
+                                    </a:solidFill>
+                                    <a:latin typeface="Cambria Math" panose="02040503050406030204" pitchFamily="18" charset="0"/>
+                                  </a:rPr>
+                                  <m:t>1,0</m:t>
+                                </m:r>
+                              </m:e>
+                            </m:d>
+                          </m:oMath>
+                        </m:oMathPara>
+                      </a14:m>
+                      <a:endParaRPr lang="en-US" sz="1100" dirty="0">
+                        <a:solidFill>
+                          <a:srgbClr val="00B050"/>
+                        </a:solidFill>
+                      </a:endParaRPr>
+                    </a:p>
+                  </p:txBody>
+                </p:sp>
+              </mc:Choice>
+              <mc:Fallback xmlns="">
+                <p:sp>
+                  <p:nvSpPr>
+                    <p:cNvPr id="88" name="TextBox 87">
+                      <a:extLst>
+                        <a:ext uri="{FF2B5EF4-FFF2-40B4-BE49-F238E27FC236}">
+                          <a16:creationId xmlns:a16="http://schemas.microsoft.com/office/drawing/2014/main" id="{B89DAAAE-355F-E5C8-26C5-E858C161027C}"/>
+                        </a:ext>
+                      </a:extLst>
+                    </p:cNvPr>
+                    <p:cNvSpPr txBox="1">
+                      <a:spLocks noRot="1" noChangeAspect="1" noMove="1" noResize="1" noEditPoints="1" noAdjustHandles="1" noChangeArrowheads="1" noChangeShapeType="1" noTextEdit="1"/>
+                    </p:cNvSpPr>
+                    <p:nvPr/>
+                  </p:nvSpPr>
+                  <p:spPr>
+                    <a:xfrm>
+                      <a:off x="7212994" y="4714610"/>
+                      <a:ext cx="1083502" cy="261610"/>
+                    </a:xfrm>
+                    <a:prstGeom prst="rect">
+                      <a:avLst/>
+                    </a:prstGeom>
+                    <a:blipFill>
+                      <a:blip r:embed="rId47"/>
+                      <a:stretch>
+                        <a:fillRect/>
+                      </a:stretch>
+                    </a:blipFill>
+                  </p:spPr>
+                  <p:txBody>
+                    <a:bodyPr/>
+                    <a:lstStyle/>
+                    <a:p>
+                      <a:r>
+                        <a:rPr lang="en-US">
+                          <a:noFill/>
+                        </a:rPr>
+                        <a:t> </a:t>
+                      </a:r>
+                    </a:p>
+                  </p:txBody>
+                </p:sp>
+              </mc:Fallback>
+            </mc:AlternateContent>
+            <mc:AlternateContent xmlns:mc="http://schemas.openxmlformats.org/markup-compatibility/2006" xmlns:a14="http://schemas.microsoft.com/office/drawing/2010/main">
+              <mc:Choice Requires="a14">
+                <p:sp>
+                  <p:nvSpPr>
+                    <p:cNvPr id="89" name="TextBox 88">
+                      <a:extLst>
+                        <a:ext uri="{FF2B5EF4-FFF2-40B4-BE49-F238E27FC236}">
+                          <a16:creationId xmlns:a16="http://schemas.microsoft.com/office/drawing/2014/main" id="{96A0794C-1062-98C8-A0DA-CFFFE600F9D5}"/>
+                        </a:ext>
+                      </a:extLst>
+                    </p:cNvPr>
+                    <p:cNvSpPr txBox="1"/>
+                    <p:nvPr/>
+                  </p:nvSpPr>
+                  <p:spPr>
+                    <a:xfrm>
+                      <a:off x="6429136" y="5029875"/>
+                      <a:ext cx="649088" cy="261610"/>
+                    </a:xfrm>
+                    <a:prstGeom prst="rect">
+                      <a:avLst/>
+                    </a:prstGeom>
+                    <a:noFill/>
+                  </p:spPr>
+                  <p:txBody>
+                    <a:bodyPr wrap="none" rtlCol="0">
+                      <a:spAutoFit/>
+                    </a:bodyPr>
+                    <a:lstStyle/>
+                    <a:p>
+                      <a:pPr/>
+                      <a14:m>
+                        <m:oMathPara xmlns:m="http://schemas.openxmlformats.org/officeDocument/2006/math">
+                          <m:oMathParaPr>
+                            <m:jc m:val="centerGroup"/>
+                          </m:oMathParaPr>
+                          <m:oMath xmlns:m="http://schemas.openxmlformats.org/officeDocument/2006/math">
+                            <m:d>
+                              <m:dPr>
+                                <m:ctrlPr>
+                                  <a:rPr lang="en-US" sz="1100" b="0" i="1" dirty="0" smtClean="0">
+                                    <a:solidFill>
+                                      <a:srgbClr val="C00000"/>
+                                    </a:solidFill>
+                                    <a:latin typeface="Cambria Math" panose="02040503050406030204" pitchFamily="18" charset="0"/>
+                                  </a:rPr>
+                                </m:ctrlPr>
+                              </m:dPr>
+                              <m:e>
+                                <m:r>
+                                  <a:rPr lang="en-US" sz="1100" b="0" i="1" dirty="0" smtClean="0">
+                                    <a:solidFill>
+                                      <a:srgbClr val="C00000"/>
+                                    </a:solidFill>
+                                    <a:latin typeface="Cambria Math" panose="02040503050406030204" pitchFamily="18" charset="0"/>
+                                  </a:rPr>
+                                  <m:t>0,−1</m:t>
+                                </m:r>
+                              </m:e>
+                            </m:d>
+                          </m:oMath>
+                        </m:oMathPara>
+                      </a14:m>
+                      <a:endParaRPr lang="en-US" sz="1100" dirty="0">
+                        <a:solidFill>
+                          <a:srgbClr val="C00000"/>
+                        </a:solidFill>
+                      </a:endParaRPr>
+                    </a:p>
+                  </p:txBody>
+                </p:sp>
+              </mc:Choice>
+              <mc:Fallback xmlns="">
+                <p:sp>
+                  <p:nvSpPr>
+                    <p:cNvPr id="89" name="TextBox 88">
+                      <a:extLst>
+                        <a:ext uri="{FF2B5EF4-FFF2-40B4-BE49-F238E27FC236}">
+                          <a16:creationId xmlns:a16="http://schemas.microsoft.com/office/drawing/2014/main" id="{96A0794C-1062-98C8-A0DA-CFFFE600F9D5}"/>
+                        </a:ext>
+                      </a:extLst>
+                    </p:cNvPr>
+                    <p:cNvSpPr txBox="1">
+                      <a:spLocks noRot="1" noChangeAspect="1" noMove="1" noResize="1" noEditPoints="1" noAdjustHandles="1" noChangeArrowheads="1" noChangeShapeType="1" noTextEdit="1"/>
+                    </p:cNvSpPr>
+                    <p:nvPr/>
+                  </p:nvSpPr>
+                  <p:spPr>
+                    <a:xfrm>
+                      <a:off x="6429136" y="5029875"/>
+                      <a:ext cx="649088" cy="261610"/>
+                    </a:xfrm>
+                    <a:prstGeom prst="rect">
+                      <a:avLst/>
+                    </a:prstGeom>
+                    <a:blipFill>
+                      <a:blip r:embed="rId48"/>
+                      <a:stretch>
+                        <a:fillRect/>
+                      </a:stretch>
+                    </a:blipFill>
+                  </p:spPr>
+                  <p:txBody>
+                    <a:bodyPr/>
+                    <a:lstStyle/>
+                    <a:p>
+                      <a:r>
+                        <a:rPr lang="en-US">
+                          <a:noFill/>
+                        </a:rPr>
+                        <a:t> </a:t>
+                      </a:r>
+                    </a:p>
+                  </p:txBody>
+                </p:sp>
+              </mc:Fallback>
+            </mc:AlternateContent>
+            <mc:AlternateContent xmlns:mc="http://schemas.openxmlformats.org/markup-compatibility/2006" xmlns:a14="http://schemas.microsoft.com/office/drawing/2010/main">
+              <mc:Choice Requires="a14">
+                <p:sp>
+                  <p:nvSpPr>
+                    <p:cNvPr id="90" name="TextBox 89">
+                      <a:extLst>
+                        <a:ext uri="{FF2B5EF4-FFF2-40B4-BE49-F238E27FC236}">
+                          <a16:creationId xmlns:a16="http://schemas.microsoft.com/office/drawing/2014/main" id="{C8A63DB1-18BF-02A2-D9A5-5F6E2E91C21B}"/>
+                        </a:ext>
+                      </a:extLst>
+                    </p:cNvPr>
+                    <p:cNvSpPr txBox="1"/>
+                    <p:nvPr/>
+                  </p:nvSpPr>
+                  <p:spPr>
+                    <a:xfrm>
+                      <a:off x="7349442" y="4020258"/>
+                      <a:ext cx="519758" cy="261610"/>
+                    </a:xfrm>
+                    <a:prstGeom prst="rect">
+                      <a:avLst/>
+                    </a:prstGeom>
+                    <a:noFill/>
+                  </p:spPr>
+                  <p:txBody>
+                    <a:bodyPr wrap="none" rtlCol="0">
+                      <a:spAutoFit/>
+                    </a:bodyPr>
+                    <a:lstStyle/>
+                    <a:p>
+                      <a:pPr/>
+                      <a14:m>
+                        <m:oMathPara xmlns:m="http://schemas.openxmlformats.org/officeDocument/2006/math">
+                          <m:oMathParaPr>
+                            <m:jc m:val="centerGroup"/>
+                          </m:oMathParaPr>
+                          <m:oMath xmlns:m="http://schemas.openxmlformats.org/officeDocument/2006/math">
+                            <m:d>
+                              <m:dPr>
+                                <m:ctrlPr>
+                                  <a:rPr lang="en-US" sz="1100" b="0" i="1" dirty="0" smtClean="0">
+                                    <a:solidFill>
+                                      <a:srgbClr val="C00000"/>
+                                    </a:solidFill>
+                                    <a:latin typeface="Cambria Math" panose="02040503050406030204" pitchFamily="18" charset="0"/>
+                                  </a:rPr>
+                                </m:ctrlPr>
+                              </m:dPr>
+                              <m:e>
+                                <m:r>
+                                  <a:rPr lang="en-US" sz="1100" b="0" i="1" dirty="0" smtClean="0">
+                                    <a:solidFill>
+                                      <a:srgbClr val="C00000"/>
+                                    </a:solidFill>
+                                    <a:latin typeface="Cambria Math" panose="02040503050406030204" pitchFamily="18" charset="0"/>
+                                  </a:rPr>
+                                  <m:t>1,1</m:t>
+                                </m:r>
+                              </m:e>
+                            </m:d>
+                          </m:oMath>
+                        </m:oMathPara>
+                      </a14:m>
+                      <a:endParaRPr lang="en-US" sz="1100" dirty="0">
+                        <a:solidFill>
+                          <a:srgbClr val="C00000"/>
+                        </a:solidFill>
+                      </a:endParaRPr>
+                    </a:p>
+                  </p:txBody>
+                </p:sp>
+              </mc:Choice>
+              <mc:Fallback xmlns="">
+                <p:sp>
+                  <p:nvSpPr>
+                    <p:cNvPr id="90" name="TextBox 89">
+                      <a:extLst>
+                        <a:ext uri="{FF2B5EF4-FFF2-40B4-BE49-F238E27FC236}">
+                          <a16:creationId xmlns:a16="http://schemas.microsoft.com/office/drawing/2014/main" id="{C8A63DB1-18BF-02A2-D9A5-5F6E2E91C21B}"/>
+                        </a:ext>
+                      </a:extLst>
+                    </p:cNvPr>
+                    <p:cNvSpPr txBox="1">
+                      <a:spLocks noRot="1" noChangeAspect="1" noMove="1" noResize="1" noEditPoints="1" noAdjustHandles="1" noChangeArrowheads="1" noChangeShapeType="1" noTextEdit="1"/>
+                    </p:cNvSpPr>
+                    <p:nvPr/>
+                  </p:nvSpPr>
+                  <p:spPr>
+                    <a:xfrm>
+                      <a:off x="7349442" y="4020258"/>
+                      <a:ext cx="519758" cy="261610"/>
+                    </a:xfrm>
+                    <a:prstGeom prst="rect">
+                      <a:avLst/>
+                    </a:prstGeom>
+                    <a:blipFill>
+                      <a:blip r:embed="rId49"/>
+                      <a:stretch>
+                        <a:fillRect/>
+                      </a:stretch>
+                    </a:blipFill>
+                  </p:spPr>
+                  <p:txBody>
+                    <a:bodyPr/>
+                    <a:lstStyle/>
+                    <a:p>
+                      <a:r>
+                        <a:rPr lang="en-US">
+                          <a:noFill/>
+                        </a:rPr>
+                        <a:t> </a:t>
+                      </a:r>
+                    </a:p>
+                  </p:txBody>
+                </p:sp>
+              </mc:Fallback>
+            </mc:AlternateContent>
+            <p:grpSp>
+              <p:nvGrpSpPr>
+                <p:cNvPr id="91" name="Group 90">
+                  <a:extLst>
+                    <a:ext uri="{FF2B5EF4-FFF2-40B4-BE49-F238E27FC236}">
+                      <a16:creationId xmlns:a16="http://schemas.microsoft.com/office/drawing/2014/main" id="{98C17C0A-F298-4059-AB2C-08E74A576DC1}"/>
+                    </a:ext>
+                  </a:extLst>
+                </p:cNvPr>
+                <p:cNvGrpSpPr/>
+                <p:nvPr/>
+              </p:nvGrpSpPr>
+              <p:grpSpPr>
+                <a:xfrm>
+                  <a:off x="6510247" y="4396862"/>
+                  <a:ext cx="1016208" cy="482753"/>
+                  <a:chOff x="6510247" y="4396862"/>
+                  <a:chExt cx="1016208" cy="482753"/>
+                </a:xfrm>
+              </p:grpSpPr>
+              <p:grpSp>
+                <p:nvGrpSpPr>
+                  <p:cNvPr id="92" name="Group 91">
+                    <a:extLst>
+                      <a:ext uri="{FF2B5EF4-FFF2-40B4-BE49-F238E27FC236}">
+                        <a16:creationId xmlns:a16="http://schemas.microsoft.com/office/drawing/2014/main" id="{E80C0745-0F5E-0DF2-6C6C-2A69B6A53E26}"/>
+                      </a:ext>
+                    </a:extLst>
+                  </p:cNvPr>
+                  <p:cNvGrpSpPr/>
+                  <p:nvPr/>
+                </p:nvGrpSpPr>
+                <p:grpSpPr>
+                  <a:xfrm rot="2700000">
+                    <a:off x="6788109" y="4436229"/>
+                    <a:ext cx="165524" cy="721248"/>
+                    <a:chOff x="6964892" y="4376744"/>
+                    <a:chExt cx="165524" cy="721248"/>
+                  </a:xfrm>
+                </p:grpSpPr>
+                <p:cxnSp>
+                  <p:nvCxnSpPr>
+                    <p:cNvPr id="96" name="Straight Arrow Connector 95">
+                      <a:extLst>
+                        <a:ext uri="{FF2B5EF4-FFF2-40B4-BE49-F238E27FC236}">
+                          <a16:creationId xmlns:a16="http://schemas.microsoft.com/office/drawing/2014/main" id="{DDA5477D-39CB-2E26-42AC-FA93AD36D38A}"/>
+                        </a:ext>
+                      </a:extLst>
+                    </p:cNvPr>
+                    <p:cNvCxnSpPr/>
+                    <p:nvPr/>
+                  </p:nvCxnSpPr>
+                  <p:spPr>
+                    <a:xfrm>
+                      <a:off x="7018036" y="4498552"/>
+                      <a:ext cx="0" cy="599440"/>
+                    </a:xfrm>
+                    <a:prstGeom prst="straightConnector1">
+                      <a:avLst/>
+                    </a:prstGeom>
+                    <a:ln w="19050">
+                      <a:solidFill>
+                        <a:srgbClr val="C00000"/>
+                      </a:solidFill>
+                      <a:tailEnd type="triangle"/>
+                    </a:ln>
+                  </p:spPr>
+                  <p:style>
+                    <a:lnRef idx="1">
+                      <a:schemeClr val="accent1"/>
+                    </a:lnRef>
+                    <a:fillRef idx="0">
+                      <a:schemeClr val="accent1"/>
+                    </a:fillRef>
+                    <a:effectRef idx="0">
+                      <a:schemeClr val="accent1"/>
+                    </a:effectRef>
+                    <a:fontRef idx="minor">
+                      <a:schemeClr val="tx1"/>
+                    </a:fontRef>
+                  </p:style>
+                </p:cxnSp>
+                <p:sp>
+                  <p:nvSpPr>
+                    <p:cNvPr id="97" name="L-Shape 96">
+                      <a:extLst>
+                        <a:ext uri="{FF2B5EF4-FFF2-40B4-BE49-F238E27FC236}">
+                          <a16:creationId xmlns:a16="http://schemas.microsoft.com/office/drawing/2014/main" id="{0CE9D526-33CC-8348-455E-9AFD0CB00DB1}"/>
+                        </a:ext>
+                      </a:extLst>
+                    </p:cNvPr>
+                    <p:cNvSpPr/>
+                    <p:nvPr/>
+                  </p:nvSpPr>
+                  <p:spPr>
+                    <a:xfrm>
+                      <a:off x="6965494" y="4507658"/>
+                      <a:ext cx="45719" cy="47262"/>
+                    </a:xfrm>
+                    <a:prstGeom prst="corner">
+                      <a:avLst>
+                        <a:gd name="adj1" fmla="val 0"/>
+                        <a:gd name="adj2" fmla="val 0"/>
+                      </a:avLst>
+                    </a:prstGeom>
+                    <a:solidFill>
+                      <a:srgbClr val="C00000"/>
+                    </a:solidFill>
+                    <a:ln w="9525">
+                      <a:solidFill>
+                        <a:srgbClr val="C00000"/>
+                      </a:solidFill>
+                    </a:ln>
+                  </p:spPr>
+                  <p:style>
+                    <a:lnRef idx="2">
+                      <a:schemeClr val="accent1">
+                        <a:shade val="50000"/>
+                      </a:schemeClr>
+                    </a:lnRef>
+                    <a:fillRef idx="1">
+                      <a:schemeClr val="accent1"/>
+                    </a:fillRef>
+                    <a:effectRef idx="0">
+                      <a:schemeClr val="accent1"/>
+                    </a:effectRef>
+                    <a:fontRef idx="minor">
+                      <a:schemeClr val="lt1"/>
+                    </a:fontRef>
+                  </p:style>
+                  <p:txBody>
+                    <a:bodyPr rtlCol="0" anchor="ctr"/>
+                    <a:lstStyle/>
+                    <a:p>
+                      <a:pPr algn="ctr"/>
+                      <a:endParaRPr lang="en-US" dirty="0"/>
+                    </a:p>
+                  </p:txBody>
+                </p:sp>
+                <p:sp>
+                  <p:nvSpPr>
+                    <p:cNvPr id="98" name="Arc 97">
+                      <a:extLst>
+                        <a:ext uri="{FF2B5EF4-FFF2-40B4-BE49-F238E27FC236}">
+                          <a16:creationId xmlns:a16="http://schemas.microsoft.com/office/drawing/2014/main" id="{357B6A12-AF77-FAB3-2E18-C5C8E4B49D83}"/>
+                        </a:ext>
+                      </a:extLst>
+                    </p:cNvPr>
+                    <p:cNvSpPr/>
+                    <p:nvPr/>
+                  </p:nvSpPr>
+                  <p:spPr>
+                    <a:xfrm rot="1800000">
+                      <a:off x="6964892" y="4376744"/>
+                      <a:ext cx="165524" cy="219943"/>
+                    </a:xfrm>
+                    <a:prstGeom prst="arc">
+                      <a:avLst>
+                        <a:gd name="adj1" fmla="val 15156909"/>
+                        <a:gd name="adj2" fmla="val 1087397"/>
+                      </a:avLst>
+                    </a:prstGeom>
+                    <a:ln w="9525">
+                      <a:solidFill>
+                        <a:srgbClr val="C00000"/>
+                      </a:solidFill>
+                    </a:ln>
+                  </p:spPr>
+                  <p:style>
+                    <a:lnRef idx="1">
+                      <a:schemeClr val="accent1"/>
+                    </a:lnRef>
+                    <a:fillRef idx="0">
+                      <a:schemeClr val="accent1"/>
+                    </a:fillRef>
+                    <a:effectRef idx="0">
+                      <a:schemeClr val="accent1"/>
+                    </a:effectRef>
+                    <a:fontRef idx="minor">
+                      <a:schemeClr val="tx1"/>
+                    </a:fontRef>
+                  </p:style>
+                  <p:txBody>
+                    <a:bodyPr rtlCol="0" anchor="ctr"/>
+                    <a:lstStyle/>
+                    <a:p>
+                      <a:pPr algn="ctr"/>
+                      <a:endParaRPr lang="en-US"/>
+                    </a:p>
+                  </p:txBody>
+                </p:sp>
+              </p:grpSp>
+              <p:grpSp>
+                <p:nvGrpSpPr>
+                  <p:cNvPr id="93" name="Group 92">
+                    <a:extLst>
+                      <a:ext uri="{FF2B5EF4-FFF2-40B4-BE49-F238E27FC236}">
+                        <a16:creationId xmlns:a16="http://schemas.microsoft.com/office/drawing/2014/main" id="{D2EBE5B7-881C-5959-4A08-45D9D5EEB504}"/>
+                      </a:ext>
+                    </a:extLst>
+                  </p:cNvPr>
+                  <p:cNvGrpSpPr/>
+                  <p:nvPr/>
+                </p:nvGrpSpPr>
+                <p:grpSpPr>
+                  <a:xfrm>
+                    <a:off x="6927015" y="4396862"/>
+                    <a:ext cx="599440" cy="197753"/>
+                    <a:chOff x="6929583" y="3192890"/>
+                    <a:chExt cx="599440" cy="197753"/>
+                  </a:xfrm>
+                </p:grpSpPr>
+                <p:cxnSp>
+                  <p:nvCxnSpPr>
+                    <p:cNvPr id="94" name="Straight Arrow Connector 93">
+                      <a:extLst>
+                        <a:ext uri="{FF2B5EF4-FFF2-40B4-BE49-F238E27FC236}">
+                          <a16:creationId xmlns:a16="http://schemas.microsoft.com/office/drawing/2014/main" id="{9DA69D87-E46B-16E3-BE20-B3DCE8C60DE7}"/>
+                        </a:ext>
+                      </a:extLst>
+                    </p:cNvPr>
+                    <p:cNvCxnSpPr>
+                      <a:cxnSpLocks/>
+                    </p:cNvCxnSpPr>
+                    <p:nvPr/>
+                  </p:nvCxnSpPr>
+                  <p:spPr>
+                    <a:xfrm rot="13500000">
+                      <a:off x="7229303" y="2893170"/>
+                      <a:ext cx="0" cy="599440"/>
+                    </a:xfrm>
+                    <a:prstGeom prst="straightConnector1">
+                      <a:avLst/>
+                    </a:prstGeom>
+                    <a:ln w="19050">
+                      <a:solidFill>
+                        <a:srgbClr val="C00000"/>
+                      </a:solidFill>
+                      <a:tailEnd type="triangle"/>
+                    </a:ln>
+                  </p:spPr>
+                  <p:style>
+                    <a:lnRef idx="1">
+                      <a:schemeClr val="accent1"/>
+                    </a:lnRef>
+                    <a:fillRef idx="0">
+                      <a:schemeClr val="accent1"/>
+                    </a:fillRef>
+                    <a:effectRef idx="0">
+                      <a:schemeClr val="accent1"/>
+                    </a:effectRef>
+                    <a:fontRef idx="minor">
+                      <a:schemeClr val="tx1"/>
+                    </a:fontRef>
+                  </p:style>
+                </p:cxnSp>
+                <p:sp>
+                  <p:nvSpPr>
+                    <p:cNvPr id="95" name="L-Shape 94">
+                      <a:extLst>
+                        <a:ext uri="{FF2B5EF4-FFF2-40B4-BE49-F238E27FC236}">
+                          <a16:creationId xmlns:a16="http://schemas.microsoft.com/office/drawing/2014/main" id="{63D8FE7D-413D-F661-BD24-1725A69A0CD1}"/>
+                        </a:ext>
+                      </a:extLst>
+                    </p:cNvPr>
+                    <p:cNvSpPr/>
+                    <p:nvPr/>
+                  </p:nvSpPr>
+                  <p:spPr>
+                    <a:xfrm rot="8100000">
+                      <a:off x="6994943" y="3343381"/>
+                      <a:ext cx="45719" cy="47262"/>
+                    </a:xfrm>
+                    <a:prstGeom prst="corner">
+                      <a:avLst>
+                        <a:gd name="adj1" fmla="val 0"/>
+                        <a:gd name="adj2" fmla="val 0"/>
+                      </a:avLst>
+                    </a:prstGeom>
+                    <a:solidFill>
+                      <a:srgbClr val="C00000"/>
+                    </a:solidFill>
+                    <a:ln w="9525">
+                      <a:solidFill>
+                        <a:srgbClr val="C00000"/>
+                      </a:solidFill>
+                    </a:ln>
+                  </p:spPr>
+                  <p:style>
+                    <a:lnRef idx="2">
+                      <a:schemeClr val="accent1">
+                        <a:shade val="50000"/>
+                      </a:schemeClr>
+                    </a:lnRef>
+                    <a:fillRef idx="1">
+                      <a:schemeClr val="accent1"/>
+                    </a:fillRef>
+                    <a:effectRef idx="0">
+                      <a:schemeClr val="accent1"/>
+                    </a:effectRef>
+                    <a:fontRef idx="minor">
+                      <a:schemeClr val="lt1"/>
+                    </a:fontRef>
+                  </p:style>
+                  <p:txBody>
+                    <a:bodyPr rtlCol="0" anchor="ctr"/>
+                    <a:lstStyle/>
+                    <a:p>
+                      <a:pPr algn="ctr"/>
+                      <a:endParaRPr lang="en-US" dirty="0"/>
+                    </a:p>
+                  </p:txBody>
+                </p:sp>
+              </p:grpSp>
+            </p:grpSp>
+          </p:grpSp>
+        </p:grpSp>
       </p:grpSp>
     </p:spTree>
     <p:extLst>

--- a/images/axis.pptx
+++ b/images/axis.pptx
@@ -120,7 +120,7 @@
 <file path=ppt/revisionInfo.xml><?xml version="1.0" encoding="utf-8"?>
 <p1510:revInfo xmlns:a="http://schemas.openxmlformats.org/drawingml/2006/main" xmlns:r="http://schemas.openxmlformats.org/officeDocument/2006/relationships" xmlns:p1510="http://schemas.microsoft.com/office/powerpoint/2015/10/main">
   <p1510:revLst>
-    <p1510:client id="{8D21808E-F672-4E8A-AE3B-F814DB14A54A}" v="11" dt="2023-06-13T04:47:11.510"/>
+    <p1510:client id="{02691D69-8F9D-40EA-87D6-3C6AE3DF35CC}" v="4" dt="2023-10-30T03:58:51.219"/>
   </p1510:revLst>
 </p1510:revInfo>
 </file>
@@ -3973,6 +3973,1694 @@
             <pc:docMk/>
             <pc:sldMk cId="2516487761" sldId="260"/>
             <ac:cxnSpMk id="141" creationId="{1B6CAAAD-9BC8-2D21-8AB9-832CC040A77B}"/>
+          </ac:cxnSpMkLst>
+        </pc:cxnChg>
+      </pc:sldChg>
+    </pc:docChg>
+  </pc:docChgLst>
+  <pc:docChgLst>
+    <pc:chgData name="Bo Tang" userId="332dbdf67b1791cd" providerId="LiveId" clId="{02691D69-8F9D-40EA-87D6-3C6AE3DF35CC}"/>
+    <pc:docChg chg="modSld">
+      <pc:chgData name="Bo Tang" userId="332dbdf67b1791cd" providerId="LiveId" clId="{02691D69-8F9D-40EA-87D6-3C6AE3DF35CC}" dt="2023-10-30T03:58:57.179" v="4" actId="1076"/>
+      <pc:docMkLst>
+        <pc:docMk/>
+      </pc:docMkLst>
+      <pc:sldChg chg="modSp mod">
+        <pc:chgData name="Bo Tang" userId="332dbdf67b1791cd" providerId="LiveId" clId="{02691D69-8F9D-40EA-87D6-3C6AE3DF35CC}" dt="2023-10-30T03:58:57.179" v="4" actId="1076"/>
+        <pc:sldMkLst>
+          <pc:docMk/>
+          <pc:sldMk cId="1066314704" sldId="260"/>
+        </pc:sldMkLst>
+        <pc:spChg chg="mod">
+          <ac:chgData name="Bo Tang" userId="332dbdf67b1791cd" providerId="LiveId" clId="{02691D69-8F9D-40EA-87D6-3C6AE3DF35CC}" dt="2023-10-30T03:58:51.219" v="3" actId="20577"/>
+          <ac:spMkLst>
+            <pc:docMk/>
+            <pc:sldMk cId="1066314704" sldId="260"/>
+            <ac:spMk id="13" creationId="{EF4A1B36-A2A1-44FC-B0C8-D90E143CBEFA}"/>
+          </ac:spMkLst>
+        </pc:spChg>
+        <pc:spChg chg="mod">
+          <ac:chgData name="Bo Tang" userId="332dbdf67b1791cd" providerId="LiveId" clId="{02691D69-8F9D-40EA-87D6-3C6AE3DF35CC}" dt="2023-10-30T03:58:51.219" v="3" actId="20577"/>
+          <ac:spMkLst>
+            <pc:docMk/>
+            <pc:sldMk cId="1066314704" sldId="260"/>
+            <ac:spMk id="14" creationId="{5EA5F2C6-EC00-BC5D-900C-3B389EDDAA41}"/>
+          </ac:spMkLst>
+        </pc:spChg>
+        <pc:spChg chg="mod">
+          <ac:chgData name="Bo Tang" userId="332dbdf67b1791cd" providerId="LiveId" clId="{02691D69-8F9D-40EA-87D6-3C6AE3DF35CC}" dt="2023-10-30T03:58:51.219" v="3" actId="20577"/>
+          <ac:spMkLst>
+            <pc:docMk/>
+            <pc:sldMk cId="1066314704" sldId="260"/>
+            <ac:spMk id="15" creationId="{413C7FDB-6ADE-2C6D-A884-81E5BA0B5265}"/>
+          </ac:spMkLst>
+        </pc:spChg>
+        <pc:spChg chg="mod">
+          <ac:chgData name="Bo Tang" userId="332dbdf67b1791cd" providerId="LiveId" clId="{02691D69-8F9D-40EA-87D6-3C6AE3DF35CC}" dt="2023-10-30T03:58:51.219" v="3" actId="20577"/>
+          <ac:spMkLst>
+            <pc:docMk/>
+            <pc:sldMk cId="1066314704" sldId="260"/>
+            <ac:spMk id="17" creationId="{42140E51-9988-EF3C-F0D9-7B376E61970E}"/>
+          </ac:spMkLst>
+        </pc:spChg>
+        <pc:spChg chg="mod">
+          <ac:chgData name="Bo Tang" userId="332dbdf67b1791cd" providerId="LiveId" clId="{02691D69-8F9D-40EA-87D6-3C6AE3DF35CC}" dt="2023-10-30T03:58:51.219" v="3" actId="20577"/>
+          <ac:spMkLst>
+            <pc:docMk/>
+            <pc:sldMk cId="1066314704" sldId="260"/>
+            <ac:spMk id="19" creationId="{FFE063F3-5841-254A-078C-6AAF573425F8}"/>
+          </ac:spMkLst>
+        </pc:spChg>
+        <pc:spChg chg="mod">
+          <ac:chgData name="Bo Tang" userId="332dbdf67b1791cd" providerId="LiveId" clId="{02691D69-8F9D-40EA-87D6-3C6AE3DF35CC}" dt="2023-10-30T03:58:51.219" v="3" actId="20577"/>
+          <ac:spMkLst>
+            <pc:docMk/>
+            <pc:sldMk cId="1066314704" sldId="260"/>
+            <ac:spMk id="20" creationId="{67F54DE5-BBFF-D2EE-0D84-BE4103801014}"/>
+          </ac:spMkLst>
+        </pc:spChg>
+        <pc:spChg chg="mod">
+          <ac:chgData name="Bo Tang" userId="332dbdf67b1791cd" providerId="LiveId" clId="{02691D69-8F9D-40EA-87D6-3C6AE3DF35CC}" dt="2023-10-30T03:58:51.219" v="3" actId="20577"/>
+          <ac:spMkLst>
+            <pc:docMk/>
+            <pc:sldMk cId="1066314704" sldId="260"/>
+            <ac:spMk id="22" creationId="{CA760F31-E16D-057D-9AF2-564EDA3F5DBC}"/>
+          </ac:spMkLst>
+        </pc:spChg>
+        <pc:spChg chg="mod">
+          <ac:chgData name="Bo Tang" userId="332dbdf67b1791cd" providerId="LiveId" clId="{02691D69-8F9D-40EA-87D6-3C6AE3DF35CC}" dt="2023-10-30T03:58:51.219" v="3" actId="20577"/>
+          <ac:spMkLst>
+            <pc:docMk/>
+            <pc:sldMk cId="1066314704" sldId="260"/>
+            <ac:spMk id="23" creationId="{388D887B-CFB4-2EFF-1768-654CC819EE4C}"/>
+          </ac:spMkLst>
+        </pc:spChg>
+        <pc:spChg chg="mod">
+          <ac:chgData name="Bo Tang" userId="332dbdf67b1791cd" providerId="LiveId" clId="{02691D69-8F9D-40EA-87D6-3C6AE3DF35CC}" dt="2023-10-30T03:58:51.219" v="3" actId="20577"/>
+          <ac:spMkLst>
+            <pc:docMk/>
+            <pc:sldMk cId="1066314704" sldId="260"/>
+            <ac:spMk id="24" creationId="{055CE60E-0E2A-FA64-50EA-E01CB34D35A9}"/>
+          </ac:spMkLst>
+        </pc:spChg>
+        <pc:spChg chg="mod">
+          <ac:chgData name="Bo Tang" userId="332dbdf67b1791cd" providerId="LiveId" clId="{02691D69-8F9D-40EA-87D6-3C6AE3DF35CC}" dt="2023-10-30T03:58:51.219" v="3" actId="20577"/>
+          <ac:spMkLst>
+            <pc:docMk/>
+            <pc:sldMk cId="1066314704" sldId="260"/>
+            <ac:spMk id="27" creationId="{15815B13-714A-F2A2-F15E-B16978B7EB57}"/>
+          </ac:spMkLst>
+        </pc:spChg>
+        <pc:spChg chg="mod">
+          <ac:chgData name="Bo Tang" userId="332dbdf67b1791cd" providerId="LiveId" clId="{02691D69-8F9D-40EA-87D6-3C6AE3DF35CC}" dt="2023-10-30T03:58:51.219" v="3" actId="20577"/>
+          <ac:spMkLst>
+            <pc:docMk/>
+            <pc:sldMk cId="1066314704" sldId="260"/>
+            <ac:spMk id="28" creationId="{8519030E-5466-A135-D189-B4C963020156}"/>
+          </ac:spMkLst>
+        </pc:spChg>
+        <pc:spChg chg="mod">
+          <ac:chgData name="Bo Tang" userId="332dbdf67b1791cd" providerId="LiveId" clId="{02691D69-8F9D-40EA-87D6-3C6AE3DF35CC}" dt="2023-10-30T03:58:51.219" v="3" actId="20577"/>
+          <ac:spMkLst>
+            <pc:docMk/>
+            <pc:sldMk cId="1066314704" sldId="260"/>
+            <ac:spMk id="29" creationId="{0CAB651C-38E9-7BEE-76EB-E34E8B275D14}"/>
+          </ac:spMkLst>
+        </pc:spChg>
+        <pc:spChg chg="mod">
+          <ac:chgData name="Bo Tang" userId="332dbdf67b1791cd" providerId="LiveId" clId="{02691D69-8F9D-40EA-87D6-3C6AE3DF35CC}" dt="2023-10-30T03:58:51.219" v="3" actId="20577"/>
+          <ac:spMkLst>
+            <pc:docMk/>
+            <pc:sldMk cId="1066314704" sldId="260"/>
+            <ac:spMk id="30" creationId="{DC54AA8D-70C8-6312-5E95-BECAF0A26BFC}"/>
+          </ac:spMkLst>
+        </pc:spChg>
+        <pc:spChg chg="mod">
+          <ac:chgData name="Bo Tang" userId="332dbdf67b1791cd" providerId="LiveId" clId="{02691D69-8F9D-40EA-87D6-3C6AE3DF35CC}" dt="2023-10-30T03:58:51.219" v="3" actId="20577"/>
+          <ac:spMkLst>
+            <pc:docMk/>
+            <pc:sldMk cId="1066314704" sldId="260"/>
+            <ac:spMk id="32" creationId="{50078DBF-C42B-8EB0-0697-6F557162B30B}"/>
+          </ac:spMkLst>
+        </pc:spChg>
+        <pc:spChg chg="mod">
+          <ac:chgData name="Bo Tang" userId="332dbdf67b1791cd" providerId="LiveId" clId="{02691D69-8F9D-40EA-87D6-3C6AE3DF35CC}" dt="2023-10-30T03:58:51.219" v="3" actId="20577"/>
+          <ac:spMkLst>
+            <pc:docMk/>
+            <pc:sldMk cId="1066314704" sldId="260"/>
+            <ac:spMk id="33" creationId="{2E409C94-DC6B-F753-483D-C90882D0265A}"/>
+          </ac:spMkLst>
+        </pc:spChg>
+        <pc:spChg chg="mod">
+          <ac:chgData name="Bo Tang" userId="332dbdf67b1791cd" providerId="LiveId" clId="{02691D69-8F9D-40EA-87D6-3C6AE3DF35CC}" dt="2023-10-30T03:58:51.219" v="3" actId="20577"/>
+          <ac:spMkLst>
+            <pc:docMk/>
+            <pc:sldMk cId="1066314704" sldId="260"/>
+            <ac:spMk id="36" creationId="{850B66C6-E998-8FE0-FAF1-75646C120EAF}"/>
+          </ac:spMkLst>
+        </pc:spChg>
+        <pc:spChg chg="mod">
+          <ac:chgData name="Bo Tang" userId="332dbdf67b1791cd" providerId="LiveId" clId="{02691D69-8F9D-40EA-87D6-3C6AE3DF35CC}" dt="2023-10-30T03:58:51.219" v="3" actId="20577"/>
+          <ac:spMkLst>
+            <pc:docMk/>
+            <pc:sldMk cId="1066314704" sldId="260"/>
+            <ac:spMk id="37" creationId="{17D18EE2-9975-0F6E-F6C5-3CA29E660EC1}"/>
+          </ac:spMkLst>
+        </pc:spChg>
+        <pc:spChg chg="mod">
+          <ac:chgData name="Bo Tang" userId="332dbdf67b1791cd" providerId="LiveId" clId="{02691D69-8F9D-40EA-87D6-3C6AE3DF35CC}" dt="2023-10-30T03:58:51.219" v="3" actId="20577"/>
+          <ac:spMkLst>
+            <pc:docMk/>
+            <pc:sldMk cId="1066314704" sldId="260"/>
+            <ac:spMk id="38" creationId="{830ABFE9-5058-811E-62C5-42FA33B6C9CE}"/>
+          </ac:spMkLst>
+        </pc:spChg>
+        <pc:spChg chg="mod">
+          <ac:chgData name="Bo Tang" userId="332dbdf67b1791cd" providerId="LiveId" clId="{02691D69-8F9D-40EA-87D6-3C6AE3DF35CC}" dt="2023-10-30T03:58:51.219" v="3" actId="20577"/>
+          <ac:spMkLst>
+            <pc:docMk/>
+            <pc:sldMk cId="1066314704" sldId="260"/>
+            <ac:spMk id="39" creationId="{E75D1A36-B6AB-72A2-BBE2-C17F9F1275E3}"/>
+          </ac:spMkLst>
+        </pc:spChg>
+        <pc:spChg chg="mod">
+          <ac:chgData name="Bo Tang" userId="332dbdf67b1791cd" providerId="LiveId" clId="{02691D69-8F9D-40EA-87D6-3C6AE3DF35CC}" dt="2023-10-30T03:58:51.219" v="3" actId="20577"/>
+          <ac:spMkLst>
+            <pc:docMk/>
+            <pc:sldMk cId="1066314704" sldId="260"/>
+            <ac:spMk id="40" creationId="{0B362334-B528-5818-3BBC-3EB8554DC171}"/>
+          </ac:spMkLst>
+        </pc:spChg>
+        <pc:spChg chg="mod">
+          <ac:chgData name="Bo Tang" userId="332dbdf67b1791cd" providerId="LiveId" clId="{02691D69-8F9D-40EA-87D6-3C6AE3DF35CC}" dt="2023-10-30T03:58:51.219" v="3" actId="20577"/>
+          <ac:spMkLst>
+            <pc:docMk/>
+            <pc:sldMk cId="1066314704" sldId="260"/>
+            <ac:spMk id="41" creationId="{A4F0B5EC-BF1E-88A1-BFCF-13A0044D0023}"/>
+          </ac:spMkLst>
+        </pc:spChg>
+        <pc:spChg chg="mod">
+          <ac:chgData name="Bo Tang" userId="332dbdf67b1791cd" providerId="LiveId" clId="{02691D69-8F9D-40EA-87D6-3C6AE3DF35CC}" dt="2023-10-30T03:58:51.219" v="3" actId="20577"/>
+          <ac:spMkLst>
+            <pc:docMk/>
+            <pc:sldMk cId="1066314704" sldId="260"/>
+            <ac:spMk id="43" creationId="{AB7D6991-8CCC-65F6-5F6A-D3C7E8DABB4E}"/>
+          </ac:spMkLst>
+        </pc:spChg>
+        <pc:spChg chg="mod">
+          <ac:chgData name="Bo Tang" userId="332dbdf67b1791cd" providerId="LiveId" clId="{02691D69-8F9D-40EA-87D6-3C6AE3DF35CC}" dt="2023-10-30T03:58:51.219" v="3" actId="20577"/>
+          <ac:spMkLst>
+            <pc:docMk/>
+            <pc:sldMk cId="1066314704" sldId="260"/>
+            <ac:spMk id="45" creationId="{71A7E864-21C9-0CD7-9FB9-666B7700D7E3}"/>
+          </ac:spMkLst>
+        </pc:spChg>
+        <pc:spChg chg="mod">
+          <ac:chgData name="Bo Tang" userId="332dbdf67b1791cd" providerId="LiveId" clId="{02691D69-8F9D-40EA-87D6-3C6AE3DF35CC}" dt="2023-10-30T03:58:51.219" v="3" actId="20577"/>
+          <ac:spMkLst>
+            <pc:docMk/>
+            <pc:sldMk cId="1066314704" sldId="260"/>
+            <ac:spMk id="47" creationId="{382F59A4-FE02-96ED-4B07-D061DE60E84F}"/>
+          </ac:spMkLst>
+        </pc:spChg>
+        <pc:spChg chg="mod">
+          <ac:chgData name="Bo Tang" userId="332dbdf67b1791cd" providerId="LiveId" clId="{02691D69-8F9D-40EA-87D6-3C6AE3DF35CC}" dt="2023-10-30T03:58:51.219" v="3" actId="20577"/>
+          <ac:spMkLst>
+            <pc:docMk/>
+            <pc:sldMk cId="1066314704" sldId="260"/>
+            <ac:spMk id="48" creationId="{9F73A03D-BB77-5E6C-C6C8-1CD7925EB2DD}"/>
+          </ac:spMkLst>
+        </pc:spChg>
+        <pc:spChg chg="mod">
+          <ac:chgData name="Bo Tang" userId="332dbdf67b1791cd" providerId="LiveId" clId="{02691D69-8F9D-40EA-87D6-3C6AE3DF35CC}" dt="2023-10-30T03:58:51.219" v="3" actId="20577"/>
+          <ac:spMkLst>
+            <pc:docMk/>
+            <pc:sldMk cId="1066314704" sldId="260"/>
+            <ac:spMk id="50" creationId="{1B5B76A0-65B6-F5BD-A8F8-FC7024FC1AD8}"/>
+          </ac:spMkLst>
+        </pc:spChg>
+        <pc:spChg chg="mod">
+          <ac:chgData name="Bo Tang" userId="332dbdf67b1791cd" providerId="LiveId" clId="{02691D69-8F9D-40EA-87D6-3C6AE3DF35CC}" dt="2023-10-30T03:58:51.219" v="3" actId="20577"/>
+          <ac:spMkLst>
+            <pc:docMk/>
+            <pc:sldMk cId="1066314704" sldId="260"/>
+            <ac:spMk id="53" creationId="{D59FB412-B6B0-1496-7FA6-D02F144D2601}"/>
+          </ac:spMkLst>
+        </pc:spChg>
+        <pc:spChg chg="mod">
+          <ac:chgData name="Bo Tang" userId="332dbdf67b1791cd" providerId="LiveId" clId="{02691D69-8F9D-40EA-87D6-3C6AE3DF35CC}" dt="2023-10-30T03:58:51.219" v="3" actId="20577"/>
+          <ac:spMkLst>
+            <pc:docMk/>
+            <pc:sldMk cId="1066314704" sldId="260"/>
+            <ac:spMk id="54" creationId="{B1FDBE1B-E05B-2F8D-72D3-2018D3347A24}"/>
+          </ac:spMkLst>
+        </pc:spChg>
+        <pc:spChg chg="mod">
+          <ac:chgData name="Bo Tang" userId="332dbdf67b1791cd" providerId="LiveId" clId="{02691D69-8F9D-40EA-87D6-3C6AE3DF35CC}" dt="2023-10-30T03:58:51.219" v="3" actId="20577"/>
+          <ac:spMkLst>
+            <pc:docMk/>
+            <pc:sldMk cId="1066314704" sldId="260"/>
+            <ac:spMk id="55" creationId="{B78A121B-3FA0-5E3C-D707-CD5BE12F2D35}"/>
+          </ac:spMkLst>
+        </pc:spChg>
+        <pc:spChg chg="mod">
+          <ac:chgData name="Bo Tang" userId="332dbdf67b1791cd" providerId="LiveId" clId="{02691D69-8F9D-40EA-87D6-3C6AE3DF35CC}" dt="2023-10-30T03:58:51.219" v="3" actId="20577"/>
+          <ac:spMkLst>
+            <pc:docMk/>
+            <pc:sldMk cId="1066314704" sldId="260"/>
+            <ac:spMk id="58" creationId="{BD084A64-A35F-5554-B1FD-9E3269A8B6AE}"/>
+          </ac:spMkLst>
+        </pc:spChg>
+        <pc:spChg chg="mod">
+          <ac:chgData name="Bo Tang" userId="332dbdf67b1791cd" providerId="LiveId" clId="{02691D69-8F9D-40EA-87D6-3C6AE3DF35CC}" dt="2023-10-30T03:58:51.219" v="3" actId="20577"/>
+          <ac:spMkLst>
+            <pc:docMk/>
+            <pc:sldMk cId="1066314704" sldId="260"/>
+            <ac:spMk id="59" creationId="{8B1EEBCA-E82E-91B8-65B3-E085FBA9E245}"/>
+          </ac:spMkLst>
+        </pc:spChg>
+        <pc:spChg chg="mod">
+          <ac:chgData name="Bo Tang" userId="332dbdf67b1791cd" providerId="LiveId" clId="{02691D69-8F9D-40EA-87D6-3C6AE3DF35CC}" dt="2023-10-30T03:58:51.219" v="3" actId="20577"/>
+          <ac:spMkLst>
+            <pc:docMk/>
+            <pc:sldMk cId="1066314704" sldId="260"/>
+            <ac:spMk id="61" creationId="{4CBABD8C-3E5B-67E4-86EB-F34BD2B5ACB3}"/>
+          </ac:spMkLst>
+        </pc:spChg>
+        <pc:spChg chg="mod">
+          <ac:chgData name="Bo Tang" userId="332dbdf67b1791cd" providerId="LiveId" clId="{02691D69-8F9D-40EA-87D6-3C6AE3DF35CC}" dt="2023-10-30T03:58:51.219" v="3" actId="20577"/>
+          <ac:spMkLst>
+            <pc:docMk/>
+            <pc:sldMk cId="1066314704" sldId="260"/>
+            <ac:spMk id="64" creationId="{149F9F6B-D522-461E-8CFA-78FE3D3785D4}"/>
+          </ac:spMkLst>
+        </pc:spChg>
+        <pc:spChg chg="mod">
+          <ac:chgData name="Bo Tang" userId="332dbdf67b1791cd" providerId="LiveId" clId="{02691D69-8F9D-40EA-87D6-3C6AE3DF35CC}" dt="2023-10-30T03:58:51.219" v="3" actId="20577"/>
+          <ac:spMkLst>
+            <pc:docMk/>
+            <pc:sldMk cId="1066314704" sldId="260"/>
+            <ac:spMk id="65" creationId="{1C6CD15B-977E-D698-F798-2AC6E5EC7E0D}"/>
+          </ac:spMkLst>
+        </pc:spChg>
+        <pc:spChg chg="mod">
+          <ac:chgData name="Bo Tang" userId="332dbdf67b1791cd" providerId="LiveId" clId="{02691D69-8F9D-40EA-87D6-3C6AE3DF35CC}" dt="2023-10-30T03:58:51.219" v="3" actId="20577"/>
+          <ac:spMkLst>
+            <pc:docMk/>
+            <pc:sldMk cId="1066314704" sldId="260"/>
+            <ac:spMk id="66" creationId="{06B93240-322C-2A79-8843-A75E2A433152}"/>
+          </ac:spMkLst>
+        </pc:spChg>
+        <pc:spChg chg="mod">
+          <ac:chgData name="Bo Tang" userId="332dbdf67b1791cd" providerId="LiveId" clId="{02691D69-8F9D-40EA-87D6-3C6AE3DF35CC}" dt="2023-10-30T03:58:51.219" v="3" actId="20577"/>
+          <ac:spMkLst>
+            <pc:docMk/>
+            <pc:sldMk cId="1066314704" sldId="260"/>
+            <ac:spMk id="77" creationId="{062B8EC7-08C7-5F2C-1CA2-AA72BA3D3BA0}"/>
+          </ac:spMkLst>
+        </pc:spChg>
+        <pc:spChg chg="mod">
+          <ac:chgData name="Bo Tang" userId="332dbdf67b1791cd" providerId="LiveId" clId="{02691D69-8F9D-40EA-87D6-3C6AE3DF35CC}" dt="2023-10-30T03:58:51.219" v="3" actId="20577"/>
+          <ac:spMkLst>
+            <pc:docMk/>
+            <pc:sldMk cId="1066314704" sldId="260"/>
+            <ac:spMk id="78" creationId="{30C16F30-3835-68BD-F456-502DE4A35CBA}"/>
+          </ac:spMkLst>
+        </pc:spChg>
+        <pc:spChg chg="mod">
+          <ac:chgData name="Bo Tang" userId="332dbdf67b1791cd" providerId="LiveId" clId="{02691D69-8F9D-40EA-87D6-3C6AE3DF35CC}" dt="2023-10-30T03:58:51.219" v="3" actId="20577"/>
+          <ac:spMkLst>
+            <pc:docMk/>
+            <pc:sldMk cId="1066314704" sldId="260"/>
+            <ac:spMk id="79" creationId="{31FD992B-446D-2E90-F838-E99FCF4A2117}"/>
+          </ac:spMkLst>
+        </pc:spChg>
+        <pc:spChg chg="mod">
+          <ac:chgData name="Bo Tang" userId="332dbdf67b1791cd" providerId="LiveId" clId="{02691D69-8F9D-40EA-87D6-3C6AE3DF35CC}" dt="2023-10-30T03:58:51.219" v="3" actId="20577"/>
+          <ac:spMkLst>
+            <pc:docMk/>
+            <pc:sldMk cId="1066314704" sldId="260"/>
+            <ac:spMk id="83" creationId="{2FDF5AA9-48CF-538D-99DC-411BCB318D78}"/>
+          </ac:spMkLst>
+        </pc:spChg>
+        <pc:spChg chg="mod">
+          <ac:chgData name="Bo Tang" userId="332dbdf67b1791cd" providerId="LiveId" clId="{02691D69-8F9D-40EA-87D6-3C6AE3DF35CC}" dt="2023-10-30T03:58:51.219" v="3" actId="20577"/>
+          <ac:spMkLst>
+            <pc:docMk/>
+            <pc:sldMk cId="1066314704" sldId="260"/>
+            <ac:spMk id="84" creationId="{9E5543D9-DAF4-7F55-978E-0C78EE1C1590}"/>
+          </ac:spMkLst>
+        </pc:spChg>
+        <pc:spChg chg="mod">
+          <ac:chgData name="Bo Tang" userId="332dbdf67b1791cd" providerId="LiveId" clId="{02691D69-8F9D-40EA-87D6-3C6AE3DF35CC}" dt="2023-10-30T03:58:51.219" v="3" actId="20577"/>
+          <ac:spMkLst>
+            <pc:docMk/>
+            <pc:sldMk cId="1066314704" sldId="260"/>
+            <ac:spMk id="88" creationId="{B89DAAAE-355F-E5C8-26C5-E858C161027C}"/>
+          </ac:spMkLst>
+        </pc:spChg>
+        <pc:spChg chg="mod">
+          <ac:chgData name="Bo Tang" userId="332dbdf67b1791cd" providerId="LiveId" clId="{02691D69-8F9D-40EA-87D6-3C6AE3DF35CC}" dt="2023-10-30T03:58:57.179" v="4" actId="1076"/>
+          <ac:spMkLst>
+            <pc:docMk/>
+            <pc:sldMk cId="1066314704" sldId="260"/>
+            <ac:spMk id="89" creationId="{96A0794C-1062-98C8-A0DA-CFFFE600F9D5}"/>
+          </ac:spMkLst>
+        </pc:spChg>
+        <pc:spChg chg="mod">
+          <ac:chgData name="Bo Tang" userId="332dbdf67b1791cd" providerId="LiveId" clId="{02691D69-8F9D-40EA-87D6-3C6AE3DF35CC}" dt="2023-10-30T03:58:51.219" v="3" actId="20577"/>
+          <ac:spMkLst>
+            <pc:docMk/>
+            <pc:sldMk cId="1066314704" sldId="260"/>
+            <ac:spMk id="90" creationId="{C8A63DB1-18BF-02A2-D9A5-5F6E2E91C21B}"/>
+          </ac:spMkLst>
+        </pc:spChg>
+        <pc:spChg chg="mod">
+          <ac:chgData name="Bo Tang" userId="332dbdf67b1791cd" providerId="LiveId" clId="{02691D69-8F9D-40EA-87D6-3C6AE3DF35CC}" dt="2023-10-30T03:58:51.219" v="3" actId="20577"/>
+          <ac:spMkLst>
+            <pc:docMk/>
+            <pc:sldMk cId="1066314704" sldId="260"/>
+            <ac:spMk id="95" creationId="{63D8FE7D-413D-F661-BD24-1725A69A0CD1}"/>
+          </ac:spMkLst>
+        </pc:spChg>
+        <pc:spChg chg="mod">
+          <ac:chgData name="Bo Tang" userId="332dbdf67b1791cd" providerId="LiveId" clId="{02691D69-8F9D-40EA-87D6-3C6AE3DF35CC}" dt="2023-10-30T03:58:51.219" v="3" actId="20577"/>
+          <ac:spMkLst>
+            <pc:docMk/>
+            <pc:sldMk cId="1066314704" sldId="260"/>
+            <ac:spMk id="97" creationId="{0CE9D526-33CC-8348-455E-9AFD0CB00DB1}"/>
+          </ac:spMkLst>
+        </pc:spChg>
+        <pc:spChg chg="mod">
+          <ac:chgData name="Bo Tang" userId="332dbdf67b1791cd" providerId="LiveId" clId="{02691D69-8F9D-40EA-87D6-3C6AE3DF35CC}" dt="2023-10-30T03:58:51.219" v="3" actId="20577"/>
+          <ac:spMkLst>
+            <pc:docMk/>
+            <pc:sldMk cId="1066314704" sldId="260"/>
+            <ac:spMk id="98" creationId="{357B6A12-AF77-FAB3-2E18-C5C8E4B49D83}"/>
+          </ac:spMkLst>
+        </pc:spChg>
+        <pc:spChg chg="mod">
+          <ac:chgData name="Bo Tang" userId="332dbdf67b1791cd" providerId="LiveId" clId="{02691D69-8F9D-40EA-87D6-3C6AE3DF35CC}" dt="2023-10-30T03:58:51.219" v="3" actId="20577"/>
+          <ac:spMkLst>
+            <pc:docMk/>
+            <pc:sldMk cId="1066314704" sldId="260"/>
+            <ac:spMk id="99" creationId="{F95796F9-EF8A-4C1E-F1DA-5CC35955FC2F}"/>
+          </ac:spMkLst>
+        </pc:spChg>
+        <pc:spChg chg="mod">
+          <ac:chgData name="Bo Tang" userId="332dbdf67b1791cd" providerId="LiveId" clId="{02691D69-8F9D-40EA-87D6-3C6AE3DF35CC}" dt="2023-10-30T03:58:51.219" v="3" actId="20577"/>
+          <ac:spMkLst>
+            <pc:docMk/>
+            <pc:sldMk cId="1066314704" sldId="260"/>
+            <ac:spMk id="100" creationId="{AD5F2F86-6CC5-C2DD-BAB1-595E6ED7A0A8}"/>
+          </ac:spMkLst>
+        </pc:spChg>
+        <pc:spChg chg="mod">
+          <ac:chgData name="Bo Tang" userId="332dbdf67b1791cd" providerId="LiveId" clId="{02691D69-8F9D-40EA-87D6-3C6AE3DF35CC}" dt="2023-10-30T03:58:51.219" v="3" actId="20577"/>
+          <ac:spMkLst>
+            <pc:docMk/>
+            <pc:sldMk cId="1066314704" sldId="260"/>
+            <ac:spMk id="101" creationId="{901D8A5B-1E64-08D6-25A1-7C79E74C76F0}"/>
+          </ac:spMkLst>
+        </pc:spChg>
+        <pc:spChg chg="mod">
+          <ac:chgData name="Bo Tang" userId="332dbdf67b1791cd" providerId="LiveId" clId="{02691D69-8F9D-40EA-87D6-3C6AE3DF35CC}" dt="2023-10-30T03:58:51.219" v="3" actId="20577"/>
+          <ac:spMkLst>
+            <pc:docMk/>
+            <pc:sldMk cId="1066314704" sldId="260"/>
+            <ac:spMk id="106" creationId="{D177FB16-2756-2642-76AD-C02780A9D751}"/>
+          </ac:spMkLst>
+        </pc:spChg>
+        <pc:spChg chg="mod">
+          <ac:chgData name="Bo Tang" userId="332dbdf67b1791cd" providerId="LiveId" clId="{02691D69-8F9D-40EA-87D6-3C6AE3DF35CC}" dt="2023-10-30T03:58:51.219" v="3" actId="20577"/>
+          <ac:spMkLst>
+            <pc:docMk/>
+            <pc:sldMk cId="1066314704" sldId="260"/>
+            <ac:spMk id="108" creationId="{C0963204-5C4D-5889-FFFA-B08AB437C56E}"/>
+          </ac:spMkLst>
+        </pc:spChg>
+        <pc:spChg chg="mod">
+          <ac:chgData name="Bo Tang" userId="332dbdf67b1791cd" providerId="LiveId" clId="{02691D69-8F9D-40EA-87D6-3C6AE3DF35CC}" dt="2023-10-30T03:58:51.219" v="3" actId="20577"/>
+          <ac:spMkLst>
+            <pc:docMk/>
+            <pc:sldMk cId="1066314704" sldId="260"/>
+            <ac:spMk id="109" creationId="{13606DDC-EB42-C085-B7C9-DB76912D8BA9}"/>
+          </ac:spMkLst>
+        </pc:spChg>
+        <pc:spChg chg="mod">
+          <ac:chgData name="Bo Tang" userId="332dbdf67b1791cd" providerId="LiveId" clId="{02691D69-8F9D-40EA-87D6-3C6AE3DF35CC}" dt="2023-10-30T03:58:51.219" v="3" actId="20577"/>
+          <ac:spMkLst>
+            <pc:docMk/>
+            <pc:sldMk cId="1066314704" sldId="260"/>
+            <ac:spMk id="110" creationId="{78C53443-D653-5C09-1B1A-D3F2A7C68FDD}"/>
+          </ac:spMkLst>
+        </pc:spChg>
+        <pc:spChg chg="mod">
+          <ac:chgData name="Bo Tang" userId="332dbdf67b1791cd" providerId="LiveId" clId="{02691D69-8F9D-40EA-87D6-3C6AE3DF35CC}" dt="2023-10-30T03:58:51.219" v="3" actId="20577"/>
+          <ac:spMkLst>
+            <pc:docMk/>
+            <pc:sldMk cId="1066314704" sldId="260"/>
+            <ac:spMk id="111" creationId="{788B49D3-6F02-6C5E-371D-B2A51E72768A}"/>
+          </ac:spMkLst>
+        </pc:spChg>
+        <pc:spChg chg="mod">
+          <ac:chgData name="Bo Tang" userId="332dbdf67b1791cd" providerId="LiveId" clId="{02691D69-8F9D-40EA-87D6-3C6AE3DF35CC}" dt="2023-10-30T03:58:51.219" v="3" actId="20577"/>
+          <ac:spMkLst>
+            <pc:docMk/>
+            <pc:sldMk cId="1066314704" sldId="260"/>
+            <ac:spMk id="112" creationId="{3CCFC9D5-2E3C-1CE3-7A54-F39EFA80F5B0}"/>
+          </ac:spMkLst>
+        </pc:spChg>
+        <pc:spChg chg="mod">
+          <ac:chgData name="Bo Tang" userId="332dbdf67b1791cd" providerId="LiveId" clId="{02691D69-8F9D-40EA-87D6-3C6AE3DF35CC}" dt="2023-10-30T03:58:51.219" v="3" actId="20577"/>
+          <ac:spMkLst>
+            <pc:docMk/>
+            <pc:sldMk cId="1066314704" sldId="260"/>
+            <ac:spMk id="121" creationId="{EA2CBB41-4ABB-AF41-4994-CBA31675DA08}"/>
+          </ac:spMkLst>
+        </pc:spChg>
+        <pc:spChg chg="mod">
+          <ac:chgData name="Bo Tang" userId="332dbdf67b1791cd" providerId="LiveId" clId="{02691D69-8F9D-40EA-87D6-3C6AE3DF35CC}" dt="2023-10-30T03:58:51.219" v="3" actId="20577"/>
+          <ac:spMkLst>
+            <pc:docMk/>
+            <pc:sldMk cId="1066314704" sldId="260"/>
+            <ac:spMk id="122" creationId="{BC672F87-C48F-CEAB-CEE1-0046D8A43997}"/>
+          </ac:spMkLst>
+        </pc:spChg>
+        <pc:spChg chg="mod">
+          <ac:chgData name="Bo Tang" userId="332dbdf67b1791cd" providerId="LiveId" clId="{02691D69-8F9D-40EA-87D6-3C6AE3DF35CC}" dt="2023-10-30T03:58:51.219" v="3" actId="20577"/>
+          <ac:spMkLst>
+            <pc:docMk/>
+            <pc:sldMk cId="1066314704" sldId="260"/>
+            <ac:spMk id="123" creationId="{9E6386B3-3895-295B-2175-83AF615CEA0D}"/>
+          </ac:spMkLst>
+        </pc:spChg>
+        <pc:spChg chg="mod">
+          <ac:chgData name="Bo Tang" userId="332dbdf67b1791cd" providerId="LiveId" clId="{02691D69-8F9D-40EA-87D6-3C6AE3DF35CC}" dt="2023-10-30T03:58:51.219" v="3" actId="20577"/>
+          <ac:spMkLst>
+            <pc:docMk/>
+            <pc:sldMk cId="1066314704" sldId="260"/>
+            <ac:spMk id="128" creationId="{B60E4449-DDA1-7DB3-CAF4-DF56DC4D2635}"/>
+          </ac:spMkLst>
+        </pc:spChg>
+        <pc:spChg chg="mod">
+          <ac:chgData name="Bo Tang" userId="332dbdf67b1791cd" providerId="LiveId" clId="{02691D69-8F9D-40EA-87D6-3C6AE3DF35CC}" dt="2023-10-30T03:58:51.219" v="3" actId="20577"/>
+          <ac:spMkLst>
+            <pc:docMk/>
+            <pc:sldMk cId="1066314704" sldId="260"/>
+            <ac:spMk id="130" creationId="{915452B8-6263-3948-33FB-5E78C7242CA0}"/>
+          </ac:spMkLst>
+        </pc:spChg>
+        <pc:spChg chg="mod">
+          <ac:chgData name="Bo Tang" userId="332dbdf67b1791cd" providerId="LiveId" clId="{02691D69-8F9D-40EA-87D6-3C6AE3DF35CC}" dt="2023-10-30T03:58:51.219" v="3" actId="20577"/>
+          <ac:spMkLst>
+            <pc:docMk/>
+            <pc:sldMk cId="1066314704" sldId="260"/>
+            <ac:spMk id="131" creationId="{EE90488B-7A28-49C7-30CB-923A3D508CDB}"/>
+          </ac:spMkLst>
+        </pc:spChg>
+        <pc:spChg chg="mod">
+          <ac:chgData name="Bo Tang" userId="332dbdf67b1791cd" providerId="LiveId" clId="{02691D69-8F9D-40EA-87D6-3C6AE3DF35CC}" dt="2023-10-30T03:58:51.219" v="3" actId="20577"/>
+          <ac:spMkLst>
+            <pc:docMk/>
+            <pc:sldMk cId="1066314704" sldId="260"/>
+            <ac:spMk id="132" creationId="{BB5A5BC9-3608-B87E-6A3E-CAD8B88041AF}"/>
+          </ac:spMkLst>
+        </pc:spChg>
+        <pc:spChg chg="mod">
+          <ac:chgData name="Bo Tang" userId="332dbdf67b1791cd" providerId="LiveId" clId="{02691D69-8F9D-40EA-87D6-3C6AE3DF35CC}" dt="2023-10-30T03:58:51.219" v="3" actId="20577"/>
+          <ac:spMkLst>
+            <pc:docMk/>
+            <pc:sldMk cId="1066314704" sldId="260"/>
+            <ac:spMk id="133" creationId="{AAD0606B-C813-78F9-5BC6-E7F4B054E5FC}"/>
+          </ac:spMkLst>
+        </pc:spChg>
+        <pc:spChg chg="mod">
+          <ac:chgData name="Bo Tang" userId="332dbdf67b1791cd" providerId="LiveId" clId="{02691D69-8F9D-40EA-87D6-3C6AE3DF35CC}" dt="2023-10-30T03:58:51.219" v="3" actId="20577"/>
+          <ac:spMkLst>
+            <pc:docMk/>
+            <pc:sldMk cId="1066314704" sldId="260"/>
+            <ac:spMk id="134" creationId="{ABBABD4E-4702-18A1-CC2D-4841D3030F56}"/>
+          </ac:spMkLst>
+        </pc:spChg>
+        <pc:spChg chg="mod">
+          <ac:chgData name="Bo Tang" userId="332dbdf67b1791cd" providerId="LiveId" clId="{02691D69-8F9D-40EA-87D6-3C6AE3DF35CC}" dt="2023-10-30T03:58:51.219" v="3" actId="20577"/>
+          <ac:spMkLst>
+            <pc:docMk/>
+            <pc:sldMk cId="1066314704" sldId="260"/>
+            <ac:spMk id="139" creationId="{B0E6A081-EA3E-BF83-3EEA-627FAA159359}"/>
+          </ac:spMkLst>
+        </pc:spChg>
+        <pc:spChg chg="mod">
+          <ac:chgData name="Bo Tang" userId="332dbdf67b1791cd" providerId="LiveId" clId="{02691D69-8F9D-40EA-87D6-3C6AE3DF35CC}" dt="2023-10-30T03:58:51.219" v="3" actId="20577"/>
+          <ac:spMkLst>
+            <pc:docMk/>
+            <pc:sldMk cId="1066314704" sldId="260"/>
+            <ac:spMk id="141" creationId="{D5281476-9F26-14C9-4831-093657660918}"/>
+          </ac:spMkLst>
+        </pc:spChg>
+        <pc:spChg chg="mod">
+          <ac:chgData name="Bo Tang" userId="332dbdf67b1791cd" providerId="LiveId" clId="{02691D69-8F9D-40EA-87D6-3C6AE3DF35CC}" dt="2023-10-30T03:58:51.219" v="3" actId="20577"/>
+          <ac:spMkLst>
+            <pc:docMk/>
+            <pc:sldMk cId="1066314704" sldId="260"/>
+            <ac:spMk id="142" creationId="{CB4FFFC9-D05E-D01B-7F88-5C3BDFF41571}"/>
+          </ac:spMkLst>
+        </pc:spChg>
+        <pc:spChg chg="mod">
+          <ac:chgData name="Bo Tang" userId="332dbdf67b1791cd" providerId="LiveId" clId="{02691D69-8F9D-40EA-87D6-3C6AE3DF35CC}" dt="2023-10-30T03:58:51.219" v="3" actId="20577"/>
+          <ac:spMkLst>
+            <pc:docMk/>
+            <pc:sldMk cId="1066314704" sldId="260"/>
+            <ac:spMk id="144" creationId="{7AE57A26-356C-0F1C-01F8-595B8F2D2D51}"/>
+          </ac:spMkLst>
+        </pc:spChg>
+        <pc:spChg chg="mod">
+          <ac:chgData name="Bo Tang" userId="332dbdf67b1791cd" providerId="LiveId" clId="{02691D69-8F9D-40EA-87D6-3C6AE3DF35CC}" dt="2023-10-30T03:58:51.219" v="3" actId="20577"/>
+          <ac:spMkLst>
+            <pc:docMk/>
+            <pc:sldMk cId="1066314704" sldId="260"/>
+            <ac:spMk id="145" creationId="{BD582AA2-90D6-C41A-BE7C-E3010FCDBE56}"/>
+          </ac:spMkLst>
+        </pc:spChg>
+        <pc:spChg chg="mod">
+          <ac:chgData name="Bo Tang" userId="332dbdf67b1791cd" providerId="LiveId" clId="{02691D69-8F9D-40EA-87D6-3C6AE3DF35CC}" dt="2023-10-30T03:58:51.219" v="3" actId="20577"/>
+          <ac:spMkLst>
+            <pc:docMk/>
+            <pc:sldMk cId="1066314704" sldId="260"/>
+            <ac:spMk id="146" creationId="{A0AF05BA-62B5-9256-CA4E-E1F5BF7988B6}"/>
+          </ac:spMkLst>
+        </pc:spChg>
+        <pc:spChg chg="mod">
+          <ac:chgData name="Bo Tang" userId="332dbdf67b1791cd" providerId="LiveId" clId="{02691D69-8F9D-40EA-87D6-3C6AE3DF35CC}" dt="2023-10-30T03:58:51.219" v="3" actId="20577"/>
+          <ac:spMkLst>
+            <pc:docMk/>
+            <pc:sldMk cId="1066314704" sldId="260"/>
+            <ac:spMk id="149" creationId="{27661662-A82A-C998-2CB2-A7FA288B8856}"/>
+          </ac:spMkLst>
+        </pc:spChg>
+        <pc:spChg chg="mod">
+          <ac:chgData name="Bo Tang" userId="332dbdf67b1791cd" providerId="LiveId" clId="{02691D69-8F9D-40EA-87D6-3C6AE3DF35CC}" dt="2023-10-30T03:58:51.219" v="3" actId="20577"/>
+          <ac:spMkLst>
+            <pc:docMk/>
+            <pc:sldMk cId="1066314704" sldId="260"/>
+            <ac:spMk id="150" creationId="{6E927365-A17B-A979-1DC3-CF4BA703F55E}"/>
+          </ac:spMkLst>
+        </pc:spChg>
+        <pc:spChg chg="mod">
+          <ac:chgData name="Bo Tang" userId="332dbdf67b1791cd" providerId="LiveId" clId="{02691D69-8F9D-40EA-87D6-3C6AE3DF35CC}" dt="2023-10-30T03:58:51.219" v="3" actId="20577"/>
+          <ac:spMkLst>
+            <pc:docMk/>
+            <pc:sldMk cId="1066314704" sldId="260"/>
+            <ac:spMk id="151" creationId="{45B1001A-DF07-9BB8-E8F8-38E68258DD99}"/>
+          </ac:spMkLst>
+        </pc:spChg>
+        <pc:spChg chg="mod">
+          <ac:chgData name="Bo Tang" userId="332dbdf67b1791cd" providerId="LiveId" clId="{02691D69-8F9D-40EA-87D6-3C6AE3DF35CC}" dt="2023-10-30T03:58:51.219" v="3" actId="20577"/>
+          <ac:spMkLst>
+            <pc:docMk/>
+            <pc:sldMk cId="1066314704" sldId="260"/>
+            <ac:spMk id="152" creationId="{1BDD2E3D-37BA-B3FA-59D5-FECEFB72552A}"/>
+          </ac:spMkLst>
+        </pc:spChg>
+        <pc:spChg chg="mod">
+          <ac:chgData name="Bo Tang" userId="332dbdf67b1791cd" providerId="LiveId" clId="{02691D69-8F9D-40EA-87D6-3C6AE3DF35CC}" dt="2023-10-30T03:58:51.219" v="3" actId="20577"/>
+          <ac:spMkLst>
+            <pc:docMk/>
+            <pc:sldMk cId="1066314704" sldId="260"/>
+            <ac:spMk id="153" creationId="{D40DB090-E781-FDA9-9036-86B640A26C5C}"/>
+          </ac:spMkLst>
+        </pc:spChg>
+        <pc:spChg chg="mod">
+          <ac:chgData name="Bo Tang" userId="332dbdf67b1791cd" providerId="LiveId" clId="{02691D69-8F9D-40EA-87D6-3C6AE3DF35CC}" dt="2023-10-30T03:58:51.219" v="3" actId="20577"/>
+          <ac:spMkLst>
+            <pc:docMk/>
+            <pc:sldMk cId="1066314704" sldId="260"/>
+            <ac:spMk id="154" creationId="{CC69D68E-ABA9-0D50-2FA2-FE7747D02598}"/>
+          </ac:spMkLst>
+        </pc:spChg>
+        <pc:spChg chg="mod">
+          <ac:chgData name="Bo Tang" userId="332dbdf67b1791cd" providerId="LiveId" clId="{02691D69-8F9D-40EA-87D6-3C6AE3DF35CC}" dt="2023-10-30T03:58:51.219" v="3" actId="20577"/>
+          <ac:spMkLst>
+            <pc:docMk/>
+            <pc:sldMk cId="1066314704" sldId="260"/>
+            <ac:spMk id="157" creationId="{2A7E0CA8-E1D8-2D47-2FD2-B40FE6A83EC2}"/>
+          </ac:spMkLst>
+        </pc:spChg>
+        <pc:spChg chg="mod">
+          <ac:chgData name="Bo Tang" userId="332dbdf67b1791cd" providerId="LiveId" clId="{02691D69-8F9D-40EA-87D6-3C6AE3DF35CC}" dt="2023-10-30T03:58:51.219" v="3" actId="20577"/>
+          <ac:spMkLst>
+            <pc:docMk/>
+            <pc:sldMk cId="1066314704" sldId="260"/>
+            <ac:spMk id="158" creationId="{CD9A7118-130D-D8D3-A0A9-6976CAB0775B}"/>
+          </ac:spMkLst>
+        </pc:spChg>
+        <pc:spChg chg="mod">
+          <ac:chgData name="Bo Tang" userId="332dbdf67b1791cd" providerId="LiveId" clId="{02691D69-8F9D-40EA-87D6-3C6AE3DF35CC}" dt="2023-10-30T03:58:51.219" v="3" actId="20577"/>
+          <ac:spMkLst>
+            <pc:docMk/>
+            <pc:sldMk cId="1066314704" sldId="260"/>
+            <ac:spMk id="160" creationId="{5136BA79-E4B8-DD81-D762-3D4A8F66F4E9}"/>
+          </ac:spMkLst>
+        </pc:spChg>
+        <pc:spChg chg="mod">
+          <ac:chgData name="Bo Tang" userId="332dbdf67b1791cd" providerId="LiveId" clId="{02691D69-8F9D-40EA-87D6-3C6AE3DF35CC}" dt="2023-10-30T03:58:51.219" v="3" actId="20577"/>
+          <ac:spMkLst>
+            <pc:docMk/>
+            <pc:sldMk cId="1066314704" sldId="260"/>
+            <ac:spMk id="163" creationId="{37EDE696-59EA-0449-56C3-AD1D6F17FB68}"/>
+          </ac:spMkLst>
+        </pc:spChg>
+        <pc:spChg chg="mod">
+          <ac:chgData name="Bo Tang" userId="332dbdf67b1791cd" providerId="LiveId" clId="{02691D69-8F9D-40EA-87D6-3C6AE3DF35CC}" dt="2023-10-30T03:58:51.219" v="3" actId="20577"/>
+          <ac:spMkLst>
+            <pc:docMk/>
+            <pc:sldMk cId="1066314704" sldId="260"/>
+            <ac:spMk id="164" creationId="{5EEF59E6-69BC-DB10-4EE4-CC5D5479D724}"/>
+          </ac:spMkLst>
+        </pc:spChg>
+        <pc:spChg chg="mod">
+          <ac:chgData name="Bo Tang" userId="332dbdf67b1791cd" providerId="LiveId" clId="{02691D69-8F9D-40EA-87D6-3C6AE3DF35CC}" dt="2023-10-30T03:58:51.219" v="3" actId="20577"/>
+          <ac:spMkLst>
+            <pc:docMk/>
+            <pc:sldMk cId="1066314704" sldId="260"/>
+            <ac:spMk id="165" creationId="{2743D93F-9A65-F53C-3ED8-F5B4983A8F17}"/>
+          </ac:spMkLst>
+        </pc:spChg>
+        <pc:spChg chg="mod">
+          <ac:chgData name="Bo Tang" userId="332dbdf67b1791cd" providerId="LiveId" clId="{02691D69-8F9D-40EA-87D6-3C6AE3DF35CC}" dt="2023-10-30T03:58:51.219" v="3" actId="20577"/>
+          <ac:spMkLst>
+            <pc:docMk/>
+            <pc:sldMk cId="1066314704" sldId="260"/>
+            <ac:spMk id="176" creationId="{BCDC06CA-759E-22B4-9505-C4F27D7F4626}"/>
+          </ac:spMkLst>
+        </pc:spChg>
+        <pc:spChg chg="mod">
+          <ac:chgData name="Bo Tang" userId="332dbdf67b1791cd" providerId="LiveId" clId="{02691D69-8F9D-40EA-87D6-3C6AE3DF35CC}" dt="2023-10-30T03:58:51.219" v="3" actId="20577"/>
+          <ac:spMkLst>
+            <pc:docMk/>
+            <pc:sldMk cId="1066314704" sldId="260"/>
+            <ac:spMk id="177" creationId="{DB03F547-6172-9D9A-3D74-6A21ECC59447}"/>
+          </ac:spMkLst>
+        </pc:spChg>
+        <pc:spChg chg="mod">
+          <ac:chgData name="Bo Tang" userId="332dbdf67b1791cd" providerId="LiveId" clId="{02691D69-8F9D-40EA-87D6-3C6AE3DF35CC}" dt="2023-10-30T03:58:51.219" v="3" actId="20577"/>
+          <ac:spMkLst>
+            <pc:docMk/>
+            <pc:sldMk cId="1066314704" sldId="260"/>
+            <ac:spMk id="178" creationId="{30CD19ED-92EC-AC48-1C77-AFDB40F78274}"/>
+          </ac:spMkLst>
+        </pc:spChg>
+        <pc:spChg chg="mod">
+          <ac:chgData name="Bo Tang" userId="332dbdf67b1791cd" providerId="LiveId" clId="{02691D69-8F9D-40EA-87D6-3C6AE3DF35CC}" dt="2023-10-30T03:58:51.219" v="3" actId="20577"/>
+          <ac:spMkLst>
+            <pc:docMk/>
+            <pc:sldMk cId="1066314704" sldId="260"/>
+            <ac:spMk id="182" creationId="{E85FB126-9B42-E1E2-B725-A90C02114729}"/>
+          </ac:spMkLst>
+        </pc:spChg>
+        <pc:spChg chg="mod">
+          <ac:chgData name="Bo Tang" userId="332dbdf67b1791cd" providerId="LiveId" clId="{02691D69-8F9D-40EA-87D6-3C6AE3DF35CC}" dt="2023-10-30T03:58:51.219" v="3" actId="20577"/>
+          <ac:spMkLst>
+            <pc:docMk/>
+            <pc:sldMk cId="1066314704" sldId="260"/>
+            <ac:spMk id="183" creationId="{31A9A6D5-157E-28FC-CFE2-5E22D172EBC4}"/>
+          </ac:spMkLst>
+        </pc:spChg>
+        <pc:spChg chg="mod">
+          <ac:chgData name="Bo Tang" userId="332dbdf67b1791cd" providerId="LiveId" clId="{02691D69-8F9D-40EA-87D6-3C6AE3DF35CC}" dt="2023-10-30T03:58:51.219" v="3" actId="20577"/>
+          <ac:spMkLst>
+            <pc:docMk/>
+            <pc:sldMk cId="1066314704" sldId="260"/>
+            <ac:spMk id="184" creationId="{4623823B-F7FA-F9B1-A039-800F7BE709B2}"/>
+          </ac:spMkLst>
+        </pc:spChg>
+        <pc:spChg chg="mod">
+          <ac:chgData name="Bo Tang" userId="332dbdf67b1791cd" providerId="LiveId" clId="{02691D69-8F9D-40EA-87D6-3C6AE3DF35CC}" dt="2023-10-30T03:58:51.219" v="3" actId="20577"/>
+          <ac:spMkLst>
+            <pc:docMk/>
+            <pc:sldMk cId="1066314704" sldId="260"/>
+            <ac:spMk id="186" creationId="{24B614B1-1BD5-DAEB-7A08-F047F94EA084}"/>
+          </ac:spMkLst>
+        </pc:spChg>
+        <pc:spChg chg="mod">
+          <ac:chgData name="Bo Tang" userId="332dbdf67b1791cd" providerId="LiveId" clId="{02691D69-8F9D-40EA-87D6-3C6AE3DF35CC}" dt="2023-10-30T03:58:51.219" v="3" actId="20577"/>
+          <ac:spMkLst>
+            <pc:docMk/>
+            <pc:sldMk cId="1066314704" sldId="260"/>
+            <ac:spMk id="187" creationId="{4DD4278D-2DAD-2A62-8A1F-F68617E4BED4}"/>
+          </ac:spMkLst>
+        </pc:spChg>
+        <pc:spChg chg="mod">
+          <ac:chgData name="Bo Tang" userId="332dbdf67b1791cd" providerId="LiveId" clId="{02691D69-8F9D-40EA-87D6-3C6AE3DF35CC}" dt="2023-10-30T03:58:51.219" v="3" actId="20577"/>
+          <ac:spMkLst>
+            <pc:docMk/>
+            <pc:sldMk cId="1066314704" sldId="260"/>
+            <ac:spMk id="189" creationId="{B9E2FFED-B4C1-19A9-98F2-4B7B05928FD0}"/>
+          </ac:spMkLst>
+        </pc:spChg>
+        <pc:spChg chg="mod">
+          <ac:chgData name="Bo Tang" userId="332dbdf67b1791cd" providerId="LiveId" clId="{02691D69-8F9D-40EA-87D6-3C6AE3DF35CC}" dt="2023-10-30T03:58:51.219" v="3" actId="20577"/>
+          <ac:spMkLst>
+            <pc:docMk/>
+            <pc:sldMk cId="1066314704" sldId="260"/>
+            <ac:spMk id="192" creationId="{74056439-538E-3604-E14A-FCEB4398674E}"/>
+          </ac:spMkLst>
+        </pc:spChg>
+        <pc:spChg chg="mod">
+          <ac:chgData name="Bo Tang" userId="332dbdf67b1791cd" providerId="LiveId" clId="{02691D69-8F9D-40EA-87D6-3C6AE3DF35CC}" dt="2023-10-30T03:58:51.219" v="3" actId="20577"/>
+          <ac:spMkLst>
+            <pc:docMk/>
+            <pc:sldMk cId="1066314704" sldId="260"/>
+            <ac:spMk id="193" creationId="{2F45B296-C86C-F556-831F-BC6DF510CAFB}"/>
+          </ac:spMkLst>
+        </pc:spChg>
+        <pc:spChg chg="mod">
+          <ac:chgData name="Bo Tang" userId="332dbdf67b1791cd" providerId="LiveId" clId="{02691D69-8F9D-40EA-87D6-3C6AE3DF35CC}" dt="2023-10-30T03:58:51.219" v="3" actId="20577"/>
+          <ac:spMkLst>
+            <pc:docMk/>
+            <pc:sldMk cId="1066314704" sldId="260"/>
+            <ac:spMk id="194" creationId="{6A2F7795-7B14-94C8-361C-25CA0086953C}"/>
+          </ac:spMkLst>
+        </pc:spChg>
+        <pc:spChg chg="mod">
+          <ac:chgData name="Bo Tang" userId="332dbdf67b1791cd" providerId="LiveId" clId="{02691D69-8F9D-40EA-87D6-3C6AE3DF35CC}" dt="2023-10-30T03:58:51.219" v="3" actId="20577"/>
+          <ac:spMkLst>
+            <pc:docMk/>
+            <pc:sldMk cId="1066314704" sldId="260"/>
+            <ac:spMk id="202" creationId="{16D0698C-01F7-156C-F53E-703F94BB8EEF}"/>
+          </ac:spMkLst>
+        </pc:spChg>
+        <pc:spChg chg="mod">
+          <ac:chgData name="Bo Tang" userId="332dbdf67b1791cd" providerId="LiveId" clId="{02691D69-8F9D-40EA-87D6-3C6AE3DF35CC}" dt="2023-10-30T03:58:51.219" v="3" actId="20577"/>
+          <ac:spMkLst>
+            <pc:docMk/>
+            <pc:sldMk cId="1066314704" sldId="260"/>
+            <ac:spMk id="205" creationId="{5E7FEBCF-84AF-396D-BD4C-1F696D2C7748}"/>
+          </ac:spMkLst>
+        </pc:spChg>
+        <pc:spChg chg="mod">
+          <ac:chgData name="Bo Tang" userId="332dbdf67b1791cd" providerId="LiveId" clId="{02691D69-8F9D-40EA-87D6-3C6AE3DF35CC}" dt="2023-10-30T03:58:51.219" v="3" actId="20577"/>
+          <ac:spMkLst>
+            <pc:docMk/>
+            <pc:sldMk cId="1066314704" sldId="260"/>
+            <ac:spMk id="206" creationId="{A685703F-9D3E-0F24-E612-DFAB14699A9B}"/>
+          </ac:spMkLst>
+        </pc:spChg>
+        <pc:spChg chg="mod">
+          <ac:chgData name="Bo Tang" userId="332dbdf67b1791cd" providerId="LiveId" clId="{02691D69-8F9D-40EA-87D6-3C6AE3DF35CC}" dt="2023-10-30T03:58:51.219" v="3" actId="20577"/>
+          <ac:spMkLst>
+            <pc:docMk/>
+            <pc:sldMk cId="1066314704" sldId="260"/>
+            <ac:spMk id="207" creationId="{0DC4B6D0-8F3B-6167-0AB5-0938BCDFEF27}"/>
+          </ac:spMkLst>
+        </pc:spChg>
+        <pc:grpChg chg="mod">
+          <ac:chgData name="Bo Tang" userId="332dbdf67b1791cd" providerId="LiveId" clId="{02691D69-8F9D-40EA-87D6-3C6AE3DF35CC}" dt="2023-10-30T03:58:51.219" v="3" actId="20577"/>
+          <ac:grpSpMkLst>
+            <pc:docMk/>
+            <pc:sldMk cId="1066314704" sldId="260"/>
+            <ac:grpSpMk id="2" creationId="{5221D28E-7E52-D35A-6E01-6278ADFE0D65}"/>
+          </ac:grpSpMkLst>
+        </pc:grpChg>
+        <pc:grpChg chg="mod">
+          <ac:chgData name="Bo Tang" userId="332dbdf67b1791cd" providerId="LiveId" clId="{02691D69-8F9D-40EA-87D6-3C6AE3DF35CC}" dt="2023-10-30T03:58:51.219" v="3" actId="20577"/>
+          <ac:grpSpMkLst>
+            <pc:docMk/>
+            <pc:sldMk cId="1066314704" sldId="260"/>
+            <ac:grpSpMk id="3" creationId="{681AF89F-E614-2997-BF04-13D2BD68F4FD}"/>
+          </ac:grpSpMkLst>
+        </pc:grpChg>
+        <pc:grpChg chg="mod">
+          <ac:chgData name="Bo Tang" userId="332dbdf67b1791cd" providerId="LiveId" clId="{02691D69-8F9D-40EA-87D6-3C6AE3DF35CC}" dt="2023-10-30T03:58:51.219" v="3" actId="20577"/>
+          <ac:grpSpMkLst>
+            <pc:docMk/>
+            <pc:sldMk cId="1066314704" sldId="260"/>
+            <ac:grpSpMk id="4" creationId="{E8C20763-ADE1-5BBA-8EC8-A1FBAFF210ED}"/>
+          </ac:grpSpMkLst>
+        </pc:grpChg>
+        <pc:grpChg chg="mod">
+          <ac:chgData name="Bo Tang" userId="332dbdf67b1791cd" providerId="LiveId" clId="{02691D69-8F9D-40EA-87D6-3C6AE3DF35CC}" dt="2023-10-30T03:58:51.219" v="3" actId="20577"/>
+          <ac:grpSpMkLst>
+            <pc:docMk/>
+            <pc:sldMk cId="1066314704" sldId="260"/>
+            <ac:grpSpMk id="5" creationId="{3A3FEFA5-5AE1-AD81-8518-A0767B490047}"/>
+          </ac:grpSpMkLst>
+        </pc:grpChg>
+        <pc:grpChg chg="mod">
+          <ac:chgData name="Bo Tang" userId="332dbdf67b1791cd" providerId="LiveId" clId="{02691D69-8F9D-40EA-87D6-3C6AE3DF35CC}" dt="2023-10-30T03:58:51.219" v="3" actId="20577"/>
+          <ac:grpSpMkLst>
+            <pc:docMk/>
+            <pc:sldMk cId="1066314704" sldId="260"/>
+            <ac:grpSpMk id="6" creationId="{7A093C64-20A8-EDA3-B626-DBB7603E0802}"/>
+          </ac:grpSpMkLst>
+        </pc:grpChg>
+        <pc:grpChg chg="mod">
+          <ac:chgData name="Bo Tang" userId="332dbdf67b1791cd" providerId="LiveId" clId="{02691D69-8F9D-40EA-87D6-3C6AE3DF35CC}" dt="2023-10-30T03:58:51.219" v="3" actId="20577"/>
+          <ac:grpSpMkLst>
+            <pc:docMk/>
+            <pc:sldMk cId="1066314704" sldId="260"/>
+            <ac:grpSpMk id="7" creationId="{407B4137-0D49-7775-118A-5C8ECA9FD5F0}"/>
+          </ac:grpSpMkLst>
+        </pc:grpChg>
+        <pc:grpChg chg="mod">
+          <ac:chgData name="Bo Tang" userId="332dbdf67b1791cd" providerId="LiveId" clId="{02691D69-8F9D-40EA-87D6-3C6AE3DF35CC}" dt="2023-10-30T03:58:51.219" v="3" actId="20577"/>
+          <ac:grpSpMkLst>
+            <pc:docMk/>
+            <pc:sldMk cId="1066314704" sldId="260"/>
+            <ac:grpSpMk id="8" creationId="{3389002C-4263-8F76-1276-E5CC9DA81B6B}"/>
+          </ac:grpSpMkLst>
+        </pc:grpChg>
+        <pc:grpChg chg="mod">
+          <ac:chgData name="Bo Tang" userId="332dbdf67b1791cd" providerId="LiveId" clId="{02691D69-8F9D-40EA-87D6-3C6AE3DF35CC}" dt="2023-10-30T03:58:51.219" v="3" actId="20577"/>
+          <ac:grpSpMkLst>
+            <pc:docMk/>
+            <pc:sldMk cId="1066314704" sldId="260"/>
+            <ac:grpSpMk id="9" creationId="{1A3DA5B0-D80C-ABF4-4D6A-2F01E0FA4DD7}"/>
+          </ac:grpSpMkLst>
+        </pc:grpChg>
+        <pc:grpChg chg="mod">
+          <ac:chgData name="Bo Tang" userId="332dbdf67b1791cd" providerId="LiveId" clId="{02691D69-8F9D-40EA-87D6-3C6AE3DF35CC}" dt="2023-10-30T03:58:51.219" v="3" actId="20577"/>
+          <ac:grpSpMkLst>
+            <pc:docMk/>
+            <pc:sldMk cId="1066314704" sldId="260"/>
+            <ac:grpSpMk id="10" creationId="{F2AFAEE8-8204-7DB5-BDF0-9886354F7D26}"/>
+          </ac:grpSpMkLst>
+        </pc:grpChg>
+        <pc:grpChg chg="mod">
+          <ac:chgData name="Bo Tang" userId="332dbdf67b1791cd" providerId="LiveId" clId="{02691D69-8F9D-40EA-87D6-3C6AE3DF35CC}" dt="2023-10-30T03:58:51.219" v="3" actId="20577"/>
+          <ac:grpSpMkLst>
+            <pc:docMk/>
+            <pc:sldMk cId="1066314704" sldId="260"/>
+            <ac:grpSpMk id="11" creationId="{A1E32C08-704C-7A28-98A9-86FC8CF28724}"/>
+          </ac:grpSpMkLst>
+        </pc:grpChg>
+        <pc:grpChg chg="mod">
+          <ac:chgData name="Bo Tang" userId="332dbdf67b1791cd" providerId="LiveId" clId="{02691D69-8F9D-40EA-87D6-3C6AE3DF35CC}" dt="2023-10-30T03:58:51.219" v="3" actId="20577"/>
+          <ac:grpSpMkLst>
+            <pc:docMk/>
+            <pc:sldMk cId="1066314704" sldId="260"/>
+            <ac:grpSpMk id="12" creationId="{9599DC1C-7A6A-2327-6CA3-68EA6034779C}"/>
+          </ac:grpSpMkLst>
+        </pc:grpChg>
+        <pc:grpChg chg="mod">
+          <ac:chgData name="Bo Tang" userId="332dbdf67b1791cd" providerId="LiveId" clId="{02691D69-8F9D-40EA-87D6-3C6AE3DF35CC}" dt="2023-10-30T03:58:51.219" v="3" actId="20577"/>
+          <ac:grpSpMkLst>
+            <pc:docMk/>
+            <pc:sldMk cId="1066314704" sldId="260"/>
+            <ac:grpSpMk id="21" creationId="{79D23C72-41BC-15AB-0BE0-412050B1C511}"/>
+          </ac:grpSpMkLst>
+        </pc:grpChg>
+        <pc:grpChg chg="mod">
+          <ac:chgData name="Bo Tang" userId="332dbdf67b1791cd" providerId="LiveId" clId="{02691D69-8F9D-40EA-87D6-3C6AE3DF35CC}" dt="2023-10-30T03:58:51.219" v="3" actId="20577"/>
+          <ac:grpSpMkLst>
+            <pc:docMk/>
+            <pc:sldMk cId="1066314704" sldId="260"/>
+            <ac:grpSpMk id="31" creationId="{F1FD7DE2-9BEC-1D79-8483-0C683609D810}"/>
+          </ac:grpSpMkLst>
+        </pc:grpChg>
+        <pc:grpChg chg="mod">
+          <ac:chgData name="Bo Tang" userId="332dbdf67b1791cd" providerId="LiveId" clId="{02691D69-8F9D-40EA-87D6-3C6AE3DF35CC}" dt="2023-10-30T03:58:51.219" v="3" actId="20577"/>
+          <ac:grpSpMkLst>
+            <pc:docMk/>
+            <pc:sldMk cId="1066314704" sldId="260"/>
+            <ac:grpSpMk id="42" creationId="{7F430A60-A1C4-E250-5C99-725C82C2BA5A}"/>
+          </ac:grpSpMkLst>
+        </pc:grpChg>
+        <pc:grpChg chg="mod">
+          <ac:chgData name="Bo Tang" userId="332dbdf67b1791cd" providerId="LiveId" clId="{02691D69-8F9D-40EA-87D6-3C6AE3DF35CC}" dt="2023-10-30T03:58:51.219" v="3" actId="20577"/>
+          <ac:grpSpMkLst>
+            <pc:docMk/>
+            <pc:sldMk cId="1066314704" sldId="260"/>
+            <ac:grpSpMk id="49" creationId="{694F9FF0-0510-77E2-3C03-CAD8A577BCFE}"/>
+          </ac:grpSpMkLst>
+        </pc:grpChg>
+        <pc:grpChg chg="mod">
+          <ac:chgData name="Bo Tang" userId="332dbdf67b1791cd" providerId="LiveId" clId="{02691D69-8F9D-40EA-87D6-3C6AE3DF35CC}" dt="2023-10-30T03:58:51.219" v="3" actId="20577"/>
+          <ac:grpSpMkLst>
+            <pc:docMk/>
+            <pc:sldMk cId="1066314704" sldId="260"/>
+            <ac:grpSpMk id="56" creationId="{B59D094C-5838-ADA9-844F-CB0917046E0D}"/>
+          </ac:grpSpMkLst>
+        </pc:grpChg>
+        <pc:grpChg chg="mod">
+          <ac:chgData name="Bo Tang" userId="332dbdf67b1791cd" providerId="LiveId" clId="{02691D69-8F9D-40EA-87D6-3C6AE3DF35CC}" dt="2023-10-30T03:58:51.219" v="3" actId="20577"/>
+          <ac:grpSpMkLst>
+            <pc:docMk/>
+            <pc:sldMk cId="1066314704" sldId="260"/>
+            <ac:grpSpMk id="57" creationId="{8EB7132E-6D16-5263-BD25-1FE52B2E2203}"/>
+          </ac:grpSpMkLst>
+        </pc:grpChg>
+        <pc:grpChg chg="mod">
+          <ac:chgData name="Bo Tang" userId="332dbdf67b1791cd" providerId="LiveId" clId="{02691D69-8F9D-40EA-87D6-3C6AE3DF35CC}" dt="2023-10-30T03:58:51.219" v="3" actId="20577"/>
+          <ac:grpSpMkLst>
+            <pc:docMk/>
+            <pc:sldMk cId="1066314704" sldId="260"/>
+            <ac:grpSpMk id="60" creationId="{DA5FA626-2826-919A-4B13-04491680E93E}"/>
+          </ac:grpSpMkLst>
+        </pc:grpChg>
+        <pc:grpChg chg="mod">
+          <ac:chgData name="Bo Tang" userId="332dbdf67b1791cd" providerId="LiveId" clId="{02691D69-8F9D-40EA-87D6-3C6AE3DF35CC}" dt="2023-10-30T03:58:51.219" v="3" actId="20577"/>
+          <ac:grpSpMkLst>
+            <pc:docMk/>
+            <pc:sldMk cId="1066314704" sldId="260"/>
+            <ac:grpSpMk id="74" creationId="{37E4C0D4-1C5D-5BA6-97FD-9A2FDECCA783}"/>
+          </ac:grpSpMkLst>
+        </pc:grpChg>
+        <pc:grpChg chg="mod">
+          <ac:chgData name="Bo Tang" userId="332dbdf67b1791cd" providerId="LiveId" clId="{02691D69-8F9D-40EA-87D6-3C6AE3DF35CC}" dt="2023-10-30T03:58:51.219" v="3" actId="20577"/>
+          <ac:grpSpMkLst>
+            <pc:docMk/>
+            <pc:sldMk cId="1066314704" sldId="260"/>
+            <ac:grpSpMk id="75" creationId="{7E1F860C-6230-7AB3-493F-BE20D976EA4A}"/>
+          </ac:grpSpMkLst>
+        </pc:grpChg>
+        <pc:grpChg chg="mod">
+          <ac:chgData name="Bo Tang" userId="332dbdf67b1791cd" providerId="LiveId" clId="{02691D69-8F9D-40EA-87D6-3C6AE3DF35CC}" dt="2023-10-30T03:58:51.219" v="3" actId="20577"/>
+          <ac:grpSpMkLst>
+            <pc:docMk/>
+            <pc:sldMk cId="1066314704" sldId="260"/>
+            <ac:grpSpMk id="76" creationId="{2B045CD9-61BE-1763-BA77-0C32DD6E3565}"/>
+          </ac:grpSpMkLst>
+        </pc:grpChg>
+        <pc:grpChg chg="mod">
+          <ac:chgData name="Bo Tang" userId="332dbdf67b1791cd" providerId="LiveId" clId="{02691D69-8F9D-40EA-87D6-3C6AE3DF35CC}" dt="2023-10-30T03:58:51.219" v="3" actId="20577"/>
+          <ac:grpSpMkLst>
+            <pc:docMk/>
+            <pc:sldMk cId="1066314704" sldId="260"/>
+            <ac:grpSpMk id="85" creationId="{E52E6075-80C1-5D15-2A58-058F8BA241AF}"/>
+          </ac:grpSpMkLst>
+        </pc:grpChg>
+        <pc:grpChg chg="mod">
+          <ac:chgData name="Bo Tang" userId="332dbdf67b1791cd" providerId="LiveId" clId="{02691D69-8F9D-40EA-87D6-3C6AE3DF35CC}" dt="2023-10-30T03:58:51.219" v="3" actId="20577"/>
+          <ac:grpSpMkLst>
+            <pc:docMk/>
+            <pc:sldMk cId="1066314704" sldId="260"/>
+            <ac:grpSpMk id="86" creationId="{9047C4B8-26EC-A6A0-89A4-F808D52C0649}"/>
+          </ac:grpSpMkLst>
+        </pc:grpChg>
+        <pc:grpChg chg="mod">
+          <ac:chgData name="Bo Tang" userId="332dbdf67b1791cd" providerId="LiveId" clId="{02691D69-8F9D-40EA-87D6-3C6AE3DF35CC}" dt="2023-10-30T03:58:51.219" v="3" actId="20577"/>
+          <ac:grpSpMkLst>
+            <pc:docMk/>
+            <pc:sldMk cId="1066314704" sldId="260"/>
+            <ac:grpSpMk id="87" creationId="{6C90DA1D-19B9-A0D7-C393-EC94E865DBB5}"/>
+          </ac:grpSpMkLst>
+        </pc:grpChg>
+        <pc:grpChg chg="mod">
+          <ac:chgData name="Bo Tang" userId="332dbdf67b1791cd" providerId="LiveId" clId="{02691D69-8F9D-40EA-87D6-3C6AE3DF35CC}" dt="2023-10-30T03:58:51.219" v="3" actId="20577"/>
+          <ac:grpSpMkLst>
+            <pc:docMk/>
+            <pc:sldMk cId="1066314704" sldId="260"/>
+            <ac:grpSpMk id="91" creationId="{98C17C0A-F298-4059-AB2C-08E74A576DC1}"/>
+          </ac:grpSpMkLst>
+        </pc:grpChg>
+        <pc:grpChg chg="mod">
+          <ac:chgData name="Bo Tang" userId="332dbdf67b1791cd" providerId="LiveId" clId="{02691D69-8F9D-40EA-87D6-3C6AE3DF35CC}" dt="2023-10-30T03:58:51.219" v="3" actId="20577"/>
+          <ac:grpSpMkLst>
+            <pc:docMk/>
+            <pc:sldMk cId="1066314704" sldId="260"/>
+            <ac:grpSpMk id="92" creationId="{E80C0745-0F5E-0DF2-6C6C-2A69B6A53E26}"/>
+          </ac:grpSpMkLst>
+        </pc:grpChg>
+        <pc:grpChg chg="mod">
+          <ac:chgData name="Bo Tang" userId="332dbdf67b1791cd" providerId="LiveId" clId="{02691D69-8F9D-40EA-87D6-3C6AE3DF35CC}" dt="2023-10-30T03:58:51.219" v="3" actId="20577"/>
+          <ac:grpSpMkLst>
+            <pc:docMk/>
+            <pc:sldMk cId="1066314704" sldId="260"/>
+            <ac:grpSpMk id="93" creationId="{D2EBE5B7-881C-5959-4A08-45D9D5EEB504}"/>
+          </ac:grpSpMkLst>
+        </pc:grpChg>
+        <pc:grpChg chg="mod">
+          <ac:chgData name="Bo Tang" userId="332dbdf67b1791cd" providerId="LiveId" clId="{02691D69-8F9D-40EA-87D6-3C6AE3DF35CC}" dt="2023-10-30T03:58:51.219" v="3" actId="20577"/>
+          <ac:grpSpMkLst>
+            <pc:docMk/>
+            <pc:sldMk cId="1066314704" sldId="260"/>
+            <ac:grpSpMk id="102" creationId="{7F7C010E-0FD9-D0E5-22A6-274A1D1CFC90}"/>
+          </ac:grpSpMkLst>
+        </pc:grpChg>
+        <pc:grpChg chg="mod">
+          <ac:chgData name="Bo Tang" userId="332dbdf67b1791cd" providerId="LiveId" clId="{02691D69-8F9D-40EA-87D6-3C6AE3DF35CC}" dt="2023-10-30T03:58:51.219" v="3" actId="20577"/>
+          <ac:grpSpMkLst>
+            <pc:docMk/>
+            <pc:sldMk cId="1066314704" sldId="260"/>
+            <ac:grpSpMk id="103" creationId="{6AC8E54E-AAA6-984C-07A2-9A857C306D2F}"/>
+          </ac:grpSpMkLst>
+        </pc:grpChg>
+        <pc:grpChg chg="mod">
+          <ac:chgData name="Bo Tang" userId="332dbdf67b1791cd" providerId="LiveId" clId="{02691D69-8F9D-40EA-87D6-3C6AE3DF35CC}" dt="2023-10-30T03:58:51.219" v="3" actId="20577"/>
+          <ac:grpSpMkLst>
+            <pc:docMk/>
+            <pc:sldMk cId="1066314704" sldId="260"/>
+            <ac:grpSpMk id="104" creationId="{B2A189D1-5B3C-921D-4F4C-3DDC75003362}"/>
+          </ac:grpSpMkLst>
+        </pc:grpChg>
+        <pc:grpChg chg="mod">
+          <ac:chgData name="Bo Tang" userId="332dbdf67b1791cd" providerId="LiveId" clId="{02691D69-8F9D-40EA-87D6-3C6AE3DF35CC}" dt="2023-10-30T03:58:51.219" v="3" actId="20577"/>
+          <ac:grpSpMkLst>
+            <pc:docMk/>
+            <pc:sldMk cId="1066314704" sldId="260"/>
+            <ac:grpSpMk id="113" creationId="{56A81EE0-D54E-8736-716A-8DD411B3D3E1}"/>
+          </ac:grpSpMkLst>
+        </pc:grpChg>
+        <pc:grpChg chg="mod">
+          <ac:chgData name="Bo Tang" userId="332dbdf67b1791cd" providerId="LiveId" clId="{02691D69-8F9D-40EA-87D6-3C6AE3DF35CC}" dt="2023-10-30T03:58:51.219" v="3" actId="20577"/>
+          <ac:grpSpMkLst>
+            <pc:docMk/>
+            <pc:sldMk cId="1066314704" sldId="260"/>
+            <ac:grpSpMk id="114" creationId="{1E3D47F6-066B-8A05-7C15-CA3EE1B8ECF3}"/>
+          </ac:grpSpMkLst>
+        </pc:grpChg>
+        <pc:grpChg chg="mod">
+          <ac:chgData name="Bo Tang" userId="332dbdf67b1791cd" providerId="LiveId" clId="{02691D69-8F9D-40EA-87D6-3C6AE3DF35CC}" dt="2023-10-30T03:58:51.219" v="3" actId="20577"/>
+          <ac:grpSpMkLst>
+            <pc:docMk/>
+            <pc:sldMk cId="1066314704" sldId="260"/>
+            <ac:grpSpMk id="115" creationId="{8C99F626-7005-0DA5-114D-2DF10A3133D1}"/>
+          </ac:grpSpMkLst>
+        </pc:grpChg>
+        <pc:grpChg chg="mod">
+          <ac:chgData name="Bo Tang" userId="332dbdf67b1791cd" providerId="LiveId" clId="{02691D69-8F9D-40EA-87D6-3C6AE3DF35CC}" dt="2023-10-30T03:58:51.219" v="3" actId="20577"/>
+          <ac:grpSpMkLst>
+            <pc:docMk/>
+            <pc:sldMk cId="1066314704" sldId="260"/>
+            <ac:grpSpMk id="116" creationId="{92779B3B-FB61-1AA1-63FB-2C29D0199B48}"/>
+          </ac:grpSpMkLst>
+        </pc:grpChg>
+        <pc:grpChg chg="mod">
+          <ac:chgData name="Bo Tang" userId="332dbdf67b1791cd" providerId="LiveId" clId="{02691D69-8F9D-40EA-87D6-3C6AE3DF35CC}" dt="2023-10-30T03:58:51.219" v="3" actId="20577"/>
+          <ac:grpSpMkLst>
+            <pc:docMk/>
+            <pc:sldMk cId="1066314704" sldId="260"/>
+            <ac:grpSpMk id="117" creationId="{CC73054D-80FB-8270-3157-DB49FF81C19C}"/>
+          </ac:grpSpMkLst>
+        </pc:grpChg>
+        <pc:grpChg chg="mod">
+          <ac:chgData name="Bo Tang" userId="332dbdf67b1791cd" providerId="LiveId" clId="{02691D69-8F9D-40EA-87D6-3C6AE3DF35CC}" dt="2023-10-30T03:58:51.219" v="3" actId="20577"/>
+          <ac:grpSpMkLst>
+            <pc:docMk/>
+            <pc:sldMk cId="1066314704" sldId="260"/>
+            <ac:grpSpMk id="118" creationId="{A7BF910C-0D1A-1DA0-2376-2AA1A6E37BAF}"/>
+          </ac:grpSpMkLst>
+        </pc:grpChg>
+        <pc:grpChg chg="mod">
+          <ac:chgData name="Bo Tang" userId="332dbdf67b1791cd" providerId="LiveId" clId="{02691D69-8F9D-40EA-87D6-3C6AE3DF35CC}" dt="2023-10-30T03:58:51.219" v="3" actId="20577"/>
+          <ac:grpSpMkLst>
+            <pc:docMk/>
+            <pc:sldMk cId="1066314704" sldId="260"/>
+            <ac:grpSpMk id="119" creationId="{C2192437-FA9E-54CD-7D4A-482D2865A631}"/>
+          </ac:grpSpMkLst>
+        </pc:grpChg>
+        <pc:grpChg chg="mod">
+          <ac:chgData name="Bo Tang" userId="332dbdf67b1791cd" providerId="LiveId" clId="{02691D69-8F9D-40EA-87D6-3C6AE3DF35CC}" dt="2023-10-30T03:58:51.219" v="3" actId="20577"/>
+          <ac:grpSpMkLst>
+            <pc:docMk/>
+            <pc:sldMk cId="1066314704" sldId="260"/>
+            <ac:grpSpMk id="120" creationId="{360B8ACE-99C8-EE17-65A2-97EB3B164382}"/>
+          </ac:grpSpMkLst>
+        </pc:grpChg>
+        <pc:grpChg chg="mod">
+          <ac:chgData name="Bo Tang" userId="332dbdf67b1791cd" providerId="LiveId" clId="{02691D69-8F9D-40EA-87D6-3C6AE3DF35CC}" dt="2023-10-30T03:58:51.219" v="3" actId="20577"/>
+          <ac:grpSpMkLst>
+            <pc:docMk/>
+            <pc:sldMk cId="1066314704" sldId="260"/>
+            <ac:grpSpMk id="124" creationId="{52B02F98-9AE6-EC58-6081-89B0CC922B31}"/>
+          </ac:grpSpMkLst>
+        </pc:grpChg>
+        <pc:grpChg chg="mod">
+          <ac:chgData name="Bo Tang" userId="332dbdf67b1791cd" providerId="LiveId" clId="{02691D69-8F9D-40EA-87D6-3C6AE3DF35CC}" dt="2023-10-30T03:58:51.219" v="3" actId="20577"/>
+          <ac:grpSpMkLst>
+            <pc:docMk/>
+            <pc:sldMk cId="1066314704" sldId="260"/>
+            <ac:grpSpMk id="125" creationId="{8CBFAE5D-FC2F-0E0F-32B0-3CC568CF7FB2}"/>
+          </ac:grpSpMkLst>
+        </pc:grpChg>
+        <pc:grpChg chg="mod">
+          <ac:chgData name="Bo Tang" userId="332dbdf67b1791cd" providerId="LiveId" clId="{02691D69-8F9D-40EA-87D6-3C6AE3DF35CC}" dt="2023-10-30T03:58:51.219" v="3" actId="20577"/>
+          <ac:grpSpMkLst>
+            <pc:docMk/>
+            <pc:sldMk cId="1066314704" sldId="260"/>
+            <ac:grpSpMk id="126" creationId="{160F46A3-D357-840F-3444-AD0ACCB18A66}"/>
+          </ac:grpSpMkLst>
+        </pc:grpChg>
+        <pc:grpChg chg="mod">
+          <ac:chgData name="Bo Tang" userId="332dbdf67b1791cd" providerId="LiveId" clId="{02691D69-8F9D-40EA-87D6-3C6AE3DF35CC}" dt="2023-10-30T03:58:51.219" v="3" actId="20577"/>
+          <ac:grpSpMkLst>
+            <pc:docMk/>
+            <pc:sldMk cId="1066314704" sldId="260"/>
+            <ac:grpSpMk id="135" creationId="{E06F6B0D-D76F-C708-1C9B-051943BB48E7}"/>
+          </ac:grpSpMkLst>
+        </pc:grpChg>
+        <pc:grpChg chg="mod">
+          <ac:chgData name="Bo Tang" userId="332dbdf67b1791cd" providerId="LiveId" clId="{02691D69-8F9D-40EA-87D6-3C6AE3DF35CC}" dt="2023-10-30T03:58:51.219" v="3" actId="20577"/>
+          <ac:grpSpMkLst>
+            <pc:docMk/>
+            <pc:sldMk cId="1066314704" sldId="260"/>
+            <ac:grpSpMk id="136" creationId="{2E81498D-2E54-1F04-C7B2-3699247BBF2B}"/>
+          </ac:grpSpMkLst>
+        </pc:grpChg>
+        <pc:grpChg chg="mod">
+          <ac:chgData name="Bo Tang" userId="332dbdf67b1791cd" providerId="LiveId" clId="{02691D69-8F9D-40EA-87D6-3C6AE3DF35CC}" dt="2023-10-30T03:58:51.219" v="3" actId="20577"/>
+          <ac:grpSpMkLst>
+            <pc:docMk/>
+            <pc:sldMk cId="1066314704" sldId="260"/>
+            <ac:grpSpMk id="137" creationId="{CFF2352B-4E38-B997-5A0A-AC4971FDCA36}"/>
+          </ac:grpSpMkLst>
+        </pc:grpChg>
+        <pc:grpChg chg="mod">
+          <ac:chgData name="Bo Tang" userId="332dbdf67b1791cd" providerId="LiveId" clId="{02691D69-8F9D-40EA-87D6-3C6AE3DF35CC}" dt="2023-10-30T03:58:51.219" v="3" actId="20577"/>
+          <ac:grpSpMkLst>
+            <pc:docMk/>
+            <pc:sldMk cId="1066314704" sldId="260"/>
+            <ac:grpSpMk id="143" creationId="{B5FBB991-27EE-DD0F-46D3-FB15F839A7C7}"/>
+          </ac:grpSpMkLst>
+        </pc:grpChg>
+        <pc:grpChg chg="mod">
+          <ac:chgData name="Bo Tang" userId="332dbdf67b1791cd" providerId="LiveId" clId="{02691D69-8F9D-40EA-87D6-3C6AE3DF35CC}" dt="2023-10-30T03:58:51.219" v="3" actId="20577"/>
+          <ac:grpSpMkLst>
+            <pc:docMk/>
+            <pc:sldMk cId="1066314704" sldId="260"/>
+            <ac:grpSpMk id="155" creationId="{1D59AC63-8F71-EA05-ABDF-10A45E1317D9}"/>
+          </ac:grpSpMkLst>
+        </pc:grpChg>
+        <pc:grpChg chg="mod">
+          <ac:chgData name="Bo Tang" userId="332dbdf67b1791cd" providerId="LiveId" clId="{02691D69-8F9D-40EA-87D6-3C6AE3DF35CC}" dt="2023-10-30T03:58:51.219" v="3" actId="20577"/>
+          <ac:grpSpMkLst>
+            <pc:docMk/>
+            <pc:sldMk cId="1066314704" sldId="260"/>
+            <ac:grpSpMk id="156" creationId="{B0511F8A-A8D8-F971-77D4-7EA83025F78A}"/>
+          </ac:grpSpMkLst>
+        </pc:grpChg>
+        <pc:grpChg chg="mod">
+          <ac:chgData name="Bo Tang" userId="332dbdf67b1791cd" providerId="LiveId" clId="{02691D69-8F9D-40EA-87D6-3C6AE3DF35CC}" dt="2023-10-30T03:58:51.219" v="3" actId="20577"/>
+          <ac:grpSpMkLst>
+            <pc:docMk/>
+            <pc:sldMk cId="1066314704" sldId="260"/>
+            <ac:grpSpMk id="159" creationId="{9B1A314F-5BE5-8E7B-4E39-2703BCFEB0EA}"/>
+          </ac:grpSpMkLst>
+        </pc:grpChg>
+        <pc:grpChg chg="mod">
+          <ac:chgData name="Bo Tang" userId="332dbdf67b1791cd" providerId="LiveId" clId="{02691D69-8F9D-40EA-87D6-3C6AE3DF35CC}" dt="2023-10-30T03:58:51.219" v="3" actId="20577"/>
+          <ac:grpSpMkLst>
+            <pc:docMk/>
+            <pc:sldMk cId="1066314704" sldId="260"/>
+            <ac:grpSpMk id="173" creationId="{F4974B87-EB4E-41FD-00D1-986F2D9F9385}"/>
+          </ac:grpSpMkLst>
+        </pc:grpChg>
+        <pc:grpChg chg="mod">
+          <ac:chgData name="Bo Tang" userId="332dbdf67b1791cd" providerId="LiveId" clId="{02691D69-8F9D-40EA-87D6-3C6AE3DF35CC}" dt="2023-10-30T03:58:51.219" v="3" actId="20577"/>
+          <ac:grpSpMkLst>
+            <pc:docMk/>
+            <pc:sldMk cId="1066314704" sldId="260"/>
+            <ac:grpSpMk id="174" creationId="{501786AF-6C34-3064-0331-08F6253283AA}"/>
+          </ac:grpSpMkLst>
+        </pc:grpChg>
+        <pc:grpChg chg="mod">
+          <ac:chgData name="Bo Tang" userId="332dbdf67b1791cd" providerId="LiveId" clId="{02691D69-8F9D-40EA-87D6-3C6AE3DF35CC}" dt="2023-10-30T03:58:51.219" v="3" actId="20577"/>
+          <ac:grpSpMkLst>
+            <pc:docMk/>
+            <pc:sldMk cId="1066314704" sldId="260"/>
+            <ac:grpSpMk id="175" creationId="{DF7B82CD-3EB5-28B9-1E3D-1E9B6E1D90A4}"/>
+          </ac:grpSpMkLst>
+        </pc:grpChg>
+        <pc:grpChg chg="mod">
+          <ac:chgData name="Bo Tang" userId="332dbdf67b1791cd" providerId="LiveId" clId="{02691D69-8F9D-40EA-87D6-3C6AE3DF35CC}" dt="2023-10-30T03:58:51.219" v="3" actId="20577"/>
+          <ac:grpSpMkLst>
+            <pc:docMk/>
+            <pc:sldMk cId="1066314704" sldId="260"/>
+            <ac:grpSpMk id="185" creationId="{90E34DE8-96AF-BB4E-217C-AA693EAEB576}"/>
+          </ac:grpSpMkLst>
+        </pc:grpChg>
+        <pc:grpChg chg="mod">
+          <ac:chgData name="Bo Tang" userId="332dbdf67b1791cd" providerId="LiveId" clId="{02691D69-8F9D-40EA-87D6-3C6AE3DF35CC}" dt="2023-10-30T03:58:51.219" v="3" actId="20577"/>
+          <ac:grpSpMkLst>
+            <pc:docMk/>
+            <pc:sldMk cId="1066314704" sldId="260"/>
+            <ac:grpSpMk id="188" creationId="{C3F48F5A-FD5D-CA21-11B5-146EE44D7F58}"/>
+          </ac:grpSpMkLst>
+        </pc:grpChg>
+        <pc:grpChg chg="mod">
+          <ac:chgData name="Bo Tang" userId="332dbdf67b1791cd" providerId="LiveId" clId="{02691D69-8F9D-40EA-87D6-3C6AE3DF35CC}" dt="2023-10-30T03:58:51.219" v="3" actId="20577"/>
+          <ac:grpSpMkLst>
+            <pc:docMk/>
+            <pc:sldMk cId="1066314704" sldId="260"/>
+            <ac:grpSpMk id="203" creationId="{6DBCB70F-5141-1FBB-8C99-B235EBF18F97}"/>
+          </ac:grpSpMkLst>
+        </pc:grpChg>
+        <pc:grpChg chg="mod">
+          <ac:chgData name="Bo Tang" userId="332dbdf67b1791cd" providerId="LiveId" clId="{02691D69-8F9D-40EA-87D6-3C6AE3DF35CC}" dt="2023-10-30T03:58:51.219" v="3" actId="20577"/>
+          <ac:grpSpMkLst>
+            <pc:docMk/>
+            <pc:sldMk cId="1066314704" sldId="260"/>
+            <ac:grpSpMk id="204" creationId="{26A01F83-7D8F-5E0C-B405-49004E21921E}"/>
+          </ac:grpSpMkLst>
+        </pc:grpChg>
+        <pc:cxnChg chg="mod">
+          <ac:chgData name="Bo Tang" userId="332dbdf67b1791cd" providerId="LiveId" clId="{02691D69-8F9D-40EA-87D6-3C6AE3DF35CC}" dt="2023-10-30T03:58:51.219" v="3" actId="20577"/>
+          <ac:cxnSpMkLst>
+            <pc:docMk/>
+            <pc:sldMk cId="1066314704" sldId="260"/>
+            <ac:cxnSpMk id="16" creationId="{089A22BC-7B7D-9746-46D7-B253CB8E5032}"/>
+          </ac:cxnSpMkLst>
+        </pc:cxnChg>
+        <pc:cxnChg chg="mod">
+          <ac:chgData name="Bo Tang" userId="332dbdf67b1791cd" providerId="LiveId" clId="{02691D69-8F9D-40EA-87D6-3C6AE3DF35CC}" dt="2023-10-30T03:58:51.219" v="3" actId="20577"/>
+          <ac:cxnSpMkLst>
+            <pc:docMk/>
+            <pc:sldMk cId="1066314704" sldId="260"/>
+            <ac:cxnSpMk id="18" creationId="{3332CD33-9CC4-01F4-8609-CC909EE109C9}"/>
+          </ac:cxnSpMkLst>
+        </pc:cxnChg>
+        <pc:cxnChg chg="mod">
+          <ac:chgData name="Bo Tang" userId="332dbdf67b1791cd" providerId="LiveId" clId="{02691D69-8F9D-40EA-87D6-3C6AE3DF35CC}" dt="2023-10-30T03:58:51.219" v="3" actId="20577"/>
+          <ac:cxnSpMkLst>
+            <pc:docMk/>
+            <pc:sldMk cId="1066314704" sldId="260"/>
+            <ac:cxnSpMk id="25" creationId="{2F3CC4B5-7B0C-2003-5092-5149F51704A2}"/>
+          </ac:cxnSpMkLst>
+        </pc:cxnChg>
+        <pc:cxnChg chg="mod">
+          <ac:chgData name="Bo Tang" userId="332dbdf67b1791cd" providerId="LiveId" clId="{02691D69-8F9D-40EA-87D6-3C6AE3DF35CC}" dt="2023-10-30T03:58:51.219" v="3" actId="20577"/>
+          <ac:cxnSpMkLst>
+            <pc:docMk/>
+            <pc:sldMk cId="1066314704" sldId="260"/>
+            <ac:cxnSpMk id="26" creationId="{230A41B5-5E7E-85CA-F284-077362B243A2}"/>
+          </ac:cxnSpMkLst>
+        </pc:cxnChg>
+        <pc:cxnChg chg="mod">
+          <ac:chgData name="Bo Tang" userId="332dbdf67b1791cd" providerId="LiveId" clId="{02691D69-8F9D-40EA-87D6-3C6AE3DF35CC}" dt="2023-10-30T03:58:51.219" v="3" actId="20577"/>
+          <ac:cxnSpMkLst>
+            <pc:docMk/>
+            <pc:sldMk cId="1066314704" sldId="260"/>
+            <ac:cxnSpMk id="34" creationId="{7CCA48D9-7555-DF58-710E-B70D4B72F391}"/>
+          </ac:cxnSpMkLst>
+        </pc:cxnChg>
+        <pc:cxnChg chg="mod">
+          <ac:chgData name="Bo Tang" userId="332dbdf67b1791cd" providerId="LiveId" clId="{02691D69-8F9D-40EA-87D6-3C6AE3DF35CC}" dt="2023-10-30T03:58:51.219" v="3" actId="20577"/>
+          <ac:cxnSpMkLst>
+            <pc:docMk/>
+            <pc:sldMk cId="1066314704" sldId="260"/>
+            <ac:cxnSpMk id="35" creationId="{1C754259-92E1-8F09-6BBD-4A5F0A2442F9}"/>
+          </ac:cxnSpMkLst>
+        </pc:cxnChg>
+        <pc:cxnChg chg="mod">
+          <ac:chgData name="Bo Tang" userId="332dbdf67b1791cd" providerId="LiveId" clId="{02691D69-8F9D-40EA-87D6-3C6AE3DF35CC}" dt="2023-10-30T03:58:51.219" v="3" actId="20577"/>
+          <ac:cxnSpMkLst>
+            <pc:docMk/>
+            <pc:sldMk cId="1066314704" sldId="260"/>
+            <ac:cxnSpMk id="44" creationId="{7070F5FD-CD7C-FDFD-B0F1-FEFB5D35A9CC}"/>
+          </ac:cxnSpMkLst>
+        </pc:cxnChg>
+        <pc:cxnChg chg="mod">
+          <ac:chgData name="Bo Tang" userId="332dbdf67b1791cd" providerId="LiveId" clId="{02691D69-8F9D-40EA-87D6-3C6AE3DF35CC}" dt="2023-10-30T03:58:51.219" v="3" actId="20577"/>
+          <ac:cxnSpMkLst>
+            <pc:docMk/>
+            <pc:sldMk cId="1066314704" sldId="260"/>
+            <ac:cxnSpMk id="46" creationId="{6BA014D7-7C36-9D65-5069-6FA75BE077E3}"/>
+          </ac:cxnSpMkLst>
+        </pc:cxnChg>
+        <pc:cxnChg chg="mod">
+          <ac:chgData name="Bo Tang" userId="332dbdf67b1791cd" providerId="LiveId" clId="{02691D69-8F9D-40EA-87D6-3C6AE3DF35CC}" dt="2023-10-30T03:58:51.219" v="3" actId="20577"/>
+          <ac:cxnSpMkLst>
+            <pc:docMk/>
+            <pc:sldMk cId="1066314704" sldId="260"/>
+            <ac:cxnSpMk id="51" creationId="{11075226-1B3E-0B6D-177F-3A4E3AFE4AA9}"/>
+          </ac:cxnSpMkLst>
+        </pc:cxnChg>
+        <pc:cxnChg chg="mod">
+          <ac:chgData name="Bo Tang" userId="332dbdf67b1791cd" providerId="LiveId" clId="{02691D69-8F9D-40EA-87D6-3C6AE3DF35CC}" dt="2023-10-30T03:58:51.219" v="3" actId="20577"/>
+          <ac:cxnSpMkLst>
+            <pc:docMk/>
+            <pc:sldMk cId="1066314704" sldId="260"/>
+            <ac:cxnSpMk id="52" creationId="{DAE8FFB4-B2F3-BE91-8193-1E5E7C215CA7}"/>
+          </ac:cxnSpMkLst>
+        </pc:cxnChg>
+        <pc:cxnChg chg="mod">
+          <ac:chgData name="Bo Tang" userId="332dbdf67b1791cd" providerId="LiveId" clId="{02691D69-8F9D-40EA-87D6-3C6AE3DF35CC}" dt="2023-10-30T03:58:51.219" v="3" actId="20577"/>
+          <ac:cxnSpMkLst>
+            <pc:docMk/>
+            <pc:sldMk cId="1066314704" sldId="260"/>
+            <ac:cxnSpMk id="62" creationId="{E665DE77-4569-E60B-6744-DE6EF3A66FE4}"/>
+          </ac:cxnSpMkLst>
+        </pc:cxnChg>
+        <pc:cxnChg chg="mod">
+          <ac:chgData name="Bo Tang" userId="332dbdf67b1791cd" providerId="LiveId" clId="{02691D69-8F9D-40EA-87D6-3C6AE3DF35CC}" dt="2023-10-30T03:58:51.219" v="3" actId="20577"/>
+          <ac:cxnSpMkLst>
+            <pc:docMk/>
+            <pc:sldMk cId="1066314704" sldId="260"/>
+            <ac:cxnSpMk id="63" creationId="{4694DE98-C819-6FF3-6854-87C55E0BF480}"/>
+          </ac:cxnSpMkLst>
+        </pc:cxnChg>
+        <pc:cxnChg chg="mod">
+          <ac:chgData name="Bo Tang" userId="332dbdf67b1791cd" providerId="LiveId" clId="{02691D69-8F9D-40EA-87D6-3C6AE3DF35CC}" dt="2023-10-30T03:58:51.219" v="3" actId="20577"/>
+          <ac:cxnSpMkLst>
+            <pc:docMk/>
+            <pc:sldMk cId="1066314704" sldId="260"/>
+            <ac:cxnSpMk id="67" creationId="{2375FA48-CBDD-2C37-C1BA-A924BDAF21AF}"/>
+          </ac:cxnSpMkLst>
+        </pc:cxnChg>
+        <pc:cxnChg chg="mod">
+          <ac:chgData name="Bo Tang" userId="332dbdf67b1791cd" providerId="LiveId" clId="{02691D69-8F9D-40EA-87D6-3C6AE3DF35CC}" dt="2023-10-30T03:58:51.219" v="3" actId="20577"/>
+          <ac:cxnSpMkLst>
+            <pc:docMk/>
+            <pc:sldMk cId="1066314704" sldId="260"/>
+            <ac:cxnSpMk id="68" creationId="{86E2AC25-FF11-E88A-2B05-63A2712C42DC}"/>
+          </ac:cxnSpMkLst>
+        </pc:cxnChg>
+        <pc:cxnChg chg="mod">
+          <ac:chgData name="Bo Tang" userId="332dbdf67b1791cd" providerId="LiveId" clId="{02691D69-8F9D-40EA-87D6-3C6AE3DF35CC}" dt="2023-10-30T03:58:51.219" v="3" actId="20577"/>
+          <ac:cxnSpMkLst>
+            <pc:docMk/>
+            <pc:sldMk cId="1066314704" sldId="260"/>
+            <ac:cxnSpMk id="69" creationId="{B998AFF8-67B2-C773-8EB1-FFE56CF1DC16}"/>
+          </ac:cxnSpMkLst>
+        </pc:cxnChg>
+        <pc:cxnChg chg="mod">
+          <ac:chgData name="Bo Tang" userId="332dbdf67b1791cd" providerId="LiveId" clId="{02691D69-8F9D-40EA-87D6-3C6AE3DF35CC}" dt="2023-10-30T03:58:51.219" v="3" actId="20577"/>
+          <ac:cxnSpMkLst>
+            <pc:docMk/>
+            <pc:sldMk cId="1066314704" sldId="260"/>
+            <ac:cxnSpMk id="70" creationId="{26E37D64-866C-D15F-900B-A77BA9385083}"/>
+          </ac:cxnSpMkLst>
+        </pc:cxnChg>
+        <pc:cxnChg chg="mod">
+          <ac:chgData name="Bo Tang" userId="332dbdf67b1791cd" providerId="LiveId" clId="{02691D69-8F9D-40EA-87D6-3C6AE3DF35CC}" dt="2023-10-30T03:58:51.219" v="3" actId="20577"/>
+          <ac:cxnSpMkLst>
+            <pc:docMk/>
+            <pc:sldMk cId="1066314704" sldId="260"/>
+            <ac:cxnSpMk id="71" creationId="{D2F3FDF8-2312-AB59-8B22-08ABB82EBC66}"/>
+          </ac:cxnSpMkLst>
+        </pc:cxnChg>
+        <pc:cxnChg chg="mod">
+          <ac:chgData name="Bo Tang" userId="332dbdf67b1791cd" providerId="LiveId" clId="{02691D69-8F9D-40EA-87D6-3C6AE3DF35CC}" dt="2023-10-30T03:58:51.219" v="3" actId="20577"/>
+          <ac:cxnSpMkLst>
+            <pc:docMk/>
+            <pc:sldMk cId="1066314704" sldId="260"/>
+            <ac:cxnSpMk id="72" creationId="{0D750EC8-F09F-37D9-7998-4A84B56FA5E5}"/>
+          </ac:cxnSpMkLst>
+        </pc:cxnChg>
+        <pc:cxnChg chg="mod">
+          <ac:chgData name="Bo Tang" userId="332dbdf67b1791cd" providerId="LiveId" clId="{02691D69-8F9D-40EA-87D6-3C6AE3DF35CC}" dt="2023-10-30T03:58:51.219" v="3" actId="20577"/>
+          <ac:cxnSpMkLst>
+            <pc:docMk/>
+            <pc:sldMk cId="1066314704" sldId="260"/>
+            <ac:cxnSpMk id="73" creationId="{1482513C-BE10-9E37-C0A4-DD13B6863F7C}"/>
+          </ac:cxnSpMkLst>
+        </pc:cxnChg>
+        <pc:cxnChg chg="mod">
+          <ac:chgData name="Bo Tang" userId="332dbdf67b1791cd" providerId="LiveId" clId="{02691D69-8F9D-40EA-87D6-3C6AE3DF35CC}" dt="2023-10-30T03:58:51.219" v="3" actId="20577"/>
+          <ac:cxnSpMkLst>
+            <pc:docMk/>
+            <pc:sldMk cId="1066314704" sldId="260"/>
+            <ac:cxnSpMk id="80" creationId="{EBC7F6E8-B117-FB64-3C22-A4D2FD2CF40C}"/>
+          </ac:cxnSpMkLst>
+        </pc:cxnChg>
+        <pc:cxnChg chg="mod">
+          <ac:chgData name="Bo Tang" userId="332dbdf67b1791cd" providerId="LiveId" clId="{02691D69-8F9D-40EA-87D6-3C6AE3DF35CC}" dt="2023-10-30T03:58:51.219" v="3" actId="20577"/>
+          <ac:cxnSpMkLst>
+            <pc:docMk/>
+            <pc:sldMk cId="1066314704" sldId="260"/>
+            <ac:cxnSpMk id="81" creationId="{10EDA9FE-A322-8E0B-6012-C86C6B5E4FC9}"/>
+          </ac:cxnSpMkLst>
+        </pc:cxnChg>
+        <pc:cxnChg chg="mod">
+          <ac:chgData name="Bo Tang" userId="332dbdf67b1791cd" providerId="LiveId" clId="{02691D69-8F9D-40EA-87D6-3C6AE3DF35CC}" dt="2023-10-30T03:58:51.219" v="3" actId="20577"/>
+          <ac:cxnSpMkLst>
+            <pc:docMk/>
+            <pc:sldMk cId="1066314704" sldId="260"/>
+            <ac:cxnSpMk id="82" creationId="{96EC9193-B068-78B1-7167-BCC7AD72447B}"/>
+          </ac:cxnSpMkLst>
+        </pc:cxnChg>
+        <pc:cxnChg chg="mod">
+          <ac:chgData name="Bo Tang" userId="332dbdf67b1791cd" providerId="LiveId" clId="{02691D69-8F9D-40EA-87D6-3C6AE3DF35CC}" dt="2023-10-30T03:58:51.219" v="3" actId="20577"/>
+          <ac:cxnSpMkLst>
+            <pc:docMk/>
+            <pc:sldMk cId="1066314704" sldId="260"/>
+            <ac:cxnSpMk id="94" creationId="{9DA69D87-E46B-16E3-BE20-B3DCE8C60DE7}"/>
+          </ac:cxnSpMkLst>
+        </pc:cxnChg>
+        <pc:cxnChg chg="mod">
+          <ac:chgData name="Bo Tang" userId="332dbdf67b1791cd" providerId="LiveId" clId="{02691D69-8F9D-40EA-87D6-3C6AE3DF35CC}" dt="2023-10-30T03:58:51.219" v="3" actId="20577"/>
+          <ac:cxnSpMkLst>
+            <pc:docMk/>
+            <pc:sldMk cId="1066314704" sldId="260"/>
+            <ac:cxnSpMk id="96" creationId="{DDA5477D-39CB-2E26-42AC-FA93AD36D38A}"/>
+          </ac:cxnSpMkLst>
+        </pc:cxnChg>
+        <pc:cxnChg chg="mod">
+          <ac:chgData name="Bo Tang" userId="332dbdf67b1791cd" providerId="LiveId" clId="{02691D69-8F9D-40EA-87D6-3C6AE3DF35CC}" dt="2023-10-30T03:58:51.219" v="3" actId="20577"/>
+          <ac:cxnSpMkLst>
+            <pc:docMk/>
+            <pc:sldMk cId="1066314704" sldId="260"/>
+            <ac:cxnSpMk id="105" creationId="{839804FB-8E3D-0781-2B00-F285436EC196}"/>
+          </ac:cxnSpMkLst>
+        </pc:cxnChg>
+        <pc:cxnChg chg="mod">
+          <ac:chgData name="Bo Tang" userId="332dbdf67b1791cd" providerId="LiveId" clId="{02691D69-8F9D-40EA-87D6-3C6AE3DF35CC}" dt="2023-10-30T03:58:51.219" v="3" actId="20577"/>
+          <ac:cxnSpMkLst>
+            <pc:docMk/>
+            <pc:sldMk cId="1066314704" sldId="260"/>
+            <ac:cxnSpMk id="107" creationId="{4DE879F3-6BB0-CE07-42F4-B6B9494FA45A}"/>
+          </ac:cxnSpMkLst>
+        </pc:cxnChg>
+        <pc:cxnChg chg="mod">
+          <ac:chgData name="Bo Tang" userId="332dbdf67b1791cd" providerId="LiveId" clId="{02691D69-8F9D-40EA-87D6-3C6AE3DF35CC}" dt="2023-10-30T03:58:51.219" v="3" actId="20577"/>
+          <ac:cxnSpMkLst>
+            <pc:docMk/>
+            <pc:sldMk cId="1066314704" sldId="260"/>
+            <ac:cxnSpMk id="127" creationId="{56594359-01B6-A48B-3777-A847CC325151}"/>
+          </ac:cxnSpMkLst>
+        </pc:cxnChg>
+        <pc:cxnChg chg="mod">
+          <ac:chgData name="Bo Tang" userId="332dbdf67b1791cd" providerId="LiveId" clId="{02691D69-8F9D-40EA-87D6-3C6AE3DF35CC}" dt="2023-10-30T03:58:51.219" v="3" actId="20577"/>
+          <ac:cxnSpMkLst>
+            <pc:docMk/>
+            <pc:sldMk cId="1066314704" sldId="260"/>
+            <ac:cxnSpMk id="129" creationId="{D65F6102-0C66-E99C-1AF4-1AA92B7AF3DA}"/>
+          </ac:cxnSpMkLst>
+        </pc:cxnChg>
+        <pc:cxnChg chg="mod">
+          <ac:chgData name="Bo Tang" userId="332dbdf67b1791cd" providerId="LiveId" clId="{02691D69-8F9D-40EA-87D6-3C6AE3DF35CC}" dt="2023-10-30T03:58:51.219" v="3" actId="20577"/>
+          <ac:cxnSpMkLst>
+            <pc:docMk/>
+            <pc:sldMk cId="1066314704" sldId="260"/>
+            <ac:cxnSpMk id="138" creationId="{2972C7C1-9350-4987-CA8C-CBBB58A72446}"/>
+          </ac:cxnSpMkLst>
+        </pc:cxnChg>
+        <pc:cxnChg chg="mod">
+          <ac:chgData name="Bo Tang" userId="332dbdf67b1791cd" providerId="LiveId" clId="{02691D69-8F9D-40EA-87D6-3C6AE3DF35CC}" dt="2023-10-30T03:58:51.219" v="3" actId="20577"/>
+          <ac:cxnSpMkLst>
+            <pc:docMk/>
+            <pc:sldMk cId="1066314704" sldId="260"/>
+            <ac:cxnSpMk id="140" creationId="{350D2329-F29D-6D01-7CC4-A50D85A2AEEF}"/>
+          </ac:cxnSpMkLst>
+        </pc:cxnChg>
+        <pc:cxnChg chg="mod">
+          <ac:chgData name="Bo Tang" userId="332dbdf67b1791cd" providerId="LiveId" clId="{02691D69-8F9D-40EA-87D6-3C6AE3DF35CC}" dt="2023-10-30T03:58:51.219" v="3" actId="20577"/>
+          <ac:cxnSpMkLst>
+            <pc:docMk/>
+            <pc:sldMk cId="1066314704" sldId="260"/>
+            <ac:cxnSpMk id="147" creationId="{CA37D1D3-5B2B-614C-ED87-5F7626B0ACAC}"/>
+          </ac:cxnSpMkLst>
+        </pc:cxnChg>
+        <pc:cxnChg chg="mod">
+          <ac:chgData name="Bo Tang" userId="332dbdf67b1791cd" providerId="LiveId" clId="{02691D69-8F9D-40EA-87D6-3C6AE3DF35CC}" dt="2023-10-30T03:58:51.219" v="3" actId="20577"/>
+          <ac:cxnSpMkLst>
+            <pc:docMk/>
+            <pc:sldMk cId="1066314704" sldId="260"/>
+            <ac:cxnSpMk id="148" creationId="{3A5E7E30-D253-8163-7FAD-6CBC517F87FB}"/>
+          </ac:cxnSpMkLst>
+        </pc:cxnChg>
+        <pc:cxnChg chg="mod">
+          <ac:chgData name="Bo Tang" userId="332dbdf67b1791cd" providerId="LiveId" clId="{02691D69-8F9D-40EA-87D6-3C6AE3DF35CC}" dt="2023-10-30T03:58:51.219" v="3" actId="20577"/>
+          <ac:cxnSpMkLst>
+            <pc:docMk/>
+            <pc:sldMk cId="1066314704" sldId="260"/>
+            <ac:cxnSpMk id="161" creationId="{DCA2238B-1D88-64C9-71A8-9909FC302C33}"/>
+          </ac:cxnSpMkLst>
+        </pc:cxnChg>
+        <pc:cxnChg chg="mod">
+          <ac:chgData name="Bo Tang" userId="332dbdf67b1791cd" providerId="LiveId" clId="{02691D69-8F9D-40EA-87D6-3C6AE3DF35CC}" dt="2023-10-30T03:58:51.219" v="3" actId="20577"/>
+          <ac:cxnSpMkLst>
+            <pc:docMk/>
+            <pc:sldMk cId="1066314704" sldId="260"/>
+            <ac:cxnSpMk id="162" creationId="{2302AEAB-5601-F59F-186D-2D6C11731220}"/>
+          </ac:cxnSpMkLst>
+        </pc:cxnChg>
+        <pc:cxnChg chg="mod">
+          <ac:chgData name="Bo Tang" userId="332dbdf67b1791cd" providerId="LiveId" clId="{02691D69-8F9D-40EA-87D6-3C6AE3DF35CC}" dt="2023-10-30T03:58:51.219" v="3" actId="20577"/>
+          <ac:cxnSpMkLst>
+            <pc:docMk/>
+            <pc:sldMk cId="1066314704" sldId="260"/>
+            <ac:cxnSpMk id="166" creationId="{EB35679A-AC70-2199-2FB3-4ABE69C446EB}"/>
+          </ac:cxnSpMkLst>
+        </pc:cxnChg>
+        <pc:cxnChg chg="mod">
+          <ac:chgData name="Bo Tang" userId="332dbdf67b1791cd" providerId="LiveId" clId="{02691D69-8F9D-40EA-87D6-3C6AE3DF35CC}" dt="2023-10-30T03:58:51.219" v="3" actId="20577"/>
+          <ac:cxnSpMkLst>
+            <pc:docMk/>
+            <pc:sldMk cId="1066314704" sldId="260"/>
+            <ac:cxnSpMk id="167" creationId="{93637860-2960-4384-0EAC-17C5F83E5005}"/>
+          </ac:cxnSpMkLst>
+        </pc:cxnChg>
+        <pc:cxnChg chg="mod">
+          <ac:chgData name="Bo Tang" userId="332dbdf67b1791cd" providerId="LiveId" clId="{02691D69-8F9D-40EA-87D6-3C6AE3DF35CC}" dt="2023-10-30T03:58:51.219" v="3" actId="20577"/>
+          <ac:cxnSpMkLst>
+            <pc:docMk/>
+            <pc:sldMk cId="1066314704" sldId="260"/>
+            <ac:cxnSpMk id="168" creationId="{B835B154-95D6-E665-1FA3-4EF2E54CAA87}"/>
+          </ac:cxnSpMkLst>
+        </pc:cxnChg>
+        <pc:cxnChg chg="mod">
+          <ac:chgData name="Bo Tang" userId="332dbdf67b1791cd" providerId="LiveId" clId="{02691D69-8F9D-40EA-87D6-3C6AE3DF35CC}" dt="2023-10-30T03:58:51.219" v="3" actId="20577"/>
+          <ac:cxnSpMkLst>
+            <pc:docMk/>
+            <pc:sldMk cId="1066314704" sldId="260"/>
+            <ac:cxnSpMk id="169" creationId="{86E6A45F-2D06-2059-3084-9255778C4600}"/>
+          </ac:cxnSpMkLst>
+        </pc:cxnChg>
+        <pc:cxnChg chg="mod">
+          <ac:chgData name="Bo Tang" userId="332dbdf67b1791cd" providerId="LiveId" clId="{02691D69-8F9D-40EA-87D6-3C6AE3DF35CC}" dt="2023-10-30T03:58:51.219" v="3" actId="20577"/>
+          <ac:cxnSpMkLst>
+            <pc:docMk/>
+            <pc:sldMk cId="1066314704" sldId="260"/>
+            <ac:cxnSpMk id="170" creationId="{EB6B9E89-F4B5-78BF-A556-F224FD074D66}"/>
+          </ac:cxnSpMkLst>
+        </pc:cxnChg>
+        <pc:cxnChg chg="mod">
+          <ac:chgData name="Bo Tang" userId="332dbdf67b1791cd" providerId="LiveId" clId="{02691D69-8F9D-40EA-87D6-3C6AE3DF35CC}" dt="2023-10-30T03:58:51.219" v="3" actId="20577"/>
+          <ac:cxnSpMkLst>
+            <pc:docMk/>
+            <pc:sldMk cId="1066314704" sldId="260"/>
+            <ac:cxnSpMk id="171" creationId="{C1E0C64A-6EB9-6F26-900B-5F33A55EF9E3}"/>
+          </ac:cxnSpMkLst>
+        </pc:cxnChg>
+        <pc:cxnChg chg="mod">
+          <ac:chgData name="Bo Tang" userId="332dbdf67b1791cd" providerId="LiveId" clId="{02691D69-8F9D-40EA-87D6-3C6AE3DF35CC}" dt="2023-10-30T03:58:51.219" v="3" actId="20577"/>
+          <ac:cxnSpMkLst>
+            <pc:docMk/>
+            <pc:sldMk cId="1066314704" sldId="260"/>
+            <ac:cxnSpMk id="172" creationId="{E1CE6F91-821A-C42C-CFDA-48F91AD51B44}"/>
+          </ac:cxnSpMkLst>
+        </pc:cxnChg>
+        <pc:cxnChg chg="mod">
+          <ac:chgData name="Bo Tang" userId="332dbdf67b1791cd" providerId="LiveId" clId="{02691D69-8F9D-40EA-87D6-3C6AE3DF35CC}" dt="2023-10-30T03:58:51.219" v="3" actId="20577"/>
+          <ac:cxnSpMkLst>
+            <pc:docMk/>
+            <pc:sldMk cId="1066314704" sldId="260"/>
+            <ac:cxnSpMk id="179" creationId="{08EA5F8E-6D6D-5975-7DEA-20FDD8AD5428}"/>
+          </ac:cxnSpMkLst>
+        </pc:cxnChg>
+        <pc:cxnChg chg="mod">
+          <ac:chgData name="Bo Tang" userId="332dbdf67b1791cd" providerId="LiveId" clId="{02691D69-8F9D-40EA-87D6-3C6AE3DF35CC}" dt="2023-10-30T03:58:51.219" v="3" actId="20577"/>
+          <ac:cxnSpMkLst>
+            <pc:docMk/>
+            <pc:sldMk cId="1066314704" sldId="260"/>
+            <ac:cxnSpMk id="180" creationId="{52335E3E-594A-294C-0D5D-19405FFC300B}"/>
+          </ac:cxnSpMkLst>
+        </pc:cxnChg>
+        <pc:cxnChg chg="mod">
+          <ac:chgData name="Bo Tang" userId="332dbdf67b1791cd" providerId="LiveId" clId="{02691D69-8F9D-40EA-87D6-3C6AE3DF35CC}" dt="2023-10-30T03:58:51.219" v="3" actId="20577"/>
+          <ac:cxnSpMkLst>
+            <pc:docMk/>
+            <pc:sldMk cId="1066314704" sldId="260"/>
+            <ac:cxnSpMk id="181" creationId="{DD7B5888-38B1-572A-068A-31F8B67C8C74}"/>
+          </ac:cxnSpMkLst>
+        </pc:cxnChg>
+        <pc:cxnChg chg="mod">
+          <ac:chgData name="Bo Tang" userId="332dbdf67b1791cd" providerId="LiveId" clId="{02691D69-8F9D-40EA-87D6-3C6AE3DF35CC}" dt="2023-10-30T03:58:51.219" v="3" actId="20577"/>
+          <ac:cxnSpMkLst>
+            <pc:docMk/>
+            <pc:sldMk cId="1066314704" sldId="260"/>
+            <ac:cxnSpMk id="190" creationId="{DB8BE62E-BBAA-3D21-5145-A95DDF5A2A0B}"/>
+          </ac:cxnSpMkLst>
+        </pc:cxnChg>
+        <pc:cxnChg chg="mod">
+          <ac:chgData name="Bo Tang" userId="332dbdf67b1791cd" providerId="LiveId" clId="{02691D69-8F9D-40EA-87D6-3C6AE3DF35CC}" dt="2023-10-30T03:58:51.219" v="3" actId="20577"/>
+          <ac:cxnSpMkLst>
+            <pc:docMk/>
+            <pc:sldMk cId="1066314704" sldId="260"/>
+            <ac:cxnSpMk id="191" creationId="{17F685A7-6596-AE53-6FE1-D7D0F6D8B798}"/>
+          </ac:cxnSpMkLst>
+        </pc:cxnChg>
+        <pc:cxnChg chg="mod">
+          <ac:chgData name="Bo Tang" userId="332dbdf67b1791cd" providerId="LiveId" clId="{02691D69-8F9D-40EA-87D6-3C6AE3DF35CC}" dt="2023-10-30T03:58:51.219" v="3" actId="20577"/>
+          <ac:cxnSpMkLst>
+            <pc:docMk/>
+            <pc:sldMk cId="1066314704" sldId="260"/>
+            <ac:cxnSpMk id="195" creationId="{5BF70E41-47BA-E47F-9FD8-6810563B0F15}"/>
+          </ac:cxnSpMkLst>
+        </pc:cxnChg>
+        <pc:cxnChg chg="mod">
+          <ac:chgData name="Bo Tang" userId="332dbdf67b1791cd" providerId="LiveId" clId="{02691D69-8F9D-40EA-87D6-3C6AE3DF35CC}" dt="2023-10-30T03:58:51.219" v="3" actId="20577"/>
+          <ac:cxnSpMkLst>
+            <pc:docMk/>
+            <pc:sldMk cId="1066314704" sldId="260"/>
+            <ac:cxnSpMk id="196" creationId="{48E8B61D-C63B-A3D5-769A-7C16360CDC27}"/>
+          </ac:cxnSpMkLst>
+        </pc:cxnChg>
+        <pc:cxnChg chg="mod">
+          <ac:chgData name="Bo Tang" userId="332dbdf67b1791cd" providerId="LiveId" clId="{02691D69-8F9D-40EA-87D6-3C6AE3DF35CC}" dt="2023-10-30T03:58:51.219" v="3" actId="20577"/>
+          <ac:cxnSpMkLst>
+            <pc:docMk/>
+            <pc:sldMk cId="1066314704" sldId="260"/>
+            <ac:cxnSpMk id="197" creationId="{0D25AF2C-6FB1-5AD0-8252-B8B6727A6B92}"/>
+          </ac:cxnSpMkLst>
+        </pc:cxnChg>
+        <pc:cxnChg chg="mod">
+          <ac:chgData name="Bo Tang" userId="332dbdf67b1791cd" providerId="LiveId" clId="{02691D69-8F9D-40EA-87D6-3C6AE3DF35CC}" dt="2023-10-30T03:58:51.219" v="3" actId="20577"/>
+          <ac:cxnSpMkLst>
+            <pc:docMk/>
+            <pc:sldMk cId="1066314704" sldId="260"/>
+            <ac:cxnSpMk id="198" creationId="{72B208C6-2155-652D-756D-ACB2AC91B810}"/>
+          </ac:cxnSpMkLst>
+        </pc:cxnChg>
+        <pc:cxnChg chg="mod">
+          <ac:chgData name="Bo Tang" userId="332dbdf67b1791cd" providerId="LiveId" clId="{02691D69-8F9D-40EA-87D6-3C6AE3DF35CC}" dt="2023-10-30T03:58:51.219" v="3" actId="20577"/>
+          <ac:cxnSpMkLst>
+            <pc:docMk/>
+            <pc:sldMk cId="1066314704" sldId="260"/>
+            <ac:cxnSpMk id="199" creationId="{FD11B4BE-D621-2FD9-2893-60B8BC6B8E03}"/>
+          </ac:cxnSpMkLst>
+        </pc:cxnChg>
+        <pc:cxnChg chg="mod">
+          <ac:chgData name="Bo Tang" userId="332dbdf67b1791cd" providerId="LiveId" clId="{02691D69-8F9D-40EA-87D6-3C6AE3DF35CC}" dt="2023-10-30T03:58:51.219" v="3" actId="20577"/>
+          <ac:cxnSpMkLst>
+            <pc:docMk/>
+            <pc:sldMk cId="1066314704" sldId="260"/>
+            <ac:cxnSpMk id="200" creationId="{CDAA52E4-ED77-0E86-BA54-535162D5EEDD}"/>
+          </ac:cxnSpMkLst>
+        </pc:cxnChg>
+        <pc:cxnChg chg="mod">
+          <ac:chgData name="Bo Tang" userId="332dbdf67b1791cd" providerId="LiveId" clId="{02691D69-8F9D-40EA-87D6-3C6AE3DF35CC}" dt="2023-10-30T03:58:51.219" v="3" actId="20577"/>
+          <ac:cxnSpMkLst>
+            <pc:docMk/>
+            <pc:sldMk cId="1066314704" sldId="260"/>
+            <ac:cxnSpMk id="201" creationId="{D797A680-54ED-303F-2224-F1ACD75A032C}"/>
+          </ac:cxnSpMkLst>
+        </pc:cxnChg>
+        <pc:cxnChg chg="mod">
+          <ac:chgData name="Bo Tang" userId="332dbdf67b1791cd" providerId="LiveId" clId="{02691D69-8F9D-40EA-87D6-3C6AE3DF35CC}" dt="2023-10-30T03:58:51.219" v="3" actId="20577"/>
+          <ac:cxnSpMkLst>
+            <pc:docMk/>
+            <pc:sldMk cId="1066314704" sldId="260"/>
+            <ac:cxnSpMk id="208" creationId="{110AB156-F39B-40D2-E516-8D0CD2CEEBD2}"/>
+          </ac:cxnSpMkLst>
+        </pc:cxnChg>
+        <pc:cxnChg chg="mod">
+          <ac:chgData name="Bo Tang" userId="332dbdf67b1791cd" providerId="LiveId" clId="{02691D69-8F9D-40EA-87D6-3C6AE3DF35CC}" dt="2023-10-30T03:58:51.219" v="3" actId="20577"/>
+          <ac:cxnSpMkLst>
+            <pc:docMk/>
+            <pc:sldMk cId="1066314704" sldId="260"/>
+            <ac:cxnSpMk id="209" creationId="{233F654D-DD36-471B-E072-36395AB9BEA3}"/>
+          </ac:cxnSpMkLst>
+        </pc:cxnChg>
+        <pc:cxnChg chg="mod">
+          <ac:chgData name="Bo Tang" userId="332dbdf67b1791cd" providerId="LiveId" clId="{02691D69-8F9D-40EA-87D6-3C6AE3DF35CC}" dt="2023-10-30T03:58:51.219" v="3" actId="20577"/>
+          <ac:cxnSpMkLst>
+            <pc:docMk/>
+            <pc:sldMk cId="1066314704" sldId="260"/>
+            <ac:cxnSpMk id="210" creationId="{A00A0B7F-0C3C-7BD2-5CF0-89B3AEE0E26A}"/>
           </ac:cxnSpMkLst>
         </pc:cxnChg>
       </pc:sldChg>
@@ -5213,7 +6901,7 @@
           <a:p>
             <a:fld id="{B1B9AF34-9AC4-45FB-A759-451273123E49}" type="datetimeFigureOut">
               <a:rPr lang="en-US" smtClean="0"/>
-              <a:t>6/13/2023</a:t>
+              <a:t>10/29/2023</a:t>
             </a:fld>
             <a:endParaRPr lang="en-US"/>
           </a:p>
@@ -5411,7 +7099,7 @@
           <a:p>
             <a:fld id="{B1B9AF34-9AC4-45FB-A759-451273123E49}" type="datetimeFigureOut">
               <a:rPr lang="en-US" smtClean="0"/>
-              <a:t>6/13/2023</a:t>
+              <a:t>10/29/2023</a:t>
             </a:fld>
             <a:endParaRPr lang="en-US"/>
           </a:p>
@@ -5619,7 +7307,7 @@
           <a:p>
             <a:fld id="{B1B9AF34-9AC4-45FB-A759-451273123E49}" type="datetimeFigureOut">
               <a:rPr lang="en-US" smtClean="0"/>
-              <a:t>6/13/2023</a:t>
+              <a:t>10/29/2023</a:t>
             </a:fld>
             <a:endParaRPr lang="en-US"/>
           </a:p>
@@ -5817,7 +7505,7 @@
           <a:p>
             <a:fld id="{B1B9AF34-9AC4-45FB-A759-451273123E49}" type="datetimeFigureOut">
               <a:rPr lang="en-US" smtClean="0"/>
-              <a:t>6/13/2023</a:t>
+              <a:t>10/29/2023</a:t>
             </a:fld>
             <a:endParaRPr lang="en-US"/>
           </a:p>
@@ -6092,7 +7780,7 @@
           <a:p>
             <a:fld id="{B1B9AF34-9AC4-45FB-A759-451273123E49}" type="datetimeFigureOut">
               <a:rPr lang="en-US" smtClean="0"/>
-              <a:t>6/13/2023</a:t>
+              <a:t>10/29/2023</a:t>
             </a:fld>
             <a:endParaRPr lang="en-US"/>
           </a:p>
@@ -6357,7 +8045,7 @@
           <a:p>
             <a:fld id="{B1B9AF34-9AC4-45FB-A759-451273123E49}" type="datetimeFigureOut">
               <a:rPr lang="en-US" smtClean="0"/>
-              <a:t>6/13/2023</a:t>
+              <a:t>10/29/2023</a:t>
             </a:fld>
             <a:endParaRPr lang="en-US"/>
           </a:p>
@@ -6769,7 +8457,7 @@
           <a:p>
             <a:fld id="{B1B9AF34-9AC4-45FB-A759-451273123E49}" type="datetimeFigureOut">
               <a:rPr lang="en-US" smtClean="0"/>
-              <a:t>6/13/2023</a:t>
+              <a:t>10/29/2023</a:t>
             </a:fld>
             <a:endParaRPr lang="en-US"/>
           </a:p>
@@ -6910,7 +8598,7 @@
           <a:p>
             <a:fld id="{B1B9AF34-9AC4-45FB-A759-451273123E49}" type="datetimeFigureOut">
               <a:rPr lang="en-US" smtClean="0"/>
-              <a:t>6/13/2023</a:t>
+              <a:t>10/29/2023</a:t>
             </a:fld>
             <a:endParaRPr lang="en-US"/>
           </a:p>
@@ -7023,7 +8711,7 @@
           <a:p>
             <a:fld id="{B1B9AF34-9AC4-45FB-A759-451273123E49}" type="datetimeFigureOut">
               <a:rPr lang="en-US" smtClean="0"/>
-              <a:t>6/13/2023</a:t>
+              <a:t>10/29/2023</a:t>
             </a:fld>
             <a:endParaRPr lang="en-US"/>
           </a:p>
@@ -7334,7 +9022,7 @@
           <a:p>
             <a:fld id="{B1B9AF34-9AC4-45FB-A759-451273123E49}" type="datetimeFigureOut">
               <a:rPr lang="en-US" smtClean="0"/>
-              <a:t>6/13/2023</a:t>
+              <a:t>10/29/2023</a:t>
             </a:fld>
             <a:endParaRPr lang="en-US"/>
           </a:p>
@@ -7622,7 +9310,7 @@
           <a:p>
             <a:fld id="{B1B9AF34-9AC4-45FB-A759-451273123E49}" type="datetimeFigureOut">
               <a:rPr lang="en-US" smtClean="0"/>
-              <a:t>6/13/2023</a:t>
+              <a:t>10/29/2023</a:t>
             </a:fld>
             <a:endParaRPr lang="en-US"/>
           </a:p>
@@ -7863,7 +9551,7 @@
           <a:p>
             <a:fld id="{B1B9AF34-9AC4-45FB-A759-451273123E49}" type="datetimeFigureOut">
               <a:rPr lang="en-US" smtClean="0"/>
-              <a:t>6/13/2023</a:t>
+              <a:t>10/29/2023</a:t>
             </a:fld>
             <a:endParaRPr lang="en-US"/>
           </a:p>
@@ -36962,10 +38650,10 @@
             </p:nvGrpSpPr>
             <p:grpSpPr>
               <a:xfrm>
-                <a:off x="6429136" y="4020258"/>
-                <a:ext cx="1867360" cy="1271227"/>
-                <a:chOff x="6429136" y="4020258"/>
-                <a:chExt cx="1867360" cy="1271227"/>
+                <a:off x="6228369" y="4020258"/>
+                <a:ext cx="2068127" cy="1279993"/>
+                <a:chOff x="6228369" y="4020258"/>
+                <a:chExt cx="2068127" cy="1279993"/>
               </a:xfrm>
             </p:grpSpPr>
             <mc:AlternateContent xmlns:mc="http://schemas.openxmlformats.org/markup-compatibility/2006" xmlns:a14="http://schemas.microsoft.com/office/drawing/2010/main">
@@ -37106,8 +38794,8 @@
                 </p:sp>
               </mc:Fallback>
             </mc:AlternateContent>
-            <mc:AlternateContent xmlns:mc="http://schemas.openxmlformats.org/markup-compatibility/2006" xmlns:a14="http://schemas.microsoft.com/office/drawing/2010/main">
-              <mc:Choice Requires="a14">
+            <mc:AlternateContent xmlns:mc="http://schemas.openxmlformats.org/markup-compatibility/2006">
+              <mc:Choice xmlns:a14="http://schemas.microsoft.com/office/drawing/2010/main" Requires="a14">
                 <p:sp>
                   <p:nvSpPr>
                     <p:cNvPr id="89" name="TextBox 88">
@@ -37122,8 +38810,8 @@
                   </p:nvSpPr>
                   <p:spPr>
                     <a:xfrm>
-                      <a:off x="6429136" y="5029875"/>
-                      <a:ext cx="649088" cy="261610"/>
+                      <a:off x="6228369" y="5038641"/>
+                      <a:ext cx="754887" cy="261610"/>
                     </a:xfrm>
                     <a:prstGeom prst="rect">
                       <a:avLst/>
@@ -37162,7 +38850,16 @@
                                     </a:solidFill>
                                     <a:latin typeface="Cambria Math" panose="02040503050406030204" pitchFamily="18" charset="0"/>
                                   </a:rPr>
-                                  <m:t>0,−1</m:t>
+                                  <m:t>−1</m:t>
+                                </m:r>
+                                <m:r>
+                                  <a:rPr lang="en-US" sz="1100" b="0" i="1" dirty="0" smtClean="0">
+                                    <a:solidFill>
+                                      <a:srgbClr val="C00000"/>
+                                    </a:solidFill>
+                                    <a:latin typeface="Cambria Math" panose="02040503050406030204" pitchFamily="18" charset="0"/>
+                                  </a:rPr>
+                                  <m:t>,−1</m:t>
                                 </m:r>
                               </m:e>
                             </m:d>
@@ -37178,7 +38875,7 @@
                   </p:txBody>
                 </p:sp>
               </mc:Choice>
-              <mc:Fallback xmlns="">
+              <mc:Fallback>
                 <p:sp>
                   <p:nvSpPr>
                     <p:cNvPr id="89" name="TextBox 88">
@@ -37195,8 +38892,8 @@
                   </p:nvSpPr>
                   <p:spPr>
                     <a:xfrm>
-                      <a:off x="6429136" y="5029875"/>
-                      <a:ext cx="649088" cy="261610"/>
+                      <a:off x="6228369" y="5038641"/>
+                      <a:ext cx="754887" cy="261610"/>
                     </a:xfrm>
                     <a:prstGeom prst="rect">
                       <a:avLst/>

--- a/images/axis.pptx
+++ b/images/axis.pptx
@@ -120,7 +120,7 @@
 <file path=ppt/revisionInfo.xml><?xml version="1.0" encoding="utf-8"?>
 <p1510:revInfo xmlns:a="http://schemas.openxmlformats.org/drawingml/2006/main" xmlns:r="http://schemas.openxmlformats.org/officeDocument/2006/relationships" xmlns:p1510="http://schemas.microsoft.com/office/powerpoint/2015/10/main">
   <p1510:revLst>
-    <p1510:client id="{02691D69-8F9D-40EA-87D6-3C6AE3DF35CC}" v="4" dt="2023-10-30T03:58:51.219"/>
+    <p1510:client id="{42649226-576E-4E75-87D3-8E814BF1D774}" v="13" dt="2023-10-31T04:45:35.993"/>
   </p1510:revLst>
 </p1510:revInfo>
 </file>
@@ -505,6 +505,1822 @@
           <pc:docMk/>
           <pc:sldMk cId="955936873" sldId="259"/>
         </pc:sldMkLst>
+      </pc:sldChg>
+    </pc:docChg>
+  </pc:docChgLst>
+  <pc:docChgLst>
+    <pc:chgData name="Bo Tang" userId="332dbdf67b1791cd" providerId="LiveId" clId="{42649226-576E-4E75-87D3-8E814BF1D774}"/>
+    <pc:docChg chg="undo custSel modSld">
+      <pc:chgData name="Bo Tang" userId="332dbdf67b1791cd" providerId="LiveId" clId="{42649226-576E-4E75-87D3-8E814BF1D774}" dt="2023-10-31T04:45:54.413" v="52" actId="1038"/>
+      <pc:docMkLst>
+        <pc:docMk/>
+      </pc:docMkLst>
+      <pc:sldChg chg="addSp delSp modSp mod">
+        <pc:chgData name="Bo Tang" userId="332dbdf67b1791cd" providerId="LiveId" clId="{42649226-576E-4E75-87D3-8E814BF1D774}" dt="2023-10-31T04:45:54.413" v="52" actId="1038"/>
+        <pc:sldMkLst>
+          <pc:docMk/>
+          <pc:sldMk cId="1066314704" sldId="260"/>
+        </pc:sldMkLst>
+        <pc:spChg chg="mod">
+          <ac:chgData name="Bo Tang" userId="332dbdf67b1791cd" providerId="LiveId" clId="{42649226-576E-4E75-87D3-8E814BF1D774}" dt="2023-10-31T04:42:05.150" v="0" actId="165"/>
+          <ac:spMkLst>
+            <pc:docMk/>
+            <pc:sldMk cId="1066314704" sldId="260"/>
+            <ac:spMk id="13" creationId="{EF4A1B36-A2A1-44FC-B0C8-D90E143CBEFA}"/>
+          </ac:spMkLst>
+        </pc:spChg>
+        <pc:spChg chg="mod">
+          <ac:chgData name="Bo Tang" userId="332dbdf67b1791cd" providerId="LiveId" clId="{42649226-576E-4E75-87D3-8E814BF1D774}" dt="2023-10-31T04:42:05.150" v="0" actId="165"/>
+          <ac:spMkLst>
+            <pc:docMk/>
+            <pc:sldMk cId="1066314704" sldId="260"/>
+            <ac:spMk id="14" creationId="{5EA5F2C6-EC00-BC5D-900C-3B389EDDAA41}"/>
+          </ac:spMkLst>
+        </pc:spChg>
+        <pc:spChg chg="mod">
+          <ac:chgData name="Bo Tang" userId="332dbdf67b1791cd" providerId="LiveId" clId="{42649226-576E-4E75-87D3-8E814BF1D774}" dt="2023-10-31T04:42:05.150" v="0" actId="165"/>
+          <ac:spMkLst>
+            <pc:docMk/>
+            <pc:sldMk cId="1066314704" sldId="260"/>
+            <ac:spMk id="15" creationId="{413C7FDB-6ADE-2C6D-A884-81E5BA0B5265}"/>
+          </ac:spMkLst>
+        </pc:spChg>
+        <pc:spChg chg="mod">
+          <ac:chgData name="Bo Tang" userId="332dbdf67b1791cd" providerId="LiveId" clId="{42649226-576E-4E75-87D3-8E814BF1D774}" dt="2023-10-31T04:42:05.150" v="0" actId="165"/>
+          <ac:spMkLst>
+            <pc:docMk/>
+            <pc:sldMk cId="1066314704" sldId="260"/>
+            <ac:spMk id="17" creationId="{42140E51-9988-EF3C-F0D9-7B376E61970E}"/>
+          </ac:spMkLst>
+        </pc:spChg>
+        <pc:spChg chg="mod">
+          <ac:chgData name="Bo Tang" userId="332dbdf67b1791cd" providerId="LiveId" clId="{42649226-576E-4E75-87D3-8E814BF1D774}" dt="2023-10-31T04:42:05.150" v="0" actId="165"/>
+          <ac:spMkLst>
+            <pc:docMk/>
+            <pc:sldMk cId="1066314704" sldId="260"/>
+            <ac:spMk id="19" creationId="{FFE063F3-5841-254A-078C-6AAF573425F8}"/>
+          </ac:spMkLst>
+        </pc:spChg>
+        <pc:spChg chg="mod">
+          <ac:chgData name="Bo Tang" userId="332dbdf67b1791cd" providerId="LiveId" clId="{42649226-576E-4E75-87D3-8E814BF1D774}" dt="2023-10-31T04:42:05.150" v="0" actId="165"/>
+          <ac:spMkLst>
+            <pc:docMk/>
+            <pc:sldMk cId="1066314704" sldId="260"/>
+            <ac:spMk id="20" creationId="{67F54DE5-BBFF-D2EE-0D84-BE4103801014}"/>
+          </ac:spMkLst>
+        </pc:spChg>
+        <pc:spChg chg="mod">
+          <ac:chgData name="Bo Tang" userId="332dbdf67b1791cd" providerId="LiveId" clId="{42649226-576E-4E75-87D3-8E814BF1D774}" dt="2023-10-31T04:42:05.150" v="0" actId="165"/>
+          <ac:spMkLst>
+            <pc:docMk/>
+            <pc:sldMk cId="1066314704" sldId="260"/>
+            <ac:spMk id="22" creationId="{CA760F31-E16D-057D-9AF2-564EDA3F5DBC}"/>
+          </ac:spMkLst>
+        </pc:spChg>
+        <pc:spChg chg="mod">
+          <ac:chgData name="Bo Tang" userId="332dbdf67b1791cd" providerId="LiveId" clId="{42649226-576E-4E75-87D3-8E814BF1D774}" dt="2023-10-31T04:42:05.150" v="0" actId="165"/>
+          <ac:spMkLst>
+            <pc:docMk/>
+            <pc:sldMk cId="1066314704" sldId="260"/>
+            <ac:spMk id="23" creationId="{388D887B-CFB4-2EFF-1768-654CC819EE4C}"/>
+          </ac:spMkLst>
+        </pc:spChg>
+        <pc:spChg chg="mod">
+          <ac:chgData name="Bo Tang" userId="332dbdf67b1791cd" providerId="LiveId" clId="{42649226-576E-4E75-87D3-8E814BF1D774}" dt="2023-10-31T04:42:05.150" v="0" actId="165"/>
+          <ac:spMkLst>
+            <pc:docMk/>
+            <pc:sldMk cId="1066314704" sldId="260"/>
+            <ac:spMk id="24" creationId="{055CE60E-0E2A-FA64-50EA-E01CB34D35A9}"/>
+          </ac:spMkLst>
+        </pc:spChg>
+        <pc:spChg chg="mod">
+          <ac:chgData name="Bo Tang" userId="332dbdf67b1791cd" providerId="LiveId" clId="{42649226-576E-4E75-87D3-8E814BF1D774}" dt="2023-10-31T04:42:05.150" v="0" actId="165"/>
+          <ac:spMkLst>
+            <pc:docMk/>
+            <pc:sldMk cId="1066314704" sldId="260"/>
+            <ac:spMk id="27" creationId="{15815B13-714A-F2A2-F15E-B16978B7EB57}"/>
+          </ac:spMkLst>
+        </pc:spChg>
+        <pc:spChg chg="mod">
+          <ac:chgData name="Bo Tang" userId="332dbdf67b1791cd" providerId="LiveId" clId="{42649226-576E-4E75-87D3-8E814BF1D774}" dt="2023-10-31T04:42:05.150" v="0" actId="165"/>
+          <ac:spMkLst>
+            <pc:docMk/>
+            <pc:sldMk cId="1066314704" sldId="260"/>
+            <ac:spMk id="28" creationId="{8519030E-5466-A135-D189-B4C963020156}"/>
+          </ac:spMkLst>
+        </pc:spChg>
+        <pc:spChg chg="mod">
+          <ac:chgData name="Bo Tang" userId="332dbdf67b1791cd" providerId="LiveId" clId="{42649226-576E-4E75-87D3-8E814BF1D774}" dt="2023-10-31T04:42:05.150" v="0" actId="165"/>
+          <ac:spMkLst>
+            <pc:docMk/>
+            <pc:sldMk cId="1066314704" sldId="260"/>
+            <ac:spMk id="29" creationId="{0CAB651C-38E9-7BEE-76EB-E34E8B275D14}"/>
+          </ac:spMkLst>
+        </pc:spChg>
+        <pc:spChg chg="mod">
+          <ac:chgData name="Bo Tang" userId="332dbdf67b1791cd" providerId="LiveId" clId="{42649226-576E-4E75-87D3-8E814BF1D774}" dt="2023-10-31T04:42:05.150" v="0" actId="165"/>
+          <ac:spMkLst>
+            <pc:docMk/>
+            <pc:sldMk cId="1066314704" sldId="260"/>
+            <ac:spMk id="30" creationId="{DC54AA8D-70C8-6312-5E95-BECAF0A26BFC}"/>
+          </ac:spMkLst>
+        </pc:spChg>
+        <pc:spChg chg="mod">
+          <ac:chgData name="Bo Tang" userId="332dbdf67b1791cd" providerId="LiveId" clId="{42649226-576E-4E75-87D3-8E814BF1D774}" dt="2023-10-31T04:42:05.150" v="0" actId="165"/>
+          <ac:spMkLst>
+            <pc:docMk/>
+            <pc:sldMk cId="1066314704" sldId="260"/>
+            <ac:spMk id="32" creationId="{50078DBF-C42B-8EB0-0697-6F557162B30B}"/>
+          </ac:spMkLst>
+        </pc:spChg>
+        <pc:spChg chg="mod">
+          <ac:chgData name="Bo Tang" userId="332dbdf67b1791cd" providerId="LiveId" clId="{42649226-576E-4E75-87D3-8E814BF1D774}" dt="2023-10-31T04:42:05.150" v="0" actId="165"/>
+          <ac:spMkLst>
+            <pc:docMk/>
+            <pc:sldMk cId="1066314704" sldId="260"/>
+            <ac:spMk id="33" creationId="{2E409C94-DC6B-F753-483D-C90882D0265A}"/>
+          </ac:spMkLst>
+        </pc:spChg>
+        <pc:spChg chg="mod">
+          <ac:chgData name="Bo Tang" userId="332dbdf67b1791cd" providerId="LiveId" clId="{42649226-576E-4E75-87D3-8E814BF1D774}" dt="2023-10-31T04:42:05.150" v="0" actId="165"/>
+          <ac:spMkLst>
+            <pc:docMk/>
+            <pc:sldMk cId="1066314704" sldId="260"/>
+            <ac:spMk id="36" creationId="{850B66C6-E998-8FE0-FAF1-75646C120EAF}"/>
+          </ac:spMkLst>
+        </pc:spChg>
+        <pc:spChg chg="mod">
+          <ac:chgData name="Bo Tang" userId="332dbdf67b1791cd" providerId="LiveId" clId="{42649226-576E-4E75-87D3-8E814BF1D774}" dt="2023-10-31T04:42:05.150" v="0" actId="165"/>
+          <ac:spMkLst>
+            <pc:docMk/>
+            <pc:sldMk cId="1066314704" sldId="260"/>
+            <ac:spMk id="37" creationId="{17D18EE2-9975-0F6E-F6C5-3CA29E660EC1}"/>
+          </ac:spMkLst>
+        </pc:spChg>
+        <pc:spChg chg="mod">
+          <ac:chgData name="Bo Tang" userId="332dbdf67b1791cd" providerId="LiveId" clId="{42649226-576E-4E75-87D3-8E814BF1D774}" dt="2023-10-31T04:42:05.150" v="0" actId="165"/>
+          <ac:spMkLst>
+            <pc:docMk/>
+            <pc:sldMk cId="1066314704" sldId="260"/>
+            <ac:spMk id="38" creationId="{830ABFE9-5058-811E-62C5-42FA33B6C9CE}"/>
+          </ac:spMkLst>
+        </pc:spChg>
+        <pc:spChg chg="mod">
+          <ac:chgData name="Bo Tang" userId="332dbdf67b1791cd" providerId="LiveId" clId="{42649226-576E-4E75-87D3-8E814BF1D774}" dt="2023-10-31T04:42:05.150" v="0" actId="165"/>
+          <ac:spMkLst>
+            <pc:docMk/>
+            <pc:sldMk cId="1066314704" sldId="260"/>
+            <ac:spMk id="39" creationId="{E75D1A36-B6AB-72A2-BBE2-C17F9F1275E3}"/>
+          </ac:spMkLst>
+        </pc:spChg>
+        <pc:spChg chg="mod">
+          <ac:chgData name="Bo Tang" userId="332dbdf67b1791cd" providerId="LiveId" clId="{42649226-576E-4E75-87D3-8E814BF1D774}" dt="2023-10-31T04:42:05.150" v="0" actId="165"/>
+          <ac:spMkLst>
+            <pc:docMk/>
+            <pc:sldMk cId="1066314704" sldId="260"/>
+            <ac:spMk id="40" creationId="{0B362334-B528-5818-3BBC-3EB8554DC171}"/>
+          </ac:spMkLst>
+        </pc:spChg>
+        <pc:spChg chg="mod">
+          <ac:chgData name="Bo Tang" userId="332dbdf67b1791cd" providerId="LiveId" clId="{42649226-576E-4E75-87D3-8E814BF1D774}" dt="2023-10-31T04:42:05.150" v="0" actId="165"/>
+          <ac:spMkLst>
+            <pc:docMk/>
+            <pc:sldMk cId="1066314704" sldId="260"/>
+            <ac:spMk id="41" creationId="{A4F0B5EC-BF1E-88A1-BFCF-13A0044D0023}"/>
+          </ac:spMkLst>
+        </pc:spChg>
+        <pc:spChg chg="mod">
+          <ac:chgData name="Bo Tang" userId="332dbdf67b1791cd" providerId="LiveId" clId="{42649226-576E-4E75-87D3-8E814BF1D774}" dt="2023-10-31T04:42:05.150" v="0" actId="165"/>
+          <ac:spMkLst>
+            <pc:docMk/>
+            <pc:sldMk cId="1066314704" sldId="260"/>
+            <ac:spMk id="43" creationId="{AB7D6991-8CCC-65F6-5F6A-D3C7E8DABB4E}"/>
+          </ac:spMkLst>
+        </pc:spChg>
+        <pc:spChg chg="mod">
+          <ac:chgData name="Bo Tang" userId="332dbdf67b1791cd" providerId="LiveId" clId="{42649226-576E-4E75-87D3-8E814BF1D774}" dt="2023-10-31T04:42:05.150" v="0" actId="165"/>
+          <ac:spMkLst>
+            <pc:docMk/>
+            <pc:sldMk cId="1066314704" sldId="260"/>
+            <ac:spMk id="45" creationId="{71A7E864-21C9-0CD7-9FB9-666B7700D7E3}"/>
+          </ac:spMkLst>
+        </pc:spChg>
+        <pc:spChg chg="mod">
+          <ac:chgData name="Bo Tang" userId="332dbdf67b1791cd" providerId="LiveId" clId="{42649226-576E-4E75-87D3-8E814BF1D774}" dt="2023-10-31T04:42:05.150" v="0" actId="165"/>
+          <ac:spMkLst>
+            <pc:docMk/>
+            <pc:sldMk cId="1066314704" sldId="260"/>
+            <ac:spMk id="47" creationId="{382F59A4-FE02-96ED-4B07-D061DE60E84F}"/>
+          </ac:spMkLst>
+        </pc:spChg>
+        <pc:spChg chg="mod">
+          <ac:chgData name="Bo Tang" userId="332dbdf67b1791cd" providerId="LiveId" clId="{42649226-576E-4E75-87D3-8E814BF1D774}" dt="2023-10-31T04:42:05.150" v="0" actId="165"/>
+          <ac:spMkLst>
+            <pc:docMk/>
+            <pc:sldMk cId="1066314704" sldId="260"/>
+            <ac:spMk id="48" creationId="{9F73A03D-BB77-5E6C-C6C8-1CD7925EB2DD}"/>
+          </ac:spMkLst>
+        </pc:spChg>
+        <pc:spChg chg="mod">
+          <ac:chgData name="Bo Tang" userId="332dbdf67b1791cd" providerId="LiveId" clId="{42649226-576E-4E75-87D3-8E814BF1D774}" dt="2023-10-31T04:42:05.150" v="0" actId="165"/>
+          <ac:spMkLst>
+            <pc:docMk/>
+            <pc:sldMk cId="1066314704" sldId="260"/>
+            <ac:spMk id="50" creationId="{1B5B76A0-65B6-F5BD-A8F8-FC7024FC1AD8}"/>
+          </ac:spMkLst>
+        </pc:spChg>
+        <pc:spChg chg="mod">
+          <ac:chgData name="Bo Tang" userId="332dbdf67b1791cd" providerId="LiveId" clId="{42649226-576E-4E75-87D3-8E814BF1D774}" dt="2023-10-31T04:42:05.150" v="0" actId="165"/>
+          <ac:spMkLst>
+            <pc:docMk/>
+            <pc:sldMk cId="1066314704" sldId="260"/>
+            <ac:spMk id="53" creationId="{D59FB412-B6B0-1496-7FA6-D02F144D2601}"/>
+          </ac:spMkLst>
+        </pc:spChg>
+        <pc:spChg chg="mod">
+          <ac:chgData name="Bo Tang" userId="332dbdf67b1791cd" providerId="LiveId" clId="{42649226-576E-4E75-87D3-8E814BF1D774}" dt="2023-10-31T04:42:05.150" v="0" actId="165"/>
+          <ac:spMkLst>
+            <pc:docMk/>
+            <pc:sldMk cId="1066314704" sldId="260"/>
+            <ac:spMk id="54" creationId="{B1FDBE1B-E05B-2F8D-72D3-2018D3347A24}"/>
+          </ac:spMkLst>
+        </pc:spChg>
+        <pc:spChg chg="mod">
+          <ac:chgData name="Bo Tang" userId="332dbdf67b1791cd" providerId="LiveId" clId="{42649226-576E-4E75-87D3-8E814BF1D774}" dt="2023-10-31T04:42:05.150" v="0" actId="165"/>
+          <ac:spMkLst>
+            <pc:docMk/>
+            <pc:sldMk cId="1066314704" sldId="260"/>
+            <ac:spMk id="55" creationId="{B78A121B-3FA0-5E3C-D707-CD5BE12F2D35}"/>
+          </ac:spMkLst>
+        </pc:spChg>
+        <pc:spChg chg="mod">
+          <ac:chgData name="Bo Tang" userId="332dbdf67b1791cd" providerId="LiveId" clId="{42649226-576E-4E75-87D3-8E814BF1D774}" dt="2023-10-31T04:42:05.150" v="0" actId="165"/>
+          <ac:spMkLst>
+            <pc:docMk/>
+            <pc:sldMk cId="1066314704" sldId="260"/>
+            <ac:spMk id="58" creationId="{BD084A64-A35F-5554-B1FD-9E3269A8B6AE}"/>
+          </ac:spMkLst>
+        </pc:spChg>
+        <pc:spChg chg="mod">
+          <ac:chgData name="Bo Tang" userId="332dbdf67b1791cd" providerId="LiveId" clId="{42649226-576E-4E75-87D3-8E814BF1D774}" dt="2023-10-31T04:42:05.150" v="0" actId="165"/>
+          <ac:spMkLst>
+            <pc:docMk/>
+            <pc:sldMk cId="1066314704" sldId="260"/>
+            <ac:spMk id="59" creationId="{8B1EEBCA-E82E-91B8-65B3-E085FBA9E245}"/>
+          </ac:spMkLst>
+        </pc:spChg>
+        <pc:spChg chg="mod">
+          <ac:chgData name="Bo Tang" userId="332dbdf67b1791cd" providerId="LiveId" clId="{42649226-576E-4E75-87D3-8E814BF1D774}" dt="2023-10-31T04:42:05.150" v="0" actId="165"/>
+          <ac:spMkLst>
+            <pc:docMk/>
+            <pc:sldMk cId="1066314704" sldId="260"/>
+            <ac:spMk id="61" creationId="{4CBABD8C-3E5B-67E4-86EB-F34BD2B5ACB3}"/>
+          </ac:spMkLst>
+        </pc:spChg>
+        <pc:spChg chg="mod">
+          <ac:chgData name="Bo Tang" userId="332dbdf67b1791cd" providerId="LiveId" clId="{42649226-576E-4E75-87D3-8E814BF1D774}" dt="2023-10-31T04:42:05.150" v="0" actId="165"/>
+          <ac:spMkLst>
+            <pc:docMk/>
+            <pc:sldMk cId="1066314704" sldId="260"/>
+            <ac:spMk id="64" creationId="{149F9F6B-D522-461E-8CFA-78FE3D3785D4}"/>
+          </ac:spMkLst>
+        </pc:spChg>
+        <pc:spChg chg="mod">
+          <ac:chgData name="Bo Tang" userId="332dbdf67b1791cd" providerId="LiveId" clId="{42649226-576E-4E75-87D3-8E814BF1D774}" dt="2023-10-31T04:42:05.150" v="0" actId="165"/>
+          <ac:spMkLst>
+            <pc:docMk/>
+            <pc:sldMk cId="1066314704" sldId="260"/>
+            <ac:spMk id="65" creationId="{1C6CD15B-977E-D698-F798-2AC6E5EC7E0D}"/>
+          </ac:spMkLst>
+        </pc:spChg>
+        <pc:spChg chg="mod">
+          <ac:chgData name="Bo Tang" userId="332dbdf67b1791cd" providerId="LiveId" clId="{42649226-576E-4E75-87D3-8E814BF1D774}" dt="2023-10-31T04:42:05.150" v="0" actId="165"/>
+          <ac:spMkLst>
+            <pc:docMk/>
+            <pc:sldMk cId="1066314704" sldId="260"/>
+            <ac:spMk id="66" creationId="{06B93240-322C-2A79-8843-A75E2A433152}"/>
+          </ac:spMkLst>
+        </pc:spChg>
+        <pc:spChg chg="mod">
+          <ac:chgData name="Bo Tang" userId="332dbdf67b1791cd" providerId="LiveId" clId="{42649226-576E-4E75-87D3-8E814BF1D774}" dt="2023-10-31T04:42:05.150" v="0" actId="165"/>
+          <ac:spMkLst>
+            <pc:docMk/>
+            <pc:sldMk cId="1066314704" sldId="260"/>
+            <ac:spMk id="77" creationId="{062B8EC7-08C7-5F2C-1CA2-AA72BA3D3BA0}"/>
+          </ac:spMkLst>
+        </pc:spChg>
+        <pc:spChg chg="mod">
+          <ac:chgData name="Bo Tang" userId="332dbdf67b1791cd" providerId="LiveId" clId="{42649226-576E-4E75-87D3-8E814BF1D774}" dt="2023-10-31T04:42:05.150" v="0" actId="165"/>
+          <ac:spMkLst>
+            <pc:docMk/>
+            <pc:sldMk cId="1066314704" sldId="260"/>
+            <ac:spMk id="78" creationId="{30C16F30-3835-68BD-F456-502DE4A35CBA}"/>
+          </ac:spMkLst>
+        </pc:spChg>
+        <pc:spChg chg="mod">
+          <ac:chgData name="Bo Tang" userId="332dbdf67b1791cd" providerId="LiveId" clId="{42649226-576E-4E75-87D3-8E814BF1D774}" dt="2023-10-31T04:42:05.150" v="0" actId="165"/>
+          <ac:spMkLst>
+            <pc:docMk/>
+            <pc:sldMk cId="1066314704" sldId="260"/>
+            <ac:spMk id="79" creationId="{31FD992B-446D-2E90-F838-E99FCF4A2117}"/>
+          </ac:spMkLst>
+        </pc:spChg>
+        <pc:spChg chg="mod">
+          <ac:chgData name="Bo Tang" userId="332dbdf67b1791cd" providerId="LiveId" clId="{42649226-576E-4E75-87D3-8E814BF1D774}" dt="2023-10-31T04:42:05.150" v="0" actId="165"/>
+          <ac:spMkLst>
+            <pc:docMk/>
+            <pc:sldMk cId="1066314704" sldId="260"/>
+            <ac:spMk id="83" creationId="{2FDF5AA9-48CF-538D-99DC-411BCB318D78}"/>
+          </ac:spMkLst>
+        </pc:spChg>
+        <pc:spChg chg="mod">
+          <ac:chgData name="Bo Tang" userId="332dbdf67b1791cd" providerId="LiveId" clId="{42649226-576E-4E75-87D3-8E814BF1D774}" dt="2023-10-31T04:42:05.150" v="0" actId="165"/>
+          <ac:spMkLst>
+            <pc:docMk/>
+            <pc:sldMk cId="1066314704" sldId="260"/>
+            <ac:spMk id="84" creationId="{9E5543D9-DAF4-7F55-978E-0C78EE1C1590}"/>
+          </ac:spMkLst>
+        </pc:spChg>
+        <pc:spChg chg="mod">
+          <ac:chgData name="Bo Tang" userId="332dbdf67b1791cd" providerId="LiveId" clId="{42649226-576E-4E75-87D3-8E814BF1D774}" dt="2023-10-31T04:42:23.339" v="1" actId="165"/>
+          <ac:spMkLst>
+            <pc:docMk/>
+            <pc:sldMk cId="1066314704" sldId="260"/>
+            <ac:spMk id="88" creationId="{B89DAAAE-355F-E5C8-26C5-E858C161027C}"/>
+          </ac:spMkLst>
+        </pc:spChg>
+        <pc:spChg chg="mod">
+          <ac:chgData name="Bo Tang" userId="332dbdf67b1791cd" providerId="LiveId" clId="{42649226-576E-4E75-87D3-8E814BF1D774}" dt="2023-10-31T04:42:23.339" v="1" actId="165"/>
+          <ac:spMkLst>
+            <pc:docMk/>
+            <pc:sldMk cId="1066314704" sldId="260"/>
+            <ac:spMk id="89" creationId="{96A0794C-1062-98C8-A0DA-CFFFE600F9D5}"/>
+          </ac:spMkLst>
+        </pc:spChg>
+        <pc:spChg chg="mod">
+          <ac:chgData name="Bo Tang" userId="332dbdf67b1791cd" providerId="LiveId" clId="{42649226-576E-4E75-87D3-8E814BF1D774}" dt="2023-10-31T04:42:23.339" v="1" actId="165"/>
+          <ac:spMkLst>
+            <pc:docMk/>
+            <pc:sldMk cId="1066314704" sldId="260"/>
+            <ac:spMk id="90" creationId="{C8A63DB1-18BF-02A2-D9A5-5F6E2E91C21B}"/>
+          </ac:spMkLst>
+        </pc:spChg>
+        <pc:spChg chg="mod">
+          <ac:chgData name="Bo Tang" userId="332dbdf67b1791cd" providerId="LiveId" clId="{42649226-576E-4E75-87D3-8E814BF1D774}" dt="2023-10-31T04:42:23.339" v="1" actId="165"/>
+          <ac:spMkLst>
+            <pc:docMk/>
+            <pc:sldMk cId="1066314704" sldId="260"/>
+            <ac:spMk id="95" creationId="{63D8FE7D-413D-F661-BD24-1725A69A0CD1}"/>
+          </ac:spMkLst>
+        </pc:spChg>
+        <pc:spChg chg="mod">
+          <ac:chgData name="Bo Tang" userId="332dbdf67b1791cd" providerId="LiveId" clId="{42649226-576E-4E75-87D3-8E814BF1D774}" dt="2023-10-31T04:42:23.339" v="1" actId="165"/>
+          <ac:spMkLst>
+            <pc:docMk/>
+            <pc:sldMk cId="1066314704" sldId="260"/>
+            <ac:spMk id="97" creationId="{0CE9D526-33CC-8348-455E-9AFD0CB00DB1}"/>
+          </ac:spMkLst>
+        </pc:spChg>
+        <pc:spChg chg="mod">
+          <ac:chgData name="Bo Tang" userId="332dbdf67b1791cd" providerId="LiveId" clId="{42649226-576E-4E75-87D3-8E814BF1D774}" dt="2023-10-31T04:42:23.339" v="1" actId="165"/>
+          <ac:spMkLst>
+            <pc:docMk/>
+            <pc:sldMk cId="1066314704" sldId="260"/>
+            <ac:spMk id="98" creationId="{357B6A12-AF77-FAB3-2E18-C5C8E4B49D83}"/>
+          </ac:spMkLst>
+        </pc:spChg>
+        <pc:spChg chg="mod">
+          <ac:chgData name="Bo Tang" userId="332dbdf67b1791cd" providerId="LiveId" clId="{42649226-576E-4E75-87D3-8E814BF1D774}" dt="2023-10-31T04:43:19.063" v="16" actId="164"/>
+          <ac:spMkLst>
+            <pc:docMk/>
+            <pc:sldMk cId="1066314704" sldId="260"/>
+            <ac:spMk id="99" creationId="{F95796F9-EF8A-4C1E-F1DA-5CC35955FC2F}"/>
+          </ac:spMkLst>
+        </pc:spChg>
+        <pc:spChg chg="mod">
+          <ac:chgData name="Bo Tang" userId="332dbdf67b1791cd" providerId="LiveId" clId="{42649226-576E-4E75-87D3-8E814BF1D774}" dt="2023-10-31T04:43:19.063" v="16" actId="164"/>
+          <ac:spMkLst>
+            <pc:docMk/>
+            <pc:sldMk cId="1066314704" sldId="260"/>
+            <ac:spMk id="100" creationId="{AD5F2F86-6CC5-C2DD-BAB1-595E6ED7A0A8}"/>
+          </ac:spMkLst>
+        </pc:spChg>
+        <pc:spChg chg="mod">
+          <ac:chgData name="Bo Tang" userId="332dbdf67b1791cd" providerId="LiveId" clId="{42649226-576E-4E75-87D3-8E814BF1D774}" dt="2023-10-31T04:43:19.063" v="16" actId="164"/>
+          <ac:spMkLst>
+            <pc:docMk/>
+            <pc:sldMk cId="1066314704" sldId="260"/>
+            <ac:spMk id="101" creationId="{901D8A5B-1E64-08D6-25A1-7C79E74C76F0}"/>
+          </ac:spMkLst>
+        </pc:spChg>
+        <pc:spChg chg="mod">
+          <ac:chgData name="Bo Tang" userId="332dbdf67b1791cd" providerId="LiveId" clId="{42649226-576E-4E75-87D3-8E814BF1D774}" dt="2023-10-31T04:43:19.063" v="16" actId="164"/>
+          <ac:spMkLst>
+            <pc:docMk/>
+            <pc:sldMk cId="1066314704" sldId="260"/>
+            <ac:spMk id="106" creationId="{D177FB16-2756-2642-76AD-C02780A9D751}"/>
+          </ac:spMkLst>
+        </pc:spChg>
+        <pc:spChg chg="mod">
+          <ac:chgData name="Bo Tang" userId="332dbdf67b1791cd" providerId="LiveId" clId="{42649226-576E-4E75-87D3-8E814BF1D774}" dt="2023-10-31T04:43:19.063" v="16" actId="164"/>
+          <ac:spMkLst>
+            <pc:docMk/>
+            <pc:sldMk cId="1066314704" sldId="260"/>
+            <ac:spMk id="108" creationId="{C0963204-5C4D-5889-FFFA-B08AB437C56E}"/>
+          </ac:spMkLst>
+        </pc:spChg>
+        <pc:spChg chg="mod">
+          <ac:chgData name="Bo Tang" userId="332dbdf67b1791cd" providerId="LiveId" clId="{42649226-576E-4E75-87D3-8E814BF1D774}" dt="2023-10-31T04:43:19.063" v="16" actId="164"/>
+          <ac:spMkLst>
+            <pc:docMk/>
+            <pc:sldMk cId="1066314704" sldId="260"/>
+            <ac:spMk id="109" creationId="{13606DDC-EB42-C085-B7C9-DB76912D8BA9}"/>
+          </ac:spMkLst>
+        </pc:spChg>
+        <pc:spChg chg="mod">
+          <ac:chgData name="Bo Tang" userId="332dbdf67b1791cd" providerId="LiveId" clId="{42649226-576E-4E75-87D3-8E814BF1D774}" dt="2023-10-31T04:42:23.339" v="1" actId="165"/>
+          <ac:spMkLst>
+            <pc:docMk/>
+            <pc:sldMk cId="1066314704" sldId="260"/>
+            <ac:spMk id="110" creationId="{78C53443-D653-5C09-1B1A-D3F2A7C68FDD}"/>
+          </ac:spMkLst>
+        </pc:spChg>
+        <pc:spChg chg="mod">
+          <ac:chgData name="Bo Tang" userId="332dbdf67b1791cd" providerId="LiveId" clId="{42649226-576E-4E75-87D3-8E814BF1D774}" dt="2023-10-31T04:42:23.339" v="1" actId="165"/>
+          <ac:spMkLst>
+            <pc:docMk/>
+            <pc:sldMk cId="1066314704" sldId="260"/>
+            <ac:spMk id="111" creationId="{788B49D3-6F02-6C5E-371D-B2A51E72768A}"/>
+          </ac:spMkLst>
+        </pc:spChg>
+        <pc:spChg chg="mod">
+          <ac:chgData name="Bo Tang" userId="332dbdf67b1791cd" providerId="LiveId" clId="{42649226-576E-4E75-87D3-8E814BF1D774}" dt="2023-10-31T04:42:23.339" v="1" actId="165"/>
+          <ac:spMkLst>
+            <pc:docMk/>
+            <pc:sldMk cId="1066314704" sldId="260"/>
+            <ac:spMk id="112" creationId="{3CCFC9D5-2E3C-1CE3-7A54-F39EFA80F5B0}"/>
+          </ac:spMkLst>
+        </pc:spChg>
+        <pc:spChg chg="mod">
+          <ac:chgData name="Bo Tang" userId="332dbdf67b1791cd" providerId="LiveId" clId="{42649226-576E-4E75-87D3-8E814BF1D774}" dt="2023-10-31T04:42:05.150" v="0" actId="165"/>
+          <ac:spMkLst>
+            <pc:docMk/>
+            <pc:sldMk cId="1066314704" sldId="260"/>
+            <ac:spMk id="121" creationId="{EA2CBB41-4ABB-AF41-4994-CBA31675DA08}"/>
+          </ac:spMkLst>
+        </pc:spChg>
+        <pc:spChg chg="mod">
+          <ac:chgData name="Bo Tang" userId="332dbdf67b1791cd" providerId="LiveId" clId="{42649226-576E-4E75-87D3-8E814BF1D774}" dt="2023-10-31T04:42:05.150" v="0" actId="165"/>
+          <ac:spMkLst>
+            <pc:docMk/>
+            <pc:sldMk cId="1066314704" sldId="260"/>
+            <ac:spMk id="122" creationId="{BC672F87-C48F-CEAB-CEE1-0046D8A43997}"/>
+          </ac:spMkLst>
+        </pc:spChg>
+        <pc:spChg chg="mod">
+          <ac:chgData name="Bo Tang" userId="332dbdf67b1791cd" providerId="LiveId" clId="{42649226-576E-4E75-87D3-8E814BF1D774}" dt="2023-10-31T04:42:05.150" v="0" actId="165"/>
+          <ac:spMkLst>
+            <pc:docMk/>
+            <pc:sldMk cId="1066314704" sldId="260"/>
+            <ac:spMk id="123" creationId="{9E6386B3-3895-295B-2175-83AF615CEA0D}"/>
+          </ac:spMkLst>
+        </pc:spChg>
+        <pc:spChg chg="mod">
+          <ac:chgData name="Bo Tang" userId="332dbdf67b1791cd" providerId="LiveId" clId="{42649226-576E-4E75-87D3-8E814BF1D774}" dt="2023-10-31T04:42:05.150" v="0" actId="165"/>
+          <ac:spMkLst>
+            <pc:docMk/>
+            <pc:sldMk cId="1066314704" sldId="260"/>
+            <ac:spMk id="128" creationId="{B60E4449-DDA1-7DB3-CAF4-DF56DC4D2635}"/>
+          </ac:spMkLst>
+        </pc:spChg>
+        <pc:spChg chg="mod">
+          <ac:chgData name="Bo Tang" userId="332dbdf67b1791cd" providerId="LiveId" clId="{42649226-576E-4E75-87D3-8E814BF1D774}" dt="2023-10-31T04:42:05.150" v="0" actId="165"/>
+          <ac:spMkLst>
+            <pc:docMk/>
+            <pc:sldMk cId="1066314704" sldId="260"/>
+            <ac:spMk id="130" creationId="{915452B8-6263-3948-33FB-5E78C7242CA0}"/>
+          </ac:spMkLst>
+        </pc:spChg>
+        <pc:spChg chg="mod">
+          <ac:chgData name="Bo Tang" userId="332dbdf67b1791cd" providerId="LiveId" clId="{42649226-576E-4E75-87D3-8E814BF1D774}" dt="2023-10-31T04:42:05.150" v="0" actId="165"/>
+          <ac:spMkLst>
+            <pc:docMk/>
+            <pc:sldMk cId="1066314704" sldId="260"/>
+            <ac:spMk id="131" creationId="{EE90488B-7A28-49C7-30CB-923A3D508CDB}"/>
+          </ac:spMkLst>
+        </pc:spChg>
+        <pc:spChg chg="mod">
+          <ac:chgData name="Bo Tang" userId="332dbdf67b1791cd" providerId="LiveId" clId="{42649226-576E-4E75-87D3-8E814BF1D774}" dt="2023-10-31T04:42:05.150" v="0" actId="165"/>
+          <ac:spMkLst>
+            <pc:docMk/>
+            <pc:sldMk cId="1066314704" sldId="260"/>
+            <ac:spMk id="132" creationId="{BB5A5BC9-3608-B87E-6A3E-CAD8B88041AF}"/>
+          </ac:spMkLst>
+        </pc:spChg>
+        <pc:spChg chg="mod">
+          <ac:chgData name="Bo Tang" userId="332dbdf67b1791cd" providerId="LiveId" clId="{42649226-576E-4E75-87D3-8E814BF1D774}" dt="2023-10-31T04:42:05.150" v="0" actId="165"/>
+          <ac:spMkLst>
+            <pc:docMk/>
+            <pc:sldMk cId="1066314704" sldId="260"/>
+            <ac:spMk id="133" creationId="{AAD0606B-C813-78F9-5BC6-E7F4B054E5FC}"/>
+          </ac:spMkLst>
+        </pc:spChg>
+        <pc:spChg chg="mod">
+          <ac:chgData name="Bo Tang" userId="332dbdf67b1791cd" providerId="LiveId" clId="{42649226-576E-4E75-87D3-8E814BF1D774}" dt="2023-10-31T04:42:05.150" v="0" actId="165"/>
+          <ac:spMkLst>
+            <pc:docMk/>
+            <pc:sldMk cId="1066314704" sldId="260"/>
+            <ac:spMk id="134" creationId="{ABBABD4E-4702-18A1-CC2D-4841D3030F56}"/>
+          </ac:spMkLst>
+        </pc:spChg>
+        <pc:spChg chg="mod">
+          <ac:chgData name="Bo Tang" userId="332dbdf67b1791cd" providerId="LiveId" clId="{42649226-576E-4E75-87D3-8E814BF1D774}" dt="2023-10-31T04:42:05.150" v="0" actId="165"/>
+          <ac:spMkLst>
+            <pc:docMk/>
+            <pc:sldMk cId="1066314704" sldId="260"/>
+            <ac:spMk id="139" creationId="{B0E6A081-EA3E-BF83-3EEA-627FAA159359}"/>
+          </ac:spMkLst>
+        </pc:spChg>
+        <pc:spChg chg="mod">
+          <ac:chgData name="Bo Tang" userId="332dbdf67b1791cd" providerId="LiveId" clId="{42649226-576E-4E75-87D3-8E814BF1D774}" dt="2023-10-31T04:42:05.150" v="0" actId="165"/>
+          <ac:spMkLst>
+            <pc:docMk/>
+            <pc:sldMk cId="1066314704" sldId="260"/>
+            <ac:spMk id="141" creationId="{D5281476-9F26-14C9-4831-093657660918}"/>
+          </ac:spMkLst>
+        </pc:spChg>
+        <pc:spChg chg="mod">
+          <ac:chgData name="Bo Tang" userId="332dbdf67b1791cd" providerId="LiveId" clId="{42649226-576E-4E75-87D3-8E814BF1D774}" dt="2023-10-31T04:42:05.150" v="0" actId="165"/>
+          <ac:spMkLst>
+            <pc:docMk/>
+            <pc:sldMk cId="1066314704" sldId="260"/>
+            <ac:spMk id="142" creationId="{CB4FFFC9-D05E-D01B-7F88-5C3BDFF41571}"/>
+          </ac:spMkLst>
+        </pc:spChg>
+        <pc:spChg chg="mod">
+          <ac:chgData name="Bo Tang" userId="332dbdf67b1791cd" providerId="LiveId" clId="{42649226-576E-4E75-87D3-8E814BF1D774}" dt="2023-10-31T04:42:05.150" v="0" actId="165"/>
+          <ac:spMkLst>
+            <pc:docMk/>
+            <pc:sldMk cId="1066314704" sldId="260"/>
+            <ac:spMk id="144" creationId="{7AE57A26-356C-0F1C-01F8-595B8F2D2D51}"/>
+          </ac:spMkLst>
+        </pc:spChg>
+        <pc:spChg chg="mod">
+          <ac:chgData name="Bo Tang" userId="332dbdf67b1791cd" providerId="LiveId" clId="{42649226-576E-4E75-87D3-8E814BF1D774}" dt="2023-10-31T04:42:05.150" v="0" actId="165"/>
+          <ac:spMkLst>
+            <pc:docMk/>
+            <pc:sldMk cId="1066314704" sldId="260"/>
+            <ac:spMk id="145" creationId="{BD582AA2-90D6-C41A-BE7C-E3010FCDBE56}"/>
+          </ac:spMkLst>
+        </pc:spChg>
+        <pc:spChg chg="mod">
+          <ac:chgData name="Bo Tang" userId="332dbdf67b1791cd" providerId="LiveId" clId="{42649226-576E-4E75-87D3-8E814BF1D774}" dt="2023-10-31T04:42:05.150" v="0" actId="165"/>
+          <ac:spMkLst>
+            <pc:docMk/>
+            <pc:sldMk cId="1066314704" sldId="260"/>
+            <ac:spMk id="146" creationId="{A0AF05BA-62B5-9256-CA4E-E1F5BF7988B6}"/>
+          </ac:spMkLst>
+        </pc:spChg>
+        <pc:spChg chg="mod">
+          <ac:chgData name="Bo Tang" userId="332dbdf67b1791cd" providerId="LiveId" clId="{42649226-576E-4E75-87D3-8E814BF1D774}" dt="2023-10-31T04:42:05.150" v="0" actId="165"/>
+          <ac:spMkLst>
+            <pc:docMk/>
+            <pc:sldMk cId="1066314704" sldId="260"/>
+            <ac:spMk id="149" creationId="{27661662-A82A-C998-2CB2-A7FA288B8856}"/>
+          </ac:spMkLst>
+        </pc:spChg>
+        <pc:spChg chg="mod">
+          <ac:chgData name="Bo Tang" userId="332dbdf67b1791cd" providerId="LiveId" clId="{42649226-576E-4E75-87D3-8E814BF1D774}" dt="2023-10-31T04:42:05.150" v="0" actId="165"/>
+          <ac:spMkLst>
+            <pc:docMk/>
+            <pc:sldMk cId="1066314704" sldId="260"/>
+            <ac:spMk id="150" creationId="{6E927365-A17B-A979-1DC3-CF4BA703F55E}"/>
+          </ac:spMkLst>
+        </pc:spChg>
+        <pc:spChg chg="mod">
+          <ac:chgData name="Bo Tang" userId="332dbdf67b1791cd" providerId="LiveId" clId="{42649226-576E-4E75-87D3-8E814BF1D774}" dt="2023-10-31T04:42:05.150" v="0" actId="165"/>
+          <ac:spMkLst>
+            <pc:docMk/>
+            <pc:sldMk cId="1066314704" sldId="260"/>
+            <ac:spMk id="151" creationId="{45B1001A-DF07-9BB8-E8F8-38E68258DD99}"/>
+          </ac:spMkLst>
+        </pc:spChg>
+        <pc:spChg chg="mod">
+          <ac:chgData name="Bo Tang" userId="332dbdf67b1791cd" providerId="LiveId" clId="{42649226-576E-4E75-87D3-8E814BF1D774}" dt="2023-10-31T04:42:05.150" v="0" actId="165"/>
+          <ac:spMkLst>
+            <pc:docMk/>
+            <pc:sldMk cId="1066314704" sldId="260"/>
+            <ac:spMk id="152" creationId="{1BDD2E3D-37BA-B3FA-59D5-FECEFB72552A}"/>
+          </ac:spMkLst>
+        </pc:spChg>
+        <pc:spChg chg="mod">
+          <ac:chgData name="Bo Tang" userId="332dbdf67b1791cd" providerId="LiveId" clId="{42649226-576E-4E75-87D3-8E814BF1D774}" dt="2023-10-31T04:42:05.150" v="0" actId="165"/>
+          <ac:spMkLst>
+            <pc:docMk/>
+            <pc:sldMk cId="1066314704" sldId="260"/>
+            <ac:spMk id="153" creationId="{D40DB090-E781-FDA9-9036-86B640A26C5C}"/>
+          </ac:spMkLst>
+        </pc:spChg>
+        <pc:spChg chg="mod">
+          <ac:chgData name="Bo Tang" userId="332dbdf67b1791cd" providerId="LiveId" clId="{42649226-576E-4E75-87D3-8E814BF1D774}" dt="2023-10-31T04:42:05.150" v="0" actId="165"/>
+          <ac:spMkLst>
+            <pc:docMk/>
+            <pc:sldMk cId="1066314704" sldId="260"/>
+            <ac:spMk id="154" creationId="{CC69D68E-ABA9-0D50-2FA2-FE7747D02598}"/>
+          </ac:spMkLst>
+        </pc:spChg>
+        <pc:spChg chg="mod">
+          <ac:chgData name="Bo Tang" userId="332dbdf67b1791cd" providerId="LiveId" clId="{42649226-576E-4E75-87D3-8E814BF1D774}" dt="2023-10-31T04:42:05.150" v="0" actId="165"/>
+          <ac:spMkLst>
+            <pc:docMk/>
+            <pc:sldMk cId="1066314704" sldId="260"/>
+            <ac:spMk id="157" creationId="{2A7E0CA8-E1D8-2D47-2FD2-B40FE6A83EC2}"/>
+          </ac:spMkLst>
+        </pc:spChg>
+        <pc:spChg chg="mod">
+          <ac:chgData name="Bo Tang" userId="332dbdf67b1791cd" providerId="LiveId" clId="{42649226-576E-4E75-87D3-8E814BF1D774}" dt="2023-10-31T04:42:05.150" v="0" actId="165"/>
+          <ac:spMkLst>
+            <pc:docMk/>
+            <pc:sldMk cId="1066314704" sldId="260"/>
+            <ac:spMk id="158" creationId="{CD9A7118-130D-D8D3-A0A9-6976CAB0775B}"/>
+          </ac:spMkLst>
+        </pc:spChg>
+        <pc:spChg chg="mod">
+          <ac:chgData name="Bo Tang" userId="332dbdf67b1791cd" providerId="LiveId" clId="{42649226-576E-4E75-87D3-8E814BF1D774}" dt="2023-10-31T04:42:05.150" v="0" actId="165"/>
+          <ac:spMkLst>
+            <pc:docMk/>
+            <pc:sldMk cId="1066314704" sldId="260"/>
+            <ac:spMk id="160" creationId="{5136BA79-E4B8-DD81-D762-3D4A8F66F4E9}"/>
+          </ac:spMkLst>
+        </pc:spChg>
+        <pc:spChg chg="mod">
+          <ac:chgData name="Bo Tang" userId="332dbdf67b1791cd" providerId="LiveId" clId="{42649226-576E-4E75-87D3-8E814BF1D774}" dt="2023-10-31T04:42:05.150" v="0" actId="165"/>
+          <ac:spMkLst>
+            <pc:docMk/>
+            <pc:sldMk cId="1066314704" sldId="260"/>
+            <ac:spMk id="163" creationId="{37EDE696-59EA-0449-56C3-AD1D6F17FB68}"/>
+          </ac:spMkLst>
+        </pc:spChg>
+        <pc:spChg chg="mod">
+          <ac:chgData name="Bo Tang" userId="332dbdf67b1791cd" providerId="LiveId" clId="{42649226-576E-4E75-87D3-8E814BF1D774}" dt="2023-10-31T04:42:05.150" v="0" actId="165"/>
+          <ac:spMkLst>
+            <pc:docMk/>
+            <pc:sldMk cId="1066314704" sldId="260"/>
+            <ac:spMk id="164" creationId="{5EEF59E6-69BC-DB10-4EE4-CC5D5479D724}"/>
+          </ac:spMkLst>
+        </pc:spChg>
+        <pc:spChg chg="mod">
+          <ac:chgData name="Bo Tang" userId="332dbdf67b1791cd" providerId="LiveId" clId="{42649226-576E-4E75-87D3-8E814BF1D774}" dt="2023-10-31T04:42:05.150" v="0" actId="165"/>
+          <ac:spMkLst>
+            <pc:docMk/>
+            <pc:sldMk cId="1066314704" sldId="260"/>
+            <ac:spMk id="165" creationId="{2743D93F-9A65-F53C-3ED8-F5B4983A8F17}"/>
+          </ac:spMkLst>
+        </pc:spChg>
+        <pc:spChg chg="mod">
+          <ac:chgData name="Bo Tang" userId="332dbdf67b1791cd" providerId="LiveId" clId="{42649226-576E-4E75-87D3-8E814BF1D774}" dt="2023-10-31T04:42:05.150" v="0" actId="165"/>
+          <ac:spMkLst>
+            <pc:docMk/>
+            <pc:sldMk cId="1066314704" sldId="260"/>
+            <ac:spMk id="176" creationId="{BCDC06CA-759E-22B4-9505-C4F27D7F4626}"/>
+          </ac:spMkLst>
+        </pc:spChg>
+        <pc:spChg chg="mod">
+          <ac:chgData name="Bo Tang" userId="332dbdf67b1791cd" providerId="LiveId" clId="{42649226-576E-4E75-87D3-8E814BF1D774}" dt="2023-10-31T04:42:05.150" v="0" actId="165"/>
+          <ac:spMkLst>
+            <pc:docMk/>
+            <pc:sldMk cId="1066314704" sldId="260"/>
+            <ac:spMk id="177" creationId="{DB03F547-6172-9D9A-3D74-6A21ECC59447}"/>
+          </ac:spMkLst>
+        </pc:spChg>
+        <pc:spChg chg="mod">
+          <ac:chgData name="Bo Tang" userId="332dbdf67b1791cd" providerId="LiveId" clId="{42649226-576E-4E75-87D3-8E814BF1D774}" dt="2023-10-31T04:42:05.150" v="0" actId="165"/>
+          <ac:spMkLst>
+            <pc:docMk/>
+            <pc:sldMk cId="1066314704" sldId="260"/>
+            <ac:spMk id="178" creationId="{30CD19ED-92EC-AC48-1C77-AFDB40F78274}"/>
+          </ac:spMkLst>
+        </pc:spChg>
+        <pc:spChg chg="mod">
+          <ac:chgData name="Bo Tang" userId="332dbdf67b1791cd" providerId="LiveId" clId="{42649226-576E-4E75-87D3-8E814BF1D774}" dt="2023-10-31T04:42:05.150" v="0" actId="165"/>
+          <ac:spMkLst>
+            <pc:docMk/>
+            <pc:sldMk cId="1066314704" sldId="260"/>
+            <ac:spMk id="182" creationId="{E85FB126-9B42-E1E2-B725-A90C02114729}"/>
+          </ac:spMkLst>
+        </pc:spChg>
+        <pc:spChg chg="mod">
+          <ac:chgData name="Bo Tang" userId="332dbdf67b1791cd" providerId="LiveId" clId="{42649226-576E-4E75-87D3-8E814BF1D774}" dt="2023-10-31T04:42:05.150" v="0" actId="165"/>
+          <ac:spMkLst>
+            <pc:docMk/>
+            <pc:sldMk cId="1066314704" sldId="260"/>
+            <ac:spMk id="183" creationId="{31A9A6D5-157E-28FC-CFE2-5E22D172EBC4}"/>
+          </ac:spMkLst>
+        </pc:spChg>
+        <pc:spChg chg="mod topLvl">
+          <ac:chgData name="Bo Tang" userId="332dbdf67b1791cd" providerId="LiveId" clId="{42649226-576E-4E75-87D3-8E814BF1D774}" dt="2023-10-31T04:45:35.991" v="50" actId="164"/>
+          <ac:spMkLst>
+            <pc:docMk/>
+            <pc:sldMk cId="1066314704" sldId="260"/>
+            <ac:spMk id="184" creationId="{4623823B-F7FA-F9B1-A039-800F7BE709B2}"/>
+          </ac:spMkLst>
+        </pc:spChg>
+        <pc:spChg chg="mod">
+          <ac:chgData name="Bo Tang" userId="332dbdf67b1791cd" providerId="LiveId" clId="{42649226-576E-4E75-87D3-8E814BF1D774}" dt="2023-10-31T04:42:23.339" v="1" actId="165"/>
+          <ac:spMkLst>
+            <pc:docMk/>
+            <pc:sldMk cId="1066314704" sldId="260"/>
+            <ac:spMk id="186" creationId="{24B614B1-1BD5-DAEB-7A08-F047F94EA084}"/>
+          </ac:spMkLst>
+        </pc:spChg>
+        <pc:spChg chg="mod">
+          <ac:chgData name="Bo Tang" userId="332dbdf67b1791cd" providerId="LiveId" clId="{42649226-576E-4E75-87D3-8E814BF1D774}" dt="2023-10-31T04:42:23.339" v="1" actId="165"/>
+          <ac:spMkLst>
+            <pc:docMk/>
+            <pc:sldMk cId="1066314704" sldId="260"/>
+            <ac:spMk id="187" creationId="{4DD4278D-2DAD-2A62-8A1F-F68617E4BED4}"/>
+          </ac:spMkLst>
+        </pc:spChg>
+        <pc:spChg chg="mod">
+          <ac:chgData name="Bo Tang" userId="332dbdf67b1791cd" providerId="LiveId" clId="{42649226-576E-4E75-87D3-8E814BF1D774}" dt="2023-10-31T04:42:23.339" v="1" actId="165"/>
+          <ac:spMkLst>
+            <pc:docMk/>
+            <pc:sldMk cId="1066314704" sldId="260"/>
+            <ac:spMk id="189" creationId="{B9E2FFED-B4C1-19A9-98F2-4B7B05928FD0}"/>
+          </ac:spMkLst>
+        </pc:spChg>
+        <pc:spChg chg="mod">
+          <ac:chgData name="Bo Tang" userId="332dbdf67b1791cd" providerId="LiveId" clId="{42649226-576E-4E75-87D3-8E814BF1D774}" dt="2023-10-31T04:42:23.339" v="1" actId="165"/>
+          <ac:spMkLst>
+            <pc:docMk/>
+            <pc:sldMk cId="1066314704" sldId="260"/>
+            <ac:spMk id="192" creationId="{74056439-538E-3604-E14A-FCEB4398674E}"/>
+          </ac:spMkLst>
+        </pc:spChg>
+        <pc:spChg chg="mod">
+          <ac:chgData name="Bo Tang" userId="332dbdf67b1791cd" providerId="LiveId" clId="{42649226-576E-4E75-87D3-8E814BF1D774}" dt="2023-10-31T04:42:23.339" v="1" actId="165"/>
+          <ac:spMkLst>
+            <pc:docMk/>
+            <pc:sldMk cId="1066314704" sldId="260"/>
+            <ac:spMk id="193" creationId="{2F45B296-C86C-F556-831F-BC6DF510CAFB}"/>
+          </ac:spMkLst>
+        </pc:spChg>
+        <pc:spChg chg="mod">
+          <ac:chgData name="Bo Tang" userId="332dbdf67b1791cd" providerId="LiveId" clId="{42649226-576E-4E75-87D3-8E814BF1D774}" dt="2023-10-31T04:42:23.339" v="1" actId="165"/>
+          <ac:spMkLst>
+            <pc:docMk/>
+            <pc:sldMk cId="1066314704" sldId="260"/>
+            <ac:spMk id="194" creationId="{6A2F7795-7B14-94C8-361C-25CA0086953C}"/>
+          </ac:spMkLst>
+        </pc:spChg>
+        <pc:spChg chg="mod">
+          <ac:chgData name="Bo Tang" userId="332dbdf67b1791cd" providerId="LiveId" clId="{42649226-576E-4E75-87D3-8E814BF1D774}" dt="2023-10-31T04:42:23.339" v="1" actId="165"/>
+          <ac:spMkLst>
+            <pc:docMk/>
+            <pc:sldMk cId="1066314704" sldId="260"/>
+            <ac:spMk id="202" creationId="{16D0698C-01F7-156C-F53E-703F94BB8EEF}"/>
+          </ac:spMkLst>
+        </pc:spChg>
+        <pc:spChg chg="mod">
+          <ac:chgData name="Bo Tang" userId="332dbdf67b1791cd" providerId="LiveId" clId="{42649226-576E-4E75-87D3-8E814BF1D774}" dt="2023-10-31T04:42:23.339" v="1" actId="165"/>
+          <ac:spMkLst>
+            <pc:docMk/>
+            <pc:sldMk cId="1066314704" sldId="260"/>
+            <ac:spMk id="205" creationId="{5E7FEBCF-84AF-396D-BD4C-1F696D2C7748}"/>
+          </ac:spMkLst>
+        </pc:spChg>
+        <pc:spChg chg="mod">
+          <ac:chgData name="Bo Tang" userId="332dbdf67b1791cd" providerId="LiveId" clId="{42649226-576E-4E75-87D3-8E814BF1D774}" dt="2023-10-31T04:42:23.339" v="1" actId="165"/>
+          <ac:spMkLst>
+            <pc:docMk/>
+            <pc:sldMk cId="1066314704" sldId="260"/>
+            <ac:spMk id="206" creationId="{A685703F-9D3E-0F24-E612-DFAB14699A9B}"/>
+          </ac:spMkLst>
+        </pc:spChg>
+        <pc:spChg chg="mod">
+          <ac:chgData name="Bo Tang" userId="332dbdf67b1791cd" providerId="LiveId" clId="{42649226-576E-4E75-87D3-8E814BF1D774}" dt="2023-10-31T04:42:23.339" v="1" actId="165"/>
+          <ac:spMkLst>
+            <pc:docMk/>
+            <pc:sldMk cId="1066314704" sldId="260"/>
+            <ac:spMk id="207" creationId="{0DC4B6D0-8F3B-6167-0AB5-0938BCDFEF27}"/>
+          </ac:spMkLst>
+        </pc:spChg>
+        <pc:spChg chg="add del mod">
+          <ac:chgData name="Bo Tang" userId="332dbdf67b1791cd" providerId="LiveId" clId="{42649226-576E-4E75-87D3-8E814BF1D774}" dt="2023-10-31T04:43:22.119" v="20" actId="478"/>
+          <ac:spMkLst>
+            <pc:docMk/>
+            <pc:sldMk cId="1066314704" sldId="260"/>
+            <ac:spMk id="212" creationId="{A1F8BDC3-BF50-1496-FC4D-E3536D6F4D88}"/>
+          </ac:spMkLst>
+        </pc:spChg>
+        <pc:spChg chg="add mod">
+          <ac:chgData name="Bo Tang" userId="332dbdf67b1791cd" providerId="LiveId" clId="{42649226-576E-4E75-87D3-8E814BF1D774}" dt="2023-10-31T04:45:10.125" v="47" actId="164"/>
+          <ac:spMkLst>
+            <pc:docMk/>
+            <pc:sldMk cId="1066314704" sldId="260"/>
+            <ac:spMk id="215" creationId="{95213A5C-3930-4CE5-3209-CC1BBA3E1E18}"/>
+          </ac:spMkLst>
+        </pc:spChg>
+        <pc:spChg chg="add mod">
+          <ac:chgData name="Bo Tang" userId="332dbdf67b1791cd" providerId="LiveId" clId="{42649226-576E-4E75-87D3-8E814BF1D774}" dt="2023-10-31T04:45:10.125" v="47" actId="164"/>
+          <ac:spMkLst>
+            <pc:docMk/>
+            <pc:sldMk cId="1066314704" sldId="260"/>
+            <ac:spMk id="216" creationId="{2F47485B-107C-53E4-D554-5AFFD4DEBEE2}"/>
+          </ac:spMkLst>
+        </pc:spChg>
+        <pc:spChg chg="add del mod">
+          <ac:chgData name="Bo Tang" userId="332dbdf67b1791cd" providerId="LiveId" clId="{42649226-576E-4E75-87D3-8E814BF1D774}" dt="2023-10-31T04:44:23.098" v="38"/>
+          <ac:spMkLst>
+            <pc:docMk/>
+            <pc:sldMk cId="1066314704" sldId="260"/>
+            <ac:spMk id="218" creationId="{D5BAE860-57CB-5FDA-33C8-088410FE922E}"/>
+          </ac:spMkLst>
+        </pc:spChg>
+        <pc:spChg chg="add del mod">
+          <ac:chgData name="Bo Tang" userId="332dbdf67b1791cd" providerId="LiveId" clId="{42649226-576E-4E75-87D3-8E814BF1D774}" dt="2023-10-31T04:44:23.098" v="38"/>
+          <ac:spMkLst>
+            <pc:docMk/>
+            <pc:sldMk cId="1066314704" sldId="260"/>
+            <ac:spMk id="219" creationId="{7C44FE4F-0162-FC95-F699-607CA27427AF}"/>
+          </ac:spMkLst>
+        </pc:spChg>
+        <pc:spChg chg="add mod">
+          <ac:chgData name="Bo Tang" userId="332dbdf67b1791cd" providerId="LiveId" clId="{42649226-576E-4E75-87D3-8E814BF1D774}" dt="2023-10-31T04:45:17.647" v="48" actId="164"/>
+          <ac:spMkLst>
+            <pc:docMk/>
+            <pc:sldMk cId="1066314704" sldId="260"/>
+            <ac:spMk id="221" creationId="{975C63A2-9101-A149-5F4D-CAEDF9F6ABD7}"/>
+          </ac:spMkLst>
+        </pc:spChg>
+        <pc:spChg chg="add mod">
+          <ac:chgData name="Bo Tang" userId="332dbdf67b1791cd" providerId="LiveId" clId="{42649226-576E-4E75-87D3-8E814BF1D774}" dt="2023-10-31T04:45:17.647" v="48" actId="164"/>
+          <ac:spMkLst>
+            <pc:docMk/>
+            <pc:sldMk cId="1066314704" sldId="260"/>
+            <ac:spMk id="222" creationId="{DE32CE2D-5616-E131-8D57-36BA45AE6CE5}"/>
+          </ac:spMkLst>
+        </pc:spChg>
+        <pc:grpChg chg="del mod topLvl">
+          <ac:chgData name="Bo Tang" userId="332dbdf67b1791cd" providerId="LiveId" clId="{42649226-576E-4E75-87D3-8E814BF1D774}" dt="2023-10-31T04:42:23.339" v="1" actId="165"/>
+          <ac:grpSpMkLst>
+            <pc:docMk/>
+            <pc:sldMk cId="1066314704" sldId="260"/>
+            <ac:grpSpMk id="2" creationId="{5221D28E-7E52-D35A-6E01-6278ADFE0D65}"/>
+          </ac:grpSpMkLst>
+        </pc:grpChg>
+        <pc:grpChg chg="mod topLvl">
+          <ac:chgData name="Bo Tang" userId="332dbdf67b1791cd" providerId="LiveId" clId="{42649226-576E-4E75-87D3-8E814BF1D774}" dt="2023-10-31T04:45:31.645" v="49" actId="164"/>
+          <ac:grpSpMkLst>
+            <pc:docMk/>
+            <pc:sldMk cId="1066314704" sldId="260"/>
+            <ac:grpSpMk id="3" creationId="{681AF89F-E614-2997-BF04-13D2BD68F4FD}"/>
+          </ac:grpSpMkLst>
+        </pc:grpChg>
+        <pc:grpChg chg="mod topLvl">
+          <ac:chgData name="Bo Tang" userId="332dbdf67b1791cd" providerId="LiveId" clId="{42649226-576E-4E75-87D3-8E814BF1D774}" dt="2023-10-31T04:45:35.991" v="50" actId="164"/>
+          <ac:grpSpMkLst>
+            <pc:docMk/>
+            <pc:sldMk cId="1066314704" sldId="260"/>
+            <ac:grpSpMk id="4" creationId="{E8C20763-ADE1-5BBA-8EC8-A1FBAFF210ED}"/>
+          </ac:grpSpMkLst>
+        </pc:grpChg>
+        <pc:grpChg chg="mod">
+          <ac:chgData name="Bo Tang" userId="332dbdf67b1791cd" providerId="LiveId" clId="{42649226-576E-4E75-87D3-8E814BF1D774}" dt="2023-10-31T04:42:05.150" v="0" actId="165"/>
+          <ac:grpSpMkLst>
+            <pc:docMk/>
+            <pc:sldMk cId="1066314704" sldId="260"/>
+            <ac:grpSpMk id="5" creationId="{3A3FEFA5-5AE1-AD81-8518-A0767B490047}"/>
+          </ac:grpSpMkLst>
+        </pc:grpChg>
+        <pc:grpChg chg="mod">
+          <ac:chgData name="Bo Tang" userId="332dbdf67b1791cd" providerId="LiveId" clId="{42649226-576E-4E75-87D3-8E814BF1D774}" dt="2023-10-31T04:42:05.150" v="0" actId="165"/>
+          <ac:grpSpMkLst>
+            <pc:docMk/>
+            <pc:sldMk cId="1066314704" sldId="260"/>
+            <ac:grpSpMk id="6" creationId="{7A093C64-20A8-EDA3-B626-DBB7603E0802}"/>
+          </ac:grpSpMkLst>
+        </pc:grpChg>
+        <pc:grpChg chg="mod">
+          <ac:chgData name="Bo Tang" userId="332dbdf67b1791cd" providerId="LiveId" clId="{42649226-576E-4E75-87D3-8E814BF1D774}" dt="2023-10-31T04:42:05.150" v="0" actId="165"/>
+          <ac:grpSpMkLst>
+            <pc:docMk/>
+            <pc:sldMk cId="1066314704" sldId="260"/>
+            <ac:grpSpMk id="7" creationId="{407B4137-0D49-7775-118A-5C8ECA9FD5F0}"/>
+          </ac:grpSpMkLst>
+        </pc:grpChg>
+        <pc:grpChg chg="mod">
+          <ac:chgData name="Bo Tang" userId="332dbdf67b1791cd" providerId="LiveId" clId="{42649226-576E-4E75-87D3-8E814BF1D774}" dt="2023-10-31T04:42:05.150" v="0" actId="165"/>
+          <ac:grpSpMkLst>
+            <pc:docMk/>
+            <pc:sldMk cId="1066314704" sldId="260"/>
+            <ac:grpSpMk id="8" creationId="{3389002C-4263-8F76-1276-E5CC9DA81B6B}"/>
+          </ac:grpSpMkLst>
+        </pc:grpChg>
+        <pc:grpChg chg="mod">
+          <ac:chgData name="Bo Tang" userId="332dbdf67b1791cd" providerId="LiveId" clId="{42649226-576E-4E75-87D3-8E814BF1D774}" dt="2023-10-31T04:42:05.150" v="0" actId="165"/>
+          <ac:grpSpMkLst>
+            <pc:docMk/>
+            <pc:sldMk cId="1066314704" sldId="260"/>
+            <ac:grpSpMk id="9" creationId="{1A3DA5B0-D80C-ABF4-4D6A-2F01E0FA4DD7}"/>
+          </ac:grpSpMkLst>
+        </pc:grpChg>
+        <pc:grpChg chg="mod">
+          <ac:chgData name="Bo Tang" userId="332dbdf67b1791cd" providerId="LiveId" clId="{42649226-576E-4E75-87D3-8E814BF1D774}" dt="2023-10-31T04:42:05.150" v="0" actId="165"/>
+          <ac:grpSpMkLst>
+            <pc:docMk/>
+            <pc:sldMk cId="1066314704" sldId="260"/>
+            <ac:grpSpMk id="10" creationId="{F2AFAEE8-8204-7DB5-BDF0-9886354F7D26}"/>
+          </ac:grpSpMkLst>
+        </pc:grpChg>
+        <pc:grpChg chg="mod">
+          <ac:chgData name="Bo Tang" userId="332dbdf67b1791cd" providerId="LiveId" clId="{42649226-576E-4E75-87D3-8E814BF1D774}" dt="2023-10-31T04:42:05.150" v="0" actId="165"/>
+          <ac:grpSpMkLst>
+            <pc:docMk/>
+            <pc:sldMk cId="1066314704" sldId="260"/>
+            <ac:grpSpMk id="11" creationId="{A1E32C08-704C-7A28-98A9-86FC8CF28724}"/>
+          </ac:grpSpMkLst>
+        </pc:grpChg>
+        <pc:grpChg chg="mod">
+          <ac:chgData name="Bo Tang" userId="332dbdf67b1791cd" providerId="LiveId" clId="{42649226-576E-4E75-87D3-8E814BF1D774}" dt="2023-10-31T04:42:05.150" v="0" actId="165"/>
+          <ac:grpSpMkLst>
+            <pc:docMk/>
+            <pc:sldMk cId="1066314704" sldId="260"/>
+            <ac:grpSpMk id="12" creationId="{9599DC1C-7A6A-2327-6CA3-68EA6034779C}"/>
+          </ac:grpSpMkLst>
+        </pc:grpChg>
+        <pc:grpChg chg="mod">
+          <ac:chgData name="Bo Tang" userId="332dbdf67b1791cd" providerId="LiveId" clId="{42649226-576E-4E75-87D3-8E814BF1D774}" dt="2023-10-31T04:42:05.150" v="0" actId="165"/>
+          <ac:grpSpMkLst>
+            <pc:docMk/>
+            <pc:sldMk cId="1066314704" sldId="260"/>
+            <ac:grpSpMk id="21" creationId="{79D23C72-41BC-15AB-0BE0-412050B1C511}"/>
+          </ac:grpSpMkLst>
+        </pc:grpChg>
+        <pc:grpChg chg="mod">
+          <ac:chgData name="Bo Tang" userId="332dbdf67b1791cd" providerId="LiveId" clId="{42649226-576E-4E75-87D3-8E814BF1D774}" dt="2023-10-31T04:42:05.150" v="0" actId="165"/>
+          <ac:grpSpMkLst>
+            <pc:docMk/>
+            <pc:sldMk cId="1066314704" sldId="260"/>
+            <ac:grpSpMk id="31" creationId="{F1FD7DE2-9BEC-1D79-8483-0C683609D810}"/>
+          </ac:grpSpMkLst>
+        </pc:grpChg>
+        <pc:grpChg chg="mod">
+          <ac:chgData name="Bo Tang" userId="332dbdf67b1791cd" providerId="LiveId" clId="{42649226-576E-4E75-87D3-8E814BF1D774}" dt="2023-10-31T04:42:05.150" v="0" actId="165"/>
+          <ac:grpSpMkLst>
+            <pc:docMk/>
+            <pc:sldMk cId="1066314704" sldId="260"/>
+            <ac:grpSpMk id="42" creationId="{7F430A60-A1C4-E250-5C99-725C82C2BA5A}"/>
+          </ac:grpSpMkLst>
+        </pc:grpChg>
+        <pc:grpChg chg="mod">
+          <ac:chgData name="Bo Tang" userId="332dbdf67b1791cd" providerId="LiveId" clId="{42649226-576E-4E75-87D3-8E814BF1D774}" dt="2023-10-31T04:42:05.150" v="0" actId="165"/>
+          <ac:grpSpMkLst>
+            <pc:docMk/>
+            <pc:sldMk cId="1066314704" sldId="260"/>
+            <ac:grpSpMk id="49" creationId="{694F9FF0-0510-77E2-3C03-CAD8A577BCFE}"/>
+          </ac:grpSpMkLst>
+        </pc:grpChg>
+        <pc:grpChg chg="mod">
+          <ac:chgData name="Bo Tang" userId="332dbdf67b1791cd" providerId="LiveId" clId="{42649226-576E-4E75-87D3-8E814BF1D774}" dt="2023-10-31T04:42:05.150" v="0" actId="165"/>
+          <ac:grpSpMkLst>
+            <pc:docMk/>
+            <pc:sldMk cId="1066314704" sldId="260"/>
+            <ac:grpSpMk id="56" creationId="{B59D094C-5838-ADA9-844F-CB0917046E0D}"/>
+          </ac:grpSpMkLst>
+        </pc:grpChg>
+        <pc:grpChg chg="mod">
+          <ac:chgData name="Bo Tang" userId="332dbdf67b1791cd" providerId="LiveId" clId="{42649226-576E-4E75-87D3-8E814BF1D774}" dt="2023-10-31T04:42:05.150" v="0" actId="165"/>
+          <ac:grpSpMkLst>
+            <pc:docMk/>
+            <pc:sldMk cId="1066314704" sldId="260"/>
+            <ac:grpSpMk id="57" creationId="{8EB7132E-6D16-5263-BD25-1FE52B2E2203}"/>
+          </ac:grpSpMkLst>
+        </pc:grpChg>
+        <pc:grpChg chg="mod">
+          <ac:chgData name="Bo Tang" userId="332dbdf67b1791cd" providerId="LiveId" clId="{42649226-576E-4E75-87D3-8E814BF1D774}" dt="2023-10-31T04:42:05.150" v="0" actId="165"/>
+          <ac:grpSpMkLst>
+            <pc:docMk/>
+            <pc:sldMk cId="1066314704" sldId="260"/>
+            <ac:grpSpMk id="60" creationId="{DA5FA626-2826-919A-4B13-04491680E93E}"/>
+          </ac:grpSpMkLst>
+        </pc:grpChg>
+        <pc:grpChg chg="mod">
+          <ac:chgData name="Bo Tang" userId="332dbdf67b1791cd" providerId="LiveId" clId="{42649226-576E-4E75-87D3-8E814BF1D774}" dt="2023-10-31T04:42:05.150" v="0" actId="165"/>
+          <ac:grpSpMkLst>
+            <pc:docMk/>
+            <pc:sldMk cId="1066314704" sldId="260"/>
+            <ac:grpSpMk id="74" creationId="{37E4C0D4-1C5D-5BA6-97FD-9A2FDECCA783}"/>
+          </ac:grpSpMkLst>
+        </pc:grpChg>
+        <pc:grpChg chg="mod">
+          <ac:chgData name="Bo Tang" userId="332dbdf67b1791cd" providerId="LiveId" clId="{42649226-576E-4E75-87D3-8E814BF1D774}" dt="2023-10-31T04:42:05.150" v="0" actId="165"/>
+          <ac:grpSpMkLst>
+            <pc:docMk/>
+            <pc:sldMk cId="1066314704" sldId="260"/>
+            <ac:grpSpMk id="75" creationId="{7E1F860C-6230-7AB3-493F-BE20D976EA4A}"/>
+          </ac:grpSpMkLst>
+        </pc:grpChg>
+        <pc:grpChg chg="mod">
+          <ac:chgData name="Bo Tang" userId="332dbdf67b1791cd" providerId="LiveId" clId="{42649226-576E-4E75-87D3-8E814BF1D774}" dt="2023-10-31T04:42:05.150" v="0" actId="165"/>
+          <ac:grpSpMkLst>
+            <pc:docMk/>
+            <pc:sldMk cId="1066314704" sldId="260"/>
+            <ac:grpSpMk id="76" creationId="{2B045CD9-61BE-1763-BA77-0C32DD6E3565}"/>
+          </ac:grpSpMkLst>
+        </pc:grpChg>
+        <pc:grpChg chg="mod topLvl">
+          <ac:chgData name="Bo Tang" userId="332dbdf67b1791cd" providerId="LiveId" clId="{42649226-576E-4E75-87D3-8E814BF1D774}" dt="2023-10-31T04:45:31.645" v="49" actId="164"/>
+          <ac:grpSpMkLst>
+            <pc:docMk/>
+            <pc:sldMk cId="1066314704" sldId="260"/>
+            <ac:grpSpMk id="85" creationId="{E52E6075-80C1-5D15-2A58-058F8BA241AF}"/>
+          </ac:grpSpMkLst>
+        </pc:grpChg>
+        <pc:grpChg chg="mod topLvl">
+          <ac:chgData name="Bo Tang" userId="332dbdf67b1791cd" providerId="LiveId" clId="{42649226-576E-4E75-87D3-8E814BF1D774}" dt="2023-10-31T04:45:10.125" v="47" actId="164"/>
+          <ac:grpSpMkLst>
+            <pc:docMk/>
+            <pc:sldMk cId="1066314704" sldId="260"/>
+            <ac:grpSpMk id="86" creationId="{9047C4B8-26EC-A6A0-89A4-F808D52C0649}"/>
+          </ac:grpSpMkLst>
+        </pc:grpChg>
+        <pc:grpChg chg="mod topLvl">
+          <ac:chgData name="Bo Tang" userId="332dbdf67b1791cd" providerId="LiveId" clId="{42649226-576E-4E75-87D3-8E814BF1D774}" dt="2023-10-31T04:45:17.647" v="48" actId="164"/>
+          <ac:grpSpMkLst>
+            <pc:docMk/>
+            <pc:sldMk cId="1066314704" sldId="260"/>
+            <ac:grpSpMk id="87" creationId="{6C90DA1D-19B9-A0D7-C393-EC94E865DBB5}"/>
+          </ac:grpSpMkLst>
+        </pc:grpChg>
+        <pc:grpChg chg="mod">
+          <ac:chgData name="Bo Tang" userId="332dbdf67b1791cd" providerId="LiveId" clId="{42649226-576E-4E75-87D3-8E814BF1D774}" dt="2023-10-31T04:42:23.339" v="1" actId="165"/>
+          <ac:grpSpMkLst>
+            <pc:docMk/>
+            <pc:sldMk cId="1066314704" sldId="260"/>
+            <ac:grpSpMk id="91" creationId="{98C17C0A-F298-4059-AB2C-08E74A576DC1}"/>
+          </ac:grpSpMkLst>
+        </pc:grpChg>
+        <pc:grpChg chg="mod">
+          <ac:chgData name="Bo Tang" userId="332dbdf67b1791cd" providerId="LiveId" clId="{42649226-576E-4E75-87D3-8E814BF1D774}" dt="2023-10-31T04:42:23.339" v="1" actId="165"/>
+          <ac:grpSpMkLst>
+            <pc:docMk/>
+            <pc:sldMk cId="1066314704" sldId="260"/>
+            <ac:grpSpMk id="92" creationId="{E80C0745-0F5E-0DF2-6C6C-2A69B6A53E26}"/>
+          </ac:grpSpMkLst>
+        </pc:grpChg>
+        <pc:grpChg chg="mod">
+          <ac:chgData name="Bo Tang" userId="332dbdf67b1791cd" providerId="LiveId" clId="{42649226-576E-4E75-87D3-8E814BF1D774}" dt="2023-10-31T04:42:23.339" v="1" actId="165"/>
+          <ac:grpSpMkLst>
+            <pc:docMk/>
+            <pc:sldMk cId="1066314704" sldId="260"/>
+            <ac:grpSpMk id="93" creationId="{D2EBE5B7-881C-5959-4A08-45D9D5EEB504}"/>
+          </ac:grpSpMkLst>
+        </pc:grpChg>
+        <pc:grpChg chg="mod">
+          <ac:chgData name="Bo Tang" userId="332dbdf67b1791cd" providerId="LiveId" clId="{42649226-576E-4E75-87D3-8E814BF1D774}" dt="2023-10-31T04:43:19.063" v="16" actId="164"/>
+          <ac:grpSpMkLst>
+            <pc:docMk/>
+            <pc:sldMk cId="1066314704" sldId="260"/>
+            <ac:grpSpMk id="102" creationId="{7F7C010E-0FD9-D0E5-22A6-274A1D1CFC90}"/>
+          </ac:grpSpMkLst>
+        </pc:grpChg>
+        <pc:grpChg chg="mod">
+          <ac:chgData name="Bo Tang" userId="332dbdf67b1791cd" providerId="LiveId" clId="{42649226-576E-4E75-87D3-8E814BF1D774}" dt="2023-10-31T04:43:19.063" v="16" actId="164"/>
+          <ac:grpSpMkLst>
+            <pc:docMk/>
+            <pc:sldMk cId="1066314704" sldId="260"/>
+            <ac:grpSpMk id="103" creationId="{6AC8E54E-AAA6-984C-07A2-9A857C306D2F}"/>
+          </ac:grpSpMkLst>
+        </pc:grpChg>
+        <pc:grpChg chg="mod">
+          <ac:chgData name="Bo Tang" userId="332dbdf67b1791cd" providerId="LiveId" clId="{42649226-576E-4E75-87D3-8E814BF1D774}" dt="2023-10-31T04:43:19.063" v="16" actId="164"/>
+          <ac:grpSpMkLst>
+            <pc:docMk/>
+            <pc:sldMk cId="1066314704" sldId="260"/>
+            <ac:grpSpMk id="104" creationId="{B2A189D1-5B3C-921D-4F4C-3DDC75003362}"/>
+          </ac:grpSpMkLst>
+        </pc:grpChg>
+        <pc:grpChg chg="mod">
+          <ac:chgData name="Bo Tang" userId="332dbdf67b1791cd" providerId="LiveId" clId="{42649226-576E-4E75-87D3-8E814BF1D774}" dt="2023-10-31T04:42:23.339" v="1" actId="165"/>
+          <ac:grpSpMkLst>
+            <pc:docMk/>
+            <pc:sldMk cId="1066314704" sldId="260"/>
+            <ac:grpSpMk id="113" creationId="{56A81EE0-D54E-8736-716A-8DD411B3D3E1}"/>
+          </ac:grpSpMkLst>
+        </pc:grpChg>
+        <pc:grpChg chg="mod">
+          <ac:chgData name="Bo Tang" userId="332dbdf67b1791cd" providerId="LiveId" clId="{42649226-576E-4E75-87D3-8E814BF1D774}" dt="2023-10-31T04:42:23.339" v="1" actId="165"/>
+          <ac:grpSpMkLst>
+            <pc:docMk/>
+            <pc:sldMk cId="1066314704" sldId="260"/>
+            <ac:grpSpMk id="114" creationId="{1E3D47F6-066B-8A05-7C15-CA3EE1B8ECF3}"/>
+          </ac:grpSpMkLst>
+        </pc:grpChg>
+        <pc:grpChg chg="mod topLvl">
+          <ac:chgData name="Bo Tang" userId="332dbdf67b1791cd" providerId="LiveId" clId="{42649226-576E-4E75-87D3-8E814BF1D774}" dt="2023-10-31T04:45:35.991" v="50" actId="164"/>
+          <ac:grpSpMkLst>
+            <pc:docMk/>
+            <pc:sldMk cId="1066314704" sldId="260"/>
+            <ac:grpSpMk id="115" creationId="{8C99F626-7005-0DA5-114D-2DF10A3133D1}"/>
+          </ac:grpSpMkLst>
+        </pc:grpChg>
+        <pc:grpChg chg="mod">
+          <ac:chgData name="Bo Tang" userId="332dbdf67b1791cd" providerId="LiveId" clId="{42649226-576E-4E75-87D3-8E814BF1D774}" dt="2023-10-31T04:42:05.150" v="0" actId="165"/>
+          <ac:grpSpMkLst>
+            <pc:docMk/>
+            <pc:sldMk cId="1066314704" sldId="260"/>
+            <ac:grpSpMk id="116" creationId="{92779B3B-FB61-1AA1-63FB-2C29D0199B48}"/>
+          </ac:grpSpMkLst>
+        </pc:grpChg>
+        <pc:grpChg chg="mod">
+          <ac:chgData name="Bo Tang" userId="332dbdf67b1791cd" providerId="LiveId" clId="{42649226-576E-4E75-87D3-8E814BF1D774}" dt="2023-10-31T04:42:05.150" v="0" actId="165"/>
+          <ac:grpSpMkLst>
+            <pc:docMk/>
+            <pc:sldMk cId="1066314704" sldId="260"/>
+            <ac:grpSpMk id="117" creationId="{CC73054D-80FB-8270-3157-DB49FF81C19C}"/>
+          </ac:grpSpMkLst>
+        </pc:grpChg>
+        <pc:grpChg chg="mod">
+          <ac:chgData name="Bo Tang" userId="332dbdf67b1791cd" providerId="LiveId" clId="{42649226-576E-4E75-87D3-8E814BF1D774}" dt="2023-10-31T04:42:05.150" v="0" actId="165"/>
+          <ac:grpSpMkLst>
+            <pc:docMk/>
+            <pc:sldMk cId="1066314704" sldId="260"/>
+            <ac:grpSpMk id="118" creationId="{A7BF910C-0D1A-1DA0-2376-2AA1A6E37BAF}"/>
+          </ac:grpSpMkLst>
+        </pc:grpChg>
+        <pc:grpChg chg="mod">
+          <ac:chgData name="Bo Tang" userId="332dbdf67b1791cd" providerId="LiveId" clId="{42649226-576E-4E75-87D3-8E814BF1D774}" dt="2023-10-31T04:42:05.150" v="0" actId="165"/>
+          <ac:grpSpMkLst>
+            <pc:docMk/>
+            <pc:sldMk cId="1066314704" sldId="260"/>
+            <ac:grpSpMk id="119" creationId="{C2192437-FA9E-54CD-7D4A-482D2865A631}"/>
+          </ac:grpSpMkLst>
+        </pc:grpChg>
+        <pc:grpChg chg="mod">
+          <ac:chgData name="Bo Tang" userId="332dbdf67b1791cd" providerId="LiveId" clId="{42649226-576E-4E75-87D3-8E814BF1D774}" dt="2023-10-31T04:42:05.150" v="0" actId="165"/>
+          <ac:grpSpMkLst>
+            <pc:docMk/>
+            <pc:sldMk cId="1066314704" sldId="260"/>
+            <ac:grpSpMk id="120" creationId="{360B8ACE-99C8-EE17-65A2-97EB3B164382}"/>
+          </ac:grpSpMkLst>
+        </pc:grpChg>
+        <pc:grpChg chg="mod">
+          <ac:chgData name="Bo Tang" userId="332dbdf67b1791cd" providerId="LiveId" clId="{42649226-576E-4E75-87D3-8E814BF1D774}" dt="2023-10-31T04:42:05.150" v="0" actId="165"/>
+          <ac:grpSpMkLst>
+            <pc:docMk/>
+            <pc:sldMk cId="1066314704" sldId="260"/>
+            <ac:grpSpMk id="124" creationId="{52B02F98-9AE6-EC58-6081-89B0CC922B31}"/>
+          </ac:grpSpMkLst>
+        </pc:grpChg>
+        <pc:grpChg chg="mod">
+          <ac:chgData name="Bo Tang" userId="332dbdf67b1791cd" providerId="LiveId" clId="{42649226-576E-4E75-87D3-8E814BF1D774}" dt="2023-10-31T04:42:05.150" v="0" actId="165"/>
+          <ac:grpSpMkLst>
+            <pc:docMk/>
+            <pc:sldMk cId="1066314704" sldId="260"/>
+            <ac:grpSpMk id="125" creationId="{8CBFAE5D-FC2F-0E0F-32B0-3CC568CF7FB2}"/>
+          </ac:grpSpMkLst>
+        </pc:grpChg>
+        <pc:grpChg chg="mod">
+          <ac:chgData name="Bo Tang" userId="332dbdf67b1791cd" providerId="LiveId" clId="{42649226-576E-4E75-87D3-8E814BF1D774}" dt="2023-10-31T04:42:05.150" v="0" actId="165"/>
+          <ac:grpSpMkLst>
+            <pc:docMk/>
+            <pc:sldMk cId="1066314704" sldId="260"/>
+            <ac:grpSpMk id="126" creationId="{160F46A3-D357-840F-3444-AD0ACCB18A66}"/>
+          </ac:grpSpMkLst>
+        </pc:grpChg>
+        <pc:grpChg chg="mod">
+          <ac:chgData name="Bo Tang" userId="332dbdf67b1791cd" providerId="LiveId" clId="{42649226-576E-4E75-87D3-8E814BF1D774}" dt="2023-10-31T04:42:05.150" v="0" actId="165"/>
+          <ac:grpSpMkLst>
+            <pc:docMk/>
+            <pc:sldMk cId="1066314704" sldId="260"/>
+            <ac:grpSpMk id="135" creationId="{E06F6B0D-D76F-C708-1C9B-051943BB48E7}"/>
+          </ac:grpSpMkLst>
+        </pc:grpChg>
+        <pc:grpChg chg="mod">
+          <ac:chgData name="Bo Tang" userId="332dbdf67b1791cd" providerId="LiveId" clId="{42649226-576E-4E75-87D3-8E814BF1D774}" dt="2023-10-31T04:42:05.150" v="0" actId="165"/>
+          <ac:grpSpMkLst>
+            <pc:docMk/>
+            <pc:sldMk cId="1066314704" sldId="260"/>
+            <ac:grpSpMk id="136" creationId="{2E81498D-2E54-1F04-C7B2-3699247BBF2B}"/>
+          </ac:grpSpMkLst>
+        </pc:grpChg>
+        <pc:grpChg chg="mod">
+          <ac:chgData name="Bo Tang" userId="332dbdf67b1791cd" providerId="LiveId" clId="{42649226-576E-4E75-87D3-8E814BF1D774}" dt="2023-10-31T04:42:05.150" v="0" actId="165"/>
+          <ac:grpSpMkLst>
+            <pc:docMk/>
+            <pc:sldMk cId="1066314704" sldId="260"/>
+            <ac:grpSpMk id="137" creationId="{CFF2352B-4E38-B997-5A0A-AC4971FDCA36}"/>
+          </ac:grpSpMkLst>
+        </pc:grpChg>
+        <pc:grpChg chg="mod">
+          <ac:chgData name="Bo Tang" userId="332dbdf67b1791cd" providerId="LiveId" clId="{42649226-576E-4E75-87D3-8E814BF1D774}" dt="2023-10-31T04:42:05.150" v="0" actId="165"/>
+          <ac:grpSpMkLst>
+            <pc:docMk/>
+            <pc:sldMk cId="1066314704" sldId="260"/>
+            <ac:grpSpMk id="143" creationId="{B5FBB991-27EE-DD0F-46D3-FB15F839A7C7}"/>
+          </ac:grpSpMkLst>
+        </pc:grpChg>
+        <pc:grpChg chg="mod">
+          <ac:chgData name="Bo Tang" userId="332dbdf67b1791cd" providerId="LiveId" clId="{42649226-576E-4E75-87D3-8E814BF1D774}" dt="2023-10-31T04:42:05.150" v="0" actId="165"/>
+          <ac:grpSpMkLst>
+            <pc:docMk/>
+            <pc:sldMk cId="1066314704" sldId="260"/>
+            <ac:grpSpMk id="155" creationId="{1D59AC63-8F71-EA05-ABDF-10A45E1317D9}"/>
+          </ac:grpSpMkLst>
+        </pc:grpChg>
+        <pc:grpChg chg="mod">
+          <ac:chgData name="Bo Tang" userId="332dbdf67b1791cd" providerId="LiveId" clId="{42649226-576E-4E75-87D3-8E814BF1D774}" dt="2023-10-31T04:42:05.150" v="0" actId="165"/>
+          <ac:grpSpMkLst>
+            <pc:docMk/>
+            <pc:sldMk cId="1066314704" sldId="260"/>
+            <ac:grpSpMk id="156" creationId="{B0511F8A-A8D8-F971-77D4-7EA83025F78A}"/>
+          </ac:grpSpMkLst>
+        </pc:grpChg>
+        <pc:grpChg chg="mod">
+          <ac:chgData name="Bo Tang" userId="332dbdf67b1791cd" providerId="LiveId" clId="{42649226-576E-4E75-87D3-8E814BF1D774}" dt="2023-10-31T04:42:05.150" v="0" actId="165"/>
+          <ac:grpSpMkLst>
+            <pc:docMk/>
+            <pc:sldMk cId="1066314704" sldId="260"/>
+            <ac:grpSpMk id="159" creationId="{9B1A314F-5BE5-8E7B-4E39-2703BCFEB0EA}"/>
+          </ac:grpSpMkLst>
+        </pc:grpChg>
+        <pc:grpChg chg="mod">
+          <ac:chgData name="Bo Tang" userId="332dbdf67b1791cd" providerId="LiveId" clId="{42649226-576E-4E75-87D3-8E814BF1D774}" dt="2023-10-31T04:42:05.150" v="0" actId="165"/>
+          <ac:grpSpMkLst>
+            <pc:docMk/>
+            <pc:sldMk cId="1066314704" sldId="260"/>
+            <ac:grpSpMk id="173" creationId="{F4974B87-EB4E-41FD-00D1-986F2D9F9385}"/>
+          </ac:grpSpMkLst>
+        </pc:grpChg>
+        <pc:grpChg chg="mod">
+          <ac:chgData name="Bo Tang" userId="332dbdf67b1791cd" providerId="LiveId" clId="{42649226-576E-4E75-87D3-8E814BF1D774}" dt="2023-10-31T04:42:05.150" v="0" actId="165"/>
+          <ac:grpSpMkLst>
+            <pc:docMk/>
+            <pc:sldMk cId="1066314704" sldId="260"/>
+            <ac:grpSpMk id="174" creationId="{501786AF-6C34-3064-0331-08F6253283AA}"/>
+          </ac:grpSpMkLst>
+        </pc:grpChg>
+        <pc:grpChg chg="mod">
+          <ac:chgData name="Bo Tang" userId="332dbdf67b1791cd" providerId="LiveId" clId="{42649226-576E-4E75-87D3-8E814BF1D774}" dt="2023-10-31T04:42:05.150" v="0" actId="165"/>
+          <ac:grpSpMkLst>
+            <pc:docMk/>
+            <pc:sldMk cId="1066314704" sldId="260"/>
+            <ac:grpSpMk id="175" creationId="{DF7B82CD-3EB5-28B9-1E3D-1E9B6E1D90A4}"/>
+          </ac:grpSpMkLst>
+        </pc:grpChg>
+        <pc:grpChg chg="del">
+          <ac:chgData name="Bo Tang" userId="332dbdf67b1791cd" providerId="LiveId" clId="{42649226-576E-4E75-87D3-8E814BF1D774}" dt="2023-10-31T04:42:05.150" v="0" actId="165"/>
+          <ac:grpSpMkLst>
+            <pc:docMk/>
+            <pc:sldMk cId="1066314704" sldId="260"/>
+            <ac:grpSpMk id="185" creationId="{90E34DE8-96AF-BB4E-217C-AA693EAEB576}"/>
+          </ac:grpSpMkLst>
+        </pc:grpChg>
+        <pc:grpChg chg="mod">
+          <ac:chgData name="Bo Tang" userId="332dbdf67b1791cd" providerId="LiveId" clId="{42649226-576E-4E75-87D3-8E814BF1D774}" dt="2023-10-31T04:42:23.339" v="1" actId="165"/>
+          <ac:grpSpMkLst>
+            <pc:docMk/>
+            <pc:sldMk cId="1066314704" sldId="260"/>
+            <ac:grpSpMk id="188" creationId="{C3F48F5A-FD5D-CA21-11B5-146EE44D7F58}"/>
+          </ac:grpSpMkLst>
+        </pc:grpChg>
+        <pc:grpChg chg="mod">
+          <ac:chgData name="Bo Tang" userId="332dbdf67b1791cd" providerId="LiveId" clId="{42649226-576E-4E75-87D3-8E814BF1D774}" dt="2023-10-31T04:42:23.339" v="1" actId="165"/>
+          <ac:grpSpMkLst>
+            <pc:docMk/>
+            <pc:sldMk cId="1066314704" sldId="260"/>
+            <ac:grpSpMk id="203" creationId="{6DBCB70F-5141-1FBB-8C99-B235EBF18F97}"/>
+          </ac:grpSpMkLst>
+        </pc:grpChg>
+        <pc:grpChg chg="mod">
+          <ac:chgData name="Bo Tang" userId="332dbdf67b1791cd" providerId="LiveId" clId="{42649226-576E-4E75-87D3-8E814BF1D774}" dt="2023-10-31T04:42:23.339" v="1" actId="165"/>
+          <ac:grpSpMkLst>
+            <pc:docMk/>
+            <pc:sldMk cId="1066314704" sldId="260"/>
+            <ac:grpSpMk id="204" creationId="{26A01F83-7D8F-5E0C-B405-49004E21921E}"/>
+          </ac:grpSpMkLst>
+        </pc:grpChg>
+        <pc:grpChg chg="add mod">
+          <ac:chgData name="Bo Tang" userId="332dbdf67b1791cd" providerId="LiveId" clId="{42649226-576E-4E75-87D3-8E814BF1D774}" dt="2023-10-31T04:43:19.063" v="16" actId="164"/>
+          <ac:grpSpMkLst>
+            <pc:docMk/>
+            <pc:sldMk cId="1066314704" sldId="260"/>
+            <ac:grpSpMk id="213" creationId="{AFD5BB33-4A7D-A4B8-47DF-10CD0D482756}"/>
+          </ac:grpSpMkLst>
+        </pc:grpChg>
+        <pc:grpChg chg="add mod">
+          <ac:chgData name="Bo Tang" userId="332dbdf67b1791cd" providerId="LiveId" clId="{42649226-576E-4E75-87D3-8E814BF1D774}" dt="2023-10-31T04:45:31.645" v="49" actId="164"/>
+          <ac:grpSpMkLst>
+            <pc:docMk/>
+            <pc:sldMk cId="1066314704" sldId="260"/>
+            <ac:grpSpMk id="223" creationId="{101AC8AA-14B0-96F2-8804-255865035FFE}"/>
+          </ac:grpSpMkLst>
+        </pc:grpChg>
+        <pc:grpChg chg="add mod">
+          <ac:chgData name="Bo Tang" userId="332dbdf67b1791cd" providerId="LiveId" clId="{42649226-576E-4E75-87D3-8E814BF1D774}" dt="2023-10-31T04:45:31.645" v="49" actId="164"/>
+          <ac:grpSpMkLst>
+            <pc:docMk/>
+            <pc:sldMk cId="1066314704" sldId="260"/>
+            <ac:grpSpMk id="224" creationId="{C60ED027-670C-4438-E6D5-E0A7B86A396D}"/>
+          </ac:grpSpMkLst>
+        </pc:grpChg>
+        <pc:grpChg chg="add mod">
+          <ac:chgData name="Bo Tang" userId="332dbdf67b1791cd" providerId="LiveId" clId="{42649226-576E-4E75-87D3-8E814BF1D774}" dt="2023-10-31T04:45:35.991" v="50" actId="164"/>
+          <ac:grpSpMkLst>
+            <pc:docMk/>
+            <pc:sldMk cId="1066314704" sldId="260"/>
+            <ac:grpSpMk id="225" creationId="{49A80A30-5292-4E2A-B602-08774A41E31F}"/>
+          </ac:grpSpMkLst>
+        </pc:grpChg>
+        <pc:grpChg chg="add mod">
+          <ac:chgData name="Bo Tang" userId="332dbdf67b1791cd" providerId="LiveId" clId="{42649226-576E-4E75-87D3-8E814BF1D774}" dt="2023-10-31T04:45:35.991" v="50" actId="164"/>
+          <ac:grpSpMkLst>
+            <pc:docMk/>
+            <pc:sldMk cId="1066314704" sldId="260"/>
+            <ac:grpSpMk id="226" creationId="{D92BA615-5915-C576-8EBA-9D7AAF2C39C7}"/>
+          </ac:grpSpMkLst>
+        </pc:grpChg>
+        <pc:cxnChg chg="mod">
+          <ac:chgData name="Bo Tang" userId="332dbdf67b1791cd" providerId="LiveId" clId="{42649226-576E-4E75-87D3-8E814BF1D774}" dt="2023-10-31T04:42:05.150" v="0" actId="165"/>
+          <ac:cxnSpMkLst>
+            <pc:docMk/>
+            <pc:sldMk cId="1066314704" sldId="260"/>
+            <ac:cxnSpMk id="16" creationId="{089A22BC-7B7D-9746-46D7-B253CB8E5032}"/>
+          </ac:cxnSpMkLst>
+        </pc:cxnChg>
+        <pc:cxnChg chg="mod">
+          <ac:chgData name="Bo Tang" userId="332dbdf67b1791cd" providerId="LiveId" clId="{42649226-576E-4E75-87D3-8E814BF1D774}" dt="2023-10-31T04:42:05.150" v="0" actId="165"/>
+          <ac:cxnSpMkLst>
+            <pc:docMk/>
+            <pc:sldMk cId="1066314704" sldId="260"/>
+            <ac:cxnSpMk id="18" creationId="{3332CD33-9CC4-01F4-8609-CC909EE109C9}"/>
+          </ac:cxnSpMkLst>
+        </pc:cxnChg>
+        <pc:cxnChg chg="mod">
+          <ac:chgData name="Bo Tang" userId="332dbdf67b1791cd" providerId="LiveId" clId="{42649226-576E-4E75-87D3-8E814BF1D774}" dt="2023-10-31T04:42:05.150" v="0" actId="165"/>
+          <ac:cxnSpMkLst>
+            <pc:docMk/>
+            <pc:sldMk cId="1066314704" sldId="260"/>
+            <ac:cxnSpMk id="25" creationId="{2F3CC4B5-7B0C-2003-5092-5149F51704A2}"/>
+          </ac:cxnSpMkLst>
+        </pc:cxnChg>
+        <pc:cxnChg chg="mod">
+          <ac:chgData name="Bo Tang" userId="332dbdf67b1791cd" providerId="LiveId" clId="{42649226-576E-4E75-87D3-8E814BF1D774}" dt="2023-10-31T04:42:05.150" v="0" actId="165"/>
+          <ac:cxnSpMkLst>
+            <pc:docMk/>
+            <pc:sldMk cId="1066314704" sldId="260"/>
+            <ac:cxnSpMk id="26" creationId="{230A41B5-5E7E-85CA-F284-077362B243A2}"/>
+          </ac:cxnSpMkLst>
+        </pc:cxnChg>
+        <pc:cxnChg chg="mod">
+          <ac:chgData name="Bo Tang" userId="332dbdf67b1791cd" providerId="LiveId" clId="{42649226-576E-4E75-87D3-8E814BF1D774}" dt="2023-10-31T04:42:05.150" v="0" actId="165"/>
+          <ac:cxnSpMkLst>
+            <pc:docMk/>
+            <pc:sldMk cId="1066314704" sldId="260"/>
+            <ac:cxnSpMk id="34" creationId="{7CCA48D9-7555-DF58-710E-B70D4B72F391}"/>
+          </ac:cxnSpMkLst>
+        </pc:cxnChg>
+        <pc:cxnChg chg="mod">
+          <ac:chgData name="Bo Tang" userId="332dbdf67b1791cd" providerId="LiveId" clId="{42649226-576E-4E75-87D3-8E814BF1D774}" dt="2023-10-31T04:42:05.150" v="0" actId="165"/>
+          <ac:cxnSpMkLst>
+            <pc:docMk/>
+            <pc:sldMk cId="1066314704" sldId="260"/>
+            <ac:cxnSpMk id="35" creationId="{1C754259-92E1-8F09-6BBD-4A5F0A2442F9}"/>
+          </ac:cxnSpMkLst>
+        </pc:cxnChg>
+        <pc:cxnChg chg="mod">
+          <ac:chgData name="Bo Tang" userId="332dbdf67b1791cd" providerId="LiveId" clId="{42649226-576E-4E75-87D3-8E814BF1D774}" dt="2023-10-31T04:42:05.150" v="0" actId="165"/>
+          <ac:cxnSpMkLst>
+            <pc:docMk/>
+            <pc:sldMk cId="1066314704" sldId="260"/>
+            <ac:cxnSpMk id="44" creationId="{7070F5FD-CD7C-FDFD-B0F1-FEFB5D35A9CC}"/>
+          </ac:cxnSpMkLst>
+        </pc:cxnChg>
+        <pc:cxnChg chg="mod">
+          <ac:chgData name="Bo Tang" userId="332dbdf67b1791cd" providerId="LiveId" clId="{42649226-576E-4E75-87D3-8E814BF1D774}" dt="2023-10-31T04:42:05.150" v="0" actId="165"/>
+          <ac:cxnSpMkLst>
+            <pc:docMk/>
+            <pc:sldMk cId="1066314704" sldId="260"/>
+            <ac:cxnSpMk id="46" creationId="{6BA014D7-7C36-9D65-5069-6FA75BE077E3}"/>
+          </ac:cxnSpMkLst>
+        </pc:cxnChg>
+        <pc:cxnChg chg="mod">
+          <ac:chgData name="Bo Tang" userId="332dbdf67b1791cd" providerId="LiveId" clId="{42649226-576E-4E75-87D3-8E814BF1D774}" dt="2023-10-31T04:42:05.150" v="0" actId="165"/>
+          <ac:cxnSpMkLst>
+            <pc:docMk/>
+            <pc:sldMk cId="1066314704" sldId="260"/>
+            <ac:cxnSpMk id="51" creationId="{11075226-1B3E-0B6D-177F-3A4E3AFE4AA9}"/>
+          </ac:cxnSpMkLst>
+        </pc:cxnChg>
+        <pc:cxnChg chg="mod">
+          <ac:chgData name="Bo Tang" userId="332dbdf67b1791cd" providerId="LiveId" clId="{42649226-576E-4E75-87D3-8E814BF1D774}" dt="2023-10-31T04:42:05.150" v="0" actId="165"/>
+          <ac:cxnSpMkLst>
+            <pc:docMk/>
+            <pc:sldMk cId="1066314704" sldId="260"/>
+            <ac:cxnSpMk id="52" creationId="{DAE8FFB4-B2F3-BE91-8193-1E5E7C215CA7}"/>
+          </ac:cxnSpMkLst>
+        </pc:cxnChg>
+        <pc:cxnChg chg="mod">
+          <ac:chgData name="Bo Tang" userId="332dbdf67b1791cd" providerId="LiveId" clId="{42649226-576E-4E75-87D3-8E814BF1D774}" dt="2023-10-31T04:42:05.150" v="0" actId="165"/>
+          <ac:cxnSpMkLst>
+            <pc:docMk/>
+            <pc:sldMk cId="1066314704" sldId="260"/>
+            <ac:cxnSpMk id="62" creationId="{E665DE77-4569-E60B-6744-DE6EF3A66FE4}"/>
+          </ac:cxnSpMkLst>
+        </pc:cxnChg>
+        <pc:cxnChg chg="mod">
+          <ac:chgData name="Bo Tang" userId="332dbdf67b1791cd" providerId="LiveId" clId="{42649226-576E-4E75-87D3-8E814BF1D774}" dt="2023-10-31T04:42:05.150" v="0" actId="165"/>
+          <ac:cxnSpMkLst>
+            <pc:docMk/>
+            <pc:sldMk cId="1066314704" sldId="260"/>
+            <ac:cxnSpMk id="63" creationId="{4694DE98-C819-6FF3-6854-87C55E0BF480}"/>
+          </ac:cxnSpMkLst>
+        </pc:cxnChg>
+        <pc:cxnChg chg="mod">
+          <ac:chgData name="Bo Tang" userId="332dbdf67b1791cd" providerId="LiveId" clId="{42649226-576E-4E75-87D3-8E814BF1D774}" dt="2023-10-31T04:42:05.150" v="0" actId="165"/>
+          <ac:cxnSpMkLst>
+            <pc:docMk/>
+            <pc:sldMk cId="1066314704" sldId="260"/>
+            <ac:cxnSpMk id="67" creationId="{2375FA48-CBDD-2C37-C1BA-A924BDAF21AF}"/>
+          </ac:cxnSpMkLst>
+        </pc:cxnChg>
+        <pc:cxnChg chg="mod">
+          <ac:chgData name="Bo Tang" userId="332dbdf67b1791cd" providerId="LiveId" clId="{42649226-576E-4E75-87D3-8E814BF1D774}" dt="2023-10-31T04:42:05.150" v="0" actId="165"/>
+          <ac:cxnSpMkLst>
+            <pc:docMk/>
+            <pc:sldMk cId="1066314704" sldId="260"/>
+            <ac:cxnSpMk id="68" creationId="{86E2AC25-FF11-E88A-2B05-63A2712C42DC}"/>
+          </ac:cxnSpMkLst>
+        </pc:cxnChg>
+        <pc:cxnChg chg="mod">
+          <ac:chgData name="Bo Tang" userId="332dbdf67b1791cd" providerId="LiveId" clId="{42649226-576E-4E75-87D3-8E814BF1D774}" dt="2023-10-31T04:42:05.150" v="0" actId="165"/>
+          <ac:cxnSpMkLst>
+            <pc:docMk/>
+            <pc:sldMk cId="1066314704" sldId="260"/>
+            <ac:cxnSpMk id="69" creationId="{B998AFF8-67B2-C773-8EB1-FFE56CF1DC16}"/>
+          </ac:cxnSpMkLst>
+        </pc:cxnChg>
+        <pc:cxnChg chg="mod">
+          <ac:chgData name="Bo Tang" userId="332dbdf67b1791cd" providerId="LiveId" clId="{42649226-576E-4E75-87D3-8E814BF1D774}" dt="2023-10-31T04:42:05.150" v="0" actId="165"/>
+          <ac:cxnSpMkLst>
+            <pc:docMk/>
+            <pc:sldMk cId="1066314704" sldId="260"/>
+            <ac:cxnSpMk id="70" creationId="{26E37D64-866C-D15F-900B-A77BA9385083}"/>
+          </ac:cxnSpMkLst>
+        </pc:cxnChg>
+        <pc:cxnChg chg="mod">
+          <ac:chgData name="Bo Tang" userId="332dbdf67b1791cd" providerId="LiveId" clId="{42649226-576E-4E75-87D3-8E814BF1D774}" dt="2023-10-31T04:42:05.150" v="0" actId="165"/>
+          <ac:cxnSpMkLst>
+            <pc:docMk/>
+            <pc:sldMk cId="1066314704" sldId="260"/>
+            <ac:cxnSpMk id="71" creationId="{D2F3FDF8-2312-AB59-8B22-08ABB82EBC66}"/>
+          </ac:cxnSpMkLst>
+        </pc:cxnChg>
+        <pc:cxnChg chg="mod">
+          <ac:chgData name="Bo Tang" userId="332dbdf67b1791cd" providerId="LiveId" clId="{42649226-576E-4E75-87D3-8E814BF1D774}" dt="2023-10-31T04:42:05.150" v="0" actId="165"/>
+          <ac:cxnSpMkLst>
+            <pc:docMk/>
+            <pc:sldMk cId="1066314704" sldId="260"/>
+            <ac:cxnSpMk id="72" creationId="{0D750EC8-F09F-37D9-7998-4A84B56FA5E5}"/>
+          </ac:cxnSpMkLst>
+        </pc:cxnChg>
+        <pc:cxnChg chg="mod">
+          <ac:chgData name="Bo Tang" userId="332dbdf67b1791cd" providerId="LiveId" clId="{42649226-576E-4E75-87D3-8E814BF1D774}" dt="2023-10-31T04:42:05.150" v="0" actId="165"/>
+          <ac:cxnSpMkLst>
+            <pc:docMk/>
+            <pc:sldMk cId="1066314704" sldId="260"/>
+            <ac:cxnSpMk id="73" creationId="{1482513C-BE10-9E37-C0A4-DD13B6863F7C}"/>
+          </ac:cxnSpMkLst>
+        </pc:cxnChg>
+        <pc:cxnChg chg="mod">
+          <ac:chgData name="Bo Tang" userId="332dbdf67b1791cd" providerId="LiveId" clId="{42649226-576E-4E75-87D3-8E814BF1D774}" dt="2023-10-31T04:42:05.150" v="0" actId="165"/>
+          <ac:cxnSpMkLst>
+            <pc:docMk/>
+            <pc:sldMk cId="1066314704" sldId="260"/>
+            <ac:cxnSpMk id="80" creationId="{EBC7F6E8-B117-FB64-3C22-A4D2FD2CF40C}"/>
+          </ac:cxnSpMkLst>
+        </pc:cxnChg>
+        <pc:cxnChg chg="mod">
+          <ac:chgData name="Bo Tang" userId="332dbdf67b1791cd" providerId="LiveId" clId="{42649226-576E-4E75-87D3-8E814BF1D774}" dt="2023-10-31T04:42:05.150" v="0" actId="165"/>
+          <ac:cxnSpMkLst>
+            <pc:docMk/>
+            <pc:sldMk cId="1066314704" sldId="260"/>
+            <ac:cxnSpMk id="81" creationId="{10EDA9FE-A322-8E0B-6012-C86C6B5E4FC9}"/>
+          </ac:cxnSpMkLst>
+        </pc:cxnChg>
+        <pc:cxnChg chg="mod">
+          <ac:chgData name="Bo Tang" userId="332dbdf67b1791cd" providerId="LiveId" clId="{42649226-576E-4E75-87D3-8E814BF1D774}" dt="2023-10-31T04:42:05.150" v="0" actId="165"/>
+          <ac:cxnSpMkLst>
+            <pc:docMk/>
+            <pc:sldMk cId="1066314704" sldId="260"/>
+            <ac:cxnSpMk id="82" creationId="{96EC9193-B068-78B1-7167-BCC7AD72447B}"/>
+          </ac:cxnSpMkLst>
+        </pc:cxnChg>
+        <pc:cxnChg chg="mod">
+          <ac:chgData name="Bo Tang" userId="332dbdf67b1791cd" providerId="LiveId" clId="{42649226-576E-4E75-87D3-8E814BF1D774}" dt="2023-10-31T04:42:23.339" v="1" actId="165"/>
+          <ac:cxnSpMkLst>
+            <pc:docMk/>
+            <pc:sldMk cId="1066314704" sldId="260"/>
+            <ac:cxnSpMk id="94" creationId="{9DA69D87-E46B-16E3-BE20-B3DCE8C60DE7}"/>
+          </ac:cxnSpMkLst>
+        </pc:cxnChg>
+        <pc:cxnChg chg="mod">
+          <ac:chgData name="Bo Tang" userId="332dbdf67b1791cd" providerId="LiveId" clId="{42649226-576E-4E75-87D3-8E814BF1D774}" dt="2023-10-31T04:42:23.339" v="1" actId="165"/>
+          <ac:cxnSpMkLst>
+            <pc:docMk/>
+            <pc:sldMk cId="1066314704" sldId="260"/>
+            <ac:cxnSpMk id="96" creationId="{DDA5477D-39CB-2E26-42AC-FA93AD36D38A}"/>
+          </ac:cxnSpMkLst>
+        </pc:cxnChg>
+        <pc:cxnChg chg="mod">
+          <ac:chgData name="Bo Tang" userId="332dbdf67b1791cd" providerId="LiveId" clId="{42649226-576E-4E75-87D3-8E814BF1D774}" dt="2023-10-31T04:43:19.063" v="16" actId="164"/>
+          <ac:cxnSpMkLst>
+            <pc:docMk/>
+            <pc:sldMk cId="1066314704" sldId="260"/>
+            <ac:cxnSpMk id="105" creationId="{839804FB-8E3D-0781-2B00-F285436EC196}"/>
+          </ac:cxnSpMkLst>
+        </pc:cxnChg>
+        <pc:cxnChg chg="mod">
+          <ac:chgData name="Bo Tang" userId="332dbdf67b1791cd" providerId="LiveId" clId="{42649226-576E-4E75-87D3-8E814BF1D774}" dt="2023-10-31T04:43:19.063" v="16" actId="164"/>
+          <ac:cxnSpMkLst>
+            <pc:docMk/>
+            <pc:sldMk cId="1066314704" sldId="260"/>
+            <ac:cxnSpMk id="107" creationId="{4DE879F3-6BB0-CE07-42F4-B6B9494FA45A}"/>
+          </ac:cxnSpMkLst>
+        </pc:cxnChg>
+        <pc:cxnChg chg="mod">
+          <ac:chgData name="Bo Tang" userId="332dbdf67b1791cd" providerId="LiveId" clId="{42649226-576E-4E75-87D3-8E814BF1D774}" dt="2023-10-31T04:42:05.150" v="0" actId="165"/>
+          <ac:cxnSpMkLst>
+            <pc:docMk/>
+            <pc:sldMk cId="1066314704" sldId="260"/>
+            <ac:cxnSpMk id="127" creationId="{56594359-01B6-A48B-3777-A847CC325151}"/>
+          </ac:cxnSpMkLst>
+        </pc:cxnChg>
+        <pc:cxnChg chg="mod">
+          <ac:chgData name="Bo Tang" userId="332dbdf67b1791cd" providerId="LiveId" clId="{42649226-576E-4E75-87D3-8E814BF1D774}" dt="2023-10-31T04:42:05.150" v="0" actId="165"/>
+          <ac:cxnSpMkLst>
+            <pc:docMk/>
+            <pc:sldMk cId="1066314704" sldId="260"/>
+            <ac:cxnSpMk id="129" creationId="{D65F6102-0C66-E99C-1AF4-1AA92B7AF3DA}"/>
+          </ac:cxnSpMkLst>
+        </pc:cxnChg>
+        <pc:cxnChg chg="mod">
+          <ac:chgData name="Bo Tang" userId="332dbdf67b1791cd" providerId="LiveId" clId="{42649226-576E-4E75-87D3-8E814BF1D774}" dt="2023-10-31T04:42:05.150" v="0" actId="165"/>
+          <ac:cxnSpMkLst>
+            <pc:docMk/>
+            <pc:sldMk cId="1066314704" sldId="260"/>
+            <ac:cxnSpMk id="138" creationId="{2972C7C1-9350-4987-CA8C-CBBB58A72446}"/>
+          </ac:cxnSpMkLst>
+        </pc:cxnChg>
+        <pc:cxnChg chg="mod">
+          <ac:chgData name="Bo Tang" userId="332dbdf67b1791cd" providerId="LiveId" clId="{42649226-576E-4E75-87D3-8E814BF1D774}" dt="2023-10-31T04:42:05.150" v="0" actId="165"/>
+          <ac:cxnSpMkLst>
+            <pc:docMk/>
+            <pc:sldMk cId="1066314704" sldId="260"/>
+            <ac:cxnSpMk id="140" creationId="{350D2329-F29D-6D01-7CC4-A50D85A2AEEF}"/>
+          </ac:cxnSpMkLst>
+        </pc:cxnChg>
+        <pc:cxnChg chg="mod">
+          <ac:chgData name="Bo Tang" userId="332dbdf67b1791cd" providerId="LiveId" clId="{42649226-576E-4E75-87D3-8E814BF1D774}" dt="2023-10-31T04:42:05.150" v="0" actId="165"/>
+          <ac:cxnSpMkLst>
+            <pc:docMk/>
+            <pc:sldMk cId="1066314704" sldId="260"/>
+            <ac:cxnSpMk id="147" creationId="{CA37D1D3-5B2B-614C-ED87-5F7626B0ACAC}"/>
+          </ac:cxnSpMkLst>
+        </pc:cxnChg>
+        <pc:cxnChg chg="mod">
+          <ac:chgData name="Bo Tang" userId="332dbdf67b1791cd" providerId="LiveId" clId="{42649226-576E-4E75-87D3-8E814BF1D774}" dt="2023-10-31T04:42:05.150" v="0" actId="165"/>
+          <ac:cxnSpMkLst>
+            <pc:docMk/>
+            <pc:sldMk cId="1066314704" sldId="260"/>
+            <ac:cxnSpMk id="148" creationId="{3A5E7E30-D253-8163-7FAD-6CBC517F87FB}"/>
+          </ac:cxnSpMkLst>
+        </pc:cxnChg>
+        <pc:cxnChg chg="mod">
+          <ac:chgData name="Bo Tang" userId="332dbdf67b1791cd" providerId="LiveId" clId="{42649226-576E-4E75-87D3-8E814BF1D774}" dt="2023-10-31T04:42:05.150" v="0" actId="165"/>
+          <ac:cxnSpMkLst>
+            <pc:docMk/>
+            <pc:sldMk cId="1066314704" sldId="260"/>
+            <ac:cxnSpMk id="161" creationId="{DCA2238B-1D88-64C9-71A8-9909FC302C33}"/>
+          </ac:cxnSpMkLst>
+        </pc:cxnChg>
+        <pc:cxnChg chg="mod">
+          <ac:chgData name="Bo Tang" userId="332dbdf67b1791cd" providerId="LiveId" clId="{42649226-576E-4E75-87D3-8E814BF1D774}" dt="2023-10-31T04:42:05.150" v="0" actId="165"/>
+          <ac:cxnSpMkLst>
+            <pc:docMk/>
+            <pc:sldMk cId="1066314704" sldId="260"/>
+            <ac:cxnSpMk id="162" creationId="{2302AEAB-5601-F59F-186D-2D6C11731220}"/>
+          </ac:cxnSpMkLst>
+        </pc:cxnChg>
+        <pc:cxnChg chg="mod">
+          <ac:chgData name="Bo Tang" userId="332dbdf67b1791cd" providerId="LiveId" clId="{42649226-576E-4E75-87D3-8E814BF1D774}" dt="2023-10-31T04:42:05.150" v="0" actId="165"/>
+          <ac:cxnSpMkLst>
+            <pc:docMk/>
+            <pc:sldMk cId="1066314704" sldId="260"/>
+            <ac:cxnSpMk id="166" creationId="{EB35679A-AC70-2199-2FB3-4ABE69C446EB}"/>
+          </ac:cxnSpMkLst>
+        </pc:cxnChg>
+        <pc:cxnChg chg="mod">
+          <ac:chgData name="Bo Tang" userId="332dbdf67b1791cd" providerId="LiveId" clId="{42649226-576E-4E75-87D3-8E814BF1D774}" dt="2023-10-31T04:42:05.150" v="0" actId="165"/>
+          <ac:cxnSpMkLst>
+            <pc:docMk/>
+            <pc:sldMk cId="1066314704" sldId="260"/>
+            <ac:cxnSpMk id="167" creationId="{93637860-2960-4384-0EAC-17C5F83E5005}"/>
+          </ac:cxnSpMkLst>
+        </pc:cxnChg>
+        <pc:cxnChg chg="mod">
+          <ac:chgData name="Bo Tang" userId="332dbdf67b1791cd" providerId="LiveId" clId="{42649226-576E-4E75-87D3-8E814BF1D774}" dt="2023-10-31T04:42:05.150" v="0" actId="165"/>
+          <ac:cxnSpMkLst>
+            <pc:docMk/>
+            <pc:sldMk cId="1066314704" sldId="260"/>
+            <ac:cxnSpMk id="168" creationId="{B835B154-95D6-E665-1FA3-4EF2E54CAA87}"/>
+          </ac:cxnSpMkLst>
+        </pc:cxnChg>
+        <pc:cxnChg chg="mod">
+          <ac:chgData name="Bo Tang" userId="332dbdf67b1791cd" providerId="LiveId" clId="{42649226-576E-4E75-87D3-8E814BF1D774}" dt="2023-10-31T04:42:05.150" v="0" actId="165"/>
+          <ac:cxnSpMkLst>
+            <pc:docMk/>
+            <pc:sldMk cId="1066314704" sldId="260"/>
+            <ac:cxnSpMk id="169" creationId="{86E6A45F-2D06-2059-3084-9255778C4600}"/>
+          </ac:cxnSpMkLst>
+        </pc:cxnChg>
+        <pc:cxnChg chg="mod">
+          <ac:chgData name="Bo Tang" userId="332dbdf67b1791cd" providerId="LiveId" clId="{42649226-576E-4E75-87D3-8E814BF1D774}" dt="2023-10-31T04:42:05.150" v="0" actId="165"/>
+          <ac:cxnSpMkLst>
+            <pc:docMk/>
+            <pc:sldMk cId="1066314704" sldId="260"/>
+            <ac:cxnSpMk id="170" creationId="{EB6B9E89-F4B5-78BF-A556-F224FD074D66}"/>
+          </ac:cxnSpMkLst>
+        </pc:cxnChg>
+        <pc:cxnChg chg="mod">
+          <ac:chgData name="Bo Tang" userId="332dbdf67b1791cd" providerId="LiveId" clId="{42649226-576E-4E75-87D3-8E814BF1D774}" dt="2023-10-31T04:42:05.150" v="0" actId="165"/>
+          <ac:cxnSpMkLst>
+            <pc:docMk/>
+            <pc:sldMk cId="1066314704" sldId="260"/>
+            <ac:cxnSpMk id="171" creationId="{C1E0C64A-6EB9-6F26-900B-5F33A55EF9E3}"/>
+          </ac:cxnSpMkLst>
+        </pc:cxnChg>
+        <pc:cxnChg chg="mod">
+          <ac:chgData name="Bo Tang" userId="332dbdf67b1791cd" providerId="LiveId" clId="{42649226-576E-4E75-87D3-8E814BF1D774}" dt="2023-10-31T04:42:05.150" v="0" actId="165"/>
+          <ac:cxnSpMkLst>
+            <pc:docMk/>
+            <pc:sldMk cId="1066314704" sldId="260"/>
+            <ac:cxnSpMk id="172" creationId="{E1CE6F91-821A-C42C-CFDA-48F91AD51B44}"/>
+          </ac:cxnSpMkLst>
+        </pc:cxnChg>
+        <pc:cxnChg chg="mod">
+          <ac:chgData name="Bo Tang" userId="332dbdf67b1791cd" providerId="LiveId" clId="{42649226-576E-4E75-87D3-8E814BF1D774}" dt="2023-10-31T04:42:05.150" v="0" actId="165"/>
+          <ac:cxnSpMkLst>
+            <pc:docMk/>
+            <pc:sldMk cId="1066314704" sldId="260"/>
+            <ac:cxnSpMk id="179" creationId="{08EA5F8E-6D6D-5975-7DEA-20FDD8AD5428}"/>
+          </ac:cxnSpMkLst>
+        </pc:cxnChg>
+        <pc:cxnChg chg="mod">
+          <ac:chgData name="Bo Tang" userId="332dbdf67b1791cd" providerId="LiveId" clId="{42649226-576E-4E75-87D3-8E814BF1D774}" dt="2023-10-31T04:42:05.150" v="0" actId="165"/>
+          <ac:cxnSpMkLst>
+            <pc:docMk/>
+            <pc:sldMk cId="1066314704" sldId="260"/>
+            <ac:cxnSpMk id="180" creationId="{52335E3E-594A-294C-0D5D-19405FFC300B}"/>
+          </ac:cxnSpMkLst>
+        </pc:cxnChg>
+        <pc:cxnChg chg="mod">
+          <ac:chgData name="Bo Tang" userId="332dbdf67b1791cd" providerId="LiveId" clId="{42649226-576E-4E75-87D3-8E814BF1D774}" dt="2023-10-31T04:42:05.150" v="0" actId="165"/>
+          <ac:cxnSpMkLst>
+            <pc:docMk/>
+            <pc:sldMk cId="1066314704" sldId="260"/>
+            <ac:cxnSpMk id="181" creationId="{DD7B5888-38B1-572A-068A-31F8B67C8C74}"/>
+          </ac:cxnSpMkLst>
+        </pc:cxnChg>
+        <pc:cxnChg chg="mod">
+          <ac:chgData name="Bo Tang" userId="332dbdf67b1791cd" providerId="LiveId" clId="{42649226-576E-4E75-87D3-8E814BF1D774}" dt="2023-10-31T04:42:23.339" v="1" actId="165"/>
+          <ac:cxnSpMkLst>
+            <pc:docMk/>
+            <pc:sldMk cId="1066314704" sldId="260"/>
+            <ac:cxnSpMk id="190" creationId="{DB8BE62E-BBAA-3D21-5145-A95DDF5A2A0B}"/>
+          </ac:cxnSpMkLst>
+        </pc:cxnChg>
+        <pc:cxnChg chg="mod">
+          <ac:chgData name="Bo Tang" userId="332dbdf67b1791cd" providerId="LiveId" clId="{42649226-576E-4E75-87D3-8E814BF1D774}" dt="2023-10-31T04:42:23.339" v="1" actId="165"/>
+          <ac:cxnSpMkLst>
+            <pc:docMk/>
+            <pc:sldMk cId="1066314704" sldId="260"/>
+            <ac:cxnSpMk id="191" creationId="{17F685A7-6596-AE53-6FE1-D7D0F6D8B798}"/>
+          </ac:cxnSpMkLst>
+        </pc:cxnChg>
+        <pc:cxnChg chg="mod">
+          <ac:chgData name="Bo Tang" userId="332dbdf67b1791cd" providerId="LiveId" clId="{42649226-576E-4E75-87D3-8E814BF1D774}" dt="2023-10-31T04:42:23.339" v="1" actId="165"/>
+          <ac:cxnSpMkLst>
+            <pc:docMk/>
+            <pc:sldMk cId="1066314704" sldId="260"/>
+            <ac:cxnSpMk id="195" creationId="{5BF70E41-47BA-E47F-9FD8-6810563B0F15}"/>
+          </ac:cxnSpMkLst>
+        </pc:cxnChg>
+        <pc:cxnChg chg="mod">
+          <ac:chgData name="Bo Tang" userId="332dbdf67b1791cd" providerId="LiveId" clId="{42649226-576E-4E75-87D3-8E814BF1D774}" dt="2023-10-31T04:42:23.339" v="1" actId="165"/>
+          <ac:cxnSpMkLst>
+            <pc:docMk/>
+            <pc:sldMk cId="1066314704" sldId="260"/>
+            <ac:cxnSpMk id="196" creationId="{48E8B61D-C63B-A3D5-769A-7C16360CDC27}"/>
+          </ac:cxnSpMkLst>
+        </pc:cxnChg>
+        <pc:cxnChg chg="mod">
+          <ac:chgData name="Bo Tang" userId="332dbdf67b1791cd" providerId="LiveId" clId="{42649226-576E-4E75-87D3-8E814BF1D774}" dt="2023-10-31T04:42:23.339" v="1" actId="165"/>
+          <ac:cxnSpMkLst>
+            <pc:docMk/>
+            <pc:sldMk cId="1066314704" sldId="260"/>
+            <ac:cxnSpMk id="197" creationId="{0D25AF2C-6FB1-5AD0-8252-B8B6727A6B92}"/>
+          </ac:cxnSpMkLst>
+        </pc:cxnChg>
+        <pc:cxnChg chg="mod">
+          <ac:chgData name="Bo Tang" userId="332dbdf67b1791cd" providerId="LiveId" clId="{42649226-576E-4E75-87D3-8E814BF1D774}" dt="2023-10-31T04:42:23.339" v="1" actId="165"/>
+          <ac:cxnSpMkLst>
+            <pc:docMk/>
+            <pc:sldMk cId="1066314704" sldId="260"/>
+            <ac:cxnSpMk id="198" creationId="{72B208C6-2155-652D-756D-ACB2AC91B810}"/>
+          </ac:cxnSpMkLst>
+        </pc:cxnChg>
+        <pc:cxnChg chg="mod">
+          <ac:chgData name="Bo Tang" userId="332dbdf67b1791cd" providerId="LiveId" clId="{42649226-576E-4E75-87D3-8E814BF1D774}" dt="2023-10-31T04:42:23.339" v="1" actId="165"/>
+          <ac:cxnSpMkLst>
+            <pc:docMk/>
+            <pc:sldMk cId="1066314704" sldId="260"/>
+            <ac:cxnSpMk id="199" creationId="{FD11B4BE-D621-2FD9-2893-60B8BC6B8E03}"/>
+          </ac:cxnSpMkLst>
+        </pc:cxnChg>
+        <pc:cxnChg chg="mod">
+          <ac:chgData name="Bo Tang" userId="332dbdf67b1791cd" providerId="LiveId" clId="{42649226-576E-4E75-87D3-8E814BF1D774}" dt="2023-10-31T04:42:23.339" v="1" actId="165"/>
+          <ac:cxnSpMkLst>
+            <pc:docMk/>
+            <pc:sldMk cId="1066314704" sldId="260"/>
+            <ac:cxnSpMk id="200" creationId="{CDAA52E4-ED77-0E86-BA54-535162D5EEDD}"/>
+          </ac:cxnSpMkLst>
+        </pc:cxnChg>
+        <pc:cxnChg chg="mod">
+          <ac:chgData name="Bo Tang" userId="332dbdf67b1791cd" providerId="LiveId" clId="{42649226-576E-4E75-87D3-8E814BF1D774}" dt="2023-10-31T04:42:23.339" v="1" actId="165"/>
+          <ac:cxnSpMkLst>
+            <pc:docMk/>
+            <pc:sldMk cId="1066314704" sldId="260"/>
+            <ac:cxnSpMk id="201" creationId="{D797A680-54ED-303F-2224-F1ACD75A032C}"/>
+          </ac:cxnSpMkLst>
+        </pc:cxnChg>
+        <pc:cxnChg chg="mod">
+          <ac:chgData name="Bo Tang" userId="332dbdf67b1791cd" providerId="LiveId" clId="{42649226-576E-4E75-87D3-8E814BF1D774}" dt="2023-10-31T04:42:23.339" v="1" actId="165"/>
+          <ac:cxnSpMkLst>
+            <pc:docMk/>
+            <pc:sldMk cId="1066314704" sldId="260"/>
+            <ac:cxnSpMk id="208" creationId="{110AB156-F39B-40D2-E516-8D0CD2CEEBD2}"/>
+          </ac:cxnSpMkLst>
+        </pc:cxnChg>
+        <pc:cxnChg chg="mod">
+          <ac:chgData name="Bo Tang" userId="332dbdf67b1791cd" providerId="LiveId" clId="{42649226-576E-4E75-87D3-8E814BF1D774}" dt="2023-10-31T04:42:23.339" v="1" actId="165"/>
+          <ac:cxnSpMkLst>
+            <pc:docMk/>
+            <pc:sldMk cId="1066314704" sldId="260"/>
+            <ac:cxnSpMk id="209" creationId="{233F654D-DD36-471B-E072-36395AB9BEA3}"/>
+          </ac:cxnSpMkLst>
+        </pc:cxnChg>
+        <pc:cxnChg chg="mod">
+          <ac:chgData name="Bo Tang" userId="332dbdf67b1791cd" providerId="LiveId" clId="{42649226-576E-4E75-87D3-8E814BF1D774}" dt="2023-10-31T04:42:23.339" v="1" actId="165"/>
+          <ac:cxnSpMkLst>
+            <pc:docMk/>
+            <pc:sldMk cId="1066314704" sldId="260"/>
+            <ac:cxnSpMk id="210" creationId="{A00A0B7F-0C3C-7BD2-5CF0-89B3AEE0E26A}"/>
+          </ac:cxnSpMkLst>
+        </pc:cxnChg>
+        <pc:cxnChg chg="add del mod">
+          <ac:chgData name="Bo Tang" userId="332dbdf67b1791cd" providerId="LiveId" clId="{42649226-576E-4E75-87D3-8E814BF1D774}" dt="2023-10-31T04:43:22.119" v="20" actId="478"/>
+          <ac:cxnSpMkLst>
+            <pc:docMk/>
+            <pc:sldMk cId="1066314704" sldId="260"/>
+            <ac:cxnSpMk id="211" creationId="{FC43EC6A-FE60-92E1-EF53-6C1AC6EB05C0}"/>
+          </ac:cxnSpMkLst>
+        </pc:cxnChg>
+        <pc:cxnChg chg="add mod">
+          <ac:chgData name="Bo Tang" userId="332dbdf67b1791cd" providerId="LiveId" clId="{42649226-576E-4E75-87D3-8E814BF1D774}" dt="2023-10-31T04:45:10.125" v="47" actId="164"/>
+          <ac:cxnSpMkLst>
+            <pc:docMk/>
+            <pc:sldMk cId="1066314704" sldId="260"/>
+            <ac:cxnSpMk id="214" creationId="{64F77F91-823D-08D5-55E9-AB8A2C113723}"/>
+          </ac:cxnSpMkLst>
+        </pc:cxnChg>
+        <pc:cxnChg chg="add del mod">
+          <ac:chgData name="Bo Tang" userId="332dbdf67b1791cd" providerId="LiveId" clId="{42649226-576E-4E75-87D3-8E814BF1D774}" dt="2023-10-31T04:44:23.098" v="38"/>
+          <ac:cxnSpMkLst>
+            <pc:docMk/>
+            <pc:sldMk cId="1066314704" sldId="260"/>
+            <ac:cxnSpMk id="217" creationId="{F8CF1287-DF76-60CB-734F-AD54C78E1EDC}"/>
+          </ac:cxnSpMkLst>
+        </pc:cxnChg>
+        <pc:cxnChg chg="add mod">
+          <ac:chgData name="Bo Tang" userId="332dbdf67b1791cd" providerId="LiveId" clId="{42649226-576E-4E75-87D3-8E814BF1D774}" dt="2023-10-31T04:45:54.413" v="52" actId="1038"/>
+          <ac:cxnSpMkLst>
+            <pc:docMk/>
+            <pc:sldMk cId="1066314704" sldId="260"/>
+            <ac:cxnSpMk id="220" creationId="{BDA9E21A-ADA2-54EE-D9F0-A39FD2847857}"/>
+          </ac:cxnSpMkLst>
+        </pc:cxnChg>
       </pc:sldChg>
     </pc:docChg>
   </pc:docChgLst>
@@ -6901,7 +8717,7 @@
           <a:p>
             <a:fld id="{B1B9AF34-9AC4-45FB-A759-451273123E49}" type="datetimeFigureOut">
               <a:rPr lang="en-US" smtClean="0"/>
-              <a:t>10/29/2023</a:t>
+              <a:t>10/31/2023</a:t>
             </a:fld>
             <a:endParaRPr lang="en-US"/>
           </a:p>
@@ -7099,7 +8915,7 @@
           <a:p>
             <a:fld id="{B1B9AF34-9AC4-45FB-A759-451273123E49}" type="datetimeFigureOut">
               <a:rPr lang="en-US" smtClean="0"/>
-              <a:t>10/29/2023</a:t>
+              <a:t>10/31/2023</a:t>
             </a:fld>
             <a:endParaRPr lang="en-US"/>
           </a:p>
@@ -7307,7 +9123,7 @@
           <a:p>
             <a:fld id="{B1B9AF34-9AC4-45FB-A759-451273123E49}" type="datetimeFigureOut">
               <a:rPr lang="en-US" smtClean="0"/>
-              <a:t>10/29/2023</a:t>
+              <a:t>10/31/2023</a:t>
             </a:fld>
             <a:endParaRPr lang="en-US"/>
           </a:p>
@@ -7505,7 +9321,7 @@
           <a:p>
             <a:fld id="{B1B9AF34-9AC4-45FB-A759-451273123E49}" type="datetimeFigureOut">
               <a:rPr lang="en-US" smtClean="0"/>
-              <a:t>10/29/2023</a:t>
+              <a:t>10/31/2023</a:t>
             </a:fld>
             <a:endParaRPr lang="en-US"/>
           </a:p>
@@ -7780,7 +9596,7 @@
           <a:p>
             <a:fld id="{B1B9AF34-9AC4-45FB-A759-451273123E49}" type="datetimeFigureOut">
               <a:rPr lang="en-US" smtClean="0"/>
-              <a:t>10/29/2023</a:t>
+              <a:t>10/31/2023</a:t>
             </a:fld>
             <a:endParaRPr lang="en-US"/>
           </a:p>
@@ -8045,7 +9861,7 @@
           <a:p>
             <a:fld id="{B1B9AF34-9AC4-45FB-A759-451273123E49}" type="datetimeFigureOut">
               <a:rPr lang="en-US" smtClean="0"/>
-              <a:t>10/29/2023</a:t>
+              <a:t>10/31/2023</a:t>
             </a:fld>
             <a:endParaRPr lang="en-US"/>
           </a:p>
@@ -8457,7 +10273,7 @@
           <a:p>
             <a:fld id="{B1B9AF34-9AC4-45FB-A759-451273123E49}" type="datetimeFigureOut">
               <a:rPr lang="en-US" smtClean="0"/>
-              <a:t>10/29/2023</a:t>
+              <a:t>10/31/2023</a:t>
             </a:fld>
             <a:endParaRPr lang="en-US"/>
           </a:p>
@@ -8598,7 +10414,7 @@
           <a:p>
             <a:fld id="{B1B9AF34-9AC4-45FB-A759-451273123E49}" type="datetimeFigureOut">
               <a:rPr lang="en-US" smtClean="0"/>
-              <a:t>10/29/2023</a:t>
+              <a:t>10/31/2023</a:t>
             </a:fld>
             <a:endParaRPr lang="en-US"/>
           </a:p>
@@ -8711,7 +10527,7 @@
           <a:p>
             <a:fld id="{B1B9AF34-9AC4-45FB-A759-451273123E49}" type="datetimeFigureOut">
               <a:rPr lang="en-US" smtClean="0"/>
-              <a:t>10/29/2023</a:t>
+              <a:t>10/31/2023</a:t>
             </a:fld>
             <a:endParaRPr lang="en-US"/>
           </a:p>
@@ -9022,7 +10838,7 @@
           <a:p>
             <a:fld id="{B1B9AF34-9AC4-45FB-A759-451273123E49}" type="datetimeFigureOut">
               <a:rPr lang="en-US" smtClean="0"/>
-              <a:t>10/29/2023</a:t>
+              <a:t>10/31/2023</a:t>
             </a:fld>
             <a:endParaRPr lang="en-US"/>
           </a:p>
@@ -9310,7 +11126,7 @@
           <a:p>
             <a:fld id="{B1B9AF34-9AC4-45FB-A759-451273123E49}" type="datetimeFigureOut">
               <a:rPr lang="en-US" smtClean="0"/>
-              <a:t>10/29/2023</a:t>
+              <a:t>10/31/2023</a:t>
             </a:fld>
             <a:endParaRPr lang="en-US"/>
           </a:p>
@@ -9551,7 +11367,7 @@
           <a:p>
             <a:fld id="{B1B9AF34-9AC4-45FB-A759-451273123E49}" type="datetimeFigureOut">
               <a:rPr lang="en-US" smtClean="0"/>
-              <a:t>10/29/2023</a:t>
+              <a:t>10/31/2023</a:t>
             </a:fld>
             <a:endParaRPr lang="en-US"/>
           </a:p>
@@ -26895,10 +28711,10 @@
       </p:grpSpPr>
       <p:grpSp>
         <p:nvGrpSpPr>
-          <p:cNvPr id="185" name="Group 184">
+          <p:cNvPr id="226" name="Group 225">
             <a:extLst>
               <a:ext uri="{FF2B5EF4-FFF2-40B4-BE49-F238E27FC236}">
-                <a16:creationId xmlns:a16="http://schemas.microsoft.com/office/drawing/2014/main" id="{90E34DE8-96AF-BB4E-217C-AA693EAEB576}"/>
+                <a16:creationId xmlns:a16="http://schemas.microsoft.com/office/drawing/2014/main" id="{D92BA615-5915-C576-8EBA-9D7AAF2C39C7}"/>
               </a:ext>
             </a:extLst>
           </p:cNvPr>
@@ -26907,10 +28723,10 @@
         </p:nvGrpSpPr>
         <p:grpSpPr>
           <a:xfrm>
-            <a:off x="-2711497" y="155515"/>
-            <a:ext cx="17614994" cy="6546969"/>
-            <a:chOff x="-2711497" y="155515"/>
-            <a:chExt cx="17614994" cy="6546969"/>
+            <a:off x="-2540861" y="155515"/>
+            <a:ext cx="17793608" cy="6685300"/>
+            <a:chOff x="-2540861" y="155515"/>
+            <a:chExt cx="17793608" cy="6685300"/>
           </a:xfrm>
         </p:grpSpPr>
         <p:sp>
@@ -26927,7 +28743,7 @@
           </p:nvSpPr>
           <p:spPr>
             <a:xfrm>
-              <a:off x="-2711497" y="179417"/>
+              <a:off x="-2362247" y="317748"/>
               <a:ext cx="17614994" cy="6523067"/>
             </a:xfrm>
             <a:prstGeom prst="rect">
@@ -35982,10 +37798,10 @@
         </p:grpSp>
         <p:grpSp>
           <p:nvGrpSpPr>
-            <p:cNvPr id="2" name="Group 1">
+            <p:cNvPr id="225" name="Group 224">
               <a:extLst>
                 <a:ext uri="{FF2B5EF4-FFF2-40B4-BE49-F238E27FC236}">
-                  <a16:creationId xmlns:a16="http://schemas.microsoft.com/office/drawing/2014/main" id="{5221D28E-7E52-D35A-6E01-6278ADFE0D65}"/>
+                  <a16:creationId xmlns:a16="http://schemas.microsoft.com/office/drawing/2014/main" id="{49A80A30-5292-4E2A-B602-08774A41E31F}"/>
                 </a:ext>
               </a:extLst>
             </p:cNvPr>
@@ -35996,7 +37812,7 @@
             <a:xfrm>
               <a:off x="9131745" y="503729"/>
               <a:ext cx="5771752" cy="6119319"/>
-              <a:chOff x="3210124" y="456044"/>
+              <a:chOff x="9131745" y="503729"/>
               <a:chExt cx="5771752" cy="6119319"/>
             </a:xfrm>
           </p:grpSpPr>
@@ -36014,7 +37830,7 @@
             </p:nvGrpSpPr>
             <p:grpSpPr>
               <a:xfrm>
-                <a:off x="3210124" y="456044"/>
+                <a:off x="9131745" y="503729"/>
                 <a:ext cx="5771752" cy="6119319"/>
                 <a:chOff x="2390082" y="-21496"/>
                 <a:chExt cx="5771752" cy="6119319"/>
@@ -37757,7 +39573,7 @@
             </p:nvGrpSpPr>
             <p:grpSpPr>
               <a:xfrm>
-                <a:off x="4767202" y="2354184"/>
+                <a:off x="10688823" y="2401869"/>
                 <a:ext cx="2302970" cy="2307194"/>
                 <a:chOff x="3947160" y="1876644"/>
                 <a:chExt cx="2302970" cy="2307194"/>
@@ -37928,10 +39744,10 @@
           </p:grpSp>
           <p:grpSp>
             <p:nvGrpSpPr>
-              <p:cNvPr id="86" name="Group 85">
+              <p:cNvPr id="223" name="Group 222">
                 <a:extLst>
                   <a:ext uri="{FF2B5EF4-FFF2-40B4-BE49-F238E27FC236}">
-                    <a16:creationId xmlns:a16="http://schemas.microsoft.com/office/drawing/2014/main" id="{9047C4B8-26EC-A6A0-89A4-F808D52C0649}"/>
+                    <a16:creationId xmlns:a16="http://schemas.microsoft.com/office/drawing/2014/main" id="{101AC8AA-14B0-96F2-8804-255865035FFE}"/>
                   </a:ext>
                 </a:extLst>
               </p:cNvPr>
@@ -37940,20 +39756,831 @@
             </p:nvGrpSpPr>
             <p:grpSpPr>
               <a:xfrm>
-                <a:off x="3608388" y="1770167"/>
-                <a:ext cx="1893837" cy="1256545"/>
-                <a:chOff x="3608388" y="1770167"/>
-                <a:chExt cx="1893837" cy="1256545"/>
+                <a:off x="9530009" y="1775588"/>
+                <a:ext cx="1893837" cy="1298809"/>
+                <a:chOff x="9530009" y="1775588"/>
+                <a:chExt cx="1893837" cy="1298809"/>
               </a:xfrm>
             </p:grpSpPr>
-            <mc:AlternateContent xmlns:mc="http://schemas.openxmlformats.org/markup-compatibility/2006" xmlns:a14="http://schemas.microsoft.com/office/drawing/2010/main">
-              <mc:Choice Requires="a14">
+            <p:grpSp>
+              <p:nvGrpSpPr>
+                <p:cNvPr id="86" name="Group 85">
+                  <a:extLst>
+                    <a:ext uri="{FF2B5EF4-FFF2-40B4-BE49-F238E27FC236}">
+                      <a16:creationId xmlns:a16="http://schemas.microsoft.com/office/drawing/2014/main" id="{9047C4B8-26EC-A6A0-89A4-F808D52C0649}"/>
+                    </a:ext>
+                  </a:extLst>
+                </p:cNvPr>
+                <p:cNvGrpSpPr/>
+                <p:nvPr/>
+              </p:nvGrpSpPr>
+              <p:grpSpPr>
+                <a:xfrm>
+                  <a:off x="9530009" y="1817852"/>
+                  <a:ext cx="1893837" cy="1256545"/>
+                  <a:chOff x="3608388" y="1770167"/>
+                  <a:chExt cx="1893837" cy="1256545"/>
+                </a:xfrm>
+              </p:grpSpPr>
+              <mc:AlternateContent xmlns:mc="http://schemas.openxmlformats.org/markup-compatibility/2006" xmlns:a14="http://schemas.microsoft.com/office/drawing/2010/main">
+                <mc:Choice Requires="a14">
+                  <p:sp>
+                    <p:nvSpPr>
+                      <p:cNvPr id="99" name="TextBox 98">
+                        <a:extLst>
+                          <a:ext uri="{FF2B5EF4-FFF2-40B4-BE49-F238E27FC236}">
+                            <a16:creationId xmlns:a16="http://schemas.microsoft.com/office/drawing/2014/main" id="{F95796F9-EF8A-4C1E-F1DA-5CC35955FC2F}"/>
+                          </a:ext>
+                        </a:extLst>
+                      </p:cNvPr>
+                      <p:cNvSpPr txBox="1"/>
+                      <p:nvPr/>
+                    </p:nvSpPr>
+                    <p:spPr>
+                      <a:xfrm>
+                        <a:off x="3608388" y="2082421"/>
+                        <a:ext cx="1083502" cy="261610"/>
+                      </a:xfrm>
+                      <a:prstGeom prst="rect">
+                        <a:avLst/>
+                      </a:prstGeom>
+                      <a:noFill/>
+                    </p:spPr>
+                    <p:txBody>
+                      <a:bodyPr wrap="none" rtlCol="0">
+                        <a:spAutoFit/>
+                      </a:bodyPr>
+                      <a:lstStyle/>
+                      <a:p>
+                        <a:pPr/>
+                        <a14:m>
+                          <m:oMathPara xmlns:m="http://schemas.openxmlformats.org/officeDocument/2006/math">
+                            <m:oMathParaPr>
+                              <m:jc m:val="centerGroup"/>
+                            </m:oMathParaPr>
+                            <m:oMath xmlns:m="http://schemas.openxmlformats.org/officeDocument/2006/math">
+                              <m:r>
+                                <m:rPr>
+                                  <m:sty m:val="p"/>
+                                </m:rPr>
+                                <a:rPr lang="en-US" sz="1100" i="0" dirty="0" smtClean="0">
+                                  <a:solidFill>
+                                    <a:srgbClr val="00B050"/>
+                                  </a:solidFill>
+                                  <a:latin typeface="Cambria Math" panose="02040503050406030204" pitchFamily="18" charset="0"/>
+                                </a:rPr>
+                                <m:t>Solution</m:t>
+                              </m:r>
+                              <m:r>
+                                <a:rPr lang="en-US" sz="1100" b="0" i="0" dirty="0" smtClean="0">
+                                  <a:solidFill>
+                                    <a:srgbClr val="00B050"/>
+                                  </a:solidFill>
+                                  <a:latin typeface="Cambria Math" panose="02040503050406030204" pitchFamily="18" charset="0"/>
+                                </a:rPr>
+                                <m:t>:</m:t>
+                              </m:r>
+                              <m:d>
+                                <m:dPr>
+                                  <m:ctrlPr>
+                                    <a:rPr lang="en-US" sz="1100" b="0" i="1" dirty="0" smtClean="0">
+                                      <a:solidFill>
+                                        <a:srgbClr val="00B050"/>
+                                      </a:solidFill>
+                                      <a:latin typeface="Cambria Math" panose="02040503050406030204" pitchFamily="18" charset="0"/>
+                                    </a:rPr>
+                                  </m:ctrlPr>
+                                </m:dPr>
+                                <m:e>
+                                  <m:r>
+                                    <a:rPr lang="en-US" sz="1100" b="0" i="1" dirty="0" smtClean="0">
+                                      <a:solidFill>
+                                        <a:srgbClr val="00B050"/>
+                                      </a:solidFill>
+                                      <a:latin typeface="Cambria Math" panose="02040503050406030204" pitchFamily="18" charset="0"/>
+                                    </a:rPr>
+                                    <m:t>0,1</m:t>
+                                  </m:r>
+                                </m:e>
+                              </m:d>
+                            </m:oMath>
+                          </m:oMathPara>
+                        </a14:m>
+                        <a:endParaRPr lang="en-US" sz="1100" dirty="0">
+                          <a:solidFill>
+                            <a:srgbClr val="00B050"/>
+                          </a:solidFill>
+                        </a:endParaRPr>
+                      </a:p>
+                    </p:txBody>
+                  </p:sp>
+                </mc:Choice>
+                <mc:Fallback xmlns="">
+                  <p:sp>
+                    <p:nvSpPr>
+                      <p:cNvPr id="99" name="TextBox 98">
+                        <a:extLst>
+                          <a:ext uri="{FF2B5EF4-FFF2-40B4-BE49-F238E27FC236}">
+                            <a16:creationId xmlns:a16="http://schemas.microsoft.com/office/drawing/2014/main" id="{F95796F9-EF8A-4C1E-F1DA-5CC35955FC2F}"/>
+                          </a:ext>
+                        </a:extLst>
+                      </p:cNvPr>
+                      <p:cNvSpPr txBox="1">
+                        <a:spLocks noRot="1" noChangeAspect="1" noMove="1" noResize="1" noEditPoints="1" noAdjustHandles="1" noChangeArrowheads="1" noChangeShapeType="1" noTextEdit="1"/>
+                      </p:cNvSpPr>
+                      <p:nvPr/>
+                    </p:nvSpPr>
+                    <p:spPr>
+                      <a:xfrm>
+                        <a:off x="3608388" y="2082421"/>
+                        <a:ext cx="1083502" cy="261610"/>
+                      </a:xfrm>
+                      <a:prstGeom prst="rect">
+                        <a:avLst/>
+                      </a:prstGeom>
+                      <a:blipFill>
+                        <a:blip r:embed="rId44"/>
+                        <a:stretch>
+                          <a:fillRect/>
+                        </a:stretch>
+                      </a:blipFill>
+                    </p:spPr>
+                    <p:txBody>
+                      <a:bodyPr/>
+                      <a:lstStyle/>
+                      <a:p>
+                        <a:r>
+                          <a:rPr lang="en-US">
+                            <a:noFill/>
+                          </a:rPr>
+                          <a:t> </a:t>
+                        </a:r>
+                      </a:p>
+                    </p:txBody>
+                  </p:sp>
+                </mc:Fallback>
+              </mc:AlternateContent>
+              <mc:AlternateContent xmlns:mc="http://schemas.openxmlformats.org/markup-compatibility/2006" xmlns:a14="http://schemas.microsoft.com/office/drawing/2010/main">
+                <mc:Choice Requires="a14">
+                  <p:sp>
+                    <p:nvSpPr>
+                      <p:cNvPr id="100" name="TextBox 99">
+                        <a:extLst>
+                          <a:ext uri="{FF2B5EF4-FFF2-40B4-BE49-F238E27FC236}">
+                            <a16:creationId xmlns:a16="http://schemas.microsoft.com/office/drawing/2014/main" id="{AD5F2F86-6CC5-C2DD-BAB1-595E6ED7A0A8}"/>
+                          </a:ext>
+                        </a:extLst>
+                      </p:cNvPr>
+                      <p:cNvSpPr txBox="1"/>
+                      <p:nvPr/>
+                    </p:nvSpPr>
+                    <p:spPr>
+                      <a:xfrm>
+                        <a:off x="3972382" y="2765102"/>
+                        <a:ext cx="754887" cy="261610"/>
+                      </a:xfrm>
+                      <a:prstGeom prst="rect">
+                        <a:avLst/>
+                      </a:prstGeom>
+                      <a:noFill/>
+                    </p:spPr>
+                    <p:txBody>
+                      <a:bodyPr wrap="none" rtlCol="0">
+                        <a:spAutoFit/>
+                      </a:bodyPr>
+                      <a:lstStyle/>
+                      <a:p>
+                        <a:pPr/>
+                        <a14:m>
+                          <m:oMathPara xmlns:m="http://schemas.openxmlformats.org/officeDocument/2006/math">
+                            <m:oMathParaPr>
+                              <m:jc m:val="centerGroup"/>
+                            </m:oMathParaPr>
+                            <m:oMath xmlns:m="http://schemas.openxmlformats.org/officeDocument/2006/math">
+                              <m:d>
+                                <m:dPr>
+                                  <m:ctrlPr>
+                                    <a:rPr lang="en-US" sz="1100" b="0" i="1" dirty="0" smtClean="0">
+                                      <a:solidFill>
+                                        <a:srgbClr val="C00000"/>
+                                      </a:solidFill>
+                                      <a:latin typeface="Cambria Math" panose="02040503050406030204" pitchFamily="18" charset="0"/>
+                                    </a:rPr>
+                                  </m:ctrlPr>
+                                </m:dPr>
+                                <m:e>
+                                  <m:r>
+                                    <a:rPr lang="en-US" sz="1100" b="0" i="1" dirty="0" smtClean="0">
+                                      <a:solidFill>
+                                        <a:srgbClr val="C00000"/>
+                                      </a:solidFill>
+                                      <a:latin typeface="Cambria Math" panose="02040503050406030204" pitchFamily="18" charset="0"/>
+                                    </a:rPr>
+                                    <m:t>−1,−1</m:t>
+                                  </m:r>
+                                </m:e>
+                              </m:d>
+                            </m:oMath>
+                          </m:oMathPara>
+                        </a14:m>
+                        <a:endParaRPr lang="en-US" sz="1100" dirty="0">
+                          <a:solidFill>
+                            <a:srgbClr val="C00000"/>
+                          </a:solidFill>
+                        </a:endParaRPr>
+                      </a:p>
+                    </p:txBody>
+                  </p:sp>
+                </mc:Choice>
+                <mc:Fallback xmlns="">
+                  <p:sp>
+                    <p:nvSpPr>
+                      <p:cNvPr id="100" name="TextBox 99">
+                        <a:extLst>
+                          <a:ext uri="{FF2B5EF4-FFF2-40B4-BE49-F238E27FC236}">
+                            <a16:creationId xmlns:a16="http://schemas.microsoft.com/office/drawing/2014/main" id="{AD5F2F86-6CC5-C2DD-BAB1-595E6ED7A0A8}"/>
+                          </a:ext>
+                        </a:extLst>
+                      </p:cNvPr>
+                      <p:cNvSpPr txBox="1">
+                        <a:spLocks noRot="1" noChangeAspect="1" noMove="1" noResize="1" noEditPoints="1" noAdjustHandles="1" noChangeArrowheads="1" noChangeShapeType="1" noTextEdit="1"/>
+                      </p:cNvSpPr>
+                      <p:nvPr/>
+                    </p:nvSpPr>
+                    <p:spPr>
+                      <a:xfrm>
+                        <a:off x="3972382" y="2765102"/>
+                        <a:ext cx="754887" cy="261610"/>
+                      </a:xfrm>
+                      <a:prstGeom prst="rect">
+                        <a:avLst/>
+                      </a:prstGeom>
+                      <a:blipFill>
+                        <a:blip r:embed="rId45"/>
+                        <a:stretch>
+                          <a:fillRect/>
+                        </a:stretch>
+                      </a:blipFill>
+                    </p:spPr>
+                    <p:txBody>
+                      <a:bodyPr/>
+                      <a:lstStyle/>
+                      <a:p>
+                        <a:r>
+                          <a:rPr lang="en-US">
+                            <a:noFill/>
+                          </a:rPr>
+                          <a:t> </a:t>
+                        </a:r>
+                      </a:p>
+                    </p:txBody>
+                  </p:sp>
+                </mc:Fallback>
+              </mc:AlternateContent>
+              <mc:AlternateContent xmlns:mc="http://schemas.openxmlformats.org/markup-compatibility/2006" xmlns:a14="http://schemas.microsoft.com/office/drawing/2010/main">
+                <mc:Choice Requires="a14">
+                  <p:sp>
+                    <p:nvSpPr>
+                      <p:cNvPr id="101" name="TextBox 100">
+                        <a:extLst>
+                          <a:ext uri="{FF2B5EF4-FFF2-40B4-BE49-F238E27FC236}">
+                            <a16:creationId xmlns:a16="http://schemas.microsoft.com/office/drawing/2014/main" id="{901D8A5B-1E64-08D6-25A1-7C79E74C76F0}"/>
+                          </a:ext>
+                        </a:extLst>
+                      </p:cNvPr>
+                      <p:cNvSpPr txBox="1"/>
+                      <p:nvPr/>
+                    </p:nvSpPr>
+                    <p:spPr>
+                      <a:xfrm>
+                        <a:off x="4982467" y="1770167"/>
+                        <a:ext cx="519758" cy="261610"/>
+                      </a:xfrm>
+                      <a:prstGeom prst="rect">
+                        <a:avLst/>
+                      </a:prstGeom>
+                      <a:noFill/>
+                    </p:spPr>
+                    <p:txBody>
+                      <a:bodyPr wrap="none" rtlCol="0">
+                        <a:spAutoFit/>
+                      </a:bodyPr>
+                      <a:lstStyle/>
+                      <a:p>
+                        <a:pPr/>
+                        <a14:m>
+                          <m:oMathPara xmlns:m="http://schemas.openxmlformats.org/officeDocument/2006/math">
+                            <m:oMathParaPr>
+                              <m:jc m:val="centerGroup"/>
+                            </m:oMathParaPr>
+                            <m:oMath xmlns:m="http://schemas.openxmlformats.org/officeDocument/2006/math">
+                              <m:d>
+                                <m:dPr>
+                                  <m:ctrlPr>
+                                    <a:rPr lang="en-US" sz="1100" b="0" i="1" dirty="0" smtClean="0">
+                                      <a:solidFill>
+                                        <a:srgbClr val="C00000"/>
+                                      </a:solidFill>
+                                      <a:latin typeface="Cambria Math" panose="02040503050406030204" pitchFamily="18" charset="0"/>
+                                    </a:rPr>
+                                  </m:ctrlPr>
+                                </m:dPr>
+                                <m:e>
+                                  <m:r>
+                                    <a:rPr lang="en-US" sz="1100" b="0" i="1" dirty="0" smtClean="0">
+                                      <a:solidFill>
+                                        <a:srgbClr val="C00000"/>
+                                      </a:solidFill>
+                                      <a:latin typeface="Cambria Math" panose="02040503050406030204" pitchFamily="18" charset="0"/>
+                                    </a:rPr>
+                                    <m:t>1,1</m:t>
+                                  </m:r>
+                                </m:e>
+                              </m:d>
+                            </m:oMath>
+                          </m:oMathPara>
+                        </a14:m>
+                        <a:endParaRPr lang="en-US" sz="1100" dirty="0">
+                          <a:solidFill>
+                            <a:srgbClr val="C00000"/>
+                          </a:solidFill>
+                        </a:endParaRPr>
+                      </a:p>
+                    </p:txBody>
+                  </p:sp>
+                </mc:Choice>
+                <mc:Fallback xmlns="">
+                  <p:sp>
+                    <p:nvSpPr>
+                      <p:cNvPr id="101" name="TextBox 100">
+                        <a:extLst>
+                          <a:ext uri="{FF2B5EF4-FFF2-40B4-BE49-F238E27FC236}">
+                            <a16:creationId xmlns:a16="http://schemas.microsoft.com/office/drawing/2014/main" id="{901D8A5B-1E64-08D6-25A1-7C79E74C76F0}"/>
+                          </a:ext>
+                        </a:extLst>
+                      </p:cNvPr>
+                      <p:cNvSpPr txBox="1">
+                        <a:spLocks noRot="1" noChangeAspect="1" noMove="1" noResize="1" noEditPoints="1" noAdjustHandles="1" noChangeArrowheads="1" noChangeShapeType="1" noTextEdit="1"/>
+                      </p:cNvSpPr>
+                      <p:nvPr/>
+                    </p:nvSpPr>
+                    <p:spPr>
+                      <a:xfrm>
+                        <a:off x="4982467" y="1770167"/>
+                        <a:ext cx="519758" cy="261610"/>
+                      </a:xfrm>
+                      <a:prstGeom prst="rect">
+                        <a:avLst/>
+                      </a:prstGeom>
+                      <a:blipFill>
+                        <a:blip r:embed="rId46"/>
+                        <a:stretch>
+                          <a:fillRect/>
+                        </a:stretch>
+                      </a:blipFill>
+                    </p:spPr>
+                    <p:txBody>
+                      <a:bodyPr/>
+                      <a:lstStyle/>
+                      <a:p>
+                        <a:r>
+                          <a:rPr lang="en-US">
+                            <a:noFill/>
+                          </a:rPr>
+                          <a:t> </a:t>
+                        </a:r>
+                      </a:p>
+                    </p:txBody>
+                  </p:sp>
+                </mc:Fallback>
+              </mc:AlternateContent>
+              <p:grpSp>
+                <p:nvGrpSpPr>
+                  <p:cNvPr id="102" name="Group 101">
+                    <a:extLst>
+                      <a:ext uri="{FF2B5EF4-FFF2-40B4-BE49-F238E27FC236}">
+                        <a16:creationId xmlns:a16="http://schemas.microsoft.com/office/drawing/2014/main" id="{7F7C010E-0FD9-D0E5-22A6-274A1D1CFC90}"/>
+                      </a:ext>
+                    </a:extLst>
+                  </p:cNvPr>
+                  <p:cNvGrpSpPr/>
+                  <p:nvPr/>
+                </p:nvGrpSpPr>
+                <p:grpSpPr>
+                  <a:xfrm>
+                    <a:off x="4288545" y="2193639"/>
+                    <a:ext cx="1041586" cy="439162"/>
+                    <a:chOff x="4288545" y="2193639"/>
+                    <a:chExt cx="1041586" cy="439162"/>
+                  </a:xfrm>
+                </p:grpSpPr>
+                <p:grpSp>
+                  <p:nvGrpSpPr>
+                    <p:cNvPr id="103" name="Group 102">
+                      <a:extLst>
+                        <a:ext uri="{FF2B5EF4-FFF2-40B4-BE49-F238E27FC236}">
+                          <a16:creationId xmlns:a16="http://schemas.microsoft.com/office/drawing/2014/main" id="{6AC8E54E-AAA6-984C-07A2-9A857C306D2F}"/>
+                        </a:ext>
+                      </a:extLst>
+                    </p:cNvPr>
+                    <p:cNvGrpSpPr/>
+                    <p:nvPr/>
+                  </p:nvGrpSpPr>
+                  <p:grpSpPr>
+                    <a:xfrm rot="18900000">
+                      <a:off x="4288545" y="2501991"/>
+                      <a:ext cx="699757" cy="130810"/>
+                      <a:chOff x="4217257" y="2212303"/>
+                      <a:chExt cx="699757" cy="130810"/>
+                    </a:xfrm>
+                  </p:grpSpPr>
+                  <p:cxnSp>
+                    <p:nvCxnSpPr>
+                      <p:cNvPr id="107" name="Straight Arrow Connector 106">
+                        <a:extLst>
+                          <a:ext uri="{FF2B5EF4-FFF2-40B4-BE49-F238E27FC236}">
+                            <a16:creationId xmlns:a16="http://schemas.microsoft.com/office/drawing/2014/main" id="{4DE879F3-6BB0-CE07-42F4-B6B9494FA45A}"/>
+                          </a:ext>
+                        </a:extLst>
+                      </p:cNvPr>
+                      <p:cNvCxnSpPr>
+                        <a:cxnSpLocks/>
+                      </p:cNvCxnSpPr>
+                      <p:nvPr/>
+                    </p:nvCxnSpPr>
+                    <p:spPr>
+                      <a:xfrm rot="5400000">
+                        <a:off x="4516977" y="1995149"/>
+                        <a:ext cx="0" cy="599440"/>
+                      </a:xfrm>
+                      <a:prstGeom prst="straightConnector1">
+                        <a:avLst/>
+                      </a:prstGeom>
+                      <a:ln w="19050">
+                        <a:solidFill>
+                          <a:srgbClr val="C00000"/>
+                        </a:solidFill>
+                        <a:tailEnd type="triangle"/>
+                      </a:ln>
+                    </p:spPr>
+                    <p:style>
+                      <a:lnRef idx="1">
+                        <a:schemeClr val="accent1"/>
+                      </a:lnRef>
+                      <a:fillRef idx="0">
+                        <a:schemeClr val="accent1"/>
+                      </a:fillRef>
+                      <a:effectRef idx="0">
+                        <a:schemeClr val="accent1"/>
+                      </a:effectRef>
+                      <a:fontRef idx="minor">
+                        <a:schemeClr val="tx1"/>
+                      </a:fontRef>
+                    </p:style>
+                  </p:cxnSp>
+                  <p:sp>
+                    <p:nvSpPr>
+                      <p:cNvPr id="108" name="L-Shape 107">
+                        <a:extLst>
+                          <a:ext uri="{FF2B5EF4-FFF2-40B4-BE49-F238E27FC236}">
+                            <a16:creationId xmlns:a16="http://schemas.microsoft.com/office/drawing/2014/main" id="{C0963204-5C4D-5889-FFFA-B08AB437C56E}"/>
+                          </a:ext>
+                        </a:extLst>
+                      </p:cNvPr>
+                      <p:cNvSpPr/>
+                      <p:nvPr/>
+                    </p:nvSpPr>
+                    <p:spPr>
+                      <a:xfrm>
+                        <a:off x="4767119" y="2295851"/>
+                        <a:ext cx="45719" cy="47262"/>
+                      </a:xfrm>
+                      <a:prstGeom prst="corner">
+                        <a:avLst>
+                          <a:gd name="adj1" fmla="val 0"/>
+                          <a:gd name="adj2" fmla="val 0"/>
+                        </a:avLst>
+                      </a:prstGeom>
+                      <a:solidFill>
+                        <a:srgbClr val="C00000"/>
+                      </a:solidFill>
+                      <a:ln w="9525">
+                        <a:solidFill>
+                          <a:srgbClr val="C00000"/>
+                        </a:solidFill>
+                      </a:ln>
+                    </p:spPr>
+                    <p:style>
+                      <a:lnRef idx="2">
+                        <a:schemeClr val="accent1">
+                          <a:shade val="50000"/>
+                        </a:schemeClr>
+                      </a:lnRef>
+                      <a:fillRef idx="1">
+                        <a:schemeClr val="accent1"/>
+                      </a:fillRef>
+                      <a:effectRef idx="0">
+                        <a:schemeClr val="accent1"/>
+                      </a:effectRef>
+                      <a:fontRef idx="minor">
+                        <a:schemeClr val="lt1"/>
+                      </a:fontRef>
+                    </p:style>
+                    <p:txBody>
+                      <a:bodyPr rtlCol="0" anchor="ctr"/>
+                      <a:lstStyle/>
+                      <a:p>
+                        <a:pPr algn="ctr"/>
+                        <a:endParaRPr lang="en-US"/>
+                      </a:p>
+                    </p:txBody>
+                  </p:sp>
+                  <p:sp>
+                    <p:nvSpPr>
+                      <p:cNvPr id="109" name="Arc 108">
+                        <a:extLst>
+                          <a:ext uri="{FF2B5EF4-FFF2-40B4-BE49-F238E27FC236}">
+                            <a16:creationId xmlns:a16="http://schemas.microsoft.com/office/drawing/2014/main" id="{13606DDC-EB42-C085-B7C9-DB76912D8BA9}"/>
+                          </a:ext>
+                        </a:extLst>
+                      </p:cNvPr>
+                      <p:cNvSpPr/>
+                      <p:nvPr/>
+                    </p:nvSpPr>
+                    <p:spPr>
+                      <a:xfrm rot="18900000">
+                        <a:off x="4712175" y="2212303"/>
+                        <a:ext cx="204839" cy="117142"/>
+                      </a:xfrm>
+                      <a:prstGeom prst="arc">
+                        <a:avLst>
+                          <a:gd name="adj1" fmla="val 16200000"/>
+                          <a:gd name="adj2" fmla="val 1945207"/>
+                        </a:avLst>
+                      </a:prstGeom>
+                      <a:ln w="9525">
+                        <a:solidFill>
+                          <a:srgbClr val="C00000"/>
+                        </a:solidFill>
+                      </a:ln>
+                    </p:spPr>
+                    <p:style>
+                      <a:lnRef idx="1">
+                        <a:schemeClr val="accent1"/>
+                      </a:lnRef>
+                      <a:fillRef idx="0">
+                        <a:schemeClr val="accent1"/>
+                      </a:fillRef>
+                      <a:effectRef idx="0">
+                        <a:schemeClr val="accent1"/>
+                      </a:effectRef>
+                      <a:fontRef idx="minor">
+                        <a:schemeClr val="tx1"/>
+                      </a:fontRef>
+                    </p:style>
+                    <p:txBody>
+                      <a:bodyPr rtlCol="0" anchor="ctr"/>
+                      <a:lstStyle/>
+                      <a:p>
+                        <a:pPr algn="ctr"/>
+                        <a:endParaRPr lang="en-US"/>
+                      </a:p>
+                    </p:txBody>
+                  </p:sp>
+                </p:grpSp>
+                <p:grpSp>
+                  <p:nvGrpSpPr>
+                    <p:cNvPr id="104" name="Group 103">
+                      <a:extLst>
+                        <a:ext uri="{FF2B5EF4-FFF2-40B4-BE49-F238E27FC236}">
+                          <a16:creationId xmlns:a16="http://schemas.microsoft.com/office/drawing/2014/main" id="{B2A189D1-5B3C-921D-4F4C-3DDC75003362}"/>
+                        </a:ext>
+                      </a:extLst>
+                    </p:cNvPr>
+                    <p:cNvGrpSpPr/>
+                    <p:nvPr/>
+                  </p:nvGrpSpPr>
+                  <p:grpSpPr>
+                    <a:xfrm>
+                      <a:off x="4730691" y="2193639"/>
+                      <a:ext cx="599440" cy="236247"/>
+                      <a:chOff x="5815532" y="2082141"/>
+                      <a:chExt cx="599440" cy="236247"/>
+                    </a:xfrm>
+                  </p:grpSpPr>
+                  <p:cxnSp>
+                    <p:nvCxnSpPr>
+                      <p:cNvPr id="105" name="Straight Arrow Connector 104">
+                        <a:extLst>
+                          <a:ext uri="{FF2B5EF4-FFF2-40B4-BE49-F238E27FC236}">
+                            <a16:creationId xmlns:a16="http://schemas.microsoft.com/office/drawing/2014/main" id="{839804FB-8E3D-0781-2B00-F285436EC196}"/>
+                          </a:ext>
+                        </a:extLst>
+                      </p:cNvPr>
+                      <p:cNvCxnSpPr>
+                        <a:cxnSpLocks/>
+                      </p:cNvCxnSpPr>
+                      <p:nvPr/>
+                    </p:nvCxnSpPr>
+                    <p:spPr>
+                      <a:xfrm rot="13500000">
+                        <a:off x="6115252" y="1782421"/>
+                        <a:ext cx="0" cy="599440"/>
+                      </a:xfrm>
+                      <a:prstGeom prst="straightConnector1">
+                        <a:avLst/>
+                      </a:prstGeom>
+                      <a:ln w="19050">
+                        <a:solidFill>
+                          <a:srgbClr val="C00000"/>
+                        </a:solidFill>
+                        <a:tailEnd type="triangle"/>
+                      </a:ln>
+                    </p:spPr>
+                    <p:style>
+                      <a:lnRef idx="1">
+                        <a:schemeClr val="accent1"/>
+                      </a:lnRef>
+                      <a:fillRef idx="0">
+                        <a:schemeClr val="accent1"/>
+                      </a:fillRef>
+                      <a:effectRef idx="0">
+                        <a:schemeClr val="accent1"/>
+                      </a:effectRef>
+                      <a:fontRef idx="minor">
+                        <a:schemeClr val="tx1"/>
+                      </a:fontRef>
+                    </p:style>
+                  </p:cxnSp>
+                  <p:sp>
+                    <p:nvSpPr>
+                      <p:cNvPr id="106" name="L-Shape 105">
+                        <a:extLst>
+                          <a:ext uri="{FF2B5EF4-FFF2-40B4-BE49-F238E27FC236}">
+                            <a16:creationId xmlns:a16="http://schemas.microsoft.com/office/drawing/2014/main" id="{D177FB16-2756-2642-76AD-C02780A9D751}"/>
+                          </a:ext>
+                        </a:extLst>
+                      </p:cNvPr>
+                      <p:cNvSpPr/>
+                      <p:nvPr/>
+                    </p:nvSpPr>
+                    <p:spPr>
+                      <a:xfrm rot="13500000">
+                        <a:off x="5921398" y="2271898"/>
+                        <a:ext cx="45719" cy="47262"/>
+                      </a:xfrm>
+                      <a:prstGeom prst="corner">
+                        <a:avLst>
+                          <a:gd name="adj1" fmla="val 0"/>
+                          <a:gd name="adj2" fmla="val 0"/>
+                        </a:avLst>
+                      </a:prstGeom>
+                      <a:solidFill>
+                        <a:srgbClr val="C00000"/>
+                      </a:solidFill>
+                      <a:ln w="9525">
+                        <a:solidFill>
+                          <a:srgbClr val="C00000"/>
+                        </a:solidFill>
+                      </a:ln>
+                    </p:spPr>
+                    <p:style>
+                      <a:lnRef idx="2">
+                        <a:schemeClr val="accent1">
+                          <a:shade val="50000"/>
+                        </a:schemeClr>
+                      </a:lnRef>
+                      <a:fillRef idx="1">
+                        <a:schemeClr val="accent1"/>
+                      </a:fillRef>
+                      <a:effectRef idx="0">
+                        <a:schemeClr val="accent1"/>
+                      </a:effectRef>
+                      <a:fontRef idx="minor">
+                        <a:schemeClr val="lt1"/>
+                      </a:fontRef>
+                    </p:style>
+                    <p:txBody>
+                      <a:bodyPr rtlCol="0" anchor="ctr"/>
+                      <a:lstStyle/>
+                      <a:p>
+                        <a:pPr algn="ctr"/>
+                        <a:endParaRPr lang="en-US" dirty="0"/>
+                      </a:p>
+                    </p:txBody>
+                  </p:sp>
+                </p:grpSp>
+              </p:grpSp>
+            </p:grpSp>
+            <p:cxnSp>
+              <p:nvCxnSpPr>
+                <p:cNvPr id="214" name="Straight Arrow Connector 213">
+                  <a:extLst>
+                    <a:ext uri="{FF2B5EF4-FFF2-40B4-BE49-F238E27FC236}">
+                      <a16:creationId xmlns:a16="http://schemas.microsoft.com/office/drawing/2014/main" id="{64F77F91-823D-08D5-55E9-AB8A2C113723}"/>
+                    </a:ext>
+                  </a:extLst>
+                </p:cNvPr>
+                <p:cNvCxnSpPr>
+                  <a:cxnSpLocks/>
+                </p:cNvCxnSpPr>
+                <p:nvPr/>
+              </p:nvCxnSpPr>
+              <p:spPr>
+                <a:xfrm rot="10800000">
+                  <a:off x="10735484" y="1857653"/>
+                  <a:ext cx="0" cy="599440"/>
+                </a:xfrm>
+                <a:prstGeom prst="straightConnector1">
+                  <a:avLst/>
+                </a:prstGeom>
+                <a:ln w="19050">
+                  <a:solidFill>
+                    <a:srgbClr val="C00000"/>
+                  </a:solidFill>
+                  <a:tailEnd type="triangle"/>
+                </a:ln>
+              </p:spPr>
+              <p:style>
+                <a:lnRef idx="1">
+                  <a:schemeClr val="accent1"/>
+                </a:lnRef>
+                <a:fillRef idx="0">
+                  <a:schemeClr val="accent1"/>
+                </a:fillRef>
+                <a:effectRef idx="0">
+                  <a:schemeClr val="accent1"/>
+                </a:effectRef>
+                <a:fontRef idx="minor">
+                  <a:schemeClr val="tx1"/>
+                </a:fontRef>
+              </p:style>
+            </p:cxnSp>
+            <p:sp>
+              <p:nvSpPr>
+                <p:cNvPr id="215" name="L-Shape 214">
+                  <a:extLst>
+                    <a:ext uri="{FF2B5EF4-FFF2-40B4-BE49-F238E27FC236}">
+                      <a16:creationId xmlns:a16="http://schemas.microsoft.com/office/drawing/2014/main" id="{95213A5C-3930-4CE5-3209-CC1BBA3E1E18}"/>
+                    </a:ext>
+                  </a:extLst>
+                </p:cNvPr>
+                <p:cNvSpPr/>
+                <p:nvPr/>
+              </p:nvSpPr>
+              <p:spPr>
+                <a:xfrm rot="5400000">
+                  <a:off x="10689577" y="2398970"/>
+                  <a:ext cx="45719" cy="47262"/>
+                </a:xfrm>
+                <a:prstGeom prst="corner">
+                  <a:avLst>
+                    <a:gd name="adj1" fmla="val 0"/>
+                    <a:gd name="adj2" fmla="val 0"/>
+                  </a:avLst>
+                </a:prstGeom>
+                <a:solidFill>
+                  <a:srgbClr val="C00000"/>
+                </a:solidFill>
+                <a:ln w="9525">
+                  <a:solidFill>
+                    <a:srgbClr val="C00000"/>
+                  </a:solidFill>
+                </a:ln>
+              </p:spPr>
+              <p:style>
+                <a:lnRef idx="2">
+                  <a:schemeClr val="accent1">
+                    <a:shade val="50000"/>
+                  </a:schemeClr>
+                </a:lnRef>
+                <a:fillRef idx="1">
+                  <a:schemeClr val="accent1"/>
+                </a:fillRef>
+                <a:effectRef idx="0">
+                  <a:schemeClr val="accent1"/>
+                </a:effectRef>
+                <a:fontRef idx="minor">
+                  <a:schemeClr val="lt1"/>
+                </a:fontRef>
+              </p:style>
+              <p:txBody>
+                <a:bodyPr rtlCol="0" anchor="ctr"/>
+                <a:lstStyle/>
+                <a:p>
+                  <a:pPr algn="ctr"/>
+                  <a:endParaRPr lang="en-US"/>
+                </a:p>
+              </p:txBody>
+            </p:sp>
+            <mc:AlternateContent xmlns:mc="http://schemas.openxmlformats.org/markup-compatibility/2006">
+              <mc:Choice xmlns:a14="http://schemas.microsoft.com/office/drawing/2010/main" Requires="a14">
                 <p:sp>
                   <p:nvSpPr>
-                    <p:cNvPr id="99" name="TextBox 98">
+                    <p:cNvPr id="216" name="TextBox 215">
                       <a:extLst>
                         <a:ext uri="{FF2B5EF4-FFF2-40B4-BE49-F238E27FC236}">
-                          <a16:creationId xmlns:a16="http://schemas.microsoft.com/office/drawing/2014/main" id="{F95796F9-EF8A-4C1E-F1DA-5CC35955FC2F}"/>
+                          <a16:creationId xmlns:a16="http://schemas.microsoft.com/office/drawing/2014/main" id="{2F47485B-107C-53E4-D554-5AFFD4DEBEE2}"/>
                         </a:ext>
                       </a:extLst>
                     </p:cNvPr>
@@ -37962,262 +40589,7 @@
                   </p:nvSpPr>
                   <p:spPr>
                     <a:xfrm>
-                      <a:off x="3608388" y="2082421"/>
-                      <a:ext cx="1083502" cy="261610"/>
-                    </a:xfrm>
-                    <a:prstGeom prst="rect">
-                      <a:avLst/>
-                    </a:prstGeom>
-                    <a:noFill/>
-                  </p:spPr>
-                  <p:txBody>
-                    <a:bodyPr wrap="none" rtlCol="0">
-                      <a:spAutoFit/>
-                    </a:bodyPr>
-                    <a:lstStyle/>
-                    <a:p>
-                      <a:pPr/>
-                      <a14:m>
-                        <m:oMathPara xmlns:m="http://schemas.openxmlformats.org/officeDocument/2006/math">
-                          <m:oMathParaPr>
-                            <m:jc m:val="centerGroup"/>
-                          </m:oMathParaPr>
-                          <m:oMath xmlns:m="http://schemas.openxmlformats.org/officeDocument/2006/math">
-                            <m:r>
-                              <m:rPr>
-                                <m:sty m:val="p"/>
-                              </m:rPr>
-                              <a:rPr lang="en-US" sz="1100" i="0" dirty="0" smtClean="0">
-                                <a:solidFill>
-                                  <a:srgbClr val="00B050"/>
-                                </a:solidFill>
-                                <a:latin typeface="Cambria Math" panose="02040503050406030204" pitchFamily="18" charset="0"/>
-                              </a:rPr>
-                              <m:t>Solution</m:t>
-                            </m:r>
-                            <m:r>
-                              <a:rPr lang="en-US" sz="1100" b="0" i="0" dirty="0" smtClean="0">
-                                <a:solidFill>
-                                  <a:srgbClr val="00B050"/>
-                                </a:solidFill>
-                                <a:latin typeface="Cambria Math" panose="02040503050406030204" pitchFamily="18" charset="0"/>
-                              </a:rPr>
-                              <m:t>:</m:t>
-                            </m:r>
-                            <m:d>
-                              <m:dPr>
-                                <m:ctrlPr>
-                                  <a:rPr lang="en-US" sz="1100" b="0" i="1" dirty="0" smtClean="0">
-                                    <a:solidFill>
-                                      <a:srgbClr val="00B050"/>
-                                    </a:solidFill>
-                                    <a:latin typeface="Cambria Math" panose="02040503050406030204" pitchFamily="18" charset="0"/>
-                                  </a:rPr>
-                                </m:ctrlPr>
-                              </m:dPr>
-                              <m:e>
-                                <m:r>
-                                  <a:rPr lang="en-US" sz="1100" b="0" i="1" dirty="0" smtClean="0">
-                                    <a:solidFill>
-                                      <a:srgbClr val="00B050"/>
-                                    </a:solidFill>
-                                    <a:latin typeface="Cambria Math" panose="02040503050406030204" pitchFamily="18" charset="0"/>
-                                  </a:rPr>
-                                  <m:t>0,1</m:t>
-                                </m:r>
-                              </m:e>
-                            </m:d>
-                          </m:oMath>
-                        </m:oMathPara>
-                      </a14:m>
-                      <a:endParaRPr lang="en-US" sz="1100" dirty="0">
-                        <a:solidFill>
-                          <a:srgbClr val="00B050"/>
-                        </a:solidFill>
-                      </a:endParaRPr>
-                    </a:p>
-                  </p:txBody>
-                </p:sp>
-              </mc:Choice>
-              <mc:Fallback xmlns="">
-                <p:sp>
-                  <p:nvSpPr>
-                    <p:cNvPr id="99" name="TextBox 98">
-                      <a:extLst>
-                        <a:ext uri="{FF2B5EF4-FFF2-40B4-BE49-F238E27FC236}">
-                          <a16:creationId xmlns:a16="http://schemas.microsoft.com/office/drawing/2014/main" id="{F95796F9-EF8A-4C1E-F1DA-5CC35955FC2F}"/>
-                        </a:ext>
-                      </a:extLst>
-                    </p:cNvPr>
-                    <p:cNvSpPr txBox="1">
-                      <a:spLocks noRot="1" noChangeAspect="1" noMove="1" noResize="1" noEditPoints="1" noAdjustHandles="1" noChangeArrowheads="1" noChangeShapeType="1" noTextEdit="1"/>
-                    </p:cNvSpPr>
-                    <p:nvPr/>
-                  </p:nvSpPr>
-                  <p:spPr>
-                    <a:xfrm>
-                      <a:off x="3608388" y="2082421"/>
-                      <a:ext cx="1083502" cy="261610"/>
-                    </a:xfrm>
-                    <a:prstGeom prst="rect">
-                      <a:avLst/>
-                    </a:prstGeom>
-                    <a:blipFill>
-                      <a:blip r:embed="rId44"/>
-                      <a:stretch>
-                        <a:fillRect/>
-                      </a:stretch>
-                    </a:blipFill>
-                  </p:spPr>
-                  <p:txBody>
-                    <a:bodyPr/>
-                    <a:lstStyle/>
-                    <a:p>
-                      <a:r>
-                        <a:rPr lang="en-US">
-                          <a:noFill/>
-                        </a:rPr>
-                        <a:t> </a:t>
-                      </a:r>
-                    </a:p>
-                  </p:txBody>
-                </p:sp>
-              </mc:Fallback>
-            </mc:AlternateContent>
-            <mc:AlternateContent xmlns:mc="http://schemas.openxmlformats.org/markup-compatibility/2006" xmlns:a14="http://schemas.microsoft.com/office/drawing/2010/main">
-              <mc:Choice Requires="a14">
-                <p:sp>
-                  <p:nvSpPr>
-                    <p:cNvPr id="100" name="TextBox 99">
-                      <a:extLst>
-                        <a:ext uri="{FF2B5EF4-FFF2-40B4-BE49-F238E27FC236}">
-                          <a16:creationId xmlns:a16="http://schemas.microsoft.com/office/drawing/2014/main" id="{AD5F2F86-6CC5-C2DD-BAB1-595E6ED7A0A8}"/>
-                        </a:ext>
-                      </a:extLst>
-                    </p:cNvPr>
-                    <p:cNvSpPr txBox="1"/>
-                    <p:nvPr/>
-                  </p:nvSpPr>
-                  <p:spPr>
-                    <a:xfrm>
-                      <a:off x="3972382" y="2765102"/>
-                      <a:ext cx="754887" cy="261610"/>
-                    </a:xfrm>
-                    <a:prstGeom prst="rect">
-                      <a:avLst/>
-                    </a:prstGeom>
-                    <a:noFill/>
-                  </p:spPr>
-                  <p:txBody>
-                    <a:bodyPr wrap="none" rtlCol="0">
-                      <a:spAutoFit/>
-                    </a:bodyPr>
-                    <a:lstStyle/>
-                    <a:p>
-                      <a:pPr/>
-                      <a14:m>
-                        <m:oMathPara xmlns:m="http://schemas.openxmlformats.org/officeDocument/2006/math">
-                          <m:oMathParaPr>
-                            <m:jc m:val="centerGroup"/>
-                          </m:oMathParaPr>
-                          <m:oMath xmlns:m="http://schemas.openxmlformats.org/officeDocument/2006/math">
-                            <m:d>
-                              <m:dPr>
-                                <m:ctrlPr>
-                                  <a:rPr lang="en-US" sz="1100" b="0" i="1" dirty="0" smtClean="0">
-                                    <a:solidFill>
-                                      <a:srgbClr val="C00000"/>
-                                    </a:solidFill>
-                                    <a:latin typeface="Cambria Math" panose="02040503050406030204" pitchFamily="18" charset="0"/>
-                                  </a:rPr>
-                                </m:ctrlPr>
-                              </m:dPr>
-                              <m:e>
-                                <m:r>
-                                  <a:rPr lang="en-US" sz="1100" b="0" i="1" dirty="0" smtClean="0">
-                                    <a:solidFill>
-                                      <a:srgbClr val="C00000"/>
-                                    </a:solidFill>
-                                    <a:latin typeface="Cambria Math" panose="02040503050406030204" pitchFamily="18" charset="0"/>
-                                  </a:rPr>
-                                  <m:t>−1,−1</m:t>
-                                </m:r>
-                              </m:e>
-                            </m:d>
-                          </m:oMath>
-                        </m:oMathPara>
-                      </a14:m>
-                      <a:endParaRPr lang="en-US" sz="1100" dirty="0">
-                        <a:solidFill>
-                          <a:srgbClr val="C00000"/>
-                        </a:solidFill>
-                      </a:endParaRPr>
-                    </a:p>
-                  </p:txBody>
-                </p:sp>
-              </mc:Choice>
-              <mc:Fallback xmlns="">
-                <p:sp>
-                  <p:nvSpPr>
-                    <p:cNvPr id="100" name="TextBox 99">
-                      <a:extLst>
-                        <a:ext uri="{FF2B5EF4-FFF2-40B4-BE49-F238E27FC236}">
-                          <a16:creationId xmlns:a16="http://schemas.microsoft.com/office/drawing/2014/main" id="{AD5F2F86-6CC5-C2DD-BAB1-595E6ED7A0A8}"/>
-                        </a:ext>
-                      </a:extLst>
-                    </p:cNvPr>
-                    <p:cNvSpPr txBox="1">
-                      <a:spLocks noRot="1" noChangeAspect="1" noMove="1" noResize="1" noEditPoints="1" noAdjustHandles="1" noChangeArrowheads="1" noChangeShapeType="1" noTextEdit="1"/>
-                    </p:cNvSpPr>
-                    <p:nvPr/>
-                  </p:nvSpPr>
-                  <p:spPr>
-                    <a:xfrm>
-                      <a:off x="3972382" y="2765102"/>
-                      <a:ext cx="754887" cy="261610"/>
-                    </a:xfrm>
-                    <a:prstGeom prst="rect">
-                      <a:avLst/>
-                    </a:prstGeom>
-                    <a:blipFill>
-                      <a:blip r:embed="rId45"/>
-                      <a:stretch>
-                        <a:fillRect/>
-                      </a:stretch>
-                    </a:blipFill>
-                  </p:spPr>
-                  <p:txBody>
-                    <a:bodyPr/>
-                    <a:lstStyle/>
-                    <a:p>
-                      <a:r>
-                        <a:rPr lang="en-US">
-                          <a:noFill/>
-                        </a:rPr>
-                        <a:t> </a:t>
-                      </a:r>
-                    </a:p>
-                  </p:txBody>
-                </p:sp>
-              </mc:Fallback>
-            </mc:AlternateContent>
-            <mc:AlternateContent xmlns:mc="http://schemas.openxmlformats.org/markup-compatibility/2006" xmlns:a14="http://schemas.microsoft.com/office/drawing/2010/main">
-              <mc:Choice Requires="a14">
-                <p:sp>
-                  <p:nvSpPr>
-                    <p:cNvPr id="101" name="TextBox 100">
-                      <a:extLst>
-                        <a:ext uri="{FF2B5EF4-FFF2-40B4-BE49-F238E27FC236}">
-                          <a16:creationId xmlns:a16="http://schemas.microsoft.com/office/drawing/2014/main" id="{901D8A5B-1E64-08D6-25A1-7C79E74C76F0}"/>
-                        </a:ext>
-                      </a:extLst>
-                    </p:cNvPr>
-                    <p:cNvSpPr txBox="1"/>
-                    <p:nvPr/>
-                  </p:nvSpPr>
-                  <p:spPr>
-                    <a:xfrm>
-                      <a:off x="4982467" y="1770167"/>
+                      <a:off x="10251359" y="1775588"/>
                       <a:ext cx="519758" cy="261610"/>
                     </a:xfrm>
                     <a:prstGeom prst="rect">
@@ -38257,7 +40629,7 @@
                                     </a:solidFill>
                                     <a:latin typeface="Cambria Math" panose="02040503050406030204" pitchFamily="18" charset="0"/>
                                   </a:rPr>
-                                  <m:t>1,1</m:t>
+                                  <m:t>0,1</m:t>
                                 </m:r>
                               </m:e>
                             </m:d>
@@ -38273,13 +40645,13 @@
                   </p:txBody>
                 </p:sp>
               </mc:Choice>
-              <mc:Fallback xmlns="">
+              <mc:Fallback>
                 <p:sp>
                   <p:nvSpPr>
-                    <p:cNvPr id="101" name="TextBox 100">
+                    <p:cNvPr id="216" name="TextBox 215">
                       <a:extLst>
                         <a:ext uri="{FF2B5EF4-FFF2-40B4-BE49-F238E27FC236}">
-                          <a16:creationId xmlns:a16="http://schemas.microsoft.com/office/drawing/2014/main" id="{901D8A5B-1E64-08D6-25A1-7C79E74C76F0}"/>
+                          <a16:creationId xmlns:a16="http://schemas.microsoft.com/office/drawing/2014/main" id="{2F47485B-107C-53E4-D554-5AFFD4DEBEE2}"/>
                         </a:ext>
                       </a:extLst>
                     </p:cNvPr>
@@ -38290,484 +40662,8 @@
                   </p:nvSpPr>
                   <p:spPr>
                     <a:xfrm>
-                      <a:off x="4982467" y="1770167"/>
+                      <a:off x="10251359" y="1775588"/>
                       <a:ext cx="519758" cy="261610"/>
-                    </a:xfrm>
-                    <a:prstGeom prst="rect">
-                      <a:avLst/>
-                    </a:prstGeom>
-                    <a:blipFill>
-                      <a:blip r:embed="rId46"/>
-                      <a:stretch>
-                        <a:fillRect/>
-                      </a:stretch>
-                    </a:blipFill>
-                  </p:spPr>
-                  <p:txBody>
-                    <a:bodyPr/>
-                    <a:lstStyle/>
-                    <a:p>
-                      <a:r>
-                        <a:rPr lang="en-US">
-                          <a:noFill/>
-                        </a:rPr>
-                        <a:t> </a:t>
-                      </a:r>
-                    </a:p>
-                  </p:txBody>
-                </p:sp>
-              </mc:Fallback>
-            </mc:AlternateContent>
-            <p:grpSp>
-              <p:nvGrpSpPr>
-                <p:cNvPr id="102" name="Group 101">
-                  <a:extLst>
-                    <a:ext uri="{FF2B5EF4-FFF2-40B4-BE49-F238E27FC236}">
-                      <a16:creationId xmlns:a16="http://schemas.microsoft.com/office/drawing/2014/main" id="{7F7C010E-0FD9-D0E5-22A6-274A1D1CFC90}"/>
-                    </a:ext>
-                  </a:extLst>
-                </p:cNvPr>
-                <p:cNvGrpSpPr/>
-                <p:nvPr/>
-              </p:nvGrpSpPr>
-              <p:grpSpPr>
-                <a:xfrm>
-                  <a:off x="4288545" y="2193639"/>
-                  <a:ext cx="1041586" cy="439162"/>
-                  <a:chOff x="4288545" y="2193639"/>
-                  <a:chExt cx="1041586" cy="439162"/>
-                </a:xfrm>
-              </p:grpSpPr>
-              <p:grpSp>
-                <p:nvGrpSpPr>
-                  <p:cNvPr id="103" name="Group 102">
-                    <a:extLst>
-                      <a:ext uri="{FF2B5EF4-FFF2-40B4-BE49-F238E27FC236}">
-                        <a16:creationId xmlns:a16="http://schemas.microsoft.com/office/drawing/2014/main" id="{6AC8E54E-AAA6-984C-07A2-9A857C306D2F}"/>
-                      </a:ext>
-                    </a:extLst>
-                  </p:cNvPr>
-                  <p:cNvGrpSpPr/>
-                  <p:nvPr/>
-                </p:nvGrpSpPr>
-                <p:grpSpPr>
-                  <a:xfrm rot="18900000">
-                    <a:off x="4288545" y="2501991"/>
-                    <a:ext cx="699757" cy="130810"/>
-                    <a:chOff x="4217257" y="2212303"/>
-                    <a:chExt cx="699757" cy="130810"/>
-                  </a:xfrm>
-                </p:grpSpPr>
-                <p:cxnSp>
-                  <p:nvCxnSpPr>
-                    <p:cNvPr id="107" name="Straight Arrow Connector 106">
-                      <a:extLst>
-                        <a:ext uri="{FF2B5EF4-FFF2-40B4-BE49-F238E27FC236}">
-                          <a16:creationId xmlns:a16="http://schemas.microsoft.com/office/drawing/2014/main" id="{4DE879F3-6BB0-CE07-42F4-B6B9494FA45A}"/>
-                        </a:ext>
-                      </a:extLst>
-                    </p:cNvPr>
-                    <p:cNvCxnSpPr>
-                      <a:cxnSpLocks/>
-                    </p:cNvCxnSpPr>
-                    <p:nvPr/>
-                  </p:nvCxnSpPr>
-                  <p:spPr>
-                    <a:xfrm rot="5400000">
-                      <a:off x="4516977" y="1995149"/>
-                      <a:ext cx="0" cy="599440"/>
-                    </a:xfrm>
-                    <a:prstGeom prst="straightConnector1">
-                      <a:avLst/>
-                    </a:prstGeom>
-                    <a:ln w="19050">
-                      <a:solidFill>
-                        <a:srgbClr val="C00000"/>
-                      </a:solidFill>
-                      <a:tailEnd type="triangle"/>
-                    </a:ln>
-                  </p:spPr>
-                  <p:style>
-                    <a:lnRef idx="1">
-                      <a:schemeClr val="accent1"/>
-                    </a:lnRef>
-                    <a:fillRef idx="0">
-                      <a:schemeClr val="accent1"/>
-                    </a:fillRef>
-                    <a:effectRef idx="0">
-                      <a:schemeClr val="accent1"/>
-                    </a:effectRef>
-                    <a:fontRef idx="minor">
-                      <a:schemeClr val="tx1"/>
-                    </a:fontRef>
-                  </p:style>
-                </p:cxnSp>
-                <p:sp>
-                  <p:nvSpPr>
-                    <p:cNvPr id="108" name="L-Shape 107">
-                      <a:extLst>
-                        <a:ext uri="{FF2B5EF4-FFF2-40B4-BE49-F238E27FC236}">
-                          <a16:creationId xmlns:a16="http://schemas.microsoft.com/office/drawing/2014/main" id="{C0963204-5C4D-5889-FFFA-B08AB437C56E}"/>
-                        </a:ext>
-                      </a:extLst>
-                    </p:cNvPr>
-                    <p:cNvSpPr/>
-                    <p:nvPr/>
-                  </p:nvSpPr>
-                  <p:spPr>
-                    <a:xfrm>
-                      <a:off x="4767119" y="2295851"/>
-                      <a:ext cx="45719" cy="47262"/>
-                    </a:xfrm>
-                    <a:prstGeom prst="corner">
-                      <a:avLst>
-                        <a:gd name="adj1" fmla="val 0"/>
-                        <a:gd name="adj2" fmla="val 0"/>
-                      </a:avLst>
-                    </a:prstGeom>
-                    <a:solidFill>
-                      <a:srgbClr val="C00000"/>
-                    </a:solidFill>
-                    <a:ln w="9525">
-                      <a:solidFill>
-                        <a:srgbClr val="C00000"/>
-                      </a:solidFill>
-                    </a:ln>
-                  </p:spPr>
-                  <p:style>
-                    <a:lnRef idx="2">
-                      <a:schemeClr val="accent1">
-                        <a:shade val="50000"/>
-                      </a:schemeClr>
-                    </a:lnRef>
-                    <a:fillRef idx="1">
-                      <a:schemeClr val="accent1"/>
-                    </a:fillRef>
-                    <a:effectRef idx="0">
-                      <a:schemeClr val="accent1"/>
-                    </a:effectRef>
-                    <a:fontRef idx="minor">
-                      <a:schemeClr val="lt1"/>
-                    </a:fontRef>
-                  </p:style>
-                  <p:txBody>
-                    <a:bodyPr rtlCol="0" anchor="ctr"/>
-                    <a:lstStyle/>
-                    <a:p>
-                      <a:pPr algn="ctr"/>
-                      <a:endParaRPr lang="en-US"/>
-                    </a:p>
-                  </p:txBody>
-                </p:sp>
-                <p:sp>
-                  <p:nvSpPr>
-                    <p:cNvPr id="109" name="Arc 108">
-                      <a:extLst>
-                        <a:ext uri="{FF2B5EF4-FFF2-40B4-BE49-F238E27FC236}">
-                          <a16:creationId xmlns:a16="http://schemas.microsoft.com/office/drawing/2014/main" id="{13606DDC-EB42-C085-B7C9-DB76912D8BA9}"/>
-                        </a:ext>
-                      </a:extLst>
-                    </p:cNvPr>
-                    <p:cNvSpPr/>
-                    <p:nvPr/>
-                  </p:nvSpPr>
-                  <p:spPr>
-                    <a:xfrm rot="18900000">
-                      <a:off x="4712175" y="2212303"/>
-                      <a:ext cx="204839" cy="117142"/>
-                    </a:xfrm>
-                    <a:prstGeom prst="arc">
-                      <a:avLst>
-                        <a:gd name="adj1" fmla="val 16200000"/>
-                        <a:gd name="adj2" fmla="val 1945207"/>
-                      </a:avLst>
-                    </a:prstGeom>
-                    <a:ln w="9525">
-                      <a:solidFill>
-                        <a:srgbClr val="C00000"/>
-                      </a:solidFill>
-                    </a:ln>
-                  </p:spPr>
-                  <p:style>
-                    <a:lnRef idx="1">
-                      <a:schemeClr val="accent1"/>
-                    </a:lnRef>
-                    <a:fillRef idx="0">
-                      <a:schemeClr val="accent1"/>
-                    </a:fillRef>
-                    <a:effectRef idx="0">
-                      <a:schemeClr val="accent1"/>
-                    </a:effectRef>
-                    <a:fontRef idx="minor">
-                      <a:schemeClr val="tx1"/>
-                    </a:fontRef>
-                  </p:style>
-                  <p:txBody>
-                    <a:bodyPr rtlCol="0" anchor="ctr"/>
-                    <a:lstStyle/>
-                    <a:p>
-                      <a:pPr algn="ctr"/>
-                      <a:endParaRPr lang="en-US"/>
-                    </a:p>
-                  </p:txBody>
-                </p:sp>
-              </p:grpSp>
-              <p:grpSp>
-                <p:nvGrpSpPr>
-                  <p:cNvPr id="104" name="Group 103">
-                    <a:extLst>
-                      <a:ext uri="{FF2B5EF4-FFF2-40B4-BE49-F238E27FC236}">
-                        <a16:creationId xmlns:a16="http://schemas.microsoft.com/office/drawing/2014/main" id="{B2A189D1-5B3C-921D-4F4C-3DDC75003362}"/>
-                      </a:ext>
-                    </a:extLst>
-                  </p:cNvPr>
-                  <p:cNvGrpSpPr/>
-                  <p:nvPr/>
-                </p:nvGrpSpPr>
-                <p:grpSpPr>
-                  <a:xfrm>
-                    <a:off x="4730691" y="2193639"/>
-                    <a:ext cx="599440" cy="236247"/>
-                    <a:chOff x="5815532" y="2082141"/>
-                    <a:chExt cx="599440" cy="236247"/>
-                  </a:xfrm>
-                </p:grpSpPr>
-                <p:cxnSp>
-                  <p:nvCxnSpPr>
-                    <p:cNvPr id="105" name="Straight Arrow Connector 104">
-                      <a:extLst>
-                        <a:ext uri="{FF2B5EF4-FFF2-40B4-BE49-F238E27FC236}">
-                          <a16:creationId xmlns:a16="http://schemas.microsoft.com/office/drawing/2014/main" id="{839804FB-8E3D-0781-2B00-F285436EC196}"/>
-                        </a:ext>
-                      </a:extLst>
-                    </p:cNvPr>
-                    <p:cNvCxnSpPr>
-                      <a:cxnSpLocks/>
-                    </p:cNvCxnSpPr>
-                    <p:nvPr/>
-                  </p:nvCxnSpPr>
-                  <p:spPr>
-                    <a:xfrm rot="13500000">
-                      <a:off x="6115252" y="1782421"/>
-                      <a:ext cx="0" cy="599440"/>
-                    </a:xfrm>
-                    <a:prstGeom prst="straightConnector1">
-                      <a:avLst/>
-                    </a:prstGeom>
-                    <a:ln w="19050">
-                      <a:solidFill>
-                        <a:srgbClr val="C00000"/>
-                      </a:solidFill>
-                      <a:tailEnd type="triangle"/>
-                    </a:ln>
-                  </p:spPr>
-                  <p:style>
-                    <a:lnRef idx="1">
-                      <a:schemeClr val="accent1"/>
-                    </a:lnRef>
-                    <a:fillRef idx="0">
-                      <a:schemeClr val="accent1"/>
-                    </a:fillRef>
-                    <a:effectRef idx="0">
-                      <a:schemeClr val="accent1"/>
-                    </a:effectRef>
-                    <a:fontRef idx="minor">
-                      <a:schemeClr val="tx1"/>
-                    </a:fontRef>
-                  </p:style>
-                </p:cxnSp>
-                <p:sp>
-                  <p:nvSpPr>
-                    <p:cNvPr id="106" name="L-Shape 105">
-                      <a:extLst>
-                        <a:ext uri="{FF2B5EF4-FFF2-40B4-BE49-F238E27FC236}">
-                          <a16:creationId xmlns:a16="http://schemas.microsoft.com/office/drawing/2014/main" id="{D177FB16-2756-2642-76AD-C02780A9D751}"/>
-                        </a:ext>
-                      </a:extLst>
-                    </p:cNvPr>
-                    <p:cNvSpPr/>
-                    <p:nvPr/>
-                  </p:nvSpPr>
-                  <p:spPr>
-                    <a:xfrm rot="13500000">
-                      <a:off x="5921398" y="2271898"/>
-                      <a:ext cx="45719" cy="47262"/>
-                    </a:xfrm>
-                    <a:prstGeom prst="corner">
-                      <a:avLst>
-                        <a:gd name="adj1" fmla="val 0"/>
-                        <a:gd name="adj2" fmla="val 0"/>
-                      </a:avLst>
-                    </a:prstGeom>
-                    <a:solidFill>
-                      <a:srgbClr val="C00000"/>
-                    </a:solidFill>
-                    <a:ln w="9525">
-                      <a:solidFill>
-                        <a:srgbClr val="C00000"/>
-                      </a:solidFill>
-                    </a:ln>
-                  </p:spPr>
-                  <p:style>
-                    <a:lnRef idx="2">
-                      <a:schemeClr val="accent1">
-                        <a:shade val="50000"/>
-                      </a:schemeClr>
-                    </a:lnRef>
-                    <a:fillRef idx="1">
-                      <a:schemeClr val="accent1"/>
-                    </a:fillRef>
-                    <a:effectRef idx="0">
-                      <a:schemeClr val="accent1"/>
-                    </a:effectRef>
-                    <a:fontRef idx="minor">
-                      <a:schemeClr val="lt1"/>
-                    </a:fontRef>
-                  </p:style>
-                  <p:txBody>
-                    <a:bodyPr rtlCol="0" anchor="ctr"/>
-                    <a:lstStyle/>
-                    <a:p>
-                      <a:pPr algn="ctr"/>
-                      <a:endParaRPr lang="en-US" dirty="0"/>
-                    </a:p>
-                  </p:txBody>
-                </p:sp>
-              </p:grpSp>
-            </p:grpSp>
-          </p:grpSp>
-          <p:grpSp>
-            <p:nvGrpSpPr>
-              <p:cNvPr id="87" name="Group 86">
-                <a:extLst>
-                  <a:ext uri="{FF2B5EF4-FFF2-40B4-BE49-F238E27FC236}">
-                    <a16:creationId xmlns:a16="http://schemas.microsoft.com/office/drawing/2014/main" id="{6C90DA1D-19B9-A0D7-C393-EC94E865DBB5}"/>
-                  </a:ext>
-                </a:extLst>
-              </p:cNvPr>
-              <p:cNvGrpSpPr/>
-              <p:nvPr/>
-            </p:nvGrpSpPr>
-            <p:grpSpPr>
-              <a:xfrm>
-                <a:off x="6228369" y="4020258"/>
-                <a:ext cx="2068127" cy="1279993"/>
-                <a:chOff x="6228369" y="4020258"/>
-                <a:chExt cx="2068127" cy="1279993"/>
-              </a:xfrm>
-            </p:grpSpPr>
-            <mc:AlternateContent xmlns:mc="http://schemas.openxmlformats.org/markup-compatibility/2006" xmlns:a14="http://schemas.microsoft.com/office/drawing/2010/main">
-              <mc:Choice Requires="a14">
-                <p:sp>
-                  <p:nvSpPr>
-                    <p:cNvPr id="88" name="TextBox 87">
-                      <a:extLst>
-                        <a:ext uri="{FF2B5EF4-FFF2-40B4-BE49-F238E27FC236}">
-                          <a16:creationId xmlns:a16="http://schemas.microsoft.com/office/drawing/2014/main" id="{B89DAAAE-355F-E5C8-26C5-E858C161027C}"/>
-                        </a:ext>
-                      </a:extLst>
-                    </p:cNvPr>
-                    <p:cNvSpPr txBox="1"/>
-                    <p:nvPr/>
-                  </p:nvSpPr>
-                  <p:spPr>
-                    <a:xfrm>
-                      <a:off x="7212994" y="4714610"/>
-                      <a:ext cx="1083502" cy="261610"/>
-                    </a:xfrm>
-                    <a:prstGeom prst="rect">
-                      <a:avLst/>
-                    </a:prstGeom>
-                    <a:noFill/>
-                  </p:spPr>
-                  <p:txBody>
-                    <a:bodyPr wrap="none" rtlCol="0">
-                      <a:spAutoFit/>
-                    </a:bodyPr>
-                    <a:lstStyle/>
-                    <a:p>
-                      <a:pPr/>
-                      <a14:m>
-                        <m:oMathPara xmlns:m="http://schemas.openxmlformats.org/officeDocument/2006/math">
-                          <m:oMathParaPr>
-                            <m:jc m:val="centerGroup"/>
-                          </m:oMathParaPr>
-                          <m:oMath xmlns:m="http://schemas.openxmlformats.org/officeDocument/2006/math">
-                            <m:r>
-                              <m:rPr>
-                                <m:sty m:val="p"/>
-                              </m:rPr>
-                              <a:rPr lang="en-US" sz="1100" i="0" dirty="0" smtClean="0">
-                                <a:solidFill>
-                                  <a:srgbClr val="00B050"/>
-                                </a:solidFill>
-                                <a:latin typeface="Cambria Math" panose="02040503050406030204" pitchFamily="18" charset="0"/>
-                              </a:rPr>
-                              <m:t>Solution</m:t>
-                            </m:r>
-                            <m:r>
-                              <a:rPr lang="en-US" sz="1100" b="0" i="0" dirty="0" smtClean="0">
-                                <a:solidFill>
-                                  <a:srgbClr val="00B050"/>
-                                </a:solidFill>
-                                <a:latin typeface="Cambria Math" panose="02040503050406030204" pitchFamily="18" charset="0"/>
-                              </a:rPr>
-                              <m:t>:</m:t>
-                            </m:r>
-                            <m:d>
-                              <m:dPr>
-                                <m:ctrlPr>
-                                  <a:rPr lang="en-US" sz="1100" b="0" i="1" dirty="0" smtClean="0">
-                                    <a:solidFill>
-                                      <a:srgbClr val="00B050"/>
-                                    </a:solidFill>
-                                    <a:latin typeface="Cambria Math" panose="02040503050406030204" pitchFamily="18" charset="0"/>
-                                  </a:rPr>
-                                </m:ctrlPr>
-                              </m:dPr>
-                              <m:e>
-                                <m:r>
-                                  <a:rPr lang="en-US" sz="1100" b="0" i="1" dirty="0" smtClean="0">
-                                    <a:solidFill>
-                                      <a:srgbClr val="00B050"/>
-                                    </a:solidFill>
-                                    <a:latin typeface="Cambria Math" panose="02040503050406030204" pitchFamily="18" charset="0"/>
-                                  </a:rPr>
-                                  <m:t>1,0</m:t>
-                                </m:r>
-                              </m:e>
-                            </m:d>
-                          </m:oMath>
-                        </m:oMathPara>
-                      </a14:m>
-                      <a:endParaRPr lang="en-US" sz="1100" dirty="0">
-                        <a:solidFill>
-                          <a:srgbClr val="00B050"/>
-                        </a:solidFill>
-                      </a:endParaRPr>
-                    </a:p>
-                  </p:txBody>
-                </p:sp>
-              </mc:Choice>
-              <mc:Fallback xmlns="">
-                <p:sp>
-                  <p:nvSpPr>
-                    <p:cNvPr id="88" name="TextBox 87">
-                      <a:extLst>
-                        <a:ext uri="{FF2B5EF4-FFF2-40B4-BE49-F238E27FC236}">
-                          <a16:creationId xmlns:a16="http://schemas.microsoft.com/office/drawing/2014/main" id="{B89DAAAE-355F-E5C8-26C5-E858C161027C}"/>
-                        </a:ext>
-                      </a:extLst>
-                    </p:cNvPr>
-                    <p:cNvSpPr txBox="1">
-                      <a:spLocks noRot="1" noChangeAspect="1" noMove="1" noResize="1" noEditPoints="1" noAdjustHandles="1" noChangeArrowheads="1" noChangeShapeType="1" noTextEdit="1"/>
-                    </p:cNvSpPr>
-                    <p:nvPr/>
-                  </p:nvSpPr>
-                  <p:spPr>
-                    <a:xfrm>
-                      <a:off x="7212994" y="4714610"/>
-                      <a:ext cx="1083502" cy="261610"/>
                     </a:xfrm>
                     <a:prstGeom prst="rect">
                       <a:avLst/>
@@ -38794,14 +40690,842 @@
                 </p:sp>
               </mc:Fallback>
             </mc:AlternateContent>
+          </p:grpSp>
+          <p:grpSp>
+            <p:nvGrpSpPr>
+              <p:cNvPr id="224" name="Group 223">
+                <a:extLst>
+                  <a:ext uri="{FF2B5EF4-FFF2-40B4-BE49-F238E27FC236}">
+                    <a16:creationId xmlns:a16="http://schemas.microsoft.com/office/drawing/2014/main" id="{C60ED027-670C-4438-E6D5-E0A7B86A396D}"/>
+                  </a:ext>
+                </a:extLst>
+              </p:cNvPr>
+              <p:cNvGrpSpPr/>
+              <p:nvPr/>
+            </p:nvGrpSpPr>
+            <p:grpSpPr>
+              <a:xfrm>
+                <a:off x="12149990" y="4067943"/>
+                <a:ext cx="2068127" cy="1408040"/>
+                <a:chOff x="12149990" y="4067943"/>
+                <a:chExt cx="2068127" cy="1408040"/>
+              </a:xfrm>
+            </p:grpSpPr>
+            <p:grpSp>
+              <p:nvGrpSpPr>
+                <p:cNvPr id="87" name="Group 86">
+                  <a:extLst>
+                    <a:ext uri="{FF2B5EF4-FFF2-40B4-BE49-F238E27FC236}">
+                      <a16:creationId xmlns:a16="http://schemas.microsoft.com/office/drawing/2014/main" id="{6C90DA1D-19B9-A0D7-C393-EC94E865DBB5}"/>
+                    </a:ext>
+                  </a:extLst>
+                </p:cNvPr>
+                <p:cNvGrpSpPr/>
+                <p:nvPr/>
+              </p:nvGrpSpPr>
+              <p:grpSpPr>
+                <a:xfrm>
+                  <a:off x="12149990" y="4067943"/>
+                  <a:ext cx="2068127" cy="1279993"/>
+                  <a:chOff x="6228369" y="4020258"/>
+                  <a:chExt cx="2068127" cy="1279993"/>
+                </a:xfrm>
+              </p:grpSpPr>
+              <mc:AlternateContent xmlns:mc="http://schemas.openxmlformats.org/markup-compatibility/2006" xmlns:a14="http://schemas.microsoft.com/office/drawing/2010/main">
+                <mc:Choice Requires="a14">
+                  <p:sp>
+                    <p:nvSpPr>
+                      <p:cNvPr id="88" name="TextBox 87">
+                        <a:extLst>
+                          <a:ext uri="{FF2B5EF4-FFF2-40B4-BE49-F238E27FC236}">
+                            <a16:creationId xmlns:a16="http://schemas.microsoft.com/office/drawing/2014/main" id="{B89DAAAE-355F-E5C8-26C5-E858C161027C}"/>
+                          </a:ext>
+                        </a:extLst>
+                      </p:cNvPr>
+                      <p:cNvSpPr txBox="1"/>
+                      <p:nvPr/>
+                    </p:nvSpPr>
+                    <p:spPr>
+                      <a:xfrm>
+                        <a:off x="7212994" y="4714610"/>
+                        <a:ext cx="1083502" cy="261610"/>
+                      </a:xfrm>
+                      <a:prstGeom prst="rect">
+                        <a:avLst/>
+                      </a:prstGeom>
+                      <a:noFill/>
+                    </p:spPr>
+                    <p:txBody>
+                      <a:bodyPr wrap="none" rtlCol="0">
+                        <a:spAutoFit/>
+                      </a:bodyPr>
+                      <a:lstStyle/>
+                      <a:p>
+                        <a:pPr/>
+                        <a14:m>
+                          <m:oMathPara xmlns:m="http://schemas.openxmlformats.org/officeDocument/2006/math">
+                            <m:oMathParaPr>
+                              <m:jc m:val="centerGroup"/>
+                            </m:oMathParaPr>
+                            <m:oMath xmlns:m="http://schemas.openxmlformats.org/officeDocument/2006/math">
+                              <m:r>
+                                <m:rPr>
+                                  <m:sty m:val="p"/>
+                                </m:rPr>
+                                <a:rPr lang="en-US" sz="1100" i="0" dirty="0" smtClean="0">
+                                  <a:solidFill>
+                                    <a:srgbClr val="00B050"/>
+                                  </a:solidFill>
+                                  <a:latin typeface="Cambria Math" panose="02040503050406030204" pitchFamily="18" charset="0"/>
+                                </a:rPr>
+                                <m:t>Solution</m:t>
+                              </m:r>
+                              <m:r>
+                                <a:rPr lang="en-US" sz="1100" b="0" i="0" dirty="0" smtClean="0">
+                                  <a:solidFill>
+                                    <a:srgbClr val="00B050"/>
+                                  </a:solidFill>
+                                  <a:latin typeface="Cambria Math" panose="02040503050406030204" pitchFamily="18" charset="0"/>
+                                </a:rPr>
+                                <m:t>:</m:t>
+                              </m:r>
+                              <m:d>
+                                <m:dPr>
+                                  <m:ctrlPr>
+                                    <a:rPr lang="en-US" sz="1100" b="0" i="1" dirty="0" smtClean="0">
+                                      <a:solidFill>
+                                        <a:srgbClr val="00B050"/>
+                                      </a:solidFill>
+                                      <a:latin typeface="Cambria Math" panose="02040503050406030204" pitchFamily="18" charset="0"/>
+                                    </a:rPr>
+                                  </m:ctrlPr>
+                                </m:dPr>
+                                <m:e>
+                                  <m:r>
+                                    <a:rPr lang="en-US" sz="1100" b="0" i="1" dirty="0" smtClean="0">
+                                      <a:solidFill>
+                                        <a:srgbClr val="00B050"/>
+                                      </a:solidFill>
+                                      <a:latin typeface="Cambria Math" panose="02040503050406030204" pitchFamily="18" charset="0"/>
+                                    </a:rPr>
+                                    <m:t>1,0</m:t>
+                                  </m:r>
+                                </m:e>
+                              </m:d>
+                            </m:oMath>
+                          </m:oMathPara>
+                        </a14:m>
+                        <a:endParaRPr lang="en-US" sz="1100" dirty="0">
+                          <a:solidFill>
+                            <a:srgbClr val="00B050"/>
+                          </a:solidFill>
+                        </a:endParaRPr>
+                      </a:p>
+                    </p:txBody>
+                  </p:sp>
+                </mc:Choice>
+                <mc:Fallback xmlns="">
+                  <p:sp>
+                    <p:nvSpPr>
+                      <p:cNvPr id="88" name="TextBox 87">
+                        <a:extLst>
+                          <a:ext uri="{FF2B5EF4-FFF2-40B4-BE49-F238E27FC236}">
+                            <a16:creationId xmlns:a16="http://schemas.microsoft.com/office/drawing/2014/main" id="{B89DAAAE-355F-E5C8-26C5-E858C161027C}"/>
+                          </a:ext>
+                        </a:extLst>
+                      </p:cNvPr>
+                      <p:cNvSpPr txBox="1">
+                        <a:spLocks noRot="1" noChangeAspect="1" noMove="1" noResize="1" noEditPoints="1" noAdjustHandles="1" noChangeArrowheads="1" noChangeShapeType="1" noTextEdit="1"/>
+                      </p:cNvSpPr>
+                      <p:nvPr/>
+                    </p:nvSpPr>
+                    <p:spPr>
+                      <a:xfrm>
+                        <a:off x="7212994" y="4714610"/>
+                        <a:ext cx="1083502" cy="261610"/>
+                      </a:xfrm>
+                      <a:prstGeom prst="rect">
+                        <a:avLst/>
+                      </a:prstGeom>
+                      <a:blipFill>
+                        <a:blip r:embed="rId48"/>
+                        <a:stretch>
+                          <a:fillRect/>
+                        </a:stretch>
+                      </a:blipFill>
+                    </p:spPr>
+                    <p:txBody>
+                      <a:bodyPr/>
+                      <a:lstStyle/>
+                      <a:p>
+                        <a:r>
+                          <a:rPr lang="en-US">
+                            <a:noFill/>
+                          </a:rPr>
+                          <a:t> </a:t>
+                        </a:r>
+                      </a:p>
+                    </p:txBody>
+                  </p:sp>
+                </mc:Fallback>
+              </mc:AlternateContent>
+              <mc:AlternateContent xmlns:mc="http://schemas.openxmlformats.org/markup-compatibility/2006" xmlns:a14="http://schemas.microsoft.com/office/drawing/2010/main">
+                <mc:Choice Requires="a14">
+                  <p:sp>
+                    <p:nvSpPr>
+                      <p:cNvPr id="89" name="TextBox 88">
+                        <a:extLst>
+                          <a:ext uri="{FF2B5EF4-FFF2-40B4-BE49-F238E27FC236}">
+                            <a16:creationId xmlns:a16="http://schemas.microsoft.com/office/drawing/2014/main" id="{96A0794C-1062-98C8-A0DA-CFFFE600F9D5}"/>
+                          </a:ext>
+                        </a:extLst>
+                      </p:cNvPr>
+                      <p:cNvSpPr txBox="1"/>
+                      <p:nvPr/>
+                    </p:nvSpPr>
+                    <p:spPr>
+                      <a:xfrm>
+                        <a:off x="6228369" y="5038641"/>
+                        <a:ext cx="754887" cy="261610"/>
+                      </a:xfrm>
+                      <a:prstGeom prst="rect">
+                        <a:avLst/>
+                      </a:prstGeom>
+                      <a:noFill/>
+                    </p:spPr>
+                    <p:txBody>
+                      <a:bodyPr wrap="none" rtlCol="0">
+                        <a:spAutoFit/>
+                      </a:bodyPr>
+                      <a:lstStyle/>
+                      <a:p>
+                        <a:pPr/>
+                        <a14:m>
+                          <m:oMathPara xmlns:m="http://schemas.openxmlformats.org/officeDocument/2006/math">
+                            <m:oMathParaPr>
+                              <m:jc m:val="centerGroup"/>
+                            </m:oMathParaPr>
+                            <m:oMath xmlns:m="http://schemas.openxmlformats.org/officeDocument/2006/math">
+                              <m:d>
+                                <m:dPr>
+                                  <m:ctrlPr>
+                                    <a:rPr lang="en-US" sz="1100" b="0" i="1" dirty="0" smtClean="0">
+                                      <a:solidFill>
+                                        <a:srgbClr val="C00000"/>
+                                      </a:solidFill>
+                                      <a:latin typeface="Cambria Math" panose="02040503050406030204" pitchFamily="18" charset="0"/>
+                                    </a:rPr>
+                                  </m:ctrlPr>
+                                </m:dPr>
+                                <m:e>
+                                  <m:r>
+                                    <a:rPr lang="en-US" sz="1100" b="0" i="1" dirty="0" smtClean="0">
+                                      <a:solidFill>
+                                        <a:srgbClr val="C00000"/>
+                                      </a:solidFill>
+                                      <a:latin typeface="Cambria Math" panose="02040503050406030204" pitchFamily="18" charset="0"/>
+                                    </a:rPr>
+                                    <m:t>−1,−1</m:t>
+                                  </m:r>
+                                </m:e>
+                              </m:d>
+                            </m:oMath>
+                          </m:oMathPara>
+                        </a14:m>
+                        <a:endParaRPr lang="en-US" sz="1100" dirty="0">
+                          <a:solidFill>
+                            <a:srgbClr val="C00000"/>
+                          </a:solidFill>
+                        </a:endParaRPr>
+                      </a:p>
+                    </p:txBody>
+                  </p:sp>
+                </mc:Choice>
+                <mc:Fallback xmlns="">
+                  <p:sp>
+                    <p:nvSpPr>
+                      <p:cNvPr id="89" name="TextBox 88">
+                        <a:extLst>
+                          <a:ext uri="{FF2B5EF4-FFF2-40B4-BE49-F238E27FC236}">
+                            <a16:creationId xmlns:a16="http://schemas.microsoft.com/office/drawing/2014/main" id="{96A0794C-1062-98C8-A0DA-CFFFE600F9D5}"/>
+                          </a:ext>
+                        </a:extLst>
+                      </p:cNvPr>
+                      <p:cNvSpPr txBox="1">
+                        <a:spLocks noRot="1" noChangeAspect="1" noMove="1" noResize="1" noEditPoints="1" noAdjustHandles="1" noChangeArrowheads="1" noChangeShapeType="1" noTextEdit="1"/>
+                      </p:cNvSpPr>
+                      <p:nvPr/>
+                    </p:nvSpPr>
+                    <p:spPr>
+                      <a:xfrm>
+                        <a:off x="6228369" y="5038641"/>
+                        <a:ext cx="754887" cy="261610"/>
+                      </a:xfrm>
+                      <a:prstGeom prst="rect">
+                        <a:avLst/>
+                      </a:prstGeom>
+                      <a:blipFill>
+                        <a:blip r:embed="rId49"/>
+                        <a:stretch>
+                          <a:fillRect/>
+                        </a:stretch>
+                      </a:blipFill>
+                    </p:spPr>
+                    <p:txBody>
+                      <a:bodyPr/>
+                      <a:lstStyle/>
+                      <a:p>
+                        <a:r>
+                          <a:rPr lang="en-US">
+                            <a:noFill/>
+                          </a:rPr>
+                          <a:t> </a:t>
+                        </a:r>
+                      </a:p>
+                    </p:txBody>
+                  </p:sp>
+                </mc:Fallback>
+              </mc:AlternateContent>
+              <mc:AlternateContent xmlns:mc="http://schemas.openxmlformats.org/markup-compatibility/2006" xmlns:a14="http://schemas.microsoft.com/office/drawing/2010/main">
+                <mc:Choice Requires="a14">
+                  <p:sp>
+                    <p:nvSpPr>
+                      <p:cNvPr id="90" name="TextBox 89">
+                        <a:extLst>
+                          <a:ext uri="{FF2B5EF4-FFF2-40B4-BE49-F238E27FC236}">
+                            <a16:creationId xmlns:a16="http://schemas.microsoft.com/office/drawing/2014/main" id="{C8A63DB1-18BF-02A2-D9A5-5F6E2E91C21B}"/>
+                          </a:ext>
+                        </a:extLst>
+                      </p:cNvPr>
+                      <p:cNvSpPr txBox="1"/>
+                      <p:nvPr/>
+                    </p:nvSpPr>
+                    <p:spPr>
+                      <a:xfrm>
+                        <a:off x="7349442" y="4020258"/>
+                        <a:ext cx="519758" cy="261610"/>
+                      </a:xfrm>
+                      <a:prstGeom prst="rect">
+                        <a:avLst/>
+                      </a:prstGeom>
+                      <a:noFill/>
+                    </p:spPr>
+                    <p:txBody>
+                      <a:bodyPr wrap="none" rtlCol="0">
+                        <a:spAutoFit/>
+                      </a:bodyPr>
+                      <a:lstStyle/>
+                      <a:p>
+                        <a:pPr/>
+                        <a14:m>
+                          <m:oMathPara xmlns:m="http://schemas.openxmlformats.org/officeDocument/2006/math">
+                            <m:oMathParaPr>
+                              <m:jc m:val="centerGroup"/>
+                            </m:oMathParaPr>
+                            <m:oMath xmlns:m="http://schemas.openxmlformats.org/officeDocument/2006/math">
+                              <m:d>
+                                <m:dPr>
+                                  <m:ctrlPr>
+                                    <a:rPr lang="en-US" sz="1100" b="0" i="1" dirty="0" smtClean="0">
+                                      <a:solidFill>
+                                        <a:srgbClr val="C00000"/>
+                                      </a:solidFill>
+                                      <a:latin typeface="Cambria Math" panose="02040503050406030204" pitchFamily="18" charset="0"/>
+                                    </a:rPr>
+                                  </m:ctrlPr>
+                                </m:dPr>
+                                <m:e>
+                                  <m:r>
+                                    <a:rPr lang="en-US" sz="1100" b="0" i="1" dirty="0" smtClean="0">
+                                      <a:solidFill>
+                                        <a:srgbClr val="C00000"/>
+                                      </a:solidFill>
+                                      <a:latin typeface="Cambria Math" panose="02040503050406030204" pitchFamily="18" charset="0"/>
+                                    </a:rPr>
+                                    <m:t>1,1</m:t>
+                                  </m:r>
+                                </m:e>
+                              </m:d>
+                            </m:oMath>
+                          </m:oMathPara>
+                        </a14:m>
+                        <a:endParaRPr lang="en-US" sz="1100" dirty="0">
+                          <a:solidFill>
+                            <a:srgbClr val="C00000"/>
+                          </a:solidFill>
+                        </a:endParaRPr>
+                      </a:p>
+                    </p:txBody>
+                  </p:sp>
+                </mc:Choice>
+                <mc:Fallback xmlns="">
+                  <p:sp>
+                    <p:nvSpPr>
+                      <p:cNvPr id="90" name="TextBox 89">
+                        <a:extLst>
+                          <a:ext uri="{FF2B5EF4-FFF2-40B4-BE49-F238E27FC236}">
+                            <a16:creationId xmlns:a16="http://schemas.microsoft.com/office/drawing/2014/main" id="{C8A63DB1-18BF-02A2-D9A5-5F6E2E91C21B}"/>
+                          </a:ext>
+                        </a:extLst>
+                      </p:cNvPr>
+                      <p:cNvSpPr txBox="1">
+                        <a:spLocks noRot="1" noChangeAspect="1" noMove="1" noResize="1" noEditPoints="1" noAdjustHandles="1" noChangeArrowheads="1" noChangeShapeType="1" noTextEdit="1"/>
+                      </p:cNvSpPr>
+                      <p:nvPr/>
+                    </p:nvSpPr>
+                    <p:spPr>
+                      <a:xfrm>
+                        <a:off x="7349442" y="4020258"/>
+                        <a:ext cx="519758" cy="261610"/>
+                      </a:xfrm>
+                      <a:prstGeom prst="rect">
+                        <a:avLst/>
+                      </a:prstGeom>
+                      <a:blipFill>
+                        <a:blip r:embed="rId50"/>
+                        <a:stretch>
+                          <a:fillRect/>
+                        </a:stretch>
+                      </a:blipFill>
+                    </p:spPr>
+                    <p:txBody>
+                      <a:bodyPr/>
+                      <a:lstStyle/>
+                      <a:p>
+                        <a:r>
+                          <a:rPr lang="en-US">
+                            <a:noFill/>
+                          </a:rPr>
+                          <a:t> </a:t>
+                        </a:r>
+                      </a:p>
+                    </p:txBody>
+                  </p:sp>
+                </mc:Fallback>
+              </mc:AlternateContent>
+              <p:grpSp>
+                <p:nvGrpSpPr>
+                  <p:cNvPr id="91" name="Group 90">
+                    <a:extLst>
+                      <a:ext uri="{FF2B5EF4-FFF2-40B4-BE49-F238E27FC236}">
+                        <a16:creationId xmlns:a16="http://schemas.microsoft.com/office/drawing/2014/main" id="{98C17C0A-F298-4059-AB2C-08E74A576DC1}"/>
+                      </a:ext>
+                    </a:extLst>
+                  </p:cNvPr>
+                  <p:cNvGrpSpPr/>
+                  <p:nvPr/>
+                </p:nvGrpSpPr>
+                <p:grpSpPr>
+                  <a:xfrm>
+                    <a:off x="6510247" y="4396862"/>
+                    <a:ext cx="1016208" cy="482753"/>
+                    <a:chOff x="6510247" y="4396862"/>
+                    <a:chExt cx="1016208" cy="482753"/>
+                  </a:xfrm>
+                </p:grpSpPr>
+                <p:grpSp>
+                  <p:nvGrpSpPr>
+                    <p:cNvPr id="92" name="Group 91">
+                      <a:extLst>
+                        <a:ext uri="{FF2B5EF4-FFF2-40B4-BE49-F238E27FC236}">
+                          <a16:creationId xmlns:a16="http://schemas.microsoft.com/office/drawing/2014/main" id="{E80C0745-0F5E-0DF2-6C6C-2A69B6A53E26}"/>
+                        </a:ext>
+                      </a:extLst>
+                    </p:cNvPr>
+                    <p:cNvGrpSpPr/>
+                    <p:nvPr/>
+                  </p:nvGrpSpPr>
+                  <p:grpSpPr>
+                    <a:xfrm rot="2700000">
+                      <a:off x="6788109" y="4436229"/>
+                      <a:ext cx="165524" cy="721248"/>
+                      <a:chOff x="6964892" y="4376744"/>
+                      <a:chExt cx="165524" cy="721248"/>
+                    </a:xfrm>
+                  </p:grpSpPr>
+                  <p:cxnSp>
+                    <p:nvCxnSpPr>
+                      <p:cNvPr id="96" name="Straight Arrow Connector 95">
+                        <a:extLst>
+                          <a:ext uri="{FF2B5EF4-FFF2-40B4-BE49-F238E27FC236}">
+                            <a16:creationId xmlns:a16="http://schemas.microsoft.com/office/drawing/2014/main" id="{DDA5477D-39CB-2E26-42AC-FA93AD36D38A}"/>
+                          </a:ext>
+                        </a:extLst>
+                      </p:cNvPr>
+                      <p:cNvCxnSpPr/>
+                      <p:nvPr/>
+                    </p:nvCxnSpPr>
+                    <p:spPr>
+                      <a:xfrm>
+                        <a:off x="7018036" y="4498552"/>
+                        <a:ext cx="0" cy="599440"/>
+                      </a:xfrm>
+                      <a:prstGeom prst="straightConnector1">
+                        <a:avLst/>
+                      </a:prstGeom>
+                      <a:ln w="19050">
+                        <a:solidFill>
+                          <a:srgbClr val="C00000"/>
+                        </a:solidFill>
+                        <a:tailEnd type="triangle"/>
+                      </a:ln>
+                    </p:spPr>
+                    <p:style>
+                      <a:lnRef idx="1">
+                        <a:schemeClr val="accent1"/>
+                      </a:lnRef>
+                      <a:fillRef idx="0">
+                        <a:schemeClr val="accent1"/>
+                      </a:fillRef>
+                      <a:effectRef idx="0">
+                        <a:schemeClr val="accent1"/>
+                      </a:effectRef>
+                      <a:fontRef idx="minor">
+                        <a:schemeClr val="tx1"/>
+                      </a:fontRef>
+                    </p:style>
+                  </p:cxnSp>
+                  <p:sp>
+                    <p:nvSpPr>
+                      <p:cNvPr id="97" name="L-Shape 96">
+                        <a:extLst>
+                          <a:ext uri="{FF2B5EF4-FFF2-40B4-BE49-F238E27FC236}">
+                            <a16:creationId xmlns:a16="http://schemas.microsoft.com/office/drawing/2014/main" id="{0CE9D526-33CC-8348-455E-9AFD0CB00DB1}"/>
+                          </a:ext>
+                        </a:extLst>
+                      </p:cNvPr>
+                      <p:cNvSpPr/>
+                      <p:nvPr/>
+                    </p:nvSpPr>
+                    <p:spPr>
+                      <a:xfrm>
+                        <a:off x="6965494" y="4507658"/>
+                        <a:ext cx="45719" cy="47262"/>
+                      </a:xfrm>
+                      <a:prstGeom prst="corner">
+                        <a:avLst>
+                          <a:gd name="adj1" fmla="val 0"/>
+                          <a:gd name="adj2" fmla="val 0"/>
+                        </a:avLst>
+                      </a:prstGeom>
+                      <a:solidFill>
+                        <a:srgbClr val="C00000"/>
+                      </a:solidFill>
+                      <a:ln w="9525">
+                        <a:solidFill>
+                          <a:srgbClr val="C00000"/>
+                        </a:solidFill>
+                      </a:ln>
+                    </p:spPr>
+                    <p:style>
+                      <a:lnRef idx="2">
+                        <a:schemeClr val="accent1">
+                          <a:shade val="50000"/>
+                        </a:schemeClr>
+                      </a:lnRef>
+                      <a:fillRef idx="1">
+                        <a:schemeClr val="accent1"/>
+                      </a:fillRef>
+                      <a:effectRef idx="0">
+                        <a:schemeClr val="accent1"/>
+                      </a:effectRef>
+                      <a:fontRef idx="minor">
+                        <a:schemeClr val="lt1"/>
+                      </a:fontRef>
+                    </p:style>
+                    <p:txBody>
+                      <a:bodyPr rtlCol="0" anchor="ctr"/>
+                      <a:lstStyle/>
+                      <a:p>
+                        <a:pPr algn="ctr"/>
+                        <a:endParaRPr lang="en-US" dirty="0"/>
+                      </a:p>
+                    </p:txBody>
+                  </p:sp>
+                  <p:sp>
+                    <p:nvSpPr>
+                      <p:cNvPr id="98" name="Arc 97">
+                        <a:extLst>
+                          <a:ext uri="{FF2B5EF4-FFF2-40B4-BE49-F238E27FC236}">
+                            <a16:creationId xmlns:a16="http://schemas.microsoft.com/office/drawing/2014/main" id="{357B6A12-AF77-FAB3-2E18-C5C8E4B49D83}"/>
+                          </a:ext>
+                        </a:extLst>
+                      </p:cNvPr>
+                      <p:cNvSpPr/>
+                      <p:nvPr/>
+                    </p:nvSpPr>
+                    <p:spPr>
+                      <a:xfrm rot="1800000">
+                        <a:off x="6964892" y="4376744"/>
+                        <a:ext cx="165524" cy="219943"/>
+                      </a:xfrm>
+                      <a:prstGeom prst="arc">
+                        <a:avLst>
+                          <a:gd name="adj1" fmla="val 15156909"/>
+                          <a:gd name="adj2" fmla="val 1087397"/>
+                        </a:avLst>
+                      </a:prstGeom>
+                      <a:ln w="9525">
+                        <a:solidFill>
+                          <a:srgbClr val="C00000"/>
+                        </a:solidFill>
+                      </a:ln>
+                    </p:spPr>
+                    <p:style>
+                      <a:lnRef idx="1">
+                        <a:schemeClr val="accent1"/>
+                      </a:lnRef>
+                      <a:fillRef idx="0">
+                        <a:schemeClr val="accent1"/>
+                      </a:fillRef>
+                      <a:effectRef idx="0">
+                        <a:schemeClr val="accent1"/>
+                      </a:effectRef>
+                      <a:fontRef idx="minor">
+                        <a:schemeClr val="tx1"/>
+                      </a:fontRef>
+                    </p:style>
+                    <p:txBody>
+                      <a:bodyPr rtlCol="0" anchor="ctr"/>
+                      <a:lstStyle/>
+                      <a:p>
+                        <a:pPr algn="ctr"/>
+                        <a:endParaRPr lang="en-US"/>
+                      </a:p>
+                    </p:txBody>
+                  </p:sp>
+                </p:grpSp>
+                <p:grpSp>
+                  <p:nvGrpSpPr>
+                    <p:cNvPr id="93" name="Group 92">
+                      <a:extLst>
+                        <a:ext uri="{FF2B5EF4-FFF2-40B4-BE49-F238E27FC236}">
+                          <a16:creationId xmlns:a16="http://schemas.microsoft.com/office/drawing/2014/main" id="{D2EBE5B7-881C-5959-4A08-45D9D5EEB504}"/>
+                        </a:ext>
+                      </a:extLst>
+                    </p:cNvPr>
+                    <p:cNvGrpSpPr/>
+                    <p:nvPr/>
+                  </p:nvGrpSpPr>
+                  <p:grpSpPr>
+                    <a:xfrm>
+                      <a:off x="6927015" y="4396862"/>
+                      <a:ext cx="599440" cy="197753"/>
+                      <a:chOff x="6929583" y="3192890"/>
+                      <a:chExt cx="599440" cy="197753"/>
+                    </a:xfrm>
+                  </p:grpSpPr>
+                  <p:cxnSp>
+                    <p:nvCxnSpPr>
+                      <p:cNvPr id="94" name="Straight Arrow Connector 93">
+                        <a:extLst>
+                          <a:ext uri="{FF2B5EF4-FFF2-40B4-BE49-F238E27FC236}">
+                            <a16:creationId xmlns:a16="http://schemas.microsoft.com/office/drawing/2014/main" id="{9DA69D87-E46B-16E3-BE20-B3DCE8C60DE7}"/>
+                          </a:ext>
+                        </a:extLst>
+                      </p:cNvPr>
+                      <p:cNvCxnSpPr>
+                        <a:cxnSpLocks/>
+                      </p:cNvCxnSpPr>
+                      <p:nvPr/>
+                    </p:nvCxnSpPr>
+                    <p:spPr>
+                      <a:xfrm rot="13500000">
+                        <a:off x="7229303" y="2893170"/>
+                        <a:ext cx="0" cy="599440"/>
+                      </a:xfrm>
+                      <a:prstGeom prst="straightConnector1">
+                        <a:avLst/>
+                      </a:prstGeom>
+                      <a:ln w="19050">
+                        <a:solidFill>
+                          <a:srgbClr val="C00000"/>
+                        </a:solidFill>
+                        <a:tailEnd type="triangle"/>
+                      </a:ln>
+                    </p:spPr>
+                    <p:style>
+                      <a:lnRef idx="1">
+                        <a:schemeClr val="accent1"/>
+                      </a:lnRef>
+                      <a:fillRef idx="0">
+                        <a:schemeClr val="accent1"/>
+                      </a:fillRef>
+                      <a:effectRef idx="0">
+                        <a:schemeClr val="accent1"/>
+                      </a:effectRef>
+                      <a:fontRef idx="minor">
+                        <a:schemeClr val="tx1"/>
+                      </a:fontRef>
+                    </p:style>
+                  </p:cxnSp>
+                  <p:sp>
+                    <p:nvSpPr>
+                      <p:cNvPr id="95" name="L-Shape 94">
+                        <a:extLst>
+                          <a:ext uri="{FF2B5EF4-FFF2-40B4-BE49-F238E27FC236}">
+                            <a16:creationId xmlns:a16="http://schemas.microsoft.com/office/drawing/2014/main" id="{63D8FE7D-413D-F661-BD24-1725A69A0CD1}"/>
+                          </a:ext>
+                        </a:extLst>
+                      </p:cNvPr>
+                      <p:cNvSpPr/>
+                      <p:nvPr/>
+                    </p:nvSpPr>
+                    <p:spPr>
+                      <a:xfrm rot="8100000">
+                        <a:off x="6994943" y="3343381"/>
+                        <a:ext cx="45719" cy="47262"/>
+                      </a:xfrm>
+                      <a:prstGeom prst="corner">
+                        <a:avLst>
+                          <a:gd name="adj1" fmla="val 0"/>
+                          <a:gd name="adj2" fmla="val 0"/>
+                        </a:avLst>
+                      </a:prstGeom>
+                      <a:solidFill>
+                        <a:srgbClr val="C00000"/>
+                      </a:solidFill>
+                      <a:ln w="9525">
+                        <a:solidFill>
+                          <a:srgbClr val="C00000"/>
+                        </a:solidFill>
+                      </a:ln>
+                    </p:spPr>
+                    <p:style>
+                      <a:lnRef idx="2">
+                        <a:schemeClr val="accent1">
+                          <a:shade val="50000"/>
+                        </a:schemeClr>
+                      </a:lnRef>
+                      <a:fillRef idx="1">
+                        <a:schemeClr val="accent1"/>
+                      </a:fillRef>
+                      <a:effectRef idx="0">
+                        <a:schemeClr val="accent1"/>
+                      </a:effectRef>
+                      <a:fontRef idx="minor">
+                        <a:schemeClr val="lt1"/>
+                      </a:fontRef>
+                    </p:style>
+                    <p:txBody>
+                      <a:bodyPr rtlCol="0" anchor="ctr"/>
+                      <a:lstStyle/>
+                      <a:p>
+                        <a:pPr algn="ctr"/>
+                        <a:endParaRPr lang="en-US" dirty="0"/>
+                      </a:p>
+                    </p:txBody>
+                  </p:sp>
+                </p:grpSp>
+              </p:grpSp>
+            </p:grpSp>
+            <p:cxnSp>
+              <p:nvCxnSpPr>
+                <p:cNvPr id="220" name="Straight Arrow Connector 219">
+                  <a:extLst>
+                    <a:ext uri="{FF2B5EF4-FFF2-40B4-BE49-F238E27FC236}">
+                      <a16:creationId xmlns:a16="http://schemas.microsoft.com/office/drawing/2014/main" id="{BDA9E21A-ADA2-54EE-D9F0-A39FD2847857}"/>
+                    </a:ext>
+                  </a:extLst>
+                </p:cNvPr>
+                <p:cNvCxnSpPr/>
+                <p:nvPr/>
+              </p:nvCxnSpPr>
+              <p:spPr>
+                <a:xfrm>
+                  <a:off x="12941493" y="4651313"/>
+                  <a:ext cx="0" cy="599440"/>
+                </a:xfrm>
+                <a:prstGeom prst="straightConnector1">
+                  <a:avLst/>
+                </a:prstGeom>
+                <a:ln w="19050">
+                  <a:solidFill>
+                    <a:srgbClr val="C00000"/>
+                  </a:solidFill>
+                  <a:tailEnd type="triangle"/>
+                </a:ln>
+              </p:spPr>
+              <p:style>
+                <a:lnRef idx="1">
+                  <a:schemeClr val="accent1"/>
+                </a:lnRef>
+                <a:fillRef idx="0">
+                  <a:schemeClr val="accent1"/>
+                </a:fillRef>
+                <a:effectRef idx="0">
+                  <a:schemeClr val="accent1"/>
+                </a:effectRef>
+                <a:fontRef idx="minor">
+                  <a:schemeClr val="tx1"/>
+                </a:fontRef>
+              </p:style>
+            </p:cxnSp>
+            <p:sp>
+              <p:nvSpPr>
+                <p:cNvPr id="221" name="L-Shape 220">
+                  <a:extLst>
+                    <a:ext uri="{FF2B5EF4-FFF2-40B4-BE49-F238E27FC236}">
+                      <a16:creationId xmlns:a16="http://schemas.microsoft.com/office/drawing/2014/main" id="{975C63A2-9101-A149-5F4D-CAEDF9F6ABD7}"/>
+                    </a:ext>
+                  </a:extLst>
+                </p:cNvPr>
+                <p:cNvSpPr/>
+                <p:nvPr/>
+              </p:nvSpPr>
+              <p:spPr>
+                <a:xfrm rot="16200000">
+                  <a:off x="12946474" y="4661391"/>
+                  <a:ext cx="45719" cy="47262"/>
+                </a:xfrm>
+                <a:prstGeom prst="corner">
+                  <a:avLst>
+                    <a:gd name="adj1" fmla="val 0"/>
+                    <a:gd name="adj2" fmla="val 0"/>
+                  </a:avLst>
+                </a:prstGeom>
+                <a:solidFill>
+                  <a:srgbClr val="C00000"/>
+                </a:solidFill>
+                <a:ln w="9525">
+                  <a:solidFill>
+                    <a:srgbClr val="C00000"/>
+                  </a:solidFill>
+                </a:ln>
+              </p:spPr>
+              <p:style>
+                <a:lnRef idx="2">
+                  <a:schemeClr val="accent1">
+                    <a:shade val="50000"/>
+                  </a:schemeClr>
+                </a:lnRef>
+                <a:fillRef idx="1">
+                  <a:schemeClr val="accent1"/>
+                </a:fillRef>
+                <a:effectRef idx="0">
+                  <a:schemeClr val="accent1"/>
+                </a:effectRef>
+                <a:fontRef idx="minor">
+                  <a:schemeClr val="lt1"/>
+                </a:fontRef>
+              </p:style>
+              <p:txBody>
+                <a:bodyPr rtlCol="0" anchor="ctr"/>
+                <a:lstStyle/>
+                <a:p>
+                  <a:pPr algn="ctr"/>
+                  <a:endParaRPr lang="en-US" dirty="0"/>
+                </a:p>
+              </p:txBody>
+            </p:sp>
             <mc:AlternateContent xmlns:mc="http://schemas.openxmlformats.org/markup-compatibility/2006">
               <mc:Choice xmlns:a14="http://schemas.microsoft.com/office/drawing/2010/main" Requires="a14">
                 <p:sp>
                   <p:nvSpPr>
-                    <p:cNvPr id="89" name="TextBox 88">
+                    <p:cNvPr id="222" name="TextBox 221">
                       <a:extLst>
                         <a:ext uri="{FF2B5EF4-FFF2-40B4-BE49-F238E27FC236}">
-                          <a16:creationId xmlns:a16="http://schemas.microsoft.com/office/drawing/2014/main" id="{96A0794C-1062-98C8-A0DA-CFFFE600F9D5}"/>
+                          <a16:creationId xmlns:a16="http://schemas.microsoft.com/office/drawing/2014/main" id="{DE32CE2D-5616-E131-8D57-36BA45AE6CE5}"/>
                         </a:ext>
                       </a:extLst>
                     </p:cNvPr>
@@ -38810,8 +41534,8 @@
                   </p:nvSpPr>
                   <p:spPr>
                     <a:xfrm>
-                      <a:off x="6228369" y="5038641"/>
-                      <a:ext cx="754887" cy="261610"/>
+                      <a:off x="12840084" y="5214373"/>
+                      <a:ext cx="649088" cy="261610"/>
                     </a:xfrm>
                     <a:prstGeom prst="rect">
                       <a:avLst/>
@@ -38850,16 +41574,7 @@
                                     </a:solidFill>
                                     <a:latin typeface="Cambria Math" panose="02040503050406030204" pitchFamily="18" charset="0"/>
                                   </a:rPr>
-                                  <m:t>−1</m:t>
-                                </m:r>
-                                <m:r>
-                                  <a:rPr lang="en-US" sz="1100" b="0" i="1" dirty="0" smtClean="0">
-                                    <a:solidFill>
-                                      <a:srgbClr val="C00000"/>
-                                    </a:solidFill>
-                                    <a:latin typeface="Cambria Math" panose="02040503050406030204" pitchFamily="18" charset="0"/>
-                                  </a:rPr>
-                                  <m:t>,−1</m:t>
+                                  <m:t>0,−1</m:t>
                                 </m:r>
                               </m:e>
                             </m:d>
@@ -38878,10 +41593,10 @@
               <mc:Fallback>
                 <p:sp>
                   <p:nvSpPr>
-                    <p:cNvPr id="89" name="TextBox 88">
+                    <p:cNvPr id="222" name="TextBox 221">
                       <a:extLst>
                         <a:ext uri="{FF2B5EF4-FFF2-40B4-BE49-F238E27FC236}">
-                          <a16:creationId xmlns:a16="http://schemas.microsoft.com/office/drawing/2014/main" id="{96A0794C-1062-98C8-A0DA-CFFFE600F9D5}"/>
+                          <a16:creationId xmlns:a16="http://schemas.microsoft.com/office/drawing/2014/main" id="{DE32CE2D-5616-E131-8D57-36BA45AE6CE5}"/>
                         </a:ext>
                       </a:extLst>
                     </p:cNvPr>
@@ -38892,14 +41607,14 @@
                   </p:nvSpPr>
                   <p:spPr>
                     <a:xfrm>
-                      <a:off x="6228369" y="5038641"/>
-                      <a:ext cx="754887" cy="261610"/>
+                      <a:off x="12840084" y="5214373"/>
+                      <a:ext cx="649088" cy="261610"/>
                     </a:xfrm>
                     <a:prstGeom prst="rect">
                       <a:avLst/>
                     </a:prstGeom>
                     <a:blipFill>
-                      <a:blip r:embed="rId48"/>
+                      <a:blip r:embed="rId51"/>
                       <a:stretch>
                         <a:fillRect/>
                       </a:stretch>
@@ -38920,438 +41635,6 @@
                 </p:sp>
               </mc:Fallback>
             </mc:AlternateContent>
-            <mc:AlternateContent xmlns:mc="http://schemas.openxmlformats.org/markup-compatibility/2006" xmlns:a14="http://schemas.microsoft.com/office/drawing/2010/main">
-              <mc:Choice Requires="a14">
-                <p:sp>
-                  <p:nvSpPr>
-                    <p:cNvPr id="90" name="TextBox 89">
-                      <a:extLst>
-                        <a:ext uri="{FF2B5EF4-FFF2-40B4-BE49-F238E27FC236}">
-                          <a16:creationId xmlns:a16="http://schemas.microsoft.com/office/drawing/2014/main" id="{C8A63DB1-18BF-02A2-D9A5-5F6E2E91C21B}"/>
-                        </a:ext>
-                      </a:extLst>
-                    </p:cNvPr>
-                    <p:cNvSpPr txBox="1"/>
-                    <p:nvPr/>
-                  </p:nvSpPr>
-                  <p:spPr>
-                    <a:xfrm>
-                      <a:off x="7349442" y="4020258"/>
-                      <a:ext cx="519758" cy="261610"/>
-                    </a:xfrm>
-                    <a:prstGeom prst="rect">
-                      <a:avLst/>
-                    </a:prstGeom>
-                    <a:noFill/>
-                  </p:spPr>
-                  <p:txBody>
-                    <a:bodyPr wrap="none" rtlCol="0">
-                      <a:spAutoFit/>
-                    </a:bodyPr>
-                    <a:lstStyle/>
-                    <a:p>
-                      <a:pPr/>
-                      <a14:m>
-                        <m:oMathPara xmlns:m="http://schemas.openxmlformats.org/officeDocument/2006/math">
-                          <m:oMathParaPr>
-                            <m:jc m:val="centerGroup"/>
-                          </m:oMathParaPr>
-                          <m:oMath xmlns:m="http://schemas.openxmlformats.org/officeDocument/2006/math">
-                            <m:d>
-                              <m:dPr>
-                                <m:ctrlPr>
-                                  <a:rPr lang="en-US" sz="1100" b="0" i="1" dirty="0" smtClean="0">
-                                    <a:solidFill>
-                                      <a:srgbClr val="C00000"/>
-                                    </a:solidFill>
-                                    <a:latin typeface="Cambria Math" panose="02040503050406030204" pitchFamily="18" charset="0"/>
-                                  </a:rPr>
-                                </m:ctrlPr>
-                              </m:dPr>
-                              <m:e>
-                                <m:r>
-                                  <a:rPr lang="en-US" sz="1100" b="0" i="1" dirty="0" smtClean="0">
-                                    <a:solidFill>
-                                      <a:srgbClr val="C00000"/>
-                                    </a:solidFill>
-                                    <a:latin typeface="Cambria Math" panose="02040503050406030204" pitchFamily="18" charset="0"/>
-                                  </a:rPr>
-                                  <m:t>1,1</m:t>
-                                </m:r>
-                              </m:e>
-                            </m:d>
-                          </m:oMath>
-                        </m:oMathPara>
-                      </a14:m>
-                      <a:endParaRPr lang="en-US" sz="1100" dirty="0">
-                        <a:solidFill>
-                          <a:srgbClr val="C00000"/>
-                        </a:solidFill>
-                      </a:endParaRPr>
-                    </a:p>
-                  </p:txBody>
-                </p:sp>
-              </mc:Choice>
-              <mc:Fallback xmlns="">
-                <p:sp>
-                  <p:nvSpPr>
-                    <p:cNvPr id="90" name="TextBox 89">
-                      <a:extLst>
-                        <a:ext uri="{FF2B5EF4-FFF2-40B4-BE49-F238E27FC236}">
-                          <a16:creationId xmlns:a16="http://schemas.microsoft.com/office/drawing/2014/main" id="{C8A63DB1-18BF-02A2-D9A5-5F6E2E91C21B}"/>
-                        </a:ext>
-                      </a:extLst>
-                    </p:cNvPr>
-                    <p:cNvSpPr txBox="1">
-                      <a:spLocks noRot="1" noChangeAspect="1" noMove="1" noResize="1" noEditPoints="1" noAdjustHandles="1" noChangeArrowheads="1" noChangeShapeType="1" noTextEdit="1"/>
-                    </p:cNvSpPr>
-                    <p:nvPr/>
-                  </p:nvSpPr>
-                  <p:spPr>
-                    <a:xfrm>
-                      <a:off x="7349442" y="4020258"/>
-                      <a:ext cx="519758" cy="261610"/>
-                    </a:xfrm>
-                    <a:prstGeom prst="rect">
-                      <a:avLst/>
-                    </a:prstGeom>
-                    <a:blipFill>
-                      <a:blip r:embed="rId49"/>
-                      <a:stretch>
-                        <a:fillRect/>
-                      </a:stretch>
-                    </a:blipFill>
-                  </p:spPr>
-                  <p:txBody>
-                    <a:bodyPr/>
-                    <a:lstStyle/>
-                    <a:p>
-                      <a:r>
-                        <a:rPr lang="en-US">
-                          <a:noFill/>
-                        </a:rPr>
-                        <a:t> </a:t>
-                      </a:r>
-                    </a:p>
-                  </p:txBody>
-                </p:sp>
-              </mc:Fallback>
-            </mc:AlternateContent>
-            <p:grpSp>
-              <p:nvGrpSpPr>
-                <p:cNvPr id="91" name="Group 90">
-                  <a:extLst>
-                    <a:ext uri="{FF2B5EF4-FFF2-40B4-BE49-F238E27FC236}">
-                      <a16:creationId xmlns:a16="http://schemas.microsoft.com/office/drawing/2014/main" id="{98C17C0A-F298-4059-AB2C-08E74A576DC1}"/>
-                    </a:ext>
-                  </a:extLst>
-                </p:cNvPr>
-                <p:cNvGrpSpPr/>
-                <p:nvPr/>
-              </p:nvGrpSpPr>
-              <p:grpSpPr>
-                <a:xfrm>
-                  <a:off x="6510247" y="4396862"/>
-                  <a:ext cx="1016208" cy="482753"/>
-                  <a:chOff x="6510247" y="4396862"/>
-                  <a:chExt cx="1016208" cy="482753"/>
-                </a:xfrm>
-              </p:grpSpPr>
-              <p:grpSp>
-                <p:nvGrpSpPr>
-                  <p:cNvPr id="92" name="Group 91">
-                    <a:extLst>
-                      <a:ext uri="{FF2B5EF4-FFF2-40B4-BE49-F238E27FC236}">
-                        <a16:creationId xmlns:a16="http://schemas.microsoft.com/office/drawing/2014/main" id="{E80C0745-0F5E-0DF2-6C6C-2A69B6A53E26}"/>
-                      </a:ext>
-                    </a:extLst>
-                  </p:cNvPr>
-                  <p:cNvGrpSpPr/>
-                  <p:nvPr/>
-                </p:nvGrpSpPr>
-                <p:grpSpPr>
-                  <a:xfrm rot="2700000">
-                    <a:off x="6788109" y="4436229"/>
-                    <a:ext cx="165524" cy="721248"/>
-                    <a:chOff x="6964892" y="4376744"/>
-                    <a:chExt cx="165524" cy="721248"/>
-                  </a:xfrm>
-                </p:grpSpPr>
-                <p:cxnSp>
-                  <p:nvCxnSpPr>
-                    <p:cNvPr id="96" name="Straight Arrow Connector 95">
-                      <a:extLst>
-                        <a:ext uri="{FF2B5EF4-FFF2-40B4-BE49-F238E27FC236}">
-                          <a16:creationId xmlns:a16="http://schemas.microsoft.com/office/drawing/2014/main" id="{DDA5477D-39CB-2E26-42AC-FA93AD36D38A}"/>
-                        </a:ext>
-                      </a:extLst>
-                    </p:cNvPr>
-                    <p:cNvCxnSpPr/>
-                    <p:nvPr/>
-                  </p:nvCxnSpPr>
-                  <p:spPr>
-                    <a:xfrm>
-                      <a:off x="7018036" y="4498552"/>
-                      <a:ext cx="0" cy="599440"/>
-                    </a:xfrm>
-                    <a:prstGeom prst="straightConnector1">
-                      <a:avLst/>
-                    </a:prstGeom>
-                    <a:ln w="19050">
-                      <a:solidFill>
-                        <a:srgbClr val="C00000"/>
-                      </a:solidFill>
-                      <a:tailEnd type="triangle"/>
-                    </a:ln>
-                  </p:spPr>
-                  <p:style>
-                    <a:lnRef idx="1">
-                      <a:schemeClr val="accent1"/>
-                    </a:lnRef>
-                    <a:fillRef idx="0">
-                      <a:schemeClr val="accent1"/>
-                    </a:fillRef>
-                    <a:effectRef idx="0">
-                      <a:schemeClr val="accent1"/>
-                    </a:effectRef>
-                    <a:fontRef idx="minor">
-                      <a:schemeClr val="tx1"/>
-                    </a:fontRef>
-                  </p:style>
-                </p:cxnSp>
-                <p:sp>
-                  <p:nvSpPr>
-                    <p:cNvPr id="97" name="L-Shape 96">
-                      <a:extLst>
-                        <a:ext uri="{FF2B5EF4-FFF2-40B4-BE49-F238E27FC236}">
-                          <a16:creationId xmlns:a16="http://schemas.microsoft.com/office/drawing/2014/main" id="{0CE9D526-33CC-8348-455E-9AFD0CB00DB1}"/>
-                        </a:ext>
-                      </a:extLst>
-                    </p:cNvPr>
-                    <p:cNvSpPr/>
-                    <p:nvPr/>
-                  </p:nvSpPr>
-                  <p:spPr>
-                    <a:xfrm>
-                      <a:off x="6965494" y="4507658"/>
-                      <a:ext cx="45719" cy="47262"/>
-                    </a:xfrm>
-                    <a:prstGeom prst="corner">
-                      <a:avLst>
-                        <a:gd name="adj1" fmla="val 0"/>
-                        <a:gd name="adj2" fmla="val 0"/>
-                      </a:avLst>
-                    </a:prstGeom>
-                    <a:solidFill>
-                      <a:srgbClr val="C00000"/>
-                    </a:solidFill>
-                    <a:ln w="9525">
-                      <a:solidFill>
-                        <a:srgbClr val="C00000"/>
-                      </a:solidFill>
-                    </a:ln>
-                  </p:spPr>
-                  <p:style>
-                    <a:lnRef idx="2">
-                      <a:schemeClr val="accent1">
-                        <a:shade val="50000"/>
-                      </a:schemeClr>
-                    </a:lnRef>
-                    <a:fillRef idx="1">
-                      <a:schemeClr val="accent1"/>
-                    </a:fillRef>
-                    <a:effectRef idx="0">
-                      <a:schemeClr val="accent1"/>
-                    </a:effectRef>
-                    <a:fontRef idx="minor">
-                      <a:schemeClr val="lt1"/>
-                    </a:fontRef>
-                  </p:style>
-                  <p:txBody>
-                    <a:bodyPr rtlCol="0" anchor="ctr"/>
-                    <a:lstStyle/>
-                    <a:p>
-                      <a:pPr algn="ctr"/>
-                      <a:endParaRPr lang="en-US" dirty="0"/>
-                    </a:p>
-                  </p:txBody>
-                </p:sp>
-                <p:sp>
-                  <p:nvSpPr>
-                    <p:cNvPr id="98" name="Arc 97">
-                      <a:extLst>
-                        <a:ext uri="{FF2B5EF4-FFF2-40B4-BE49-F238E27FC236}">
-                          <a16:creationId xmlns:a16="http://schemas.microsoft.com/office/drawing/2014/main" id="{357B6A12-AF77-FAB3-2E18-C5C8E4B49D83}"/>
-                        </a:ext>
-                      </a:extLst>
-                    </p:cNvPr>
-                    <p:cNvSpPr/>
-                    <p:nvPr/>
-                  </p:nvSpPr>
-                  <p:spPr>
-                    <a:xfrm rot="1800000">
-                      <a:off x="6964892" y="4376744"/>
-                      <a:ext cx="165524" cy="219943"/>
-                    </a:xfrm>
-                    <a:prstGeom prst="arc">
-                      <a:avLst>
-                        <a:gd name="adj1" fmla="val 15156909"/>
-                        <a:gd name="adj2" fmla="val 1087397"/>
-                      </a:avLst>
-                    </a:prstGeom>
-                    <a:ln w="9525">
-                      <a:solidFill>
-                        <a:srgbClr val="C00000"/>
-                      </a:solidFill>
-                    </a:ln>
-                  </p:spPr>
-                  <p:style>
-                    <a:lnRef idx="1">
-                      <a:schemeClr val="accent1"/>
-                    </a:lnRef>
-                    <a:fillRef idx="0">
-                      <a:schemeClr val="accent1"/>
-                    </a:fillRef>
-                    <a:effectRef idx="0">
-                      <a:schemeClr val="accent1"/>
-                    </a:effectRef>
-                    <a:fontRef idx="minor">
-                      <a:schemeClr val="tx1"/>
-                    </a:fontRef>
-                  </p:style>
-                  <p:txBody>
-                    <a:bodyPr rtlCol="0" anchor="ctr"/>
-                    <a:lstStyle/>
-                    <a:p>
-                      <a:pPr algn="ctr"/>
-                      <a:endParaRPr lang="en-US"/>
-                    </a:p>
-                  </p:txBody>
-                </p:sp>
-              </p:grpSp>
-              <p:grpSp>
-                <p:nvGrpSpPr>
-                  <p:cNvPr id="93" name="Group 92">
-                    <a:extLst>
-                      <a:ext uri="{FF2B5EF4-FFF2-40B4-BE49-F238E27FC236}">
-                        <a16:creationId xmlns:a16="http://schemas.microsoft.com/office/drawing/2014/main" id="{D2EBE5B7-881C-5959-4A08-45D9D5EEB504}"/>
-                      </a:ext>
-                    </a:extLst>
-                  </p:cNvPr>
-                  <p:cNvGrpSpPr/>
-                  <p:nvPr/>
-                </p:nvGrpSpPr>
-                <p:grpSpPr>
-                  <a:xfrm>
-                    <a:off x="6927015" y="4396862"/>
-                    <a:ext cx="599440" cy="197753"/>
-                    <a:chOff x="6929583" y="3192890"/>
-                    <a:chExt cx="599440" cy="197753"/>
-                  </a:xfrm>
-                </p:grpSpPr>
-                <p:cxnSp>
-                  <p:nvCxnSpPr>
-                    <p:cNvPr id="94" name="Straight Arrow Connector 93">
-                      <a:extLst>
-                        <a:ext uri="{FF2B5EF4-FFF2-40B4-BE49-F238E27FC236}">
-                          <a16:creationId xmlns:a16="http://schemas.microsoft.com/office/drawing/2014/main" id="{9DA69D87-E46B-16E3-BE20-B3DCE8C60DE7}"/>
-                        </a:ext>
-                      </a:extLst>
-                    </p:cNvPr>
-                    <p:cNvCxnSpPr>
-                      <a:cxnSpLocks/>
-                    </p:cNvCxnSpPr>
-                    <p:nvPr/>
-                  </p:nvCxnSpPr>
-                  <p:spPr>
-                    <a:xfrm rot="13500000">
-                      <a:off x="7229303" y="2893170"/>
-                      <a:ext cx="0" cy="599440"/>
-                    </a:xfrm>
-                    <a:prstGeom prst="straightConnector1">
-                      <a:avLst/>
-                    </a:prstGeom>
-                    <a:ln w="19050">
-                      <a:solidFill>
-                        <a:srgbClr val="C00000"/>
-                      </a:solidFill>
-                      <a:tailEnd type="triangle"/>
-                    </a:ln>
-                  </p:spPr>
-                  <p:style>
-                    <a:lnRef idx="1">
-                      <a:schemeClr val="accent1"/>
-                    </a:lnRef>
-                    <a:fillRef idx="0">
-                      <a:schemeClr val="accent1"/>
-                    </a:fillRef>
-                    <a:effectRef idx="0">
-                      <a:schemeClr val="accent1"/>
-                    </a:effectRef>
-                    <a:fontRef idx="minor">
-                      <a:schemeClr val="tx1"/>
-                    </a:fontRef>
-                  </p:style>
-                </p:cxnSp>
-                <p:sp>
-                  <p:nvSpPr>
-                    <p:cNvPr id="95" name="L-Shape 94">
-                      <a:extLst>
-                        <a:ext uri="{FF2B5EF4-FFF2-40B4-BE49-F238E27FC236}">
-                          <a16:creationId xmlns:a16="http://schemas.microsoft.com/office/drawing/2014/main" id="{63D8FE7D-413D-F661-BD24-1725A69A0CD1}"/>
-                        </a:ext>
-                      </a:extLst>
-                    </p:cNvPr>
-                    <p:cNvSpPr/>
-                    <p:nvPr/>
-                  </p:nvSpPr>
-                  <p:spPr>
-                    <a:xfrm rot="8100000">
-                      <a:off x="6994943" y="3343381"/>
-                      <a:ext cx="45719" cy="47262"/>
-                    </a:xfrm>
-                    <a:prstGeom prst="corner">
-                      <a:avLst>
-                        <a:gd name="adj1" fmla="val 0"/>
-                        <a:gd name="adj2" fmla="val 0"/>
-                      </a:avLst>
-                    </a:prstGeom>
-                    <a:solidFill>
-                      <a:srgbClr val="C00000"/>
-                    </a:solidFill>
-                    <a:ln w="9525">
-                      <a:solidFill>
-                        <a:srgbClr val="C00000"/>
-                      </a:solidFill>
-                    </a:ln>
-                  </p:spPr>
-                  <p:style>
-                    <a:lnRef idx="2">
-                      <a:schemeClr val="accent1">
-                        <a:shade val="50000"/>
-                      </a:schemeClr>
-                    </a:lnRef>
-                    <a:fillRef idx="1">
-                      <a:schemeClr val="accent1"/>
-                    </a:fillRef>
-                    <a:effectRef idx="0">
-                      <a:schemeClr val="accent1"/>
-                    </a:effectRef>
-                    <a:fontRef idx="minor">
-                      <a:schemeClr val="lt1"/>
-                    </a:fontRef>
-                  </p:style>
-                  <p:txBody>
-                    <a:bodyPr rtlCol="0" anchor="ctr"/>
-                    <a:lstStyle/>
-                    <a:p>
-                      <a:pPr algn="ctr"/>
-                      <a:endParaRPr lang="en-US" dirty="0"/>
-                    </a:p>
-                  </p:txBody>
-                </p:sp>
-              </p:grpSp>
-            </p:grpSp>
           </p:grpSp>
         </p:grpSp>
       </p:grpSp>

--- a/images/axis.pptx
+++ b/images/axis.pptx
@@ -6,11 +6,12 @@
   </p:sldMasterIdLst>
   <p:sldIdLst>
     <p:sldId id="256" r:id="rId2"/>
-    <p:sldId id="258" r:id="rId3"/>
-    <p:sldId id="257" r:id="rId4"/>
-    <p:sldId id="259" r:id="rId5"/>
-    <p:sldId id="261" r:id="rId6"/>
-    <p:sldId id="260" r:id="rId7"/>
+    <p:sldId id="262" r:id="rId3"/>
+    <p:sldId id="258" r:id="rId4"/>
+    <p:sldId id="257" r:id="rId5"/>
+    <p:sldId id="259" r:id="rId6"/>
+    <p:sldId id="261" r:id="rId7"/>
+    <p:sldId id="260" r:id="rId8"/>
   </p:sldIdLst>
   <p:sldSz cx="12192000" cy="6858000"/>
   <p:notesSz cx="6858000" cy="9144000"/>
@@ -120,14 +121,500 @@
 <file path=ppt/revisionInfo.xml><?xml version="1.0" encoding="utf-8"?>
 <p1510:revInfo xmlns:a="http://schemas.openxmlformats.org/drawingml/2006/main" xmlns:r="http://schemas.openxmlformats.org/officeDocument/2006/relationships" xmlns:p1510="http://schemas.microsoft.com/office/powerpoint/2015/10/main">
   <p1510:revLst>
-    <p1510:client id="{02691D69-8F9D-40EA-87D6-3C6AE3DF35CC}" v="20" dt="2023-11-12T23:56:30.932"/>
-    <p1510:client id="{42649226-576E-4E75-87D3-8E814BF1D774}" v="1" dt="2023-11-13T02:29:08"/>
+    <p1510:client id="{C8C11DB5-6429-47E2-9486-DE0D046F27B6}" v="45" dt="2023-12-10T08:01:48.121"/>
   </p1510:revLst>
 </p1510:revInfo>
 </file>
 
 <file path=ppt/changesInfos/changesInfo1.xml><?xml version="1.0" encoding="utf-8"?>
 <pc:chgInfo xmlns:a="http://schemas.openxmlformats.org/drawingml/2006/main" xmlns:r="http://schemas.openxmlformats.org/officeDocument/2006/relationships" xmlns:ac="http://schemas.microsoft.com/office/drawing/2013/main/command" xmlns:pc="http://schemas.microsoft.com/office/powerpoint/2013/main/command">
+  <pc:docChgLst>
+    <pc:chgData name="Bo Tang" userId="332dbdf67b1791cd" providerId="LiveId" clId="{C8C11DB5-6429-47E2-9486-DE0D046F27B6}"/>
+    <pc:docChg chg="undo redo custSel addSld delSld modSld">
+      <pc:chgData name="Bo Tang" userId="332dbdf67b1791cd" providerId="LiveId" clId="{C8C11DB5-6429-47E2-9486-DE0D046F27B6}" dt="2023-12-10T08:01:48.120" v="469" actId="164"/>
+      <pc:docMkLst>
+        <pc:docMk/>
+      </pc:docMkLst>
+      <pc:sldChg chg="addSp delSp modSp new mod">
+        <pc:chgData name="Bo Tang" userId="332dbdf67b1791cd" providerId="LiveId" clId="{C8C11DB5-6429-47E2-9486-DE0D046F27B6}" dt="2023-12-10T08:01:48.120" v="469" actId="164"/>
+        <pc:sldMkLst>
+          <pc:docMk/>
+          <pc:sldMk cId="2420384765" sldId="262"/>
+        </pc:sldMkLst>
+        <pc:spChg chg="del">
+          <ac:chgData name="Bo Tang" userId="332dbdf67b1791cd" providerId="LiveId" clId="{C8C11DB5-6429-47E2-9486-DE0D046F27B6}" dt="2023-12-10T07:33:50.571" v="3" actId="478"/>
+          <ac:spMkLst>
+            <pc:docMk/>
+            <pc:sldMk cId="2420384765" sldId="262"/>
+            <ac:spMk id="2" creationId="{72587087-E221-F037-2DAF-EC1D432830E4}"/>
+          </ac:spMkLst>
+        </pc:spChg>
+        <pc:spChg chg="del">
+          <ac:chgData name="Bo Tang" userId="332dbdf67b1791cd" providerId="LiveId" clId="{C8C11DB5-6429-47E2-9486-DE0D046F27B6}" dt="2023-12-10T07:33:50.571" v="3" actId="478"/>
+          <ac:spMkLst>
+            <pc:docMk/>
+            <pc:sldMk cId="2420384765" sldId="262"/>
+            <ac:spMk id="3" creationId="{45898B1B-38B3-B12D-7B75-861C117DD976}"/>
+          </ac:spMkLst>
+        </pc:spChg>
+        <pc:spChg chg="del mod topLvl">
+          <ac:chgData name="Bo Tang" userId="332dbdf67b1791cd" providerId="LiveId" clId="{C8C11DB5-6429-47E2-9486-DE0D046F27B6}" dt="2023-12-10T07:35:23.134" v="18" actId="478"/>
+          <ac:spMkLst>
+            <pc:docMk/>
+            <pc:sldMk cId="2420384765" sldId="262"/>
+            <ac:spMk id="5" creationId="{20FF07C8-314F-1DA4-60C9-1BBE0229AC2D}"/>
+          </ac:spMkLst>
+        </pc:spChg>
+        <pc:spChg chg="mod">
+          <ac:chgData name="Bo Tang" userId="332dbdf67b1791cd" providerId="LiveId" clId="{C8C11DB5-6429-47E2-9486-DE0D046F27B6}" dt="2023-12-10T07:34:11.042" v="5" actId="165"/>
+          <ac:spMkLst>
+            <pc:docMk/>
+            <pc:sldMk cId="2420384765" sldId="262"/>
+            <ac:spMk id="12" creationId="{CD152420-8C6E-1C5F-BDF8-5085F3111F0A}"/>
+          </ac:spMkLst>
+        </pc:spChg>
+        <pc:spChg chg="mod">
+          <ac:chgData name="Bo Tang" userId="332dbdf67b1791cd" providerId="LiveId" clId="{C8C11DB5-6429-47E2-9486-DE0D046F27B6}" dt="2023-12-10T07:34:11.042" v="5" actId="165"/>
+          <ac:spMkLst>
+            <pc:docMk/>
+            <pc:sldMk cId="2420384765" sldId="262"/>
+            <ac:spMk id="14" creationId="{7BCBD37D-EE30-510A-6015-B1AE33AF8F37}"/>
+          </ac:spMkLst>
+        </pc:spChg>
+        <pc:spChg chg="mod">
+          <ac:chgData name="Bo Tang" userId="332dbdf67b1791cd" providerId="LiveId" clId="{C8C11DB5-6429-47E2-9486-DE0D046F27B6}" dt="2023-12-10T07:34:11.042" v="5" actId="165"/>
+          <ac:spMkLst>
+            <pc:docMk/>
+            <pc:sldMk cId="2420384765" sldId="262"/>
+            <ac:spMk id="15" creationId="{266F0858-D5D5-91FD-FD1C-0B672DE91E03}"/>
+          </ac:spMkLst>
+        </pc:spChg>
+        <pc:spChg chg="mod">
+          <ac:chgData name="Bo Tang" userId="332dbdf67b1791cd" providerId="LiveId" clId="{C8C11DB5-6429-47E2-9486-DE0D046F27B6}" dt="2023-12-10T07:34:11.042" v="5" actId="165"/>
+          <ac:spMkLst>
+            <pc:docMk/>
+            <pc:sldMk cId="2420384765" sldId="262"/>
+            <ac:spMk id="16" creationId="{908AFA5B-15F7-3DA9-F85E-9EC41A4ECC3B}"/>
+          </ac:spMkLst>
+        </pc:spChg>
+        <pc:spChg chg="del mod">
+          <ac:chgData name="Bo Tang" userId="332dbdf67b1791cd" providerId="LiveId" clId="{C8C11DB5-6429-47E2-9486-DE0D046F27B6}" dt="2023-12-10T07:35:33.615" v="21" actId="478"/>
+          <ac:spMkLst>
+            <pc:docMk/>
+            <pc:sldMk cId="2420384765" sldId="262"/>
+            <ac:spMk id="17" creationId="{DC74A134-0591-C52C-4AD8-3A703CA014E7}"/>
+          </ac:spMkLst>
+        </pc:spChg>
+        <pc:spChg chg="mod">
+          <ac:chgData name="Bo Tang" userId="332dbdf67b1791cd" providerId="LiveId" clId="{C8C11DB5-6429-47E2-9486-DE0D046F27B6}" dt="2023-12-10T07:34:11.042" v="5" actId="165"/>
+          <ac:spMkLst>
+            <pc:docMk/>
+            <pc:sldMk cId="2420384765" sldId="262"/>
+            <ac:spMk id="19" creationId="{415FDC88-4F6C-7D34-5516-05B4E4F4472B}"/>
+          </ac:spMkLst>
+        </pc:spChg>
+        <pc:spChg chg="mod">
+          <ac:chgData name="Bo Tang" userId="332dbdf67b1791cd" providerId="LiveId" clId="{C8C11DB5-6429-47E2-9486-DE0D046F27B6}" dt="2023-12-10T07:34:11.042" v="5" actId="165"/>
+          <ac:spMkLst>
+            <pc:docMk/>
+            <pc:sldMk cId="2420384765" sldId="262"/>
+            <ac:spMk id="20" creationId="{DB62567C-C8D6-D2FC-E3DD-2048BE1D45CB}"/>
+          </ac:spMkLst>
+        </pc:spChg>
+        <pc:spChg chg="mod">
+          <ac:chgData name="Bo Tang" userId="332dbdf67b1791cd" providerId="LiveId" clId="{C8C11DB5-6429-47E2-9486-DE0D046F27B6}" dt="2023-12-10T07:34:11.042" v="5" actId="165"/>
+          <ac:spMkLst>
+            <pc:docMk/>
+            <pc:sldMk cId="2420384765" sldId="262"/>
+            <ac:spMk id="23" creationId="{E4F56FFC-9744-F30A-F6AE-C3C461608883}"/>
+          </ac:spMkLst>
+        </pc:spChg>
+        <pc:spChg chg="mod">
+          <ac:chgData name="Bo Tang" userId="332dbdf67b1791cd" providerId="LiveId" clId="{C8C11DB5-6429-47E2-9486-DE0D046F27B6}" dt="2023-12-10T07:34:11.042" v="5" actId="165"/>
+          <ac:spMkLst>
+            <pc:docMk/>
+            <pc:sldMk cId="2420384765" sldId="262"/>
+            <ac:spMk id="24" creationId="{D1B33750-B298-AF04-8296-DEE8CD796C71}"/>
+          </ac:spMkLst>
+        </pc:spChg>
+        <pc:spChg chg="mod">
+          <ac:chgData name="Bo Tang" userId="332dbdf67b1791cd" providerId="LiveId" clId="{C8C11DB5-6429-47E2-9486-DE0D046F27B6}" dt="2023-12-10T07:34:11.042" v="5" actId="165"/>
+          <ac:spMkLst>
+            <pc:docMk/>
+            <pc:sldMk cId="2420384765" sldId="262"/>
+            <ac:spMk id="25" creationId="{F2729EC0-838A-3C02-2860-7092994C7331}"/>
+          </ac:spMkLst>
+        </pc:spChg>
+        <pc:spChg chg="del mod">
+          <ac:chgData name="Bo Tang" userId="332dbdf67b1791cd" providerId="LiveId" clId="{C8C11DB5-6429-47E2-9486-DE0D046F27B6}" dt="2023-12-10T07:35:17.083" v="16" actId="478"/>
+          <ac:spMkLst>
+            <pc:docMk/>
+            <pc:sldMk cId="2420384765" sldId="262"/>
+            <ac:spMk id="36" creationId="{0995E40E-B402-15E1-C9E8-ACF7395635CB}"/>
+          </ac:spMkLst>
+        </pc:spChg>
+        <pc:spChg chg="del mod">
+          <ac:chgData name="Bo Tang" userId="332dbdf67b1791cd" providerId="LiveId" clId="{C8C11DB5-6429-47E2-9486-DE0D046F27B6}" dt="2023-12-10T07:37:10.202" v="43" actId="478"/>
+          <ac:spMkLst>
+            <pc:docMk/>
+            <pc:sldMk cId="2420384765" sldId="262"/>
+            <ac:spMk id="37" creationId="{D017E965-E101-24DD-F822-93665B9D2F30}"/>
+          </ac:spMkLst>
+        </pc:spChg>
+        <pc:spChg chg="del mod">
+          <ac:chgData name="Bo Tang" userId="332dbdf67b1791cd" providerId="LiveId" clId="{C8C11DB5-6429-47E2-9486-DE0D046F27B6}" dt="2023-12-10T07:35:20.591" v="17" actId="478"/>
+          <ac:spMkLst>
+            <pc:docMk/>
+            <pc:sldMk cId="2420384765" sldId="262"/>
+            <ac:spMk id="38" creationId="{F419CA97-60A0-EE8E-ABBC-B63D96A47607}"/>
+          </ac:spMkLst>
+        </pc:spChg>
+        <pc:spChg chg="mod">
+          <ac:chgData name="Bo Tang" userId="332dbdf67b1791cd" providerId="LiveId" clId="{C8C11DB5-6429-47E2-9486-DE0D046F27B6}" dt="2023-12-10T07:58:42.536" v="328" actId="165"/>
+          <ac:spMkLst>
+            <pc:docMk/>
+            <pc:sldMk cId="2420384765" sldId="262"/>
+            <ac:spMk id="42" creationId="{D5ACADBF-FDB2-9083-5CE0-60C6C7CD0DA9}"/>
+          </ac:spMkLst>
+        </pc:spChg>
+        <pc:spChg chg="mod">
+          <ac:chgData name="Bo Tang" userId="332dbdf67b1791cd" providerId="LiveId" clId="{C8C11DB5-6429-47E2-9486-DE0D046F27B6}" dt="2023-12-10T07:58:42.536" v="328" actId="165"/>
+          <ac:spMkLst>
+            <pc:docMk/>
+            <pc:sldMk cId="2420384765" sldId="262"/>
+            <ac:spMk id="43" creationId="{7CEBF9D7-CB55-8BC8-C1A1-E6E218F72BCB}"/>
+          </ac:spMkLst>
+        </pc:spChg>
+        <pc:spChg chg="add mod topLvl">
+          <ac:chgData name="Bo Tang" userId="332dbdf67b1791cd" providerId="LiveId" clId="{C8C11DB5-6429-47E2-9486-DE0D046F27B6}" dt="2023-12-10T08:01:48.120" v="469" actId="164"/>
+          <ac:spMkLst>
+            <pc:docMk/>
+            <pc:sldMk cId="2420384765" sldId="262"/>
+            <ac:spMk id="79" creationId="{FD89355D-08C8-CF0B-BDE1-1408679D31D8}"/>
+          </ac:spMkLst>
+        </pc:spChg>
+        <pc:spChg chg="add mod ord topLvl">
+          <ac:chgData name="Bo Tang" userId="332dbdf67b1791cd" providerId="LiveId" clId="{C8C11DB5-6429-47E2-9486-DE0D046F27B6}" dt="2023-12-10T08:01:48.120" v="469" actId="164"/>
+          <ac:spMkLst>
+            <pc:docMk/>
+            <pc:sldMk cId="2420384765" sldId="262"/>
+            <ac:spMk id="80" creationId="{85C2F205-8A51-94AA-8DDE-67F7C3093BBD}"/>
+          </ac:spMkLst>
+        </pc:spChg>
+        <pc:spChg chg="add mod ord topLvl">
+          <ac:chgData name="Bo Tang" userId="332dbdf67b1791cd" providerId="LiveId" clId="{C8C11DB5-6429-47E2-9486-DE0D046F27B6}" dt="2023-12-10T08:01:48.120" v="469" actId="164"/>
+          <ac:spMkLst>
+            <pc:docMk/>
+            <pc:sldMk cId="2420384765" sldId="262"/>
+            <ac:spMk id="81" creationId="{43E801F7-9288-1BA3-E297-8767438E9BA9}"/>
+          </ac:spMkLst>
+        </pc:spChg>
+        <pc:spChg chg="add del mod">
+          <ac:chgData name="Bo Tang" userId="332dbdf67b1791cd" providerId="LiveId" clId="{C8C11DB5-6429-47E2-9486-DE0D046F27B6}" dt="2023-12-10T07:49:29.866" v="176" actId="478"/>
+          <ac:spMkLst>
+            <pc:docMk/>
+            <pc:sldMk cId="2420384765" sldId="262"/>
+            <ac:spMk id="82" creationId="{287F9716-5B59-8612-48C5-77ADC826D75C}"/>
+          </ac:spMkLst>
+        </pc:spChg>
+        <pc:spChg chg="add del">
+          <ac:chgData name="Bo Tang" userId="332dbdf67b1791cd" providerId="LiveId" clId="{C8C11DB5-6429-47E2-9486-DE0D046F27B6}" dt="2023-12-10T07:49:26.682" v="171" actId="11529"/>
+          <ac:spMkLst>
+            <pc:docMk/>
+            <pc:sldMk cId="2420384765" sldId="262"/>
+            <ac:spMk id="83" creationId="{CC84B3F2-03E8-7ACB-06A6-72FF7445E3F8}"/>
+          </ac:spMkLst>
+        </pc:spChg>
+        <pc:spChg chg="add mod ord topLvl">
+          <ac:chgData name="Bo Tang" userId="332dbdf67b1791cd" providerId="LiveId" clId="{C8C11DB5-6429-47E2-9486-DE0D046F27B6}" dt="2023-12-10T08:01:48.120" v="469" actId="164"/>
+          <ac:spMkLst>
+            <pc:docMk/>
+            <pc:sldMk cId="2420384765" sldId="262"/>
+            <ac:spMk id="84" creationId="{E1C9D5B4-0654-02B5-AFEC-F74C2F1EEC0C}"/>
+          </ac:spMkLst>
+        </pc:spChg>
+        <pc:spChg chg="add mod ord topLvl">
+          <ac:chgData name="Bo Tang" userId="332dbdf67b1791cd" providerId="LiveId" clId="{C8C11DB5-6429-47E2-9486-DE0D046F27B6}" dt="2023-12-10T08:01:48.120" v="469" actId="164"/>
+          <ac:spMkLst>
+            <pc:docMk/>
+            <pc:sldMk cId="2420384765" sldId="262"/>
+            <ac:spMk id="85" creationId="{EF21518B-D895-BDBB-F844-1DD1581F558D}"/>
+          </ac:spMkLst>
+        </pc:spChg>
+        <pc:spChg chg="add mod">
+          <ac:chgData name="Bo Tang" userId="332dbdf67b1791cd" providerId="LiveId" clId="{C8C11DB5-6429-47E2-9486-DE0D046F27B6}" dt="2023-12-10T08:01:48.120" v="469" actId="164"/>
+          <ac:spMkLst>
+            <pc:docMk/>
+            <pc:sldMk cId="2420384765" sldId="262"/>
+            <ac:spMk id="102" creationId="{75BBFFA9-7F78-F0CC-6B26-089701FD8448}"/>
+          </ac:spMkLst>
+        </pc:spChg>
+        <pc:spChg chg="add mod">
+          <ac:chgData name="Bo Tang" userId="332dbdf67b1791cd" providerId="LiveId" clId="{C8C11DB5-6429-47E2-9486-DE0D046F27B6}" dt="2023-12-10T08:01:48.120" v="469" actId="164"/>
+          <ac:spMkLst>
+            <pc:docMk/>
+            <pc:sldMk cId="2420384765" sldId="262"/>
+            <ac:spMk id="103" creationId="{E2A54235-71D9-A02D-E6FB-84492C12766D}"/>
+          </ac:spMkLst>
+        </pc:spChg>
+        <pc:grpChg chg="add del mod">
+          <ac:chgData name="Bo Tang" userId="332dbdf67b1791cd" providerId="LiveId" clId="{C8C11DB5-6429-47E2-9486-DE0D046F27B6}" dt="2023-12-10T07:34:11.042" v="5" actId="165"/>
+          <ac:grpSpMkLst>
+            <pc:docMk/>
+            <pc:sldMk cId="2420384765" sldId="262"/>
+            <ac:grpSpMk id="4" creationId="{DF5CAAB9-CF31-6956-F204-56CE1F5C556D}"/>
+          </ac:grpSpMkLst>
+        </pc:grpChg>
+        <pc:grpChg chg="mod ord topLvl">
+          <ac:chgData name="Bo Tang" userId="332dbdf67b1791cd" providerId="LiveId" clId="{C8C11DB5-6429-47E2-9486-DE0D046F27B6}" dt="2023-12-10T08:01:48.120" v="469" actId="164"/>
+          <ac:grpSpMkLst>
+            <pc:docMk/>
+            <pc:sldMk cId="2420384765" sldId="262"/>
+            <ac:grpSpMk id="6" creationId="{638AA36F-489F-4C5B-246F-4892319375BF}"/>
+          </ac:grpSpMkLst>
+        </pc:grpChg>
+        <pc:grpChg chg="del mod topLvl">
+          <ac:chgData name="Bo Tang" userId="332dbdf67b1791cd" providerId="LiveId" clId="{C8C11DB5-6429-47E2-9486-DE0D046F27B6}" dt="2023-12-10T07:35:30.889" v="20" actId="478"/>
+          <ac:grpSpMkLst>
+            <pc:docMk/>
+            <pc:sldMk cId="2420384765" sldId="262"/>
+            <ac:grpSpMk id="7" creationId="{455DA40B-6DB4-6A38-16B2-41CB947D0300}"/>
+          </ac:grpSpMkLst>
+        </pc:grpChg>
+        <pc:grpChg chg="del mod topLvl">
+          <ac:chgData name="Bo Tang" userId="332dbdf67b1791cd" providerId="LiveId" clId="{C8C11DB5-6429-47E2-9486-DE0D046F27B6}" dt="2023-12-10T07:35:35.249" v="22" actId="478"/>
+          <ac:grpSpMkLst>
+            <pc:docMk/>
+            <pc:sldMk cId="2420384765" sldId="262"/>
+            <ac:grpSpMk id="8" creationId="{E4413349-0898-B067-D1CF-251EB1EA9DB7}"/>
+          </ac:grpSpMkLst>
+        </pc:grpChg>
+        <pc:grpChg chg="del mod topLvl">
+          <ac:chgData name="Bo Tang" userId="332dbdf67b1791cd" providerId="LiveId" clId="{C8C11DB5-6429-47E2-9486-DE0D046F27B6}" dt="2023-12-10T07:34:18.384" v="7" actId="478"/>
+          <ac:grpSpMkLst>
+            <pc:docMk/>
+            <pc:sldMk cId="2420384765" sldId="262"/>
+            <ac:grpSpMk id="9" creationId="{12ADFF51-ADA3-E1E5-5998-ED047B5B8A3A}"/>
+          </ac:grpSpMkLst>
+        </pc:grpChg>
+        <pc:grpChg chg="mod">
+          <ac:chgData name="Bo Tang" userId="332dbdf67b1791cd" providerId="LiveId" clId="{C8C11DB5-6429-47E2-9486-DE0D046F27B6}" dt="2023-12-10T07:34:11.042" v="5" actId="165"/>
+          <ac:grpSpMkLst>
+            <pc:docMk/>
+            <pc:sldMk cId="2420384765" sldId="262"/>
+            <ac:grpSpMk id="11" creationId="{3B1B7BCF-AF44-081C-966E-2D1F039AD606}"/>
+          </ac:grpSpMkLst>
+        </pc:grpChg>
+        <pc:grpChg chg="mod">
+          <ac:chgData name="Bo Tang" userId="332dbdf67b1791cd" providerId="LiveId" clId="{C8C11DB5-6429-47E2-9486-DE0D046F27B6}" dt="2023-12-10T07:34:11.042" v="5" actId="165"/>
+          <ac:grpSpMkLst>
+            <pc:docMk/>
+            <pc:sldMk cId="2420384765" sldId="262"/>
+            <ac:grpSpMk id="18" creationId="{2B90DD3F-6629-4DCB-B9E4-3FD6A2F12C4B}"/>
+          </ac:grpSpMkLst>
+        </pc:grpChg>
+        <pc:grpChg chg="mod">
+          <ac:chgData name="Bo Tang" userId="332dbdf67b1791cd" providerId="LiveId" clId="{C8C11DB5-6429-47E2-9486-DE0D046F27B6}" dt="2023-12-10T07:58:42.536" v="328" actId="165"/>
+          <ac:grpSpMkLst>
+            <pc:docMk/>
+            <pc:sldMk cId="2420384765" sldId="262"/>
+            <ac:grpSpMk id="33" creationId="{F1E877A2-E27E-54EB-0BFA-90C4215D49C6}"/>
+          </ac:grpSpMkLst>
+        </pc:grpChg>
+        <pc:grpChg chg="del mod">
+          <ac:chgData name="Bo Tang" userId="332dbdf67b1791cd" providerId="LiveId" clId="{C8C11DB5-6429-47E2-9486-DE0D046F27B6}" dt="2023-12-10T07:37:10.202" v="43" actId="478"/>
+          <ac:grpSpMkLst>
+            <pc:docMk/>
+            <pc:sldMk cId="2420384765" sldId="262"/>
+            <ac:grpSpMk id="34" creationId="{FB8E305A-CF3C-D215-2A04-02DE658CEBB8}"/>
+          </ac:grpSpMkLst>
+        </pc:grpChg>
+        <pc:grpChg chg="del mod">
+          <ac:chgData name="Bo Tang" userId="332dbdf67b1791cd" providerId="LiveId" clId="{C8C11DB5-6429-47E2-9486-DE0D046F27B6}" dt="2023-12-10T07:39:06.322" v="83" actId="478"/>
+          <ac:grpSpMkLst>
+            <pc:docMk/>
+            <pc:sldMk cId="2420384765" sldId="262"/>
+            <ac:grpSpMk id="35" creationId="{CF2C58F3-D78B-C88D-CDB2-2ABDF7C2274F}"/>
+          </ac:grpSpMkLst>
+        </pc:grpChg>
+        <pc:grpChg chg="add mod">
+          <ac:chgData name="Bo Tang" userId="332dbdf67b1791cd" providerId="LiveId" clId="{C8C11DB5-6429-47E2-9486-DE0D046F27B6}" dt="2023-12-10T07:55:31.499" v="289" actId="164"/>
+          <ac:grpSpMkLst>
+            <pc:docMk/>
+            <pc:sldMk cId="2420384765" sldId="262"/>
+            <ac:grpSpMk id="86" creationId="{52512B36-D7CF-9148-44A0-0883B1240C99}"/>
+          </ac:grpSpMkLst>
+        </pc:grpChg>
+        <pc:grpChg chg="add del mod">
+          <ac:chgData name="Bo Tang" userId="332dbdf67b1791cd" providerId="LiveId" clId="{C8C11DB5-6429-47E2-9486-DE0D046F27B6}" dt="2023-12-10T07:58:42.536" v="328" actId="165"/>
+          <ac:grpSpMkLst>
+            <pc:docMk/>
+            <pc:sldMk cId="2420384765" sldId="262"/>
+            <ac:grpSpMk id="87" creationId="{75A82F5F-1031-33D3-7662-8DD16B2681F1}"/>
+          </ac:grpSpMkLst>
+        </pc:grpChg>
+        <pc:grpChg chg="add mod">
+          <ac:chgData name="Bo Tang" userId="332dbdf67b1791cd" providerId="LiveId" clId="{C8C11DB5-6429-47E2-9486-DE0D046F27B6}" dt="2023-12-10T08:01:48.120" v="469" actId="164"/>
+          <ac:grpSpMkLst>
+            <pc:docMk/>
+            <pc:sldMk cId="2420384765" sldId="262"/>
+            <ac:grpSpMk id="104" creationId="{36A8305E-E7AB-E8E4-1F9F-2B64CBF0FCD0}"/>
+          </ac:grpSpMkLst>
+        </pc:grpChg>
+        <pc:cxnChg chg="mod">
+          <ac:chgData name="Bo Tang" userId="332dbdf67b1791cd" providerId="LiveId" clId="{C8C11DB5-6429-47E2-9486-DE0D046F27B6}" dt="2023-12-10T07:34:11.042" v="5" actId="165"/>
+          <ac:cxnSpMkLst>
+            <pc:docMk/>
+            <pc:sldMk cId="2420384765" sldId="262"/>
+            <ac:cxnSpMk id="10" creationId="{63F80C1A-F3C3-5C8D-F6FC-24177B215531}"/>
+          </ac:cxnSpMkLst>
+        </pc:cxnChg>
+        <pc:cxnChg chg="mod">
+          <ac:chgData name="Bo Tang" userId="332dbdf67b1791cd" providerId="LiveId" clId="{C8C11DB5-6429-47E2-9486-DE0D046F27B6}" dt="2023-12-10T07:34:11.042" v="5" actId="165"/>
+          <ac:cxnSpMkLst>
+            <pc:docMk/>
+            <pc:sldMk cId="2420384765" sldId="262"/>
+            <ac:cxnSpMk id="13" creationId="{876AE307-CD2A-7BC4-A113-88EF5047A4B7}"/>
+          </ac:cxnSpMkLst>
+        </pc:cxnChg>
+        <pc:cxnChg chg="mod">
+          <ac:chgData name="Bo Tang" userId="332dbdf67b1791cd" providerId="LiveId" clId="{C8C11DB5-6429-47E2-9486-DE0D046F27B6}" dt="2023-12-10T07:34:11.042" v="5" actId="165"/>
+          <ac:cxnSpMkLst>
+            <pc:docMk/>
+            <pc:sldMk cId="2420384765" sldId="262"/>
+            <ac:cxnSpMk id="21" creationId="{B07D7846-D1EA-6165-7254-9CCEF4F5219C}"/>
+          </ac:cxnSpMkLst>
+        </pc:cxnChg>
+        <pc:cxnChg chg="del mod">
+          <ac:chgData name="Bo Tang" userId="332dbdf67b1791cd" providerId="LiveId" clId="{C8C11DB5-6429-47E2-9486-DE0D046F27B6}" dt="2023-12-10T07:35:12.253" v="15" actId="478"/>
+          <ac:cxnSpMkLst>
+            <pc:docMk/>
+            <pc:sldMk cId="2420384765" sldId="262"/>
+            <ac:cxnSpMk id="22" creationId="{F2297890-5241-6D00-3FC0-91A65C4A24E4}"/>
+          </ac:cxnSpMkLst>
+        </pc:cxnChg>
+        <pc:cxnChg chg="mod">
+          <ac:chgData name="Bo Tang" userId="332dbdf67b1791cd" providerId="LiveId" clId="{C8C11DB5-6429-47E2-9486-DE0D046F27B6}" dt="2023-12-10T07:34:11.042" v="5" actId="165"/>
+          <ac:cxnSpMkLst>
+            <pc:docMk/>
+            <pc:sldMk cId="2420384765" sldId="262"/>
+            <ac:cxnSpMk id="26" creationId="{B40829EB-A7C8-AD3D-1248-6153C91ABE40}"/>
+          </ac:cxnSpMkLst>
+        </pc:cxnChg>
+        <pc:cxnChg chg="mod">
+          <ac:chgData name="Bo Tang" userId="332dbdf67b1791cd" providerId="LiveId" clId="{C8C11DB5-6429-47E2-9486-DE0D046F27B6}" dt="2023-12-10T07:34:11.042" v="5" actId="165"/>
+          <ac:cxnSpMkLst>
+            <pc:docMk/>
+            <pc:sldMk cId="2420384765" sldId="262"/>
+            <ac:cxnSpMk id="27" creationId="{DDC1640A-3A1C-F590-11C0-2898DCDE6535}"/>
+          </ac:cxnSpMkLst>
+        </pc:cxnChg>
+        <pc:cxnChg chg="mod">
+          <ac:chgData name="Bo Tang" userId="332dbdf67b1791cd" providerId="LiveId" clId="{C8C11DB5-6429-47E2-9486-DE0D046F27B6}" dt="2023-12-10T07:34:11.042" v="5" actId="165"/>
+          <ac:cxnSpMkLst>
+            <pc:docMk/>
+            <pc:sldMk cId="2420384765" sldId="262"/>
+            <ac:cxnSpMk id="28" creationId="{05625ACA-51CD-1349-4302-A8772453B124}"/>
+          </ac:cxnSpMkLst>
+        </pc:cxnChg>
+        <pc:cxnChg chg="mod">
+          <ac:chgData name="Bo Tang" userId="332dbdf67b1791cd" providerId="LiveId" clId="{C8C11DB5-6429-47E2-9486-DE0D046F27B6}" dt="2023-12-10T07:34:11.042" v="5" actId="165"/>
+          <ac:cxnSpMkLst>
+            <pc:docMk/>
+            <pc:sldMk cId="2420384765" sldId="262"/>
+            <ac:cxnSpMk id="29" creationId="{82F184D4-583E-0ED5-CCBB-38A1C1E5C863}"/>
+          </ac:cxnSpMkLst>
+        </pc:cxnChg>
+        <pc:cxnChg chg="mod">
+          <ac:chgData name="Bo Tang" userId="332dbdf67b1791cd" providerId="LiveId" clId="{C8C11DB5-6429-47E2-9486-DE0D046F27B6}" dt="2023-12-10T07:34:11.042" v="5" actId="165"/>
+          <ac:cxnSpMkLst>
+            <pc:docMk/>
+            <pc:sldMk cId="2420384765" sldId="262"/>
+            <ac:cxnSpMk id="30" creationId="{E93D6CA2-EE22-D7F0-81CE-3DA1A329DE93}"/>
+          </ac:cxnSpMkLst>
+        </pc:cxnChg>
+        <pc:cxnChg chg="mod">
+          <ac:chgData name="Bo Tang" userId="332dbdf67b1791cd" providerId="LiveId" clId="{C8C11DB5-6429-47E2-9486-DE0D046F27B6}" dt="2023-12-10T07:34:11.042" v="5" actId="165"/>
+          <ac:cxnSpMkLst>
+            <pc:docMk/>
+            <pc:sldMk cId="2420384765" sldId="262"/>
+            <ac:cxnSpMk id="31" creationId="{D3E0CCBB-DAE8-2D61-9BC9-F7F85787CFC5}"/>
+          </ac:cxnSpMkLst>
+        </pc:cxnChg>
+        <pc:cxnChg chg="mod">
+          <ac:chgData name="Bo Tang" userId="332dbdf67b1791cd" providerId="LiveId" clId="{C8C11DB5-6429-47E2-9486-DE0D046F27B6}" dt="2023-12-10T07:34:11.042" v="5" actId="165"/>
+          <ac:cxnSpMkLst>
+            <pc:docMk/>
+            <pc:sldMk cId="2420384765" sldId="262"/>
+            <ac:cxnSpMk id="32" creationId="{60212AE8-E0FE-5918-EF33-D65498FADDD8}"/>
+          </ac:cxnSpMkLst>
+        </pc:cxnChg>
+        <pc:cxnChg chg="mod">
+          <ac:chgData name="Bo Tang" userId="332dbdf67b1791cd" providerId="LiveId" clId="{C8C11DB5-6429-47E2-9486-DE0D046F27B6}" dt="2023-12-10T07:58:42.536" v="328" actId="165"/>
+          <ac:cxnSpMkLst>
+            <pc:docMk/>
+            <pc:sldMk cId="2420384765" sldId="262"/>
+            <ac:cxnSpMk id="39" creationId="{D44958E4-9C48-9F26-F548-9ACF2A0112AE}"/>
+          </ac:cxnSpMkLst>
+        </pc:cxnChg>
+        <pc:cxnChg chg="del mod">
+          <ac:chgData name="Bo Tang" userId="332dbdf67b1791cd" providerId="LiveId" clId="{C8C11DB5-6429-47E2-9486-DE0D046F27B6}" dt="2023-12-10T07:35:09.041" v="14" actId="478"/>
+          <ac:cxnSpMkLst>
+            <pc:docMk/>
+            <pc:sldMk cId="2420384765" sldId="262"/>
+            <ac:cxnSpMk id="40" creationId="{18190B92-53E1-CC93-F0D7-9AA0D5DC8BAE}"/>
+          </ac:cxnSpMkLst>
+        </pc:cxnChg>
+        <pc:cxnChg chg="del mod">
+          <ac:chgData name="Bo Tang" userId="332dbdf67b1791cd" providerId="LiveId" clId="{C8C11DB5-6429-47E2-9486-DE0D046F27B6}" dt="2023-12-10T07:39:06.322" v="83" actId="478"/>
+          <ac:cxnSpMkLst>
+            <pc:docMk/>
+            <pc:sldMk cId="2420384765" sldId="262"/>
+            <ac:cxnSpMk id="41" creationId="{2DAFEAE0-AE00-253C-ED0E-5F9A5FA0A96B}"/>
+          </ac:cxnSpMkLst>
+        </pc:cxnChg>
+        <pc:cxnChg chg="add mod topLvl">
+          <ac:chgData name="Bo Tang" userId="332dbdf67b1791cd" providerId="LiveId" clId="{C8C11DB5-6429-47E2-9486-DE0D046F27B6}" dt="2023-12-10T08:01:48.120" v="469" actId="164"/>
+          <ac:cxnSpMkLst>
+            <pc:docMk/>
+            <pc:sldMk cId="2420384765" sldId="262"/>
+            <ac:cxnSpMk id="74" creationId="{2586BFDC-E72C-52EF-E966-F80D73A59AAA}"/>
+          </ac:cxnSpMkLst>
+        </pc:cxnChg>
+        <pc:cxnChg chg="add del mod">
+          <ac:chgData name="Bo Tang" userId="332dbdf67b1791cd" providerId="LiveId" clId="{C8C11DB5-6429-47E2-9486-DE0D046F27B6}" dt="2023-12-10T08:01:48.120" v="469" actId="164"/>
+          <ac:cxnSpMkLst>
+            <pc:docMk/>
+            <pc:sldMk cId="2420384765" sldId="262"/>
+            <ac:cxnSpMk id="88" creationId="{4309454A-C914-A1E2-63DB-19AE90811D30}"/>
+          </ac:cxnSpMkLst>
+        </pc:cxnChg>
+        <pc:cxnChg chg="add del mod">
+          <ac:chgData name="Bo Tang" userId="332dbdf67b1791cd" providerId="LiveId" clId="{C8C11DB5-6429-47E2-9486-DE0D046F27B6}" dt="2023-12-10T07:57:52.328" v="309"/>
+          <ac:cxnSpMkLst>
+            <pc:docMk/>
+            <pc:sldMk cId="2420384765" sldId="262"/>
+            <ac:cxnSpMk id="93" creationId="{2902673D-C5CD-3B81-AC33-7BA10D6ACB9C}"/>
+          </ac:cxnSpMkLst>
+        </pc:cxnChg>
+        <pc:cxnChg chg="add mod">
+          <ac:chgData name="Bo Tang" userId="332dbdf67b1791cd" providerId="LiveId" clId="{C8C11DB5-6429-47E2-9486-DE0D046F27B6}" dt="2023-12-10T08:01:48.120" v="469" actId="164"/>
+          <ac:cxnSpMkLst>
+            <pc:docMk/>
+            <pc:sldMk cId="2420384765" sldId="262"/>
+            <ac:cxnSpMk id="97" creationId="{B997B058-126C-EFE3-7649-7F05B42CA210}"/>
+          </ac:cxnSpMkLst>
+        </pc:cxnChg>
+      </pc:sldChg>
+      <pc:sldChg chg="add del">
+        <pc:chgData name="Bo Tang" userId="332dbdf67b1791cd" providerId="LiveId" clId="{C8C11DB5-6429-47E2-9486-DE0D046F27B6}" dt="2023-12-10T07:32:41.457" v="1" actId="47"/>
+        <pc:sldMkLst>
+          <pc:docMk/>
+          <pc:sldMk cId="3363576262" sldId="262"/>
+        </pc:sldMkLst>
+      </pc:sldChg>
+    </pc:docChg>
+  </pc:docChgLst>
   <pc:docChgLst>
     <pc:chgData name="Tang Bo" userId="332dbdf67b1791cd" providerId="LiveId" clId="{DF6068E5-50CD-406F-88E4-881CC82FB99B}"/>
     <pc:docChg chg="undo custSel addSld delSld modSld">
@@ -9030,7 +9517,7 @@
           <a:p>
             <a:fld id="{B1B9AF34-9AC4-45FB-A759-451273123E49}" type="datetimeFigureOut">
               <a:rPr lang="en-US" smtClean="0"/>
-              <a:t>11/12/2023</a:t>
+              <a:t>12/10/2023</a:t>
             </a:fld>
             <a:endParaRPr lang="en-US"/>
           </a:p>
@@ -9228,7 +9715,7 @@
           <a:p>
             <a:fld id="{B1B9AF34-9AC4-45FB-A759-451273123E49}" type="datetimeFigureOut">
               <a:rPr lang="en-US" smtClean="0"/>
-              <a:t>11/12/2023</a:t>
+              <a:t>12/10/2023</a:t>
             </a:fld>
             <a:endParaRPr lang="en-US"/>
           </a:p>
@@ -9436,7 +9923,7 @@
           <a:p>
             <a:fld id="{B1B9AF34-9AC4-45FB-A759-451273123E49}" type="datetimeFigureOut">
               <a:rPr lang="en-US" smtClean="0"/>
-              <a:t>11/12/2023</a:t>
+              <a:t>12/10/2023</a:t>
             </a:fld>
             <a:endParaRPr lang="en-US"/>
           </a:p>
@@ -9634,7 +10121,7 @@
           <a:p>
             <a:fld id="{B1B9AF34-9AC4-45FB-A759-451273123E49}" type="datetimeFigureOut">
               <a:rPr lang="en-US" smtClean="0"/>
-              <a:t>11/12/2023</a:t>
+              <a:t>12/10/2023</a:t>
             </a:fld>
             <a:endParaRPr lang="en-US"/>
           </a:p>
@@ -9909,7 +10396,7 @@
           <a:p>
             <a:fld id="{B1B9AF34-9AC4-45FB-A759-451273123E49}" type="datetimeFigureOut">
               <a:rPr lang="en-US" smtClean="0"/>
-              <a:t>11/12/2023</a:t>
+              <a:t>12/10/2023</a:t>
             </a:fld>
             <a:endParaRPr lang="en-US"/>
           </a:p>
@@ -10174,7 +10661,7 @@
           <a:p>
             <a:fld id="{B1B9AF34-9AC4-45FB-A759-451273123E49}" type="datetimeFigureOut">
               <a:rPr lang="en-US" smtClean="0"/>
-              <a:t>11/12/2023</a:t>
+              <a:t>12/10/2023</a:t>
             </a:fld>
             <a:endParaRPr lang="en-US"/>
           </a:p>
@@ -10586,7 +11073,7 @@
           <a:p>
             <a:fld id="{B1B9AF34-9AC4-45FB-A759-451273123E49}" type="datetimeFigureOut">
               <a:rPr lang="en-US" smtClean="0"/>
-              <a:t>11/12/2023</a:t>
+              <a:t>12/10/2023</a:t>
             </a:fld>
             <a:endParaRPr lang="en-US"/>
           </a:p>
@@ -10727,7 +11214,7 @@
           <a:p>
             <a:fld id="{B1B9AF34-9AC4-45FB-A759-451273123E49}" type="datetimeFigureOut">
               <a:rPr lang="en-US" smtClean="0"/>
-              <a:t>11/12/2023</a:t>
+              <a:t>12/10/2023</a:t>
             </a:fld>
             <a:endParaRPr lang="en-US"/>
           </a:p>
@@ -10840,7 +11327,7 @@
           <a:p>
             <a:fld id="{B1B9AF34-9AC4-45FB-A759-451273123E49}" type="datetimeFigureOut">
               <a:rPr lang="en-US" smtClean="0"/>
-              <a:t>11/12/2023</a:t>
+              <a:t>12/10/2023</a:t>
             </a:fld>
             <a:endParaRPr lang="en-US"/>
           </a:p>
@@ -11151,7 +11638,7 @@
           <a:p>
             <a:fld id="{B1B9AF34-9AC4-45FB-A759-451273123E49}" type="datetimeFigureOut">
               <a:rPr lang="en-US" smtClean="0"/>
-              <a:t>11/12/2023</a:t>
+              <a:t>12/10/2023</a:t>
             </a:fld>
             <a:endParaRPr lang="en-US"/>
           </a:p>
@@ -11439,7 +11926,7 @@
           <a:p>
             <a:fld id="{B1B9AF34-9AC4-45FB-A759-451273123E49}" type="datetimeFigureOut">
               <a:rPr lang="en-US" smtClean="0"/>
-              <a:t>11/12/2023</a:t>
+              <a:t>12/10/2023</a:t>
             </a:fld>
             <a:endParaRPr lang="en-US"/>
           </a:p>
@@ -11680,7 +12167,7 @@
           <a:p>
             <a:fld id="{B1B9AF34-9AC4-45FB-A759-451273123E49}" type="datetimeFigureOut">
               <a:rPr lang="en-US" smtClean="0"/>
-              <a:t>11/12/2023</a:t>
+              <a:t>12/10/2023</a:t>
             </a:fld>
             <a:endParaRPr lang="en-US"/>
           </a:p>
@@ -14182,6 +14669,940 @@
       </p:grpSpPr>
       <p:grpSp>
         <p:nvGrpSpPr>
+          <p:cNvPr id="104" name="Group 103">
+            <a:extLst>
+              <a:ext uri="{FF2B5EF4-FFF2-40B4-BE49-F238E27FC236}">
+                <a16:creationId xmlns:a16="http://schemas.microsoft.com/office/drawing/2014/main" id="{36A8305E-E7AB-E8E4-1F9F-2B64CBF0FCD0}"/>
+              </a:ext>
+            </a:extLst>
+          </p:cNvPr>
+          <p:cNvGrpSpPr/>
+          <p:nvPr/>
+        </p:nvGrpSpPr>
+        <p:grpSpPr>
+          <a:xfrm>
+            <a:off x="4565248" y="1334402"/>
+            <a:ext cx="2192681" cy="1810227"/>
+            <a:chOff x="4565248" y="1334402"/>
+            <a:chExt cx="2192681" cy="1810227"/>
+          </a:xfrm>
+        </p:grpSpPr>
+        <p:sp>
+          <p:nvSpPr>
+            <p:cNvPr id="85" name="Right Triangle 84">
+              <a:extLst>
+                <a:ext uri="{FF2B5EF4-FFF2-40B4-BE49-F238E27FC236}">
+                  <a16:creationId xmlns:a16="http://schemas.microsoft.com/office/drawing/2014/main" id="{EF21518B-D895-BDBB-F844-1DD1581F558D}"/>
+                </a:ext>
+              </a:extLst>
+            </p:cNvPr>
+            <p:cNvSpPr>
+              <a:spLocks/>
+            </p:cNvSpPr>
+            <p:nvPr/>
+          </p:nvSpPr>
+          <p:spPr>
+            <a:xfrm rot="10800000">
+              <a:off x="5254555" y="1612651"/>
+              <a:ext cx="406094" cy="406094"/>
+            </a:xfrm>
+            <a:prstGeom prst="rtTriangle">
+              <a:avLst/>
+            </a:prstGeom>
+            <a:solidFill>
+              <a:schemeClr val="accent6">
+                <a:lumMod val="40000"/>
+                <a:lumOff val="60000"/>
+              </a:schemeClr>
+            </a:solidFill>
+            <a:ln>
+              <a:noFill/>
+            </a:ln>
+          </p:spPr>
+          <p:style>
+            <a:lnRef idx="2">
+              <a:schemeClr val="accent1">
+                <a:shade val="15000"/>
+              </a:schemeClr>
+            </a:lnRef>
+            <a:fillRef idx="1">
+              <a:schemeClr val="accent1"/>
+            </a:fillRef>
+            <a:effectRef idx="0">
+              <a:schemeClr val="accent1"/>
+            </a:effectRef>
+            <a:fontRef idx="minor">
+              <a:schemeClr val="lt1"/>
+            </a:fontRef>
+          </p:style>
+          <p:txBody>
+            <a:bodyPr rtlCol="0" anchor="ctr"/>
+            <a:lstStyle/>
+            <a:p>
+              <a:pPr algn="ctr"/>
+              <a:endParaRPr lang="en-US"/>
+            </a:p>
+          </p:txBody>
+        </p:sp>
+        <p:sp>
+          <p:nvSpPr>
+            <p:cNvPr id="84" name="Rectangle 83">
+              <a:extLst>
+                <a:ext uri="{FF2B5EF4-FFF2-40B4-BE49-F238E27FC236}">
+                  <a16:creationId xmlns:a16="http://schemas.microsoft.com/office/drawing/2014/main" id="{E1C9D5B4-0654-02B5-AFEC-F74C2F1EEC0C}"/>
+                </a:ext>
+              </a:extLst>
+            </p:cNvPr>
+            <p:cNvSpPr/>
+            <p:nvPr/>
+          </p:nvSpPr>
+          <p:spPr>
+            <a:xfrm>
+              <a:off x="5660649" y="1609725"/>
+              <a:ext cx="1087565" cy="414600"/>
+            </a:xfrm>
+            <a:prstGeom prst="rect">
+              <a:avLst/>
+            </a:prstGeom>
+            <a:solidFill>
+              <a:schemeClr val="accent6">
+                <a:lumMod val="40000"/>
+                <a:lumOff val="60000"/>
+              </a:schemeClr>
+            </a:solidFill>
+            <a:ln>
+              <a:noFill/>
+            </a:ln>
+          </p:spPr>
+          <p:style>
+            <a:lnRef idx="2">
+              <a:schemeClr val="accent1">
+                <a:shade val="15000"/>
+              </a:schemeClr>
+            </a:lnRef>
+            <a:fillRef idx="1">
+              <a:schemeClr val="accent1"/>
+            </a:fillRef>
+            <a:effectRef idx="0">
+              <a:schemeClr val="accent1"/>
+            </a:effectRef>
+            <a:fontRef idx="minor">
+              <a:schemeClr val="lt1"/>
+            </a:fontRef>
+          </p:style>
+          <p:txBody>
+            <a:bodyPr rtlCol="0" anchor="ctr"/>
+            <a:lstStyle/>
+            <a:p>
+              <a:pPr algn="ctr"/>
+              <a:endParaRPr lang="en-US"/>
+            </a:p>
+          </p:txBody>
+        </p:sp>
+        <p:grpSp>
+          <p:nvGrpSpPr>
+            <p:cNvPr id="6" name="Group 5">
+              <a:extLst>
+                <a:ext uri="{FF2B5EF4-FFF2-40B4-BE49-F238E27FC236}">
+                  <a16:creationId xmlns:a16="http://schemas.microsoft.com/office/drawing/2014/main" id="{638AA36F-489F-4C5B-246F-4892319375BF}"/>
+                </a:ext>
+              </a:extLst>
+            </p:cNvPr>
+            <p:cNvGrpSpPr/>
+            <p:nvPr/>
+          </p:nvGrpSpPr>
+          <p:grpSpPr>
+            <a:xfrm>
+              <a:off x="4565248" y="1609725"/>
+              <a:ext cx="2192681" cy="1534904"/>
+              <a:chOff x="4003439" y="1498248"/>
+              <a:chExt cx="2192681" cy="1534904"/>
+            </a:xfrm>
+          </p:grpSpPr>
+          <p:grpSp>
+            <p:nvGrpSpPr>
+              <p:cNvPr id="33" name="Group 32">
+                <a:extLst>
+                  <a:ext uri="{FF2B5EF4-FFF2-40B4-BE49-F238E27FC236}">
+                    <a16:creationId xmlns:a16="http://schemas.microsoft.com/office/drawing/2014/main" id="{F1E877A2-E27E-54EB-0BFA-90C4215D49C6}"/>
+                  </a:ext>
+                </a:extLst>
+              </p:cNvPr>
+              <p:cNvGrpSpPr/>
+              <p:nvPr/>
+            </p:nvGrpSpPr>
+            <p:grpSpPr>
+              <a:xfrm>
+                <a:off x="4003439" y="1912857"/>
+                <a:ext cx="2192681" cy="1120295"/>
+                <a:chOff x="4003439" y="1912857"/>
+                <a:chExt cx="2192681" cy="1120295"/>
+              </a:xfrm>
+            </p:grpSpPr>
+            <p:sp>
+              <p:nvSpPr>
+                <p:cNvPr id="42" name="Rectangle 41">
+                  <a:extLst>
+                    <a:ext uri="{FF2B5EF4-FFF2-40B4-BE49-F238E27FC236}">
+                      <a16:creationId xmlns:a16="http://schemas.microsoft.com/office/drawing/2014/main" id="{D5ACADBF-FDB2-9083-5CE0-60C6C7CD0DA9}"/>
+                    </a:ext>
+                  </a:extLst>
+                </p:cNvPr>
+                <p:cNvSpPr/>
+                <p:nvPr/>
+              </p:nvSpPr>
+              <p:spPr>
+                <a:xfrm>
+                  <a:off x="4003439" y="1912857"/>
+                  <a:ext cx="2190712" cy="1120290"/>
+                </a:xfrm>
+                <a:prstGeom prst="rect">
+                  <a:avLst/>
+                </a:prstGeom>
+                <a:pattFill prst="wdDnDiag">
+                  <a:fgClr>
+                    <a:schemeClr val="accent5">
+                      <a:lumMod val="40000"/>
+                      <a:lumOff val="60000"/>
+                    </a:schemeClr>
+                  </a:fgClr>
+                  <a:bgClr>
+                    <a:schemeClr val="bg1"/>
+                  </a:bgClr>
+                </a:pattFill>
+                <a:ln>
+                  <a:noFill/>
+                </a:ln>
+              </p:spPr>
+              <p:style>
+                <a:lnRef idx="2">
+                  <a:schemeClr val="accent1">
+                    <a:shade val="50000"/>
+                  </a:schemeClr>
+                </a:lnRef>
+                <a:fillRef idx="1">
+                  <a:schemeClr val="accent1"/>
+                </a:fillRef>
+                <a:effectRef idx="0">
+                  <a:schemeClr val="accent1"/>
+                </a:effectRef>
+                <a:fontRef idx="minor">
+                  <a:schemeClr val="lt1"/>
+                </a:fontRef>
+              </p:style>
+              <p:txBody>
+                <a:bodyPr rtlCol="0" anchor="ctr"/>
+                <a:lstStyle/>
+                <a:p>
+                  <a:pPr algn="ctr"/>
+                  <a:endParaRPr lang="en-US" dirty="0"/>
+                </a:p>
+              </p:txBody>
+            </p:sp>
+            <p:sp>
+              <p:nvSpPr>
+                <p:cNvPr id="43" name="Isosceles Triangle 42">
+                  <a:extLst>
+                    <a:ext uri="{FF2B5EF4-FFF2-40B4-BE49-F238E27FC236}">
+                      <a16:creationId xmlns:a16="http://schemas.microsoft.com/office/drawing/2014/main" id="{7CEBF9D7-CB55-8BC8-C1A1-E6E218F72BCB}"/>
+                    </a:ext>
+                  </a:extLst>
+                </p:cNvPr>
+                <p:cNvSpPr/>
+                <p:nvPr/>
+              </p:nvSpPr>
+              <p:spPr>
+                <a:xfrm rot="10800000">
+                  <a:off x="5098840" y="1912859"/>
+                  <a:ext cx="1097280" cy="1120293"/>
+                </a:xfrm>
+                <a:prstGeom prst="triangle">
+                  <a:avLst>
+                    <a:gd name="adj" fmla="val 0"/>
+                  </a:avLst>
+                </a:prstGeom>
+                <a:solidFill>
+                  <a:schemeClr val="bg1"/>
+                </a:solidFill>
+                <a:ln>
+                  <a:noFill/>
+                </a:ln>
+              </p:spPr>
+              <p:style>
+                <a:lnRef idx="2">
+                  <a:schemeClr val="accent1">
+                    <a:shade val="50000"/>
+                  </a:schemeClr>
+                </a:lnRef>
+                <a:fillRef idx="1">
+                  <a:schemeClr val="accent1"/>
+                </a:fillRef>
+                <a:effectRef idx="0">
+                  <a:schemeClr val="accent1"/>
+                </a:effectRef>
+                <a:fontRef idx="minor">
+                  <a:schemeClr val="lt1"/>
+                </a:fontRef>
+              </p:style>
+              <p:txBody>
+                <a:bodyPr rtlCol="0" anchor="ctr"/>
+                <a:lstStyle/>
+                <a:p>
+                  <a:pPr algn="ctr"/>
+                  <a:endParaRPr lang="en-US"/>
+                </a:p>
+              </p:txBody>
+            </p:sp>
+          </p:grpSp>
+          <p:cxnSp>
+            <p:nvCxnSpPr>
+              <p:cNvPr id="39" name="Straight Connector 38">
+                <a:extLst>
+                  <a:ext uri="{FF2B5EF4-FFF2-40B4-BE49-F238E27FC236}">
+                    <a16:creationId xmlns:a16="http://schemas.microsoft.com/office/drawing/2014/main" id="{D44958E4-9C48-9F26-F548-9ACF2A0112AE}"/>
+                  </a:ext>
+                </a:extLst>
+              </p:cNvPr>
+              <p:cNvCxnSpPr>
+                <a:cxnSpLocks/>
+                <a:endCxn id="43" idx="0"/>
+              </p:cNvCxnSpPr>
+              <p:nvPr/>
+            </p:nvCxnSpPr>
+            <p:spPr>
+              <a:xfrm>
+                <a:off x="4692746" y="1498248"/>
+                <a:ext cx="1503374" cy="1534904"/>
+              </a:xfrm>
+              <a:prstGeom prst="line">
+                <a:avLst/>
+              </a:prstGeom>
+              <a:ln w="12700">
+                <a:solidFill>
+                  <a:schemeClr val="accent5">
+                    <a:lumMod val="75000"/>
+                  </a:schemeClr>
+                </a:solidFill>
+              </a:ln>
+            </p:spPr>
+            <p:style>
+              <a:lnRef idx="1">
+                <a:schemeClr val="accent1"/>
+              </a:lnRef>
+              <a:fillRef idx="0">
+                <a:schemeClr val="accent1"/>
+              </a:fillRef>
+              <a:effectRef idx="0">
+                <a:schemeClr val="accent1"/>
+              </a:effectRef>
+              <a:fontRef idx="minor">
+                <a:schemeClr val="tx1"/>
+              </a:fontRef>
+            </p:style>
+          </p:cxnSp>
+        </p:grpSp>
+        <p:cxnSp>
+          <p:nvCxnSpPr>
+            <p:cNvPr id="74" name="Straight Connector 73">
+              <a:extLst>
+                <a:ext uri="{FF2B5EF4-FFF2-40B4-BE49-F238E27FC236}">
+                  <a16:creationId xmlns:a16="http://schemas.microsoft.com/office/drawing/2014/main" id="{2586BFDC-E72C-52EF-E966-F80D73A59AAA}"/>
+                </a:ext>
+              </a:extLst>
+            </p:cNvPr>
+            <p:cNvCxnSpPr>
+              <a:cxnSpLocks/>
+              <a:stCxn id="43" idx="2"/>
+            </p:cNvCxnSpPr>
+            <p:nvPr/>
+          </p:nvCxnSpPr>
+          <p:spPr>
+            <a:xfrm flipH="1" flipV="1">
+              <a:off x="4565248" y="2024335"/>
+              <a:ext cx="2192681" cy="1"/>
+            </a:xfrm>
+            <a:prstGeom prst="line">
+              <a:avLst/>
+            </a:prstGeom>
+            <a:ln w="12700">
+              <a:solidFill>
+                <a:schemeClr val="accent5">
+                  <a:lumMod val="75000"/>
+                </a:schemeClr>
+              </a:solidFill>
+            </a:ln>
+          </p:spPr>
+          <p:style>
+            <a:lnRef idx="1">
+              <a:schemeClr val="accent1"/>
+            </a:lnRef>
+            <a:fillRef idx="0">
+              <a:schemeClr val="accent1"/>
+            </a:fillRef>
+            <a:effectRef idx="0">
+              <a:schemeClr val="accent1"/>
+            </a:effectRef>
+            <a:fontRef idx="minor">
+              <a:schemeClr val="tx1"/>
+            </a:fontRef>
+          </p:style>
+        </p:cxnSp>
+        <p:sp>
+          <p:nvSpPr>
+            <p:cNvPr id="79" name="TextBox 78">
+              <a:extLst>
+                <a:ext uri="{FF2B5EF4-FFF2-40B4-BE49-F238E27FC236}">
+                  <a16:creationId xmlns:a16="http://schemas.microsoft.com/office/drawing/2014/main" id="{FD89355D-08C8-CF0B-BDE1-1408679D31D8}"/>
+                </a:ext>
+              </a:extLst>
+            </p:cNvPr>
+            <p:cNvSpPr txBox="1"/>
+            <p:nvPr/>
+          </p:nvSpPr>
+          <p:spPr>
+            <a:xfrm>
+              <a:off x="4926191" y="2530247"/>
+              <a:ext cx="969689" cy="184666"/>
+            </a:xfrm>
+            <a:prstGeom prst="rect">
+              <a:avLst/>
+            </a:prstGeom>
+            <a:solidFill>
+              <a:schemeClr val="bg1"/>
+            </a:solidFill>
+          </p:spPr>
+          <p:txBody>
+            <a:bodyPr wrap="square" lIns="0" tIns="0" rIns="0" bIns="0" rtlCol="0">
+              <a:spAutoFit/>
+            </a:bodyPr>
+            <a:lstStyle/>
+            <a:p>
+              <a:pPr/>
+              <a:r>
+                <a:rPr lang="en-US" sz="1200" dirty="0">
+                  <a:solidFill>
+                    <a:schemeClr val="accent5">
+                      <a:lumMod val="75000"/>
+                    </a:schemeClr>
+                  </a:solidFill>
+                </a:rPr>
+                <a:t>Feasible Region</a:t>
+              </a:r>
+            </a:p>
+          </p:txBody>
+        </p:sp>
+        <p:sp>
+          <p:nvSpPr>
+            <p:cNvPr id="80" name="Oval 79">
+              <a:extLst>
+                <a:ext uri="{FF2B5EF4-FFF2-40B4-BE49-F238E27FC236}">
+                  <a16:creationId xmlns:a16="http://schemas.microsoft.com/office/drawing/2014/main" id="{85C2F205-8A51-94AA-8DDE-67F7C3093BBD}"/>
+                </a:ext>
+              </a:extLst>
+            </p:cNvPr>
+            <p:cNvSpPr/>
+            <p:nvPr/>
+          </p:nvSpPr>
+          <p:spPr>
+            <a:xfrm>
+              <a:off x="5635595" y="2001211"/>
+              <a:ext cx="52077" cy="52077"/>
+            </a:xfrm>
+            <a:prstGeom prst="ellipse">
+              <a:avLst/>
+            </a:prstGeom>
+            <a:solidFill>
+              <a:schemeClr val="accent6">
+                <a:lumMod val="75000"/>
+              </a:schemeClr>
+            </a:solidFill>
+            <a:ln>
+              <a:noFill/>
+            </a:ln>
+          </p:spPr>
+          <p:style>
+            <a:lnRef idx="2">
+              <a:schemeClr val="accent1">
+                <a:shade val="50000"/>
+              </a:schemeClr>
+            </a:lnRef>
+            <a:fillRef idx="1">
+              <a:schemeClr val="accent1"/>
+            </a:fillRef>
+            <a:effectRef idx="0">
+              <a:schemeClr val="accent1"/>
+            </a:effectRef>
+            <a:fontRef idx="minor">
+              <a:schemeClr val="lt1"/>
+            </a:fontRef>
+          </p:style>
+          <p:txBody>
+            <a:bodyPr rtlCol="0" anchor="ctr"/>
+            <a:lstStyle/>
+            <a:p>
+              <a:pPr algn="ctr"/>
+              <a:endParaRPr lang="en-US"/>
+            </a:p>
+          </p:txBody>
+        </p:sp>
+        <p:cxnSp>
+          <p:nvCxnSpPr>
+            <p:cNvPr id="88" name="Straight Arrow Connector 87">
+              <a:extLst>
+                <a:ext uri="{FF2B5EF4-FFF2-40B4-BE49-F238E27FC236}">
+                  <a16:creationId xmlns:a16="http://schemas.microsoft.com/office/drawing/2014/main" id="{4309454A-C914-A1E2-63DB-19AE90811D30}"/>
+                </a:ext>
+              </a:extLst>
+            </p:cNvPr>
+            <p:cNvCxnSpPr>
+              <a:cxnSpLocks/>
+              <a:stCxn id="80" idx="0"/>
+            </p:cNvCxnSpPr>
+            <p:nvPr/>
+          </p:nvCxnSpPr>
+          <p:spPr>
+            <a:xfrm flipV="1">
+              <a:off x="5661634" y="1503680"/>
+              <a:ext cx="185446" cy="497531"/>
+            </a:xfrm>
+            <a:prstGeom prst="straightConnector1">
+              <a:avLst/>
+            </a:prstGeom>
+            <a:ln w="9525">
+              <a:solidFill>
+                <a:schemeClr val="tx2">
+                  <a:lumMod val="75000"/>
+                </a:schemeClr>
+              </a:solidFill>
+              <a:tailEnd type="triangle"/>
+            </a:ln>
+          </p:spPr>
+          <p:style>
+            <a:lnRef idx="1">
+              <a:schemeClr val="accent1"/>
+            </a:lnRef>
+            <a:fillRef idx="0">
+              <a:schemeClr val="accent1"/>
+            </a:fillRef>
+            <a:effectRef idx="0">
+              <a:schemeClr val="accent1"/>
+            </a:effectRef>
+            <a:fontRef idx="minor">
+              <a:schemeClr val="tx1"/>
+            </a:fontRef>
+          </p:style>
+        </p:cxnSp>
+        <p:cxnSp>
+          <p:nvCxnSpPr>
+            <p:cNvPr id="97" name="Straight Arrow Connector 96">
+              <a:extLst>
+                <a:ext uri="{FF2B5EF4-FFF2-40B4-BE49-F238E27FC236}">
+                  <a16:creationId xmlns:a16="http://schemas.microsoft.com/office/drawing/2014/main" id="{B997B058-126C-EFE3-7649-7F05B42CA210}"/>
+                </a:ext>
+              </a:extLst>
+            </p:cNvPr>
+            <p:cNvCxnSpPr>
+              <a:cxnSpLocks/>
+              <a:stCxn id="80" idx="7"/>
+            </p:cNvCxnSpPr>
+            <p:nvPr/>
+          </p:nvCxnSpPr>
+          <p:spPr>
+            <a:xfrm flipV="1">
+              <a:off x="5680045" y="1692275"/>
+              <a:ext cx="638205" cy="316563"/>
+            </a:xfrm>
+            <a:prstGeom prst="straightConnector1">
+              <a:avLst/>
+            </a:prstGeom>
+            <a:ln w="9525">
+              <a:solidFill>
+                <a:schemeClr val="tx2">
+                  <a:lumMod val="75000"/>
+                </a:schemeClr>
+              </a:solidFill>
+              <a:tailEnd type="triangle"/>
+            </a:ln>
+          </p:spPr>
+          <p:style>
+            <a:lnRef idx="1">
+              <a:schemeClr val="accent1"/>
+            </a:lnRef>
+            <a:fillRef idx="0">
+              <a:schemeClr val="accent1"/>
+            </a:fillRef>
+            <a:effectRef idx="0">
+              <a:schemeClr val="accent1"/>
+            </a:effectRef>
+            <a:fontRef idx="minor">
+              <a:schemeClr val="tx1"/>
+            </a:fontRef>
+          </p:style>
+        </p:cxnSp>
+        <p:sp>
+          <p:nvSpPr>
+            <p:cNvPr id="81" name="TextBox 80">
+              <a:extLst>
+                <a:ext uri="{FF2B5EF4-FFF2-40B4-BE49-F238E27FC236}">
+                  <a16:creationId xmlns:a16="http://schemas.microsoft.com/office/drawing/2014/main" id="{43E801F7-9288-1BA3-E297-8767438E9BA9}"/>
+                </a:ext>
+              </a:extLst>
+            </p:cNvPr>
+            <p:cNvSpPr txBox="1"/>
+            <p:nvPr/>
+          </p:nvSpPr>
+          <p:spPr>
+            <a:xfrm>
+              <a:off x="5965949" y="1827586"/>
+              <a:ext cx="782265" cy="169277"/>
+            </a:xfrm>
+            <a:prstGeom prst="rect">
+              <a:avLst/>
+            </a:prstGeom>
+            <a:noFill/>
+          </p:spPr>
+          <p:txBody>
+            <a:bodyPr wrap="square" lIns="0" tIns="0" rIns="0" bIns="0" rtlCol="0">
+              <a:spAutoFit/>
+            </a:bodyPr>
+            <a:lstStyle/>
+            <a:p>
+              <a:pPr/>
+              <a:r>
+                <a:rPr lang="en-US" sz="1100" dirty="0">
+                  <a:solidFill>
+                    <a:schemeClr val="accent6">
+                      <a:lumMod val="75000"/>
+                    </a:schemeClr>
+                  </a:solidFill>
+                </a:rPr>
+                <a:t>O</a:t>
+              </a:r>
+              <a:r>
+                <a:rPr lang="en-US" altLang="zh-CN" sz="1100" dirty="0">
+                  <a:solidFill>
+                    <a:schemeClr val="accent6">
+                      <a:lumMod val="75000"/>
+                    </a:schemeClr>
+                  </a:solidFill>
+                </a:rPr>
+                <a:t>ptimal Cone</a:t>
+              </a:r>
+              <a:endParaRPr lang="en-US" sz="1100" dirty="0">
+                <a:solidFill>
+                  <a:schemeClr val="accent6">
+                    <a:lumMod val="75000"/>
+                  </a:schemeClr>
+                </a:solidFill>
+              </a:endParaRPr>
+            </a:p>
+          </p:txBody>
+        </p:sp>
+        <mc:AlternateContent xmlns:mc="http://schemas.openxmlformats.org/markup-compatibility/2006">
+          <mc:Choice xmlns:a14="http://schemas.microsoft.com/office/drawing/2010/main" Requires="a14">
+            <p:sp>
+              <p:nvSpPr>
+                <p:cNvPr id="102" name="TextBox 101">
+                  <a:extLst>
+                    <a:ext uri="{FF2B5EF4-FFF2-40B4-BE49-F238E27FC236}">
+                      <a16:creationId xmlns:a16="http://schemas.microsoft.com/office/drawing/2014/main" id="{75BBFFA9-7F78-F0CC-6B26-089701FD8448}"/>
+                    </a:ext>
+                  </a:extLst>
+                </p:cNvPr>
+                <p:cNvSpPr txBox="1"/>
+                <p:nvPr/>
+              </p:nvSpPr>
+              <p:spPr>
+                <a:xfrm>
+                  <a:off x="5763609" y="1334402"/>
+                  <a:ext cx="142905" cy="169277"/>
+                </a:xfrm>
+                <a:prstGeom prst="rect">
+                  <a:avLst/>
+                </a:prstGeom>
+                <a:noFill/>
+              </p:spPr>
+              <p:txBody>
+                <a:bodyPr wrap="square" lIns="0" tIns="0" rIns="0" bIns="0" rtlCol="0">
+                  <a:spAutoFit/>
+                </a:bodyPr>
+                <a:lstStyle/>
+                <a:p>
+                  <a:pPr/>
+                  <a14:m>
+                    <m:oMathPara xmlns:m="http://schemas.openxmlformats.org/officeDocument/2006/math">
+                      <m:oMathParaPr>
+                        <m:jc m:val="centerGroup"/>
+                      </m:oMathParaPr>
+                      <m:oMath xmlns:m="http://schemas.openxmlformats.org/officeDocument/2006/math">
+                        <m:sSub>
+                          <m:sSubPr>
+                            <m:ctrlPr>
+                              <a:rPr lang="en-US" sz="1100" i="1" smtClean="0">
+                                <a:solidFill>
+                                  <a:schemeClr val="tx2">
+                                    <a:lumMod val="75000"/>
+                                  </a:schemeClr>
+                                </a:solidFill>
+                                <a:latin typeface="Cambria Math" panose="02040503050406030204" pitchFamily="18" charset="0"/>
+                              </a:rPr>
+                            </m:ctrlPr>
+                          </m:sSubPr>
+                          <m:e>
+                            <m:r>
+                              <a:rPr lang="en-US" sz="1100" b="0" i="1" smtClean="0">
+                                <a:solidFill>
+                                  <a:schemeClr val="tx2">
+                                    <a:lumMod val="75000"/>
+                                  </a:schemeClr>
+                                </a:solidFill>
+                                <a:latin typeface="Cambria Math" panose="02040503050406030204" pitchFamily="18" charset="0"/>
+                              </a:rPr>
+                              <m:t>𝑐</m:t>
+                            </m:r>
+                          </m:e>
+                          <m:sub>
+                            <m:r>
+                              <a:rPr lang="en-US" sz="1100" b="0" i="1" smtClean="0">
+                                <a:solidFill>
+                                  <a:schemeClr val="tx2">
+                                    <a:lumMod val="75000"/>
+                                  </a:schemeClr>
+                                </a:solidFill>
+                                <a:latin typeface="Cambria Math" panose="02040503050406030204" pitchFamily="18" charset="0"/>
+                              </a:rPr>
+                              <m:t>1</m:t>
+                            </m:r>
+                          </m:sub>
+                        </m:sSub>
+                      </m:oMath>
+                    </m:oMathPara>
+                  </a14:m>
+                  <a:endParaRPr lang="en-US" sz="1100" dirty="0">
+                    <a:solidFill>
+                      <a:schemeClr val="tx2">
+                        <a:lumMod val="75000"/>
+                      </a:schemeClr>
+                    </a:solidFill>
+                  </a:endParaRPr>
+                </a:p>
+              </p:txBody>
+            </p:sp>
+          </mc:Choice>
+          <mc:Fallback>
+            <p:sp>
+              <p:nvSpPr>
+                <p:cNvPr id="102" name="TextBox 101">
+                  <a:extLst>
+                    <a:ext uri="{FF2B5EF4-FFF2-40B4-BE49-F238E27FC236}">
+                      <a16:creationId xmlns:a16="http://schemas.microsoft.com/office/drawing/2014/main" id="{75BBFFA9-7F78-F0CC-6B26-089701FD8448}"/>
+                    </a:ext>
+                  </a:extLst>
+                </p:cNvPr>
+                <p:cNvSpPr txBox="1">
+                  <a:spLocks noRot="1" noChangeAspect="1" noMove="1" noResize="1" noEditPoints="1" noAdjustHandles="1" noChangeArrowheads="1" noChangeShapeType="1" noTextEdit="1"/>
+                </p:cNvSpPr>
+                <p:nvPr/>
+              </p:nvSpPr>
+              <p:spPr>
+                <a:xfrm>
+                  <a:off x="5763609" y="1334402"/>
+                  <a:ext cx="142905" cy="169277"/>
+                </a:xfrm>
+                <a:prstGeom prst="rect">
+                  <a:avLst/>
+                </a:prstGeom>
+                <a:blipFill>
+                  <a:blip r:embed="rId2"/>
+                  <a:stretch>
+                    <a:fillRect l="-16667" r="-12500" b="-17857"/>
+                  </a:stretch>
+                </a:blipFill>
+              </p:spPr>
+              <p:txBody>
+                <a:bodyPr/>
+                <a:lstStyle/>
+                <a:p>
+                  <a:r>
+                    <a:rPr lang="en-US">
+                      <a:noFill/>
+                    </a:rPr>
+                    <a:t> </a:t>
+                  </a:r>
+                </a:p>
+              </p:txBody>
+            </p:sp>
+          </mc:Fallback>
+        </mc:AlternateContent>
+        <mc:AlternateContent xmlns:mc="http://schemas.openxmlformats.org/markup-compatibility/2006">
+          <mc:Choice xmlns:a14="http://schemas.microsoft.com/office/drawing/2010/main" Requires="a14">
+            <p:sp>
+              <p:nvSpPr>
+                <p:cNvPr id="103" name="TextBox 102">
+                  <a:extLst>
+                    <a:ext uri="{FF2B5EF4-FFF2-40B4-BE49-F238E27FC236}">
+                      <a16:creationId xmlns:a16="http://schemas.microsoft.com/office/drawing/2014/main" id="{E2A54235-71D9-A02D-E6FB-84492C12766D}"/>
+                    </a:ext>
+                  </a:extLst>
+                </p:cNvPr>
+                <p:cNvSpPr txBox="1"/>
+                <p:nvPr/>
+              </p:nvSpPr>
+              <p:spPr>
+                <a:xfrm>
+                  <a:off x="6318250" y="1566362"/>
+                  <a:ext cx="142905" cy="169277"/>
+                </a:xfrm>
+                <a:prstGeom prst="rect">
+                  <a:avLst/>
+                </a:prstGeom>
+                <a:noFill/>
+              </p:spPr>
+              <p:txBody>
+                <a:bodyPr wrap="square" lIns="0" tIns="0" rIns="0" bIns="0" rtlCol="0">
+                  <a:spAutoFit/>
+                </a:bodyPr>
+                <a:lstStyle/>
+                <a:p>
+                  <a:pPr/>
+                  <a14:m>
+                    <m:oMathPara xmlns:m="http://schemas.openxmlformats.org/officeDocument/2006/math">
+                      <m:oMathParaPr>
+                        <m:jc m:val="centerGroup"/>
+                      </m:oMathParaPr>
+                      <m:oMath xmlns:m="http://schemas.openxmlformats.org/officeDocument/2006/math">
+                        <m:sSub>
+                          <m:sSubPr>
+                            <m:ctrlPr>
+                              <a:rPr lang="en-US" sz="1100" i="1" smtClean="0">
+                                <a:solidFill>
+                                  <a:schemeClr val="tx2">
+                                    <a:lumMod val="75000"/>
+                                  </a:schemeClr>
+                                </a:solidFill>
+                                <a:latin typeface="Cambria Math" panose="02040503050406030204" pitchFamily="18" charset="0"/>
+                              </a:rPr>
+                            </m:ctrlPr>
+                          </m:sSubPr>
+                          <m:e>
+                            <m:r>
+                              <a:rPr lang="en-US" sz="1100" b="0" i="1" smtClean="0">
+                                <a:solidFill>
+                                  <a:schemeClr val="tx2">
+                                    <a:lumMod val="75000"/>
+                                  </a:schemeClr>
+                                </a:solidFill>
+                                <a:latin typeface="Cambria Math" panose="02040503050406030204" pitchFamily="18" charset="0"/>
+                              </a:rPr>
+                              <m:t>𝑐</m:t>
+                            </m:r>
+                          </m:e>
+                          <m:sub>
+                            <m:r>
+                              <a:rPr lang="en-US" sz="1100" b="0" i="1" smtClean="0">
+                                <a:solidFill>
+                                  <a:schemeClr val="tx2">
+                                    <a:lumMod val="75000"/>
+                                  </a:schemeClr>
+                                </a:solidFill>
+                                <a:latin typeface="Cambria Math" panose="02040503050406030204" pitchFamily="18" charset="0"/>
+                              </a:rPr>
+                              <m:t>2</m:t>
+                            </m:r>
+                          </m:sub>
+                        </m:sSub>
+                      </m:oMath>
+                    </m:oMathPara>
+                  </a14:m>
+                  <a:endParaRPr lang="en-US" sz="1100" dirty="0">
+                    <a:solidFill>
+                      <a:schemeClr val="tx2">
+                        <a:lumMod val="75000"/>
+                      </a:schemeClr>
+                    </a:solidFill>
+                  </a:endParaRPr>
+                </a:p>
+              </p:txBody>
+            </p:sp>
+          </mc:Choice>
+          <mc:Fallback>
+            <p:sp>
+              <p:nvSpPr>
+                <p:cNvPr id="103" name="TextBox 102">
+                  <a:extLst>
+                    <a:ext uri="{FF2B5EF4-FFF2-40B4-BE49-F238E27FC236}">
+                      <a16:creationId xmlns:a16="http://schemas.microsoft.com/office/drawing/2014/main" id="{E2A54235-71D9-A02D-E6FB-84492C12766D}"/>
+                    </a:ext>
+                  </a:extLst>
+                </p:cNvPr>
+                <p:cNvSpPr txBox="1">
+                  <a:spLocks noRot="1" noChangeAspect="1" noMove="1" noResize="1" noEditPoints="1" noAdjustHandles="1" noChangeArrowheads="1" noChangeShapeType="1" noTextEdit="1"/>
+                </p:cNvSpPr>
+                <p:nvPr/>
+              </p:nvSpPr>
+              <p:spPr>
+                <a:xfrm>
+                  <a:off x="6318250" y="1566362"/>
+                  <a:ext cx="142905" cy="169277"/>
+                </a:xfrm>
+                <a:prstGeom prst="rect">
+                  <a:avLst/>
+                </a:prstGeom>
+                <a:blipFill>
+                  <a:blip r:embed="rId3"/>
+                  <a:stretch>
+                    <a:fillRect l="-16667" r="-16667" b="-17857"/>
+                  </a:stretch>
+                </a:blipFill>
+              </p:spPr>
+              <p:txBody>
+                <a:bodyPr/>
+                <a:lstStyle/>
+                <a:p>
+                  <a:r>
+                    <a:rPr lang="en-US">
+                      <a:noFill/>
+                    </a:rPr>
+                    <a:t> </a:t>
+                  </a:r>
+                </a:p>
+              </p:txBody>
+            </p:sp>
+          </mc:Fallback>
+        </mc:AlternateContent>
+      </p:grpSp>
+    </p:spTree>
+    <p:extLst>
+      <p:ext uri="{BB962C8B-B14F-4D97-AF65-F5344CB8AC3E}">
+        <p14:creationId xmlns:p14="http://schemas.microsoft.com/office/powerpoint/2010/main" val="2420384765"/>
+      </p:ext>
+    </p:extLst>
+  </p:cSld>
+  <p:clrMapOvr>
+    <a:masterClrMapping/>
+  </p:clrMapOvr>
+</p:sld>
+</file>
+
+<file path=ppt/slides/slide3.xml><?xml version="1.0" encoding="utf-8"?>
+<p:sld xmlns:a="http://schemas.openxmlformats.org/drawingml/2006/main" xmlns:r="http://schemas.openxmlformats.org/officeDocument/2006/relationships" xmlns:p="http://schemas.openxmlformats.org/presentationml/2006/main">
+  <p:cSld>
+    <p:spTree>
+      <p:nvGrpSpPr>
+        <p:cNvPr id="1" name=""/>
+        <p:cNvGrpSpPr/>
+        <p:nvPr/>
+      </p:nvGrpSpPr>
+      <p:grpSpPr>
+        <a:xfrm>
+          <a:off x="0" y="0"/>
+          <a:ext cx="0" cy="0"/>
+          <a:chOff x="0" y="0"/>
+          <a:chExt cx="0" cy="0"/>
+        </a:xfrm>
+      </p:grpSpPr>
+      <p:grpSp>
+        <p:nvGrpSpPr>
           <p:cNvPr id="14" name="Group 13">
             <a:extLst>
               <a:ext uri="{FF2B5EF4-FFF2-40B4-BE49-F238E27FC236}">
@@ -16538,7 +17959,7 @@
 </p:sld>
 </file>
 
-<file path=ppt/slides/slide3.xml><?xml version="1.0" encoding="utf-8"?>
+<file path=ppt/slides/slide4.xml><?xml version="1.0" encoding="utf-8"?>
 <p:sld xmlns:a="http://schemas.openxmlformats.org/drawingml/2006/main" xmlns:r="http://schemas.openxmlformats.org/officeDocument/2006/relationships" xmlns:p="http://schemas.openxmlformats.org/presentationml/2006/main">
   <p:cSld>
     <p:spTree>
@@ -21477,7 +22898,7 @@
 </p:sld>
 </file>
 
-<file path=ppt/slides/slide4.xml><?xml version="1.0" encoding="utf-8"?>
+<file path=ppt/slides/slide5.xml><?xml version="1.0" encoding="utf-8"?>
 <p:sld xmlns:a="http://schemas.openxmlformats.org/drawingml/2006/main" xmlns:r="http://schemas.openxmlformats.org/officeDocument/2006/relationships" xmlns:p="http://schemas.openxmlformats.org/presentationml/2006/main">
   <p:cSld>
     <p:spTree>
@@ -25610,7 +27031,7 @@
 </p:sld>
 </file>
 
-<file path=ppt/slides/slide5.xml><?xml version="1.0" encoding="utf-8"?>
+<file path=ppt/slides/slide6.xml><?xml version="1.0" encoding="utf-8"?>
 <p:sld xmlns:a="http://schemas.openxmlformats.org/drawingml/2006/main" xmlns:r="http://schemas.openxmlformats.org/officeDocument/2006/relationships" xmlns:p="http://schemas.openxmlformats.org/presentationml/2006/main">
   <p:cSld>
     <p:spTree>
@@ -29005,7 +30426,7 @@
 </p:sld>
 </file>
 
-<file path=ppt/slides/slide6.xml><?xml version="1.0" encoding="utf-8"?>
+<file path=ppt/slides/slide7.xml><?xml version="1.0" encoding="utf-8"?>
 <p:sld xmlns:a="http://schemas.openxmlformats.org/drawingml/2006/main" xmlns:r="http://schemas.openxmlformats.org/officeDocument/2006/relationships" xmlns:p="http://schemas.openxmlformats.org/presentationml/2006/main">
   <p:cSld>
     <p:spTree>
